--- a/Presentation_material/presentation.pptx
+++ b/Presentation_material/presentation.pptx
@@ -5208,6 +5208,183 @@
           </a:prstGeom>
         </p:spPr>
       </p:pic>
+      <p:sp>
+        <p:nvSpPr>
+          <p:cNvPr id="9" name="TextBox 8"/>
+          <p:cNvSpPr txBox="1"/>
+          <p:nvPr/>
+        </p:nvSpPr>
+        <p:spPr>
+          <a:xfrm>
+            <a:off x="0" y="7200181"/>
+            <a:ext cx="5326461" cy="12255663"/>
+          </a:xfrm>
+          <a:prstGeom prst="rect">
+            <a:avLst/>
+          </a:prstGeom>
+          <a:noFill/>
+        </p:spPr>
+        <p:txBody>
+          <a:bodyPr wrap="square" rtlCol="0">
+            <a:spAutoFit/>
+          </a:bodyPr>
+          <a:lstStyle/>
+          <a:p>
+            <a:pPr algn="ctr"/>
+            <a:r>
+              <a:rPr lang="en-GB" sz="4000" b="1" dirty="0" smtClean="0">
+                <a:solidFill>
+                  <a:schemeClr val="bg1"/>
+                </a:solidFill>
+              </a:rPr>
+              <a:t>Jo Gay</a:t>
+            </a:r>
+          </a:p>
+          <a:p>
+            <a:pPr algn="ctr"/>
+            <a:r>
+              <a:rPr lang="en-GB" sz="4000" b="1" dirty="0" smtClean="0">
+                <a:solidFill>
+                  <a:schemeClr val="bg1"/>
+                </a:solidFill>
+              </a:rPr>
+              <a:t>Hugo </a:t>
+            </a:r>
+            <a:r>
+              <a:rPr lang="en-GB" sz="4000" b="1" dirty="0" err="1" smtClean="0">
+                <a:solidFill>
+                  <a:schemeClr val="bg1"/>
+                </a:solidFill>
+              </a:rPr>
+              <a:t>Harlin</a:t>
+            </a:r>
+            <a:endParaRPr lang="en-GB" sz="4000" b="1" dirty="0" smtClean="0">
+              <a:solidFill>
+                <a:schemeClr val="bg1"/>
+              </a:solidFill>
+            </a:endParaRPr>
+          </a:p>
+          <a:p>
+            <a:pPr algn="ctr"/>
+            <a:endParaRPr lang="en-GB" sz="1600" b="1" dirty="0" smtClean="0">
+              <a:solidFill>
+                <a:schemeClr val="bg1"/>
+              </a:solidFill>
+            </a:endParaRPr>
+          </a:p>
+          <a:p>
+            <a:pPr algn="ctr"/>
+            <a:r>
+              <a:rPr lang="en-GB" sz="4000" dirty="0" smtClean="0">
+                <a:solidFill>
+                  <a:schemeClr val="bg1"/>
+                </a:solidFill>
+              </a:rPr>
+              <a:t>Project in Computational Science, January 2019</a:t>
+            </a:r>
+          </a:p>
+          <a:p>
+            <a:pPr algn="ctr"/>
+            <a:endParaRPr lang="en-GB" sz="4000" dirty="0" smtClean="0">
+              <a:solidFill>
+                <a:schemeClr val="bg1"/>
+              </a:solidFill>
+            </a:endParaRPr>
+          </a:p>
+          <a:p>
+            <a:pPr algn="ctr"/>
+            <a:endParaRPr lang="en-GB" sz="4000" dirty="0" smtClean="0">
+              <a:solidFill>
+                <a:schemeClr val="bg1"/>
+              </a:solidFill>
+            </a:endParaRPr>
+          </a:p>
+          <a:p>
+            <a:pPr algn="ctr"/>
+            <a:r>
+              <a:rPr lang="en-GB" sz="4000" dirty="0" smtClean="0">
+                <a:solidFill>
+                  <a:schemeClr val="bg1"/>
+                </a:solidFill>
+              </a:rPr>
+              <a:t>Supervisors:</a:t>
+            </a:r>
+          </a:p>
+          <a:p>
+            <a:pPr algn="ctr"/>
+            <a:r>
+              <a:rPr lang="sv-SE" sz="4000" b="1" dirty="0">
+                <a:solidFill>
+                  <a:schemeClr val="bg1"/>
+                </a:solidFill>
+              </a:rPr>
+              <a:t>Joakim </a:t>
+            </a:r>
+            <a:r>
+              <a:rPr lang="sv-SE" sz="4000" b="1" dirty="0" smtClean="0">
+                <a:solidFill>
+                  <a:schemeClr val="bg1"/>
+                </a:solidFill>
+              </a:rPr>
+              <a:t>Lindblad </a:t>
+            </a:r>
+            <a:r>
+              <a:rPr lang="sv-SE" sz="4000" b="1" dirty="0">
+                <a:solidFill>
+                  <a:schemeClr val="bg1"/>
+                </a:solidFill>
+              </a:rPr>
+              <a:t>Nataša </a:t>
+            </a:r>
+            <a:r>
+              <a:rPr lang="sv-SE" sz="4000" b="1" dirty="0" smtClean="0">
+                <a:solidFill>
+                  <a:schemeClr val="bg1"/>
+                </a:solidFill>
+              </a:rPr>
+              <a:t>Sladjoe</a:t>
+            </a:r>
+          </a:p>
+          <a:p>
+            <a:pPr algn="ctr"/>
+            <a:endParaRPr lang="sv-SE" sz="1600" b="1" dirty="0">
+              <a:solidFill>
+                <a:schemeClr val="bg1"/>
+              </a:solidFill>
+            </a:endParaRPr>
+          </a:p>
+          <a:p>
+            <a:pPr algn="ctr"/>
+            <a:r>
+              <a:rPr lang="en-GB" sz="4000" dirty="0" smtClean="0">
+                <a:solidFill>
+                  <a:schemeClr val="bg1"/>
+                </a:solidFill>
+              </a:rPr>
+              <a:t>Centre for Image Analysis,</a:t>
+            </a:r>
+          </a:p>
+          <a:p>
+            <a:pPr algn="ctr"/>
+            <a:r>
+              <a:rPr lang="en-GB" sz="4000" dirty="0" smtClean="0">
+                <a:solidFill>
+                  <a:schemeClr val="bg1"/>
+                </a:solidFill>
+              </a:rPr>
+              <a:t>Department of Information Technology</a:t>
+            </a:r>
+          </a:p>
+          <a:p>
+            <a:pPr algn="ctr"/>
+            <a:endParaRPr lang="en-GB" sz="4000" dirty="0" smtClean="0">
+              <a:solidFill>
+                <a:schemeClr val="bg1"/>
+              </a:solidFill>
+            </a:endParaRPr>
+          </a:p>
+        </p:txBody>
+      </p:sp>
     </p:spTree>
     <p:extLst>
       <p:ext uri="{BB962C8B-B14F-4D97-AF65-F5344CB8AC3E}">
@@ -5317,6 +5494,183 @@
           </a:p>
         </p:txBody>
       </p:sp>
+      <p:sp>
+        <p:nvSpPr>
+          <p:cNvPr id="4" name="TextBox 3"/>
+          <p:cNvSpPr txBox="1"/>
+          <p:nvPr/>
+        </p:nvSpPr>
+        <p:spPr>
+          <a:xfrm>
+            <a:off x="0" y="7200181"/>
+            <a:ext cx="5326461" cy="12255663"/>
+          </a:xfrm>
+          <a:prstGeom prst="rect">
+            <a:avLst/>
+          </a:prstGeom>
+          <a:noFill/>
+        </p:spPr>
+        <p:txBody>
+          <a:bodyPr wrap="square" rtlCol="0">
+            <a:spAutoFit/>
+          </a:bodyPr>
+          <a:lstStyle/>
+          <a:p>
+            <a:pPr algn="ctr"/>
+            <a:r>
+              <a:rPr lang="en-GB" sz="4000" b="1" dirty="0" smtClean="0">
+                <a:solidFill>
+                  <a:schemeClr val="bg1"/>
+                </a:solidFill>
+              </a:rPr>
+              <a:t>Jo Gay</a:t>
+            </a:r>
+          </a:p>
+          <a:p>
+            <a:pPr algn="ctr"/>
+            <a:r>
+              <a:rPr lang="en-GB" sz="4000" b="1" dirty="0" smtClean="0">
+                <a:solidFill>
+                  <a:schemeClr val="bg1"/>
+                </a:solidFill>
+              </a:rPr>
+              <a:t>Hugo </a:t>
+            </a:r>
+            <a:r>
+              <a:rPr lang="en-GB" sz="4000" b="1" dirty="0" err="1" smtClean="0">
+                <a:solidFill>
+                  <a:schemeClr val="bg1"/>
+                </a:solidFill>
+              </a:rPr>
+              <a:t>Harlin</a:t>
+            </a:r>
+            <a:endParaRPr lang="en-GB" sz="4000" b="1" dirty="0" smtClean="0">
+              <a:solidFill>
+                <a:schemeClr val="bg1"/>
+              </a:solidFill>
+            </a:endParaRPr>
+          </a:p>
+          <a:p>
+            <a:pPr algn="ctr"/>
+            <a:endParaRPr lang="en-GB" sz="1600" b="1" dirty="0" smtClean="0">
+              <a:solidFill>
+                <a:schemeClr val="bg1"/>
+              </a:solidFill>
+            </a:endParaRPr>
+          </a:p>
+          <a:p>
+            <a:pPr algn="ctr"/>
+            <a:r>
+              <a:rPr lang="en-GB" sz="4000" dirty="0" smtClean="0">
+                <a:solidFill>
+                  <a:schemeClr val="bg1"/>
+                </a:solidFill>
+              </a:rPr>
+              <a:t>Project in Computational Science, January 2019</a:t>
+            </a:r>
+          </a:p>
+          <a:p>
+            <a:pPr algn="ctr"/>
+            <a:endParaRPr lang="en-GB" sz="4000" dirty="0" smtClean="0">
+              <a:solidFill>
+                <a:schemeClr val="bg1"/>
+              </a:solidFill>
+            </a:endParaRPr>
+          </a:p>
+          <a:p>
+            <a:pPr algn="ctr"/>
+            <a:endParaRPr lang="en-GB" sz="4000" dirty="0" smtClean="0">
+              <a:solidFill>
+                <a:schemeClr val="bg1"/>
+              </a:solidFill>
+            </a:endParaRPr>
+          </a:p>
+          <a:p>
+            <a:pPr algn="ctr"/>
+            <a:r>
+              <a:rPr lang="en-GB" sz="4000" dirty="0" smtClean="0">
+                <a:solidFill>
+                  <a:schemeClr val="bg1"/>
+                </a:solidFill>
+              </a:rPr>
+              <a:t>Supervisors:</a:t>
+            </a:r>
+          </a:p>
+          <a:p>
+            <a:pPr algn="ctr"/>
+            <a:r>
+              <a:rPr lang="sv-SE" sz="4000" b="1" dirty="0">
+                <a:solidFill>
+                  <a:schemeClr val="bg1"/>
+                </a:solidFill>
+              </a:rPr>
+              <a:t>Joakim </a:t>
+            </a:r>
+            <a:r>
+              <a:rPr lang="sv-SE" sz="4000" b="1" dirty="0" smtClean="0">
+                <a:solidFill>
+                  <a:schemeClr val="bg1"/>
+                </a:solidFill>
+              </a:rPr>
+              <a:t>Lindblad </a:t>
+            </a:r>
+            <a:r>
+              <a:rPr lang="sv-SE" sz="4000" b="1" dirty="0">
+                <a:solidFill>
+                  <a:schemeClr val="bg1"/>
+                </a:solidFill>
+              </a:rPr>
+              <a:t>Nataša </a:t>
+            </a:r>
+            <a:r>
+              <a:rPr lang="sv-SE" sz="4000" b="1" dirty="0" smtClean="0">
+                <a:solidFill>
+                  <a:schemeClr val="bg1"/>
+                </a:solidFill>
+              </a:rPr>
+              <a:t>Sladjoe</a:t>
+            </a:r>
+          </a:p>
+          <a:p>
+            <a:pPr algn="ctr"/>
+            <a:endParaRPr lang="sv-SE" sz="1600" b="1" dirty="0">
+              <a:solidFill>
+                <a:schemeClr val="bg1"/>
+              </a:solidFill>
+            </a:endParaRPr>
+          </a:p>
+          <a:p>
+            <a:pPr algn="ctr"/>
+            <a:r>
+              <a:rPr lang="en-GB" sz="4000" dirty="0" smtClean="0">
+                <a:solidFill>
+                  <a:schemeClr val="bg1"/>
+                </a:solidFill>
+              </a:rPr>
+              <a:t>Centre for Image Analysis,</a:t>
+            </a:r>
+          </a:p>
+          <a:p>
+            <a:pPr algn="ctr"/>
+            <a:r>
+              <a:rPr lang="en-GB" sz="4000" dirty="0" smtClean="0">
+                <a:solidFill>
+                  <a:schemeClr val="bg1"/>
+                </a:solidFill>
+              </a:rPr>
+              <a:t>Department of Information Technology</a:t>
+            </a:r>
+          </a:p>
+          <a:p>
+            <a:pPr algn="ctr"/>
+            <a:endParaRPr lang="en-GB" sz="4000" dirty="0" smtClean="0">
+              <a:solidFill>
+                <a:schemeClr val="bg1"/>
+              </a:solidFill>
+            </a:endParaRPr>
+          </a:p>
+        </p:txBody>
+      </p:sp>
     </p:spTree>
     <p:extLst>
       <p:ext uri="{BB962C8B-B14F-4D97-AF65-F5344CB8AC3E}">
@@ -6108,6 +6462,183 @@
           </a:extLst>
         </p:spPr>
       </p:pic>
+      <p:sp>
+        <p:nvSpPr>
+          <p:cNvPr id="14" name="TextBox 13"/>
+          <p:cNvSpPr txBox="1"/>
+          <p:nvPr/>
+        </p:nvSpPr>
+        <p:spPr>
+          <a:xfrm>
+            <a:off x="0" y="7200181"/>
+            <a:ext cx="5326461" cy="12255663"/>
+          </a:xfrm>
+          <a:prstGeom prst="rect">
+            <a:avLst/>
+          </a:prstGeom>
+          <a:noFill/>
+        </p:spPr>
+        <p:txBody>
+          <a:bodyPr wrap="square" rtlCol="0">
+            <a:spAutoFit/>
+          </a:bodyPr>
+          <a:lstStyle/>
+          <a:p>
+            <a:pPr algn="ctr"/>
+            <a:r>
+              <a:rPr lang="en-GB" sz="4000" b="1" dirty="0" smtClean="0">
+                <a:solidFill>
+                  <a:schemeClr val="bg1"/>
+                </a:solidFill>
+              </a:rPr>
+              <a:t>Jo Gay</a:t>
+            </a:r>
+          </a:p>
+          <a:p>
+            <a:pPr algn="ctr"/>
+            <a:r>
+              <a:rPr lang="en-GB" sz="4000" b="1" dirty="0" smtClean="0">
+                <a:solidFill>
+                  <a:schemeClr val="bg1"/>
+                </a:solidFill>
+              </a:rPr>
+              <a:t>Hugo </a:t>
+            </a:r>
+            <a:r>
+              <a:rPr lang="en-GB" sz="4000" b="1" dirty="0" err="1" smtClean="0">
+                <a:solidFill>
+                  <a:schemeClr val="bg1"/>
+                </a:solidFill>
+              </a:rPr>
+              <a:t>Harlin</a:t>
+            </a:r>
+            <a:endParaRPr lang="en-GB" sz="4000" b="1" dirty="0" smtClean="0">
+              <a:solidFill>
+                <a:schemeClr val="bg1"/>
+              </a:solidFill>
+            </a:endParaRPr>
+          </a:p>
+          <a:p>
+            <a:pPr algn="ctr"/>
+            <a:endParaRPr lang="en-GB" sz="1600" b="1" dirty="0" smtClean="0">
+              <a:solidFill>
+                <a:schemeClr val="bg1"/>
+              </a:solidFill>
+            </a:endParaRPr>
+          </a:p>
+          <a:p>
+            <a:pPr algn="ctr"/>
+            <a:r>
+              <a:rPr lang="en-GB" sz="4000" dirty="0" smtClean="0">
+                <a:solidFill>
+                  <a:schemeClr val="bg1"/>
+                </a:solidFill>
+              </a:rPr>
+              <a:t>Project in Computational Science, January 2019</a:t>
+            </a:r>
+          </a:p>
+          <a:p>
+            <a:pPr algn="ctr"/>
+            <a:endParaRPr lang="en-GB" sz="4000" dirty="0" smtClean="0">
+              <a:solidFill>
+                <a:schemeClr val="bg1"/>
+              </a:solidFill>
+            </a:endParaRPr>
+          </a:p>
+          <a:p>
+            <a:pPr algn="ctr"/>
+            <a:endParaRPr lang="en-GB" sz="4000" dirty="0" smtClean="0">
+              <a:solidFill>
+                <a:schemeClr val="bg1"/>
+              </a:solidFill>
+            </a:endParaRPr>
+          </a:p>
+          <a:p>
+            <a:pPr algn="ctr"/>
+            <a:r>
+              <a:rPr lang="en-GB" sz="4000" dirty="0" smtClean="0">
+                <a:solidFill>
+                  <a:schemeClr val="bg1"/>
+                </a:solidFill>
+              </a:rPr>
+              <a:t>Supervisors:</a:t>
+            </a:r>
+          </a:p>
+          <a:p>
+            <a:pPr algn="ctr"/>
+            <a:r>
+              <a:rPr lang="sv-SE" sz="4000" b="1" dirty="0">
+                <a:solidFill>
+                  <a:schemeClr val="bg1"/>
+                </a:solidFill>
+              </a:rPr>
+              <a:t>Joakim </a:t>
+            </a:r>
+            <a:r>
+              <a:rPr lang="sv-SE" sz="4000" b="1" dirty="0" smtClean="0">
+                <a:solidFill>
+                  <a:schemeClr val="bg1"/>
+                </a:solidFill>
+              </a:rPr>
+              <a:t>Lindblad </a:t>
+            </a:r>
+            <a:r>
+              <a:rPr lang="sv-SE" sz="4000" b="1" dirty="0">
+                <a:solidFill>
+                  <a:schemeClr val="bg1"/>
+                </a:solidFill>
+              </a:rPr>
+              <a:t>Nataša </a:t>
+            </a:r>
+            <a:r>
+              <a:rPr lang="sv-SE" sz="4000" b="1" dirty="0" smtClean="0">
+                <a:solidFill>
+                  <a:schemeClr val="bg1"/>
+                </a:solidFill>
+              </a:rPr>
+              <a:t>Sladjoe</a:t>
+            </a:r>
+          </a:p>
+          <a:p>
+            <a:pPr algn="ctr"/>
+            <a:endParaRPr lang="sv-SE" sz="1600" b="1" dirty="0">
+              <a:solidFill>
+                <a:schemeClr val="bg1"/>
+              </a:solidFill>
+            </a:endParaRPr>
+          </a:p>
+          <a:p>
+            <a:pPr algn="ctr"/>
+            <a:r>
+              <a:rPr lang="en-GB" sz="4000" dirty="0" smtClean="0">
+                <a:solidFill>
+                  <a:schemeClr val="bg1"/>
+                </a:solidFill>
+              </a:rPr>
+              <a:t>Centre for Image Analysis,</a:t>
+            </a:r>
+          </a:p>
+          <a:p>
+            <a:pPr algn="ctr"/>
+            <a:r>
+              <a:rPr lang="en-GB" sz="4000" dirty="0" smtClean="0">
+                <a:solidFill>
+                  <a:schemeClr val="bg1"/>
+                </a:solidFill>
+              </a:rPr>
+              <a:t>Department of Information Technology</a:t>
+            </a:r>
+          </a:p>
+          <a:p>
+            <a:pPr algn="ctr"/>
+            <a:endParaRPr lang="en-GB" sz="4000" dirty="0" smtClean="0">
+              <a:solidFill>
+                <a:schemeClr val="bg1"/>
+              </a:solidFill>
+            </a:endParaRPr>
+          </a:p>
+        </p:txBody>
+      </p:sp>
     </p:spTree>
     <p:extLst>
       <p:ext uri="{BB962C8B-B14F-4D97-AF65-F5344CB8AC3E}">
@@ -7576,6 +8107,183 @@
           </p:sp>
         </mc:Fallback>
       </mc:AlternateContent>
+      <p:sp>
+        <p:nvSpPr>
+          <p:cNvPr id="17" name="TextBox 16"/>
+          <p:cNvSpPr txBox="1"/>
+          <p:nvPr/>
+        </p:nvSpPr>
+        <p:spPr>
+          <a:xfrm>
+            <a:off x="0" y="7200181"/>
+            <a:ext cx="5326461" cy="12255663"/>
+          </a:xfrm>
+          <a:prstGeom prst="rect">
+            <a:avLst/>
+          </a:prstGeom>
+          <a:noFill/>
+        </p:spPr>
+        <p:txBody>
+          <a:bodyPr wrap="square" rtlCol="0">
+            <a:spAutoFit/>
+          </a:bodyPr>
+          <a:lstStyle/>
+          <a:p>
+            <a:pPr algn="ctr"/>
+            <a:r>
+              <a:rPr lang="en-GB" sz="4000" b="1" dirty="0" smtClean="0">
+                <a:solidFill>
+                  <a:schemeClr val="bg1"/>
+                </a:solidFill>
+              </a:rPr>
+              <a:t>Jo Gay</a:t>
+            </a:r>
+          </a:p>
+          <a:p>
+            <a:pPr algn="ctr"/>
+            <a:r>
+              <a:rPr lang="en-GB" sz="4000" b="1" dirty="0" smtClean="0">
+                <a:solidFill>
+                  <a:schemeClr val="bg1"/>
+                </a:solidFill>
+              </a:rPr>
+              <a:t>Hugo </a:t>
+            </a:r>
+            <a:r>
+              <a:rPr lang="en-GB" sz="4000" b="1" dirty="0" err="1" smtClean="0">
+                <a:solidFill>
+                  <a:schemeClr val="bg1"/>
+                </a:solidFill>
+              </a:rPr>
+              <a:t>Harlin</a:t>
+            </a:r>
+            <a:endParaRPr lang="en-GB" sz="4000" b="1" dirty="0" smtClean="0">
+              <a:solidFill>
+                <a:schemeClr val="bg1"/>
+              </a:solidFill>
+            </a:endParaRPr>
+          </a:p>
+          <a:p>
+            <a:pPr algn="ctr"/>
+            <a:endParaRPr lang="en-GB" sz="1600" b="1" dirty="0" smtClean="0">
+              <a:solidFill>
+                <a:schemeClr val="bg1"/>
+              </a:solidFill>
+            </a:endParaRPr>
+          </a:p>
+          <a:p>
+            <a:pPr algn="ctr"/>
+            <a:r>
+              <a:rPr lang="en-GB" sz="4000" dirty="0" smtClean="0">
+                <a:solidFill>
+                  <a:schemeClr val="bg1"/>
+                </a:solidFill>
+              </a:rPr>
+              <a:t>Project in Computational Science, January 2019</a:t>
+            </a:r>
+          </a:p>
+          <a:p>
+            <a:pPr algn="ctr"/>
+            <a:endParaRPr lang="en-GB" sz="4000" dirty="0" smtClean="0">
+              <a:solidFill>
+                <a:schemeClr val="bg1"/>
+              </a:solidFill>
+            </a:endParaRPr>
+          </a:p>
+          <a:p>
+            <a:pPr algn="ctr"/>
+            <a:endParaRPr lang="en-GB" sz="4000" dirty="0" smtClean="0">
+              <a:solidFill>
+                <a:schemeClr val="bg1"/>
+              </a:solidFill>
+            </a:endParaRPr>
+          </a:p>
+          <a:p>
+            <a:pPr algn="ctr"/>
+            <a:r>
+              <a:rPr lang="en-GB" sz="4000" dirty="0" smtClean="0">
+                <a:solidFill>
+                  <a:schemeClr val="bg1"/>
+                </a:solidFill>
+              </a:rPr>
+              <a:t>Supervisors:</a:t>
+            </a:r>
+          </a:p>
+          <a:p>
+            <a:pPr algn="ctr"/>
+            <a:r>
+              <a:rPr lang="sv-SE" sz="4000" b="1" dirty="0">
+                <a:solidFill>
+                  <a:schemeClr val="bg1"/>
+                </a:solidFill>
+              </a:rPr>
+              <a:t>Joakim </a:t>
+            </a:r>
+            <a:r>
+              <a:rPr lang="sv-SE" sz="4000" b="1" dirty="0" smtClean="0">
+                <a:solidFill>
+                  <a:schemeClr val="bg1"/>
+                </a:solidFill>
+              </a:rPr>
+              <a:t>Lindblad </a:t>
+            </a:r>
+            <a:r>
+              <a:rPr lang="sv-SE" sz="4000" b="1" dirty="0">
+                <a:solidFill>
+                  <a:schemeClr val="bg1"/>
+                </a:solidFill>
+              </a:rPr>
+              <a:t>Nataša </a:t>
+            </a:r>
+            <a:r>
+              <a:rPr lang="sv-SE" sz="4000" b="1" dirty="0" smtClean="0">
+                <a:solidFill>
+                  <a:schemeClr val="bg1"/>
+                </a:solidFill>
+              </a:rPr>
+              <a:t>Sladjoe</a:t>
+            </a:r>
+          </a:p>
+          <a:p>
+            <a:pPr algn="ctr"/>
+            <a:endParaRPr lang="sv-SE" sz="1600" b="1" dirty="0">
+              <a:solidFill>
+                <a:schemeClr val="bg1"/>
+              </a:solidFill>
+            </a:endParaRPr>
+          </a:p>
+          <a:p>
+            <a:pPr algn="ctr"/>
+            <a:r>
+              <a:rPr lang="en-GB" sz="4000" dirty="0" smtClean="0">
+                <a:solidFill>
+                  <a:schemeClr val="bg1"/>
+                </a:solidFill>
+              </a:rPr>
+              <a:t>Centre for Image Analysis,</a:t>
+            </a:r>
+          </a:p>
+          <a:p>
+            <a:pPr algn="ctr"/>
+            <a:r>
+              <a:rPr lang="en-GB" sz="4000" dirty="0" smtClean="0">
+                <a:solidFill>
+                  <a:schemeClr val="bg1"/>
+                </a:solidFill>
+              </a:rPr>
+              <a:t>Department of Information Technology</a:t>
+            </a:r>
+          </a:p>
+          <a:p>
+            <a:pPr algn="ctr"/>
+            <a:endParaRPr lang="en-GB" sz="4000" dirty="0" smtClean="0">
+              <a:solidFill>
+                <a:schemeClr val="bg1"/>
+              </a:solidFill>
+            </a:endParaRPr>
+          </a:p>
+        </p:txBody>
+      </p:sp>
     </p:spTree>
     <p:extLst>
       <p:ext uri="{BB962C8B-B14F-4D97-AF65-F5344CB8AC3E}">
@@ -10693,6 +11401,183 @@
           </a:p>
         </p:txBody>
       </p:sp>
+      <p:sp>
+        <p:nvSpPr>
+          <p:cNvPr id="18" name="TextBox 17"/>
+          <p:cNvSpPr txBox="1"/>
+          <p:nvPr/>
+        </p:nvSpPr>
+        <p:spPr>
+          <a:xfrm>
+            <a:off x="0" y="7200181"/>
+            <a:ext cx="5326461" cy="12255663"/>
+          </a:xfrm>
+          <a:prstGeom prst="rect">
+            <a:avLst/>
+          </a:prstGeom>
+          <a:noFill/>
+        </p:spPr>
+        <p:txBody>
+          <a:bodyPr wrap="square" rtlCol="0">
+            <a:spAutoFit/>
+          </a:bodyPr>
+          <a:lstStyle/>
+          <a:p>
+            <a:pPr algn="ctr"/>
+            <a:r>
+              <a:rPr lang="en-GB" sz="4000" b="1" dirty="0" smtClean="0">
+                <a:solidFill>
+                  <a:schemeClr val="bg1"/>
+                </a:solidFill>
+              </a:rPr>
+              <a:t>Jo Gay</a:t>
+            </a:r>
+          </a:p>
+          <a:p>
+            <a:pPr algn="ctr"/>
+            <a:r>
+              <a:rPr lang="en-GB" sz="4000" b="1" dirty="0" smtClean="0">
+                <a:solidFill>
+                  <a:schemeClr val="bg1"/>
+                </a:solidFill>
+              </a:rPr>
+              <a:t>Hugo </a:t>
+            </a:r>
+            <a:r>
+              <a:rPr lang="en-GB" sz="4000" b="1" dirty="0" err="1" smtClean="0">
+                <a:solidFill>
+                  <a:schemeClr val="bg1"/>
+                </a:solidFill>
+              </a:rPr>
+              <a:t>Harlin</a:t>
+            </a:r>
+            <a:endParaRPr lang="en-GB" sz="4000" b="1" dirty="0" smtClean="0">
+              <a:solidFill>
+                <a:schemeClr val="bg1"/>
+              </a:solidFill>
+            </a:endParaRPr>
+          </a:p>
+          <a:p>
+            <a:pPr algn="ctr"/>
+            <a:endParaRPr lang="en-GB" sz="1600" b="1" dirty="0" smtClean="0">
+              <a:solidFill>
+                <a:schemeClr val="bg1"/>
+              </a:solidFill>
+            </a:endParaRPr>
+          </a:p>
+          <a:p>
+            <a:pPr algn="ctr"/>
+            <a:r>
+              <a:rPr lang="en-GB" sz="4000" dirty="0" smtClean="0">
+                <a:solidFill>
+                  <a:schemeClr val="bg1"/>
+                </a:solidFill>
+              </a:rPr>
+              <a:t>Project in Computational Science, January 2019</a:t>
+            </a:r>
+          </a:p>
+          <a:p>
+            <a:pPr algn="ctr"/>
+            <a:endParaRPr lang="en-GB" sz="4000" dirty="0" smtClean="0">
+              <a:solidFill>
+                <a:schemeClr val="bg1"/>
+              </a:solidFill>
+            </a:endParaRPr>
+          </a:p>
+          <a:p>
+            <a:pPr algn="ctr"/>
+            <a:endParaRPr lang="en-GB" sz="4000" dirty="0" smtClean="0">
+              <a:solidFill>
+                <a:schemeClr val="bg1"/>
+              </a:solidFill>
+            </a:endParaRPr>
+          </a:p>
+          <a:p>
+            <a:pPr algn="ctr"/>
+            <a:r>
+              <a:rPr lang="en-GB" sz="4000" dirty="0" smtClean="0">
+                <a:solidFill>
+                  <a:schemeClr val="bg1"/>
+                </a:solidFill>
+              </a:rPr>
+              <a:t>Supervisors:</a:t>
+            </a:r>
+          </a:p>
+          <a:p>
+            <a:pPr algn="ctr"/>
+            <a:r>
+              <a:rPr lang="sv-SE" sz="4000" b="1" dirty="0">
+                <a:solidFill>
+                  <a:schemeClr val="bg1"/>
+                </a:solidFill>
+              </a:rPr>
+              <a:t>Joakim </a:t>
+            </a:r>
+            <a:r>
+              <a:rPr lang="sv-SE" sz="4000" b="1" dirty="0" smtClean="0">
+                <a:solidFill>
+                  <a:schemeClr val="bg1"/>
+                </a:solidFill>
+              </a:rPr>
+              <a:t>Lindblad </a:t>
+            </a:r>
+            <a:r>
+              <a:rPr lang="sv-SE" sz="4000" b="1" dirty="0">
+                <a:solidFill>
+                  <a:schemeClr val="bg1"/>
+                </a:solidFill>
+              </a:rPr>
+              <a:t>Nataša </a:t>
+            </a:r>
+            <a:r>
+              <a:rPr lang="sv-SE" sz="4000" b="1" dirty="0" smtClean="0">
+                <a:solidFill>
+                  <a:schemeClr val="bg1"/>
+                </a:solidFill>
+              </a:rPr>
+              <a:t>Sladjoe</a:t>
+            </a:r>
+          </a:p>
+          <a:p>
+            <a:pPr algn="ctr"/>
+            <a:endParaRPr lang="sv-SE" sz="1600" b="1" dirty="0">
+              <a:solidFill>
+                <a:schemeClr val="bg1"/>
+              </a:solidFill>
+            </a:endParaRPr>
+          </a:p>
+          <a:p>
+            <a:pPr algn="ctr"/>
+            <a:r>
+              <a:rPr lang="en-GB" sz="4000" dirty="0" smtClean="0">
+                <a:solidFill>
+                  <a:schemeClr val="bg1"/>
+                </a:solidFill>
+              </a:rPr>
+              <a:t>Centre for Image Analysis,</a:t>
+            </a:r>
+          </a:p>
+          <a:p>
+            <a:pPr algn="ctr"/>
+            <a:r>
+              <a:rPr lang="en-GB" sz="4000" dirty="0" smtClean="0">
+                <a:solidFill>
+                  <a:schemeClr val="bg1"/>
+                </a:solidFill>
+              </a:rPr>
+              <a:t>Department of Information Technology</a:t>
+            </a:r>
+          </a:p>
+          <a:p>
+            <a:pPr algn="ctr"/>
+            <a:endParaRPr lang="en-GB" sz="4000" dirty="0" smtClean="0">
+              <a:solidFill>
+                <a:schemeClr val="bg1"/>
+              </a:solidFill>
+            </a:endParaRPr>
+          </a:p>
+        </p:txBody>
+      </p:sp>
     </p:spTree>
     <p:extLst>
       <p:ext uri="{BB962C8B-B14F-4D97-AF65-F5344CB8AC3E}">
@@ -11303,6 +12188,183 @@
               <a:t>- Standard dense NN module</a:t>
             </a:r>
             <a:endParaRPr lang="en-GB" dirty="0"/>
+          </a:p>
+        </p:txBody>
+      </p:sp>
+      <p:sp>
+        <p:nvSpPr>
+          <p:cNvPr id="4" name="TextBox 3"/>
+          <p:cNvSpPr txBox="1"/>
+          <p:nvPr/>
+        </p:nvSpPr>
+        <p:spPr>
+          <a:xfrm>
+            <a:off x="0" y="7200181"/>
+            <a:ext cx="5326461" cy="12255663"/>
+          </a:xfrm>
+          <a:prstGeom prst="rect">
+            <a:avLst/>
+          </a:prstGeom>
+          <a:noFill/>
+        </p:spPr>
+        <p:txBody>
+          <a:bodyPr wrap="square" rtlCol="0">
+            <a:spAutoFit/>
+          </a:bodyPr>
+          <a:lstStyle/>
+          <a:p>
+            <a:pPr algn="ctr"/>
+            <a:r>
+              <a:rPr lang="en-GB" sz="4000" b="1" dirty="0" smtClean="0">
+                <a:solidFill>
+                  <a:schemeClr val="bg1"/>
+                </a:solidFill>
+              </a:rPr>
+              <a:t>Jo Gay</a:t>
+            </a:r>
+          </a:p>
+          <a:p>
+            <a:pPr algn="ctr"/>
+            <a:r>
+              <a:rPr lang="en-GB" sz="4000" b="1" dirty="0" smtClean="0">
+                <a:solidFill>
+                  <a:schemeClr val="bg1"/>
+                </a:solidFill>
+              </a:rPr>
+              <a:t>Hugo </a:t>
+            </a:r>
+            <a:r>
+              <a:rPr lang="en-GB" sz="4000" b="1" dirty="0" err="1" smtClean="0">
+                <a:solidFill>
+                  <a:schemeClr val="bg1"/>
+                </a:solidFill>
+              </a:rPr>
+              <a:t>Harlin</a:t>
+            </a:r>
+            <a:endParaRPr lang="en-GB" sz="4000" b="1" dirty="0" smtClean="0">
+              <a:solidFill>
+                <a:schemeClr val="bg1"/>
+              </a:solidFill>
+            </a:endParaRPr>
+          </a:p>
+          <a:p>
+            <a:pPr algn="ctr"/>
+            <a:endParaRPr lang="en-GB" sz="1600" b="1" dirty="0" smtClean="0">
+              <a:solidFill>
+                <a:schemeClr val="bg1"/>
+              </a:solidFill>
+            </a:endParaRPr>
+          </a:p>
+          <a:p>
+            <a:pPr algn="ctr"/>
+            <a:r>
+              <a:rPr lang="en-GB" sz="4000" dirty="0" smtClean="0">
+                <a:solidFill>
+                  <a:schemeClr val="bg1"/>
+                </a:solidFill>
+              </a:rPr>
+              <a:t>Project in Computational Science, January 2019</a:t>
+            </a:r>
+          </a:p>
+          <a:p>
+            <a:pPr algn="ctr"/>
+            <a:endParaRPr lang="en-GB" sz="4000" dirty="0" smtClean="0">
+              <a:solidFill>
+                <a:schemeClr val="bg1"/>
+              </a:solidFill>
+            </a:endParaRPr>
+          </a:p>
+          <a:p>
+            <a:pPr algn="ctr"/>
+            <a:endParaRPr lang="en-GB" sz="4000" dirty="0" smtClean="0">
+              <a:solidFill>
+                <a:schemeClr val="bg1"/>
+              </a:solidFill>
+            </a:endParaRPr>
+          </a:p>
+          <a:p>
+            <a:pPr algn="ctr"/>
+            <a:r>
+              <a:rPr lang="en-GB" sz="4000" dirty="0" smtClean="0">
+                <a:solidFill>
+                  <a:schemeClr val="bg1"/>
+                </a:solidFill>
+              </a:rPr>
+              <a:t>Supervisors:</a:t>
+            </a:r>
+          </a:p>
+          <a:p>
+            <a:pPr algn="ctr"/>
+            <a:r>
+              <a:rPr lang="sv-SE" sz="4000" b="1" dirty="0">
+                <a:solidFill>
+                  <a:schemeClr val="bg1"/>
+                </a:solidFill>
+              </a:rPr>
+              <a:t>Joakim </a:t>
+            </a:r>
+            <a:r>
+              <a:rPr lang="sv-SE" sz="4000" b="1" dirty="0" smtClean="0">
+                <a:solidFill>
+                  <a:schemeClr val="bg1"/>
+                </a:solidFill>
+              </a:rPr>
+              <a:t>Lindblad </a:t>
+            </a:r>
+            <a:r>
+              <a:rPr lang="sv-SE" sz="4000" b="1" dirty="0">
+                <a:solidFill>
+                  <a:schemeClr val="bg1"/>
+                </a:solidFill>
+              </a:rPr>
+              <a:t>Nataša </a:t>
+            </a:r>
+            <a:r>
+              <a:rPr lang="sv-SE" sz="4000" b="1" dirty="0" smtClean="0">
+                <a:solidFill>
+                  <a:schemeClr val="bg1"/>
+                </a:solidFill>
+              </a:rPr>
+              <a:t>Sladjoe</a:t>
+            </a:r>
+          </a:p>
+          <a:p>
+            <a:pPr algn="ctr"/>
+            <a:endParaRPr lang="sv-SE" sz="1600" b="1" dirty="0">
+              <a:solidFill>
+                <a:schemeClr val="bg1"/>
+              </a:solidFill>
+            </a:endParaRPr>
+          </a:p>
+          <a:p>
+            <a:pPr algn="ctr"/>
+            <a:r>
+              <a:rPr lang="en-GB" sz="4000" dirty="0" smtClean="0">
+                <a:solidFill>
+                  <a:schemeClr val="bg1"/>
+                </a:solidFill>
+              </a:rPr>
+              <a:t>Centre for Image Analysis,</a:t>
+            </a:r>
+          </a:p>
+          <a:p>
+            <a:pPr algn="ctr"/>
+            <a:r>
+              <a:rPr lang="en-GB" sz="4000" dirty="0" smtClean="0">
+                <a:solidFill>
+                  <a:schemeClr val="bg1"/>
+                </a:solidFill>
+              </a:rPr>
+              <a:t>Department of Information Technology</a:t>
+            </a:r>
+          </a:p>
+          <a:p>
+            <a:pPr algn="ctr"/>
+            <a:endParaRPr lang="en-GB" sz="4000" dirty="0" smtClean="0">
+              <a:solidFill>
+                <a:schemeClr val="bg1"/>
+              </a:solidFill>
+            </a:endParaRPr>
           </a:p>
         </p:txBody>
       </p:sp>
@@ -14704,6 +15766,183 @@
           </a:p>
         </p:txBody>
       </p:sp>
+      <p:sp>
+        <p:nvSpPr>
+          <p:cNvPr id="59" name="TextBox 58"/>
+          <p:cNvSpPr txBox="1"/>
+          <p:nvPr/>
+        </p:nvSpPr>
+        <p:spPr>
+          <a:xfrm>
+            <a:off x="0" y="7200181"/>
+            <a:ext cx="5326461" cy="12255663"/>
+          </a:xfrm>
+          <a:prstGeom prst="rect">
+            <a:avLst/>
+          </a:prstGeom>
+          <a:noFill/>
+        </p:spPr>
+        <p:txBody>
+          <a:bodyPr wrap="square" rtlCol="0">
+            <a:spAutoFit/>
+          </a:bodyPr>
+          <a:lstStyle/>
+          <a:p>
+            <a:pPr algn="ctr"/>
+            <a:r>
+              <a:rPr lang="en-GB" sz="4000" b="1" dirty="0" smtClean="0">
+                <a:solidFill>
+                  <a:schemeClr val="bg1"/>
+                </a:solidFill>
+              </a:rPr>
+              <a:t>Jo Gay</a:t>
+            </a:r>
+          </a:p>
+          <a:p>
+            <a:pPr algn="ctr"/>
+            <a:r>
+              <a:rPr lang="en-GB" sz="4000" b="1" dirty="0" smtClean="0">
+                <a:solidFill>
+                  <a:schemeClr val="bg1"/>
+                </a:solidFill>
+              </a:rPr>
+              <a:t>Hugo </a:t>
+            </a:r>
+            <a:r>
+              <a:rPr lang="en-GB" sz="4000" b="1" dirty="0" err="1" smtClean="0">
+                <a:solidFill>
+                  <a:schemeClr val="bg1"/>
+                </a:solidFill>
+              </a:rPr>
+              <a:t>Harlin</a:t>
+            </a:r>
+            <a:endParaRPr lang="en-GB" sz="4000" b="1" dirty="0" smtClean="0">
+              <a:solidFill>
+                <a:schemeClr val="bg1"/>
+              </a:solidFill>
+            </a:endParaRPr>
+          </a:p>
+          <a:p>
+            <a:pPr algn="ctr"/>
+            <a:endParaRPr lang="en-GB" sz="1600" b="1" dirty="0" smtClean="0">
+              <a:solidFill>
+                <a:schemeClr val="bg1"/>
+              </a:solidFill>
+            </a:endParaRPr>
+          </a:p>
+          <a:p>
+            <a:pPr algn="ctr"/>
+            <a:r>
+              <a:rPr lang="en-GB" sz="4000" dirty="0" smtClean="0">
+                <a:solidFill>
+                  <a:schemeClr val="bg1"/>
+                </a:solidFill>
+              </a:rPr>
+              <a:t>Project in Computational Science, January 2019</a:t>
+            </a:r>
+          </a:p>
+          <a:p>
+            <a:pPr algn="ctr"/>
+            <a:endParaRPr lang="en-GB" sz="4000" dirty="0" smtClean="0">
+              <a:solidFill>
+                <a:schemeClr val="bg1"/>
+              </a:solidFill>
+            </a:endParaRPr>
+          </a:p>
+          <a:p>
+            <a:pPr algn="ctr"/>
+            <a:endParaRPr lang="en-GB" sz="4000" dirty="0" smtClean="0">
+              <a:solidFill>
+                <a:schemeClr val="bg1"/>
+              </a:solidFill>
+            </a:endParaRPr>
+          </a:p>
+          <a:p>
+            <a:pPr algn="ctr"/>
+            <a:r>
+              <a:rPr lang="en-GB" sz="4000" dirty="0" smtClean="0">
+                <a:solidFill>
+                  <a:schemeClr val="bg1"/>
+                </a:solidFill>
+              </a:rPr>
+              <a:t>Supervisors:</a:t>
+            </a:r>
+          </a:p>
+          <a:p>
+            <a:pPr algn="ctr"/>
+            <a:r>
+              <a:rPr lang="sv-SE" sz="4000" b="1" dirty="0">
+                <a:solidFill>
+                  <a:schemeClr val="bg1"/>
+                </a:solidFill>
+              </a:rPr>
+              <a:t>Joakim </a:t>
+            </a:r>
+            <a:r>
+              <a:rPr lang="sv-SE" sz="4000" b="1" dirty="0" smtClean="0">
+                <a:solidFill>
+                  <a:schemeClr val="bg1"/>
+                </a:solidFill>
+              </a:rPr>
+              <a:t>Lindblad </a:t>
+            </a:r>
+            <a:r>
+              <a:rPr lang="sv-SE" sz="4000" b="1" dirty="0">
+                <a:solidFill>
+                  <a:schemeClr val="bg1"/>
+                </a:solidFill>
+              </a:rPr>
+              <a:t>Nataša </a:t>
+            </a:r>
+            <a:r>
+              <a:rPr lang="sv-SE" sz="4000" b="1" dirty="0" smtClean="0">
+                <a:solidFill>
+                  <a:schemeClr val="bg1"/>
+                </a:solidFill>
+              </a:rPr>
+              <a:t>Sladjoe</a:t>
+            </a:r>
+          </a:p>
+          <a:p>
+            <a:pPr algn="ctr"/>
+            <a:endParaRPr lang="sv-SE" sz="1600" b="1" dirty="0">
+              <a:solidFill>
+                <a:schemeClr val="bg1"/>
+              </a:solidFill>
+            </a:endParaRPr>
+          </a:p>
+          <a:p>
+            <a:pPr algn="ctr"/>
+            <a:r>
+              <a:rPr lang="en-GB" sz="4000" dirty="0" smtClean="0">
+                <a:solidFill>
+                  <a:schemeClr val="bg1"/>
+                </a:solidFill>
+              </a:rPr>
+              <a:t>Centre for Image Analysis,</a:t>
+            </a:r>
+          </a:p>
+          <a:p>
+            <a:pPr algn="ctr"/>
+            <a:r>
+              <a:rPr lang="en-GB" sz="4000" dirty="0" smtClean="0">
+                <a:solidFill>
+                  <a:schemeClr val="bg1"/>
+                </a:solidFill>
+              </a:rPr>
+              <a:t>Department of Information Technology</a:t>
+            </a:r>
+          </a:p>
+          <a:p>
+            <a:pPr algn="ctr"/>
+            <a:endParaRPr lang="en-GB" sz="4000" dirty="0" smtClean="0">
+              <a:solidFill>
+                <a:schemeClr val="bg1"/>
+              </a:solidFill>
+            </a:endParaRPr>
+          </a:p>
+        </p:txBody>
+      </p:sp>
     </p:spTree>
     <p:extLst>
       <p:ext uri="{BB962C8B-B14F-4D97-AF65-F5344CB8AC3E}">
@@ -21470,6 +22709,183 @@
               </a:solidFill>
               <a:effectLst/>
               <a:latin typeface="Arial" charset="0"/>
+            </a:endParaRPr>
+          </a:p>
+        </p:txBody>
+      </p:sp>
+      <p:sp>
+        <p:nvSpPr>
+          <p:cNvPr id="140" name="TextBox 139"/>
+          <p:cNvSpPr txBox="1"/>
+          <p:nvPr/>
+        </p:nvSpPr>
+        <p:spPr>
+          <a:xfrm>
+            <a:off x="0" y="7200181"/>
+            <a:ext cx="5326461" cy="12255663"/>
+          </a:xfrm>
+          <a:prstGeom prst="rect">
+            <a:avLst/>
+          </a:prstGeom>
+          <a:noFill/>
+        </p:spPr>
+        <p:txBody>
+          <a:bodyPr wrap="square" rtlCol="0">
+            <a:spAutoFit/>
+          </a:bodyPr>
+          <a:lstStyle/>
+          <a:p>
+            <a:pPr algn="ctr"/>
+            <a:r>
+              <a:rPr lang="en-GB" sz="4000" b="1" dirty="0" smtClean="0">
+                <a:solidFill>
+                  <a:schemeClr val="bg1"/>
+                </a:solidFill>
+              </a:rPr>
+              <a:t>Jo Gay</a:t>
+            </a:r>
+          </a:p>
+          <a:p>
+            <a:pPr algn="ctr"/>
+            <a:r>
+              <a:rPr lang="en-GB" sz="4000" b="1" dirty="0" smtClean="0">
+                <a:solidFill>
+                  <a:schemeClr val="bg1"/>
+                </a:solidFill>
+              </a:rPr>
+              <a:t>Hugo </a:t>
+            </a:r>
+            <a:r>
+              <a:rPr lang="en-GB" sz="4000" b="1" dirty="0" err="1" smtClean="0">
+                <a:solidFill>
+                  <a:schemeClr val="bg1"/>
+                </a:solidFill>
+              </a:rPr>
+              <a:t>Harlin</a:t>
+            </a:r>
+            <a:endParaRPr lang="en-GB" sz="4000" b="1" dirty="0" smtClean="0">
+              <a:solidFill>
+                <a:schemeClr val="bg1"/>
+              </a:solidFill>
+            </a:endParaRPr>
+          </a:p>
+          <a:p>
+            <a:pPr algn="ctr"/>
+            <a:endParaRPr lang="en-GB" sz="1600" b="1" dirty="0" smtClean="0">
+              <a:solidFill>
+                <a:schemeClr val="bg1"/>
+              </a:solidFill>
+            </a:endParaRPr>
+          </a:p>
+          <a:p>
+            <a:pPr algn="ctr"/>
+            <a:r>
+              <a:rPr lang="en-GB" sz="4000" dirty="0" smtClean="0">
+                <a:solidFill>
+                  <a:schemeClr val="bg1"/>
+                </a:solidFill>
+              </a:rPr>
+              <a:t>Project in Computational Science, January 2019</a:t>
+            </a:r>
+          </a:p>
+          <a:p>
+            <a:pPr algn="ctr"/>
+            <a:endParaRPr lang="en-GB" sz="4000" dirty="0" smtClean="0">
+              <a:solidFill>
+                <a:schemeClr val="bg1"/>
+              </a:solidFill>
+            </a:endParaRPr>
+          </a:p>
+          <a:p>
+            <a:pPr algn="ctr"/>
+            <a:endParaRPr lang="en-GB" sz="4000" dirty="0" smtClean="0">
+              <a:solidFill>
+                <a:schemeClr val="bg1"/>
+              </a:solidFill>
+            </a:endParaRPr>
+          </a:p>
+          <a:p>
+            <a:pPr algn="ctr"/>
+            <a:r>
+              <a:rPr lang="en-GB" sz="4000" dirty="0" smtClean="0">
+                <a:solidFill>
+                  <a:schemeClr val="bg1"/>
+                </a:solidFill>
+              </a:rPr>
+              <a:t>Supervisors:</a:t>
+            </a:r>
+          </a:p>
+          <a:p>
+            <a:pPr algn="ctr"/>
+            <a:r>
+              <a:rPr lang="sv-SE" sz="4000" b="1" dirty="0">
+                <a:solidFill>
+                  <a:schemeClr val="bg1"/>
+                </a:solidFill>
+              </a:rPr>
+              <a:t>Joakim </a:t>
+            </a:r>
+            <a:r>
+              <a:rPr lang="sv-SE" sz="4000" b="1" dirty="0" smtClean="0">
+                <a:solidFill>
+                  <a:schemeClr val="bg1"/>
+                </a:solidFill>
+              </a:rPr>
+              <a:t>Lindblad </a:t>
+            </a:r>
+            <a:r>
+              <a:rPr lang="sv-SE" sz="4000" b="1" dirty="0">
+                <a:solidFill>
+                  <a:schemeClr val="bg1"/>
+                </a:solidFill>
+              </a:rPr>
+              <a:t>Nataša </a:t>
+            </a:r>
+            <a:r>
+              <a:rPr lang="sv-SE" sz="4000" b="1" dirty="0" smtClean="0">
+                <a:solidFill>
+                  <a:schemeClr val="bg1"/>
+                </a:solidFill>
+              </a:rPr>
+              <a:t>Sladjoe</a:t>
+            </a:r>
+          </a:p>
+          <a:p>
+            <a:pPr algn="ctr"/>
+            <a:endParaRPr lang="sv-SE" sz="1600" b="1" dirty="0">
+              <a:solidFill>
+                <a:schemeClr val="bg1"/>
+              </a:solidFill>
+            </a:endParaRPr>
+          </a:p>
+          <a:p>
+            <a:pPr algn="ctr"/>
+            <a:r>
+              <a:rPr lang="en-GB" sz="4000" dirty="0" smtClean="0">
+                <a:solidFill>
+                  <a:schemeClr val="bg1"/>
+                </a:solidFill>
+              </a:rPr>
+              <a:t>Centre for Image Analysis,</a:t>
+            </a:r>
+          </a:p>
+          <a:p>
+            <a:pPr algn="ctr"/>
+            <a:r>
+              <a:rPr lang="en-GB" sz="4000" dirty="0" smtClean="0">
+                <a:solidFill>
+                  <a:schemeClr val="bg1"/>
+                </a:solidFill>
+              </a:rPr>
+              <a:t>Department of Information Technology</a:t>
+            </a:r>
+          </a:p>
+          <a:p>
+            <a:pPr algn="ctr"/>
+            <a:endParaRPr lang="en-GB" sz="4000" dirty="0" smtClean="0">
+              <a:solidFill>
+                <a:schemeClr val="bg1"/>
+              </a:solidFill>
             </a:endParaRPr>
           </a:p>
         </p:txBody>
@@ -21821,6 +23237,183 @@
               <a:rPr lang="sv-SE" sz="8800" kern="0" dirty="0" smtClean="0"/>
               <a:t>The rest are rotations</a:t>
             </a:r>
+          </a:p>
+        </p:txBody>
+      </p:sp>
+      <p:sp>
+        <p:nvSpPr>
+          <p:cNvPr id="6" name="TextBox 5"/>
+          <p:cNvSpPr txBox="1"/>
+          <p:nvPr/>
+        </p:nvSpPr>
+        <p:spPr>
+          <a:xfrm>
+            <a:off x="0" y="7200181"/>
+            <a:ext cx="5326461" cy="12255663"/>
+          </a:xfrm>
+          <a:prstGeom prst="rect">
+            <a:avLst/>
+          </a:prstGeom>
+          <a:noFill/>
+        </p:spPr>
+        <p:txBody>
+          <a:bodyPr wrap="square" rtlCol="0">
+            <a:spAutoFit/>
+          </a:bodyPr>
+          <a:lstStyle/>
+          <a:p>
+            <a:pPr algn="ctr"/>
+            <a:r>
+              <a:rPr lang="en-GB" sz="4000" b="1" dirty="0" smtClean="0">
+                <a:solidFill>
+                  <a:schemeClr val="bg1"/>
+                </a:solidFill>
+              </a:rPr>
+              <a:t>Jo Gay</a:t>
+            </a:r>
+          </a:p>
+          <a:p>
+            <a:pPr algn="ctr"/>
+            <a:r>
+              <a:rPr lang="en-GB" sz="4000" b="1" dirty="0" smtClean="0">
+                <a:solidFill>
+                  <a:schemeClr val="bg1"/>
+                </a:solidFill>
+              </a:rPr>
+              <a:t>Hugo </a:t>
+            </a:r>
+            <a:r>
+              <a:rPr lang="en-GB" sz="4000" b="1" dirty="0" err="1" smtClean="0">
+                <a:solidFill>
+                  <a:schemeClr val="bg1"/>
+                </a:solidFill>
+              </a:rPr>
+              <a:t>Harlin</a:t>
+            </a:r>
+            <a:endParaRPr lang="en-GB" sz="4000" b="1" dirty="0" smtClean="0">
+              <a:solidFill>
+                <a:schemeClr val="bg1"/>
+              </a:solidFill>
+            </a:endParaRPr>
+          </a:p>
+          <a:p>
+            <a:pPr algn="ctr"/>
+            <a:endParaRPr lang="en-GB" sz="1600" b="1" dirty="0" smtClean="0">
+              <a:solidFill>
+                <a:schemeClr val="bg1"/>
+              </a:solidFill>
+            </a:endParaRPr>
+          </a:p>
+          <a:p>
+            <a:pPr algn="ctr"/>
+            <a:r>
+              <a:rPr lang="en-GB" sz="4000" dirty="0" smtClean="0">
+                <a:solidFill>
+                  <a:schemeClr val="bg1"/>
+                </a:solidFill>
+              </a:rPr>
+              <a:t>Project in Computational Science, January 2019</a:t>
+            </a:r>
+          </a:p>
+          <a:p>
+            <a:pPr algn="ctr"/>
+            <a:endParaRPr lang="en-GB" sz="4000" dirty="0" smtClean="0">
+              <a:solidFill>
+                <a:schemeClr val="bg1"/>
+              </a:solidFill>
+            </a:endParaRPr>
+          </a:p>
+          <a:p>
+            <a:pPr algn="ctr"/>
+            <a:endParaRPr lang="en-GB" sz="4000" dirty="0" smtClean="0">
+              <a:solidFill>
+                <a:schemeClr val="bg1"/>
+              </a:solidFill>
+            </a:endParaRPr>
+          </a:p>
+          <a:p>
+            <a:pPr algn="ctr"/>
+            <a:r>
+              <a:rPr lang="en-GB" sz="4000" dirty="0" smtClean="0">
+                <a:solidFill>
+                  <a:schemeClr val="bg1"/>
+                </a:solidFill>
+              </a:rPr>
+              <a:t>Supervisors:</a:t>
+            </a:r>
+          </a:p>
+          <a:p>
+            <a:pPr algn="ctr"/>
+            <a:r>
+              <a:rPr lang="sv-SE" sz="4000" b="1" dirty="0">
+                <a:solidFill>
+                  <a:schemeClr val="bg1"/>
+                </a:solidFill>
+              </a:rPr>
+              <a:t>Joakim </a:t>
+            </a:r>
+            <a:r>
+              <a:rPr lang="sv-SE" sz="4000" b="1" dirty="0" smtClean="0">
+                <a:solidFill>
+                  <a:schemeClr val="bg1"/>
+                </a:solidFill>
+              </a:rPr>
+              <a:t>Lindblad </a:t>
+            </a:r>
+            <a:r>
+              <a:rPr lang="sv-SE" sz="4000" b="1" dirty="0">
+                <a:solidFill>
+                  <a:schemeClr val="bg1"/>
+                </a:solidFill>
+              </a:rPr>
+              <a:t>Nataša </a:t>
+            </a:r>
+            <a:r>
+              <a:rPr lang="sv-SE" sz="4000" b="1" dirty="0" smtClean="0">
+                <a:solidFill>
+                  <a:schemeClr val="bg1"/>
+                </a:solidFill>
+              </a:rPr>
+              <a:t>Sladjoe</a:t>
+            </a:r>
+          </a:p>
+          <a:p>
+            <a:pPr algn="ctr"/>
+            <a:endParaRPr lang="sv-SE" sz="1600" b="1" dirty="0">
+              <a:solidFill>
+                <a:schemeClr val="bg1"/>
+              </a:solidFill>
+            </a:endParaRPr>
+          </a:p>
+          <a:p>
+            <a:pPr algn="ctr"/>
+            <a:r>
+              <a:rPr lang="en-GB" sz="4000" dirty="0" smtClean="0">
+                <a:solidFill>
+                  <a:schemeClr val="bg1"/>
+                </a:solidFill>
+              </a:rPr>
+              <a:t>Centre for Image Analysis,</a:t>
+            </a:r>
+          </a:p>
+          <a:p>
+            <a:pPr algn="ctr"/>
+            <a:r>
+              <a:rPr lang="en-GB" sz="4000" dirty="0" smtClean="0">
+                <a:solidFill>
+                  <a:schemeClr val="bg1"/>
+                </a:solidFill>
+              </a:rPr>
+              <a:t>Department of Information Technology</a:t>
+            </a:r>
+          </a:p>
+          <a:p>
+            <a:pPr algn="ctr"/>
+            <a:endParaRPr lang="en-GB" sz="4000" dirty="0" smtClean="0">
+              <a:solidFill>
+                <a:schemeClr val="bg1"/>
+              </a:solidFill>
+            </a:endParaRPr>
           </a:p>
         </p:txBody>
       </p:sp>

--- a/Presentation_material/presentation.pptx
+++ b/Presentation_material/presentation.pptx
@@ -4949,7 +4949,7 @@
             </a:r>
             <a:r>
               <a:rPr lang="sv-SE" sz="8000" b="1" dirty="0" smtClean="0"/>
-              <a:t>Sladjoe</a:t>
+              <a:t>Sladoje</a:t>
             </a:r>
           </a:p>
           <a:p>
@@ -4964,6 +4964,183 @@
           </a:p>
           <a:p>
             <a:endParaRPr lang="en-GB" sz="7000" dirty="0"/>
+          </a:p>
+        </p:txBody>
+      </p:sp>
+      <p:sp>
+        <p:nvSpPr>
+          <p:cNvPr id="4" name="TextBox 3"/>
+          <p:cNvSpPr txBox="1"/>
+          <p:nvPr/>
+        </p:nvSpPr>
+        <p:spPr>
+          <a:xfrm>
+            <a:off x="0" y="7200181"/>
+            <a:ext cx="5326461" cy="12255663"/>
+          </a:xfrm>
+          <a:prstGeom prst="rect">
+            <a:avLst/>
+          </a:prstGeom>
+          <a:noFill/>
+        </p:spPr>
+        <p:txBody>
+          <a:bodyPr wrap="square" rtlCol="0">
+            <a:spAutoFit/>
+          </a:bodyPr>
+          <a:lstStyle/>
+          <a:p>
+            <a:pPr algn="ctr"/>
+            <a:r>
+              <a:rPr lang="en-GB" sz="4000" b="1" dirty="0" smtClean="0">
+                <a:solidFill>
+                  <a:schemeClr val="bg1"/>
+                </a:solidFill>
+              </a:rPr>
+              <a:t>Jo Gay</a:t>
+            </a:r>
+          </a:p>
+          <a:p>
+            <a:pPr algn="ctr"/>
+            <a:r>
+              <a:rPr lang="en-GB" sz="4000" b="1" dirty="0" smtClean="0">
+                <a:solidFill>
+                  <a:schemeClr val="bg1"/>
+                </a:solidFill>
+              </a:rPr>
+              <a:t>Hugo </a:t>
+            </a:r>
+            <a:r>
+              <a:rPr lang="en-GB" sz="4000" b="1" dirty="0" err="1" smtClean="0">
+                <a:solidFill>
+                  <a:schemeClr val="bg1"/>
+                </a:solidFill>
+              </a:rPr>
+              <a:t>Harlin</a:t>
+            </a:r>
+            <a:endParaRPr lang="en-GB" sz="4000" b="1" dirty="0" smtClean="0">
+              <a:solidFill>
+                <a:schemeClr val="bg1"/>
+              </a:solidFill>
+            </a:endParaRPr>
+          </a:p>
+          <a:p>
+            <a:pPr algn="ctr"/>
+            <a:endParaRPr lang="en-GB" sz="1600" b="1" dirty="0" smtClean="0">
+              <a:solidFill>
+                <a:schemeClr val="bg1"/>
+              </a:solidFill>
+            </a:endParaRPr>
+          </a:p>
+          <a:p>
+            <a:pPr algn="ctr"/>
+            <a:r>
+              <a:rPr lang="en-GB" sz="4000" dirty="0" smtClean="0">
+                <a:solidFill>
+                  <a:schemeClr val="bg1"/>
+                </a:solidFill>
+              </a:rPr>
+              <a:t>Project in Computational Science, January 2019</a:t>
+            </a:r>
+          </a:p>
+          <a:p>
+            <a:pPr algn="ctr"/>
+            <a:endParaRPr lang="en-GB" sz="4000" dirty="0" smtClean="0">
+              <a:solidFill>
+                <a:schemeClr val="bg1"/>
+              </a:solidFill>
+            </a:endParaRPr>
+          </a:p>
+          <a:p>
+            <a:pPr algn="ctr"/>
+            <a:endParaRPr lang="en-GB" sz="4000" dirty="0" smtClean="0">
+              <a:solidFill>
+                <a:schemeClr val="bg1"/>
+              </a:solidFill>
+            </a:endParaRPr>
+          </a:p>
+          <a:p>
+            <a:pPr algn="ctr"/>
+            <a:r>
+              <a:rPr lang="en-GB" sz="4000" dirty="0" smtClean="0">
+                <a:solidFill>
+                  <a:schemeClr val="bg1"/>
+                </a:solidFill>
+              </a:rPr>
+              <a:t>Supervisors:</a:t>
+            </a:r>
+          </a:p>
+          <a:p>
+            <a:pPr algn="ctr"/>
+            <a:r>
+              <a:rPr lang="sv-SE" sz="4000" b="1" dirty="0">
+                <a:solidFill>
+                  <a:schemeClr val="bg1"/>
+                </a:solidFill>
+              </a:rPr>
+              <a:t>Joakim </a:t>
+            </a:r>
+            <a:r>
+              <a:rPr lang="sv-SE" sz="4000" b="1" dirty="0" smtClean="0">
+                <a:solidFill>
+                  <a:schemeClr val="bg1"/>
+                </a:solidFill>
+              </a:rPr>
+              <a:t>Lindblad </a:t>
+            </a:r>
+            <a:r>
+              <a:rPr lang="sv-SE" sz="4000" b="1" dirty="0">
+                <a:solidFill>
+                  <a:schemeClr val="bg1"/>
+                </a:solidFill>
+              </a:rPr>
+              <a:t>Nataša </a:t>
+            </a:r>
+            <a:r>
+              <a:rPr lang="sv-SE" sz="4000" b="1" dirty="0" smtClean="0">
+                <a:solidFill>
+                  <a:schemeClr val="bg1"/>
+                </a:solidFill>
+              </a:rPr>
+              <a:t>Sladoje</a:t>
+            </a:r>
+          </a:p>
+          <a:p>
+            <a:pPr algn="ctr"/>
+            <a:endParaRPr lang="sv-SE" sz="1600" b="1" dirty="0">
+              <a:solidFill>
+                <a:schemeClr val="bg1"/>
+              </a:solidFill>
+            </a:endParaRPr>
+          </a:p>
+          <a:p>
+            <a:pPr algn="ctr"/>
+            <a:r>
+              <a:rPr lang="en-GB" sz="4000" dirty="0" smtClean="0">
+                <a:solidFill>
+                  <a:schemeClr val="bg1"/>
+                </a:solidFill>
+              </a:rPr>
+              <a:t>Centre for Image Analysis,</a:t>
+            </a:r>
+          </a:p>
+          <a:p>
+            <a:pPr algn="ctr"/>
+            <a:r>
+              <a:rPr lang="en-GB" sz="4000" dirty="0" smtClean="0">
+                <a:solidFill>
+                  <a:schemeClr val="bg1"/>
+                </a:solidFill>
+              </a:rPr>
+              <a:t>Department of Information Technology</a:t>
+            </a:r>
+          </a:p>
+          <a:p>
+            <a:pPr algn="ctr"/>
+            <a:endParaRPr lang="en-GB" sz="4000" dirty="0" smtClean="0">
+              <a:solidFill>
+                <a:schemeClr val="bg1"/>
+              </a:solidFill>
+            </a:endParaRPr>
           </a:p>
         </p:txBody>
       </p:sp>
@@ -5210,7 +5387,7 @@
       </p:pic>
       <p:sp>
         <p:nvSpPr>
-          <p:cNvPr id="9" name="TextBox 8"/>
+          <p:cNvPr id="10" name="TextBox 9"/>
           <p:cNvSpPr txBox="1"/>
           <p:nvPr/>
         </p:nvSpPr>
@@ -5334,16 +5511,13 @@
                   <a:schemeClr val="bg1"/>
                 </a:solidFill>
               </a:rPr>
-              <a:t>Nataša </a:t>
-            </a:r>
-            <a:r>
-              <a:rPr lang="sv-SE" sz="4000" b="1" dirty="0" smtClean="0">
-                <a:solidFill>
-                  <a:schemeClr val="bg1"/>
-                </a:solidFill>
-              </a:rPr>
-              <a:t>Sladjoe</a:t>
-            </a:r>
+              <a:t>Nataša Sladoje</a:t>
+            </a:r>
+            <a:endParaRPr lang="sv-SE" sz="4000" b="1" dirty="0" smtClean="0">
+              <a:solidFill>
+                <a:schemeClr val="bg1"/>
+              </a:solidFill>
+            </a:endParaRPr>
           </a:p>
           <a:p>
             <a:pPr algn="ctr"/>
@@ -5496,7 +5670,7 @@
       </p:sp>
       <p:sp>
         <p:nvSpPr>
-          <p:cNvPr id="4" name="TextBox 3"/>
+          <p:cNvPr id="5" name="TextBox 4"/>
           <p:cNvSpPr txBox="1"/>
           <p:nvPr/>
         </p:nvSpPr>
@@ -5620,16 +5794,13 @@
                   <a:schemeClr val="bg1"/>
                 </a:solidFill>
               </a:rPr>
-              <a:t>Nataša </a:t>
-            </a:r>
-            <a:r>
-              <a:rPr lang="sv-SE" sz="4000" b="1" dirty="0" smtClean="0">
-                <a:solidFill>
-                  <a:schemeClr val="bg1"/>
-                </a:solidFill>
-              </a:rPr>
-              <a:t>Sladjoe</a:t>
-            </a:r>
+              <a:t>Nataša Sladoje</a:t>
+            </a:r>
+            <a:endParaRPr lang="sv-SE" sz="4000" b="1" dirty="0" smtClean="0">
+              <a:solidFill>
+                <a:schemeClr val="bg1"/>
+              </a:solidFill>
+            </a:endParaRPr>
           </a:p>
           <a:p>
             <a:pPr algn="ctr"/>
@@ -5743,7 +5914,7 @@
         </p:nvSpPr>
         <p:spPr>
           <a:xfrm>
-            <a:off x="7140575" y="4247853"/>
+            <a:off x="7140575" y="3959821"/>
             <a:ext cx="27779663" cy="17640300"/>
           </a:xfrm>
         </p:spPr>
@@ -5752,26 +5923,73 @@
           <a:lstStyle/>
           <a:p>
             <a:r>
-              <a:rPr lang="sv-SE" sz="8800" dirty="0" smtClean="0"/>
-              <a:t>Evaluate ability of methods to classify cell images as healthy or cancerous</a:t>
-            </a:r>
-          </a:p>
-          <a:p>
-            <a:r>
-              <a:rPr lang="sv-SE" sz="8800" dirty="0" smtClean="0"/>
-              <a:t>Implement and compare three LBP inspired CNN models</a:t>
-            </a:r>
+              <a:rPr lang="sv-SE" sz="8000" dirty="0" smtClean="0"/>
+              <a:t>Compare </a:t>
+            </a:r>
+            <a:r>
+              <a:rPr lang="sv-SE" sz="8000" dirty="0" smtClean="0"/>
+              <a:t>ability of methods to classify cell images as healthy or </a:t>
+            </a:r>
+            <a:r>
+              <a:rPr lang="sv-SE" sz="8000" dirty="0" smtClean="0"/>
+              <a:t>cancerous</a:t>
+            </a:r>
+          </a:p>
+          <a:p>
+            <a:r>
+              <a:rPr lang="en-GB" sz="8000" dirty="0" smtClean="0"/>
+              <a:t>Evaluate power of texture descriptors, in </a:t>
+            </a:r>
+            <a:r>
+              <a:rPr lang="en-GB" sz="8000" dirty="0"/>
+              <a:t>particular </a:t>
+            </a:r>
+            <a:r>
+              <a:rPr lang="en-GB" sz="8000" dirty="0" smtClean="0"/>
+              <a:t>LBPs, to improve </a:t>
+            </a:r>
+            <a:r>
+              <a:rPr lang="en-GB" sz="8000" dirty="0"/>
+              <a:t>the performance of </a:t>
+            </a:r>
+            <a:r>
+              <a:rPr lang="en-GB" sz="8000" dirty="0" smtClean="0"/>
+              <a:t>purely </a:t>
+            </a:r>
+            <a:r>
+              <a:rPr lang="en-GB" sz="8000" dirty="0"/>
+              <a:t>CNN-based </a:t>
+            </a:r>
+            <a:r>
+              <a:rPr lang="en-GB" sz="8000" dirty="0" smtClean="0"/>
+              <a:t>approaches</a:t>
+            </a:r>
+          </a:p>
+          <a:p>
+            <a:r>
+              <a:rPr lang="sv-SE" sz="8000" dirty="0" smtClean="0"/>
+              <a:t>Implement </a:t>
+            </a:r>
+            <a:r>
+              <a:rPr lang="sv-SE" sz="8000" dirty="0" smtClean="0"/>
+              <a:t>and compare three </a:t>
+            </a:r>
+            <a:r>
+              <a:rPr lang="sv-SE" sz="8000" dirty="0" smtClean="0"/>
+              <a:t>recently published models</a:t>
+            </a:r>
+            <a:endParaRPr lang="sv-SE" sz="8000" dirty="0" smtClean="0"/>
           </a:p>
           <a:p>
             <a:pPr marL="0" indent="0">
               <a:buNone/>
             </a:pPr>
             <a:r>
-              <a:rPr lang="sv-SE" sz="8800" dirty="0"/>
+              <a:rPr lang="sv-SE" sz="8000" dirty="0"/>
               <a:t> </a:t>
             </a:r>
             <a:r>
-              <a:rPr lang="sv-SE" sz="8800" dirty="0" smtClean="0"/>
+              <a:rPr lang="sv-SE" sz="8000" dirty="0" smtClean="0"/>
               <a:t>	- Juefei-Xu et al. [1] </a:t>
             </a:r>
           </a:p>
@@ -5780,11 +5998,11 @@
               <a:buNone/>
             </a:pPr>
             <a:r>
-              <a:rPr lang="sv-SE" sz="8800" dirty="0"/>
+              <a:rPr lang="sv-SE" sz="8000" dirty="0"/>
               <a:t>	</a:t>
             </a:r>
             <a:r>
-              <a:rPr lang="sv-SE" sz="8800" dirty="0" smtClean="0"/>
+              <a:rPr lang="sv-SE" sz="8000" dirty="0" smtClean="0"/>
               <a:t>- Li et al. [2]</a:t>
             </a:r>
           </a:p>
@@ -5793,21 +6011,33 @@
               <a:buNone/>
             </a:pPr>
             <a:r>
-              <a:rPr lang="sv-SE" sz="8800" dirty="0"/>
+              <a:rPr lang="sv-SE" sz="8000" dirty="0"/>
               <a:t>	- Marcos et al. </a:t>
             </a:r>
             <a:r>
-              <a:rPr lang="sv-SE" sz="8800" dirty="0" smtClean="0"/>
+              <a:rPr lang="sv-SE" sz="8000" dirty="0" smtClean="0"/>
               <a:t>[3]</a:t>
             </a:r>
-            <a:endParaRPr lang="sv-SE" sz="8800" dirty="0"/>
-          </a:p>
-          <a:p>
-            <a:r>
-              <a:rPr lang="sv-SE" sz="8800" dirty="0" smtClean="0"/>
-              <a:t>Compare against results from state-of-the-art CNNs: VGG and ResNet</a:t>
-            </a:r>
-            <a:endParaRPr lang="en-GB" sz="8800" dirty="0"/>
+            <a:endParaRPr lang="sv-SE" sz="8000" dirty="0"/>
+          </a:p>
+          <a:p>
+            <a:r>
+              <a:rPr lang="sv-SE" sz="8000" dirty="0" smtClean="0"/>
+              <a:t>Compare </a:t>
+            </a:r>
+            <a:r>
+              <a:rPr lang="sv-SE" sz="8000" dirty="0" smtClean="0"/>
+              <a:t>with previous work using VGG </a:t>
+            </a:r>
+            <a:r>
+              <a:rPr lang="sv-SE" sz="8000" dirty="0" smtClean="0"/>
+              <a:t>and </a:t>
+            </a:r>
+            <a:r>
+              <a:rPr lang="sv-SE" sz="8000" dirty="0" smtClean="0"/>
+              <a:t>ResNet [4]</a:t>
+            </a:r>
+            <a:endParaRPr lang="en-GB" sz="8000" dirty="0"/>
           </a:p>
         </p:txBody>
       </p:sp>
@@ -5819,8 +6049,8 @@
         </p:nvSpPr>
         <p:spPr>
           <a:xfrm>
-            <a:off x="5974532" y="18433429"/>
-            <a:ext cx="29235249" cy="6734151"/>
+            <a:off x="5902525" y="18145397"/>
+            <a:ext cx="29523280" cy="6888039"/>
           </a:xfrm>
           <a:prstGeom prst="rect">
             <a:avLst/>
@@ -5846,31 +6076,35 @@
               <a:t>Juefei-Xu, Vishnu Naresh Boddeti, and Marios Savvides. </a:t>
             </a:r>
             <a:r>
+              <a:rPr lang="en-GB" dirty="0" smtClean="0"/>
+              <a:t>Local binary </a:t>
+            </a:r>
+            <a:r>
+              <a:rPr lang="en-GB" dirty="0"/>
+              <a:t>convolutional neural networks</a:t>
+            </a:r>
+            <a:r>
+              <a:rPr lang="en-GB" dirty="0" smtClean="0"/>
+              <a:t>. </a:t>
+            </a:r>
+            <a:r>
+              <a:rPr lang="en-GB" dirty="0" smtClean="0"/>
+              <a:t>	In </a:t>
+            </a:r>
+            <a:r>
               <a:rPr lang="en-GB" i="1" dirty="0" smtClean="0"/>
-              <a:t>Local binary </a:t>
+              <a:t>Computer </a:t>
             </a:r>
             <a:r>
               <a:rPr lang="en-GB" i="1" dirty="0"/>
-              <a:t>convolutional neural networks</a:t>
-            </a:r>
-            <a:r>
-              <a:rPr lang="en-GB" dirty="0"/>
-              <a:t>. </a:t>
-            </a:r>
-            <a:r>
-              <a:rPr lang="en-GB" dirty="0" smtClean="0"/>
-              <a:t>	In Computer </a:t>
-            </a:r>
-            <a:r>
-              <a:rPr lang="en-GB" dirty="0"/>
               <a:t>Vision and </a:t>
             </a:r>
             <a:r>
-              <a:rPr lang="en-GB" dirty="0" smtClean="0"/>
+              <a:rPr lang="en-GB" i="1" dirty="0" smtClean="0"/>
               <a:t>Pattern Recognition </a:t>
             </a:r>
             <a:r>
-              <a:rPr lang="en-GB" dirty="0"/>
+              <a:rPr lang="en-GB" i="1" dirty="0"/>
               <a:t>(CVPR</a:t>
             </a:r>
             <a:r>
@@ -5888,12 +6122,13 @@
             <a:endParaRPr lang="en-GB" dirty="0"/>
           </a:p>
           <a:p>
-            <a:endParaRPr lang="sv-SE" sz="1500" dirty="0"/>
-          </a:p>
-          <a:p>
             <a:r>
               <a:rPr lang="sv-SE" dirty="0" smtClean="0"/>
-              <a:t>[2]	</a:t>
+              <a:t>[</a:t>
+            </a:r>
+            <a:r>
+              <a:rPr lang="sv-SE" dirty="0" smtClean="0"/>
+              <a:t>2]	</a:t>
             </a:r>
             <a:r>
               <a:rPr lang="en-GB" dirty="0" smtClean="0"/>
@@ -5909,60 +6144,318 @@
             </a:r>
             <a:r>
               <a:rPr lang="en-GB" dirty="0"/>
-              <a:t>. </a:t>
+              <a:t>. Face spoofing detection with </a:t>
+            </a:r>
+            <a:r>
+              <a:rPr lang="en-GB" dirty="0" smtClean="0"/>
+              <a:t>local 	binary </a:t>
+            </a:r>
+            <a:r>
+              <a:rPr lang="en-GB" dirty="0"/>
+              <a:t>pattern </a:t>
+            </a:r>
+            <a:r>
+              <a:rPr lang="en-GB" dirty="0" smtClean="0"/>
+              <a:t>network. </a:t>
+            </a:r>
+            <a:r>
+              <a:rPr lang="en-GB" i="1" dirty="0" smtClean="0"/>
+              <a:t>Journal </a:t>
             </a:r>
             <a:r>
               <a:rPr lang="en-GB" i="1" dirty="0"/>
-              <a:t>Face spoofing detection with </a:t>
+              <a:t>of Visual Communication and Image Representation</a:t>
+            </a:r>
+            <a:r>
+              <a:rPr lang="en-GB" dirty="0"/>
+              <a:t>, </a:t>
+            </a:r>
+            <a:r>
+              <a:rPr lang="en-GB" dirty="0" smtClean="0"/>
+              <a:t>54:182–192, </a:t>
+            </a:r>
+            <a:r>
+              <a:rPr lang="en-GB" dirty="0" smtClean="0"/>
+              <a:t>2018</a:t>
+            </a:r>
+            <a:r>
+              <a:rPr lang="en-GB" dirty="0" smtClean="0"/>
+              <a:t>.</a:t>
+            </a:r>
+          </a:p>
+          <a:p>
+            <a:r>
+              <a:rPr lang="en-GB" dirty="0" smtClean="0"/>
+              <a:t>[</a:t>
+            </a:r>
+            <a:r>
+              <a:rPr lang="en-GB" dirty="0" smtClean="0"/>
+              <a:t>3] </a:t>
+            </a:r>
+            <a:r>
+              <a:rPr lang="en-GB" dirty="0"/>
+              <a:t>Diego Marcos, Michele Volpi, Nikos Komodakis, and Devis Tuia. Rotation equivariant vector field networks. </a:t>
+            </a:r>
+            <a:r>
+              <a:rPr lang="en-GB" dirty="0" smtClean="0"/>
+              <a:t> In 	</a:t>
             </a:r>
             <a:r>
               <a:rPr lang="en-GB" i="1" dirty="0" smtClean="0"/>
-              <a:t>	    	local </a:t>
+              <a:t>ICCV</a:t>
+            </a:r>
+            <a:r>
+              <a:rPr lang="en-GB" dirty="0"/>
+              <a:t>, pages 5058–5067, 2017.</a:t>
+            </a:r>
+          </a:p>
+          <a:p>
+            <a:r>
+              <a:rPr lang="en-GB" dirty="0" smtClean="0"/>
+              <a:t>[4] </a:t>
+            </a:r>
+            <a:r>
+              <a:rPr lang="en-GB" dirty="0" err="1"/>
+              <a:t>Wieslander</a:t>
+            </a:r>
+            <a:r>
+              <a:rPr lang="en-GB" dirty="0"/>
+              <a:t>, H., </a:t>
+            </a:r>
+            <a:r>
+              <a:rPr lang="en-GB" dirty="0" err="1"/>
+              <a:t>Forslid</a:t>
+            </a:r>
+            <a:r>
+              <a:rPr lang="en-GB" dirty="0"/>
+              <a:t>, G., </a:t>
+            </a:r>
+            <a:r>
+              <a:rPr lang="en-GB" dirty="0" err="1"/>
+              <a:t>Bengtsson</a:t>
+            </a:r>
+            <a:r>
+              <a:rPr lang="en-GB" dirty="0"/>
+              <a:t>, E., </a:t>
+            </a:r>
+            <a:r>
+              <a:rPr lang="en-GB" dirty="0" err="1"/>
+              <a:t>Wählby</a:t>
+            </a:r>
+            <a:r>
+              <a:rPr lang="en-GB" dirty="0"/>
+              <a:t>, C., Hirsch, J.M., Stark, C.R. and </a:t>
+            </a:r>
+            <a:r>
+              <a:rPr lang="en-GB" dirty="0" err="1"/>
+              <a:t>Sadanandan</a:t>
+            </a:r>
+            <a:r>
+              <a:rPr lang="en-GB" dirty="0"/>
+              <a:t>, S.K., 2017, </a:t>
+            </a:r>
+            <a:r>
+              <a:rPr lang="en-GB" dirty="0" smtClean="0"/>
+              <a:t>	July</a:t>
+            </a:r>
+            <a:r>
+              <a:rPr lang="en-GB" dirty="0"/>
+              <a:t>. Deep convolutional neural networks for detecting cellular changes due to malignancy. In </a:t>
             </a:r>
             <a:r>
               <a:rPr lang="en-GB" i="1" dirty="0"/>
-              <a:t>binary pattern </a:t>
+              <a:t>Proceedings of </a:t>
             </a:r>
             <a:r>
               <a:rPr lang="en-GB" i="1" dirty="0" smtClean="0"/>
-              <a:t>network</a:t>
-            </a:r>
-            <a:r>
-              <a:rPr lang="en-GB" dirty="0" smtClean="0"/>
-              <a:t>. Journal </a:t>
+              <a:t>	the IEEE Conference on Computer Vision </a:t>
+            </a:r>
+            <a:r>
+              <a:rPr lang="en-GB" i="1" dirty="0"/>
+              <a:t>and Pattern Recognition</a:t>
             </a:r>
             <a:r>
               <a:rPr lang="en-GB" dirty="0"/>
-              <a:t>of Visual Communication and Image Representation, </a:t>
-            </a:r>
-            <a:r>
-              <a:rPr lang="en-GB" dirty="0" smtClean="0"/>
-              <a:t>54:182–192, 	  	2018.</a:t>
-            </a:r>
-          </a:p>
-          <a:p>
-            <a:endParaRPr lang="en-GB" sz="1500" dirty="0"/>
-          </a:p>
-          <a:p>
-            <a:r>
-              <a:rPr lang="en-GB" dirty="0" smtClean="0"/>
-              <a:t>[3] </a:t>
-            </a:r>
-            <a:r>
-              <a:rPr lang="en-GB" dirty="0"/>
-              <a:t>Diego Marcos, Michele Volpi, Nikos Komodakis, and Devis Tuia. </a:t>
-            </a:r>
-            <a:r>
-              <a:rPr lang="en-GB" i="1" dirty="0"/>
-              <a:t>Rotation equivariant vector field networks</a:t>
-            </a:r>
-            <a:r>
-              <a:rPr lang="en-GB" dirty="0"/>
-              <a:t>. 	In ICCV, pages 5058–5067, 2017.</a:t>
-            </a:r>
-          </a:p>
-          <a:p>
+              <a:t> (pp. 82-89).</a:t>
+            </a:r>
             <a:endParaRPr lang="en-GB" dirty="0"/>
+          </a:p>
+        </p:txBody>
+      </p:sp>
+      <p:sp>
+        <p:nvSpPr>
+          <p:cNvPr id="5" name="TextBox 4"/>
+          <p:cNvSpPr txBox="1"/>
+          <p:nvPr/>
+        </p:nvSpPr>
+        <p:spPr>
+          <a:xfrm>
+            <a:off x="0" y="7200181"/>
+            <a:ext cx="5326461" cy="12255663"/>
+          </a:xfrm>
+          <a:prstGeom prst="rect">
+            <a:avLst/>
+          </a:prstGeom>
+          <a:noFill/>
+        </p:spPr>
+        <p:txBody>
+          <a:bodyPr wrap="square" rtlCol="0">
+            <a:spAutoFit/>
+          </a:bodyPr>
+          <a:lstStyle/>
+          <a:p>
+            <a:pPr algn="ctr"/>
+            <a:r>
+              <a:rPr lang="en-GB" sz="4000" b="1" dirty="0" smtClean="0">
+                <a:solidFill>
+                  <a:schemeClr val="bg1"/>
+                </a:solidFill>
+              </a:rPr>
+              <a:t>Jo Gay</a:t>
+            </a:r>
+          </a:p>
+          <a:p>
+            <a:pPr algn="ctr"/>
+            <a:r>
+              <a:rPr lang="en-GB" sz="4000" b="1" dirty="0" smtClean="0">
+                <a:solidFill>
+                  <a:schemeClr val="bg1"/>
+                </a:solidFill>
+              </a:rPr>
+              <a:t>Hugo </a:t>
+            </a:r>
+            <a:r>
+              <a:rPr lang="en-GB" sz="4000" b="1" dirty="0" err="1" smtClean="0">
+                <a:solidFill>
+                  <a:schemeClr val="bg1"/>
+                </a:solidFill>
+              </a:rPr>
+              <a:t>Harlin</a:t>
+            </a:r>
+            <a:endParaRPr lang="en-GB" sz="4000" b="1" dirty="0" smtClean="0">
+              <a:solidFill>
+                <a:schemeClr val="bg1"/>
+              </a:solidFill>
+            </a:endParaRPr>
+          </a:p>
+          <a:p>
+            <a:pPr algn="ctr"/>
+            <a:endParaRPr lang="en-GB" sz="1600" b="1" dirty="0" smtClean="0">
+              <a:solidFill>
+                <a:schemeClr val="bg1"/>
+              </a:solidFill>
+            </a:endParaRPr>
+          </a:p>
+          <a:p>
+            <a:pPr algn="ctr"/>
+            <a:r>
+              <a:rPr lang="en-GB" sz="4000" dirty="0" smtClean="0">
+                <a:solidFill>
+                  <a:schemeClr val="bg1"/>
+                </a:solidFill>
+              </a:rPr>
+              <a:t>Project in Computational Science, January 2019</a:t>
+            </a:r>
+          </a:p>
+          <a:p>
+            <a:pPr algn="ctr"/>
+            <a:endParaRPr lang="en-GB" sz="4000" dirty="0" smtClean="0">
+              <a:solidFill>
+                <a:schemeClr val="bg1"/>
+              </a:solidFill>
+            </a:endParaRPr>
+          </a:p>
+          <a:p>
+            <a:pPr algn="ctr"/>
+            <a:endParaRPr lang="en-GB" sz="4000" dirty="0" smtClean="0">
+              <a:solidFill>
+                <a:schemeClr val="bg1"/>
+              </a:solidFill>
+            </a:endParaRPr>
+          </a:p>
+          <a:p>
+            <a:pPr algn="ctr"/>
+            <a:r>
+              <a:rPr lang="en-GB" sz="4000" dirty="0" smtClean="0">
+                <a:solidFill>
+                  <a:schemeClr val="bg1"/>
+                </a:solidFill>
+              </a:rPr>
+              <a:t>Supervisors:</a:t>
+            </a:r>
+          </a:p>
+          <a:p>
+            <a:pPr algn="ctr"/>
+            <a:r>
+              <a:rPr lang="sv-SE" sz="4000" b="1" dirty="0">
+                <a:solidFill>
+                  <a:schemeClr val="bg1"/>
+                </a:solidFill>
+              </a:rPr>
+              <a:t>Joakim </a:t>
+            </a:r>
+            <a:r>
+              <a:rPr lang="sv-SE" sz="4000" b="1" dirty="0" smtClean="0">
+                <a:solidFill>
+                  <a:schemeClr val="bg1"/>
+                </a:solidFill>
+              </a:rPr>
+              <a:t>Lindblad </a:t>
+            </a:r>
+            <a:r>
+              <a:rPr lang="sv-SE" sz="4000" b="1" dirty="0">
+                <a:solidFill>
+                  <a:schemeClr val="bg1"/>
+                </a:solidFill>
+              </a:rPr>
+              <a:t>Nataša </a:t>
+            </a:r>
+            <a:r>
+              <a:rPr lang="sv-SE" sz="4000" b="1" dirty="0" smtClean="0">
+                <a:solidFill>
+                  <a:schemeClr val="bg1"/>
+                </a:solidFill>
+              </a:rPr>
+              <a:t>Sladoje</a:t>
+            </a:r>
+          </a:p>
+          <a:p>
+            <a:pPr algn="ctr"/>
+            <a:endParaRPr lang="sv-SE" sz="1600" b="1" dirty="0">
+              <a:solidFill>
+                <a:schemeClr val="bg1"/>
+              </a:solidFill>
+            </a:endParaRPr>
+          </a:p>
+          <a:p>
+            <a:pPr algn="ctr"/>
+            <a:r>
+              <a:rPr lang="en-GB" sz="4000" dirty="0" smtClean="0">
+                <a:solidFill>
+                  <a:schemeClr val="bg1"/>
+                </a:solidFill>
+              </a:rPr>
+              <a:t>Centre for Image Analysis,</a:t>
+            </a:r>
+          </a:p>
+          <a:p>
+            <a:pPr algn="ctr"/>
+            <a:r>
+              <a:rPr lang="en-GB" sz="4000" dirty="0" smtClean="0">
+                <a:solidFill>
+                  <a:schemeClr val="bg1"/>
+                </a:solidFill>
+              </a:rPr>
+              <a:t>Department of Information Technology</a:t>
+            </a:r>
+          </a:p>
+          <a:p>
+            <a:pPr algn="ctr"/>
+            <a:endParaRPr lang="en-GB" sz="4000" dirty="0" smtClean="0">
+              <a:solidFill>
+                <a:schemeClr val="bg1"/>
+              </a:solidFill>
+            </a:endParaRPr>
           </a:p>
         </p:txBody>
       </p:sp>
@@ -6038,7 +6531,7 @@
         </p:nvSpPr>
         <p:spPr>
           <a:xfrm>
-            <a:off x="7126661" y="4031829"/>
+            <a:off x="7126661" y="3887813"/>
             <a:ext cx="27779663" cy="17280260"/>
           </a:xfrm>
         </p:spPr>
@@ -6047,28 +6540,32 @@
           <a:lstStyle/>
           <a:p>
             <a:r>
-              <a:rPr lang="sv-SE" dirty="0" smtClean="0"/>
+              <a:rPr lang="sv-SE" sz="8800" dirty="0" smtClean="0"/>
               <a:t>10274 80x80 images (75% healthy)</a:t>
             </a:r>
           </a:p>
           <a:p>
             <a:r>
-              <a:rPr lang="sv-SE" dirty="0" smtClean="0"/>
-              <a:t>Cells sampled from patients mouth</a:t>
-            </a:r>
-          </a:p>
-          <a:p>
-            <a:r>
-              <a:rPr lang="sv-SE" dirty="0" smtClean="0"/>
+              <a:rPr lang="sv-SE" sz="8800" dirty="0" smtClean="0"/>
+              <a:t>Individual cells isolated within samples taken </a:t>
+            </a:r>
+            <a:r>
+              <a:rPr lang="sv-SE" sz="8800" dirty="0" smtClean="0"/>
+              <a:t>from patients mouth</a:t>
+            </a:r>
+          </a:p>
+          <a:p>
+            <a:r>
+              <a:rPr lang="sv-SE" sz="8800" dirty="0" smtClean="0"/>
               <a:t>Three healthy patients, three with cancer</a:t>
             </a:r>
           </a:p>
           <a:p>
             <a:r>
-              <a:rPr lang="sv-SE" dirty="0" smtClean="0"/>
+              <a:rPr lang="sv-SE" sz="8800" dirty="0" smtClean="0"/>
               <a:t>Ground truth on patient level, not cell level</a:t>
             </a:r>
-            <a:endParaRPr lang="en-GB" dirty="0"/>
+            <a:endParaRPr lang="en-GB" sz="8800" dirty="0"/>
           </a:p>
         </p:txBody>
       </p:sp>
@@ -6596,7 +7093,7 @@
                   <a:schemeClr val="bg1"/>
                 </a:solidFill>
               </a:rPr>
-              <a:t>Sladjoe</a:t>
+              <a:t>Sladoje</a:t>
             </a:r>
           </a:p>
           <a:p>
@@ -8241,8 +8738,13 @@
                   <a:schemeClr val="bg1"/>
                 </a:solidFill>
               </a:rPr>
-              <a:t>Sladjoe</a:t>
-            </a:r>
+              <a:t>Sladoje</a:t>
+            </a:r>
+            <a:endParaRPr lang="sv-SE" sz="4000" b="1" dirty="0" smtClean="0">
+              <a:solidFill>
+                <a:schemeClr val="bg1"/>
+              </a:solidFill>
+            </a:endParaRPr>
           </a:p>
           <a:p>
             <a:pPr algn="ctr"/>
@@ -11535,8 +12037,13 @@
                   <a:schemeClr val="bg1"/>
                 </a:solidFill>
               </a:rPr>
-              <a:t>Sladjoe</a:t>
-            </a:r>
+              <a:t>Sladoje</a:t>
+            </a:r>
+            <a:endParaRPr lang="sv-SE" sz="4000" b="1" dirty="0" smtClean="0">
+              <a:solidFill>
+                <a:schemeClr val="bg1"/>
+              </a:solidFill>
+            </a:endParaRPr>
           </a:p>
           <a:p>
             <a:pPr algn="ctr"/>
@@ -12317,16 +12824,13 @@
                   <a:schemeClr val="bg1"/>
                 </a:solidFill>
               </a:rPr>
-              <a:t>Nataša </a:t>
-            </a:r>
-            <a:r>
-              <a:rPr lang="sv-SE" sz="4000" b="1" dirty="0" smtClean="0">
-                <a:solidFill>
-                  <a:schemeClr val="bg1"/>
-                </a:solidFill>
-              </a:rPr>
-              <a:t>Sladjoe</a:t>
-            </a:r>
+              <a:t>Nataša Sladoje</a:t>
+            </a:r>
+            <a:endParaRPr lang="sv-SE" sz="4000" b="1" dirty="0" smtClean="0">
+              <a:solidFill>
+                <a:schemeClr val="bg1"/>
+              </a:solidFill>
+            </a:endParaRPr>
           </a:p>
           <a:p>
             <a:pPr algn="ctr"/>
@@ -15768,7 +16272,7 @@
       </p:sp>
       <p:sp>
         <p:nvSpPr>
-          <p:cNvPr id="59" name="TextBox 58"/>
+          <p:cNvPr id="60" name="TextBox 59"/>
           <p:cNvSpPr txBox="1"/>
           <p:nvPr/>
         </p:nvSpPr>
@@ -15892,16 +16396,13 @@
                   <a:schemeClr val="bg1"/>
                 </a:solidFill>
               </a:rPr>
-              <a:t>Nataša </a:t>
-            </a:r>
-            <a:r>
-              <a:rPr lang="sv-SE" sz="4000" b="1" dirty="0" smtClean="0">
-                <a:solidFill>
-                  <a:schemeClr val="bg1"/>
-                </a:solidFill>
-              </a:rPr>
-              <a:t>Sladjoe</a:t>
-            </a:r>
+              <a:t>Nataša Sladoje</a:t>
+            </a:r>
+            <a:endParaRPr lang="sv-SE" sz="4000" b="1" dirty="0" smtClean="0">
+              <a:solidFill>
+                <a:schemeClr val="bg1"/>
+              </a:solidFill>
+            </a:endParaRPr>
           </a:p>
           <a:p>
             <a:pPr algn="ctr"/>
@@ -22715,7 +23216,7 @@
       </p:sp>
       <p:sp>
         <p:nvSpPr>
-          <p:cNvPr id="140" name="TextBox 139"/>
+          <p:cNvPr id="146" name="TextBox 145"/>
           <p:cNvSpPr txBox="1"/>
           <p:nvPr/>
         </p:nvSpPr>
@@ -22839,16 +23340,13 @@
                   <a:schemeClr val="bg1"/>
                 </a:solidFill>
               </a:rPr>
-              <a:t>Nataša </a:t>
-            </a:r>
-            <a:r>
-              <a:rPr lang="sv-SE" sz="4000" b="1" dirty="0" smtClean="0">
-                <a:solidFill>
-                  <a:schemeClr val="bg1"/>
-                </a:solidFill>
-              </a:rPr>
-              <a:t>Sladjoe</a:t>
-            </a:r>
+              <a:t>Nataša Sladoje</a:t>
+            </a:r>
+            <a:endParaRPr lang="sv-SE" sz="4000" b="1" dirty="0" smtClean="0">
+              <a:solidFill>
+                <a:schemeClr val="bg1"/>
+              </a:solidFill>
+            </a:endParaRPr>
           </a:p>
           <a:p>
             <a:pPr algn="ctr"/>
@@ -23242,7 +23740,7 @@
       </p:sp>
       <p:sp>
         <p:nvSpPr>
-          <p:cNvPr id="6" name="TextBox 5"/>
+          <p:cNvPr id="7" name="TextBox 6"/>
           <p:cNvSpPr txBox="1"/>
           <p:nvPr/>
         </p:nvSpPr>
@@ -23366,16 +23864,13 @@
                   <a:schemeClr val="bg1"/>
                 </a:solidFill>
               </a:rPr>
-              <a:t>Nataša </a:t>
-            </a:r>
-            <a:r>
-              <a:rPr lang="sv-SE" sz="4000" b="1" dirty="0" smtClean="0">
-                <a:solidFill>
-                  <a:schemeClr val="bg1"/>
-                </a:solidFill>
-              </a:rPr>
-              <a:t>Sladjoe</a:t>
-            </a:r>
+              <a:t>Nataša Sladoje</a:t>
+            </a:r>
+            <a:endParaRPr lang="sv-SE" sz="4000" b="1" dirty="0" smtClean="0">
+              <a:solidFill>
+                <a:schemeClr val="bg1"/>
+              </a:solidFill>
+            </a:endParaRPr>
           </a:p>
           <a:p>
             <a:pPr algn="ctr"/>

--- a/Presentation_material/presentation.pptx
+++ b/Presentation_material/presentation.pptx
@@ -5278,6 +5278,13 @@
   <p:clrMapOvr>
     <a:masterClrMapping/>
   </p:clrMapOvr>
+  <p:timing>
+    <p:tnLst>
+      <p:par>
+        <p:cTn id="1" dur="indefinite" restart="never" nodeType="tmRoot"/>
+      </p:par>
+    </p:tnLst>
+  </p:timing>
 </p:sld>
 </file>
 
@@ -5333,8 +5340,8 @@
         </p:nvSpPr>
         <p:spPr>
           <a:xfrm>
-            <a:off x="6044563" y="16489213"/>
-            <a:ext cx="28875676" cy="5912000"/>
+            <a:off x="5830517" y="12312749"/>
+            <a:ext cx="28875676" cy="12529392"/>
           </a:xfrm>
         </p:spPr>
         <p:txBody>
@@ -5342,8 +5349,35 @@
           <a:lstStyle/>
           <a:p>
             <a:r>
+              <a:rPr lang="sv-SE" sz="8800" dirty="0"/>
+              <a:t>Developed rotationally invariant filters with vector field outputs</a:t>
+            </a:r>
+          </a:p>
+          <a:p>
+            <a:r>
+              <a:rPr lang="sv-SE" sz="8800" dirty="0"/>
+              <a:t>Filters are organised in groups consisting of R filters</a:t>
+            </a:r>
+          </a:p>
+          <a:p>
+            <a:r>
+              <a:rPr lang="sv-SE" sz="8800" dirty="0"/>
+              <a:t>Only the first is </a:t>
+            </a:r>
+            <a:r>
               <a:rPr lang="sv-SE" sz="8800" dirty="0" smtClean="0"/>
-              <a:t>The result contains the magnitude and direction of the maximum activation of any filter in the group</a:t>
+              <a:t>trainable, the rest are rotations</a:t>
+            </a:r>
+            <a:endParaRPr lang="sv-SE" sz="8800" dirty="0"/>
+          </a:p>
+          <a:p>
+            <a:r>
+              <a:rPr lang="sv-SE" sz="8800" dirty="0" smtClean="0"/>
+              <a:t>The </a:t>
+            </a:r>
+            <a:r>
+              <a:rPr lang="sv-SE" sz="8800" dirty="0" smtClean="0"/>
+              <a:t>result contains the magnitude and direction of the maximum activation of any filter in the group</a:t>
             </a:r>
           </a:p>
           <a:p>
@@ -5356,257 +5390,6 @@
             <a:r>
               <a:rPr lang="sv-SE" sz="8800" dirty="0" smtClean="0"/>
               <a:t>4 RotEqNet layers are used in our model</a:t>
-            </a:r>
-          </a:p>
-        </p:txBody>
-      </p:sp>
-      <p:pic>
-        <p:nvPicPr>
-          <p:cNvPr id="4" name="Picture 3"/>
-          <p:cNvPicPr>
-            <a:picLocks noChangeAspect="1"/>
-          </p:cNvPicPr>
-          <p:nvPr/>
-        </p:nvPicPr>
-        <p:blipFill>
-          <a:blip r:embed="rId2">
-            <a:extLst>
-              <a:ext uri="{28A0092B-C50C-407E-A947-70E740481C1C}">
-                <a14:useLocalDpi xmlns:a14="http://schemas.microsoft.com/office/drawing/2010/main" val="0"/>
-              </a:ext>
-            </a:extLst>
-          </a:blip>
-          <a:stretch>
-            <a:fillRect/>
-          </a:stretch>
-        </p:blipFill>
-        <p:spPr>
-          <a:xfrm>
-            <a:off x="7228264" y="4535885"/>
-            <a:ext cx="10843613" cy="10801200"/>
-          </a:xfrm>
-          <a:prstGeom prst="rect">
-            <a:avLst/>
-          </a:prstGeom>
-        </p:spPr>
-      </p:pic>
-      <p:sp>
-        <p:nvSpPr>
-          <p:cNvPr id="5" name="Content Placeholder 2"/>
-          <p:cNvSpPr txBox="1">
-            <a:spLocks/>
-          </p:cNvSpPr>
-          <p:nvPr/>
-        </p:nvSpPr>
-        <p:spPr bwMode="auto">
-          <a:xfrm>
-            <a:off x="18359908" y="4337171"/>
-            <a:ext cx="15985777" cy="11287946"/>
-          </a:xfrm>
-          <a:prstGeom prst="rect">
-            <a:avLst/>
-          </a:prstGeom>
-          <a:noFill/>
-          <a:ln>
-            <a:noFill/>
-          </a:ln>
-          <a:effectLst/>
-          <a:extLst>
-            <a:ext uri="{909E8E84-426E-40DD-AFC4-6F175D3DCCD1}">
-              <a14:hiddenFill xmlns:a14="http://schemas.microsoft.com/office/drawing/2010/main">
-                <a:solidFill>
-                  <a:schemeClr val="accent1"/>
-                </a:solidFill>
-              </a14:hiddenFill>
-            </a:ext>
-            <a:ext uri="{91240B29-F687-4F45-9708-019B960494DF}">
-              <a14:hiddenLine xmlns:a14="http://schemas.microsoft.com/office/drawing/2010/main" w="9525">
-                <a:solidFill>
-                  <a:schemeClr val="tx1"/>
-                </a:solidFill>
-                <a:miter lim="800000"/>
-                <a:headEnd/>
-                <a:tailEnd/>
-              </a14:hiddenLine>
-            </a:ext>
-            <a:ext uri="{AF507438-7753-43E0-B8FC-AC1667EBCBE1}">
-              <a14:hiddenEffects xmlns:a14="http://schemas.microsoft.com/office/drawing/2010/main">
-                <a:effectLst>
-                  <a:outerShdw dist="35921" dir="2700000" algn="ctr" rotWithShape="0">
-                    <a:schemeClr val="bg2"/>
-                  </a:outerShdw>
-                </a:effectLst>
-              </a14:hiddenEffects>
-            </a:ext>
-          </a:extLst>
-        </p:spPr>
-        <p:txBody>
-          <a:bodyPr vert="horz" wrap="square" lIns="349592" tIns="174796" rIns="349592" bIns="174796" numCol="1" anchor="t" anchorCtr="0" compatLnSpc="1">
-            <a:prstTxWarp prst="textNoShape">
-              <a:avLst/>
-            </a:prstTxWarp>
-          </a:bodyPr>
-          <a:lstStyle>
-            <a:lvl1pPr marL="1311275" indent="-1311275" algn="l" defTabSz="3495675" rtl="0" fontAlgn="base">
-              <a:spcBef>
-                <a:spcPct val="20000"/>
-              </a:spcBef>
-              <a:spcAft>
-                <a:spcPct val="0"/>
-              </a:spcAft>
-              <a:buChar char="•"/>
-              <a:defRPr sz="10200">
-                <a:solidFill>
-                  <a:schemeClr val="tx1"/>
-                </a:solidFill>
-                <a:latin typeface="+mn-lt"/>
-                <a:ea typeface="+mn-ea"/>
-                <a:cs typeface="+mn-cs"/>
-              </a:defRPr>
-            </a:lvl1pPr>
-            <a:lvl2pPr marL="2838450" indent="-1089025" algn="l" defTabSz="3495675" rtl="0" fontAlgn="base">
-              <a:spcBef>
-                <a:spcPct val="20000"/>
-              </a:spcBef>
-              <a:spcAft>
-                <a:spcPct val="0"/>
-              </a:spcAft>
-              <a:buChar char="–"/>
-              <a:defRPr sz="9000">
-                <a:solidFill>
-                  <a:schemeClr val="tx1"/>
-                </a:solidFill>
-                <a:latin typeface="+mn-lt"/>
-              </a:defRPr>
-            </a:lvl2pPr>
-            <a:lvl3pPr marL="4368800" indent="-873125" algn="l" defTabSz="3495675" rtl="0" fontAlgn="base">
-              <a:spcBef>
-                <a:spcPct val="20000"/>
-              </a:spcBef>
-              <a:spcAft>
-                <a:spcPct val="0"/>
-              </a:spcAft>
-              <a:buChar char="•"/>
-              <a:defRPr sz="7500">
-                <a:solidFill>
-                  <a:schemeClr val="tx1"/>
-                </a:solidFill>
-                <a:latin typeface="+mn-lt"/>
-              </a:defRPr>
-            </a:lvl3pPr>
-            <a:lvl4pPr marL="6119813" indent="-876300" algn="l" defTabSz="3495675" rtl="0" fontAlgn="base">
-              <a:spcBef>
-                <a:spcPct val="20000"/>
-              </a:spcBef>
-              <a:spcAft>
-                <a:spcPct val="0"/>
-              </a:spcAft>
-              <a:buChar char="–"/>
-              <a:defRPr sz="6400">
-                <a:solidFill>
-                  <a:schemeClr val="tx1"/>
-                </a:solidFill>
-                <a:latin typeface="+mn-lt"/>
-              </a:defRPr>
-            </a:lvl4pPr>
-            <a:lvl5pPr marL="7867650" indent="-874713" algn="l" defTabSz="3495675" rtl="0" fontAlgn="base">
-              <a:spcBef>
-                <a:spcPct val="20000"/>
-              </a:spcBef>
-              <a:spcAft>
-                <a:spcPct val="0"/>
-              </a:spcAft>
-              <a:buChar char="»"/>
-              <a:defRPr sz="6400">
-                <a:solidFill>
-                  <a:schemeClr val="tx1"/>
-                </a:solidFill>
-                <a:latin typeface="+mn-lt"/>
-              </a:defRPr>
-            </a:lvl5pPr>
-            <a:lvl6pPr marL="8324850" indent="-874713" algn="l" defTabSz="3495675" rtl="0" fontAlgn="base">
-              <a:spcBef>
-                <a:spcPct val="20000"/>
-              </a:spcBef>
-              <a:spcAft>
-                <a:spcPct val="0"/>
-              </a:spcAft>
-              <a:buChar char="»"/>
-              <a:defRPr sz="6400">
-                <a:solidFill>
-                  <a:schemeClr val="tx1"/>
-                </a:solidFill>
-                <a:latin typeface="+mn-lt"/>
-              </a:defRPr>
-            </a:lvl6pPr>
-            <a:lvl7pPr marL="8782050" indent="-874713" algn="l" defTabSz="3495675" rtl="0" fontAlgn="base">
-              <a:spcBef>
-                <a:spcPct val="20000"/>
-              </a:spcBef>
-              <a:spcAft>
-                <a:spcPct val="0"/>
-              </a:spcAft>
-              <a:buChar char="»"/>
-              <a:defRPr sz="6400">
-                <a:solidFill>
-                  <a:schemeClr val="tx1"/>
-                </a:solidFill>
-                <a:latin typeface="+mn-lt"/>
-              </a:defRPr>
-            </a:lvl7pPr>
-            <a:lvl8pPr marL="9239250" indent="-874713" algn="l" defTabSz="3495675" rtl="0" fontAlgn="base">
-              <a:spcBef>
-                <a:spcPct val="20000"/>
-              </a:spcBef>
-              <a:spcAft>
-                <a:spcPct val="0"/>
-              </a:spcAft>
-              <a:buChar char="»"/>
-              <a:defRPr sz="6400">
-                <a:solidFill>
-                  <a:schemeClr val="tx1"/>
-                </a:solidFill>
-                <a:latin typeface="+mn-lt"/>
-              </a:defRPr>
-            </a:lvl8pPr>
-            <a:lvl9pPr marL="9696450" indent="-874713" algn="l" defTabSz="3495675" rtl="0" fontAlgn="base">
-              <a:spcBef>
-                <a:spcPct val="20000"/>
-              </a:spcBef>
-              <a:spcAft>
-                <a:spcPct val="0"/>
-              </a:spcAft>
-              <a:buChar char="»"/>
-              <a:defRPr sz="6400">
-                <a:solidFill>
-                  <a:schemeClr val="tx1"/>
-                </a:solidFill>
-                <a:latin typeface="+mn-lt"/>
-              </a:defRPr>
-            </a:lvl9pPr>
-          </a:lstStyle>
-          <a:p>
-            <a:r>
-              <a:rPr lang="sv-SE" sz="8800" kern="0" dirty="0" smtClean="0"/>
-              <a:t>Developed rotationally invariant filters with vector field outputs</a:t>
-            </a:r>
-          </a:p>
-          <a:p>
-            <a:r>
-              <a:rPr lang="sv-SE" sz="8800" kern="0" dirty="0" smtClean="0"/>
-              <a:t>Filters are organised in groups consisting of R filters</a:t>
-            </a:r>
-          </a:p>
-          <a:p>
-            <a:r>
-              <a:rPr lang="sv-SE" sz="8800" kern="0" dirty="0" smtClean="0"/>
-              <a:t>Only the first is trainable</a:t>
-            </a:r>
-          </a:p>
-          <a:p>
-            <a:r>
-              <a:rPr lang="sv-SE" sz="8800" kern="0" dirty="0" smtClean="0"/>
-              <a:t>The rest are rotations</a:t>
             </a:r>
           </a:p>
         </p:txBody>
@@ -5785,6 +5568,69 @@
           </a:p>
         </p:txBody>
       </p:sp>
+      <p:pic>
+        <p:nvPicPr>
+          <p:cNvPr id="8" name="Content Placeholder 3"/>
+          <p:cNvPicPr>
+            <a:picLocks noChangeAspect="1"/>
+          </p:cNvPicPr>
+          <p:nvPr/>
+        </p:nvPicPr>
+        <p:blipFill>
+          <a:blip r:embed="rId2">
+            <a:extLst>
+              <a:ext uri="{28A0092B-C50C-407E-A947-70E740481C1C}">
+                <a14:useLocalDpi xmlns:a14="http://schemas.microsoft.com/office/drawing/2010/main" val="0"/>
+              </a:ext>
+            </a:extLst>
+          </a:blip>
+          <a:stretch>
+            <a:fillRect/>
+          </a:stretch>
+        </p:blipFill>
+        <p:spPr bwMode="auto">
+          <a:xfrm>
+            <a:off x="6838629" y="4607893"/>
+            <a:ext cx="27355415" cy="6984776"/>
+          </a:xfrm>
+          <a:prstGeom prst="rect">
+            <a:avLst/>
+          </a:prstGeom>
+          <a:noFill/>
+          <a:ln>
+            <a:noFill/>
+          </a:ln>
+          <a:effectLst/>
+          <a:extLst>
+            <a:ext uri="{909E8E84-426E-40DD-AFC4-6F175D3DCCD1}">
+              <a14:hiddenFill xmlns:a14="http://schemas.microsoft.com/office/drawing/2010/main">
+                <a:solidFill>
+                  <a:schemeClr val="accent1"/>
+                </a:solidFill>
+              </a14:hiddenFill>
+            </a:ext>
+            <a:ext uri="{91240B29-F687-4F45-9708-019B960494DF}">
+              <a14:hiddenLine xmlns:a14="http://schemas.microsoft.com/office/drawing/2010/main" w="9525">
+                <a:solidFill>
+                  <a:schemeClr val="tx1"/>
+                </a:solidFill>
+                <a:miter lim="800000"/>
+                <a:headEnd/>
+                <a:tailEnd/>
+              </a14:hiddenLine>
+            </a:ext>
+            <a:ext uri="{AF507438-7753-43E0-B8FC-AC1667EBCBE1}">
+              <a14:hiddenEffects xmlns:a14="http://schemas.microsoft.com/office/drawing/2010/main">
+                <a:effectLst>
+                  <a:outerShdw dist="35921" dir="2700000" algn="ctr" rotWithShape="0">
+                    <a:schemeClr val="bg2"/>
+                  </a:outerShdw>
+                </a:effectLst>
+              </a14:hiddenEffects>
+            </a:ext>
+          </a:extLst>
+        </p:spPr>
+      </p:pic>
     </p:spTree>
     <p:extLst>
       <p:ext uri="{BB962C8B-B14F-4D97-AF65-F5344CB8AC3E}">
@@ -13222,13 +13068,8 @@
             </a:pPr>
             <a:r>
               <a:rPr lang="sv-SE" dirty="0" smtClean="0"/>
-              <a:t>Network comprised of four sequentially coupled </a:t>
-            </a:r>
-            <a:r>
-              <a:rPr lang="sv-SE" dirty="0" smtClean="0"/>
-              <a:t>modules</a:t>
-            </a:r>
-            <a:endParaRPr lang="sv-SE" dirty="0" smtClean="0"/>
+              <a:t>Network comprised of four sequentially coupled modules</a:t>
+            </a:r>
           </a:p>
         </p:txBody>
       </p:sp>

--- a/Presentation_material/presentation.pptx
+++ b/Presentation_material/presentation.pptx
@@ -5,25 +5,27 @@
     <p:sldMasterId id="2147483648" r:id="rId1"/>
   </p:sldMasterIdLst>
   <p:notesMasterIdLst>
-    <p:notesMasterId r:id="rId15"/>
+    <p:notesMasterId r:id="rId17"/>
   </p:notesMasterIdLst>
   <p:handoutMasterIdLst>
-    <p:handoutMasterId r:id="rId16"/>
+    <p:handoutMasterId r:id="rId18"/>
   </p:handoutMasterIdLst>
   <p:sldIdLst>
     <p:sldId id="256" r:id="rId2"/>
     <p:sldId id="259" r:id="rId3"/>
     <p:sldId id="262" r:id="rId4"/>
-    <p:sldId id="263" r:id="rId5"/>
-    <p:sldId id="260" r:id="rId6"/>
-    <p:sldId id="261" r:id="rId7"/>
-    <p:sldId id="272" r:id="rId8"/>
-    <p:sldId id="271" r:id="rId9"/>
-    <p:sldId id="273" r:id="rId10"/>
-    <p:sldId id="274" r:id="rId11"/>
-    <p:sldId id="268" r:id="rId12"/>
-    <p:sldId id="269" r:id="rId13"/>
-    <p:sldId id="270" r:id="rId14"/>
+    <p:sldId id="275" r:id="rId5"/>
+    <p:sldId id="263" r:id="rId6"/>
+    <p:sldId id="260" r:id="rId7"/>
+    <p:sldId id="261" r:id="rId8"/>
+    <p:sldId id="272" r:id="rId9"/>
+    <p:sldId id="271" r:id="rId10"/>
+    <p:sldId id="273" r:id="rId11"/>
+    <p:sldId id="274" r:id="rId12"/>
+    <p:sldId id="268" r:id="rId13"/>
+    <p:sldId id="276" r:id="rId14"/>
+    <p:sldId id="269" r:id="rId15"/>
+    <p:sldId id="270" r:id="rId16"/>
   </p:sldIdLst>
   <p:sldSz cx="35999738" cy="25201563"/>
   <p:notesSz cx="46342300" cy="46342300"/>
@@ -1418,6 +1420,42 @@
           <a:bodyPr/>
           <a:lstStyle/>
           <a:p>
+            <a:pPr marL="0" marR="0" indent="0" algn="l" defTabSz="914400" rtl="0" eaLnBrk="1" fontAlgn="base" latinLnBrk="0" hangingPunct="1">
+              <a:lnSpc>
+                <a:spcPct val="100000"/>
+              </a:lnSpc>
+              <a:spcBef>
+                <a:spcPct val="30000"/>
+              </a:spcBef>
+              <a:spcAft>
+                <a:spcPct val="0"/>
+              </a:spcAft>
+              <a:buClrTx/>
+              <a:buSzTx/>
+              <a:buFontTx/>
+              <a:buNone/>
+              <a:tabLst/>
+              <a:defRPr/>
+            </a:pPr>
+            <a:r>
+              <a:rPr lang="en-GB" dirty="0" smtClean="0"/>
+              <a:t>Expand on black/white board. Show binary string representation (</a:t>
+            </a:r>
+            <a:r>
+              <a:rPr lang="en-GB" dirty="0" err="1" smtClean="0"/>
+              <a:t>dec</a:t>
+            </a:r>
+            <a:r>
+              <a:rPr lang="en-GB" dirty="0" smtClean="0"/>
+              <a:t> 203, rot 151) and rotational</a:t>
+            </a:r>
+            <a:r>
+              <a:rPr lang="en-GB" baseline="0" dirty="0" smtClean="0"/>
+              <a:t> invariance. Our experiments show R=10, P=6 has highest predictive power. Histograms used as input features to neural network. Loss of positional information.</a:t>
+            </a:r>
+            <a:endParaRPr lang="en-GB" dirty="0" smtClean="0"/>
+          </a:p>
+          <a:p>
             <a:endParaRPr lang="en-GB" dirty="0"/>
           </a:p>
         </p:txBody>
@@ -1440,7 +1478,7 @@
             <a:fld id="{E36643B1-9D94-4426-9F70-001B837290C8}" type="slidenum">
               <a:rPr lang="sv-SE" smtClean="0"/>
               <a:pPr/>
-              <a:t>6</a:t>
+              <a:t>5</a:t>
             </a:fld>
             <a:endParaRPr lang="sv-SE"/>
           </a:p>
@@ -1449,7 +1487,7 @@
     </p:spTree>
     <p:extLst>
       <p:ext uri="{BB962C8B-B14F-4D97-AF65-F5344CB8AC3E}">
-        <p14:creationId xmlns:p14="http://schemas.microsoft.com/office/powerpoint/2010/main" val="2477875580"/>
+        <p14:creationId xmlns:p14="http://schemas.microsoft.com/office/powerpoint/2010/main" val="1612184293"/>
       </p:ext>
     </p:extLst>
   </p:cSld>
@@ -1525,7 +1563,177 @@
             <a:fld id="{E36643B1-9D94-4426-9F70-001B837290C8}" type="slidenum">
               <a:rPr lang="sv-SE" smtClean="0"/>
               <a:pPr/>
+              <a:t>7</a:t>
+            </a:fld>
+            <a:endParaRPr lang="sv-SE"/>
+          </a:p>
+        </p:txBody>
+      </p:sp>
+    </p:spTree>
+    <p:extLst>
+      <p:ext uri="{BB962C8B-B14F-4D97-AF65-F5344CB8AC3E}">
+        <p14:creationId xmlns:p14="http://schemas.microsoft.com/office/powerpoint/2010/main" val="2477875580"/>
+      </p:ext>
+    </p:extLst>
+  </p:cSld>
+  <p:clrMapOvr>
+    <a:masterClrMapping/>
+  </p:clrMapOvr>
+</p:notes>
+</file>
+
+<file path=ppt/notesSlides/notesSlide6.xml><?xml version="1.0" encoding="utf-8"?>
+<p:notes xmlns:a="http://schemas.openxmlformats.org/drawingml/2006/main" xmlns:r="http://schemas.openxmlformats.org/officeDocument/2006/relationships" xmlns:p="http://schemas.openxmlformats.org/presentationml/2006/main">
+  <p:cSld>
+    <p:spTree>
+      <p:nvGrpSpPr>
+        <p:cNvPr id="1" name=""/>
+        <p:cNvGrpSpPr/>
+        <p:nvPr/>
+      </p:nvGrpSpPr>
+      <p:grpSpPr>
+        <a:xfrm>
+          <a:off x="0" y="0"/>
+          <a:ext cx="0" cy="0"/>
+          <a:chOff x="0" y="0"/>
+          <a:chExt cx="0" cy="0"/>
+        </a:xfrm>
+      </p:grpSpPr>
+      <p:sp>
+        <p:nvSpPr>
+          <p:cNvPr id="2" name="Slide Image Placeholder 1"/>
+          <p:cNvSpPr>
+            <a:spLocks noGrp="1" noRot="1" noChangeAspect="1"/>
+          </p:cNvSpPr>
+          <p:nvPr>
+            <p:ph type="sldImg"/>
+          </p:nvPr>
+        </p:nvSpPr>
+        <p:spPr/>
+      </p:sp>
+      <p:sp>
+        <p:nvSpPr>
+          <p:cNvPr id="3" name="Notes Placeholder 2"/>
+          <p:cNvSpPr>
+            <a:spLocks noGrp="1"/>
+          </p:cNvSpPr>
+          <p:nvPr>
+            <p:ph type="body" idx="1"/>
+          </p:nvPr>
+        </p:nvSpPr>
+        <p:spPr/>
+        <p:txBody>
+          <a:bodyPr/>
+          <a:lstStyle/>
+          <a:p>
+            <a:endParaRPr lang="en-GB" dirty="0"/>
+          </a:p>
+        </p:txBody>
+      </p:sp>
+      <p:sp>
+        <p:nvSpPr>
+          <p:cNvPr id="4" name="Slide Number Placeholder 3"/>
+          <p:cNvSpPr>
+            <a:spLocks noGrp="1"/>
+          </p:cNvSpPr>
+          <p:nvPr>
+            <p:ph type="sldNum" sz="quarter" idx="10"/>
+          </p:nvPr>
+        </p:nvSpPr>
+        <p:spPr/>
+        <p:txBody>
+          <a:bodyPr/>
+          <a:lstStyle/>
+          <a:p>
+            <a:fld id="{E36643B1-9D94-4426-9F70-001B837290C8}" type="slidenum">
+              <a:rPr lang="sv-SE" smtClean="0"/>
+              <a:pPr/>
               <a:t>13</a:t>
+            </a:fld>
+            <a:endParaRPr lang="sv-SE"/>
+          </a:p>
+        </p:txBody>
+      </p:sp>
+    </p:spTree>
+    <p:extLst>
+      <p:ext uri="{BB962C8B-B14F-4D97-AF65-F5344CB8AC3E}">
+        <p14:creationId xmlns:p14="http://schemas.microsoft.com/office/powerpoint/2010/main" val="2076968536"/>
+      </p:ext>
+    </p:extLst>
+  </p:cSld>
+  <p:clrMapOvr>
+    <a:masterClrMapping/>
+  </p:clrMapOvr>
+</p:notes>
+</file>
+
+<file path=ppt/notesSlides/notesSlide7.xml><?xml version="1.0" encoding="utf-8"?>
+<p:notes xmlns:a="http://schemas.openxmlformats.org/drawingml/2006/main" xmlns:r="http://schemas.openxmlformats.org/officeDocument/2006/relationships" xmlns:p="http://schemas.openxmlformats.org/presentationml/2006/main">
+  <p:cSld>
+    <p:spTree>
+      <p:nvGrpSpPr>
+        <p:cNvPr id="1" name=""/>
+        <p:cNvGrpSpPr/>
+        <p:nvPr/>
+      </p:nvGrpSpPr>
+      <p:grpSpPr>
+        <a:xfrm>
+          <a:off x="0" y="0"/>
+          <a:ext cx="0" cy="0"/>
+          <a:chOff x="0" y="0"/>
+          <a:chExt cx="0" cy="0"/>
+        </a:xfrm>
+      </p:grpSpPr>
+      <p:sp>
+        <p:nvSpPr>
+          <p:cNvPr id="2" name="Slide Image Placeholder 1"/>
+          <p:cNvSpPr>
+            <a:spLocks noGrp="1" noRot="1" noChangeAspect="1"/>
+          </p:cNvSpPr>
+          <p:nvPr>
+            <p:ph type="sldImg"/>
+          </p:nvPr>
+        </p:nvSpPr>
+        <p:spPr/>
+      </p:sp>
+      <p:sp>
+        <p:nvSpPr>
+          <p:cNvPr id="3" name="Notes Placeholder 2"/>
+          <p:cNvSpPr>
+            <a:spLocks noGrp="1"/>
+          </p:cNvSpPr>
+          <p:nvPr>
+            <p:ph type="body" idx="1"/>
+          </p:nvPr>
+        </p:nvSpPr>
+        <p:spPr/>
+        <p:txBody>
+          <a:bodyPr/>
+          <a:lstStyle/>
+          <a:p>
+            <a:endParaRPr lang="en-GB" dirty="0"/>
+          </a:p>
+        </p:txBody>
+      </p:sp>
+      <p:sp>
+        <p:nvSpPr>
+          <p:cNvPr id="4" name="Slide Number Placeholder 3"/>
+          <p:cNvSpPr>
+            <a:spLocks noGrp="1"/>
+          </p:cNvSpPr>
+          <p:nvPr>
+            <p:ph type="sldNum" sz="quarter" idx="10"/>
+          </p:nvPr>
+        </p:nvSpPr>
+        <p:spPr/>
+        <p:txBody>
+          <a:bodyPr/>
+          <a:lstStyle/>
+          <a:p>
+            <a:fld id="{E36643B1-9D94-4426-9F70-001B837290C8}" type="slidenum">
+              <a:rPr lang="sv-SE" smtClean="0"/>
+              <a:pPr/>
+              <a:t>15</a:t>
             </a:fld>
             <a:endParaRPr lang="sv-SE"/>
           </a:p>
@@ -5195,6 +5403,134 @@
           <a:p>
             <a:r>
               <a:rPr lang="sv-SE" dirty="0" smtClean="0"/>
+              <a:t>Model 2: Gate layer</a:t>
+            </a:r>
+            <a:endParaRPr lang="en-GB" dirty="0"/>
+          </a:p>
+        </p:txBody>
+      </p:sp>
+      <p:pic>
+        <p:nvPicPr>
+          <p:cNvPr id="4" name="Content Placeholder 3"/>
+          <p:cNvPicPr>
+            <a:picLocks noGrp="1" noChangeAspect="1"/>
+          </p:cNvPicPr>
+          <p:nvPr>
+            <p:ph idx="1"/>
+          </p:nvPr>
+        </p:nvPicPr>
+        <p:blipFill>
+          <a:blip r:embed="rId2">
+            <a:extLst>
+              <a:ext uri="{28A0092B-C50C-407E-A947-70E740481C1C}">
+                <a14:useLocalDpi xmlns:a14="http://schemas.microsoft.com/office/drawing/2010/main" val="0"/>
+              </a:ext>
+            </a:extLst>
+          </a:blip>
+          <a:stretch>
+            <a:fillRect/>
+          </a:stretch>
+        </p:blipFill>
+        <p:spPr>
+          <a:xfrm>
+            <a:off x="8638829" y="3947298"/>
+            <a:ext cx="24778572" cy="17006411"/>
+          </a:xfrm>
+        </p:spPr>
+      </p:pic>
+      <p:sp>
+        <p:nvSpPr>
+          <p:cNvPr id="5" name="TextBox 4"/>
+          <p:cNvSpPr txBox="1"/>
+          <p:nvPr/>
+        </p:nvSpPr>
+        <p:spPr>
+          <a:xfrm>
+            <a:off x="11663165" y="21241741"/>
+            <a:ext cx="19010112" cy="3477875"/>
+          </a:xfrm>
+          <a:prstGeom prst="rect">
+            <a:avLst/>
+          </a:prstGeom>
+          <a:noFill/>
+        </p:spPr>
+        <p:txBody>
+          <a:bodyPr wrap="square" rtlCol="0">
+            <a:spAutoFit/>
+          </a:bodyPr>
+          <a:lstStyle/>
+          <a:p>
+            <a:pPr algn="ctr"/>
+            <a:r>
+              <a:rPr lang="sv-SE" sz="10000" b="1" dirty="0" smtClean="0"/>
+              <a:t>   Input: </a:t>
+            </a:r>
+            <a:r>
+              <a:rPr lang="sv-SE" sz="10000" b="1" dirty="0"/>
+              <a:t>40x40x64 </a:t>
+            </a:r>
+            <a:r>
+              <a:rPr lang="sv-SE" sz="10000" b="1" dirty="0" smtClean="0"/>
+              <a:t>tensor</a:t>
+            </a:r>
+          </a:p>
+          <a:p>
+            <a:pPr algn="ctr"/>
+            <a:r>
+              <a:rPr lang="sv-SE" sz="10000" b="1" dirty="0" smtClean="0"/>
+              <a:t>Output:  512 element vector</a:t>
+            </a:r>
+            <a:endParaRPr lang="sv-SE" sz="10000" b="1" dirty="0"/>
+          </a:p>
+        </p:txBody>
+      </p:sp>
+    </p:spTree>
+    <p:extLst>
+      <p:ext uri="{BB962C8B-B14F-4D97-AF65-F5344CB8AC3E}">
+        <p14:creationId xmlns:p14="http://schemas.microsoft.com/office/powerpoint/2010/main" val="1417685323"/>
+      </p:ext>
+    </p:extLst>
+  </p:cSld>
+  <p:clrMapOvr>
+    <a:masterClrMapping/>
+  </p:clrMapOvr>
+</p:sld>
+</file>
+
+<file path=ppt/slides/slide11.xml><?xml version="1.0" encoding="utf-8"?>
+<p:sld xmlns:a="http://schemas.openxmlformats.org/drawingml/2006/main" xmlns:r="http://schemas.openxmlformats.org/officeDocument/2006/relationships" xmlns:p="http://schemas.openxmlformats.org/presentationml/2006/main">
+  <p:cSld>
+    <p:spTree>
+      <p:nvGrpSpPr>
+        <p:cNvPr id="1" name=""/>
+        <p:cNvGrpSpPr/>
+        <p:nvPr/>
+      </p:nvGrpSpPr>
+      <p:grpSpPr>
+        <a:xfrm>
+          <a:off x="0" y="0"/>
+          <a:ext cx="0" cy="0"/>
+          <a:chOff x="0" y="0"/>
+          <a:chExt cx="0" cy="0"/>
+        </a:xfrm>
+      </p:grpSpPr>
+      <p:sp>
+        <p:nvSpPr>
+          <p:cNvPr id="2" name="Title 1"/>
+          <p:cNvSpPr>
+            <a:spLocks noGrp="1"/>
+          </p:cNvSpPr>
+          <p:nvPr>
+            <p:ph type="title"/>
+          </p:nvPr>
+        </p:nvSpPr>
+        <p:spPr/>
+        <p:txBody>
+          <a:bodyPr/>
+          <a:lstStyle/>
+          <a:p>
+            <a:r>
+              <a:rPr lang="sv-SE" dirty="0" smtClean="0"/>
               <a:t>Model 2: Dense Layers</a:t>
             </a:r>
             <a:endParaRPr lang="en-GB" dirty="0"/>
@@ -5288,7 +5624,7 @@
 </p:sld>
 </file>
 
-<file path=ppt/slides/slide11.xml><?xml version="1.0" encoding="utf-8"?>
+<file path=ppt/slides/slide12.xml><?xml version="1.0" encoding="utf-8"?>
 <p:sld xmlns:a="http://schemas.openxmlformats.org/drawingml/2006/main" xmlns:r="http://schemas.openxmlformats.org/officeDocument/2006/relationships" xmlns:p="http://schemas.openxmlformats.org/presentationml/2006/main">
   <p:cSld>
     <p:spTree>
@@ -5373,11 +5709,7 @@
           <a:p>
             <a:r>
               <a:rPr lang="sv-SE" sz="8800" dirty="0" smtClean="0"/>
-              <a:t>The </a:t>
-            </a:r>
-            <a:r>
-              <a:rPr lang="sv-SE" sz="8800" dirty="0" smtClean="0"/>
-              <a:t>result contains the magnitude and direction of the maximum activation of any filter in the group</a:t>
+              <a:t>The result contains the magnitude and direction of the maximum activation of any filter in the group</a:t>
             </a:r>
           </a:p>
           <a:p>
@@ -5651,7 +5983,315 @@
 </p:sld>
 </file>
 
-<file path=ppt/slides/slide12.xml><?xml version="1.0" encoding="utf-8"?>
+<file path=ppt/slides/slide13.xml><?xml version="1.0" encoding="utf-8"?>
+<p:sld xmlns:a="http://schemas.openxmlformats.org/drawingml/2006/main" xmlns:r="http://schemas.openxmlformats.org/officeDocument/2006/relationships" xmlns:p="http://schemas.openxmlformats.org/presentationml/2006/main">
+  <p:cSld>
+    <p:spTree>
+      <p:nvGrpSpPr>
+        <p:cNvPr id="1" name=""/>
+        <p:cNvGrpSpPr/>
+        <p:nvPr/>
+      </p:nvGrpSpPr>
+      <p:grpSpPr>
+        <a:xfrm>
+          <a:off x="0" y="0"/>
+          <a:ext cx="0" cy="0"/>
+          <a:chOff x="0" y="0"/>
+          <a:chExt cx="0" cy="0"/>
+        </a:xfrm>
+      </p:grpSpPr>
+      <p:sp>
+        <p:nvSpPr>
+          <p:cNvPr id="2" name="Title 1"/>
+          <p:cNvSpPr>
+            <a:spLocks noGrp="1"/>
+          </p:cNvSpPr>
+          <p:nvPr>
+            <p:ph type="title"/>
+          </p:nvPr>
+        </p:nvSpPr>
+        <p:spPr/>
+        <p:txBody>
+          <a:bodyPr/>
+          <a:lstStyle/>
+          <a:p>
+            <a:r>
+              <a:rPr lang="sv-SE" sz="14400" dirty="0" smtClean="0"/>
+              <a:t>Model 3: Marcos et al.</a:t>
+            </a:r>
+            <a:endParaRPr lang="en-GB" sz="14400" dirty="0"/>
+          </a:p>
+        </p:txBody>
+      </p:sp>
+      <p:sp>
+        <p:nvSpPr>
+          <p:cNvPr id="3" name="Content Placeholder 2"/>
+          <p:cNvSpPr>
+            <a:spLocks noGrp="1"/>
+          </p:cNvSpPr>
+          <p:nvPr>
+            <p:ph idx="1"/>
+          </p:nvPr>
+        </p:nvSpPr>
+        <p:spPr>
+          <a:xfrm>
+            <a:off x="5902525" y="5255965"/>
+            <a:ext cx="29595288" cy="17857984"/>
+          </a:xfrm>
+        </p:spPr>
+        <p:txBody>
+          <a:bodyPr/>
+          <a:lstStyle/>
+          <a:p>
+            <a:r>
+              <a:rPr lang="sv-SE" sz="9500" dirty="0" smtClean="0"/>
+              <a:t>Pros:</a:t>
+            </a:r>
+          </a:p>
+          <a:p>
+            <a:pPr lvl="1"/>
+            <a:r>
+              <a:rPr lang="sv-SE" sz="8800"/>
+              <a:t>Rotationally </a:t>
+            </a:r>
+            <a:r>
+              <a:rPr lang="sv-SE" sz="8800" smtClean="0"/>
+              <a:t>invariant</a:t>
+            </a:r>
+            <a:endParaRPr lang="sv-SE" sz="8300" dirty="0" smtClean="0"/>
+          </a:p>
+          <a:p>
+            <a:pPr lvl="1"/>
+            <a:r>
+              <a:rPr lang="sv-SE" sz="8000" dirty="0" smtClean="0"/>
+              <a:t>RotEqNet modules are modular, can be used in any CNN architecture</a:t>
+            </a:r>
+          </a:p>
+          <a:p>
+            <a:pPr lvl="1"/>
+            <a:r>
+              <a:rPr lang="sv-SE" sz="8000" dirty="0" smtClean="0"/>
+              <a:t>Fewer trainable paramaters compared to conventional CNN of the same size</a:t>
+            </a:r>
+            <a:endParaRPr lang="sv-SE" sz="8000" dirty="0" smtClean="0"/>
+          </a:p>
+          <a:p>
+            <a:r>
+              <a:rPr lang="sv-SE" sz="9500" dirty="0" smtClean="0"/>
+              <a:t>Cons:</a:t>
+            </a:r>
+          </a:p>
+          <a:p>
+            <a:pPr lvl="1"/>
+            <a:r>
+              <a:rPr lang="sv-SE" sz="8000" dirty="0" smtClean="0"/>
+              <a:t>Requires custom back-propagation, challenging to implement</a:t>
+            </a:r>
+          </a:p>
+          <a:p>
+            <a:pPr lvl="1"/>
+            <a:r>
+              <a:rPr lang="sv-SE" sz="8000" dirty="0" smtClean="0"/>
+              <a:t>Prone to overfitting on our data </a:t>
+            </a:r>
+          </a:p>
+        </p:txBody>
+      </p:sp>
+      <p:sp>
+        <p:nvSpPr>
+          <p:cNvPr id="7" name="TextBox 6"/>
+          <p:cNvSpPr txBox="1"/>
+          <p:nvPr/>
+        </p:nvSpPr>
+        <p:spPr>
+          <a:xfrm>
+            <a:off x="0" y="7200181"/>
+            <a:ext cx="5326461" cy="12255663"/>
+          </a:xfrm>
+          <a:prstGeom prst="rect">
+            <a:avLst/>
+          </a:prstGeom>
+          <a:noFill/>
+        </p:spPr>
+        <p:txBody>
+          <a:bodyPr wrap="square" rtlCol="0">
+            <a:spAutoFit/>
+          </a:bodyPr>
+          <a:lstStyle/>
+          <a:p>
+            <a:pPr algn="ctr"/>
+            <a:r>
+              <a:rPr lang="en-GB" sz="4000" b="1" dirty="0" smtClean="0">
+                <a:solidFill>
+                  <a:schemeClr val="bg1"/>
+                </a:solidFill>
+              </a:rPr>
+              <a:t>Jo Gay</a:t>
+            </a:r>
+          </a:p>
+          <a:p>
+            <a:pPr algn="ctr"/>
+            <a:r>
+              <a:rPr lang="en-GB" sz="4000" b="1" dirty="0" smtClean="0">
+                <a:solidFill>
+                  <a:schemeClr val="bg1"/>
+                </a:solidFill>
+              </a:rPr>
+              <a:t>Hugo </a:t>
+            </a:r>
+            <a:r>
+              <a:rPr lang="en-GB" sz="4000" b="1" dirty="0" err="1" smtClean="0">
+                <a:solidFill>
+                  <a:schemeClr val="bg1"/>
+                </a:solidFill>
+              </a:rPr>
+              <a:t>Harlin</a:t>
+            </a:r>
+            <a:endParaRPr lang="en-GB" sz="4000" b="1" dirty="0" smtClean="0">
+              <a:solidFill>
+                <a:schemeClr val="bg1"/>
+              </a:solidFill>
+            </a:endParaRPr>
+          </a:p>
+          <a:p>
+            <a:pPr algn="ctr"/>
+            <a:endParaRPr lang="en-GB" sz="1600" b="1" dirty="0" smtClean="0">
+              <a:solidFill>
+                <a:schemeClr val="bg1"/>
+              </a:solidFill>
+            </a:endParaRPr>
+          </a:p>
+          <a:p>
+            <a:pPr algn="ctr"/>
+            <a:r>
+              <a:rPr lang="en-GB" sz="4000" dirty="0" smtClean="0">
+                <a:solidFill>
+                  <a:schemeClr val="bg1"/>
+                </a:solidFill>
+              </a:rPr>
+              <a:t>Project in Computational Science, January 2019</a:t>
+            </a:r>
+          </a:p>
+          <a:p>
+            <a:pPr algn="ctr"/>
+            <a:endParaRPr lang="en-GB" sz="4000" dirty="0" smtClean="0">
+              <a:solidFill>
+                <a:schemeClr val="bg1"/>
+              </a:solidFill>
+            </a:endParaRPr>
+          </a:p>
+          <a:p>
+            <a:pPr algn="ctr"/>
+            <a:endParaRPr lang="en-GB" sz="4000" dirty="0" smtClean="0">
+              <a:solidFill>
+                <a:schemeClr val="bg1"/>
+              </a:solidFill>
+            </a:endParaRPr>
+          </a:p>
+          <a:p>
+            <a:pPr algn="ctr"/>
+            <a:r>
+              <a:rPr lang="en-GB" sz="4000" dirty="0" smtClean="0">
+                <a:solidFill>
+                  <a:schemeClr val="bg1"/>
+                </a:solidFill>
+              </a:rPr>
+              <a:t>Supervisors:</a:t>
+            </a:r>
+          </a:p>
+          <a:p>
+            <a:pPr algn="ctr"/>
+            <a:r>
+              <a:rPr lang="sv-SE" sz="4000" b="1" dirty="0">
+                <a:solidFill>
+                  <a:schemeClr val="bg1"/>
+                </a:solidFill>
+              </a:rPr>
+              <a:t>Joakim </a:t>
+            </a:r>
+            <a:r>
+              <a:rPr lang="sv-SE" sz="4000" b="1" dirty="0" smtClean="0">
+                <a:solidFill>
+                  <a:schemeClr val="bg1"/>
+                </a:solidFill>
+              </a:rPr>
+              <a:t>Lindblad </a:t>
+            </a:r>
+            <a:r>
+              <a:rPr lang="sv-SE" sz="4000" b="1" dirty="0">
+                <a:solidFill>
+                  <a:schemeClr val="bg1"/>
+                </a:solidFill>
+              </a:rPr>
+              <a:t>Nataša Sladoje</a:t>
+            </a:r>
+            <a:endParaRPr lang="sv-SE" sz="4000" b="1" dirty="0" smtClean="0">
+              <a:solidFill>
+                <a:schemeClr val="bg1"/>
+              </a:solidFill>
+            </a:endParaRPr>
+          </a:p>
+          <a:p>
+            <a:pPr algn="ctr"/>
+            <a:endParaRPr lang="sv-SE" sz="1600" b="1" dirty="0">
+              <a:solidFill>
+                <a:schemeClr val="bg1"/>
+              </a:solidFill>
+            </a:endParaRPr>
+          </a:p>
+          <a:p>
+            <a:pPr algn="ctr"/>
+            <a:r>
+              <a:rPr lang="en-GB" sz="4000" dirty="0" smtClean="0">
+                <a:solidFill>
+                  <a:schemeClr val="bg1"/>
+                </a:solidFill>
+              </a:rPr>
+              <a:t>Centre for Image Analysis,</a:t>
+            </a:r>
+          </a:p>
+          <a:p>
+            <a:pPr algn="ctr"/>
+            <a:r>
+              <a:rPr lang="en-GB" sz="4000" dirty="0" smtClean="0">
+                <a:solidFill>
+                  <a:schemeClr val="bg1"/>
+                </a:solidFill>
+              </a:rPr>
+              <a:t>Department of Information Technology</a:t>
+            </a:r>
+          </a:p>
+          <a:p>
+            <a:pPr algn="ctr"/>
+            <a:endParaRPr lang="en-GB" sz="4000" dirty="0" smtClean="0">
+              <a:solidFill>
+                <a:schemeClr val="bg1"/>
+              </a:solidFill>
+            </a:endParaRPr>
+          </a:p>
+        </p:txBody>
+      </p:sp>
+    </p:spTree>
+    <p:extLst>
+      <p:ext uri="{BB962C8B-B14F-4D97-AF65-F5344CB8AC3E}">
+        <p14:creationId xmlns:p14="http://schemas.microsoft.com/office/powerpoint/2010/main" val="575193968"/>
+      </p:ext>
+    </p:extLst>
+  </p:cSld>
+  <p:clrMapOvr>
+    <a:masterClrMapping/>
+  </p:clrMapOvr>
+  <p:timing>
+    <p:tnLst>
+      <p:par>
+        <p:cTn id="1" dur="indefinite" restart="never" nodeType="tmRoot"/>
+      </p:par>
+    </p:tnLst>
+  </p:timing>
+</p:sld>
+</file>
+
+<file path=ppt/slides/slide14.xml><?xml version="1.0" encoding="utf-8"?>
 <p:sld xmlns:a="http://schemas.openxmlformats.org/drawingml/2006/main" xmlns:r="http://schemas.openxmlformats.org/officeDocument/2006/relationships" xmlns:p="http://schemas.openxmlformats.org/presentationml/2006/main">
   <p:cSld>
     <p:spTree>
@@ -6071,7 +6711,7 @@
 </p:sld>
 </file>
 
-<file path=ppt/slides/slide13.xml><?xml version="1.0" encoding="utf-8"?>
+<file path=ppt/slides/slide15.xml><?xml version="1.0" encoding="utf-8"?>
 <p:sld xmlns:a="http://schemas.openxmlformats.org/drawingml/2006/main" xmlns:r="http://schemas.openxmlformats.org/officeDocument/2006/relationships" xmlns:p="http://schemas.openxmlformats.org/presentationml/2006/main">
   <p:cSld>
     <p:spTree>
@@ -6512,8 +7152,8 @@
         </p:nvSpPr>
         <p:spPr>
           <a:xfrm>
-            <a:off x="5902525" y="18145397"/>
-            <a:ext cx="29523280" cy="6888039"/>
+            <a:off x="5890251" y="18786376"/>
+            <a:ext cx="30097213" cy="5767733"/>
           </a:xfrm>
           <a:prstGeom prst="rect">
             <a:avLst/>
@@ -6527,135 +7167,187 @@
           <a:lstStyle/>
           <a:p>
             <a:r>
+              <a:rPr lang="sv-SE" b="1" dirty="0" smtClean="0"/>
+              <a:t>[1]</a:t>
+            </a:r>
+            <a:r>
+              <a:rPr lang="en-GB" dirty="0" smtClean="0"/>
+              <a:t>	</a:t>
+            </a:r>
+            <a:r>
+              <a:rPr lang="en-GB" dirty="0"/>
+              <a:t>F </a:t>
+            </a:r>
+            <a:r>
+              <a:rPr lang="en-GB" dirty="0" err="1"/>
+              <a:t>Juefei</a:t>
+            </a:r>
+            <a:r>
+              <a:rPr lang="en-GB" dirty="0"/>
+              <a:t>-Xu, V </a:t>
+            </a:r>
+            <a:r>
+              <a:rPr lang="en-GB" dirty="0" err="1"/>
+              <a:t>Boddeti</a:t>
+            </a:r>
+            <a:r>
+              <a:rPr lang="en-GB" dirty="0"/>
+              <a:t>, M </a:t>
+            </a:r>
+            <a:r>
+              <a:rPr lang="en-GB" dirty="0" err="1"/>
+              <a:t>Savvides</a:t>
+            </a:r>
+            <a:r>
+              <a:rPr lang="en-GB" dirty="0"/>
+              <a:t>. Local binary convolutional neural networks. In </a:t>
+            </a:r>
+            <a:r>
+              <a:rPr lang="en-GB" i="1" dirty="0"/>
+              <a:t>CVPR,</a:t>
+            </a:r>
+            <a:r>
+              <a:rPr lang="en-GB" dirty="0"/>
+              <a:t> volume 1, 2017</a:t>
+            </a:r>
+            <a:r>
+              <a:rPr lang="en-GB" dirty="0" smtClean="0"/>
+              <a:t>.</a:t>
+            </a:r>
+          </a:p>
+          <a:p>
+            <a:endParaRPr lang="en-GB" sz="800" dirty="0" smtClean="0"/>
+          </a:p>
+          <a:p>
+            <a:r>
+              <a:rPr lang="sv-SE" b="1" dirty="0" smtClean="0"/>
+              <a:t>[</a:t>
+            </a:r>
+            <a:r>
+              <a:rPr lang="sv-SE" b="1" dirty="0" smtClean="0"/>
+              <a:t>2]</a:t>
+            </a:r>
+            <a:r>
               <a:rPr lang="sv-SE" dirty="0" smtClean="0"/>
-              <a:t>[1]</a:t>
+              <a:t>	</a:t>
             </a:r>
             <a:r>
               <a:rPr lang="en-GB" dirty="0" smtClean="0"/>
-              <a:t>	Felix </a:t>
+              <a:t>L </a:t>
             </a:r>
             <a:r>
               <a:rPr lang="en-GB" dirty="0"/>
-              <a:t>Juefei-Xu, Vishnu Naresh Boddeti, and Marios Savvides. </a:t>
+              <a:t>Li, X Feng, Z Xia, X Jiang, A </a:t>
+            </a:r>
+            <a:r>
+              <a:rPr lang="en-GB" dirty="0" err="1"/>
+              <a:t>Hadid</a:t>
+            </a:r>
+            <a:r>
+              <a:rPr lang="en-GB" dirty="0"/>
+              <a:t>. Face spoofing detection with local binary pattern network. </a:t>
+            </a:r>
+            <a:r>
+              <a:rPr lang="en-GB" i="1" dirty="0"/>
+              <a:t>Journal of </a:t>
+            </a:r>
+            <a:r>
+              <a:rPr lang="en-GB" i="1" dirty="0" smtClean="0"/>
+              <a:t>	Visual </a:t>
+            </a:r>
+            <a:r>
+              <a:rPr lang="en-GB" i="1" dirty="0"/>
+              <a:t>Communication and Image Representation</a:t>
+            </a:r>
+            <a:r>
+              <a:rPr lang="en-GB" dirty="0"/>
+              <a:t>, 54:182–192, 2018</a:t>
             </a:r>
             <a:r>
               <a:rPr lang="en-GB" dirty="0" smtClean="0"/>
-              <a:t>Local binary </a:t>
+              <a:t>.</a:t>
+            </a:r>
+          </a:p>
+          <a:p>
+            <a:endParaRPr lang="en-GB" sz="400" dirty="0"/>
+          </a:p>
+          <a:p>
+            <a:r>
+              <a:rPr lang="en-GB" b="1" dirty="0" smtClean="0"/>
+              <a:t>[3] </a:t>
             </a:r>
             <a:r>
               <a:rPr lang="en-GB" dirty="0"/>
-              <a:t>convolutional neural networks</a:t>
+              <a:t>D Marcos, M </a:t>
+            </a:r>
+            <a:r>
+              <a:rPr lang="en-GB" dirty="0" err="1"/>
+              <a:t>Volpi</a:t>
+            </a:r>
+            <a:r>
+              <a:rPr lang="en-GB" dirty="0"/>
+              <a:t>, N </a:t>
+            </a:r>
+            <a:r>
+              <a:rPr lang="en-GB" dirty="0" err="1"/>
+              <a:t>Komodakis</a:t>
+            </a:r>
+            <a:r>
+              <a:rPr lang="en-GB" dirty="0"/>
+              <a:t>, D </a:t>
+            </a:r>
+            <a:r>
+              <a:rPr lang="en-GB" dirty="0" err="1"/>
+              <a:t>Tuia</a:t>
+            </a:r>
+            <a:r>
+              <a:rPr lang="en-GB" dirty="0"/>
+              <a:t>. Rotation </a:t>
+            </a:r>
+            <a:r>
+              <a:rPr lang="en-GB" dirty="0" err="1"/>
+              <a:t>equivariant</a:t>
+            </a:r>
+            <a:r>
+              <a:rPr lang="en-GB" dirty="0"/>
+              <a:t> vector field networks. In </a:t>
+            </a:r>
+            <a:r>
+              <a:rPr lang="en-GB" i="1" dirty="0"/>
+              <a:t>ICCV</a:t>
+            </a:r>
+            <a:r>
+              <a:rPr lang="en-GB" dirty="0"/>
+              <a:t> , pages </a:t>
             </a:r>
             <a:r>
               <a:rPr lang="en-GB" dirty="0" smtClean="0"/>
-              <a:t>. 	In </a:t>
-            </a:r>
-            <a:r>
-              <a:rPr lang="en-GB" i="1" dirty="0" smtClean="0"/>
-              <a:t>Computer </a:t>
-            </a:r>
-            <a:r>
-              <a:rPr lang="en-GB" i="1" dirty="0"/>
-              <a:t>Vision and </a:t>
-            </a:r>
-            <a:r>
-              <a:rPr lang="en-GB" i="1" dirty="0" smtClean="0"/>
-              <a:t>Pattern Recognition </a:t>
-            </a:r>
-            <a:r>
-              <a:rPr lang="en-GB" i="1" dirty="0"/>
-              <a:t>(CVPR</a:t>
+              <a:t>	5058–	5067</a:t>
+            </a:r>
+            <a:r>
+              <a:rPr lang="en-GB" dirty="0"/>
+              <a:t>, 2017</a:t>
             </a:r>
             <a:r>
               <a:rPr lang="en-GB" dirty="0" smtClean="0"/>
-              <a:t>), </a:t>
+              <a:t>.</a:t>
+            </a:r>
+          </a:p>
+          <a:p>
+            <a:endParaRPr lang="en-GB" sz="400" dirty="0"/>
+          </a:p>
+          <a:p>
+            <a:r>
+              <a:rPr lang="en-GB" b="1" dirty="0" smtClean="0"/>
+              <a:t>[</a:t>
+            </a:r>
+            <a:r>
+              <a:rPr lang="en-GB" b="1" dirty="0" smtClean="0"/>
+              <a:t>4] </a:t>
             </a:r>
             <a:r>
               <a:rPr lang="en-GB" dirty="0"/>
-              <a:t>volume 1. IEEE</a:t>
-            </a:r>
-            <a:r>
-              <a:rPr lang="en-GB" dirty="0" smtClean="0"/>
-              <a:t>, 2017</a:t>
-            </a:r>
-            <a:endParaRPr lang="en-GB" dirty="0"/>
-          </a:p>
-          <a:p>
-            <a:r>
-              <a:rPr lang="sv-SE" dirty="0" smtClean="0"/>
-              <a:t>[2]	</a:t>
-            </a:r>
-            <a:r>
-              <a:rPr lang="en-GB" dirty="0" smtClean="0"/>
-              <a:t>Lei </a:t>
-            </a:r>
-            <a:r>
-              <a:rPr lang="en-GB" dirty="0"/>
-              <a:t>Li, Xiaoyi Feng, Zhaoqiang Xia, Xiaoyue Jiang, and </a:t>
-            </a:r>
-            <a:r>
-              <a:rPr lang="en-GB" dirty="0" smtClean="0"/>
-              <a:t>Abdenour Hadid</a:t>
-            </a:r>
-            <a:r>
-              <a:rPr lang="en-GB" dirty="0"/>
-              <a:t>. Face spoofing detection with </a:t>
-            </a:r>
-            <a:r>
-              <a:rPr lang="en-GB" dirty="0" smtClean="0"/>
-              <a:t>local 	binary </a:t>
-            </a:r>
-            <a:r>
-              <a:rPr lang="en-GB" dirty="0"/>
-              <a:t>pattern </a:t>
-            </a:r>
-            <a:r>
-              <a:rPr lang="en-GB" dirty="0" smtClean="0"/>
-              <a:t>network. </a:t>
-            </a:r>
-            <a:r>
-              <a:rPr lang="en-GB" i="1" dirty="0" smtClean="0"/>
-              <a:t>Journal </a:t>
-            </a:r>
-            <a:r>
-              <a:rPr lang="en-GB" i="1" dirty="0"/>
-              <a:t>of Visual Communication and Image Representation</a:t>
-            </a:r>
-            <a:r>
-              <a:rPr lang="en-GB" dirty="0"/>
-              <a:t>, </a:t>
-            </a:r>
-            <a:r>
-              <a:rPr lang="en-GB" dirty="0" smtClean="0"/>
-              <a:t>54:182–192, 2018.</a:t>
-            </a:r>
-          </a:p>
-          <a:p>
-            <a:r>
-              <a:rPr lang="en-GB" dirty="0" smtClean="0"/>
-              <a:t>[3] </a:t>
-            </a:r>
-            <a:r>
-              <a:rPr lang="en-GB" dirty="0"/>
-              <a:t>Diego Marcos, Michele Volpi, Nikos Komodakis, and Devis Tuia. Rotation equivariant vector field networks. </a:t>
-            </a:r>
-            <a:r>
-              <a:rPr lang="en-GB" dirty="0" smtClean="0"/>
-              <a:t> In 	</a:t>
-            </a:r>
-            <a:r>
-              <a:rPr lang="en-GB" i="1" dirty="0" smtClean="0"/>
-              <a:t>ICCV</a:t>
-            </a:r>
-            <a:r>
-              <a:rPr lang="en-GB" dirty="0"/>
-              <a:t>, pages 5058–5067, 2017.</a:t>
-            </a:r>
-          </a:p>
-          <a:p>
-            <a:r>
-              <a:rPr lang="en-GB" dirty="0" smtClean="0"/>
-              <a:t>[4] </a:t>
+              <a:t>H </a:t>
             </a:r>
             <a:r>
               <a:rPr lang="en-GB" dirty="0" err="1"/>
@@ -6663,7 +7355,7 @@
             </a:r>
             <a:r>
               <a:rPr lang="en-GB" dirty="0"/>
-              <a:t>, H., </a:t>
+              <a:t>, G </a:t>
             </a:r>
             <a:r>
               <a:rPr lang="en-GB" dirty="0" err="1"/>
@@ -6671,7 +7363,7 @@
             </a:r>
             <a:r>
               <a:rPr lang="en-GB" dirty="0"/>
-              <a:t>, G., </a:t>
+              <a:t>, E </a:t>
             </a:r>
             <a:r>
               <a:rPr lang="en-GB" dirty="0" err="1"/>
@@ -6679,7 +7371,7 @@
             </a:r>
             <a:r>
               <a:rPr lang="en-GB" dirty="0"/>
-              <a:t>, E., </a:t>
+              <a:t>, C </a:t>
             </a:r>
             <a:r>
               <a:rPr lang="en-GB" dirty="0" err="1"/>
@@ -6687,7 +7379,23 @@
             </a:r>
             <a:r>
               <a:rPr lang="en-GB" dirty="0"/>
-              <a:t>, C., Hirsch, J.M., Stark, C.R. and </a:t>
+              <a:t>, J Hirsch, C </a:t>
+            </a:r>
+            <a:r>
+              <a:rPr lang="en-GB" dirty="0" err="1"/>
+              <a:t>Runow</a:t>
+            </a:r>
+            <a:r>
+              <a:rPr lang="en-GB" dirty="0"/>
+              <a:t> Stark, S </a:t>
+            </a:r>
+            <a:r>
+              <a:rPr lang="en-GB" dirty="0" err="1"/>
+              <a:t>Kecheril</a:t>
+            </a:r>
+            <a:r>
+              <a:rPr lang="en-GB" dirty="0"/>
+              <a:t> </a:t>
             </a:r>
             <a:r>
               <a:rPr lang="en-GB" dirty="0" err="1"/>
@@ -6695,32 +7403,29 @@
             </a:r>
             <a:r>
               <a:rPr lang="en-GB" dirty="0"/>
-              <a:t>, S.K., 2017, </a:t>
+              <a:t>. Deep </a:t>
             </a:r>
             <a:r>
               <a:rPr lang="en-GB" dirty="0" smtClean="0"/>
-              <a:t>	July</a:t>
+              <a:t>	convolutional </a:t>
             </a:r>
             <a:r>
               <a:rPr lang="en-GB" dirty="0"/>
-              <a:t>. Deep convolutional neural networks for detecting cellular changes due to malignancy. In </a:t>
+              <a:t>neural networks for detecting cellular changes due to malignancy. In </a:t>
             </a:r>
             <a:r>
               <a:rPr lang="en-GB" i="1" dirty="0"/>
-              <a:t>Proceedings of </a:t>
-            </a:r>
-            <a:r>
-              <a:rPr lang="en-GB" i="1" dirty="0" smtClean="0"/>
-              <a:t>	the IEEE Conference on Computer Vision </a:t>
-            </a:r>
-            <a:r>
-              <a:rPr lang="en-GB" i="1" dirty="0"/>
-              <a:t>and Pattern Recognition</a:t>
+              <a:t>CVPR</a:t>
             </a:r>
             <a:r>
               <a:rPr lang="en-GB" dirty="0"/>
-              <a:t> (pp. 82-89).</a:t>
-            </a:r>
+              <a:t>, pages 82–89, </a:t>
+            </a:r>
+            <a:r>
+              <a:rPr lang="en-GB" dirty="0" smtClean="0"/>
+              <a:t>	2017.</a:t>
+            </a:r>
+            <a:endParaRPr lang="en-GB" dirty="0"/>
           </a:p>
         </p:txBody>
       </p:sp>
@@ -7030,7 +7735,7 @@
         </p:blipFill>
         <p:spPr bwMode="auto">
           <a:xfrm>
-            <a:off x="8198002" y="17597955"/>
+            <a:off x="8198002" y="18276284"/>
             <a:ext cx="4873771" cy="4908037"/>
           </a:xfrm>
           <a:prstGeom prst="rect">
@@ -7071,7 +7776,7 @@
         </p:blipFill>
         <p:spPr bwMode="auto">
           <a:xfrm>
-            <a:off x="13647838" y="17576342"/>
+            <a:off x="13647838" y="18254671"/>
             <a:ext cx="4873771" cy="4905322"/>
           </a:xfrm>
           <a:prstGeom prst="rect">
@@ -7112,7 +7817,7 @@
         </p:blipFill>
         <p:spPr bwMode="auto">
           <a:xfrm>
-            <a:off x="8141429" y="12083349"/>
+            <a:off x="8141429" y="12761678"/>
             <a:ext cx="4905322" cy="5021884"/>
           </a:xfrm>
           <a:prstGeom prst="rect">
@@ -7138,7 +7843,7 @@
         </p:nvSpPr>
         <p:spPr>
           <a:xfrm>
-            <a:off x="8141429" y="23256138"/>
+            <a:off x="8141429" y="23528574"/>
             <a:ext cx="10411732" cy="1169551"/>
           </a:xfrm>
           <a:prstGeom prst="rect">
@@ -7184,7 +7889,7 @@
         </p:blipFill>
         <p:spPr bwMode="auto">
           <a:xfrm>
-            <a:off x="21886708" y="12083349"/>
+            <a:off x="21886708" y="12761678"/>
             <a:ext cx="4905322" cy="4997556"/>
           </a:xfrm>
           <a:prstGeom prst="rect">
@@ -7225,7 +7930,7 @@
         </p:blipFill>
         <p:spPr bwMode="auto">
           <a:xfrm>
-            <a:off x="27257350" y="17488785"/>
+            <a:off x="27257350" y="18167114"/>
             <a:ext cx="4968552" cy="4968552"/>
           </a:xfrm>
           <a:prstGeom prst="rect">
@@ -7266,7 +7971,7 @@
         </p:blipFill>
         <p:spPr bwMode="auto">
           <a:xfrm>
-            <a:off x="21886708" y="17530401"/>
+            <a:off x="21886708" y="18208730"/>
             <a:ext cx="4896544" cy="4896544"/>
           </a:xfrm>
           <a:prstGeom prst="rect">
@@ -7307,7 +8012,7 @@
         </p:blipFill>
         <p:spPr bwMode="auto">
           <a:xfrm>
-            <a:off x="13647838" y="12083349"/>
+            <a:off x="13647838" y="12761678"/>
             <a:ext cx="4905322" cy="5021885"/>
           </a:xfrm>
           <a:prstGeom prst="rect">
@@ -7333,7 +8038,7 @@
         </p:nvSpPr>
         <p:spPr>
           <a:xfrm>
-            <a:off x="21886708" y="23231810"/>
+            <a:off x="21886708" y="23504246"/>
             <a:ext cx="9979154" cy="1169551"/>
           </a:xfrm>
           <a:prstGeom prst="rect">
@@ -7379,7 +8084,7 @@
         </p:blipFill>
         <p:spPr bwMode="auto">
           <a:xfrm>
-            <a:off x="27228344" y="12083349"/>
+            <a:off x="27228344" y="12761678"/>
             <a:ext cx="4997557" cy="4997557"/>
           </a:xfrm>
           <a:prstGeom prst="rect">
@@ -7646,8 +8351,8 @@
         </p:nvSpPr>
         <p:spPr>
           <a:xfrm>
-            <a:off x="7140575" y="4463877"/>
-            <a:ext cx="27779663" cy="17640300"/>
+            <a:off x="7140575" y="5041601"/>
+            <a:ext cx="27779663" cy="15624076"/>
           </a:xfrm>
         </p:spPr>
         <p:txBody>
@@ -7662,7 +8367,17 @@
           <a:p>
             <a:r>
               <a:rPr lang="sv-SE" dirty="0" smtClean="0"/>
-              <a:t>Rotationally invariant thresholding filters</a:t>
+              <a:t>Rotationally invariant thresholding </a:t>
+            </a:r>
+            <a:r>
+              <a:rPr lang="sv-SE" dirty="0" smtClean="0"/>
+              <a:t>filters</a:t>
+            </a:r>
+          </a:p>
+          <a:p>
+            <a:r>
+              <a:rPr lang="sv-SE" dirty="0" smtClean="0"/>
+              <a:t>Orientation of cells arbitrary</a:t>
             </a:r>
             <a:endParaRPr lang="en-GB" dirty="0"/>
           </a:p>
@@ -7676,8 +8391,8 @@
         </p:nvSpPr>
         <p:spPr>
           <a:xfrm>
-            <a:off x="6168110" y="22393869"/>
-            <a:ext cx="27219024" cy="2357568"/>
+            <a:off x="5830517" y="21313749"/>
+            <a:ext cx="29595288" cy="2554545"/>
           </a:xfrm>
           <a:prstGeom prst="rect">
             <a:avLst/>
@@ -7691,51 +8406,555 @@
           <a:lstStyle/>
           <a:p>
             <a:r>
-              <a:rPr lang="fi-FI" dirty="0" smtClean="0"/>
-              <a:t>[1]   Timo </a:t>
-            </a:r>
-            <a:r>
-              <a:rPr lang="fi-FI" dirty="0"/>
+              <a:rPr lang="fi-FI" sz="5000" b="1" dirty="0" smtClean="0"/>
+              <a:t>[1]   </a:t>
+            </a:r>
+            <a:r>
+              <a:rPr lang="fi-FI" sz="5000" dirty="0" smtClean="0"/>
+              <a:t>Timo </a:t>
+            </a:r>
+            <a:r>
+              <a:rPr lang="fi-FI" sz="5000" dirty="0"/>
               <a:t>Ojala, Matti Pietikainen, and Topi Maenpaa. </a:t>
             </a:r>
             <a:r>
-              <a:rPr lang="fi-FI" i="1" dirty="0" smtClean="0"/>
+              <a:rPr lang="fi-FI" sz="5000" i="1" dirty="0" smtClean="0"/>
               <a:t>Multiresolution </a:t>
             </a:r>
             <a:r>
-              <a:rPr lang="en-GB" i="1" dirty="0" smtClean="0"/>
+              <a:rPr lang="en-GB" sz="5000" i="1" dirty="0" smtClean="0"/>
               <a:t>gray-scale </a:t>
             </a:r>
             <a:r>
-              <a:rPr lang="en-GB" i="1" dirty="0"/>
+              <a:rPr lang="en-GB" sz="5000" i="1" dirty="0"/>
               <a:t>and rotation invariant </a:t>
             </a:r>
             <a:r>
-              <a:rPr lang="en-GB" i="1" dirty="0" smtClean="0"/>
-              <a:t>	  	  texture </a:t>
-            </a:r>
-            <a:r>
-              <a:rPr lang="en-GB" i="1" dirty="0"/>
+              <a:rPr lang="en-GB" sz="5000" i="1" dirty="0" smtClean="0"/>
+              <a:t>	 </a:t>
+            </a:r>
+            <a:r>
+              <a:rPr lang="en-GB" sz="5000" i="1" dirty="0" smtClean="0"/>
+              <a:t>         	texture </a:t>
+            </a:r>
+            <a:r>
+              <a:rPr lang="en-GB" sz="5000" i="1" dirty="0"/>
               <a:t>classification with local </a:t>
             </a:r>
             <a:r>
-              <a:rPr lang="en-GB" i="1" dirty="0" smtClean="0"/>
+              <a:rPr lang="en-GB" sz="5000" i="1" dirty="0" smtClean="0"/>
               <a:t>binary patterns</a:t>
             </a:r>
             <a:r>
-              <a:rPr lang="en-GB" dirty="0"/>
+              <a:rPr lang="en-GB" sz="5000" dirty="0"/>
               <a:t>. IEEE Transactions on pattern analysis and machine</a:t>
             </a:r>
           </a:p>
           <a:p>
             <a:r>
-              <a:rPr lang="en-GB" dirty="0" smtClean="0"/>
-              <a:t>	  intelligence</a:t>
-            </a:r>
-            <a:r>
-              <a:rPr lang="en-GB" dirty="0"/>
+              <a:rPr lang="en-GB" sz="5000" dirty="0" smtClean="0"/>
+              <a:t>	</a:t>
+            </a:r>
+            <a:r>
+              <a:rPr lang="en-GB" sz="5000" dirty="0" smtClean="0"/>
+              <a:t>intelligence</a:t>
+            </a:r>
+            <a:r>
+              <a:rPr lang="en-GB" sz="5000" dirty="0"/>
               <a:t>, 24(7):971–987, 2002.</a:t>
             </a:r>
+          </a:p>
+        </p:txBody>
+      </p:sp>
+      <p:sp>
+        <p:nvSpPr>
+          <p:cNvPr id="17" name="TextBox 16"/>
+          <p:cNvSpPr txBox="1"/>
+          <p:nvPr/>
+        </p:nvSpPr>
+        <p:spPr>
+          <a:xfrm>
+            <a:off x="0" y="7200181"/>
+            <a:ext cx="5326461" cy="12255663"/>
+          </a:xfrm>
+          <a:prstGeom prst="rect">
+            <a:avLst/>
+          </a:prstGeom>
+          <a:noFill/>
+        </p:spPr>
+        <p:txBody>
+          <a:bodyPr wrap="square" rtlCol="0">
+            <a:spAutoFit/>
+          </a:bodyPr>
+          <a:lstStyle/>
+          <a:p>
+            <a:pPr algn="ctr"/>
+            <a:r>
+              <a:rPr lang="en-GB" sz="4000" b="1" dirty="0" smtClean="0">
+                <a:solidFill>
+                  <a:schemeClr val="bg1"/>
+                </a:solidFill>
+              </a:rPr>
+              <a:t>Jo Gay</a:t>
+            </a:r>
+          </a:p>
+          <a:p>
+            <a:pPr algn="ctr"/>
+            <a:r>
+              <a:rPr lang="en-GB" sz="4000" b="1" dirty="0" smtClean="0">
+                <a:solidFill>
+                  <a:schemeClr val="bg1"/>
+                </a:solidFill>
+              </a:rPr>
+              <a:t>Hugo </a:t>
+            </a:r>
+            <a:r>
+              <a:rPr lang="en-GB" sz="4000" b="1" dirty="0" err="1" smtClean="0">
+                <a:solidFill>
+                  <a:schemeClr val="bg1"/>
+                </a:solidFill>
+              </a:rPr>
+              <a:t>Harlin</a:t>
+            </a:r>
+            <a:endParaRPr lang="en-GB" sz="4000" b="1" dirty="0" smtClean="0">
+              <a:solidFill>
+                <a:schemeClr val="bg1"/>
+              </a:solidFill>
+            </a:endParaRPr>
+          </a:p>
+          <a:p>
+            <a:pPr algn="ctr"/>
+            <a:endParaRPr lang="en-GB" sz="1600" b="1" dirty="0" smtClean="0">
+              <a:solidFill>
+                <a:schemeClr val="bg1"/>
+              </a:solidFill>
+            </a:endParaRPr>
+          </a:p>
+          <a:p>
+            <a:pPr algn="ctr"/>
+            <a:r>
+              <a:rPr lang="en-GB" sz="4000" dirty="0" smtClean="0">
+                <a:solidFill>
+                  <a:schemeClr val="bg1"/>
+                </a:solidFill>
+              </a:rPr>
+              <a:t>Project in Computational Science, January 2019</a:t>
+            </a:r>
+          </a:p>
+          <a:p>
+            <a:pPr algn="ctr"/>
+            <a:endParaRPr lang="en-GB" sz="4000" dirty="0" smtClean="0">
+              <a:solidFill>
+                <a:schemeClr val="bg1"/>
+              </a:solidFill>
+            </a:endParaRPr>
+          </a:p>
+          <a:p>
+            <a:pPr algn="ctr"/>
+            <a:endParaRPr lang="en-GB" sz="4000" dirty="0" smtClean="0">
+              <a:solidFill>
+                <a:schemeClr val="bg1"/>
+              </a:solidFill>
+            </a:endParaRPr>
+          </a:p>
+          <a:p>
+            <a:pPr algn="ctr"/>
+            <a:r>
+              <a:rPr lang="en-GB" sz="4000" dirty="0" smtClean="0">
+                <a:solidFill>
+                  <a:schemeClr val="bg1"/>
+                </a:solidFill>
+              </a:rPr>
+              <a:t>Supervisors:</a:t>
+            </a:r>
+          </a:p>
+          <a:p>
+            <a:pPr algn="ctr"/>
+            <a:r>
+              <a:rPr lang="sv-SE" sz="4000" b="1" dirty="0">
+                <a:solidFill>
+                  <a:schemeClr val="bg1"/>
+                </a:solidFill>
+              </a:rPr>
+              <a:t>Joakim </a:t>
+            </a:r>
+            <a:r>
+              <a:rPr lang="sv-SE" sz="4000" b="1" dirty="0" smtClean="0">
+                <a:solidFill>
+                  <a:schemeClr val="bg1"/>
+                </a:solidFill>
+              </a:rPr>
+              <a:t>Lindblad </a:t>
+            </a:r>
+            <a:r>
+              <a:rPr lang="sv-SE" sz="4000" b="1" dirty="0">
+                <a:solidFill>
+                  <a:schemeClr val="bg1"/>
+                </a:solidFill>
+              </a:rPr>
+              <a:t>Nataša </a:t>
+            </a:r>
+            <a:r>
+              <a:rPr lang="sv-SE" sz="4000" b="1" dirty="0" smtClean="0">
+                <a:solidFill>
+                  <a:schemeClr val="bg1"/>
+                </a:solidFill>
+              </a:rPr>
+              <a:t>Sladoje</a:t>
+            </a:r>
+          </a:p>
+          <a:p>
+            <a:pPr algn="ctr"/>
+            <a:endParaRPr lang="sv-SE" sz="1600" b="1" dirty="0">
+              <a:solidFill>
+                <a:schemeClr val="bg1"/>
+              </a:solidFill>
+            </a:endParaRPr>
+          </a:p>
+          <a:p>
+            <a:pPr algn="ctr"/>
+            <a:r>
+              <a:rPr lang="en-GB" sz="4000" dirty="0" smtClean="0">
+                <a:solidFill>
+                  <a:schemeClr val="bg1"/>
+                </a:solidFill>
+              </a:rPr>
+              <a:t>Centre for Image Analysis,</a:t>
+            </a:r>
+          </a:p>
+          <a:p>
+            <a:pPr algn="ctr"/>
+            <a:r>
+              <a:rPr lang="en-GB" sz="4000" dirty="0" smtClean="0">
+                <a:solidFill>
+                  <a:schemeClr val="bg1"/>
+                </a:solidFill>
+              </a:rPr>
+              <a:t>Department of Information Technology</a:t>
+            </a:r>
+          </a:p>
+          <a:p>
+            <a:pPr algn="ctr"/>
+            <a:endParaRPr lang="en-GB" sz="4000" dirty="0" smtClean="0">
+              <a:solidFill>
+                <a:schemeClr val="bg1"/>
+              </a:solidFill>
+            </a:endParaRPr>
+          </a:p>
+        </p:txBody>
+      </p:sp>
+      <p:pic>
+        <p:nvPicPr>
+          <p:cNvPr id="6" name="Picture 5"/>
+          <p:cNvPicPr>
+            <a:picLocks noChangeAspect="1"/>
+          </p:cNvPicPr>
+          <p:nvPr/>
+        </p:nvPicPr>
+        <p:blipFill>
+          <a:blip r:embed="rId3">
+            <a:extLst>
+              <a:ext uri="{28A0092B-C50C-407E-A947-70E740481C1C}">
+                <a14:useLocalDpi xmlns:a14="http://schemas.microsoft.com/office/drawing/2010/main" val="0"/>
+              </a:ext>
+            </a:extLst>
+          </a:blip>
+          <a:stretch>
+            <a:fillRect/>
+          </a:stretch>
+        </p:blipFill>
+        <p:spPr>
+          <a:xfrm>
+            <a:off x="7304709" y="14408133"/>
+            <a:ext cx="4286448" cy="4286448"/>
+          </a:xfrm>
+          <a:prstGeom prst="rect">
+            <a:avLst/>
+          </a:prstGeom>
+        </p:spPr>
+      </p:pic>
+      <p:pic>
+        <p:nvPicPr>
+          <p:cNvPr id="19" name="Picture 18"/>
+          <p:cNvPicPr>
+            <a:picLocks noChangeAspect="1"/>
+          </p:cNvPicPr>
+          <p:nvPr/>
+        </p:nvPicPr>
+        <p:blipFill>
+          <a:blip r:embed="rId3">
+            <a:extLst>
+              <a:ext uri="{28A0092B-C50C-407E-A947-70E740481C1C}">
+                <a14:useLocalDpi xmlns:a14="http://schemas.microsoft.com/office/drawing/2010/main" val="0"/>
+              </a:ext>
+            </a:extLst>
+          </a:blip>
+          <a:stretch>
+            <a:fillRect/>
+          </a:stretch>
+        </p:blipFill>
+        <p:spPr>
+          <a:xfrm rot="1275961">
+            <a:off x="14666192" y="14408133"/>
+            <a:ext cx="4286448" cy="4286448"/>
+          </a:xfrm>
+          <a:prstGeom prst="rect">
+            <a:avLst/>
+          </a:prstGeom>
+        </p:spPr>
+      </p:pic>
+      <p:pic>
+        <p:nvPicPr>
+          <p:cNvPr id="20" name="Picture 19"/>
+          <p:cNvPicPr>
+            <a:picLocks noChangeAspect="1"/>
+          </p:cNvPicPr>
+          <p:nvPr/>
+        </p:nvPicPr>
+        <p:blipFill>
+          <a:blip r:embed="rId3">
+            <a:extLst>
+              <a:ext uri="{28A0092B-C50C-407E-A947-70E740481C1C}">
+                <a14:useLocalDpi xmlns:a14="http://schemas.microsoft.com/office/drawing/2010/main" val="0"/>
+              </a:ext>
+            </a:extLst>
+          </a:blip>
+          <a:stretch>
+            <a:fillRect/>
+          </a:stretch>
+        </p:blipFill>
+        <p:spPr>
+          <a:xfrm rot="3111023">
+            <a:off x="22496378" y="14288978"/>
+            <a:ext cx="4286448" cy="4286448"/>
+          </a:xfrm>
+          <a:prstGeom prst="rect">
+            <a:avLst/>
+          </a:prstGeom>
+        </p:spPr>
+      </p:pic>
+      <p:pic>
+        <p:nvPicPr>
+          <p:cNvPr id="22" name="Picture 21"/>
+          <p:cNvPicPr>
+            <a:picLocks noChangeAspect="1"/>
+          </p:cNvPicPr>
+          <p:nvPr/>
+        </p:nvPicPr>
+        <p:blipFill>
+          <a:blip r:embed="rId3">
+            <a:extLst>
+              <a:ext uri="{28A0092B-C50C-407E-A947-70E740481C1C}">
+                <a14:useLocalDpi xmlns:a14="http://schemas.microsoft.com/office/drawing/2010/main" val="0"/>
+              </a:ext>
+            </a:extLst>
+          </a:blip>
+          <a:stretch>
+            <a:fillRect/>
+          </a:stretch>
+        </p:blipFill>
+        <p:spPr>
+          <a:xfrm rot="5400000">
+            <a:off x="29915221" y="14408132"/>
+            <a:ext cx="4286448" cy="4286448"/>
+          </a:xfrm>
+          <a:prstGeom prst="rect">
+            <a:avLst/>
+          </a:prstGeom>
+        </p:spPr>
+      </p:pic>
+      <p:cxnSp>
+        <p:nvCxnSpPr>
+          <p:cNvPr id="24" name="Straight Arrow Connector 23"/>
+          <p:cNvCxnSpPr/>
+          <p:nvPr/>
+        </p:nvCxnSpPr>
+        <p:spPr bwMode="auto">
+          <a:xfrm>
+            <a:off x="12311237" y="16551356"/>
+            <a:ext cx="1368152" cy="1"/>
+          </a:xfrm>
+          <a:prstGeom prst="straightConnector1">
+            <a:avLst/>
+          </a:prstGeom>
+          <a:noFill/>
+          <a:ln w="190500" cap="flat" cmpd="sng" algn="ctr">
+            <a:solidFill>
+              <a:schemeClr val="tx1"/>
+            </a:solidFill>
+            <a:prstDash val="solid"/>
+            <a:round/>
+            <a:headEnd type="none" w="med" len="med"/>
+            <a:tailEnd type="triangle" w="med" len="med"/>
+          </a:ln>
+          <a:effectLst/>
+          <a:extLst>
+            <a:ext uri="{909E8E84-426E-40DD-AFC4-6F175D3DCCD1}">
+              <a14:hiddenFill xmlns:a14="http://schemas.microsoft.com/office/drawing/2010/main">
+                <a:solidFill>
+                  <a:schemeClr val="accent1"/>
+                </a:solidFill>
+              </a14:hiddenFill>
+            </a:ext>
+            <a:ext uri="{AF507438-7753-43E0-B8FC-AC1667EBCBE1}">
+              <a14:hiddenEffects xmlns:a14="http://schemas.microsoft.com/office/drawing/2010/main">
+                <a:effectLst>
+                  <a:outerShdw dist="35921" dir="2700000" algn="ctr" rotWithShape="0">
+                    <a:schemeClr val="bg2"/>
+                  </a:outerShdw>
+                </a:effectLst>
+              </a14:hiddenEffects>
+            </a:ext>
+          </a:extLst>
+        </p:spPr>
+      </p:cxnSp>
+      <p:cxnSp>
+        <p:nvCxnSpPr>
+          <p:cNvPr id="27" name="Straight Arrow Connector 26"/>
+          <p:cNvCxnSpPr/>
+          <p:nvPr/>
+        </p:nvCxnSpPr>
+        <p:spPr bwMode="auto">
+          <a:xfrm>
+            <a:off x="19800069" y="16551355"/>
+            <a:ext cx="1368152" cy="1"/>
+          </a:xfrm>
+          <a:prstGeom prst="straightConnector1">
+            <a:avLst/>
+          </a:prstGeom>
+          <a:noFill/>
+          <a:ln w="190500" cap="flat" cmpd="sng" algn="ctr">
+            <a:solidFill>
+              <a:schemeClr val="tx1"/>
+            </a:solidFill>
+            <a:prstDash val="solid"/>
+            <a:round/>
+            <a:headEnd type="none" w="med" len="med"/>
+            <a:tailEnd type="triangle" w="med" len="med"/>
+          </a:ln>
+          <a:effectLst/>
+          <a:extLst>
+            <a:ext uri="{909E8E84-426E-40DD-AFC4-6F175D3DCCD1}">
+              <a14:hiddenFill xmlns:a14="http://schemas.microsoft.com/office/drawing/2010/main">
+                <a:solidFill>
+                  <a:schemeClr val="accent1"/>
+                </a:solidFill>
+              </a14:hiddenFill>
+            </a:ext>
+            <a:ext uri="{AF507438-7753-43E0-B8FC-AC1667EBCBE1}">
+              <a14:hiddenEffects xmlns:a14="http://schemas.microsoft.com/office/drawing/2010/main">
+                <a:effectLst>
+                  <a:outerShdw dist="35921" dir="2700000" algn="ctr" rotWithShape="0">
+                    <a:schemeClr val="bg2"/>
+                  </a:outerShdw>
+                </a:effectLst>
+              </a14:hiddenEffects>
+            </a:ext>
+          </a:extLst>
+        </p:spPr>
+      </p:cxnSp>
+      <p:cxnSp>
+        <p:nvCxnSpPr>
+          <p:cNvPr id="30" name="Straight Arrow Connector 29"/>
+          <p:cNvCxnSpPr/>
+          <p:nvPr/>
+        </p:nvCxnSpPr>
+        <p:spPr bwMode="auto">
+          <a:xfrm>
+            <a:off x="28080989" y="16551357"/>
+            <a:ext cx="1368152" cy="1"/>
+          </a:xfrm>
+          <a:prstGeom prst="straightConnector1">
+            <a:avLst/>
+          </a:prstGeom>
+          <a:noFill/>
+          <a:ln w="190500" cap="flat" cmpd="sng" algn="ctr">
+            <a:solidFill>
+              <a:schemeClr val="tx1"/>
+            </a:solidFill>
+            <a:prstDash val="solid"/>
+            <a:round/>
+            <a:headEnd type="none" w="med" len="med"/>
+            <a:tailEnd type="triangle" w="med" len="med"/>
+          </a:ln>
+          <a:effectLst/>
+          <a:extLst>
+            <a:ext uri="{909E8E84-426E-40DD-AFC4-6F175D3DCCD1}">
+              <a14:hiddenFill xmlns:a14="http://schemas.microsoft.com/office/drawing/2010/main">
+                <a:solidFill>
+                  <a:schemeClr val="accent1"/>
+                </a:solidFill>
+              </a14:hiddenFill>
+            </a:ext>
+            <a:ext uri="{AF507438-7753-43E0-B8FC-AC1667EBCBE1}">
+              <a14:hiddenEffects xmlns:a14="http://schemas.microsoft.com/office/drawing/2010/main">
+                <a:effectLst>
+                  <a:outerShdw dist="35921" dir="2700000" algn="ctr" rotWithShape="0">
+                    <a:schemeClr val="bg2"/>
+                  </a:outerShdw>
+                </a:effectLst>
+              </a14:hiddenEffects>
+            </a:ext>
+          </a:extLst>
+        </p:spPr>
+      </p:cxnSp>
+    </p:spTree>
+    <p:extLst>
+      <p:ext uri="{BB962C8B-B14F-4D97-AF65-F5344CB8AC3E}">
+        <p14:creationId xmlns:p14="http://schemas.microsoft.com/office/powerpoint/2010/main" val="4121546172"/>
+      </p:ext>
+    </p:extLst>
+  </p:cSld>
+  <p:clrMapOvr>
+    <a:masterClrMapping/>
+  </p:clrMapOvr>
+  <p:timing>
+    <p:tnLst>
+      <p:par>
+        <p:cTn id="1" dur="indefinite" restart="never" nodeType="tmRoot"/>
+      </p:par>
+    </p:tnLst>
+  </p:timing>
+</p:sld>
+</file>
+
+<file path=ppt/slides/slide5.xml><?xml version="1.0" encoding="utf-8"?>
+<p:sld xmlns:a="http://schemas.openxmlformats.org/drawingml/2006/main" xmlns:r="http://schemas.openxmlformats.org/officeDocument/2006/relationships" xmlns:p="http://schemas.openxmlformats.org/presentationml/2006/main">
+  <p:cSld>
+    <p:spTree>
+      <p:nvGrpSpPr>
+        <p:cNvPr id="1" name=""/>
+        <p:cNvGrpSpPr/>
+        <p:nvPr/>
+      </p:nvGrpSpPr>
+      <p:grpSpPr>
+        <a:xfrm>
+          <a:off x="0" y="0"/>
+          <a:ext cx="0" cy="0"/>
+          <a:chOff x="0" y="0"/>
+          <a:chExt cx="0" cy="0"/>
+        </a:xfrm>
+      </p:grpSpPr>
+      <p:sp>
+        <p:nvSpPr>
+          <p:cNvPr id="2" name="Title 1"/>
+          <p:cNvSpPr>
+            <a:spLocks noGrp="1"/>
+          </p:cNvSpPr>
+          <p:nvPr>
+            <p:ph type="title"/>
+          </p:nvPr>
+        </p:nvSpPr>
+        <p:spPr/>
+        <p:txBody>
+          <a:bodyPr/>
+          <a:lstStyle/>
+          <a:p>
+            <a:r>
+              <a:rPr lang="sv-SE" sz="14400" dirty="0" smtClean="0"/>
+              <a:t>Local Binary Patterns</a:t>
+            </a:r>
+            <a:endParaRPr lang="en-GB" sz="14400" dirty="0"/>
           </a:p>
         </p:txBody>
       </p:sp>
@@ -7748,13 +8967,13 @@
           <p:nvPr>
             <p:extLst>
               <p:ext uri="{D42A27DB-BD31-4B8C-83A1-F6EECF244321}">
-                <p14:modId xmlns:p14="http://schemas.microsoft.com/office/powerpoint/2010/main" val="3301256833"/>
+                <p14:modId xmlns:p14="http://schemas.microsoft.com/office/powerpoint/2010/main" val="2466782669"/>
               </p:ext>
             </p:extLst>
           </p:nvPr>
         </p:nvGraphicFramePr>
         <p:xfrm>
-          <a:off x="7918749" y="10512552"/>
+          <a:off x="7414693" y="7920264"/>
           <a:ext cx="10009110" cy="9433045"/>
         </p:xfrm>
         <a:graphic>
@@ -8042,7 +9261,7 @@
         </p:nvSpPr>
         <p:spPr bwMode="auto">
           <a:xfrm>
-            <a:off x="12509259" y="14833031"/>
+            <a:off x="12005203" y="12240743"/>
             <a:ext cx="932311" cy="864093"/>
           </a:xfrm>
           <a:prstGeom prst="ellipse">
@@ -8104,7 +9323,7 @@
         </p:nvSpPr>
         <p:spPr bwMode="auto">
           <a:xfrm>
-            <a:off x="12455253" y="11088615"/>
+            <a:off x="11951197" y="8496327"/>
             <a:ext cx="932311" cy="864093"/>
           </a:xfrm>
           <a:prstGeom prst="ellipse">
@@ -8166,7 +9385,7 @@
         </p:nvSpPr>
         <p:spPr bwMode="auto">
           <a:xfrm>
-            <a:off x="12463775" y="18685459"/>
+            <a:off x="11959719" y="16093171"/>
             <a:ext cx="932311" cy="864093"/>
           </a:xfrm>
           <a:prstGeom prst="ellipse">
@@ -8228,7 +9447,7 @@
         </p:nvSpPr>
         <p:spPr bwMode="auto">
           <a:xfrm>
-            <a:off x="16469699" y="14838246"/>
+            <a:off x="15965643" y="12245958"/>
             <a:ext cx="932311" cy="864093"/>
           </a:xfrm>
           <a:prstGeom prst="ellipse">
@@ -8292,7 +9511,7 @@
         </p:nvSpPr>
         <p:spPr bwMode="auto">
           <a:xfrm>
-            <a:off x="8494813" y="14833031"/>
+            <a:off x="7990757" y="12240743"/>
             <a:ext cx="932311" cy="864093"/>
           </a:xfrm>
           <a:prstGeom prst="ellipse">
@@ -8354,7 +9573,7 @@
         </p:nvSpPr>
         <p:spPr bwMode="auto">
           <a:xfrm>
-            <a:off x="9646941" y="12168735"/>
+            <a:off x="9142885" y="9576447"/>
             <a:ext cx="932311" cy="864093"/>
           </a:xfrm>
           <a:prstGeom prst="ellipse">
@@ -8416,7 +9635,7 @@
         </p:nvSpPr>
         <p:spPr bwMode="auto">
           <a:xfrm>
-            <a:off x="15317571" y="12240743"/>
+            <a:off x="14813515" y="9648455"/>
             <a:ext cx="932311" cy="864093"/>
           </a:xfrm>
           <a:prstGeom prst="ellipse">
@@ -8478,7 +9697,7 @@
         </p:nvSpPr>
         <p:spPr bwMode="auto">
           <a:xfrm>
-            <a:off x="9556931" y="17497327"/>
+            <a:off x="9052875" y="14905039"/>
             <a:ext cx="932311" cy="864093"/>
           </a:xfrm>
           <a:prstGeom prst="ellipse">
@@ -8540,7 +9759,7 @@
         </p:nvSpPr>
         <p:spPr bwMode="auto">
           <a:xfrm>
-            <a:off x="15407581" y="17497327"/>
+            <a:off x="14903525" y="14905039"/>
             <a:ext cx="932311" cy="864093"/>
           </a:xfrm>
           <a:prstGeom prst="ellipse">
@@ -8602,7 +9821,7 @@
         </p:nvSpPr>
         <p:spPr>
           <a:xfrm>
-            <a:off x="7990757" y="20205753"/>
+            <a:off x="7486701" y="17613465"/>
             <a:ext cx="9577064" cy="1107996"/>
           </a:xfrm>
           <a:prstGeom prst="rect">
@@ -8625,8 +9844,8 @@
           </a:p>
         </p:txBody>
       </p:sp>
-      <mc:AlternateContent xmlns:mc="http://schemas.openxmlformats.org/markup-compatibility/2006" xmlns:a14="http://schemas.microsoft.com/office/drawing/2010/main">
-        <mc:Choice Requires="a14">
+      <mc:AlternateContent xmlns:mc="http://schemas.openxmlformats.org/markup-compatibility/2006">
+        <mc:Choice xmlns:a14="http://schemas.microsoft.com/office/drawing/2010/main" Requires="a14">
           <p:sp>
             <p:nvSpPr>
               <p:cNvPr id="18" name="TextBox 17"/>
@@ -8635,8 +9854,8 @@
             </p:nvSpPr>
             <p:spPr>
               <a:xfrm>
-                <a:off x="19440029" y="10095138"/>
-                <a:ext cx="14833648" cy="13594875"/>
+                <a:off x="19007981" y="6710762"/>
+                <a:ext cx="16345816" cy="15339456"/>
               </a:xfrm>
               <a:prstGeom prst="rect">
                 <a:avLst/>
@@ -8654,7 +9873,7 @@
                   <a:buChar char="•"/>
                 </a:pPr>
                 <a:r>
-                  <a:rPr lang="sv-SE" sz="8000" dirty="0" smtClean="0"/>
+                  <a:rPr lang="sv-SE" sz="9000" dirty="0" smtClean="0"/>
                   <a:t>P uniformly spaced points</a:t>
                 </a:r>
               </a:p>
@@ -8664,7 +9883,7 @@
                   <a:buChar char="•"/>
                 </a:pPr>
                 <a:r>
-                  <a:rPr lang="sv-SE" sz="8000" dirty="0" smtClean="0"/>
+                  <a:rPr lang="sv-SE" sz="9000" dirty="0" smtClean="0"/>
                   <a:t>Center pixel – threshold</a:t>
                 </a:r>
               </a:p>
@@ -8674,7 +9893,7 @@
                   <a:buChar char="•"/>
                 </a:pPr>
                 <a:r>
-                  <a:rPr lang="sv-SE" sz="8000" dirty="0" smtClean="0"/>
+                  <a:rPr lang="sv-SE" sz="9000" dirty="0" smtClean="0"/>
                   <a:t>Generates binary string</a:t>
                 </a:r>
               </a:p>
@@ -8684,7 +9903,7 @@
                   <a:buChar char="•"/>
                 </a:pPr>
                 <a:r>
-                  <a:rPr lang="sv-SE" sz="8000" dirty="0" smtClean="0"/>
+                  <a:rPr lang="sv-SE" sz="9000" dirty="0" smtClean="0"/>
                   <a:t>Encoding:</a:t>
                 </a:r>
               </a:p>
@@ -8704,14 +9923,14 @@
                     <m:sSub>
                       <m:sSubPr>
                         <m:ctrlPr>
-                          <a:rPr lang="sv-SE" sz="8000" b="0" i="1" smtClean="0">
+                          <a:rPr lang="sv-SE" sz="9000" b="0" i="1" smtClean="0">
                             <a:latin typeface="Cambria Math"/>
                           </a:rPr>
                         </m:ctrlPr>
                       </m:sSubPr>
                       <m:e>
                         <m:r>
-                          <a:rPr lang="sv-SE" sz="8000" i="1">
+                          <a:rPr lang="sv-SE" sz="9000" i="1">
                             <a:latin typeface="Cambria Math"/>
                           </a:rPr>
                           <m:t>𝐿𝐵𝑃</m:t>
@@ -8719,19 +9938,19 @@
                       </m:e>
                       <m:sub>
                         <m:r>
-                          <a:rPr lang="sv-SE" sz="8000" b="0" i="1" smtClean="0">
+                          <a:rPr lang="sv-SE" sz="9000" b="0" i="1" smtClean="0">
                             <a:latin typeface="Cambria Math"/>
                           </a:rPr>
                           <m:t>𝑃</m:t>
                         </m:r>
                         <m:r>
-                          <a:rPr lang="sv-SE" sz="8000" b="0" i="1" smtClean="0">
+                          <a:rPr lang="sv-SE" sz="9000" b="0" i="1" smtClean="0">
                             <a:latin typeface="Cambria Math"/>
                           </a:rPr>
                           <m:t>,</m:t>
                         </m:r>
                         <m:r>
-                          <a:rPr lang="sv-SE" sz="8000" b="0" i="1" smtClean="0">
+                          <a:rPr lang="sv-SE" sz="9000" b="0" i="1" smtClean="0">
                             <a:latin typeface="Cambria Math"/>
                           </a:rPr>
                           <m:t>𝑅</m:t>
@@ -8739,7 +9958,7 @@
                       </m:sub>
                     </m:sSub>
                     <m:r>
-                      <a:rPr lang="sv-SE" sz="8000" b="0" i="1" smtClean="0">
+                      <a:rPr lang="sv-SE" sz="9000" b="0" i="1" smtClean="0">
                         <a:latin typeface="Cambria Math"/>
                       </a:rPr>
                       <m:t>= </m:t>
@@ -8748,7 +9967,7 @@
                       <m:naryPr>
                         <m:chr m:val="∑"/>
                         <m:ctrlPr>
-                          <a:rPr lang="sv-SE" sz="8000" b="0" i="1" smtClean="0">
+                          <a:rPr lang="sv-SE" sz="9000" b="0" i="1" smtClean="0">
                             <a:latin typeface="Cambria Math"/>
                           </a:rPr>
                         </m:ctrlPr>
@@ -8758,13 +9977,13 @@
                           <m:rPr>
                             <m:brk m:alnAt="23"/>
                           </m:rPr>
-                          <a:rPr lang="sv-SE" sz="8000" b="0" i="1" smtClean="0">
+                          <a:rPr lang="sv-SE" sz="9000" b="0" i="1" smtClean="0">
                             <a:latin typeface="Cambria Math"/>
                           </a:rPr>
                           <m:t>𝑝</m:t>
                         </m:r>
                         <m:r>
-                          <a:rPr lang="sv-SE" sz="8000" b="0" i="1" smtClean="0">
+                          <a:rPr lang="sv-SE" sz="9000" b="0" i="1" smtClean="0">
                             <a:latin typeface="Cambria Math"/>
                           </a:rPr>
                           <m:t>=0</m:t>
@@ -8772,13 +9991,13 @@
                       </m:sub>
                       <m:sup>
                         <m:r>
-                          <a:rPr lang="sv-SE" sz="8000" b="0" i="1" smtClean="0">
+                          <a:rPr lang="sv-SE" sz="9000" b="0" i="1" smtClean="0">
                             <a:latin typeface="Cambria Math"/>
                           </a:rPr>
                           <m:t>𝑃</m:t>
                         </m:r>
                         <m:r>
-                          <a:rPr lang="sv-SE" sz="8000" b="0" i="1" smtClean="0">
+                          <a:rPr lang="sv-SE" sz="9000" b="0" i="1" smtClean="0">
                             <a:latin typeface="Cambria Math"/>
                           </a:rPr>
                           <m:t>−1</m:t>
@@ -8786,19 +10005,19 @@
                       </m:sup>
                       <m:e>
                         <m:r>
-                          <a:rPr lang="sv-SE" sz="8000" b="0" i="1" smtClean="0">
+                          <a:rPr lang="sv-SE" sz="9000" b="0" i="1" smtClean="0">
                             <a:latin typeface="Cambria Math"/>
                           </a:rPr>
                           <m:t> </m:t>
                         </m:r>
                         <m:r>
-                          <a:rPr lang="sv-SE" sz="8000" b="0" i="1" smtClean="0">
+                          <a:rPr lang="sv-SE" sz="9000" b="0" i="1" smtClean="0">
                             <a:latin typeface="Cambria Math"/>
                           </a:rPr>
                           <m:t>𝑠</m:t>
                         </m:r>
                         <m:r>
-                          <a:rPr lang="sv-SE" sz="8000" b="0" i="1" smtClean="0">
+                          <a:rPr lang="sv-SE" sz="9000" b="0" i="1" smtClean="0">
                             <a:latin typeface="Cambria Math"/>
                           </a:rPr>
                           <m:t>(</m:t>
@@ -8806,14 +10025,14 @@
                         <m:sSub>
                           <m:sSubPr>
                             <m:ctrlPr>
-                              <a:rPr lang="sv-SE" sz="8000" b="0" i="1" smtClean="0">
+                              <a:rPr lang="sv-SE" sz="9000" b="0" i="1" smtClean="0">
                                 <a:latin typeface="Cambria Math"/>
                               </a:rPr>
                             </m:ctrlPr>
                           </m:sSubPr>
                           <m:e>
                             <m:r>
-                              <a:rPr lang="sv-SE" sz="8000" b="0" i="1" smtClean="0">
+                              <a:rPr lang="sv-SE" sz="9000" b="0" i="1" smtClean="0">
                                 <a:latin typeface="Cambria Math"/>
                               </a:rPr>
                               <m:t>𝑔</m:t>
@@ -8821,7 +10040,7 @@
                           </m:e>
                           <m:sub>
                             <m:r>
-                              <a:rPr lang="sv-SE" sz="8000" b="0" i="1" smtClean="0">
+                              <a:rPr lang="sv-SE" sz="9000" b="0" i="1" smtClean="0">
                                 <a:latin typeface="Cambria Math"/>
                               </a:rPr>
                               <m:t>𝑝</m:t>
@@ -8829,7 +10048,7 @@
                           </m:sub>
                         </m:sSub>
                         <m:r>
-                          <a:rPr lang="sv-SE" sz="8000" b="0" i="1" smtClean="0">
+                          <a:rPr lang="sv-SE" sz="9000" b="0" i="1" smtClean="0">
                             <a:latin typeface="Cambria Math"/>
                           </a:rPr>
                           <m:t>−</m:t>
@@ -8837,14 +10056,14 @@
                         <m:sSub>
                           <m:sSubPr>
                             <m:ctrlPr>
-                              <a:rPr lang="sv-SE" sz="8000" b="0" i="1" smtClean="0">
+                              <a:rPr lang="sv-SE" sz="9000" b="0" i="1" smtClean="0">
                                 <a:latin typeface="Cambria Math"/>
                               </a:rPr>
                             </m:ctrlPr>
                           </m:sSubPr>
                           <m:e>
                             <m:r>
-                              <a:rPr lang="sv-SE" sz="8000" b="0" i="1" smtClean="0">
+                              <a:rPr lang="sv-SE" sz="9000" b="0" i="1" smtClean="0">
                                 <a:latin typeface="Cambria Math"/>
                               </a:rPr>
                               <m:t>𝑔</m:t>
@@ -8852,7 +10071,7 @@
                           </m:e>
                           <m:sub>
                             <m:r>
-                              <a:rPr lang="sv-SE" sz="8000" b="0" i="1" smtClean="0">
+                              <a:rPr lang="sv-SE" sz="9000" b="0" i="1" smtClean="0">
                                 <a:latin typeface="Cambria Math"/>
                               </a:rPr>
                               <m:t>𝑐</m:t>
@@ -8860,7 +10079,7 @@
                           </m:sub>
                         </m:sSub>
                         <m:r>
-                          <a:rPr lang="sv-SE" sz="8000" b="0" i="1" smtClean="0">
+                          <a:rPr lang="sv-SE" sz="9000" b="0" i="1" smtClean="0">
                             <a:latin typeface="Cambria Math"/>
                           </a:rPr>
                           <m:t>)</m:t>
@@ -8868,14 +10087,14 @@
                         <m:sSup>
                           <m:sSupPr>
                             <m:ctrlPr>
-                              <a:rPr lang="sv-SE" sz="8000" b="0" i="1" smtClean="0">
+                              <a:rPr lang="sv-SE" sz="9000" b="0" i="1" smtClean="0">
                                 <a:latin typeface="Cambria Math"/>
                               </a:rPr>
                             </m:ctrlPr>
                           </m:sSupPr>
                           <m:e>
                             <m:r>
-                              <a:rPr lang="sv-SE" sz="8000" b="0" i="1" smtClean="0">
+                              <a:rPr lang="sv-SE" sz="9000" b="0" i="1" smtClean="0">
                                 <a:latin typeface="Cambria Math"/>
                               </a:rPr>
                               <m:t>2</m:t>
@@ -8883,7 +10102,7 @@
                           </m:e>
                           <m:sup>
                             <m:r>
-                              <a:rPr lang="sv-SE" sz="8000" b="0" i="1" smtClean="0">
+                              <a:rPr lang="sv-SE" sz="9000" b="0" i="1" smtClean="0">
                                 <a:latin typeface="Cambria Math"/>
                               </a:rPr>
                               <m:t>𝑝</m:t>
@@ -8894,26 +10113,26 @@
                     </m:nary>
                   </m:oMath>
                 </a14:m>
-                <a:endParaRPr lang="sv-SE" sz="8000" b="0" dirty="0" smtClean="0"/>
+                <a:endParaRPr lang="sv-SE" sz="9000" b="0" dirty="0" smtClean="0"/>
               </a:p>
               <a:p>
                 <a:endParaRPr lang="sv-SE" sz="2400" dirty="0" smtClean="0"/>
               </a:p>
               <a:p>
                 <a:r>
-                  <a:rPr lang="sv-SE" sz="5400" dirty="0" smtClean="0"/>
+                  <a:rPr lang="sv-SE" sz="6500" dirty="0" smtClean="0"/>
                   <a:t>P = Number of points</a:t>
                 </a:r>
               </a:p>
               <a:p>
                 <a:r>
-                  <a:rPr lang="sv-SE" sz="5400" dirty="0" smtClean="0"/>
+                  <a:rPr lang="sv-SE" sz="6500" dirty="0" smtClean="0"/>
                   <a:t>R= Radius</a:t>
                 </a:r>
               </a:p>
               <a:p>
                 <a:r>
-                  <a:rPr lang="sv-SE" sz="5400" dirty="0" smtClean="0"/>
+                  <a:rPr lang="sv-SE" sz="6500" dirty="0" smtClean="0"/>
                   <a:t>s = binary thresholding function</a:t>
                 </a:r>
               </a:p>
@@ -8923,14 +10142,14 @@
                     <m:sSub>
                       <m:sSubPr>
                         <m:ctrlPr>
-                          <a:rPr lang="sv-SE" sz="5400" i="1" smtClean="0">
+                          <a:rPr lang="sv-SE" sz="6500" i="1" smtClean="0">
                             <a:latin typeface="Cambria Math"/>
                           </a:rPr>
                         </m:ctrlPr>
                       </m:sSubPr>
                       <m:e>
                         <m:r>
-                          <a:rPr lang="sv-SE" sz="5400" b="0" i="1" smtClean="0">
+                          <a:rPr lang="sv-SE" sz="6500" b="0" i="1" smtClean="0">
                             <a:latin typeface="Cambria Math"/>
                           </a:rPr>
                           <m:t>𝑔</m:t>
@@ -8938,13 +10157,13 @@
                       </m:e>
                       <m:sub>
                         <m:r>
-                          <a:rPr lang="sv-SE" sz="5400" b="0" i="1" smtClean="0">
+                          <a:rPr lang="sv-SE" sz="6500" b="0" i="1" smtClean="0">
                             <a:latin typeface="Cambria Math"/>
                           </a:rPr>
                           <m:t>𝑝</m:t>
                         </m:r>
                         <m:r>
-                          <a:rPr lang="sv-SE" sz="5400" b="0" i="1" smtClean="0">
+                          <a:rPr lang="sv-SE" sz="6500" b="0" i="1" smtClean="0">
                             <a:latin typeface="Cambria Math"/>
                           </a:rPr>
                           <m:t> </m:t>
@@ -8952,7 +10171,7 @@
                       </m:sub>
                     </m:sSub>
                     <m:r>
-                      <a:rPr lang="sv-SE" sz="5400" b="0" i="1" smtClean="0">
+                      <a:rPr lang="sv-SE" sz="6500" b="0" i="1" smtClean="0">
                         <a:latin typeface="Cambria Math"/>
                       </a:rPr>
                       <m:t>, </m:t>
@@ -8960,14 +10179,14 @@
                     <m:sSub>
                       <m:sSubPr>
                         <m:ctrlPr>
-                          <a:rPr lang="sv-SE" sz="5400" b="0" i="1" smtClean="0">
+                          <a:rPr lang="sv-SE" sz="6500" b="0" i="1" smtClean="0">
                             <a:latin typeface="Cambria Math"/>
                           </a:rPr>
                         </m:ctrlPr>
                       </m:sSubPr>
                       <m:e>
                         <m:r>
-                          <a:rPr lang="sv-SE" sz="5400" b="0" i="1" smtClean="0">
+                          <a:rPr lang="sv-SE" sz="6500" b="0" i="1" smtClean="0">
                             <a:latin typeface="Cambria Math"/>
                           </a:rPr>
                           <m:t>𝑔</m:t>
@@ -8975,7 +10194,7 @@
                       </m:e>
                       <m:sub>
                         <m:r>
-                          <a:rPr lang="sv-SE" sz="5400" b="0" i="1" smtClean="0">
+                          <a:rPr lang="sv-SE" sz="6500" b="0" i="1" smtClean="0">
                             <a:latin typeface="Cambria Math"/>
                           </a:rPr>
                           <m:t>𝑐</m:t>
@@ -8985,7 +10204,7 @@
                   </m:oMath>
                 </a14:m>
                 <a:r>
-                  <a:rPr lang="sv-SE" sz="5400" dirty="0" smtClean="0"/>
+                  <a:rPr lang="sv-SE" sz="6500" dirty="0" smtClean="0"/>
                   <a:t> = intensity values</a:t>
                 </a:r>
               </a:p>
@@ -9003,7 +10222,7 @@
             </p:txBody>
           </p:sp>
         </mc:Choice>
-        <mc:Fallback xmlns="">
+        <mc:Fallback>
           <p:sp>
             <p:nvSpPr>
               <p:cNvPr id="18" name="TextBox 17"/>
@@ -9014,8 +10233,8 @@
             </p:nvSpPr>
             <p:spPr>
               <a:xfrm>
-                <a:off x="19440029" y="10095138"/>
-                <a:ext cx="14833648" cy="13594875"/>
+                <a:off x="19007981" y="6710762"/>
+                <a:ext cx="16345816" cy="15339456"/>
               </a:xfrm>
               <a:prstGeom prst="rect">
                 <a:avLst/>
@@ -9023,7 +10242,7 @@
               <a:blipFill rotWithShape="1">
                 <a:blip r:embed="rId3"/>
                 <a:stretch>
-                  <a:fillRect l="-3247" t="-1928"/>
+                  <a:fillRect l="-3356" t="-1987"/>
                 </a:stretch>
               </a:blipFill>
             </p:spPr>
@@ -9239,7 +10458,7 @@
 </p:sld>
 </file>
 
-<file path=ppt/slides/slide5.xml><?xml version="1.0" encoding="utf-8"?>
+<file path=ppt/slides/slide6.xml><?xml version="1.0" encoding="utf-8"?>
 <p:sld xmlns:a="http://schemas.openxmlformats.org/drawingml/2006/main" xmlns:r="http://schemas.openxmlformats.org/officeDocument/2006/relationships" xmlns:p="http://schemas.openxmlformats.org/presentationml/2006/main">
   <p:cSld>
     <p:spTree>
@@ -9333,13 +10552,13 @@
           <p:nvPr>
             <p:extLst>
               <p:ext uri="{D42A27DB-BD31-4B8C-83A1-F6EECF244321}">
-                <p14:modId xmlns:p14="http://schemas.microsoft.com/office/powerpoint/2010/main" val="2488972079"/>
+                <p14:modId xmlns:p14="http://schemas.microsoft.com/office/powerpoint/2010/main" val="896718146"/>
               </p:ext>
             </p:extLst>
           </p:nvPr>
         </p:nvGraphicFramePr>
         <p:xfrm>
-          <a:off x="6478590" y="12744797"/>
+          <a:off x="6478590" y="13032830"/>
           <a:ext cx="3672408" cy="3456384"/>
         </p:xfrm>
         <a:graphic>
@@ -9507,13 +10726,13 @@
           <p:nvPr>
             <p:extLst>
               <p:ext uri="{D42A27DB-BD31-4B8C-83A1-F6EECF244321}">
-                <p14:modId xmlns:p14="http://schemas.microsoft.com/office/powerpoint/2010/main" val="4014302931"/>
+                <p14:modId xmlns:p14="http://schemas.microsoft.com/office/powerpoint/2010/main" val="372637349"/>
               </p:ext>
             </p:extLst>
           </p:nvPr>
         </p:nvGraphicFramePr>
         <p:xfrm>
-          <a:off x="6478589" y="16705235"/>
+          <a:off x="6478589" y="16993268"/>
           <a:ext cx="3672408" cy="3528393"/>
         </p:xfrm>
         <a:graphic>
@@ -9681,13 +10900,13 @@
           <p:nvPr>
             <p:extLst>
               <p:ext uri="{D42A27DB-BD31-4B8C-83A1-F6EECF244321}">
-                <p14:modId xmlns:p14="http://schemas.microsoft.com/office/powerpoint/2010/main" val="1169374382"/>
+                <p14:modId xmlns:p14="http://schemas.microsoft.com/office/powerpoint/2010/main" val="3223003658"/>
               </p:ext>
             </p:extLst>
           </p:nvPr>
         </p:nvGraphicFramePr>
         <p:xfrm>
-          <a:off x="10799069" y="13604789"/>
+          <a:off x="10799069" y="14540894"/>
           <a:ext cx="3672408" cy="3460487"/>
         </p:xfrm>
         <a:graphic>
@@ -13000,7 +14219,7 @@
 </p:sld>
 </file>
 
-<file path=ppt/slides/slide6.xml><?xml version="1.0" encoding="utf-8"?>
+<file path=ppt/slides/slide7.xml><?xml version="1.0" encoding="utf-8"?>
 <p:sld xmlns:a="http://schemas.openxmlformats.org/drawingml/2006/main" xmlns:r="http://schemas.openxmlformats.org/officeDocument/2006/relationships" xmlns:p="http://schemas.openxmlformats.org/presentationml/2006/main">
   <p:cSld>
     <p:spTree>
@@ -13249,7 +14468,7 @@
       </p:sp>
       <p:pic>
         <p:nvPicPr>
-          <p:cNvPr id="3" name="Picture 2"/>
+          <p:cNvPr id="5" name="Picture 4"/>
           <p:cNvPicPr>
             <a:picLocks noChangeAspect="1"/>
           </p:cNvPicPr>
@@ -13269,8 +14488,8 @@
         </p:blipFill>
         <p:spPr>
           <a:xfrm>
-            <a:off x="6118549" y="8212485"/>
-            <a:ext cx="29519768" cy="15821052"/>
+            <a:off x="6118549" y="8461296"/>
+            <a:ext cx="29149244" cy="16092813"/>
           </a:xfrm>
           <a:prstGeom prst="rect">
             <a:avLst/>
@@ -13297,7 +14516,7 @@
 </p:sld>
 </file>
 
-<file path=ppt/slides/slide7.xml><?xml version="1.0" encoding="utf-8"?>
+<file path=ppt/slides/slide8.xml><?xml version="1.0" encoding="utf-8"?>
 <p:sld xmlns:a="http://schemas.openxmlformats.org/drawingml/2006/main" xmlns:r="http://schemas.openxmlformats.org/officeDocument/2006/relationships" xmlns:p="http://schemas.openxmlformats.org/presentationml/2006/main">
   <p:cSld>
     <p:spTree>
@@ -13407,10 +14626,17 @@
   <p:clrMapOvr>
     <a:masterClrMapping/>
   </p:clrMapOvr>
+  <p:timing>
+    <p:tnLst>
+      <p:par>
+        <p:cTn id="1" dur="indefinite" restart="never" nodeType="tmRoot"/>
+      </p:par>
+    </p:tnLst>
+  </p:timing>
 </p:sld>
 </file>
 
-<file path=ppt/slides/slide8.xml><?xml version="1.0" encoding="utf-8"?>
+<file path=ppt/slides/slide9.xml><?xml version="1.0" encoding="utf-8"?>
 <p:sld xmlns:a="http://schemas.openxmlformats.org/drawingml/2006/main" xmlns:r="http://schemas.openxmlformats.org/officeDocument/2006/relationships" xmlns:p="http://schemas.openxmlformats.org/presentationml/2006/main">
   <p:cSld>
     <p:spTree>
@@ -13720,134 +14946,6 @@
       </p:par>
     </p:tnLst>
   </p:timing>
-</p:sld>
-</file>
-
-<file path=ppt/slides/slide9.xml><?xml version="1.0" encoding="utf-8"?>
-<p:sld xmlns:a="http://schemas.openxmlformats.org/drawingml/2006/main" xmlns:r="http://schemas.openxmlformats.org/officeDocument/2006/relationships" xmlns:p="http://schemas.openxmlformats.org/presentationml/2006/main">
-  <p:cSld>
-    <p:spTree>
-      <p:nvGrpSpPr>
-        <p:cNvPr id="1" name=""/>
-        <p:cNvGrpSpPr/>
-        <p:nvPr/>
-      </p:nvGrpSpPr>
-      <p:grpSpPr>
-        <a:xfrm>
-          <a:off x="0" y="0"/>
-          <a:ext cx="0" cy="0"/>
-          <a:chOff x="0" y="0"/>
-          <a:chExt cx="0" cy="0"/>
-        </a:xfrm>
-      </p:grpSpPr>
-      <p:sp>
-        <p:nvSpPr>
-          <p:cNvPr id="2" name="Title 1"/>
-          <p:cNvSpPr>
-            <a:spLocks noGrp="1"/>
-          </p:cNvSpPr>
-          <p:nvPr>
-            <p:ph type="title"/>
-          </p:nvPr>
-        </p:nvSpPr>
-        <p:spPr/>
-        <p:txBody>
-          <a:bodyPr/>
-          <a:lstStyle/>
-          <a:p>
-            <a:r>
-              <a:rPr lang="sv-SE" dirty="0" smtClean="0"/>
-              <a:t>Model 2: Gate layer</a:t>
-            </a:r>
-            <a:endParaRPr lang="en-GB" dirty="0"/>
-          </a:p>
-        </p:txBody>
-      </p:sp>
-      <p:pic>
-        <p:nvPicPr>
-          <p:cNvPr id="4" name="Content Placeholder 3"/>
-          <p:cNvPicPr>
-            <a:picLocks noGrp="1" noChangeAspect="1"/>
-          </p:cNvPicPr>
-          <p:nvPr>
-            <p:ph idx="1"/>
-          </p:nvPr>
-        </p:nvPicPr>
-        <p:blipFill>
-          <a:blip r:embed="rId2">
-            <a:extLst>
-              <a:ext uri="{28A0092B-C50C-407E-A947-70E740481C1C}">
-                <a14:useLocalDpi xmlns:a14="http://schemas.microsoft.com/office/drawing/2010/main" val="0"/>
-              </a:ext>
-            </a:extLst>
-          </a:blip>
-          <a:stretch>
-            <a:fillRect/>
-          </a:stretch>
-        </p:blipFill>
-        <p:spPr>
-          <a:xfrm>
-            <a:off x="8638829" y="3947298"/>
-            <a:ext cx="24778572" cy="17006411"/>
-          </a:xfrm>
-        </p:spPr>
-      </p:pic>
-      <p:sp>
-        <p:nvSpPr>
-          <p:cNvPr id="5" name="TextBox 4"/>
-          <p:cNvSpPr txBox="1"/>
-          <p:nvPr/>
-        </p:nvSpPr>
-        <p:spPr>
-          <a:xfrm>
-            <a:off x="11663165" y="21241741"/>
-            <a:ext cx="19010112" cy="3477875"/>
-          </a:xfrm>
-          <a:prstGeom prst="rect">
-            <a:avLst/>
-          </a:prstGeom>
-          <a:noFill/>
-        </p:spPr>
-        <p:txBody>
-          <a:bodyPr wrap="square" rtlCol="0">
-            <a:spAutoFit/>
-          </a:bodyPr>
-          <a:lstStyle/>
-          <a:p>
-            <a:pPr algn="ctr"/>
-            <a:r>
-              <a:rPr lang="sv-SE" sz="10000" b="1" dirty="0" smtClean="0"/>
-              <a:t>   Input: </a:t>
-            </a:r>
-            <a:r>
-              <a:rPr lang="sv-SE" sz="10000" b="1" dirty="0"/>
-              <a:t>40x40x64 </a:t>
-            </a:r>
-            <a:r>
-              <a:rPr lang="sv-SE" sz="10000" b="1" dirty="0" smtClean="0"/>
-              <a:t>tensor</a:t>
-            </a:r>
-          </a:p>
-          <a:p>
-            <a:pPr algn="ctr"/>
-            <a:r>
-              <a:rPr lang="sv-SE" sz="10000" b="1" dirty="0" smtClean="0"/>
-              <a:t>Output:  512 element vector</a:t>
-            </a:r>
-            <a:endParaRPr lang="sv-SE" sz="10000" b="1" dirty="0"/>
-          </a:p>
-        </p:txBody>
-      </p:sp>
-    </p:spTree>
-    <p:extLst>
-      <p:ext uri="{BB962C8B-B14F-4D97-AF65-F5344CB8AC3E}">
-        <p14:creationId xmlns:p14="http://schemas.microsoft.com/office/powerpoint/2010/main" val="1417685323"/>
-      </p:ext>
-    </p:extLst>
-  </p:cSld>
-  <p:clrMapOvr>
-    <a:masterClrMapping/>
-  </p:clrMapOvr>
 </p:sld>
 </file>
 

--- a/Presentation_material/presentation.pptx
+++ b/Presentation_material/presentation.pptx
@@ -5,10 +5,10 @@
     <p:sldMasterId id="2147483648" r:id="rId1"/>
   </p:sldMasterIdLst>
   <p:notesMasterIdLst>
-    <p:notesMasterId r:id="rId17"/>
+    <p:notesMasterId r:id="rId19"/>
   </p:notesMasterIdLst>
   <p:handoutMasterIdLst>
-    <p:handoutMasterId r:id="rId18"/>
+    <p:handoutMasterId r:id="rId20"/>
   </p:handoutMasterIdLst>
   <p:sldIdLst>
     <p:sldId id="256" r:id="rId2"/>
@@ -17,15 +17,17 @@
     <p:sldId id="275" r:id="rId5"/>
     <p:sldId id="263" r:id="rId6"/>
     <p:sldId id="260" r:id="rId7"/>
-    <p:sldId id="261" r:id="rId8"/>
-    <p:sldId id="272" r:id="rId9"/>
-    <p:sldId id="271" r:id="rId10"/>
-    <p:sldId id="273" r:id="rId11"/>
-    <p:sldId id="274" r:id="rId12"/>
-    <p:sldId id="268" r:id="rId13"/>
-    <p:sldId id="276" r:id="rId14"/>
-    <p:sldId id="269" r:id="rId15"/>
-    <p:sldId id="270" r:id="rId16"/>
+    <p:sldId id="277" r:id="rId8"/>
+    <p:sldId id="261" r:id="rId9"/>
+    <p:sldId id="272" r:id="rId10"/>
+    <p:sldId id="271" r:id="rId11"/>
+    <p:sldId id="273" r:id="rId12"/>
+    <p:sldId id="274" r:id="rId13"/>
+    <p:sldId id="278" r:id="rId14"/>
+    <p:sldId id="268" r:id="rId15"/>
+    <p:sldId id="276" r:id="rId16"/>
+    <p:sldId id="269" r:id="rId17"/>
+    <p:sldId id="270" r:id="rId18"/>
   </p:sldIdLst>
   <p:sldSz cx="35999738" cy="25201563"/>
   <p:notesSz cx="46342300" cy="46342300"/>
@@ -1563,7 +1565,7 @@
             <a:fld id="{E36643B1-9D94-4426-9F70-001B837290C8}" type="slidenum">
               <a:rPr lang="sv-SE" smtClean="0"/>
               <a:pPr/>
-              <a:t>7</a:t>
+              <a:t>8</a:t>
             </a:fld>
             <a:endParaRPr lang="sv-SE"/>
           </a:p>
@@ -1648,7 +1650,7 @@
             <a:fld id="{E36643B1-9D94-4426-9F70-001B837290C8}" type="slidenum">
               <a:rPr lang="sv-SE" smtClean="0"/>
               <a:pPr/>
-              <a:t>13</a:t>
+              <a:t>15</a:t>
             </a:fld>
             <a:endParaRPr lang="sv-SE"/>
           </a:p>
@@ -1733,7 +1735,7 @@
             <a:fld id="{E36643B1-9D94-4426-9F70-001B837290C8}" type="slidenum">
               <a:rPr lang="sv-SE" smtClean="0"/>
               <a:pPr/>
-              <a:t>15</a:t>
+              <a:t>17</a:t>
             </a:fld>
             <a:endParaRPr lang="sv-SE"/>
           </a:p>
@@ -5095,12 +5097,12 @@
           <a:lstStyle/>
           <a:p>
             <a:r>
-              <a:rPr lang="en-US" sz="14500" dirty="0" smtClean="0">
+              <a:rPr lang="en-US" sz="14500" dirty="0">
                 <a:solidFill>
                   <a:schemeClr val="tx1"/>
                 </a:solidFill>
               </a:rPr>
-              <a:t>Classifying Cancer Cells Using Local Binary Patterns</a:t>
+              <a:t>Detecting Cancer using Texture Classification</a:t>
             </a:r>
             <a:endParaRPr lang="en-US" sz="14500" dirty="0">
               <a:solidFill>
@@ -5402,10 +5404,323 @@
           <a:lstStyle/>
           <a:p>
             <a:r>
-              <a:rPr lang="sv-SE" dirty="0" smtClean="0"/>
+              <a:rPr lang="sv-SE" sz="14400" dirty="0" smtClean="0"/>
+              <a:t>Model 2: Convolutional Module</a:t>
+            </a:r>
+            <a:endParaRPr lang="en-GB" sz="14400" dirty="0"/>
+          </a:p>
+        </p:txBody>
+      </p:sp>
+      <p:sp>
+        <p:nvSpPr>
+          <p:cNvPr id="60" name="TextBox 59"/>
+          <p:cNvSpPr txBox="1"/>
+          <p:nvPr/>
+        </p:nvSpPr>
+        <p:spPr>
+          <a:xfrm>
+            <a:off x="0" y="7200181"/>
+            <a:ext cx="5326461" cy="12255663"/>
+          </a:xfrm>
+          <a:prstGeom prst="rect">
+            <a:avLst/>
+          </a:prstGeom>
+          <a:noFill/>
+        </p:spPr>
+        <p:txBody>
+          <a:bodyPr wrap="square" rtlCol="0">
+            <a:spAutoFit/>
+          </a:bodyPr>
+          <a:lstStyle/>
+          <a:p>
+            <a:pPr algn="ctr"/>
+            <a:r>
+              <a:rPr lang="en-GB" sz="4000" b="1" dirty="0" smtClean="0">
+                <a:solidFill>
+                  <a:schemeClr val="bg1"/>
+                </a:solidFill>
+              </a:rPr>
+              <a:t>Jo Gay</a:t>
+            </a:r>
+          </a:p>
+          <a:p>
+            <a:pPr algn="ctr"/>
+            <a:r>
+              <a:rPr lang="en-GB" sz="4000" b="1" dirty="0" smtClean="0">
+                <a:solidFill>
+                  <a:schemeClr val="bg1"/>
+                </a:solidFill>
+              </a:rPr>
+              <a:t>Hugo </a:t>
+            </a:r>
+            <a:r>
+              <a:rPr lang="en-GB" sz="4000" b="1" dirty="0" err="1" smtClean="0">
+                <a:solidFill>
+                  <a:schemeClr val="bg1"/>
+                </a:solidFill>
+              </a:rPr>
+              <a:t>Harlin</a:t>
+            </a:r>
+            <a:endParaRPr lang="en-GB" sz="4000" b="1" dirty="0" smtClean="0">
+              <a:solidFill>
+                <a:schemeClr val="bg1"/>
+              </a:solidFill>
+            </a:endParaRPr>
+          </a:p>
+          <a:p>
+            <a:pPr algn="ctr"/>
+            <a:endParaRPr lang="en-GB" sz="1600" b="1" dirty="0" smtClean="0">
+              <a:solidFill>
+                <a:schemeClr val="bg1"/>
+              </a:solidFill>
+            </a:endParaRPr>
+          </a:p>
+          <a:p>
+            <a:pPr algn="ctr"/>
+            <a:r>
+              <a:rPr lang="en-GB" sz="4000" dirty="0" smtClean="0">
+                <a:solidFill>
+                  <a:schemeClr val="bg1"/>
+                </a:solidFill>
+              </a:rPr>
+              <a:t>Project in Computational Science, January 2019</a:t>
+            </a:r>
+          </a:p>
+          <a:p>
+            <a:pPr algn="ctr"/>
+            <a:endParaRPr lang="en-GB" sz="4000" dirty="0" smtClean="0">
+              <a:solidFill>
+                <a:schemeClr val="bg1"/>
+              </a:solidFill>
+            </a:endParaRPr>
+          </a:p>
+          <a:p>
+            <a:pPr algn="ctr"/>
+            <a:endParaRPr lang="en-GB" sz="4000" dirty="0" smtClean="0">
+              <a:solidFill>
+                <a:schemeClr val="bg1"/>
+              </a:solidFill>
+            </a:endParaRPr>
+          </a:p>
+          <a:p>
+            <a:pPr algn="ctr"/>
+            <a:r>
+              <a:rPr lang="en-GB" sz="4000" dirty="0" smtClean="0">
+                <a:solidFill>
+                  <a:schemeClr val="bg1"/>
+                </a:solidFill>
+              </a:rPr>
+              <a:t>Supervisors:</a:t>
+            </a:r>
+          </a:p>
+          <a:p>
+            <a:pPr algn="ctr"/>
+            <a:r>
+              <a:rPr lang="sv-SE" sz="4000" b="1" dirty="0">
+                <a:solidFill>
+                  <a:schemeClr val="bg1"/>
+                </a:solidFill>
+              </a:rPr>
+              <a:t>Joakim </a:t>
+            </a:r>
+            <a:r>
+              <a:rPr lang="sv-SE" sz="4000" b="1" dirty="0" smtClean="0">
+                <a:solidFill>
+                  <a:schemeClr val="bg1"/>
+                </a:solidFill>
+              </a:rPr>
+              <a:t>Lindblad </a:t>
+            </a:r>
+            <a:r>
+              <a:rPr lang="sv-SE" sz="4000" b="1" dirty="0">
+                <a:solidFill>
+                  <a:schemeClr val="bg1"/>
+                </a:solidFill>
+              </a:rPr>
+              <a:t>Nataša Sladoje</a:t>
+            </a:r>
+            <a:endParaRPr lang="sv-SE" sz="4000" b="1" dirty="0" smtClean="0">
+              <a:solidFill>
+                <a:schemeClr val="bg1"/>
+              </a:solidFill>
+            </a:endParaRPr>
+          </a:p>
+          <a:p>
+            <a:pPr algn="ctr"/>
+            <a:endParaRPr lang="sv-SE" sz="1600" b="1" dirty="0">
+              <a:solidFill>
+                <a:schemeClr val="bg1"/>
+              </a:solidFill>
+            </a:endParaRPr>
+          </a:p>
+          <a:p>
+            <a:pPr algn="ctr"/>
+            <a:r>
+              <a:rPr lang="en-GB" sz="4000" dirty="0" smtClean="0">
+                <a:solidFill>
+                  <a:schemeClr val="bg1"/>
+                </a:solidFill>
+              </a:rPr>
+              <a:t>Centre for Image Analysis,</a:t>
+            </a:r>
+          </a:p>
+          <a:p>
+            <a:pPr algn="ctr"/>
+            <a:r>
+              <a:rPr lang="en-GB" sz="4000" dirty="0" smtClean="0">
+                <a:solidFill>
+                  <a:schemeClr val="bg1"/>
+                </a:solidFill>
+              </a:rPr>
+              <a:t>Department of Information Technology</a:t>
+            </a:r>
+          </a:p>
+          <a:p>
+            <a:pPr algn="ctr"/>
+            <a:endParaRPr lang="en-GB" sz="4000" dirty="0" smtClean="0">
+              <a:solidFill>
+                <a:schemeClr val="bg1"/>
+              </a:solidFill>
+            </a:endParaRPr>
+          </a:p>
+        </p:txBody>
+      </p:sp>
+      <p:pic>
+        <p:nvPicPr>
+          <p:cNvPr id="3" name="Picture 2"/>
+          <p:cNvPicPr>
+            <a:picLocks noChangeAspect="1"/>
+          </p:cNvPicPr>
+          <p:nvPr/>
+        </p:nvPicPr>
+        <p:blipFill>
+          <a:blip r:embed="rId2">
+            <a:extLst>
+              <a:ext uri="{28A0092B-C50C-407E-A947-70E740481C1C}">
+                <a14:useLocalDpi xmlns:a14="http://schemas.microsoft.com/office/drawing/2010/main" val="0"/>
+              </a:ext>
+            </a:extLst>
+          </a:blip>
+          <a:stretch>
+            <a:fillRect/>
+          </a:stretch>
+        </p:blipFill>
+        <p:spPr>
+          <a:xfrm>
+            <a:off x="6459133" y="5111949"/>
+            <a:ext cx="28030568" cy="15625736"/>
+          </a:xfrm>
+          <a:prstGeom prst="rect">
+            <a:avLst/>
+          </a:prstGeom>
+        </p:spPr>
+      </p:pic>
+      <p:sp>
+        <p:nvSpPr>
+          <p:cNvPr id="6" name="TextBox 5"/>
+          <p:cNvSpPr txBox="1"/>
+          <p:nvPr/>
+        </p:nvSpPr>
+        <p:spPr>
+          <a:xfrm>
+            <a:off x="11663165" y="21241741"/>
+            <a:ext cx="19010112" cy="3477875"/>
+          </a:xfrm>
+          <a:prstGeom prst="rect">
+            <a:avLst/>
+          </a:prstGeom>
+          <a:noFill/>
+        </p:spPr>
+        <p:txBody>
+          <a:bodyPr wrap="square" rtlCol="0">
+            <a:spAutoFit/>
+          </a:bodyPr>
+          <a:lstStyle/>
+          <a:p>
+            <a:pPr algn="ctr"/>
+            <a:r>
+              <a:rPr lang="sv-SE" sz="10000" b="1" dirty="0" smtClean="0"/>
+              <a:t>   Input: </a:t>
+            </a:r>
+            <a:r>
+              <a:rPr lang="sv-SE" sz="10000" b="1" dirty="0"/>
+              <a:t>40x40x64 </a:t>
+            </a:r>
+            <a:r>
+              <a:rPr lang="sv-SE" sz="10000" b="1" dirty="0" smtClean="0"/>
+              <a:t>tensor</a:t>
+            </a:r>
+          </a:p>
+          <a:p>
+            <a:pPr algn="ctr"/>
+            <a:r>
+              <a:rPr lang="sv-SE" sz="10000" b="1" dirty="0" smtClean="0"/>
+              <a:t>Output: 40x40x64 </a:t>
+            </a:r>
+            <a:r>
+              <a:rPr lang="sv-SE" sz="10000" b="1" dirty="0"/>
+              <a:t>tensor</a:t>
+            </a:r>
+          </a:p>
+        </p:txBody>
+      </p:sp>
+    </p:spTree>
+    <p:extLst>
+      <p:ext uri="{BB962C8B-B14F-4D97-AF65-F5344CB8AC3E}">
+        <p14:creationId xmlns:p14="http://schemas.microsoft.com/office/powerpoint/2010/main" val="3526428673"/>
+      </p:ext>
+    </p:extLst>
+  </p:cSld>
+  <p:clrMapOvr>
+    <a:masterClrMapping/>
+  </p:clrMapOvr>
+  <p:timing>
+    <p:tnLst>
+      <p:par>
+        <p:cTn id="1" dur="indefinite" restart="never" nodeType="tmRoot"/>
+      </p:par>
+    </p:tnLst>
+  </p:timing>
+</p:sld>
+</file>
+
+<file path=ppt/slides/slide11.xml><?xml version="1.0" encoding="utf-8"?>
+<p:sld xmlns:a="http://schemas.openxmlformats.org/drawingml/2006/main" xmlns:r="http://schemas.openxmlformats.org/officeDocument/2006/relationships" xmlns:p="http://schemas.openxmlformats.org/presentationml/2006/main">
+  <p:cSld>
+    <p:spTree>
+      <p:nvGrpSpPr>
+        <p:cNvPr id="1" name=""/>
+        <p:cNvGrpSpPr/>
+        <p:nvPr/>
+      </p:nvGrpSpPr>
+      <p:grpSpPr>
+        <a:xfrm>
+          <a:off x="0" y="0"/>
+          <a:ext cx="0" cy="0"/>
+          <a:chOff x="0" y="0"/>
+          <a:chExt cx="0" cy="0"/>
+        </a:xfrm>
+      </p:grpSpPr>
+      <p:sp>
+        <p:nvSpPr>
+          <p:cNvPr id="2" name="Title 1"/>
+          <p:cNvSpPr>
+            <a:spLocks noGrp="1"/>
+          </p:cNvSpPr>
+          <p:nvPr>
+            <p:ph type="title"/>
+          </p:nvPr>
+        </p:nvSpPr>
+        <p:spPr/>
+        <p:txBody>
+          <a:bodyPr/>
+          <a:lstStyle/>
+          <a:p>
+            <a:r>
+              <a:rPr lang="sv-SE" sz="14400" dirty="0" smtClean="0"/>
               <a:t>Model 2: Gate layer</a:t>
             </a:r>
-            <a:endParaRPr lang="en-GB" dirty="0"/>
+            <a:endParaRPr lang="en-GB" sz="14400" dirty="0"/>
           </a:p>
         </p:txBody>
       </p:sp>
@@ -5497,7 +5812,7 @@
 </p:sld>
 </file>
 
-<file path=ppt/slides/slide11.xml><?xml version="1.0" encoding="utf-8"?>
+<file path=ppt/slides/slide12.xml><?xml version="1.0" encoding="utf-8"?>
 <p:sld xmlns:a="http://schemas.openxmlformats.org/drawingml/2006/main" xmlns:r="http://schemas.openxmlformats.org/officeDocument/2006/relationships" xmlns:p="http://schemas.openxmlformats.org/presentationml/2006/main">
   <p:cSld>
     <p:spTree>
@@ -5530,10 +5845,10 @@
           <a:lstStyle/>
           <a:p>
             <a:r>
-              <a:rPr lang="sv-SE" dirty="0" smtClean="0"/>
+              <a:rPr lang="sv-SE" sz="14400" dirty="0" smtClean="0"/>
               <a:t>Model 2: Dense Layers</a:t>
             </a:r>
-            <a:endParaRPr lang="en-GB" dirty="0"/>
+            <a:endParaRPr lang="en-GB" sz="14400" dirty="0"/>
           </a:p>
         </p:txBody>
       </p:sp>
@@ -5624,7 +5939,7 @@
 </p:sld>
 </file>
 
-<file path=ppt/slides/slide12.xml><?xml version="1.0" encoding="utf-8"?>
+<file path=ppt/slides/slide13.xml><?xml version="1.0" encoding="utf-8"?>
 <p:sld xmlns:a="http://schemas.openxmlformats.org/drawingml/2006/main" xmlns:r="http://schemas.openxmlformats.org/officeDocument/2006/relationships" xmlns:p="http://schemas.openxmlformats.org/presentationml/2006/main">
   <p:cSld>
     <p:spTree>
@@ -5657,6 +5972,126 @@
           <a:lstStyle/>
           <a:p>
             <a:r>
+              <a:rPr lang="en-GB" sz="14400" dirty="0" smtClean="0"/>
+              <a:t>Model 2: Li et al.</a:t>
+            </a:r>
+            <a:endParaRPr lang="en-GB" sz="14400" dirty="0"/>
+          </a:p>
+        </p:txBody>
+      </p:sp>
+      <p:sp>
+        <p:nvSpPr>
+          <p:cNvPr id="3" name="Content Placeholder 2"/>
+          <p:cNvSpPr>
+            <a:spLocks noGrp="1"/>
+          </p:cNvSpPr>
+          <p:nvPr>
+            <p:ph idx="1"/>
+          </p:nvPr>
+        </p:nvSpPr>
+        <p:spPr/>
+        <p:txBody>
+          <a:bodyPr/>
+          <a:lstStyle/>
+          <a:p>
+            <a:r>
+              <a:rPr lang="en-GB" dirty="0" smtClean="0"/>
+              <a:t>Pros:</a:t>
+            </a:r>
+          </a:p>
+          <a:p>
+            <a:pPr lvl="1"/>
+            <a:r>
+              <a:rPr lang="en-GB" dirty="0" smtClean="0"/>
+              <a:t>Closely linked to LBP theory</a:t>
+            </a:r>
+          </a:p>
+          <a:p>
+            <a:pPr lvl="1"/>
+            <a:r>
+              <a:rPr lang="en-GB" dirty="0" smtClean="0"/>
+              <a:t>Relatively shallow network saves computational time</a:t>
+            </a:r>
+          </a:p>
+          <a:p>
+            <a:pPr lvl="1"/>
+            <a:endParaRPr lang="en-GB" dirty="0"/>
+          </a:p>
+          <a:p>
+            <a:r>
+              <a:rPr lang="en-GB" dirty="0" smtClean="0"/>
+              <a:t>Cons:</a:t>
+            </a:r>
+          </a:p>
+          <a:p>
+            <a:pPr lvl="1"/>
+            <a:r>
+              <a:rPr lang="en-GB" dirty="0" smtClean="0"/>
+              <a:t>Single LBP extraction layer applied to CNN feature maps</a:t>
+            </a:r>
+          </a:p>
+          <a:p>
+            <a:pPr lvl="1"/>
+            <a:r>
+              <a:rPr lang="en-GB" dirty="0" smtClean="0"/>
+              <a:t>Classification based on histograms, discarding spatial information</a:t>
+            </a:r>
+          </a:p>
+        </p:txBody>
+      </p:sp>
+    </p:spTree>
+    <p:extLst>
+      <p:ext uri="{BB962C8B-B14F-4D97-AF65-F5344CB8AC3E}">
+        <p14:creationId xmlns:p14="http://schemas.microsoft.com/office/powerpoint/2010/main" val="4145819392"/>
+      </p:ext>
+    </p:extLst>
+  </p:cSld>
+  <p:clrMapOvr>
+    <a:masterClrMapping/>
+  </p:clrMapOvr>
+  <p:timing>
+    <p:tnLst>
+      <p:par>
+        <p:cTn id="1" dur="indefinite" restart="never" nodeType="tmRoot"/>
+      </p:par>
+    </p:tnLst>
+  </p:timing>
+</p:sld>
+</file>
+
+<file path=ppt/slides/slide14.xml><?xml version="1.0" encoding="utf-8"?>
+<p:sld xmlns:a="http://schemas.openxmlformats.org/drawingml/2006/main" xmlns:r="http://schemas.openxmlformats.org/officeDocument/2006/relationships" xmlns:p="http://schemas.openxmlformats.org/presentationml/2006/main">
+  <p:cSld>
+    <p:spTree>
+      <p:nvGrpSpPr>
+        <p:cNvPr id="1" name=""/>
+        <p:cNvGrpSpPr/>
+        <p:nvPr/>
+      </p:nvGrpSpPr>
+      <p:grpSpPr>
+        <a:xfrm>
+          <a:off x="0" y="0"/>
+          <a:ext cx="0" cy="0"/>
+          <a:chOff x="0" y="0"/>
+          <a:chExt cx="0" cy="0"/>
+        </a:xfrm>
+      </p:grpSpPr>
+      <p:sp>
+        <p:nvSpPr>
+          <p:cNvPr id="2" name="Title 1"/>
+          <p:cNvSpPr>
+            <a:spLocks noGrp="1"/>
+          </p:cNvSpPr>
+          <p:nvPr>
+            <p:ph type="title"/>
+          </p:nvPr>
+        </p:nvSpPr>
+        <p:spPr/>
+        <p:txBody>
+          <a:bodyPr/>
+          <a:lstStyle/>
+          <a:p>
+            <a:r>
               <a:rPr lang="sv-SE" sz="14400" dirty="0" smtClean="0"/>
               <a:t>Model 3: Marcos et al.</a:t>
             </a:r>
@@ -5685,8 +6120,16 @@
           <a:lstStyle/>
           <a:p>
             <a:r>
+              <a:rPr lang="sv-SE" sz="8800" dirty="0" err="1" smtClean="0"/>
+              <a:t>Rotationally</a:t>
+            </a:r>
+            <a:r>
+              <a:rPr lang="sv-SE" sz="8800" dirty="0" smtClean="0"/>
+              <a:t> </a:t>
+            </a:r>
+            <a:r>
               <a:rPr lang="sv-SE" sz="8800" dirty="0"/>
-              <a:t>Developed rotationally invariant filters with vector field outputs</a:t>
+              <a:t>invariant filters with vector field outputs</a:t>
             </a:r>
           </a:p>
           <a:p>
@@ -5983,7 +6426,7 @@
 </p:sld>
 </file>
 
-<file path=ppt/slides/slide13.xml><?xml version="1.0" encoding="utf-8"?>
+<file path=ppt/slides/slide15.xml><?xml version="1.0" encoding="utf-8"?>
 <p:sld xmlns:a="http://schemas.openxmlformats.org/drawingml/2006/main" xmlns:r="http://schemas.openxmlformats.org/officeDocument/2006/relationships" xmlns:p="http://schemas.openxmlformats.org/presentationml/2006/main">
   <p:cSld>
     <p:spTree>
@@ -6044,54 +6487,56 @@
           <a:lstStyle/>
           <a:p>
             <a:r>
-              <a:rPr lang="sv-SE" sz="9500" dirty="0" smtClean="0"/>
+              <a:rPr lang="sv-SE" dirty="0" smtClean="0"/>
               <a:t>Pros:</a:t>
             </a:r>
           </a:p>
           <a:p>
             <a:pPr lvl="1"/>
             <a:r>
-              <a:rPr lang="sv-SE" sz="8800"/>
-              <a:t>Rotationally </a:t>
-            </a:r>
-            <a:r>
-              <a:rPr lang="sv-SE" sz="8800" smtClean="0"/>
+              <a:rPr lang="sv-SE" dirty="0" err="1"/>
+              <a:t>Rotationally</a:t>
+            </a:r>
+            <a:r>
+              <a:rPr lang="sv-SE" dirty="0"/>
+              <a:t> </a:t>
+            </a:r>
+            <a:r>
+              <a:rPr lang="sv-SE" dirty="0" smtClean="0"/>
               <a:t>invariant</a:t>
             </a:r>
-            <a:endParaRPr lang="sv-SE" sz="8300" dirty="0" smtClean="0"/>
           </a:p>
           <a:p>
             <a:pPr lvl="1"/>
             <a:r>
-              <a:rPr lang="sv-SE" sz="8000" dirty="0" smtClean="0"/>
+              <a:rPr lang="sv-SE" dirty="0" smtClean="0"/>
               <a:t>RotEqNet modules are modular, can be used in any CNN architecture</a:t>
             </a:r>
           </a:p>
           <a:p>
             <a:pPr lvl="1"/>
             <a:r>
-              <a:rPr lang="sv-SE" sz="8000" dirty="0" smtClean="0"/>
+              <a:rPr lang="sv-SE" dirty="0" smtClean="0"/>
               <a:t>Fewer trainable paramaters compared to conventional CNN of the same size</a:t>
             </a:r>
-            <a:endParaRPr lang="sv-SE" sz="8000" dirty="0" smtClean="0"/>
-          </a:p>
-          <a:p>
-            <a:r>
-              <a:rPr lang="sv-SE" sz="9500" dirty="0" smtClean="0"/>
+          </a:p>
+          <a:p>
+            <a:r>
+              <a:rPr lang="sv-SE" dirty="0" smtClean="0"/>
               <a:t>Cons:</a:t>
             </a:r>
           </a:p>
           <a:p>
             <a:pPr lvl="1"/>
             <a:r>
-              <a:rPr lang="sv-SE" sz="8000" dirty="0" smtClean="0"/>
+              <a:rPr lang="sv-SE" dirty="0" smtClean="0"/>
               <a:t>Requires custom back-propagation, challenging to implement</a:t>
             </a:r>
           </a:p>
           <a:p>
             <a:pPr lvl="1"/>
             <a:r>
-              <a:rPr lang="sv-SE" sz="8000" dirty="0" smtClean="0"/>
+              <a:rPr lang="sv-SE" dirty="0" smtClean="0"/>
               <a:t>Prone to overfitting on our data </a:t>
             </a:r>
           </a:p>
@@ -6291,7 +6736,7 @@
 </p:sld>
 </file>
 
-<file path=ppt/slides/slide14.xml><?xml version="1.0" encoding="utf-8"?>
+<file path=ppt/slides/slide16.xml><?xml version="1.0" encoding="utf-8"?>
 <p:sld xmlns:a="http://schemas.openxmlformats.org/drawingml/2006/main" xmlns:r="http://schemas.openxmlformats.org/officeDocument/2006/relationships" xmlns:p="http://schemas.openxmlformats.org/presentationml/2006/main">
   <p:cSld>
     <p:spTree>
@@ -6711,7 +7156,7 @@
 </p:sld>
 </file>
 
-<file path=ppt/slides/slide15.xml><?xml version="1.0" encoding="utf-8"?>
+<file path=ppt/slides/slide17.xml><?xml version="1.0" encoding="utf-8"?>
 <p:sld xmlns:a="http://schemas.openxmlformats.org/drawingml/2006/main" xmlns:r="http://schemas.openxmlformats.org/officeDocument/2006/relationships" xmlns:p="http://schemas.openxmlformats.org/presentationml/2006/main">
   <p:cSld>
     <p:spTree>
@@ -7046,8 +7491,8 @@
         </p:nvSpPr>
         <p:spPr>
           <a:xfrm>
-            <a:off x="7140575" y="3959821"/>
-            <a:ext cx="27779663" cy="17640300"/>
+            <a:off x="6334573" y="3959821"/>
+            <a:ext cx="29019224" cy="17640300"/>
           </a:xfrm>
         </p:spPr>
         <p:txBody>
@@ -7152,8 +7597,8 @@
         </p:nvSpPr>
         <p:spPr>
           <a:xfrm>
-            <a:off x="5890251" y="18786376"/>
-            <a:ext cx="30097213" cy="5767733"/>
+            <a:off x="6262564" y="17938918"/>
+            <a:ext cx="29235249" cy="7183505"/>
           </a:xfrm>
           <a:prstGeom prst="rect">
             <a:avLst/>
@@ -7167,265 +7612,184 @@
           <a:lstStyle/>
           <a:p>
             <a:r>
-              <a:rPr lang="sv-SE" b="1" dirty="0" smtClean="0"/>
+              <a:rPr lang="sv-SE" sz="4800" b="1" dirty="0"/>
               <a:t>[1]</a:t>
             </a:r>
             <a:r>
-              <a:rPr lang="en-GB" dirty="0" smtClean="0"/>
+              <a:rPr lang="en-GB" sz="4800" b="1" dirty="0"/>
               <a:t>	</a:t>
             </a:r>
             <a:r>
-              <a:rPr lang="en-GB" dirty="0"/>
-              <a:t>F </a:t>
-            </a:r>
-            <a:r>
-              <a:rPr lang="en-GB" dirty="0" err="1"/>
+              <a:rPr lang="en-GB" sz="4800" dirty="0" err="1"/>
               <a:t>Juefei</a:t>
             </a:r>
             <a:r>
-              <a:rPr lang="en-GB" dirty="0"/>
-              <a:t>-Xu, V </a:t>
-            </a:r>
-            <a:r>
-              <a:rPr lang="en-GB" dirty="0" err="1"/>
+              <a:rPr lang="en-GB" sz="4800" dirty="0"/>
+              <a:t>-Xu, F., </a:t>
+            </a:r>
+            <a:r>
+              <a:rPr lang="en-GB" sz="4800" dirty="0" err="1"/>
               <a:t>Boddeti</a:t>
             </a:r>
             <a:r>
-              <a:rPr lang="en-GB" dirty="0"/>
-              <a:t>, M </a:t>
-            </a:r>
-            <a:r>
-              <a:rPr lang="en-GB" dirty="0" err="1"/>
+              <a:rPr lang="en-GB" sz="4800" dirty="0"/>
+              <a:t>, V. N., and </a:t>
+            </a:r>
+            <a:r>
+              <a:rPr lang="en-GB" sz="4800" dirty="0" err="1"/>
               <a:t>Savvides</a:t>
             </a:r>
             <a:r>
-              <a:rPr lang="en-GB" dirty="0"/>
-              <a:t>. Local binary convolutional neural networks. In </a:t>
-            </a:r>
-            <a:r>
-              <a:rPr lang="en-GB" i="1" dirty="0"/>
-              <a:t>CVPR,</a:t>
-            </a:r>
-            <a:r>
-              <a:rPr lang="en-GB" dirty="0"/>
-              <a:t> volume 1, 2017</a:t>
-            </a:r>
-            <a:r>
-              <a:rPr lang="en-GB" dirty="0" smtClean="0"/>
-              <a:t>.</a:t>
-            </a:r>
-          </a:p>
-          <a:p>
-            <a:endParaRPr lang="en-GB" sz="800" dirty="0" smtClean="0"/>
-          </a:p>
-          <a:p>
-            <a:r>
-              <a:rPr lang="sv-SE" b="1" dirty="0" smtClean="0"/>
+              <a:rPr lang="en-GB" sz="4800" dirty="0"/>
+              <a:t>, M.. Local binary convolutional neural networks. 	In </a:t>
+            </a:r>
+            <a:r>
+              <a:rPr lang="en-GB" sz="4800" i="1" dirty="0"/>
+              <a:t>CVPR</a:t>
+            </a:r>
+            <a:r>
+              <a:rPr lang="en-GB" sz="4800" dirty="0"/>
+              <a:t>, 	volume 1. IEEE, 2017.</a:t>
+            </a:r>
+          </a:p>
+          <a:p>
+            <a:r>
+              <a:rPr lang="sv-SE" sz="4800" b="1" dirty="0" smtClean="0"/>
+              <a:t>[2]	</a:t>
+            </a:r>
+            <a:r>
+              <a:rPr lang="en-GB" sz="4800" dirty="0" smtClean="0"/>
+              <a:t>Li, L., Feng X., Xia, Z., Jiang, X., and </a:t>
+            </a:r>
+            <a:r>
+              <a:rPr lang="en-GB" sz="4800" dirty="0" err="1" smtClean="0"/>
+              <a:t>Hadid</a:t>
+            </a:r>
+            <a:r>
+              <a:rPr lang="en-GB" sz="4800" dirty="0" smtClean="0"/>
+              <a:t>, A.. Face spoofing detection with local binary pattern 	network. 	</a:t>
+            </a:r>
+            <a:r>
+              <a:rPr lang="en-GB" sz="4800" i="1" dirty="0" smtClean="0"/>
+              <a:t>Journal of Visual Communication and Image Representation</a:t>
+            </a:r>
+            <a:r>
+              <a:rPr lang="en-GB" sz="4800" dirty="0" smtClean="0"/>
+              <a:t>, 54:182–192, 2018.</a:t>
+            </a:r>
+          </a:p>
+          <a:p>
+            <a:r>
+              <a:rPr lang="en-GB" sz="4800" b="1" dirty="0" smtClean="0"/>
               <a:t>[</a:t>
             </a:r>
             <a:r>
-              <a:rPr lang="sv-SE" b="1" dirty="0" smtClean="0"/>
-              <a:t>2]</a:t>
-            </a:r>
-            <a:r>
-              <a:rPr lang="sv-SE" dirty="0" smtClean="0"/>
-              <a:t>	</a:t>
-            </a:r>
-            <a:r>
-              <a:rPr lang="en-GB" dirty="0" smtClean="0"/>
-              <a:t>L </a:t>
-            </a:r>
-            <a:r>
-              <a:rPr lang="en-GB" dirty="0"/>
-              <a:t>Li, X Feng, Z Xia, X Jiang, A </a:t>
-            </a:r>
-            <a:r>
-              <a:rPr lang="en-GB" dirty="0" err="1"/>
-              <a:t>Hadid</a:t>
-            </a:r>
-            <a:r>
-              <a:rPr lang="en-GB" dirty="0"/>
-              <a:t>. Face spoofing detection with local binary pattern network. </a:t>
-            </a:r>
-            <a:r>
-              <a:rPr lang="en-GB" i="1" dirty="0"/>
-              <a:t>Journal of </a:t>
-            </a:r>
-            <a:r>
-              <a:rPr lang="en-GB" i="1" dirty="0" smtClean="0"/>
-              <a:t>	Visual </a:t>
-            </a:r>
-            <a:r>
-              <a:rPr lang="en-GB" i="1" dirty="0"/>
-              <a:t>Communication and Image Representation</a:t>
-            </a:r>
-            <a:r>
-              <a:rPr lang="en-GB" dirty="0"/>
-              <a:t>, 54:182–192, 2018</a:t>
-            </a:r>
-            <a:r>
-              <a:rPr lang="en-GB" dirty="0" smtClean="0"/>
-              <a:t>.</a:t>
-            </a:r>
-          </a:p>
-          <a:p>
-            <a:endParaRPr lang="en-GB" sz="400" dirty="0"/>
-          </a:p>
-          <a:p>
-            <a:r>
-              <a:rPr lang="en-GB" b="1" dirty="0" smtClean="0"/>
-              <a:t>[3] </a:t>
-            </a:r>
-            <a:r>
-              <a:rPr lang="en-GB" dirty="0"/>
-              <a:t>D Marcos, M </a:t>
-            </a:r>
-            <a:r>
-              <a:rPr lang="en-GB" dirty="0" err="1"/>
+              <a:rPr lang="en-GB" sz="4800" b="1" dirty="0"/>
+              <a:t>3</a:t>
+            </a:r>
+            <a:r>
+              <a:rPr lang="en-GB" sz="4800" dirty="0"/>
+              <a:t>] Marcos, M., </a:t>
+            </a:r>
+            <a:r>
+              <a:rPr lang="en-GB" sz="4800" dirty="0" err="1"/>
               <a:t>Volpi</a:t>
             </a:r>
             <a:r>
-              <a:rPr lang="en-GB" dirty="0"/>
-              <a:t>, N </a:t>
-            </a:r>
-            <a:r>
-              <a:rPr lang="en-GB" dirty="0" err="1"/>
+              <a:rPr lang="en-GB" sz="4800" dirty="0"/>
+              <a:t>, M., </a:t>
+            </a:r>
+            <a:r>
+              <a:rPr lang="en-GB" sz="4800" dirty="0" err="1"/>
               <a:t>Komodakis</a:t>
             </a:r>
             <a:r>
-              <a:rPr lang="en-GB" dirty="0"/>
-              <a:t>, D </a:t>
-            </a:r>
-            <a:r>
-              <a:rPr lang="en-GB" dirty="0" err="1"/>
+              <a:rPr lang="en-GB" sz="4800" dirty="0"/>
+              <a:t>, N., and </a:t>
+            </a:r>
+            <a:r>
+              <a:rPr lang="en-GB" sz="4800" dirty="0" err="1"/>
               <a:t>Tuia</a:t>
             </a:r>
             <a:r>
-              <a:rPr lang="en-GB" dirty="0"/>
-              <a:t>. Rotation </a:t>
-            </a:r>
-            <a:r>
-              <a:rPr lang="en-GB" dirty="0" err="1"/>
+              <a:rPr lang="en-GB" sz="4800" dirty="0"/>
+              <a:t>, D. Rotation </a:t>
+            </a:r>
+            <a:r>
+              <a:rPr lang="en-GB" sz="4800" dirty="0" err="1"/>
               <a:t>equivariant</a:t>
             </a:r>
             <a:r>
-              <a:rPr lang="en-GB" dirty="0"/>
-              <a:t> vector field networks. In </a:t>
-            </a:r>
-            <a:r>
-              <a:rPr lang="en-GB" i="1" dirty="0"/>
+              <a:rPr lang="en-GB" sz="4800" dirty="0"/>
+              <a:t> vector field networks.  In </a:t>
+            </a:r>
+            <a:r>
+              <a:rPr lang="en-GB" sz="4800" i="1" dirty="0"/>
               <a:t>ICCV</a:t>
             </a:r>
             <a:r>
-              <a:rPr lang="en-GB" dirty="0"/>
-              <a:t> , pages </a:t>
-            </a:r>
-            <a:r>
-              <a:rPr lang="en-GB" dirty="0" smtClean="0"/>
-              <a:t>	5058–	5067</a:t>
-            </a:r>
-            <a:r>
-              <a:rPr lang="en-GB" dirty="0"/>
-              <a:t>, 2017</a:t>
-            </a:r>
-            <a:r>
-              <a:rPr lang="en-GB" dirty="0" smtClean="0"/>
-              <a:t>.</a:t>
-            </a:r>
-          </a:p>
-          <a:p>
-            <a:endParaRPr lang="en-GB" sz="400" dirty="0"/>
-          </a:p>
-          <a:p>
-            <a:r>
-              <a:rPr lang="en-GB" b="1" dirty="0" smtClean="0"/>
-              <a:t>[</a:t>
-            </a:r>
-            <a:r>
-              <a:rPr lang="en-GB" b="1" dirty="0" smtClean="0"/>
-              <a:t>4] </a:t>
-            </a:r>
-            <a:r>
-              <a:rPr lang="en-GB" dirty="0"/>
-              <a:t>H </a:t>
-            </a:r>
-            <a:r>
-              <a:rPr lang="en-GB" dirty="0" err="1"/>
+              <a:rPr lang="en-GB" sz="4800" dirty="0"/>
+              <a:t>, 	pages 5058–5067, 2017.</a:t>
+            </a:r>
+          </a:p>
+          <a:p>
+            <a:r>
+              <a:rPr lang="en-GB" sz="4800" b="1" dirty="0"/>
+              <a:t>[4]</a:t>
+            </a:r>
+            <a:r>
+              <a:rPr lang="en-GB" sz="4800" dirty="0"/>
+              <a:t> </a:t>
+            </a:r>
+            <a:r>
+              <a:rPr lang="en-GB" sz="4800" dirty="0" err="1"/>
               <a:t>Wieslander</a:t>
             </a:r>
             <a:r>
-              <a:rPr lang="en-GB" dirty="0"/>
-              <a:t>, G </a:t>
-            </a:r>
-            <a:r>
-              <a:rPr lang="en-GB" dirty="0" err="1"/>
+              <a:rPr lang="en-GB" sz="4800" dirty="0"/>
+              <a:t>, H., </a:t>
+            </a:r>
+            <a:r>
+              <a:rPr lang="en-GB" sz="4800" dirty="0" err="1"/>
               <a:t>Forslid</a:t>
             </a:r>
             <a:r>
-              <a:rPr lang="en-GB" dirty="0"/>
-              <a:t>, E </a:t>
-            </a:r>
-            <a:r>
-              <a:rPr lang="en-GB" dirty="0" err="1"/>
+              <a:rPr lang="en-GB" sz="4800" dirty="0"/>
+              <a:t>, G., </a:t>
+            </a:r>
+            <a:r>
+              <a:rPr lang="en-GB" sz="4800" dirty="0" err="1"/>
               <a:t>Bengtsson</a:t>
             </a:r>
             <a:r>
-              <a:rPr lang="en-GB" dirty="0"/>
-              <a:t>, C </a:t>
-            </a:r>
-            <a:r>
-              <a:rPr lang="en-GB" dirty="0" err="1"/>
+              <a:rPr lang="en-GB" sz="4800" dirty="0"/>
+              <a:t>, E., </a:t>
+            </a:r>
+            <a:r>
+              <a:rPr lang="en-GB" sz="4800" dirty="0" err="1"/>
               <a:t>Wählby</a:t>
             </a:r>
             <a:r>
-              <a:rPr lang="en-GB" dirty="0"/>
-              <a:t>, J Hirsch, C </a:t>
-            </a:r>
-            <a:r>
-              <a:rPr lang="en-GB" dirty="0" err="1"/>
-              <a:t>Runow</a:t>
-            </a:r>
-            <a:r>
-              <a:rPr lang="en-GB" dirty="0"/>
-              <a:t> Stark, S </a:t>
-            </a:r>
-            <a:r>
-              <a:rPr lang="en-GB" dirty="0" err="1"/>
-              <a:t>Kecheril</a:t>
-            </a:r>
-            <a:r>
-              <a:rPr lang="en-GB" dirty="0"/>
-              <a:t> </a:t>
-            </a:r>
-            <a:r>
-              <a:rPr lang="en-GB" dirty="0" err="1"/>
+              <a:rPr lang="en-GB" sz="4800" dirty="0"/>
+              <a:t>, C., Hirsch, J.M., Stark, C.R. and </a:t>
+            </a:r>
+            <a:r>
+              <a:rPr lang="en-GB" sz="4800" dirty="0" err="1"/>
               <a:t>Sadanandan</a:t>
             </a:r>
             <a:r>
-              <a:rPr lang="en-GB" dirty="0"/>
-              <a:t>. Deep </a:t>
-            </a:r>
-            <a:r>
-              <a:rPr lang="en-GB" dirty="0" smtClean="0"/>
-              <a:t>	convolutional </a:t>
-            </a:r>
-            <a:r>
-              <a:rPr lang="en-GB" dirty="0"/>
-              <a:t>neural networks for detecting cellular changes due to malignancy. In </a:t>
-            </a:r>
-            <a:r>
-              <a:rPr lang="en-GB" i="1" dirty="0"/>
-              <a:t>CVPR</a:t>
-            </a:r>
-            <a:r>
-              <a:rPr lang="en-GB" dirty="0"/>
-              <a:t>, pages 82–89, </a:t>
-            </a:r>
-            <a:r>
-              <a:rPr lang="en-GB" dirty="0" smtClean="0"/>
-              <a:t>	2017.</a:t>
-            </a:r>
-            <a:endParaRPr lang="en-GB" dirty="0"/>
+              <a:rPr lang="en-GB" sz="4800" dirty="0"/>
+              <a:t>, S.K., 	July. Deep convolutional neural networks for detecting cellular changes due to malignancy. In </a:t>
+            </a:r>
+            <a:r>
+              <a:rPr lang="en-GB" sz="4800" i="1" dirty="0"/>
+              <a:t>ICCV, 	</a:t>
+            </a:r>
+            <a:r>
+              <a:rPr lang="en-GB" sz="4800" dirty="0"/>
+              <a:t>pages 82-89, 2017.</a:t>
+            </a:r>
+            <a:endParaRPr lang="en-GB" sz="4800" dirty="0"/>
           </a:p>
         </p:txBody>
       </p:sp>
@@ -7694,19 +8058,64 @@
           <a:p>
             <a:r>
               <a:rPr lang="sv-SE" sz="8800" dirty="0" smtClean="0"/>
-              <a:t>Individual cells isolated within samples taken from patients mouth</a:t>
-            </a:r>
-          </a:p>
-          <a:p>
+              <a:t>Three </a:t>
+            </a:r>
             <a:r>
               <a:rPr lang="sv-SE" sz="8800" dirty="0" smtClean="0"/>
-              <a:t>Three healthy patients, three with cancer</a:t>
-            </a:r>
-          </a:p>
-          <a:p>
+              <a:t>healthy patients, three with cancer</a:t>
+            </a:r>
+          </a:p>
+          <a:p>
+            <a:r>
+              <a:rPr lang="sv-SE" sz="8800" dirty="0" err="1"/>
+              <a:t>Individual</a:t>
+            </a:r>
+            <a:r>
+              <a:rPr lang="sv-SE" sz="8800" dirty="0"/>
+              <a:t> cells </a:t>
+            </a:r>
+            <a:r>
+              <a:rPr lang="sv-SE" sz="8800" dirty="0" err="1"/>
+              <a:t>isolated</a:t>
+            </a:r>
+            <a:r>
+              <a:rPr lang="sv-SE" sz="8800" dirty="0"/>
+              <a:t> </a:t>
+            </a:r>
+            <a:r>
+              <a:rPr lang="sv-SE" sz="8800" dirty="0" err="1"/>
+              <a:t>within</a:t>
+            </a:r>
+            <a:r>
+              <a:rPr lang="sv-SE" sz="8800" dirty="0"/>
+              <a:t> </a:t>
+            </a:r>
+            <a:r>
+              <a:rPr lang="sv-SE" sz="8800" dirty="0" err="1"/>
+              <a:t>samples</a:t>
+            </a:r>
+            <a:r>
+              <a:rPr lang="sv-SE" sz="8800" dirty="0"/>
+              <a:t> taken from patients </a:t>
+            </a:r>
+            <a:r>
+              <a:rPr lang="sv-SE" sz="8800" dirty="0" err="1"/>
+              <a:t>mouth</a:t>
+            </a:r>
+            <a:endParaRPr lang="sv-SE" sz="8800" dirty="0"/>
+          </a:p>
+          <a:p>
+            <a:r>
+              <a:rPr lang="sv-SE" sz="8800" dirty="0" err="1" smtClean="0"/>
+              <a:t>Ground</a:t>
+            </a:r>
             <a:r>
               <a:rPr lang="sv-SE" sz="8800" dirty="0" smtClean="0"/>
-              <a:t>Ground truth on patient level, not cell level</a:t>
+              <a:t> </a:t>
+            </a:r>
+            <a:r>
+              <a:rPr lang="sv-SE" sz="8800" dirty="0" smtClean="0"/>
+              <a:t>truth on patient level, not cell level</a:t>
             </a:r>
             <a:endParaRPr lang="en-GB" sz="8800" dirty="0"/>
           </a:p>
@@ -7735,7 +8144,7 @@
         </p:blipFill>
         <p:spPr bwMode="auto">
           <a:xfrm>
-            <a:off x="8198002" y="18276284"/>
+            <a:off x="8301561" y="17988252"/>
             <a:ext cx="4873771" cy="4908037"/>
           </a:xfrm>
           <a:prstGeom prst="rect">
@@ -7776,7 +8185,7 @@
         </p:blipFill>
         <p:spPr bwMode="auto">
           <a:xfrm>
-            <a:off x="13647838" y="18254671"/>
+            <a:off x="13751397" y="17966639"/>
             <a:ext cx="4873771" cy="4905322"/>
           </a:xfrm>
           <a:prstGeom prst="rect">
@@ -7817,7 +8226,7 @@
         </p:blipFill>
         <p:spPr bwMode="auto">
           <a:xfrm>
-            <a:off x="8141429" y="12761678"/>
+            <a:off x="8244988" y="12473646"/>
             <a:ext cx="4905322" cy="5021884"/>
           </a:xfrm>
           <a:prstGeom prst="rect">
@@ -7843,7 +8252,7 @@
         </p:nvSpPr>
         <p:spPr>
           <a:xfrm>
-            <a:off x="8141429" y="23528574"/>
+            <a:off x="8244988" y="23240542"/>
             <a:ext cx="10411732" cy="1169551"/>
           </a:xfrm>
           <a:prstGeom prst="rect">
@@ -7889,7 +8298,7 @@
         </p:blipFill>
         <p:spPr bwMode="auto">
           <a:xfrm>
-            <a:off x="21886708" y="12761678"/>
+            <a:off x="21990267" y="12473646"/>
             <a:ext cx="4905322" cy="4997556"/>
           </a:xfrm>
           <a:prstGeom prst="rect">
@@ -7930,7 +8339,7 @@
         </p:blipFill>
         <p:spPr bwMode="auto">
           <a:xfrm>
-            <a:off x="27257350" y="18167114"/>
+            <a:off x="27360909" y="17879082"/>
             <a:ext cx="4968552" cy="4968552"/>
           </a:xfrm>
           <a:prstGeom prst="rect">
@@ -7971,7 +8380,7 @@
         </p:blipFill>
         <p:spPr bwMode="auto">
           <a:xfrm>
-            <a:off x="21886708" y="18208730"/>
+            <a:off x="21990267" y="17920698"/>
             <a:ext cx="4896544" cy="4896544"/>
           </a:xfrm>
           <a:prstGeom prst="rect">
@@ -8012,7 +8421,7 @@
         </p:blipFill>
         <p:spPr bwMode="auto">
           <a:xfrm>
-            <a:off x="13647838" y="12761678"/>
+            <a:off x="13751397" y="12473646"/>
             <a:ext cx="4905322" cy="5021885"/>
           </a:xfrm>
           <a:prstGeom prst="rect">
@@ -8038,7 +8447,7 @@
         </p:nvSpPr>
         <p:spPr>
           <a:xfrm>
-            <a:off x="21886708" y="23504246"/>
+            <a:off x="21990267" y="23216214"/>
             <a:ext cx="9979154" cy="1169551"/>
           </a:xfrm>
           <a:prstGeom prst="rect">
@@ -8084,7 +8493,7 @@
         </p:blipFill>
         <p:spPr bwMode="auto">
           <a:xfrm>
-            <a:off x="27228344" y="12761678"/>
+            <a:off x="27331903" y="12473646"/>
             <a:ext cx="4997557" cy="4997557"/>
           </a:xfrm>
           <a:prstGeom prst="rect">
@@ -8367,11 +8776,7 @@
           <a:p>
             <a:r>
               <a:rPr lang="sv-SE" dirty="0" smtClean="0"/>
-              <a:t>Rotationally invariant thresholding </a:t>
-            </a:r>
-            <a:r>
-              <a:rPr lang="sv-SE" dirty="0" smtClean="0"/>
-              <a:t>filters</a:t>
+              <a:t>Rotationally invariant thresholding filters</a:t>
             </a:r>
           </a:p>
           <a:p>
@@ -8391,8 +8796,8 @@
         </p:nvSpPr>
         <p:spPr>
           <a:xfrm>
-            <a:off x="5830517" y="21313749"/>
-            <a:ext cx="29595288" cy="2554545"/>
+            <a:off x="5830517" y="21968786"/>
+            <a:ext cx="29595288" cy="2585323"/>
           </a:xfrm>
           <a:prstGeom prst="rect">
             <a:avLst/>
@@ -8406,63 +8811,70 @@
           <a:lstStyle/>
           <a:p>
             <a:r>
-              <a:rPr lang="fi-FI" sz="5000" b="1" dirty="0" smtClean="0"/>
-              <a:t>[1]   </a:t>
-            </a:r>
-            <a:r>
-              <a:rPr lang="fi-FI" sz="5000" dirty="0" smtClean="0"/>
-              <a:t>Timo </a:t>
-            </a:r>
-            <a:r>
-              <a:rPr lang="fi-FI" sz="5000" dirty="0"/>
-              <a:t>Ojala, Matti Pietikainen, and Topi Maenpaa. </a:t>
-            </a:r>
-            <a:r>
-              <a:rPr lang="fi-FI" sz="5000" i="1" dirty="0" smtClean="0"/>
-              <a:t>Multiresolution </a:t>
-            </a:r>
-            <a:r>
-              <a:rPr lang="en-GB" sz="5000" i="1" dirty="0" smtClean="0"/>
-              <a:t>gray-scale </a:t>
-            </a:r>
-            <a:r>
-              <a:rPr lang="en-GB" sz="5000" i="1" dirty="0"/>
-              <a:t>and rotation invariant </a:t>
-            </a:r>
-            <a:r>
-              <a:rPr lang="en-GB" sz="5000" i="1" dirty="0" smtClean="0"/>
-              <a:t>	 </a:t>
-            </a:r>
-            <a:r>
-              <a:rPr lang="en-GB" sz="5000" i="1" dirty="0" smtClean="0"/>
-              <a:t>         	texture </a:t>
-            </a:r>
-            <a:r>
-              <a:rPr lang="en-GB" sz="5000" i="1" dirty="0"/>
-              <a:t>classification with local </a:t>
-            </a:r>
-            <a:r>
-              <a:rPr lang="en-GB" sz="5000" i="1" dirty="0" smtClean="0"/>
-              <a:t>binary patterns</a:t>
-            </a:r>
-            <a:r>
-              <a:rPr lang="en-GB" sz="5000" dirty="0"/>
-              <a:t>. IEEE Transactions on pattern analysis and machine</a:t>
-            </a:r>
-          </a:p>
-          <a:p>
-            <a:r>
-              <a:rPr lang="en-GB" sz="5000" dirty="0" smtClean="0"/>
-              <a:t>	</a:t>
-            </a:r>
-            <a:r>
-              <a:rPr lang="en-GB" sz="5000" dirty="0" smtClean="0"/>
+              <a:rPr lang="fi-FI" sz="5400" b="1" dirty="0"/>
+              <a:t>[1] </a:t>
+            </a:r>
+            <a:r>
+              <a:rPr lang="fi-FI" sz="5400" dirty="0"/>
+              <a:t>Ojala, T., </a:t>
+            </a:r>
+            <a:r>
+              <a:rPr lang="fi-FI" sz="5400" dirty="0" err="1"/>
+              <a:t>Pietikainen</a:t>
+            </a:r>
+            <a:r>
+              <a:rPr lang="fi-FI" sz="5400" dirty="0"/>
+              <a:t>, M., and </a:t>
+            </a:r>
+            <a:r>
+              <a:rPr lang="fi-FI" sz="5400" dirty="0" err="1"/>
+              <a:t>Maenpaa</a:t>
+            </a:r>
+            <a:r>
+              <a:rPr lang="fi-FI" sz="5400" dirty="0"/>
+              <a:t>, T. </a:t>
+            </a:r>
+            <a:r>
+              <a:rPr lang="fi-FI" sz="5400" dirty="0" err="1"/>
+              <a:t>Multiresolution</a:t>
+            </a:r>
+            <a:r>
+              <a:rPr lang="fi-FI" sz="5400" dirty="0"/>
+              <a:t> </a:t>
+            </a:r>
+            <a:r>
+              <a:rPr lang="en-GB" sz="5400" dirty="0" err="1"/>
+              <a:t>gray</a:t>
+            </a:r>
+            <a:r>
+              <a:rPr lang="en-GB" sz="5400" dirty="0"/>
+              <a:t>-scale and rotation invariant </a:t>
+            </a:r>
+            <a:r>
+              <a:rPr lang="en-GB" sz="5400" dirty="0" smtClean="0"/>
+              <a:t>	texture </a:t>
+            </a:r>
+            <a:r>
+              <a:rPr lang="en-GB" sz="5400" dirty="0"/>
+              <a:t>classification with local binary patterns. </a:t>
+            </a:r>
+            <a:r>
+              <a:rPr lang="en-GB" sz="5400" i="1" dirty="0"/>
+              <a:t>IEEE Transactions on pattern analysis and </a:t>
+            </a:r>
+            <a:r>
+              <a:rPr lang="en-GB" sz="5400" i="1" dirty="0" smtClean="0"/>
+              <a:t>	machine </a:t>
+            </a:r>
+            <a:r>
+              <a:rPr lang="en-GB" sz="5400" i="1" dirty="0"/>
               <a:t>intelligence</a:t>
             </a:r>
             <a:r>
-              <a:rPr lang="en-GB" sz="5000" dirty="0"/>
+              <a:rPr lang="en-GB" sz="5400" dirty="0"/>
               <a:t>, 24(7):971–987, 2002.</a:t>
             </a:r>
+            <a:endParaRPr lang="en-GB" sz="5400" dirty="0"/>
           </a:p>
         </p:txBody>
       </p:sp>
@@ -9873,8 +10285,12 @@
                   <a:buChar char="•"/>
                 </a:pPr>
                 <a:r>
-                  <a:rPr lang="sv-SE" sz="9000" dirty="0" smtClean="0"/>
-                  <a:t>P uniformly spaced points</a:t>
+                  <a:rPr lang="en-GB" sz="9000" i="1" dirty="0" smtClean="0"/>
+                  <a:t>P</a:t>
+                </a:r>
+                <a:r>
+                  <a:rPr lang="en-GB" sz="9000" dirty="0" smtClean="0"/>
+                  <a:t> uniformly spaced points</a:t>
                 </a:r>
               </a:p>
               <a:p>
@@ -9883,9 +10299,18 @@
                   <a:buChar char="•"/>
                 </a:pPr>
                 <a:r>
-                  <a:rPr lang="sv-SE" sz="9000" dirty="0" smtClean="0"/>
-                  <a:t>Center pixel – threshold</a:t>
+                  <a:rPr lang="en-GB" sz="9000" dirty="0" err="1" smtClean="0"/>
+                  <a:t>Center</a:t>
                 </a:r>
+                <a:r>
+                  <a:rPr lang="en-GB" sz="9000" dirty="0" smtClean="0"/>
+                  <a:t> pixel – </a:t>
+                </a:r>
+                <a:r>
+                  <a:rPr lang="en-GB" sz="9000" dirty="0" smtClean="0"/>
+                  <a:t>threshold value</a:t>
+                </a:r>
+                <a:endParaRPr lang="en-GB" sz="9000" dirty="0" smtClean="0"/>
               </a:p>
               <a:p>
                 <a:pPr marL="857250" indent="-857250">
@@ -9893,7 +10318,7 @@
                   <a:buChar char="•"/>
                 </a:pPr>
                 <a:r>
-                  <a:rPr lang="sv-SE" sz="9000" dirty="0" smtClean="0"/>
+                  <a:rPr lang="en-GB" sz="9000" dirty="0" smtClean="0"/>
                   <a:t>Generates binary string</a:t>
                 </a:r>
               </a:p>
@@ -9903,19 +10328,23 @@
                   <a:buChar char="•"/>
                 </a:pPr>
                 <a:r>
-                  <a:rPr lang="sv-SE" sz="9000" dirty="0" smtClean="0"/>
-                  <a:t>Encoding:</a:t>
+                  <a:rPr lang="en-GB" sz="9000" dirty="0" smtClean="0"/>
+                  <a:t>Pattern encoding</a:t>
+                </a:r>
+                <a:r>
+                  <a:rPr lang="en-GB" sz="9000" dirty="0" smtClean="0"/>
+                  <a:t>:</a:t>
                 </a:r>
               </a:p>
               <a:p>
                 <a:r>
-                  <a:rPr lang="sv-SE" sz="1000" dirty="0" smtClean="0"/>
+                  <a:rPr lang="en-GB" sz="1000" dirty="0" smtClean="0"/>
                   <a:t>	</a:t>
                 </a:r>
               </a:p>
               <a:p>
                 <a:r>
-                  <a:rPr lang="sv-SE" sz="8000" dirty="0" smtClean="0"/>
+                  <a:rPr lang="en-GB" sz="8000" dirty="0" smtClean="0"/>
                   <a:t> </a:t>
                 </a:r>
                 <a14:m>
@@ -9923,14 +10352,14 @@
                     <m:sSub>
                       <m:sSubPr>
                         <m:ctrlPr>
-                          <a:rPr lang="sv-SE" sz="9000" b="0" i="1" smtClean="0">
+                          <a:rPr lang="en-GB" sz="9000" b="0" i="1" smtClean="0">
                             <a:latin typeface="Cambria Math"/>
                           </a:rPr>
                         </m:ctrlPr>
                       </m:sSubPr>
                       <m:e>
                         <m:r>
-                          <a:rPr lang="sv-SE" sz="9000" i="1">
+                          <a:rPr lang="en-GB" sz="9000" i="1">
                             <a:latin typeface="Cambria Math"/>
                           </a:rPr>
                           <m:t>𝐿𝐵𝑃</m:t>
@@ -9938,19 +10367,19 @@
                       </m:e>
                       <m:sub>
                         <m:r>
-                          <a:rPr lang="sv-SE" sz="9000" b="0" i="1" smtClean="0">
+                          <a:rPr lang="en-GB" sz="9000" b="0" i="1" smtClean="0">
                             <a:latin typeface="Cambria Math"/>
                           </a:rPr>
                           <m:t>𝑃</m:t>
                         </m:r>
                         <m:r>
-                          <a:rPr lang="sv-SE" sz="9000" b="0" i="1" smtClean="0">
+                          <a:rPr lang="en-GB" sz="9000" b="0" i="1" smtClean="0">
                             <a:latin typeface="Cambria Math"/>
                           </a:rPr>
                           <m:t>,</m:t>
                         </m:r>
                         <m:r>
-                          <a:rPr lang="sv-SE" sz="9000" b="0" i="1" smtClean="0">
+                          <a:rPr lang="en-GB" sz="9000" b="0" i="1" smtClean="0">
                             <a:latin typeface="Cambria Math"/>
                           </a:rPr>
                           <m:t>𝑅</m:t>
@@ -9958,7 +10387,7 @@
                       </m:sub>
                     </m:sSub>
                     <m:r>
-                      <a:rPr lang="sv-SE" sz="9000" b="0" i="1" smtClean="0">
+                      <a:rPr lang="en-GB" sz="9000" b="0" i="1" smtClean="0">
                         <a:latin typeface="Cambria Math"/>
                       </a:rPr>
                       <m:t>= </m:t>
@@ -9967,7 +10396,7 @@
                       <m:naryPr>
                         <m:chr m:val="∑"/>
                         <m:ctrlPr>
-                          <a:rPr lang="sv-SE" sz="9000" b="0" i="1" smtClean="0">
+                          <a:rPr lang="en-GB" sz="9000" b="0" i="1" smtClean="0">
                             <a:latin typeface="Cambria Math"/>
                           </a:rPr>
                         </m:ctrlPr>
@@ -9977,13 +10406,13 @@
                           <m:rPr>
                             <m:brk m:alnAt="23"/>
                           </m:rPr>
-                          <a:rPr lang="sv-SE" sz="9000" b="0" i="1" smtClean="0">
+                          <a:rPr lang="en-GB" sz="9000" b="0" i="1" smtClean="0">
                             <a:latin typeface="Cambria Math"/>
                           </a:rPr>
                           <m:t>𝑝</m:t>
                         </m:r>
                         <m:r>
-                          <a:rPr lang="sv-SE" sz="9000" b="0" i="1" smtClean="0">
+                          <a:rPr lang="en-GB" sz="9000" b="0" i="1" smtClean="0">
                             <a:latin typeface="Cambria Math"/>
                           </a:rPr>
                           <m:t>=0</m:t>
@@ -9991,13 +10420,13 @@
                       </m:sub>
                       <m:sup>
                         <m:r>
-                          <a:rPr lang="sv-SE" sz="9000" b="0" i="1" smtClean="0">
+                          <a:rPr lang="en-GB" sz="9000" b="0" i="1" smtClean="0">
                             <a:latin typeface="Cambria Math"/>
                           </a:rPr>
                           <m:t>𝑃</m:t>
                         </m:r>
                         <m:r>
-                          <a:rPr lang="sv-SE" sz="9000" b="0" i="1" smtClean="0">
+                          <a:rPr lang="en-GB" sz="9000" b="0" i="1" smtClean="0">
                             <a:latin typeface="Cambria Math"/>
                           </a:rPr>
                           <m:t>−1</m:t>
@@ -10005,19 +10434,19 @@
                       </m:sup>
                       <m:e>
                         <m:r>
-                          <a:rPr lang="sv-SE" sz="9000" b="0" i="1" smtClean="0">
+                          <a:rPr lang="en-GB" sz="9000" b="0" i="1" smtClean="0">
                             <a:latin typeface="Cambria Math"/>
                           </a:rPr>
                           <m:t> </m:t>
                         </m:r>
                         <m:r>
-                          <a:rPr lang="sv-SE" sz="9000" b="0" i="1" smtClean="0">
+                          <a:rPr lang="en-GB" sz="9000" b="0" i="1" smtClean="0">
                             <a:latin typeface="Cambria Math"/>
                           </a:rPr>
                           <m:t>𝑠</m:t>
                         </m:r>
                         <m:r>
-                          <a:rPr lang="sv-SE" sz="9000" b="0" i="1" smtClean="0">
+                          <a:rPr lang="en-GB" sz="9000" b="0" i="1" smtClean="0">
                             <a:latin typeface="Cambria Math"/>
                           </a:rPr>
                           <m:t>(</m:t>
@@ -10025,14 +10454,14 @@
                         <m:sSub>
                           <m:sSubPr>
                             <m:ctrlPr>
-                              <a:rPr lang="sv-SE" sz="9000" b="0" i="1" smtClean="0">
+                              <a:rPr lang="en-GB" sz="9000" b="0" i="1" smtClean="0">
                                 <a:latin typeface="Cambria Math"/>
                               </a:rPr>
                             </m:ctrlPr>
                           </m:sSubPr>
                           <m:e>
                             <m:r>
-                              <a:rPr lang="sv-SE" sz="9000" b="0" i="1" smtClean="0">
+                              <a:rPr lang="en-GB" sz="9000" b="0" i="1" smtClean="0">
                                 <a:latin typeface="Cambria Math"/>
                               </a:rPr>
                               <m:t>𝑔</m:t>
@@ -10040,7 +10469,7 @@
                           </m:e>
                           <m:sub>
                             <m:r>
-                              <a:rPr lang="sv-SE" sz="9000" b="0" i="1" smtClean="0">
+                              <a:rPr lang="en-GB" sz="9000" b="0" i="1" smtClean="0">
                                 <a:latin typeface="Cambria Math"/>
                               </a:rPr>
                               <m:t>𝑝</m:t>
@@ -10048,7 +10477,7 @@
                           </m:sub>
                         </m:sSub>
                         <m:r>
-                          <a:rPr lang="sv-SE" sz="9000" b="0" i="1" smtClean="0">
+                          <a:rPr lang="en-GB" sz="9000" b="0" i="1" smtClean="0">
                             <a:latin typeface="Cambria Math"/>
                           </a:rPr>
                           <m:t>−</m:t>
@@ -10056,14 +10485,14 @@
                         <m:sSub>
                           <m:sSubPr>
                             <m:ctrlPr>
-                              <a:rPr lang="sv-SE" sz="9000" b="0" i="1" smtClean="0">
+                              <a:rPr lang="en-GB" sz="9000" b="0" i="1" smtClean="0">
                                 <a:latin typeface="Cambria Math"/>
                               </a:rPr>
                             </m:ctrlPr>
                           </m:sSubPr>
                           <m:e>
                             <m:r>
-                              <a:rPr lang="sv-SE" sz="9000" b="0" i="1" smtClean="0">
+                              <a:rPr lang="en-GB" sz="9000" b="0" i="1" smtClean="0">
                                 <a:latin typeface="Cambria Math"/>
                               </a:rPr>
                               <m:t>𝑔</m:t>
@@ -10071,7 +10500,7 @@
                           </m:e>
                           <m:sub>
                             <m:r>
-                              <a:rPr lang="sv-SE" sz="9000" b="0" i="1" smtClean="0">
+                              <a:rPr lang="en-GB" sz="9000" b="0" i="1" smtClean="0">
                                 <a:latin typeface="Cambria Math"/>
                               </a:rPr>
                               <m:t>𝑐</m:t>
@@ -10079,7 +10508,7 @@
                           </m:sub>
                         </m:sSub>
                         <m:r>
-                          <a:rPr lang="sv-SE" sz="9000" b="0" i="1" smtClean="0">
+                          <a:rPr lang="en-GB" sz="9000" b="0" i="1" smtClean="0">
                             <a:latin typeface="Cambria Math"/>
                           </a:rPr>
                           <m:t>)</m:t>
@@ -10087,14 +10516,14 @@
                         <m:sSup>
                           <m:sSupPr>
                             <m:ctrlPr>
-                              <a:rPr lang="sv-SE" sz="9000" b="0" i="1" smtClean="0">
+                              <a:rPr lang="en-GB" sz="9000" b="0" i="1" smtClean="0">
                                 <a:latin typeface="Cambria Math"/>
                               </a:rPr>
                             </m:ctrlPr>
                           </m:sSupPr>
                           <m:e>
                             <m:r>
-                              <a:rPr lang="sv-SE" sz="9000" b="0" i="1" smtClean="0">
+                              <a:rPr lang="en-GB" sz="9000" b="0" i="1" smtClean="0">
                                 <a:latin typeface="Cambria Math"/>
                               </a:rPr>
                               <m:t>2</m:t>
@@ -10102,7 +10531,7 @@
                           </m:e>
                           <m:sup>
                             <m:r>
-                              <a:rPr lang="sv-SE" sz="9000" b="0" i="1" smtClean="0">
+                              <a:rPr lang="en-GB" sz="9000" b="0" i="1" smtClean="0">
                                 <a:latin typeface="Cambria Math"/>
                               </a:rPr>
                               <m:t>𝑝</m:t>
@@ -10113,43 +10542,68 @@
                     </m:nary>
                   </m:oMath>
                 </a14:m>
-                <a:endParaRPr lang="sv-SE" sz="9000" b="0" dirty="0" smtClean="0"/>
+                <a:endParaRPr lang="en-GB" sz="9000" b="0" dirty="0" smtClean="0"/>
               </a:p>
               <a:p>
-                <a:endParaRPr lang="sv-SE" sz="2400" dirty="0" smtClean="0"/>
+                <a:endParaRPr lang="en-GB" sz="2400" dirty="0" smtClean="0"/>
               </a:p>
               <a:p>
                 <a:r>
-                  <a:rPr lang="sv-SE" sz="6500" dirty="0" smtClean="0"/>
-                  <a:t>P = Number of points</a:t>
+                  <a:rPr lang="en-GB" sz="6500" i="1" dirty="0" smtClean="0"/>
+                  <a:t>	P</a:t>
+                </a:r>
+                <a:r>
+                  <a:rPr lang="en-GB" sz="6500" dirty="0" smtClean="0"/>
+                  <a:t>      	=  Number </a:t>
+                </a:r>
+                <a:r>
+                  <a:rPr lang="en-GB" sz="6500" dirty="0" smtClean="0"/>
+                  <a:t>of points</a:t>
                 </a:r>
               </a:p>
               <a:p>
                 <a:r>
-                  <a:rPr lang="sv-SE" sz="6500" dirty="0" smtClean="0"/>
-                  <a:t>R= Radius</a:t>
+                  <a:rPr lang="en-GB" sz="6500" i="1" dirty="0" smtClean="0"/>
+                  <a:t>	R    		</a:t>
+                </a:r>
+                <a:r>
+                  <a:rPr lang="en-GB" sz="6500" dirty="0" smtClean="0"/>
+                  <a:t>=  Radius</a:t>
+                </a:r>
+                <a:endParaRPr lang="en-GB" sz="6500" dirty="0" smtClean="0"/>
+              </a:p>
+              <a:p>
+                <a:r>
+                  <a:rPr lang="en-GB" sz="6500" i="1" dirty="0" smtClean="0"/>
+                  <a:t>	s</a:t>
+                </a:r>
+                <a:r>
+                  <a:rPr lang="en-GB" sz="6500" dirty="0" smtClean="0"/>
+                  <a:t>        	=  Binary </a:t>
+                </a:r>
+                <a:r>
+                  <a:rPr lang="en-GB" sz="6500" dirty="0" smtClean="0"/>
+                  <a:t>thresholding function</a:t>
                 </a:r>
               </a:p>
               <a:p>
                 <a:r>
-                  <a:rPr lang="sv-SE" sz="6500" dirty="0" smtClean="0"/>
-                  <a:t>s = binary thresholding function</a:t>
+                  <a:rPr lang="en-GB" sz="6500" dirty="0" smtClean="0"/>
+                  <a:t>	</a:t>
                 </a:r>
-              </a:p>
-              <a:p>
                 <a14:m>
                   <m:oMath xmlns:m="http://schemas.openxmlformats.org/officeDocument/2006/math">
                     <m:sSub>
                       <m:sSubPr>
                         <m:ctrlPr>
-                          <a:rPr lang="sv-SE" sz="6500" i="1" smtClean="0">
+                          <a:rPr lang="en-GB" sz="6500" i="1" smtClean="0">
                             <a:latin typeface="Cambria Math"/>
                           </a:rPr>
                         </m:ctrlPr>
                       </m:sSubPr>
                       <m:e>
                         <m:r>
-                          <a:rPr lang="sv-SE" sz="6500" b="0" i="1" smtClean="0">
+                          <a:rPr lang="en-GB" sz="6500" b="0" i="1" smtClean="0">
                             <a:latin typeface="Cambria Math"/>
                           </a:rPr>
                           <m:t>𝑔</m:t>
@@ -10157,13 +10611,13 @@
                       </m:e>
                       <m:sub>
                         <m:r>
-                          <a:rPr lang="sv-SE" sz="6500" b="0" i="1" smtClean="0">
+                          <a:rPr lang="en-GB" sz="6500" b="0" i="1" smtClean="0">
                             <a:latin typeface="Cambria Math"/>
                           </a:rPr>
                           <m:t>𝑝</m:t>
                         </m:r>
                         <m:r>
-                          <a:rPr lang="sv-SE" sz="6500" b="0" i="1" smtClean="0">
+                          <a:rPr lang="en-GB" sz="6500" b="0" i="1" smtClean="0">
                             <a:latin typeface="Cambria Math"/>
                           </a:rPr>
                           <m:t> </m:t>
@@ -10171,7 +10625,7 @@
                       </m:sub>
                     </m:sSub>
                     <m:r>
-                      <a:rPr lang="sv-SE" sz="6500" b="0" i="1" smtClean="0">
+                      <a:rPr lang="en-GB" sz="6500" b="0" i="1" smtClean="0">
                         <a:latin typeface="Cambria Math"/>
                       </a:rPr>
                       <m:t>, </m:t>
@@ -10179,14 +10633,14 @@
                     <m:sSub>
                       <m:sSubPr>
                         <m:ctrlPr>
-                          <a:rPr lang="sv-SE" sz="6500" b="0" i="1" smtClean="0">
+                          <a:rPr lang="en-GB" sz="6500" b="0" i="1" smtClean="0">
                             <a:latin typeface="Cambria Math"/>
                           </a:rPr>
                         </m:ctrlPr>
                       </m:sSubPr>
                       <m:e>
                         <m:r>
-                          <a:rPr lang="sv-SE" sz="6500" b="0" i="1" smtClean="0">
+                          <a:rPr lang="en-GB" sz="6500" b="0" i="1" smtClean="0">
                             <a:latin typeface="Cambria Math"/>
                           </a:rPr>
                           <m:t>𝑔</m:t>
@@ -10194,7 +10648,7 @@
                       </m:e>
                       <m:sub>
                         <m:r>
-                          <a:rPr lang="sv-SE" sz="6500" b="0" i="1" smtClean="0">
+                          <a:rPr lang="en-GB" sz="6500" b="0" i="1" smtClean="0">
                             <a:latin typeface="Cambria Math"/>
                           </a:rPr>
                           <m:t>𝑐</m:t>
@@ -10204,17 +10658,29 @@
                   </m:oMath>
                 </a14:m>
                 <a:r>
-                  <a:rPr lang="sv-SE" sz="6500" dirty="0" smtClean="0"/>
-                  <a:t> = intensity values</a:t>
+                  <a:rPr lang="en-GB" sz="6500" dirty="0" smtClean="0"/>
+                  <a:t> </a:t>
+                </a:r>
+                <a:r>
+                  <a:rPr lang="en-GB" sz="6500" dirty="0"/>
+                  <a:t>	</a:t>
+                </a:r>
+                <a:r>
+                  <a:rPr lang="en-GB" sz="6500" dirty="0" smtClean="0"/>
+                  <a:t>= 	Intensity </a:t>
+                </a:r>
+                <a:r>
+                  <a:rPr lang="en-GB" sz="6500" dirty="0" smtClean="0"/>
+                  <a:t>values</a:t>
                 </a:r>
               </a:p>
               <a:p>
                 <a:r>
-                  <a:rPr lang="sv-SE" sz="8000" dirty="0"/>
+                  <a:rPr lang="en-GB" sz="8000" dirty="0"/>
                   <a:t> </a:t>
                 </a:r>
                 <a:r>
-                  <a:rPr lang="sv-SE" sz="8000" dirty="0" smtClean="0"/>
+                  <a:rPr lang="en-GB" sz="8000" dirty="0" smtClean="0"/>
                   <a:t> </a:t>
                 </a:r>
                 <a:endParaRPr lang="en-GB" sz="8000" dirty="0"/>
@@ -10242,7 +10708,7 @@
               <a:blipFill rotWithShape="1">
                 <a:blip r:embed="rId3"/>
                 <a:stretch>
-                  <a:fillRect l="-3356" t="-1987"/>
+                  <a:fillRect l="-3356" t="-1987" r="-2573"/>
                 </a:stretch>
               </a:blipFill>
             </p:spPr>
@@ -10552,7 +11018,7 @@
           <p:nvPr>
             <p:extLst>
               <p:ext uri="{D42A27DB-BD31-4B8C-83A1-F6EECF244321}">
-                <p14:modId xmlns:p14="http://schemas.microsoft.com/office/powerpoint/2010/main" val="896718146"/>
+                <p14:modId xmlns:p14="http://schemas.microsoft.com/office/powerpoint/2010/main" val="1093914462"/>
               </p:ext>
             </p:extLst>
           </p:nvPr>
@@ -10675,7 +11141,7 @@
                       <a:pPr algn="ctr"/>
                       <a:r>
                         <a:rPr lang="sv-SE" sz="5400" b="1" dirty="0" smtClean="0"/>
-                        <a:t>0</a:t>
+                        <a:t>1</a:t>
                       </a:r>
                       <a:endParaRPr lang="en-GB" sz="5400" b="1" dirty="0"/>
                     </a:p>
@@ -10705,7 +11171,7 @@
                       <a:pPr algn="ctr"/>
                       <a:r>
                         <a:rPr lang="sv-SE" sz="5400" b="1" dirty="0" smtClean="0"/>
-                        <a:t>0</a:t>
+                        <a:t>-1</a:t>
                       </a:r>
                       <a:endParaRPr lang="en-GB" sz="5400" b="1" dirty="0"/>
                     </a:p>
@@ -10726,7 +11192,7 @@
           <p:nvPr>
             <p:extLst>
               <p:ext uri="{D42A27DB-BD31-4B8C-83A1-F6EECF244321}">
-                <p14:modId xmlns:p14="http://schemas.microsoft.com/office/powerpoint/2010/main" val="372637349"/>
+                <p14:modId xmlns:p14="http://schemas.microsoft.com/office/powerpoint/2010/main" val="1070410283"/>
               </p:ext>
             </p:extLst>
           </p:nvPr>
@@ -10784,8 +11250,8 @@
                     <a:p>
                       <a:pPr algn="ctr"/>
                       <a:r>
-                        <a:rPr lang="sv-SE" sz="5400" b="1" dirty="0" smtClean="0"/>
-                        <a:t>0</a:t>
+                        <a:rPr lang="en-GB" sz="5400" b="1" dirty="0" smtClean="0"/>
+                        <a:t>-1</a:t>
                       </a:r>
                       <a:endParaRPr lang="en-GB" sz="5400" b="1" dirty="0"/>
                     </a:p>
@@ -10900,7 +11366,7 @@
           <p:nvPr>
             <p:extLst>
               <p:ext uri="{D42A27DB-BD31-4B8C-83A1-F6EECF244321}">
-                <p14:modId xmlns:p14="http://schemas.microsoft.com/office/powerpoint/2010/main" val="3223003658"/>
+                <p14:modId xmlns:p14="http://schemas.microsoft.com/office/powerpoint/2010/main" val="791283879"/>
               </p:ext>
             </p:extLst>
           </p:nvPr>
@@ -11038,7 +11504,7 @@
                       <a:pPr algn="ctr"/>
                       <a:r>
                         <a:rPr lang="sv-SE" sz="5400" b="1" dirty="0" smtClean="0"/>
-                        <a:t>0</a:t>
+                        <a:t>1</a:t>
                       </a:r>
                       <a:endParaRPr lang="en-GB" sz="5400" b="1" dirty="0"/>
                     </a:p>
@@ -13548,10 +14014,18 @@
           <a:p>
             <a:pPr lvl="1"/>
             <a:r>
+              <a:rPr lang="en-GB" sz="8000" dirty="0" smtClean="0"/>
+              <a:t>Repeat</a:t>
+            </a:r>
+            <a:r>
               <a:rPr lang="sv-SE" sz="8000" dirty="0" smtClean="0"/>
-              <a:t>Repeat</a:t>
-            </a:r>
-            <a:endParaRPr lang="sv-SE" sz="9200" dirty="0"/>
+              <a:t>, </a:t>
+            </a:r>
+            <a:r>
+              <a:rPr lang="en-GB" sz="8000" dirty="0"/>
+              <a:t>using sums as input for next layer</a:t>
+            </a:r>
+            <a:endParaRPr lang="sv-SE" sz="8000" dirty="0"/>
           </a:p>
         </p:txBody>
       </p:sp>
@@ -14252,6 +14726,150 @@
           <a:lstStyle/>
           <a:p>
             <a:r>
+              <a:rPr lang="sv-SE" sz="14400" dirty="0" err="1"/>
+              <a:t>Model</a:t>
+            </a:r>
+            <a:r>
+              <a:rPr lang="sv-SE" sz="14400" dirty="0"/>
+              <a:t> 1: </a:t>
+            </a:r>
+            <a:r>
+              <a:rPr lang="sv-SE" sz="14400" dirty="0" err="1"/>
+              <a:t>Juefei</a:t>
+            </a:r>
+            <a:r>
+              <a:rPr lang="sv-SE" sz="14400" dirty="0"/>
+              <a:t>-Xu et al.	</a:t>
+            </a:r>
+            <a:endParaRPr lang="en-GB" sz="14400" dirty="0"/>
+          </a:p>
+        </p:txBody>
+      </p:sp>
+      <p:sp>
+        <p:nvSpPr>
+          <p:cNvPr id="3" name="Content Placeholder 2"/>
+          <p:cNvSpPr>
+            <a:spLocks noGrp="1"/>
+          </p:cNvSpPr>
+          <p:nvPr>
+            <p:ph idx="1"/>
+          </p:nvPr>
+        </p:nvSpPr>
+        <p:spPr/>
+        <p:txBody>
+          <a:bodyPr/>
+          <a:lstStyle/>
+          <a:p>
+            <a:r>
+              <a:rPr lang="en-GB" dirty="0" smtClean="0"/>
+              <a:t>Pros:</a:t>
+            </a:r>
+          </a:p>
+          <a:p>
+            <a:pPr lvl="1"/>
+            <a:r>
+              <a:rPr lang="en-GB" dirty="0" smtClean="0"/>
+              <a:t>Efficient to run, easy to implement</a:t>
+            </a:r>
+          </a:p>
+          <a:p>
+            <a:pPr lvl="1"/>
+            <a:r>
+              <a:rPr lang="en-GB" dirty="0" smtClean="0"/>
+              <a:t>Translates idea of LBPs to a form that can be used in a CNN</a:t>
+            </a:r>
+          </a:p>
+          <a:p>
+            <a:pPr lvl="1"/>
+            <a:r>
+              <a:rPr lang="en-GB" dirty="0" smtClean="0"/>
+              <a:t>Drop-in layer suitable for any CNN architecture</a:t>
+            </a:r>
+          </a:p>
+          <a:p>
+            <a:pPr lvl="1"/>
+            <a:endParaRPr lang="en-GB" dirty="0"/>
+          </a:p>
+          <a:p>
+            <a:r>
+              <a:rPr lang="en-GB" dirty="0" smtClean="0"/>
+              <a:t>Cons:</a:t>
+            </a:r>
+          </a:p>
+          <a:p>
+            <a:pPr lvl="1"/>
+            <a:r>
+              <a:rPr lang="en-GB" dirty="0" smtClean="0"/>
+              <a:t>Not rotationally invariant</a:t>
+            </a:r>
+          </a:p>
+          <a:p>
+            <a:pPr lvl="1"/>
+            <a:r>
+              <a:rPr lang="en-GB" dirty="0" smtClean="0"/>
+              <a:t>Filters randomly initialized </a:t>
+            </a:r>
+            <a:r>
+              <a:rPr lang="en-GB" dirty="0" smtClean="0"/>
+              <a:t>so not utilizing LBPs as designed</a:t>
+            </a:r>
+            <a:endParaRPr lang="en-GB" dirty="0"/>
+          </a:p>
+        </p:txBody>
+      </p:sp>
+    </p:spTree>
+    <p:extLst>
+      <p:ext uri="{BB962C8B-B14F-4D97-AF65-F5344CB8AC3E}">
+        <p14:creationId xmlns:p14="http://schemas.microsoft.com/office/powerpoint/2010/main" val="2316779635"/>
+      </p:ext>
+    </p:extLst>
+  </p:cSld>
+  <p:clrMapOvr>
+    <a:masterClrMapping/>
+  </p:clrMapOvr>
+  <p:timing>
+    <p:tnLst>
+      <p:par>
+        <p:cTn id="1" dur="indefinite" restart="never" nodeType="tmRoot"/>
+      </p:par>
+    </p:tnLst>
+  </p:timing>
+</p:sld>
+</file>
+
+<file path=ppt/slides/slide8.xml><?xml version="1.0" encoding="utf-8"?>
+<p:sld xmlns:a="http://schemas.openxmlformats.org/drawingml/2006/main" xmlns:r="http://schemas.openxmlformats.org/officeDocument/2006/relationships" xmlns:p="http://schemas.openxmlformats.org/presentationml/2006/main">
+  <p:cSld>
+    <p:spTree>
+      <p:nvGrpSpPr>
+        <p:cNvPr id="1" name=""/>
+        <p:cNvGrpSpPr/>
+        <p:nvPr/>
+      </p:nvGrpSpPr>
+      <p:grpSpPr>
+        <a:xfrm>
+          <a:off x="0" y="0"/>
+          <a:ext cx="0" cy="0"/>
+          <a:chOff x="0" y="0"/>
+          <a:chExt cx="0" cy="0"/>
+        </a:xfrm>
+      </p:grpSpPr>
+      <p:sp>
+        <p:nvSpPr>
+          <p:cNvPr id="2" name="Title 1"/>
+          <p:cNvSpPr>
+            <a:spLocks noGrp="1"/>
+          </p:cNvSpPr>
+          <p:nvPr>
+            <p:ph type="title"/>
+          </p:nvPr>
+        </p:nvSpPr>
+        <p:spPr/>
+        <p:txBody>
+          <a:bodyPr/>
+          <a:lstStyle/>
+          <a:p>
+            <a:r>
               <a:rPr lang="sv-SE" sz="14400" dirty="0" smtClean="0"/>
               <a:t>Model </a:t>
             </a:r>
@@ -14516,7 +15134,7 @@
 </p:sld>
 </file>
 
-<file path=ppt/slides/slide8.xml><?xml version="1.0" encoding="utf-8"?>
+<file path=ppt/slides/slide9.xml><?xml version="1.0" encoding="utf-8"?>
 <p:sld xmlns:a="http://schemas.openxmlformats.org/drawingml/2006/main" xmlns:r="http://schemas.openxmlformats.org/officeDocument/2006/relationships" xmlns:p="http://schemas.openxmlformats.org/presentationml/2006/main">
   <p:cSld>
     <p:spTree>
@@ -14549,10 +15167,10 @@
           <a:lstStyle/>
           <a:p>
             <a:r>
-              <a:rPr lang="sv-SE" dirty="0" smtClean="0"/>
+              <a:rPr lang="sv-SE" sz="14400" dirty="0" smtClean="0"/>
               <a:t>Model 2: Convolutional Layers</a:t>
             </a:r>
-            <a:endParaRPr lang="en-GB" dirty="0"/>
+            <a:endParaRPr lang="en-GB" sz="14400" dirty="0"/>
           </a:p>
         </p:txBody>
       </p:sp>
@@ -14620,319 +15238,6 @@
     <p:extLst>
       <p:ext uri="{BB962C8B-B14F-4D97-AF65-F5344CB8AC3E}">
         <p14:creationId xmlns:p14="http://schemas.microsoft.com/office/powerpoint/2010/main" val="2987462211"/>
-      </p:ext>
-    </p:extLst>
-  </p:cSld>
-  <p:clrMapOvr>
-    <a:masterClrMapping/>
-  </p:clrMapOvr>
-  <p:timing>
-    <p:tnLst>
-      <p:par>
-        <p:cTn id="1" dur="indefinite" restart="never" nodeType="tmRoot"/>
-      </p:par>
-    </p:tnLst>
-  </p:timing>
-</p:sld>
-</file>
-
-<file path=ppt/slides/slide9.xml><?xml version="1.0" encoding="utf-8"?>
-<p:sld xmlns:a="http://schemas.openxmlformats.org/drawingml/2006/main" xmlns:r="http://schemas.openxmlformats.org/officeDocument/2006/relationships" xmlns:p="http://schemas.openxmlformats.org/presentationml/2006/main">
-  <p:cSld>
-    <p:spTree>
-      <p:nvGrpSpPr>
-        <p:cNvPr id="1" name=""/>
-        <p:cNvGrpSpPr/>
-        <p:nvPr/>
-      </p:nvGrpSpPr>
-      <p:grpSpPr>
-        <a:xfrm>
-          <a:off x="0" y="0"/>
-          <a:ext cx="0" cy="0"/>
-          <a:chOff x="0" y="0"/>
-          <a:chExt cx="0" cy="0"/>
-        </a:xfrm>
-      </p:grpSpPr>
-      <p:sp>
-        <p:nvSpPr>
-          <p:cNvPr id="2" name="Title 1"/>
-          <p:cNvSpPr>
-            <a:spLocks noGrp="1"/>
-          </p:cNvSpPr>
-          <p:nvPr>
-            <p:ph type="title"/>
-          </p:nvPr>
-        </p:nvSpPr>
-        <p:spPr/>
-        <p:txBody>
-          <a:bodyPr/>
-          <a:lstStyle/>
-          <a:p>
-            <a:r>
-              <a:rPr lang="sv-SE" dirty="0" smtClean="0"/>
-              <a:t>Model 2: Convolutional Module</a:t>
-            </a:r>
-            <a:endParaRPr lang="en-GB" dirty="0"/>
-          </a:p>
-        </p:txBody>
-      </p:sp>
-      <p:sp>
-        <p:nvSpPr>
-          <p:cNvPr id="60" name="TextBox 59"/>
-          <p:cNvSpPr txBox="1"/>
-          <p:nvPr/>
-        </p:nvSpPr>
-        <p:spPr>
-          <a:xfrm>
-            <a:off x="0" y="7200181"/>
-            <a:ext cx="5326461" cy="12255663"/>
-          </a:xfrm>
-          <a:prstGeom prst="rect">
-            <a:avLst/>
-          </a:prstGeom>
-          <a:noFill/>
-        </p:spPr>
-        <p:txBody>
-          <a:bodyPr wrap="square" rtlCol="0">
-            <a:spAutoFit/>
-          </a:bodyPr>
-          <a:lstStyle/>
-          <a:p>
-            <a:pPr algn="ctr"/>
-            <a:r>
-              <a:rPr lang="en-GB" sz="4000" b="1" dirty="0" smtClean="0">
-                <a:solidFill>
-                  <a:schemeClr val="bg1"/>
-                </a:solidFill>
-              </a:rPr>
-              <a:t>Jo Gay</a:t>
-            </a:r>
-          </a:p>
-          <a:p>
-            <a:pPr algn="ctr"/>
-            <a:r>
-              <a:rPr lang="en-GB" sz="4000" b="1" dirty="0" smtClean="0">
-                <a:solidFill>
-                  <a:schemeClr val="bg1"/>
-                </a:solidFill>
-              </a:rPr>
-              <a:t>Hugo </a:t>
-            </a:r>
-            <a:r>
-              <a:rPr lang="en-GB" sz="4000" b="1" dirty="0" err="1" smtClean="0">
-                <a:solidFill>
-                  <a:schemeClr val="bg1"/>
-                </a:solidFill>
-              </a:rPr>
-              <a:t>Harlin</a:t>
-            </a:r>
-            <a:endParaRPr lang="en-GB" sz="4000" b="1" dirty="0" smtClean="0">
-              <a:solidFill>
-                <a:schemeClr val="bg1"/>
-              </a:solidFill>
-            </a:endParaRPr>
-          </a:p>
-          <a:p>
-            <a:pPr algn="ctr"/>
-            <a:endParaRPr lang="en-GB" sz="1600" b="1" dirty="0" smtClean="0">
-              <a:solidFill>
-                <a:schemeClr val="bg1"/>
-              </a:solidFill>
-            </a:endParaRPr>
-          </a:p>
-          <a:p>
-            <a:pPr algn="ctr"/>
-            <a:r>
-              <a:rPr lang="en-GB" sz="4000" dirty="0" smtClean="0">
-                <a:solidFill>
-                  <a:schemeClr val="bg1"/>
-                </a:solidFill>
-              </a:rPr>
-              <a:t>Project in Computational Science, January 2019</a:t>
-            </a:r>
-          </a:p>
-          <a:p>
-            <a:pPr algn="ctr"/>
-            <a:endParaRPr lang="en-GB" sz="4000" dirty="0" smtClean="0">
-              <a:solidFill>
-                <a:schemeClr val="bg1"/>
-              </a:solidFill>
-            </a:endParaRPr>
-          </a:p>
-          <a:p>
-            <a:pPr algn="ctr"/>
-            <a:endParaRPr lang="en-GB" sz="4000" dirty="0" smtClean="0">
-              <a:solidFill>
-                <a:schemeClr val="bg1"/>
-              </a:solidFill>
-            </a:endParaRPr>
-          </a:p>
-          <a:p>
-            <a:pPr algn="ctr"/>
-            <a:r>
-              <a:rPr lang="en-GB" sz="4000" dirty="0" smtClean="0">
-                <a:solidFill>
-                  <a:schemeClr val="bg1"/>
-                </a:solidFill>
-              </a:rPr>
-              <a:t>Supervisors:</a:t>
-            </a:r>
-          </a:p>
-          <a:p>
-            <a:pPr algn="ctr"/>
-            <a:r>
-              <a:rPr lang="sv-SE" sz="4000" b="1" dirty="0">
-                <a:solidFill>
-                  <a:schemeClr val="bg1"/>
-                </a:solidFill>
-              </a:rPr>
-              <a:t>Joakim </a:t>
-            </a:r>
-            <a:r>
-              <a:rPr lang="sv-SE" sz="4000" b="1" dirty="0" smtClean="0">
-                <a:solidFill>
-                  <a:schemeClr val="bg1"/>
-                </a:solidFill>
-              </a:rPr>
-              <a:t>Lindblad </a:t>
-            </a:r>
-            <a:r>
-              <a:rPr lang="sv-SE" sz="4000" b="1" dirty="0">
-                <a:solidFill>
-                  <a:schemeClr val="bg1"/>
-                </a:solidFill>
-              </a:rPr>
-              <a:t>Nataša Sladoje</a:t>
-            </a:r>
-            <a:endParaRPr lang="sv-SE" sz="4000" b="1" dirty="0" smtClean="0">
-              <a:solidFill>
-                <a:schemeClr val="bg1"/>
-              </a:solidFill>
-            </a:endParaRPr>
-          </a:p>
-          <a:p>
-            <a:pPr algn="ctr"/>
-            <a:endParaRPr lang="sv-SE" sz="1600" b="1" dirty="0">
-              <a:solidFill>
-                <a:schemeClr val="bg1"/>
-              </a:solidFill>
-            </a:endParaRPr>
-          </a:p>
-          <a:p>
-            <a:pPr algn="ctr"/>
-            <a:r>
-              <a:rPr lang="en-GB" sz="4000" dirty="0" smtClean="0">
-                <a:solidFill>
-                  <a:schemeClr val="bg1"/>
-                </a:solidFill>
-              </a:rPr>
-              <a:t>Centre for Image Analysis,</a:t>
-            </a:r>
-          </a:p>
-          <a:p>
-            <a:pPr algn="ctr"/>
-            <a:r>
-              <a:rPr lang="en-GB" sz="4000" dirty="0" smtClean="0">
-                <a:solidFill>
-                  <a:schemeClr val="bg1"/>
-                </a:solidFill>
-              </a:rPr>
-              <a:t>Department of Information Technology</a:t>
-            </a:r>
-          </a:p>
-          <a:p>
-            <a:pPr algn="ctr"/>
-            <a:endParaRPr lang="en-GB" sz="4000" dirty="0" smtClean="0">
-              <a:solidFill>
-                <a:schemeClr val="bg1"/>
-              </a:solidFill>
-            </a:endParaRPr>
-          </a:p>
-        </p:txBody>
-      </p:sp>
-      <p:pic>
-        <p:nvPicPr>
-          <p:cNvPr id="3" name="Picture 2"/>
-          <p:cNvPicPr>
-            <a:picLocks noChangeAspect="1"/>
-          </p:cNvPicPr>
-          <p:nvPr/>
-        </p:nvPicPr>
-        <p:blipFill>
-          <a:blip r:embed="rId2">
-            <a:extLst>
-              <a:ext uri="{28A0092B-C50C-407E-A947-70E740481C1C}">
-                <a14:useLocalDpi xmlns:a14="http://schemas.microsoft.com/office/drawing/2010/main" val="0"/>
-              </a:ext>
-            </a:extLst>
-          </a:blip>
-          <a:stretch>
-            <a:fillRect/>
-          </a:stretch>
-        </p:blipFill>
-        <p:spPr>
-          <a:xfrm>
-            <a:off x="6459133" y="5111949"/>
-            <a:ext cx="28030568" cy="15625736"/>
-          </a:xfrm>
-          <a:prstGeom prst="rect">
-            <a:avLst/>
-          </a:prstGeom>
-        </p:spPr>
-      </p:pic>
-      <p:sp>
-        <p:nvSpPr>
-          <p:cNvPr id="6" name="TextBox 5"/>
-          <p:cNvSpPr txBox="1"/>
-          <p:nvPr/>
-        </p:nvSpPr>
-        <p:spPr>
-          <a:xfrm>
-            <a:off x="11663165" y="21241741"/>
-            <a:ext cx="19010112" cy="3477875"/>
-          </a:xfrm>
-          <a:prstGeom prst="rect">
-            <a:avLst/>
-          </a:prstGeom>
-          <a:noFill/>
-        </p:spPr>
-        <p:txBody>
-          <a:bodyPr wrap="square" rtlCol="0">
-            <a:spAutoFit/>
-          </a:bodyPr>
-          <a:lstStyle/>
-          <a:p>
-            <a:pPr algn="ctr"/>
-            <a:r>
-              <a:rPr lang="sv-SE" sz="10000" b="1" dirty="0" smtClean="0"/>
-              <a:t>   Input: </a:t>
-            </a:r>
-            <a:r>
-              <a:rPr lang="sv-SE" sz="10000" b="1" dirty="0"/>
-              <a:t>40x40x64 </a:t>
-            </a:r>
-            <a:r>
-              <a:rPr lang="sv-SE" sz="10000" b="1" dirty="0" smtClean="0"/>
-              <a:t>tensor</a:t>
-            </a:r>
-          </a:p>
-          <a:p>
-            <a:pPr algn="ctr"/>
-            <a:r>
-              <a:rPr lang="sv-SE" sz="10000" b="1" dirty="0" smtClean="0"/>
-              <a:t>Output: 40x40x64 </a:t>
-            </a:r>
-            <a:r>
-              <a:rPr lang="sv-SE" sz="10000" b="1" dirty="0"/>
-              <a:t>tensor</a:t>
-            </a:r>
-          </a:p>
-        </p:txBody>
-      </p:sp>
-    </p:spTree>
-    <p:extLst>
-      <p:ext uri="{BB962C8B-B14F-4D97-AF65-F5344CB8AC3E}">
-        <p14:creationId xmlns:p14="http://schemas.microsoft.com/office/powerpoint/2010/main" val="3526428673"/>
       </p:ext>
     </p:extLst>
   </p:cSld>

--- a/Presentation_material/presentation.pptx
+++ b/Presentation_material/presentation.pptx
@@ -5104,11 +5104,6 @@
               </a:rPr>
               <a:t>Detecting Cancer using Texture Classification</a:t>
             </a:r>
-            <a:endParaRPr lang="en-US" sz="14500" dirty="0">
-              <a:solidFill>
-                <a:schemeClr val="tx1"/>
-              </a:solidFill>
-            </a:endParaRPr>
           </a:p>
         </p:txBody>
       </p:sp>
@@ -5809,6 +5804,13 @@
   <p:clrMapOvr>
     <a:masterClrMapping/>
   </p:clrMapOvr>
+  <p:timing>
+    <p:tnLst>
+      <p:par>
+        <p:cTn id="1" dur="indefinite" restart="never" nodeType="tmRoot"/>
+      </p:par>
+    </p:tnLst>
+  </p:timing>
 </p:sld>
 </file>
 
@@ -6128,8 +6130,16 @@
               <a:t> </a:t>
             </a:r>
             <a:r>
+              <a:rPr lang="sv-SE" sz="8800" dirty="0" err="1" smtClean="0"/>
+              <a:t>equivariant</a:t>
+            </a:r>
+            <a:r>
+              <a:rPr lang="sv-SE" sz="8800" dirty="0" smtClean="0"/>
+              <a:t> </a:t>
+            </a:r>
+            <a:r>
               <a:rPr lang="sv-SE" sz="8800" dirty="0"/>
-              <a:t>invariant filters with vector field outputs</a:t>
+              <a:t>filters with vector field outputs</a:t>
             </a:r>
           </a:p>
           <a:p>
@@ -7789,7 +7799,6 @@
               <a:rPr lang="en-GB" sz="4800" dirty="0"/>
               <a:t>pages 82-89, 2017.</a:t>
             </a:r>
-            <a:endParaRPr lang="en-GB" sz="4800" dirty="0"/>
           </a:p>
         </p:txBody>
       </p:sp>
@@ -8058,11 +8067,7 @@
           <a:p>
             <a:r>
               <a:rPr lang="sv-SE" sz="8800" dirty="0" smtClean="0"/>
-              <a:t>Three </a:t>
-            </a:r>
-            <a:r>
-              <a:rPr lang="sv-SE" sz="8800" dirty="0" smtClean="0"/>
-              <a:t>healthy patients, three with cancer</a:t>
+              <a:t>Three healthy patients, three with cancer</a:t>
             </a:r>
           </a:p>
           <a:p>
@@ -8111,11 +8116,7 @@
             </a:r>
             <a:r>
               <a:rPr lang="sv-SE" sz="8800" dirty="0" smtClean="0"/>
-              <a:t> </a:t>
-            </a:r>
-            <a:r>
-              <a:rPr lang="sv-SE" sz="8800" dirty="0" smtClean="0"/>
-              <a:t>truth on patient level, not cell level</a:t>
+              <a:t> truth on patient level, not cell level</a:t>
             </a:r>
             <a:endParaRPr lang="en-GB" sz="8800" dirty="0"/>
           </a:p>
@@ -8874,7 +8875,6 @@
               <a:rPr lang="en-GB" sz="5400" dirty="0"/>
               <a:t>, 24(7):971–987, 2002.</a:t>
             </a:r>
-            <a:endParaRPr lang="en-GB" sz="5400" dirty="0"/>
           </a:p>
         </p:txBody>
       </p:sp>
@@ -10256,8 +10256,8 @@
           </a:p>
         </p:txBody>
       </p:sp>
-      <mc:AlternateContent xmlns:mc="http://schemas.openxmlformats.org/markup-compatibility/2006">
-        <mc:Choice xmlns:a14="http://schemas.microsoft.com/office/drawing/2010/main" Requires="a14">
+      <mc:AlternateContent xmlns:mc="http://schemas.openxmlformats.org/markup-compatibility/2006" xmlns:a14="http://schemas.microsoft.com/office/drawing/2010/main">
+        <mc:Choice Requires="a14">
           <p:sp>
             <p:nvSpPr>
               <p:cNvPr id="18" name="TextBox 17"/>
@@ -10304,13 +10304,8 @@
                 </a:r>
                 <a:r>
                   <a:rPr lang="en-GB" sz="9000" dirty="0" smtClean="0"/>
-                  <a:t> pixel – </a:t>
+                  <a:t> pixel – threshold value</a:t>
                 </a:r>
-                <a:r>
-                  <a:rPr lang="en-GB" sz="9000" dirty="0" smtClean="0"/>
-                  <a:t>threshold value</a:t>
-                </a:r>
-                <a:endParaRPr lang="en-GB" sz="9000" dirty="0" smtClean="0"/>
               </a:p>
               <a:p>
                 <a:pPr marL="857250" indent="-857250">
@@ -10329,11 +10324,7 @@
                 </a:pPr>
                 <a:r>
                   <a:rPr lang="en-GB" sz="9000" dirty="0" smtClean="0"/>
-                  <a:t>Pattern encoding</a:t>
-                </a:r>
-                <a:r>
-                  <a:rPr lang="en-GB" sz="9000" dirty="0" smtClean="0"/>
-                  <a:t>:</a:t>
+                  <a:t>Pattern encoding:</a:t>
                 </a:r>
               </a:p>
               <a:p>
@@ -10554,11 +10545,7 @@
                 </a:r>
                 <a:r>
                   <a:rPr lang="en-GB" sz="6500" dirty="0" smtClean="0"/>
-                  <a:t>      	=  Number </a:t>
-                </a:r>
-                <a:r>
-                  <a:rPr lang="en-GB" sz="6500" dirty="0" smtClean="0"/>
-                  <a:t>of points</a:t>
+                  <a:t>      	=  Number of points</a:t>
                 </a:r>
               </a:p>
               <a:p>
@@ -10570,7 +10557,6 @@
                   <a:rPr lang="en-GB" sz="6500" dirty="0" smtClean="0"/>
                   <a:t>=  Radius</a:t>
                 </a:r>
-                <a:endParaRPr lang="en-GB" sz="6500" dirty="0" smtClean="0"/>
               </a:p>
               <a:p>
                 <a:r>
@@ -10579,11 +10565,7 @@
                 </a:r>
                 <a:r>
                   <a:rPr lang="en-GB" sz="6500" dirty="0" smtClean="0"/>
-                  <a:t>        	=  Binary </a:t>
-                </a:r>
-                <a:r>
-                  <a:rPr lang="en-GB" sz="6500" dirty="0" smtClean="0"/>
-                  <a:t>thresholding function</a:t>
+                  <a:t>        	=  Binary thresholding function</a:t>
                 </a:r>
               </a:p>
               <a:p>
@@ -10667,11 +10649,7 @@
                 </a:r>
                 <a:r>
                   <a:rPr lang="en-GB" sz="6500" dirty="0" smtClean="0"/>
-                  <a:t>= 	Intensity </a:t>
-                </a:r>
-                <a:r>
-                  <a:rPr lang="en-GB" sz="6500" dirty="0" smtClean="0"/>
-                  <a:t>values</a:t>
+                  <a:t>= 	Intensity values</a:t>
                 </a:r>
               </a:p>
               <a:p>
@@ -10688,7 +10666,7 @@
             </p:txBody>
           </p:sp>
         </mc:Choice>
-        <mc:Fallback>
+        <mc:Fallback xmlns="">
           <p:sp>
             <p:nvSpPr>
               <p:cNvPr id="18" name="TextBox 17"/>
@@ -10941,6 +10919,134 @@
           <a:chExt cx="0" cy="0"/>
         </a:xfrm>
       </p:grpSpPr>
+      <p:pic>
+        <p:nvPicPr>
+          <p:cNvPr id="1028" name="Picture 4"/>
+          <p:cNvPicPr>
+            <a:picLocks noChangeAspect="1" noChangeArrowheads="1"/>
+          </p:cNvPicPr>
+          <p:nvPr/>
+        </p:nvPicPr>
+        <p:blipFill>
+          <a:blip r:embed="rId2">
+            <a:extLst>
+              <a:ext uri="{28A0092B-C50C-407E-A947-70E740481C1C}">
+                <a14:useLocalDpi xmlns:a14="http://schemas.microsoft.com/office/drawing/2010/main" val="0"/>
+              </a:ext>
+            </a:extLst>
+          </a:blip>
+          <a:srcRect/>
+          <a:stretch>
+            <a:fillRect/>
+          </a:stretch>
+        </p:blipFill>
+        <p:spPr bwMode="auto">
+          <a:xfrm>
+            <a:off x="12527261" y="16811824"/>
+            <a:ext cx="3676650" cy="3614737"/>
+          </a:xfrm>
+          <a:prstGeom prst="rect">
+            <a:avLst/>
+          </a:prstGeom>
+          <a:noFill/>
+          <a:ln>
+            <a:noFill/>
+          </a:ln>
+          <a:effectLst/>
+          <a:extLst>
+            <a:ext uri="{909E8E84-426E-40DD-AFC4-6F175D3DCCD1}">
+              <a14:hiddenFill xmlns:a14="http://schemas.microsoft.com/office/drawing/2010/main">
+                <a:solidFill>
+                  <a:schemeClr val="accent1"/>
+                </a:solidFill>
+              </a14:hiddenFill>
+            </a:ext>
+            <a:ext uri="{91240B29-F687-4F45-9708-019B960494DF}">
+              <a14:hiddenLine xmlns:a14="http://schemas.microsoft.com/office/drawing/2010/main" w="9525">
+                <a:solidFill>
+                  <a:schemeClr val="tx1"/>
+                </a:solidFill>
+                <a:miter lim="800000"/>
+                <a:headEnd/>
+                <a:tailEnd/>
+              </a14:hiddenLine>
+            </a:ext>
+            <a:ext uri="{AF507438-7753-43E0-B8FC-AC1667EBCBE1}">
+              <a14:hiddenEffects xmlns:a14="http://schemas.microsoft.com/office/drawing/2010/main">
+                <a:effectLst>
+                  <a:outerShdw dist="35921" dir="2700000" algn="ctr" rotWithShape="0">
+                    <a:schemeClr val="bg2"/>
+                  </a:outerShdw>
+                </a:effectLst>
+              </a14:hiddenEffects>
+            </a:ext>
+          </a:extLst>
+        </p:spPr>
+      </p:pic>
+      <p:pic>
+        <p:nvPicPr>
+          <p:cNvPr id="1027" name="Picture 3"/>
+          <p:cNvPicPr>
+            <a:picLocks noChangeAspect="1" noChangeArrowheads="1"/>
+          </p:cNvPicPr>
+          <p:nvPr/>
+        </p:nvPicPr>
+        <p:blipFill>
+          <a:blip r:embed="rId3">
+            <a:extLst>
+              <a:ext uri="{28A0092B-C50C-407E-A947-70E740481C1C}">
+                <a14:useLocalDpi xmlns:a14="http://schemas.microsoft.com/office/drawing/2010/main" val="0"/>
+              </a:ext>
+            </a:extLst>
+          </a:blip>
+          <a:srcRect/>
+          <a:stretch>
+            <a:fillRect/>
+          </a:stretch>
+        </p:blipFill>
+        <p:spPr bwMode="auto">
+          <a:xfrm>
+            <a:off x="13247341" y="13027746"/>
+            <a:ext cx="3676650" cy="3756025"/>
+          </a:xfrm>
+          <a:prstGeom prst="rect">
+            <a:avLst/>
+          </a:prstGeom>
+          <a:noFill/>
+          <a:ln>
+            <a:noFill/>
+          </a:ln>
+          <a:effectLst/>
+          <a:extLst>
+            <a:ext uri="{909E8E84-426E-40DD-AFC4-6F175D3DCCD1}">
+              <a14:hiddenFill xmlns:a14="http://schemas.microsoft.com/office/drawing/2010/main">
+                <a:solidFill>
+                  <a:schemeClr val="accent1"/>
+                </a:solidFill>
+              </a14:hiddenFill>
+            </a:ext>
+            <a:ext uri="{91240B29-F687-4F45-9708-019B960494DF}">
+              <a14:hiddenLine xmlns:a14="http://schemas.microsoft.com/office/drawing/2010/main" w="9525">
+                <a:solidFill>
+                  <a:schemeClr val="tx1"/>
+                </a:solidFill>
+                <a:miter lim="800000"/>
+                <a:headEnd/>
+                <a:tailEnd/>
+              </a14:hiddenLine>
+            </a:ext>
+            <a:ext uri="{AF507438-7753-43E0-B8FC-AC1667EBCBE1}">
+              <a14:hiddenEffects xmlns:a14="http://schemas.microsoft.com/office/drawing/2010/main">
+                <a:effectLst>
+                  <a:outerShdw dist="35921" dir="2700000" algn="ctr" rotWithShape="0">
+                    <a:schemeClr val="bg2"/>
+                  </a:outerShdw>
+                </a:effectLst>
+              </a14:hiddenEffects>
+            </a:ext>
+          </a:extLst>
+        </p:spPr>
+      </p:pic>
       <p:sp>
         <p:nvSpPr>
           <p:cNvPr id="2" name="Title 1"/>
@@ -11009,530 +11115,8 @@
           </a:p>
         </p:txBody>
       </p:sp>
-      <p:graphicFrame>
-        <p:nvGraphicFramePr>
-          <p:cNvPr id="20" name="Table 19"/>
-          <p:cNvGraphicFramePr>
-            <a:graphicFrameLocks noGrp="1"/>
-          </p:cNvGraphicFramePr>
-          <p:nvPr>
-            <p:extLst>
-              <p:ext uri="{D42A27DB-BD31-4B8C-83A1-F6EECF244321}">
-                <p14:modId xmlns:p14="http://schemas.microsoft.com/office/powerpoint/2010/main" val="1093914462"/>
-              </p:ext>
-            </p:extLst>
-          </p:nvPr>
-        </p:nvGraphicFramePr>
-        <p:xfrm>
-          <a:off x="6478590" y="13032830"/>
-          <a:ext cx="3672408" cy="3456384"/>
-        </p:xfrm>
-        <a:graphic>
-          <a:graphicData uri="http://schemas.openxmlformats.org/drawingml/2006/table">
-            <a:tbl>
-              <a:tblPr firstRow="1" bandRow="1">
-                <a:tableStyleId>{5940675A-B579-460E-94D1-54222C63F5DA}</a:tableStyleId>
-              </a:tblPr>
-              <a:tblGrid>
-                <a:gridCol w="1224136"/>
-                <a:gridCol w="1224136"/>
-                <a:gridCol w="1224136"/>
-              </a:tblGrid>
-              <a:tr h="1141558">
-                <a:tc>
-                  <a:txBody>
-                    <a:bodyPr/>
-                    <a:lstStyle/>
-                    <a:p>
-                      <a:pPr algn="ctr"/>
-                      <a:r>
-                        <a:rPr lang="sv-SE" sz="5400" b="1" dirty="0" smtClean="0"/>
-                        <a:t>1</a:t>
-                      </a:r>
-                      <a:endParaRPr lang="en-GB" sz="5400" b="1" dirty="0"/>
-                    </a:p>
-                  </a:txBody>
-                  <a:tcPr/>
-                </a:tc>
-                <a:tc>
-                  <a:txBody>
-                    <a:bodyPr/>
-                    <a:lstStyle/>
-                    <a:p>
-                      <a:pPr algn="ctr"/>
-                      <a:r>
-                        <a:rPr lang="sv-SE" sz="5400" b="1" dirty="0" smtClean="0"/>
-                        <a:t>0</a:t>
-                      </a:r>
-                      <a:endParaRPr lang="en-GB" sz="5400" b="1" dirty="0"/>
-                    </a:p>
-                  </a:txBody>
-                  <a:tcPr/>
-                </a:tc>
-                <a:tc>
-                  <a:txBody>
-                    <a:bodyPr/>
-                    <a:lstStyle/>
-                    <a:p>
-                      <a:pPr algn="ctr"/>
-                      <a:r>
-                        <a:rPr lang="sv-SE" sz="5400" b="1" dirty="0" smtClean="0"/>
-                        <a:t>0</a:t>
-                      </a:r>
-                      <a:endParaRPr lang="en-GB" sz="5400" b="1" dirty="0"/>
-                    </a:p>
-                  </a:txBody>
-                  <a:tcPr/>
-                </a:tc>
-              </a:tr>
-              <a:tr h="1157413">
-                <a:tc>
-                  <a:txBody>
-                    <a:bodyPr/>
-                    <a:lstStyle/>
-                    <a:p>
-                      <a:pPr algn="ctr"/>
-                      <a:r>
-                        <a:rPr lang="sv-SE" sz="5400" b="1" dirty="0" smtClean="0"/>
-                        <a:t>0</a:t>
-                      </a:r>
-                      <a:endParaRPr lang="en-GB" sz="5400" b="1" dirty="0"/>
-                    </a:p>
-                  </a:txBody>
-                  <a:tcPr/>
-                </a:tc>
-                <a:tc>
-                  <a:txBody>
-                    <a:bodyPr/>
-                    <a:lstStyle/>
-                    <a:p>
-                      <a:pPr algn="ctr"/>
-                      <a:r>
-                        <a:rPr lang="sv-SE" sz="5400" b="1" dirty="0" smtClean="0"/>
-                        <a:t>-1</a:t>
-                      </a:r>
-                      <a:endParaRPr lang="en-GB" sz="5400" b="1" dirty="0"/>
-                    </a:p>
-                  </a:txBody>
-                  <a:tcPr/>
-                </a:tc>
-                <a:tc>
-                  <a:txBody>
-                    <a:bodyPr/>
-                    <a:lstStyle/>
-                    <a:p>
-                      <a:pPr algn="ctr"/>
-                      <a:r>
-                        <a:rPr lang="sv-SE" sz="5400" b="1" dirty="0" smtClean="0"/>
-                        <a:t>0</a:t>
-                      </a:r>
-                      <a:endParaRPr lang="en-GB" sz="5400" b="1" dirty="0"/>
-                    </a:p>
-                  </a:txBody>
-                  <a:tcPr/>
-                </a:tc>
-              </a:tr>
-              <a:tr h="1157413">
-                <a:tc>
-                  <a:txBody>
-                    <a:bodyPr/>
-                    <a:lstStyle/>
-                    <a:p>
-                      <a:pPr algn="ctr"/>
-                      <a:r>
-                        <a:rPr lang="sv-SE" sz="5400" b="1" dirty="0" smtClean="0"/>
-                        <a:t>1</a:t>
-                      </a:r>
-                      <a:endParaRPr lang="en-GB" sz="5400" b="1" dirty="0"/>
-                    </a:p>
-                  </a:txBody>
-                  <a:tcPr/>
-                </a:tc>
-                <a:tc>
-                  <a:txBody>
-                    <a:bodyPr/>
-                    <a:lstStyle/>
-                    <a:p>
-                      <a:pPr algn="ctr"/>
-                      <a:r>
-                        <a:rPr lang="sv-SE" sz="5400" b="1" dirty="0" smtClean="0"/>
-                        <a:t>0</a:t>
-                      </a:r>
-                      <a:endParaRPr lang="en-GB" sz="5400" b="1" dirty="0"/>
-                    </a:p>
-                  </a:txBody>
-                  <a:tcPr/>
-                </a:tc>
-                <a:tc>
-                  <a:txBody>
-                    <a:bodyPr/>
-                    <a:lstStyle/>
-                    <a:p>
-                      <a:pPr algn="ctr"/>
-                      <a:r>
-                        <a:rPr lang="sv-SE" sz="5400" b="1" dirty="0" smtClean="0"/>
-                        <a:t>-1</a:t>
-                      </a:r>
-                      <a:endParaRPr lang="en-GB" sz="5400" b="1" dirty="0"/>
-                    </a:p>
-                  </a:txBody>
-                  <a:tcPr/>
-                </a:tc>
-              </a:tr>
-            </a:tbl>
-          </a:graphicData>
-        </a:graphic>
-      </p:graphicFrame>
-      <p:graphicFrame>
-        <p:nvGraphicFramePr>
-          <p:cNvPr id="21" name="Table 20"/>
-          <p:cNvGraphicFramePr>
-            <a:graphicFrameLocks noGrp="1"/>
-          </p:cNvGraphicFramePr>
-          <p:nvPr>
-            <p:extLst>
-              <p:ext uri="{D42A27DB-BD31-4B8C-83A1-F6EECF244321}">
-                <p14:modId xmlns:p14="http://schemas.microsoft.com/office/powerpoint/2010/main" val="1070410283"/>
-              </p:ext>
-            </p:extLst>
-          </p:nvPr>
-        </p:nvGraphicFramePr>
-        <p:xfrm>
-          <a:off x="6478589" y="16993268"/>
-          <a:ext cx="3672408" cy="3528393"/>
-        </p:xfrm>
-        <a:graphic>
-          <a:graphicData uri="http://schemas.openxmlformats.org/drawingml/2006/table">
-            <a:tbl>
-              <a:tblPr firstRow="1" bandRow="1">
-                <a:tableStyleId>{5940675A-B579-460E-94D1-54222C63F5DA}</a:tableStyleId>
-              </a:tblPr>
-              <a:tblGrid>
-                <a:gridCol w="1224136"/>
-                <a:gridCol w="1224136"/>
-                <a:gridCol w="1224136"/>
-              </a:tblGrid>
-              <a:tr h="1165341">
-                <a:tc>
-                  <a:txBody>
-                    <a:bodyPr/>
-                    <a:lstStyle/>
-                    <a:p>
-                      <a:pPr algn="ctr"/>
-                      <a:r>
-                        <a:rPr lang="sv-SE" sz="5400" b="1" dirty="0" smtClean="0"/>
-                        <a:t>0</a:t>
-                      </a:r>
-                      <a:endParaRPr lang="en-GB" sz="5400" b="1" dirty="0"/>
-                    </a:p>
-                  </a:txBody>
-                  <a:tcPr/>
-                </a:tc>
-                <a:tc>
-                  <a:txBody>
-                    <a:bodyPr/>
-                    <a:lstStyle/>
-                    <a:p>
-                      <a:pPr algn="ctr"/>
-                      <a:r>
-                        <a:rPr lang="sv-SE" sz="5400" b="1" dirty="0" smtClean="0"/>
-                        <a:t>1</a:t>
-                      </a:r>
-                      <a:endParaRPr lang="en-GB" sz="5400" b="1" dirty="0"/>
-                    </a:p>
-                  </a:txBody>
-                  <a:tcPr/>
-                </a:tc>
-                <a:tc>
-                  <a:txBody>
-                    <a:bodyPr/>
-                    <a:lstStyle/>
-                    <a:p>
-                      <a:pPr algn="ctr"/>
-                      <a:r>
-                        <a:rPr lang="en-GB" sz="5400" b="1" dirty="0" smtClean="0"/>
-                        <a:t>-1</a:t>
-                      </a:r>
-                      <a:endParaRPr lang="en-GB" sz="5400" b="1" dirty="0"/>
-                    </a:p>
-                  </a:txBody>
-                  <a:tcPr/>
-                </a:tc>
-              </a:tr>
-              <a:tr h="1181526">
-                <a:tc>
-                  <a:txBody>
-                    <a:bodyPr/>
-                    <a:lstStyle/>
-                    <a:p>
-                      <a:pPr algn="ctr"/>
-                      <a:r>
-                        <a:rPr lang="sv-SE" sz="5400" b="1" dirty="0" smtClean="0"/>
-                        <a:t>0</a:t>
-                      </a:r>
-                      <a:endParaRPr lang="en-GB" sz="5400" b="1" dirty="0"/>
-                    </a:p>
-                  </a:txBody>
-                  <a:tcPr/>
-                </a:tc>
-                <a:tc>
-                  <a:txBody>
-                    <a:bodyPr/>
-                    <a:lstStyle/>
-                    <a:p>
-                      <a:pPr algn="ctr"/>
-                      <a:r>
-                        <a:rPr lang="sv-SE" sz="5400" b="1" dirty="0" smtClean="0"/>
-                        <a:t>0</a:t>
-                      </a:r>
-                      <a:endParaRPr lang="en-GB" sz="5400" b="1" dirty="0"/>
-                    </a:p>
-                  </a:txBody>
-                  <a:tcPr/>
-                </a:tc>
-                <a:tc>
-                  <a:txBody>
-                    <a:bodyPr/>
-                    <a:lstStyle/>
-                    <a:p>
-                      <a:pPr algn="ctr"/>
-                      <a:r>
-                        <a:rPr lang="sv-SE" sz="5400" b="1" dirty="0" smtClean="0"/>
-                        <a:t>1</a:t>
-                      </a:r>
-                      <a:endParaRPr lang="en-GB" sz="5400" b="1" dirty="0"/>
-                    </a:p>
-                  </a:txBody>
-                  <a:tcPr/>
-                </a:tc>
-              </a:tr>
-              <a:tr h="1181526">
-                <a:tc>
-                  <a:txBody>
-                    <a:bodyPr/>
-                    <a:lstStyle/>
-                    <a:p>
-                      <a:pPr algn="ctr"/>
-                      <a:r>
-                        <a:rPr lang="sv-SE" sz="5400" b="1" dirty="0" smtClean="0"/>
-                        <a:t>0</a:t>
-                      </a:r>
-                      <a:endParaRPr lang="en-GB" sz="5400" b="1" dirty="0"/>
-                    </a:p>
-                  </a:txBody>
-                  <a:tcPr/>
-                </a:tc>
-                <a:tc>
-                  <a:txBody>
-                    <a:bodyPr/>
-                    <a:lstStyle/>
-                    <a:p>
-                      <a:pPr algn="ctr"/>
-                      <a:r>
-                        <a:rPr lang="sv-SE" sz="5400" b="1" dirty="0" smtClean="0"/>
-                        <a:t>-1</a:t>
-                      </a:r>
-                      <a:endParaRPr lang="en-GB" sz="5400" b="1" dirty="0"/>
-                    </a:p>
-                  </a:txBody>
-                  <a:tcPr/>
-                </a:tc>
-                <a:tc>
-                  <a:txBody>
-                    <a:bodyPr/>
-                    <a:lstStyle/>
-                    <a:p>
-                      <a:pPr algn="ctr"/>
-                      <a:r>
-                        <a:rPr lang="sv-SE" sz="5400" b="1" dirty="0" smtClean="0"/>
-                        <a:t>0</a:t>
-                      </a:r>
-                      <a:endParaRPr lang="en-GB" sz="5400" b="1" dirty="0"/>
-                    </a:p>
-                  </a:txBody>
-                  <a:tcPr/>
-                </a:tc>
-              </a:tr>
-            </a:tbl>
-          </a:graphicData>
-        </a:graphic>
-      </p:graphicFrame>
-      <p:graphicFrame>
-        <p:nvGraphicFramePr>
-          <p:cNvPr id="26" name="Table 25"/>
-          <p:cNvGraphicFramePr>
-            <a:graphicFrameLocks noGrp="1"/>
-          </p:cNvGraphicFramePr>
-          <p:nvPr>
-            <p:extLst>
-              <p:ext uri="{D42A27DB-BD31-4B8C-83A1-F6EECF244321}">
-                <p14:modId xmlns:p14="http://schemas.microsoft.com/office/powerpoint/2010/main" val="791283879"/>
-              </p:ext>
-            </p:extLst>
-          </p:nvPr>
-        </p:nvGraphicFramePr>
-        <p:xfrm>
-          <a:off x="10799069" y="14540894"/>
-          <a:ext cx="3672408" cy="3460487"/>
-        </p:xfrm>
-        <a:graphic>
-          <a:graphicData uri="http://schemas.openxmlformats.org/drawingml/2006/table">
-            <a:tbl>
-              <a:tblPr firstRow="1" bandRow="1">
-                <a:tableStyleId>{5940675A-B579-460E-94D1-54222C63F5DA}</a:tableStyleId>
-              </a:tblPr>
-              <a:tblGrid>
-                <a:gridCol w="1224136"/>
-                <a:gridCol w="1224136"/>
-                <a:gridCol w="1224136"/>
-              </a:tblGrid>
-              <a:tr h="1142913">
-                <a:tc>
-                  <a:txBody>
-                    <a:bodyPr/>
-                    <a:lstStyle/>
-                    <a:p>
-                      <a:pPr algn="ctr"/>
-                      <a:r>
-                        <a:rPr lang="sv-SE" sz="5400" b="1" dirty="0" smtClean="0"/>
-                        <a:t>1</a:t>
-                      </a:r>
-                      <a:endParaRPr lang="en-GB" sz="5400" b="1" dirty="0"/>
-                    </a:p>
-                  </a:txBody>
-                  <a:tcPr/>
-                </a:tc>
-                <a:tc>
-                  <a:txBody>
-                    <a:bodyPr/>
-                    <a:lstStyle/>
-                    <a:p>
-                      <a:pPr algn="ctr"/>
-                      <a:r>
-                        <a:rPr lang="sv-SE" sz="5400" b="1" dirty="0" smtClean="0"/>
-                        <a:t>1</a:t>
-                      </a:r>
-                      <a:endParaRPr lang="en-GB" sz="5400" b="1" dirty="0"/>
-                    </a:p>
-                  </a:txBody>
-                  <a:tcPr/>
-                </a:tc>
-                <a:tc>
-                  <a:txBody>
-                    <a:bodyPr/>
-                    <a:lstStyle/>
-                    <a:p>
-                      <a:pPr algn="ctr"/>
-                      <a:r>
-                        <a:rPr lang="sv-SE" sz="5400" b="1" dirty="0" smtClean="0"/>
-                        <a:t>0</a:t>
-                      </a:r>
-                      <a:endParaRPr lang="en-GB" sz="5400" b="1" dirty="0"/>
-                    </a:p>
-                  </a:txBody>
-                  <a:tcPr/>
-                </a:tc>
-              </a:tr>
-              <a:tr h="1158787">
-                <a:tc>
-                  <a:txBody>
-                    <a:bodyPr/>
-                    <a:lstStyle/>
-                    <a:p>
-                      <a:pPr algn="ctr"/>
-                      <a:r>
-                        <a:rPr lang="sv-SE" sz="5400" b="1" dirty="0" smtClean="0"/>
-                        <a:t>0</a:t>
-                      </a:r>
-                      <a:endParaRPr lang="en-GB" sz="5400" b="1" dirty="0"/>
-                    </a:p>
-                  </a:txBody>
-                  <a:tcPr/>
-                </a:tc>
-                <a:tc>
-                  <a:txBody>
-                    <a:bodyPr/>
-                    <a:lstStyle/>
-                    <a:p>
-                      <a:pPr algn="ctr"/>
-                      <a:r>
-                        <a:rPr lang="sv-SE" sz="5400" b="1" dirty="0" smtClean="0"/>
-                        <a:t>0</a:t>
-                      </a:r>
-                      <a:endParaRPr lang="en-GB" sz="5400" b="1" dirty="0"/>
-                    </a:p>
-                  </a:txBody>
-                  <a:tcPr/>
-                </a:tc>
-                <a:tc>
-                  <a:txBody>
-                    <a:bodyPr/>
-                    <a:lstStyle/>
-                    <a:p>
-                      <a:pPr algn="ctr"/>
-                      <a:r>
-                        <a:rPr lang="sv-SE" sz="5400" b="1" dirty="0" smtClean="0"/>
-                        <a:t>0</a:t>
-                      </a:r>
-                      <a:endParaRPr lang="en-GB" sz="5400" b="1" dirty="0"/>
-                    </a:p>
-                  </a:txBody>
-                  <a:tcPr/>
-                </a:tc>
-              </a:tr>
-              <a:tr h="1158787">
-                <a:tc>
-                  <a:txBody>
-                    <a:bodyPr/>
-                    <a:lstStyle/>
-                    <a:p>
-                      <a:pPr algn="ctr"/>
-                      <a:r>
-                        <a:rPr lang="sv-SE" sz="5400" b="1" dirty="0" smtClean="0"/>
-                        <a:t>0</a:t>
-                      </a:r>
-                      <a:endParaRPr lang="en-GB" sz="5400" b="1" dirty="0"/>
-                    </a:p>
-                  </a:txBody>
-                  <a:tcPr/>
-                </a:tc>
-                <a:tc>
-                  <a:txBody>
-                    <a:bodyPr/>
-                    <a:lstStyle/>
-                    <a:p>
-                      <a:pPr algn="ctr"/>
-                      <a:r>
-                        <a:rPr lang="sv-SE" sz="5400" b="1" dirty="0" smtClean="0"/>
-                        <a:t>1</a:t>
-                      </a:r>
-                      <a:endParaRPr lang="en-GB" sz="5400" b="1" dirty="0"/>
-                    </a:p>
-                  </a:txBody>
-                  <a:tcPr/>
-                </a:tc>
-                <a:tc>
-                  <a:txBody>
-                    <a:bodyPr/>
-                    <a:lstStyle/>
-                    <a:p>
-                      <a:pPr algn="ctr"/>
-                      <a:r>
-                        <a:rPr lang="sv-SE" sz="5400" b="1" dirty="0" smtClean="0"/>
-                        <a:t>0</a:t>
-                      </a:r>
-                      <a:endParaRPr lang="en-GB" sz="5400" b="1" dirty="0"/>
-                    </a:p>
-                  </a:txBody>
-                  <a:tcPr/>
-                </a:tc>
-              </a:tr>
-            </a:tbl>
-          </a:graphicData>
-        </a:graphic>
-      </p:graphicFrame>
-      <mc:AlternateContent xmlns:mc="http://schemas.openxmlformats.org/markup-compatibility/2006" xmlns:a14="http://schemas.microsoft.com/office/drawing/2010/main">
-        <mc:Choice Requires="a14">
+      <mc:AlternateContent xmlns:mc="http://schemas.openxmlformats.org/markup-compatibility/2006">
+        <mc:Choice xmlns:a14="http://schemas.microsoft.com/office/drawing/2010/main" Requires="a14">
           <p:sp>
             <p:nvSpPr>
               <p:cNvPr id="4" name="TextBox 3"/>
@@ -11541,7 +11125,7 @@
             </p:nvSpPr>
             <p:spPr>
               <a:xfrm>
-                <a:off x="18215893" y="14331334"/>
+                <a:off x="21672277" y="14331334"/>
                 <a:ext cx="3024336" cy="3551678"/>
               </a:xfrm>
               <a:prstGeom prst="rect">
@@ -11684,7 +11268,7 @@
             </p:txBody>
           </p:sp>
         </mc:Choice>
-        <mc:Fallback xmlns="">
+        <mc:Fallback>
           <p:sp>
             <p:nvSpPr>
               <p:cNvPr id="4" name="TextBox 3"/>
@@ -11695,14 +11279,14 @@
             </p:nvSpPr>
             <p:spPr>
               <a:xfrm>
-                <a:off x="18215893" y="14331334"/>
+                <a:off x="21672277" y="14331334"/>
                 <a:ext cx="3024336" cy="3551678"/>
               </a:xfrm>
               <a:prstGeom prst="rect">
                 <a:avLst/>
               </a:prstGeom>
               <a:blipFill rotWithShape="1">
-                <a:blip r:embed="rId3"/>
+                <a:blip r:embed="rId4"/>
                 <a:stretch>
                   <a:fillRect r="-67742"/>
                 </a:stretch>
@@ -11731,8 +11315,8 @@
         </p:nvSpPr>
         <p:spPr bwMode="auto">
           <a:xfrm>
-            <a:off x="15551597" y="15401620"/>
-            <a:ext cx="1584176" cy="1303616"/>
+            <a:off x="19872077" y="15473628"/>
+            <a:ext cx="1296144" cy="1303616"/>
           </a:xfrm>
           <a:prstGeom prst="rightArrow">
             <a:avLst/>
@@ -11797,8 +11381,8 @@
           </a:p>
         </p:txBody>
       </p:sp>
-      <mc:AlternateContent xmlns:mc="http://schemas.openxmlformats.org/markup-compatibility/2006" xmlns:a14="http://schemas.microsoft.com/office/drawing/2010/main">
-        <mc:Choice Requires="a14">
+      <mc:AlternateContent xmlns:mc="http://schemas.openxmlformats.org/markup-compatibility/2006">
+        <mc:Choice xmlns:a14="http://schemas.microsoft.com/office/drawing/2010/main" Requires="a14">
           <p:sp>
             <p:nvSpPr>
               <p:cNvPr id="6" name="TextBox 5"/>
@@ -11807,7 +11391,7 @@
             </p:nvSpPr>
             <p:spPr>
               <a:xfrm>
-                <a:off x="11807181" y="17963305"/>
+                <a:off x="16677317" y="18855679"/>
                 <a:ext cx="1135247" cy="1200329"/>
               </a:xfrm>
               <a:prstGeom prst="rect">
@@ -11842,7 +11426,7 @@
             </p:txBody>
           </p:sp>
         </mc:Choice>
-        <mc:Fallback xmlns="">
+        <mc:Fallback>
           <p:sp>
             <p:nvSpPr>
               <p:cNvPr id="6" name="TextBox 5"/>
@@ -11853,14 +11437,14 @@
             </p:nvSpPr>
             <p:spPr>
               <a:xfrm>
-                <a:off x="11807181" y="17963305"/>
+                <a:off x="16677317" y="18855679"/>
                 <a:ext cx="1135247" cy="1200329"/>
               </a:xfrm>
               <a:prstGeom prst="rect">
                 <a:avLst/>
               </a:prstGeom>
               <a:blipFill rotWithShape="1">
-                <a:blip r:embed="rId4"/>
+                <a:blip r:embed="rId5"/>
                 <a:stretch>
                   <a:fillRect/>
                 </a:stretch>
@@ -11889,8 +11473,8 @@
         </p:nvSpPr>
         <p:spPr bwMode="auto">
           <a:xfrm rot="21600000">
-            <a:off x="25056653" y="15473628"/>
-            <a:ext cx="1584176" cy="1303616"/>
+            <a:off x="27792957" y="15473628"/>
+            <a:ext cx="1224136" cy="1303616"/>
           </a:xfrm>
           <a:prstGeom prst="rightArrow">
             <a:avLst/>
@@ -11955,1168 +11539,8 @@
           </a:p>
         </p:txBody>
       </p:sp>
-      <p:graphicFrame>
-        <p:nvGraphicFramePr>
-          <p:cNvPr id="11" name="Table 10"/>
-          <p:cNvGraphicFramePr>
-            <a:graphicFrameLocks noGrp="1"/>
-          </p:cNvGraphicFramePr>
-          <p:nvPr>
-            <p:extLst>
-              <p:ext uri="{D42A27DB-BD31-4B8C-83A1-F6EECF244321}">
-                <p14:modId xmlns:p14="http://schemas.microsoft.com/office/powerpoint/2010/main" val="961783206"/>
-              </p:ext>
-            </p:extLst>
-          </p:nvPr>
-        </p:nvGraphicFramePr>
-        <p:xfrm>
-          <a:off x="28369021" y="14343672"/>
-          <a:ext cx="4896540" cy="3960440"/>
-        </p:xfrm>
-        <a:graphic>
-          <a:graphicData uri="http://schemas.openxmlformats.org/drawingml/2006/table">
-            <a:tbl>
-              <a:tblPr firstRow="1" bandRow="1">
-                <a:tableStyleId>{5940675A-B579-460E-94D1-54222C63F5DA}</a:tableStyleId>
-              </a:tblPr>
-              <a:tblGrid>
-                <a:gridCol w="489654"/>
-                <a:gridCol w="489654"/>
-                <a:gridCol w="489654"/>
-                <a:gridCol w="489654"/>
-                <a:gridCol w="489654"/>
-                <a:gridCol w="489654"/>
-                <a:gridCol w="489654"/>
-                <a:gridCol w="489654"/>
-                <a:gridCol w="489654"/>
-                <a:gridCol w="489654"/>
-              </a:tblGrid>
-              <a:tr h="396044">
-                <a:tc>
-                  <a:txBody>
-                    <a:bodyPr/>
-                    <a:lstStyle/>
-                    <a:p>
-                      <a:pPr algn="ctr"/>
-                      <a:endParaRPr lang="en-GB" sz="1000" b="1" dirty="0"/>
-                    </a:p>
-                  </a:txBody>
-                  <a:tcPr/>
-                </a:tc>
-                <a:tc>
-                  <a:txBody>
-                    <a:bodyPr/>
-                    <a:lstStyle/>
-                    <a:p>
-                      <a:pPr algn="ctr"/>
-                      <a:endParaRPr lang="en-GB" sz="1000" b="1" dirty="0"/>
-                    </a:p>
-                  </a:txBody>
-                  <a:tcPr/>
-                </a:tc>
-                <a:tc>
-                  <a:txBody>
-                    <a:bodyPr/>
-                    <a:lstStyle/>
-                    <a:p>
-                      <a:pPr algn="ctr"/>
-                      <a:endParaRPr lang="en-GB" sz="1000" b="1" dirty="0"/>
-                    </a:p>
-                  </a:txBody>
-                  <a:tcPr/>
-                </a:tc>
-                <a:tc>
-                  <a:txBody>
-                    <a:bodyPr/>
-                    <a:lstStyle/>
-                    <a:p>
-                      <a:pPr algn="ctr"/>
-                      <a:endParaRPr lang="en-GB" sz="1000" b="1" dirty="0"/>
-                    </a:p>
-                  </a:txBody>
-                  <a:tcPr/>
-                </a:tc>
-                <a:tc>
-                  <a:txBody>
-                    <a:bodyPr/>
-                    <a:lstStyle/>
-                    <a:p>
-                      <a:pPr algn="ctr"/>
-                      <a:endParaRPr lang="en-GB" sz="1000" b="1" dirty="0"/>
-                    </a:p>
-                  </a:txBody>
-                  <a:tcPr/>
-                </a:tc>
-                <a:tc>
-                  <a:txBody>
-                    <a:bodyPr/>
-                    <a:lstStyle/>
-                    <a:p>
-                      <a:pPr algn="ctr"/>
-                      <a:endParaRPr lang="en-GB" sz="1000" b="1" dirty="0"/>
-                    </a:p>
-                  </a:txBody>
-                  <a:tcPr/>
-                </a:tc>
-                <a:tc>
-                  <a:txBody>
-                    <a:bodyPr/>
-                    <a:lstStyle/>
-                    <a:p>
-                      <a:pPr algn="ctr"/>
-                      <a:endParaRPr lang="en-GB" sz="1000" b="1" dirty="0"/>
-                    </a:p>
-                  </a:txBody>
-                  <a:tcPr/>
-                </a:tc>
-                <a:tc>
-                  <a:txBody>
-                    <a:bodyPr/>
-                    <a:lstStyle/>
-                    <a:p>
-                      <a:pPr algn="ctr"/>
-                      <a:endParaRPr lang="en-GB" sz="1000" b="1" dirty="0"/>
-                    </a:p>
-                  </a:txBody>
-                  <a:tcPr/>
-                </a:tc>
-                <a:tc>
-                  <a:txBody>
-                    <a:bodyPr/>
-                    <a:lstStyle/>
-                    <a:p>
-                      <a:pPr algn="ctr"/>
-                      <a:endParaRPr lang="en-GB" sz="1000" b="1" dirty="0"/>
-                    </a:p>
-                  </a:txBody>
-                  <a:tcPr/>
-                </a:tc>
-                <a:tc>
-                  <a:txBody>
-                    <a:bodyPr/>
-                    <a:lstStyle/>
-                    <a:p>
-                      <a:pPr algn="ctr"/>
-                      <a:endParaRPr lang="en-GB" sz="1000" b="1" dirty="0"/>
-                    </a:p>
-                  </a:txBody>
-                  <a:tcPr/>
-                </a:tc>
-              </a:tr>
-              <a:tr h="396044">
-                <a:tc>
-                  <a:txBody>
-                    <a:bodyPr/>
-                    <a:lstStyle/>
-                    <a:p>
-                      <a:pPr algn="ctr"/>
-                      <a:endParaRPr lang="en-GB" sz="1000" b="1" dirty="0"/>
-                    </a:p>
-                  </a:txBody>
-                  <a:tcPr/>
-                </a:tc>
-                <a:tc>
-                  <a:txBody>
-                    <a:bodyPr/>
-                    <a:lstStyle/>
-                    <a:p>
-                      <a:pPr algn="ctr"/>
-                      <a:endParaRPr lang="en-GB" sz="1000" b="1" dirty="0"/>
-                    </a:p>
-                  </a:txBody>
-                  <a:tcPr/>
-                </a:tc>
-                <a:tc>
-                  <a:txBody>
-                    <a:bodyPr/>
-                    <a:lstStyle/>
-                    <a:p>
-                      <a:pPr algn="ctr"/>
-                      <a:endParaRPr lang="en-GB" sz="1000" b="1" dirty="0"/>
-                    </a:p>
-                  </a:txBody>
-                  <a:tcPr/>
-                </a:tc>
-                <a:tc>
-                  <a:txBody>
-                    <a:bodyPr/>
-                    <a:lstStyle/>
-                    <a:p>
-                      <a:pPr algn="ctr"/>
-                      <a:endParaRPr lang="en-GB" sz="1000" b="1" dirty="0"/>
-                    </a:p>
-                  </a:txBody>
-                  <a:tcPr/>
-                </a:tc>
-                <a:tc>
-                  <a:txBody>
-                    <a:bodyPr/>
-                    <a:lstStyle/>
-                    <a:p>
-                      <a:pPr algn="ctr"/>
-                      <a:endParaRPr lang="en-GB" sz="1000" b="1" dirty="0"/>
-                    </a:p>
-                  </a:txBody>
-                  <a:tcPr/>
-                </a:tc>
-                <a:tc>
-                  <a:txBody>
-                    <a:bodyPr/>
-                    <a:lstStyle/>
-                    <a:p>
-                      <a:pPr algn="ctr"/>
-                      <a:endParaRPr lang="en-GB" sz="1000" b="1" dirty="0"/>
-                    </a:p>
-                  </a:txBody>
-                  <a:tcPr/>
-                </a:tc>
-                <a:tc>
-                  <a:txBody>
-                    <a:bodyPr/>
-                    <a:lstStyle/>
-                    <a:p>
-                      <a:pPr algn="ctr"/>
-                      <a:endParaRPr lang="en-GB" sz="1000" b="1" dirty="0"/>
-                    </a:p>
-                  </a:txBody>
-                  <a:tcPr/>
-                </a:tc>
-                <a:tc>
-                  <a:txBody>
-                    <a:bodyPr/>
-                    <a:lstStyle/>
-                    <a:p>
-                      <a:pPr algn="ctr"/>
-                      <a:endParaRPr lang="en-GB" sz="1000" b="1" dirty="0"/>
-                    </a:p>
-                  </a:txBody>
-                  <a:tcPr/>
-                </a:tc>
-                <a:tc>
-                  <a:txBody>
-                    <a:bodyPr/>
-                    <a:lstStyle/>
-                    <a:p>
-                      <a:pPr algn="ctr"/>
-                      <a:endParaRPr lang="en-GB" sz="1000" b="1" dirty="0"/>
-                    </a:p>
-                  </a:txBody>
-                  <a:tcPr/>
-                </a:tc>
-                <a:tc>
-                  <a:txBody>
-                    <a:bodyPr/>
-                    <a:lstStyle/>
-                    <a:p>
-                      <a:pPr algn="ctr"/>
-                      <a:endParaRPr lang="en-GB" sz="1000" b="1" dirty="0"/>
-                    </a:p>
-                  </a:txBody>
-                  <a:tcPr/>
-                </a:tc>
-              </a:tr>
-              <a:tr h="396044">
-                <a:tc>
-                  <a:txBody>
-                    <a:bodyPr/>
-                    <a:lstStyle/>
-                    <a:p>
-                      <a:pPr algn="ctr"/>
-                      <a:endParaRPr lang="en-GB" sz="1000" b="1" dirty="0"/>
-                    </a:p>
-                  </a:txBody>
-                  <a:tcPr/>
-                </a:tc>
-                <a:tc>
-                  <a:txBody>
-                    <a:bodyPr/>
-                    <a:lstStyle/>
-                    <a:p>
-                      <a:pPr algn="ctr"/>
-                      <a:endParaRPr lang="en-GB" sz="1000" b="1" dirty="0"/>
-                    </a:p>
-                  </a:txBody>
-                  <a:tcPr/>
-                </a:tc>
-                <a:tc>
-                  <a:txBody>
-                    <a:bodyPr/>
-                    <a:lstStyle/>
-                    <a:p>
-                      <a:pPr algn="ctr"/>
-                      <a:endParaRPr lang="en-GB" sz="1000" b="1" dirty="0"/>
-                    </a:p>
-                  </a:txBody>
-                  <a:tcPr/>
-                </a:tc>
-                <a:tc>
-                  <a:txBody>
-                    <a:bodyPr/>
-                    <a:lstStyle/>
-                    <a:p>
-                      <a:pPr algn="ctr"/>
-                      <a:endParaRPr lang="en-GB" sz="1000" b="1" dirty="0"/>
-                    </a:p>
-                  </a:txBody>
-                  <a:tcPr/>
-                </a:tc>
-                <a:tc>
-                  <a:txBody>
-                    <a:bodyPr/>
-                    <a:lstStyle/>
-                    <a:p>
-                      <a:pPr algn="ctr"/>
-                      <a:endParaRPr lang="en-GB" sz="1000" b="1" dirty="0"/>
-                    </a:p>
-                  </a:txBody>
-                  <a:tcPr/>
-                </a:tc>
-                <a:tc>
-                  <a:txBody>
-                    <a:bodyPr/>
-                    <a:lstStyle/>
-                    <a:p>
-                      <a:pPr algn="ctr"/>
-                      <a:endParaRPr lang="en-GB" sz="1000" b="1" dirty="0"/>
-                    </a:p>
-                  </a:txBody>
-                  <a:tcPr/>
-                </a:tc>
-                <a:tc>
-                  <a:txBody>
-                    <a:bodyPr/>
-                    <a:lstStyle/>
-                    <a:p>
-                      <a:pPr algn="ctr"/>
-                      <a:endParaRPr lang="en-GB" sz="1000" b="1" dirty="0"/>
-                    </a:p>
-                  </a:txBody>
-                  <a:tcPr/>
-                </a:tc>
-                <a:tc>
-                  <a:txBody>
-                    <a:bodyPr/>
-                    <a:lstStyle/>
-                    <a:p>
-                      <a:pPr algn="ctr"/>
-                      <a:endParaRPr lang="en-GB" sz="1000" b="1" dirty="0"/>
-                    </a:p>
-                  </a:txBody>
-                  <a:tcPr/>
-                </a:tc>
-                <a:tc>
-                  <a:txBody>
-                    <a:bodyPr/>
-                    <a:lstStyle/>
-                    <a:p>
-                      <a:pPr algn="ctr"/>
-                      <a:endParaRPr lang="en-GB" sz="1000" b="1" dirty="0"/>
-                    </a:p>
-                  </a:txBody>
-                  <a:tcPr/>
-                </a:tc>
-                <a:tc>
-                  <a:txBody>
-                    <a:bodyPr/>
-                    <a:lstStyle/>
-                    <a:p>
-                      <a:pPr algn="ctr"/>
-                      <a:endParaRPr lang="en-GB" sz="1000" b="1" dirty="0"/>
-                    </a:p>
-                  </a:txBody>
-                  <a:tcPr/>
-                </a:tc>
-              </a:tr>
-              <a:tr h="396044">
-                <a:tc>
-                  <a:txBody>
-                    <a:bodyPr/>
-                    <a:lstStyle/>
-                    <a:p>
-                      <a:pPr algn="ctr"/>
-                      <a:endParaRPr lang="en-GB" sz="1000" b="1" dirty="0"/>
-                    </a:p>
-                  </a:txBody>
-                  <a:tcPr/>
-                </a:tc>
-                <a:tc>
-                  <a:txBody>
-                    <a:bodyPr/>
-                    <a:lstStyle/>
-                    <a:p>
-                      <a:pPr algn="ctr"/>
-                      <a:endParaRPr lang="en-GB" sz="1000" b="1" dirty="0"/>
-                    </a:p>
-                  </a:txBody>
-                  <a:tcPr/>
-                </a:tc>
-                <a:tc>
-                  <a:txBody>
-                    <a:bodyPr/>
-                    <a:lstStyle/>
-                    <a:p>
-                      <a:pPr algn="ctr"/>
-                      <a:endParaRPr lang="en-GB" sz="1000" b="1" dirty="0"/>
-                    </a:p>
-                  </a:txBody>
-                  <a:tcPr/>
-                </a:tc>
-                <a:tc>
-                  <a:txBody>
-                    <a:bodyPr/>
-                    <a:lstStyle/>
-                    <a:p>
-                      <a:pPr algn="ctr"/>
-                      <a:endParaRPr lang="en-GB" sz="1000" b="1" dirty="0"/>
-                    </a:p>
-                  </a:txBody>
-                  <a:tcPr/>
-                </a:tc>
-                <a:tc>
-                  <a:txBody>
-                    <a:bodyPr/>
-                    <a:lstStyle/>
-                    <a:p>
-                      <a:pPr algn="ctr"/>
-                      <a:endParaRPr lang="en-GB" sz="1000" b="1" dirty="0"/>
-                    </a:p>
-                  </a:txBody>
-                  <a:tcPr/>
-                </a:tc>
-                <a:tc>
-                  <a:txBody>
-                    <a:bodyPr/>
-                    <a:lstStyle/>
-                    <a:p>
-                      <a:pPr algn="ctr"/>
-                      <a:endParaRPr lang="en-GB" sz="1000" b="1" dirty="0"/>
-                    </a:p>
-                  </a:txBody>
-                  <a:tcPr/>
-                </a:tc>
-                <a:tc>
-                  <a:txBody>
-                    <a:bodyPr/>
-                    <a:lstStyle/>
-                    <a:p>
-                      <a:pPr algn="ctr"/>
-                      <a:endParaRPr lang="en-GB" sz="1000" b="1" dirty="0"/>
-                    </a:p>
-                  </a:txBody>
-                  <a:tcPr/>
-                </a:tc>
-                <a:tc>
-                  <a:txBody>
-                    <a:bodyPr/>
-                    <a:lstStyle/>
-                    <a:p>
-                      <a:pPr algn="ctr"/>
-                      <a:endParaRPr lang="en-GB" sz="1000" b="1" dirty="0"/>
-                    </a:p>
-                  </a:txBody>
-                  <a:tcPr/>
-                </a:tc>
-                <a:tc>
-                  <a:txBody>
-                    <a:bodyPr/>
-                    <a:lstStyle/>
-                    <a:p>
-                      <a:pPr algn="ctr"/>
-                      <a:endParaRPr lang="en-GB" sz="1000" b="1" dirty="0"/>
-                    </a:p>
-                  </a:txBody>
-                  <a:tcPr/>
-                </a:tc>
-                <a:tc>
-                  <a:txBody>
-                    <a:bodyPr/>
-                    <a:lstStyle/>
-                    <a:p>
-                      <a:pPr algn="ctr"/>
-                      <a:endParaRPr lang="en-GB" sz="1000" b="1" dirty="0"/>
-                    </a:p>
-                  </a:txBody>
-                  <a:tcPr/>
-                </a:tc>
-              </a:tr>
-              <a:tr h="396044">
-                <a:tc>
-                  <a:txBody>
-                    <a:bodyPr/>
-                    <a:lstStyle/>
-                    <a:p>
-                      <a:pPr algn="ctr"/>
-                      <a:endParaRPr lang="en-GB" sz="1000" b="1" dirty="0"/>
-                    </a:p>
-                  </a:txBody>
-                  <a:tcPr/>
-                </a:tc>
-                <a:tc>
-                  <a:txBody>
-                    <a:bodyPr/>
-                    <a:lstStyle/>
-                    <a:p>
-                      <a:pPr algn="ctr"/>
-                      <a:endParaRPr lang="en-GB" sz="1000" b="1" dirty="0"/>
-                    </a:p>
-                  </a:txBody>
-                  <a:tcPr/>
-                </a:tc>
-                <a:tc>
-                  <a:txBody>
-                    <a:bodyPr/>
-                    <a:lstStyle/>
-                    <a:p>
-                      <a:pPr algn="ctr"/>
-                      <a:endParaRPr lang="en-GB" sz="1000" b="1" dirty="0"/>
-                    </a:p>
-                  </a:txBody>
-                  <a:tcPr/>
-                </a:tc>
-                <a:tc>
-                  <a:txBody>
-                    <a:bodyPr/>
-                    <a:lstStyle/>
-                    <a:p>
-                      <a:pPr algn="ctr"/>
-                      <a:endParaRPr lang="en-GB" sz="1000" b="1" dirty="0"/>
-                    </a:p>
-                  </a:txBody>
-                  <a:tcPr/>
-                </a:tc>
-                <a:tc>
-                  <a:txBody>
-                    <a:bodyPr/>
-                    <a:lstStyle/>
-                    <a:p>
-                      <a:pPr algn="ctr"/>
-                      <a:endParaRPr lang="en-GB" sz="1000" b="1" dirty="0"/>
-                    </a:p>
-                  </a:txBody>
-                  <a:tcPr/>
-                </a:tc>
-                <a:tc>
-                  <a:txBody>
-                    <a:bodyPr/>
-                    <a:lstStyle/>
-                    <a:p>
-                      <a:pPr algn="ctr"/>
-                      <a:endParaRPr lang="en-GB" sz="1000" b="1" dirty="0"/>
-                    </a:p>
-                  </a:txBody>
-                  <a:tcPr/>
-                </a:tc>
-                <a:tc>
-                  <a:txBody>
-                    <a:bodyPr/>
-                    <a:lstStyle/>
-                    <a:p>
-                      <a:pPr algn="ctr"/>
-                      <a:endParaRPr lang="en-GB" sz="1000" b="1" dirty="0"/>
-                    </a:p>
-                  </a:txBody>
-                  <a:tcPr/>
-                </a:tc>
-                <a:tc>
-                  <a:txBody>
-                    <a:bodyPr/>
-                    <a:lstStyle/>
-                    <a:p>
-                      <a:pPr algn="ctr"/>
-                      <a:endParaRPr lang="en-GB" sz="1000" b="1" dirty="0"/>
-                    </a:p>
-                  </a:txBody>
-                  <a:tcPr/>
-                </a:tc>
-                <a:tc>
-                  <a:txBody>
-                    <a:bodyPr/>
-                    <a:lstStyle/>
-                    <a:p>
-                      <a:pPr algn="ctr"/>
-                      <a:endParaRPr lang="en-GB" sz="1000" b="1" dirty="0"/>
-                    </a:p>
-                  </a:txBody>
-                  <a:tcPr/>
-                </a:tc>
-                <a:tc>
-                  <a:txBody>
-                    <a:bodyPr/>
-                    <a:lstStyle/>
-                    <a:p>
-                      <a:pPr algn="ctr"/>
-                      <a:endParaRPr lang="en-GB" sz="1000" b="1" dirty="0"/>
-                    </a:p>
-                  </a:txBody>
-                  <a:tcPr/>
-                </a:tc>
-              </a:tr>
-              <a:tr h="396044">
-                <a:tc>
-                  <a:txBody>
-                    <a:bodyPr/>
-                    <a:lstStyle/>
-                    <a:p>
-                      <a:pPr algn="ctr"/>
-                      <a:endParaRPr lang="en-GB" sz="1000" b="1" dirty="0"/>
-                    </a:p>
-                  </a:txBody>
-                  <a:tcPr/>
-                </a:tc>
-                <a:tc>
-                  <a:txBody>
-                    <a:bodyPr/>
-                    <a:lstStyle/>
-                    <a:p>
-                      <a:pPr algn="ctr"/>
-                      <a:endParaRPr lang="en-GB" sz="1000" b="1" dirty="0"/>
-                    </a:p>
-                  </a:txBody>
-                  <a:tcPr/>
-                </a:tc>
-                <a:tc>
-                  <a:txBody>
-                    <a:bodyPr/>
-                    <a:lstStyle/>
-                    <a:p>
-                      <a:pPr algn="ctr"/>
-                      <a:endParaRPr lang="en-GB" sz="1000" b="1" dirty="0"/>
-                    </a:p>
-                  </a:txBody>
-                  <a:tcPr/>
-                </a:tc>
-                <a:tc>
-                  <a:txBody>
-                    <a:bodyPr/>
-                    <a:lstStyle/>
-                    <a:p>
-                      <a:pPr algn="ctr"/>
-                      <a:endParaRPr lang="en-GB" sz="1000" b="1" dirty="0"/>
-                    </a:p>
-                  </a:txBody>
-                  <a:tcPr/>
-                </a:tc>
-                <a:tc>
-                  <a:txBody>
-                    <a:bodyPr/>
-                    <a:lstStyle/>
-                    <a:p>
-                      <a:pPr algn="ctr"/>
-                      <a:endParaRPr lang="en-GB" sz="1000" b="1" dirty="0"/>
-                    </a:p>
-                  </a:txBody>
-                  <a:tcPr/>
-                </a:tc>
-                <a:tc>
-                  <a:txBody>
-                    <a:bodyPr/>
-                    <a:lstStyle/>
-                    <a:p>
-                      <a:pPr algn="ctr"/>
-                      <a:endParaRPr lang="en-GB" sz="1000" b="1" dirty="0"/>
-                    </a:p>
-                  </a:txBody>
-                  <a:tcPr/>
-                </a:tc>
-                <a:tc>
-                  <a:txBody>
-                    <a:bodyPr/>
-                    <a:lstStyle/>
-                    <a:p>
-                      <a:pPr algn="ctr"/>
-                      <a:endParaRPr lang="en-GB" sz="1000" b="1" dirty="0"/>
-                    </a:p>
-                  </a:txBody>
-                  <a:tcPr/>
-                </a:tc>
-                <a:tc>
-                  <a:txBody>
-                    <a:bodyPr/>
-                    <a:lstStyle/>
-                    <a:p>
-                      <a:pPr algn="ctr"/>
-                      <a:endParaRPr lang="en-GB" sz="1000" b="1" dirty="0"/>
-                    </a:p>
-                  </a:txBody>
-                  <a:tcPr/>
-                </a:tc>
-                <a:tc>
-                  <a:txBody>
-                    <a:bodyPr/>
-                    <a:lstStyle/>
-                    <a:p>
-                      <a:pPr algn="ctr"/>
-                      <a:endParaRPr lang="en-GB" sz="1000" b="1" dirty="0"/>
-                    </a:p>
-                  </a:txBody>
-                  <a:tcPr/>
-                </a:tc>
-                <a:tc>
-                  <a:txBody>
-                    <a:bodyPr/>
-                    <a:lstStyle/>
-                    <a:p>
-                      <a:pPr algn="ctr"/>
-                      <a:endParaRPr lang="en-GB" sz="1000" b="1" dirty="0"/>
-                    </a:p>
-                  </a:txBody>
-                  <a:tcPr/>
-                </a:tc>
-              </a:tr>
-              <a:tr h="396044">
-                <a:tc>
-                  <a:txBody>
-                    <a:bodyPr/>
-                    <a:lstStyle/>
-                    <a:p>
-                      <a:pPr algn="ctr"/>
-                      <a:endParaRPr lang="en-GB" sz="1000" b="1" dirty="0"/>
-                    </a:p>
-                  </a:txBody>
-                  <a:tcPr/>
-                </a:tc>
-                <a:tc>
-                  <a:txBody>
-                    <a:bodyPr/>
-                    <a:lstStyle/>
-                    <a:p>
-                      <a:pPr algn="ctr"/>
-                      <a:endParaRPr lang="en-GB" sz="1000" b="1" dirty="0"/>
-                    </a:p>
-                  </a:txBody>
-                  <a:tcPr/>
-                </a:tc>
-                <a:tc>
-                  <a:txBody>
-                    <a:bodyPr/>
-                    <a:lstStyle/>
-                    <a:p>
-                      <a:pPr algn="ctr"/>
-                      <a:endParaRPr lang="en-GB" sz="1000" b="1" dirty="0"/>
-                    </a:p>
-                  </a:txBody>
-                  <a:tcPr/>
-                </a:tc>
-                <a:tc>
-                  <a:txBody>
-                    <a:bodyPr/>
-                    <a:lstStyle/>
-                    <a:p>
-                      <a:pPr algn="ctr"/>
-                      <a:endParaRPr lang="en-GB" sz="1000" b="1" dirty="0"/>
-                    </a:p>
-                  </a:txBody>
-                  <a:tcPr/>
-                </a:tc>
-                <a:tc>
-                  <a:txBody>
-                    <a:bodyPr/>
-                    <a:lstStyle/>
-                    <a:p>
-                      <a:pPr algn="ctr"/>
-                      <a:endParaRPr lang="en-GB" sz="1000" b="1" dirty="0"/>
-                    </a:p>
-                  </a:txBody>
-                  <a:tcPr/>
-                </a:tc>
-                <a:tc>
-                  <a:txBody>
-                    <a:bodyPr/>
-                    <a:lstStyle/>
-                    <a:p>
-                      <a:pPr algn="ctr"/>
-                      <a:endParaRPr lang="en-GB" sz="1000" b="1" dirty="0"/>
-                    </a:p>
-                  </a:txBody>
-                  <a:tcPr/>
-                </a:tc>
-                <a:tc>
-                  <a:txBody>
-                    <a:bodyPr/>
-                    <a:lstStyle/>
-                    <a:p>
-                      <a:pPr algn="ctr"/>
-                      <a:endParaRPr lang="en-GB" sz="1000" b="1" dirty="0"/>
-                    </a:p>
-                  </a:txBody>
-                  <a:tcPr/>
-                </a:tc>
-                <a:tc>
-                  <a:txBody>
-                    <a:bodyPr/>
-                    <a:lstStyle/>
-                    <a:p>
-                      <a:pPr algn="ctr"/>
-                      <a:endParaRPr lang="en-GB" sz="1000" b="1" dirty="0"/>
-                    </a:p>
-                  </a:txBody>
-                  <a:tcPr/>
-                </a:tc>
-                <a:tc>
-                  <a:txBody>
-                    <a:bodyPr/>
-                    <a:lstStyle/>
-                    <a:p>
-                      <a:pPr algn="ctr"/>
-                      <a:endParaRPr lang="en-GB" sz="1000" b="1" dirty="0"/>
-                    </a:p>
-                  </a:txBody>
-                  <a:tcPr/>
-                </a:tc>
-                <a:tc>
-                  <a:txBody>
-                    <a:bodyPr/>
-                    <a:lstStyle/>
-                    <a:p>
-                      <a:pPr algn="ctr"/>
-                      <a:endParaRPr lang="en-GB" sz="1000" b="1" dirty="0"/>
-                    </a:p>
-                  </a:txBody>
-                  <a:tcPr/>
-                </a:tc>
-              </a:tr>
-              <a:tr h="396044">
-                <a:tc>
-                  <a:txBody>
-                    <a:bodyPr/>
-                    <a:lstStyle/>
-                    <a:p>
-                      <a:pPr algn="ctr"/>
-                      <a:endParaRPr lang="en-GB" sz="1000" b="1" dirty="0"/>
-                    </a:p>
-                  </a:txBody>
-                  <a:tcPr/>
-                </a:tc>
-                <a:tc>
-                  <a:txBody>
-                    <a:bodyPr/>
-                    <a:lstStyle/>
-                    <a:p>
-                      <a:pPr algn="ctr"/>
-                      <a:endParaRPr lang="en-GB" sz="1000" b="1" dirty="0"/>
-                    </a:p>
-                  </a:txBody>
-                  <a:tcPr/>
-                </a:tc>
-                <a:tc>
-                  <a:txBody>
-                    <a:bodyPr/>
-                    <a:lstStyle/>
-                    <a:p>
-                      <a:pPr algn="ctr"/>
-                      <a:endParaRPr lang="en-GB" sz="1000" b="1" dirty="0"/>
-                    </a:p>
-                  </a:txBody>
-                  <a:tcPr/>
-                </a:tc>
-                <a:tc>
-                  <a:txBody>
-                    <a:bodyPr/>
-                    <a:lstStyle/>
-                    <a:p>
-                      <a:pPr algn="ctr"/>
-                      <a:endParaRPr lang="en-GB" sz="1000" b="1" dirty="0"/>
-                    </a:p>
-                  </a:txBody>
-                  <a:tcPr/>
-                </a:tc>
-                <a:tc>
-                  <a:txBody>
-                    <a:bodyPr/>
-                    <a:lstStyle/>
-                    <a:p>
-                      <a:pPr algn="ctr"/>
-                      <a:endParaRPr lang="en-GB" sz="1000" b="1" dirty="0"/>
-                    </a:p>
-                  </a:txBody>
-                  <a:tcPr/>
-                </a:tc>
-                <a:tc>
-                  <a:txBody>
-                    <a:bodyPr/>
-                    <a:lstStyle/>
-                    <a:p>
-                      <a:pPr algn="ctr"/>
-                      <a:endParaRPr lang="en-GB" sz="1000" b="1" dirty="0"/>
-                    </a:p>
-                  </a:txBody>
-                  <a:tcPr/>
-                </a:tc>
-                <a:tc>
-                  <a:txBody>
-                    <a:bodyPr/>
-                    <a:lstStyle/>
-                    <a:p>
-                      <a:pPr algn="ctr"/>
-                      <a:endParaRPr lang="en-GB" sz="1000" b="1" dirty="0"/>
-                    </a:p>
-                  </a:txBody>
-                  <a:tcPr/>
-                </a:tc>
-                <a:tc>
-                  <a:txBody>
-                    <a:bodyPr/>
-                    <a:lstStyle/>
-                    <a:p>
-                      <a:pPr algn="ctr"/>
-                      <a:endParaRPr lang="en-GB" sz="1000" b="1" dirty="0"/>
-                    </a:p>
-                  </a:txBody>
-                  <a:tcPr/>
-                </a:tc>
-                <a:tc>
-                  <a:txBody>
-                    <a:bodyPr/>
-                    <a:lstStyle/>
-                    <a:p>
-                      <a:pPr algn="ctr"/>
-                      <a:endParaRPr lang="en-GB" sz="1000" b="1" dirty="0"/>
-                    </a:p>
-                  </a:txBody>
-                  <a:tcPr/>
-                </a:tc>
-                <a:tc>
-                  <a:txBody>
-                    <a:bodyPr/>
-                    <a:lstStyle/>
-                    <a:p>
-                      <a:pPr algn="ctr"/>
-                      <a:endParaRPr lang="en-GB" sz="1000" b="1" dirty="0"/>
-                    </a:p>
-                  </a:txBody>
-                  <a:tcPr/>
-                </a:tc>
-              </a:tr>
-              <a:tr h="396044">
-                <a:tc>
-                  <a:txBody>
-                    <a:bodyPr/>
-                    <a:lstStyle/>
-                    <a:p>
-                      <a:pPr algn="ctr"/>
-                      <a:endParaRPr lang="en-GB" sz="1000" b="1" dirty="0"/>
-                    </a:p>
-                  </a:txBody>
-                  <a:tcPr/>
-                </a:tc>
-                <a:tc>
-                  <a:txBody>
-                    <a:bodyPr/>
-                    <a:lstStyle/>
-                    <a:p>
-                      <a:pPr algn="ctr"/>
-                      <a:endParaRPr lang="en-GB" sz="1000" b="1" dirty="0"/>
-                    </a:p>
-                  </a:txBody>
-                  <a:tcPr/>
-                </a:tc>
-                <a:tc>
-                  <a:txBody>
-                    <a:bodyPr/>
-                    <a:lstStyle/>
-                    <a:p>
-                      <a:pPr algn="ctr"/>
-                      <a:endParaRPr lang="en-GB" sz="1000" b="1" dirty="0"/>
-                    </a:p>
-                  </a:txBody>
-                  <a:tcPr/>
-                </a:tc>
-                <a:tc>
-                  <a:txBody>
-                    <a:bodyPr/>
-                    <a:lstStyle/>
-                    <a:p>
-                      <a:pPr algn="ctr"/>
-                      <a:endParaRPr lang="en-GB" sz="1000" b="1" dirty="0"/>
-                    </a:p>
-                  </a:txBody>
-                  <a:tcPr/>
-                </a:tc>
-                <a:tc>
-                  <a:txBody>
-                    <a:bodyPr/>
-                    <a:lstStyle/>
-                    <a:p>
-                      <a:pPr algn="ctr"/>
-                      <a:endParaRPr lang="en-GB" sz="1000" b="1" dirty="0"/>
-                    </a:p>
-                  </a:txBody>
-                  <a:tcPr/>
-                </a:tc>
-                <a:tc>
-                  <a:txBody>
-                    <a:bodyPr/>
-                    <a:lstStyle/>
-                    <a:p>
-                      <a:pPr algn="ctr"/>
-                      <a:endParaRPr lang="en-GB" sz="1000" b="1" dirty="0"/>
-                    </a:p>
-                  </a:txBody>
-                  <a:tcPr/>
-                </a:tc>
-                <a:tc>
-                  <a:txBody>
-                    <a:bodyPr/>
-                    <a:lstStyle/>
-                    <a:p>
-                      <a:pPr algn="ctr"/>
-                      <a:endParaRPr lang="en-GB" sz="1000" b="1" dirty="0"/>
-                    </a:p>
-                  </a:txBody>
-                  <a:tcPr/>
-                </a:tc>
-                <a:tc>
-                  <a:txBody>
-                    <a:bodyPr/>
-                    <a:lstStyle/>
-                    <a:p>
-                      <a:pPr algn="ctr"/>
-                      <a:endParaRPr lang="en-GB" sz="1000" b="1" dirty="0"/>
-                    </a:p>
-                  </a:txBody>
-                  <a:tcPr/>
-                </a:tc>
-                <a:tc>
-                  <a:txBody>
-                    <a:bodyPr/>
-                    <a:lstStyle/>
-                    <a:p>
-                      <a:pPr algn="ctr"/>
-                      <a:endParaRPr lang="en-GB" sz="1000" b="1" dirty="0"/>
-                    </a:p>
-                  </a:txBody>
-                  <a:tcPr/>
-                </a:tc>
-                <a:tc>
-                  <a:txBody>
-                    <a:bodyPr/>
-                    <a:lstStyle/>
-                    <a:p>
-                      <a:pPr algn="ctr"/>
-                      <a:endParaRPr lang="en-GB" sz="1000" b="1" dirty="0"/>
-                    </a:p>
-                  </a:txBody>
-                  <a:tcPr/>
-                </a:tc>
-              </a:tr>
-              <a:tr h="396044">
-                <a:tc>
-                  <a:txBody>
-                    <a:bodyPr/>
-                    <a:lstStyle/>
-                    <a:p>
-                      <a:pPr algn="ctr"/>
-                      <a:endParaRPr lang="en-GB" sz="1000" b="1" dirty="0"/>
-                    </a:p>
-                  </a:txBody>
-                  <a:tcPr/>
-                </a:tc>
-                <a:tc>
-                  <a:txBody>
-                    <a:bodyPr/>
-                    <a:lstStyle/>
-                    <a:p>
-                      <a:pPr algn="ctr"/>
-                      <a:endParaRPr lang="en-GB" sz="1000" b="1" dirty="0"/>
-                    </a:p>
-                  </a:txBody>
-                  <a:tcPr/>
-                </a:tc>
-                <a:tc>
-                  <a:txBody>
-                    <a:bodyPr/>
-                    <a:lstStyle/>
-                    <a:p>
-                      <a:pPr algn="ctr"/>
-                      <a:endParaRPr lang="en-GB" sz="1000" b="1" dirty="0"/>
-                    </a:p>
-                  </a:txBody>
-                  <a:tcPr/>
-                </a:tc>
-                <a:tc>
-                  <a:txBody>
-                    <a:bodyPr/>
-                    <a:lstStyle/>
-                    <a:p>
-                      <a:pPr algn="ctr"/>
-                      <a:endParaRPr lang="en-GB" sz="1000" b="1" dirty="0"/>
-                    </a:p>
-                  </a:txBody>
-                  <a:tcPr/>
-                </a:tc>
-                <a:tc>
-                  <a:txBody>
-                    <a:bodyPr/>
-                    <a:lstStyle/>
-                    <a:p>
-                      <a:pPr algn="ctr"/>
-                      <a:endParaRPr lang="en-GB" sz="1000" b="1" dirty="0"/>
-                    </a:p>
-                  </a:txBody>
-                  <a:tcPr/>
-                </a:tc>
-                <a:tc>
-                  <a:txBody>
-                    <a:bodyPr/>
-                    <a:lstStyle/>
-                    <a:p>
-                      <a:pPr algn="ctr"/>
-                      <a:endParaRPr lang="en-GB" sz="1000" b="1" dirty="0"/>
-                    </a:p>
-                  </a:txBody>
-                  <a:tcPr/>
-                </a:tc>
-                <a:tc>
-                  <a:txBody>
-                    <a:bodyPr/>
-                    <a:lstStyle/>
-                    <a:p>
-                      <a:pPr algn="ctr"/>
-                      <a:endParaRPr lang="en-GB" sz="1000" b="1" dirty="0"/>
-                    </a:p>
-                  </a:txBody>
-                  <a:tcPr/>
-                </a:tc>
-                <a:tc>
-                  <a:txBody>
-                    <a:bodyPr/>
-                    <a:lstStyle/>
-                    <a:p>
-                      <a:pPr algn="ctr"/>
-                      <a:endParaRPr lang="en-GB" sz="1000" b="1" dirty="0"/>
-                    </a:p>
-                  </a:txBody>
-                  <a:tcPr/>
-                </a:tc>
-                <a:tc>
-                  <a:txBody>
-                    <a:bodyPr/>
-                    <a:lstStyle/>
-                    <a:p>
-                      <a:pPr algn="ctr"/>
-                      <a:endParaRPr lang="en-GB" sz="1000" b="1" dirty="0"/>
-                    </a:p>
-                  </a:txBody>
-                  <a:tcPr/>
-                </a:tc>
-                <a:tc>
-                  <a:txBody>
-                    <a:bodyPr/>
-                    <a:lstStyle/>
-                    <a:p>
-                      <a:pPr algn="ctr"/>
-                      <a:endParaRPr lang="en-GB" sz="1000" b="1" dirty="0"/>
-                    </a:p>
-                  </a:txBody>
-                  <a:tcPr/>
-                </a:tc>
-              </a:tr>
-            </a:tbl>
-          </a:graphicData>
-        </a:graphic>
-      </p:graphicFrame>
-      <mc:AlternateContent xmlns:mc="http://schemas.openxmlformats.org/markup-compatibility/2006" xmlns:a14="http://schemas.microsoft.com/office/drawing/2010/main">
-        <mc:Choice Requires="a14">
+      <mc:AlternateContent xmlns:mc="http://schemas.openxmlformats.org/markup-compatibility/2006">
+        <mc:Choice xmlns:a14="http://schemas.microsoft.com/office/drawing/2010/main" Requires="a14">
           <p:sp>
             <p:nvSpPr>
               <p:cNvPr id="7" name="TextBox 6"/>
@@ -13125,8 +11549,8 @@
             </p:nvSpPr>
             <p:spPr>
               <a:xfrm>
-                <a:off x="6014299" y="21262476"/>
-                <a:ext cx="8672566" cy="3323987"/>
+                <a:off x="10943085" y="20809693"/>
+                <a:ext cx="8140180" cy="4154984"/>
               </a:xfrm>
               <a:prstGeom prst="rect">
                 <a:avLst/>
@@ -13134,7 +11558,7 @@
               <a:noFill/>
             </p:spPr>
             <p:txBody>
-              <a:bodyPr wrap="none" rtlCol="0">
+              <a:bodyPr wrap="square" rtlCol="0">
                 <a:spAutoFit/>
               </a:bodyPr>
               <a:lstStyle/>
@@ -13186,7 +11610,7 @@
             </p:txBody>
           </p:sp>
         </mc:Choice>
-        <mc:Fallback xmlns="">
+        <mc:Fallback>
           <p:sp>
             <p:nvSpPr>
               <p:cNvPr id="7" name="TextBox 6"/>
@@ -13197,16 +11621,16 @@
             </p:nvSpPr>
             <p:spPr>
               <a:xfrm>
-                <a:off x="6014299" y="21262476"/>
-                <a:ext cx="8672566" cy="3323987"/>
+                <a:off x="10943085" y="20809693"/>
+                <a:ext cx="8140180" cy="4154984"/>
               </a:xfrm>
               <a:prstGeom prst="rect">
                 <a:avLst/>
               </a:prstGeom>
               <a:blipFill rotWithShape="1">
-                <a:blip r:embed="rId5"/>
+                <a:blip r:embed="rId6"/>
                 <a:stretch>
-                  <a:fillRect l="-3305" t="-6239" r="-3305" b="-9358"/>
+                  <a:fillRect t="-4993" b="-7342"/>
                 </a:stretch>
               </a:blipFill>
             </p:spPr>
@@ -13225,16 +11649,143 @@
           </p:sp>
         </mc:Fallback>
       </mc:AlternateContent>
-      <p:sp>
-        <p:nvSpPr>
-          <p:cNvPr id="13" name="TextBox 12"/>
+      <mc:AlternateContent xmlns:mc="http://schemas.openxmlformats.org/markup-compatibility/2006">
+        <mc:Choice xmlns:a14="http://schemas.microsoft.com/office/drawing/2010/main" Requires="a14">
+          <p:sp>
+            <p:nvSpPr>
+              <p:cNvPr id="13" name="TextBox 12"/>
+              <p:cNvSpPr txBox="1"/>
+              <p:nvPr/>
+            </p:nvSpPr>
+            <p:spPr>
+              <a:xfrm>
+                <a:off x="20448141" y="20809693"/>
+                <a:ext cx="7200800" cy="4463979"/>
+              </a:xfrm>
+              <a:prstGeom prst="rect">
+                <a:avLst/>
+              </a:prstGeom>
+              <a:noFill/>
+            </p:spPr>
+            <p:txBody>
+              <a:bodyPr wrap="square" rtlCol="0">
+                <a:spAutoFit/>
+              </a:bodyPr>
+              <a:lstStyle/>
+              <a:p>
+                <a:pPr algn="ctr"/>
+                <a:r>
+                  <a:rPr lang="sv-SE" sz="5400" dirty="0" smtClean="0"/>
+                  <a:t>Calculate weighted </a:t>
+                </a:r>
+                <a:r>
+                  <a:rPr lang="sv-SE" sz="5400" dirty="0" err="1" smtClean="0"/>
+                  <a:t>sum</a:t>
+                </a:r>
+                <a:r>
+                  <a:rPr lang="sv-SE" sz="5400" dirty="0" smtClean="0"/>
+                  <a:t> </a:t>
+                </a:r>
+                <a:r>
+                  <a:rPr lang="sv-SE" sz="5400" dirty="0" err="1" smtClean="0"/>
+                  <a:t>of</a:t>
+                </a:r>
+                <a:r>
+                  <a:rPr lang="sv-SE" sz="5400" dirty="0" smtClean="0"/>
+                  <a:t> </a:t>
+                </a:r>
+                <a:r>
+                  <a:rPr lang="sv-SE" sz="5400" dirty="0" err="1" smtClean="0"/>
+                  <a:t>activation</a:t>
+                </a:r>
+                <a:r>
+                  <a:rPr lang="sv-SE" sz="5400" dirty="0" smtClean="0"/>
+                  <a:t> </a:t>
+                </a:r>
+                <a:r>
+                  <a:rPr lang="sv-SE" sz="5400" dirty="0" err="1" smtClean="0"/>
+                  <a:t>function</a:t>
+                </a:r>
+                <a:r>
+                  <a:rPr lang="sv-SE" sz="5400" dirty="0" smtClean="0"/>
+                  <a:t> </a:t>
+                </a:r>
+                <a14:m>
+                  <m:oMath xmlns:m="http://schemas.openxmlformats.org/officeDocument/2006/math">
+                    <m:r>
+                      <a:rPr lang="pt-BR" sz="6600" i="1">
+                        <a:latin typeface="Cambria Math"/>
+                        <a:ea typeface="Cambria Math"/>
+                      </a:rPr>
+                      <m:t>𝜎</m:t>
+                    </m:r>
+                  </m:oMath>
+                </a14:m>
+                <a:r>
+                  <a:rPr lang="sv-SE" sz="5400" dirty="0" smtClean="0"/>
+                  <a:t>  </a:t>
+                </a:r>
+                <a:r>
+                  <a:rPr lang="sv-SE" sz="5400" dirty="0" smtClean="0"/>
+                  <a:t>for each pixel</a:t>
+                </a:r>
+                <a:endParaRPr lang="sv-SE" sz="5400" dirty="0"/>
+              </a:p>
+              <a:p>
+                <a:endParaRPr lang="en-GB" sz="4800" dirty="0"/>
+              </a:p>
+            </p:txBody>
+          </p:sp>
+        </mc:Choice>
+        <mc:Fallback>
+          <p:sp>
+            <p:nvSpPr>
+              <p:cNvPr id="13" name="TextBox 12"/>
+              <p:cNvSpPr txBox="1">
+                <a:spLocks noRot="1" noChangeAspect="1" noMove="1" noResize="1" noEditPoints="1" noAdjustHandles="1" noChangeArrowheads="1" noChangeShapeType="1" noTextEdit="1"/>
+              </p:cNvSpPr>
+              <p:nvPr/>
+            </p:nvSpPr>
+            <p:spPr>
+              <a:xfrm>
+                <a:off x="20448141" y="20809693"/>
+                <a:ext cx="7200800" cy="4463979"/>
+              </a:xfrm>
+              <a:prstGeom prst="rect">
+                <a:avLst/>
+              </a:prstGeom>
+              <a:blipFill rotWithShape="1">
+                <a:blip r:embed="rId7"/>
+                <a:stretch>
+                  <a:fillRect t="-3825"/>
+                </a:stretch>
+              </a:blipFill>
+            </p:spPr>
+            <p:txBody>
+              <a:bodyPr/>
+              <a:lstStyle/>
+              <a:p>
+                <a:r>
+                  <a:rPr lang="en-GB">
+                    <a:noFill/>
+                  </a:rPr>
+                  <a:t> </a:t>
+                </a:r>
+              </a:p>
+            </p:txBody>
+          </p:sp>
+        </mc:Fallback>
+      </mc:AlternateContent>
+      <p:sp>
+        <p:nvSpPr>
+          <p:cNvPr id="14" name="TextBox 13"/>
           <p:cNvSpPr txBox="1"/>
           <p:nvPr/>
         </p:nvSpPr>
         <p:spPr>
           <a:xfrm>
-            <a:off x="16301328" y="21336049"/>
-            <a:ext cx="8342348" cy="2806922"/>
+            <a:off x="28801069" y="20809693"/>
+            <a:ext cx="6840760" cy="3748719"/>
           </a:xfrm>
           <a:prstGeom prst="rect">
             <a:avLst/>
@@ -13242,7 +11793,7 @@
           <a:noFill/>
         </p:spPr>
         <p:txBody>
-          <a:bodyPr wrap="none" rtlCol="0">
+          <a:bodyPr wrap="square" rtlCol="0">
             <a:spAutoFit/>
           </a:bodyPr>
           <a:lstStyle/>
@@ -13250,47 +11801,6 @@
             <a:pPr algn="ctr"/>
             <a:r>
               <a:rPr lang="sv-SE" sz="5400" dirty="0" smtClean="0"/>
-              <a:t>Calculate weighted sum of</a:t>
-            </a:r>
-          </a:p>
-          <a:p>
-            <a:pPr algn="ctr"/>
-            <a:r>
-              <a:rPr lang="sv-SE" sz="5400" dirty="0" smtClean="0"/>
-              <a:t>outputs for each pixel</a:t>
-            </a:r>
-            <a:endParaRPr lang="sv-SE" sz="5400" dirty="0"/>
-          </a:p>
-          <a:p>
-            <a:endParaRPr lang="en-GB" sz="4800" dirty="0"/>
-          </a:p>
-        </p:txBody>
-      </p:sp>
-      <p:sp>
-        <p:nvSpPr>
-          <p:cNvPr id="14" name="TextBox 13"/>
-          <p:cNvSpPr txBox="1"/>
-          <p:nvPr/>
-        </p:nvSpPr>
-        <p:spPr>
-          <a:xfrm>
-            <a:off x="26796232" y="21025717"/>
-            <a:ext cx="8148386" cy="2917722"/>
-          </a:xfrm>
-          <a:prstGeom prst="rect">
-            <a:avLst/>
-          </a:prstGeom>
-          <a:noFill/>
-        </p:spPr>
-        <p:txBody>
-          <a:bodyPr wrap="none" rtlCol="0">
-            <a:spAutoFit/>
-          </a:bodyPr>
-          <a:lstStyle/>
-          <a:p>
-            <a:pPr algn="ctr"/>
-            <a:r>
-              <a:rPr lang="sv-SE" sz="5400" dirty="0" smtClean="0"/>
               <a:t>These form a feature map</a:t>
             </a:r>
           </a:p>
@@ -13311,8 +11821,8 @@
           </a:p>
         </p:txBody>
       </p:sp>
-      <mc:AlternateContent xmlns:mc="http://schemas.openxmlformats.org/markup-compatibility/2006" xmlns:a14="http://schemas.microsoft.com/office/drawing/2010/main">
-        <mc:Choice Requires="a14">
+      <mc:AlternateContent xmlns:mc="http://schemas.openxmlformats.org/markup-compatibility/2006">
+        <mc:Choice xmlns:a14="http://schemas.microsoft.com/office/drawing/2010/main" Requires="a14">
           <p:sp>
             <p:nvSpPr>
               <p:cNvPr id="15" name="Content Placeholder 2"/>
@@ -13511,7 +12021,7 @@
               <a:p>
                 <a:pPr lvl="1"/>
                 <a:r>
-                  <a:rPr lang="sv-SE" sz="8000" dirty="0"/>
+                  <a:rPr lang="sv-SE" sz="8000" dirty="0" smtClean="0"/>
                   <a:t>Multiply each output by learnable constant </a:t>
                 </a:r>
                 <a14:m>
@@ -13524,6 +12034,14 @@
                     </m:r>
                   </m:oMath>
                 </a14:m>
+                <a:r>
+                  <a:rPr lang="sv-SE" sz="8000" dirty="0" smtClean="0"/>
+                  <a:t> and </a:t>
+                </a:r>
+                <a:r>
+                  <a:rPr lang="sv-SE" sz="8000" dirty="0" err="1" smtClean="0"/>
+                  <a:t>sum</a:t>
+                </a:r>
                 <a:endParaRPr lang="sv-SE" sz="8000" dirty="0"/>
               </a:p>
               <a:p>
@@ -13536,7 +12054,7 @@
             </p:txBody>
           </p:sp>
         </mc:Choice>
-        <mc:Fallback xmlns="">
+        <mc:Fallback>
           <p:sp>
             <p:nvSpPr>
               <p:cNvPr id="15" name="Content Placeholder 2"/>
@@ -13554,9 +12072,9 @@
                 <a:avLst/>
               </a:prstGeom>
               <a:blipFill rotWithShape="1">
-                <a:blip r:embed="rId6"/>
+                <a:blip r:embed="rId8"/>
                 <a:stretch>
-                  <a:fillRect t="-7774" b="-16254"/>
+                  <a:fillRect t="-7774" r="-219" b="-16254"/>
                 </a:stretch>
               </a:blipFill>
               <a:ln>
@@ -14015,15 +12533,11 @@
             <a:pPr lvl="1"/>
             <a:r>
               <a:rPr lang="en-GB" sz="8000" dirty="0" smtClean="0"/>
-              <a:t>Repeat</a:t>
-            </a:r>
-            <a:r>
-              <a:rPr lang="sv-SE" sz="8000" dirty="0" smtClean="0"/>
-              <a:t>, </a:t>
+              <a:t>Use resulting feature map </a:t>
             </a:r>
             <a:r>
               <a:rPr lang="en-GB" sz="8000" dirty="0"/>
-              <a:t>using sums as input for next layer</a:t>
+              <a:t>as input for next layer</a:t>
             </a:r>
             <a:endParaRPr lang="sv-SE" sz="8000" dirty="0"/>
           </a:p>
@@ -14203,6 +12717,215 @@
                 <a:schemeClr val="bg1"/>
               </a:solidFill>
             </a:endParaRPr>
+          </a:p>
+        </p:txBody>
+      </p:sp>
+      <p:pic>
+        <p:nvPicPr>
+          <p:cNvPr id="19" name="Image2"/>
+          <p:cNvPicPr/>
+          <p:nvPr/>
+        </p:nvPicPr>
+        <p:blipFill rotWithShape="1">
+          <a:blip r:embed="rId9">
+            <a:lum/>
+            <a:alphaModFix/>
+          </a:blip>
+          <a:srcRect l="45336" t="13437" r="43917" b="76631"/>
+          <a:stretch/>
+        </p:blipFill>
+        <p:spPr bwMode="auto">
+          <a:xfrm>
+            <a:off x="30200649" y="14011143"/>
+            <a:ext cx="4721100" cy="4552326"/>
+          </a:xfrm>
+          <a:prstGeom prst="rect">
+            <a:avLst/>
+          </a:prstGeom>
+          <a:ln>
+            <a:noFill/>
+          </a:ln>
+          <a:extLst>
+            <a:ext uri="{53640926-AAD7-44D8-BBD7-CCE9431645EC}">
+              <a14:shadowObscured xmlns:a14="http://schemas.microsoft.com/office/drawing/2010/main"/>
+            </a:ext>
+          </a:extLst>
+        </p:spPr>
+      </p:pic>
+      <p:pic>
+        <p:nvPicPr>
+          <p:cNvPr id="22" name="Image2"/>
+          <p:cNvPicPr/>
+          <p:nvPr/>
+        </p:nvPicPr>
+        <p:blipFill rotWithShape="1">
+          <a:blip r:embed="rId9">
+            <a:lum/>
+            <a:alphaModFix/>
+          </a:blip>
+          <a:srcRect l="1637" t="13121" r="87561" b="76685"/>
+          <a:stretch/>
+        </p:blipFill>
+        <p:spPr bwMode="auto">
+          <a:xfrm>
+            <a:off x="5902525" y="14065590"/>
+            <a:ext cx="4571920" cy="4501583"/>
+          </a:xfrm>
+          <a:prstGeom prst="rect">
+            <a:avLst/>
+          </a:prstGeom>
+          <a:ln>
+            <a:noFill/>
+          </a:ln>
+          <a:extLst>
+            <a:ext uri="{53640926-AAD7-44D8-BBD7-CCE9431645EC}">
+              <a14:shadowObscured xmlns:a14="http://schemas.microsoft.com/office/drawing/2010/main"/>
+            </a:ext>
+          </a:extLst>
+        </p:spPr>
+      </p:pic>
+      <p:pic>
+        <p:nvPicPr>
+          <p:cNvPr id="1026" name="Picture 2"/>
+          <p:cNvPicPr>
+            <a:picLocks noChangeAspect="1" noChangeArrowheads="1"/>
+          </p:cNvPicPr>
+          <p:nvPr/>
+        </p:nvPicPr>
+        <p:blipFill>
+          <a:blip r:embed="rId10">
+            <a:extLst>
+              <a:ext uri="{28A0092B-C50C-407E-A947-70E740481C1C}">
+                <a14:useLocalDpi xmlns:a14="http://schemas.microsoft.com/office/drawing/2010/main" val="0"/>
+              </a:ext>
+            </a:extLst>
+          </a:blip>
+          <a:srcRect/>
+          <a:stretch>
+            <a:fillRect/>
+          </a:stretch>
+        </p:blipFill>
+        <p:spPr bwMode="auto">
+          <a:xfrm>
+            <a:off x="15406615" y="15121292"/>
+            <a:ext cx="3676650" cy="3760787"/>
+          </a:xfrm>
+          <a:prstGeom prst="rect">
+            <a:avLst/>
+          </a:prstGeom>
+          <a:solidFill>
+            <a:schemeClr val="bg1"/>
+          </a:solidFill>
+          <a:ln>
+            <a:solidFill>
+              <a:schemeClr val="accent1"/>
+            </a:solidFill>
+          </a:ln>
+          <a:effectLst/>
+        </p:spPr>
+      </p:pic>
+      <p:sp>
+        <p:nvSpPr>
+          <p:cNvPr id="24" name="Right Arrow 23"/>
+          <p:cNvSpPr/>
+          <p:nvPr/>
+        </p:nvSpPr>
+        <p:spPr bwMode="auto">
+          <a:xfrm>
+            <a:off x="10943085" y="15455365"/>
+            <a:ext cx="1296144" cy="1303616"/>
+          </a:xfrm>
+          <a:prstGeom prst="rightArrow">
+            <a:avLst/>
+          </a:prstGeom>
+          <a:solidFill>
+            <a:srgbClr val="FF0000"/>
+          </a:solidFill>
+          <a:ln w="38100">
+            <a:headEnd type="none" w="med" len="med"/>
+            <a:tailEnd type="none" w="med" len="med"/>
+          </a:ln>
+          <a:extLst/>
+        </p:spPr>
+        <p:style>
+          <a:lnRef idx="2">
+            <a:schemeClr val="accent4"/>
+          </a:lnRef>
+          <a:fillRef idx="1">
+            <a:schemeClr val="lt1"/>
+          </a:fillRef>
+          <a:effectRef idx="0">
+            <a:schemeClr val="accent4"/>
+          </a:effectRef>
+          <a:fontRef idx="minor">
+            <a:schemeClr val="dk1"/>
+          </a:fontRef>
+        </p:style>
+        <p:txBody>
+          <a:bodyPr vert="horz" wrap="square" lIns="457200" tIns="228600" rIns="457200" bIns="228600" numCol="1" rtlCol="0" anchor="t" anchorCtr="0" compatLnSpc="1">
+            <a:prstTxWarp prst="textNoShape">
+              <a:avLst/>
+            </a:prstTxWarp>
+          </a:bodyPr>
+          <a:lstStyle/>
+          <a:p>
+            <a:pPr marL="0" marR="0" indent="0" algn="l" defTabSz="914400" rtl="0" eaLnBrk="1" fontAlgn="base" latinLnBrk="0" hangingPunct="1">
+              <a:lnSpc>
+                <a:spcPct val="100000"/>
+              </a:lnSpc>
+              <a:spcBef>
+                <a:spcPct val="20000"/>
+              </a:spcBef>
+              <a:spcAft>
+                <a:spcPct val="0"/>
+              </a:spcAft>
+              <a:buClrTx/>
+              <a:buSzTx/>
+              <a:buFontTx/>
+              <a:buNone/>
+              <a:tabLst/>
+            </a:pPr>
+            <a:endParaRPr kumimoji="0" lang="en-GB" sz="4600" b="0" i="0" u="none" strike="noStrike" cap="none" normalizeH="0" baseline="0" dirty="0" smtClean="0">
+              <a:ln>
+                <a:noFill/>
+              </a:ln>
+              <a:solidFill>
+                <a:srgbClr val="000000"/>
+              </a:solidFill>
+              <a:effectLst/>
+              <a:latin typeface="Arial" charset="0"/>
+            </a:endParaRPr>
+          </a:p>
+        </p:txBody>
+      </p:sp>
+      <p:sp>
+        <p:nvSpPr>
+          <p:cNvPr id="28" name="TextBox 27"/>
+          <p:cNvSpPr txBox="1"/>
+          <p:nvPr/>
+        </p:nvSpPr>
+        <p:spPr>
+          <a:xfrm>
+            <a:off x="5758509" y="20962093"/>
+            <a:ext cx="4550835" cy="923330"/>
+          </a:xfrm>
+          <a:prstGeom prst="rect">
+            <a:avLst/>
+          </a:prstGeom>
+          <a:noFill/>
+        </p:spPr>
+        <p:txBody>
+          <a:bodyPr wrap="square" rtlCol="0">
+            <a:spAutoFit/>
+          </a:bodyPr>
+          <a:lstStyle/>
+          <a:p>
+            <a:pPr algn="ctr"/>
+            <a:r>
+              <a:rPr lang="en-GB" sz="5400" dirty="0" smtClean="0"/>
+              <a:t>Input image</a:t>
+            </a:r>
+            <a:endParaRPr lang="sv-SE" sz="5400" dirty="0"/>
           </a:p>
         </p:txBody>
       </p:sp>
@@ -14237,7 +12960,7 @@
                             </p:stCondLst>
                             <p:childTnLst>
                               <p:par>
-                                <p:cTn id="5" presetID="1" presetClass="entr" presetSubtype="0" fill="hold" grpId="0" nodeType="clickEffect">
+                                <p:cTn id="5" presetID="1" presetClass="entr" presetSubtype="0" fill="hold" nodeType="clickEffect">
                                   <p:stCondLst>
                                     <p:cond delay="0"/>
                                   </p:stCondLst>
@@ -14250,7 +12973,7 @@
                                           </p:stCondLst>
                                         </p:cTn>
                                         <p:tgtEl>
-                                          <p:spTgt spid="16"/>
+                                          <p:spTgt spid="22"/>
                                         </p:tgtEl>
                                         <p:attrNameLst>
                                           <p:attrName>style.visibility</p:attrName>
@@ -14264,7 +12987,7 @@
                                 </p:cTn>
                               </p:par>
                               <p:par>
-                                <p:cTn id="7" presetID="1" presetClass="entr" presetSubtype="0" fill="hold" nodeType="withEffect">
+                                <p:cTn id="7" presetID="1" presetClass="entr" presetSubtype="0" fill="hold" grpId="0" nodeType="withEffect">
                                   <p:stCondLst>
                                     <p:cond delay="0"/>
                                   </p:stCondLst>
@@ -14277,7 +13000,7 @@
                                           </p:stCondLst>
                                         </p:cTn>
                                         <p:tgtEl>
-                                          <p:spTgt spid="20"/>
+                                          <p:spTgt spid="28"/>
                                         </p:tgtEl>
                                         <p:attrNameLst>
                                           <p:attrName>style.visibility</p:attrName>
@@ -14290,35 +13013,26 @@
                                   </p:childTnLst>
                                 </p:cTn>
                               </p:par>
+                            </p:childTnLst>
+                          </p:cTn>
+                        </p:par>
+                      </p:childTnLst>
+                    </p:cTn>
+                  </p:par>
+                  <p:par>
+                    <p:cTn id="9" fill="hold">
+                      <p:stCondLst>
+                        <p:cond delay="indefinite"/>
+                      </p:stCondLst>
+                      <p:childTnLst>
+                        <p:par>
+                          <p:cTn id="10" fill="hold">
+                            <p:stCondLst>
+                              <p:cond delay="0"/>
+                            </p:stCondLst>
+                            <p:childTnLst>
                               <p:par>
-                                <p:cTn id="9" presetID="1" presetClass="entr" presetSubtype="0" fill="hold" nodeType="withEffect">
-                                  <p:stCondLst>
-                                    <p:cond delay="0"/>
-                                  </p:stCondLst>
-                                  <p:childTnLst>
-                                    <p:set>
-                                      <p:cBhvr>
-                                        <p:cTn id="10" dur="1" fill="hold">
-                                          <p:stCondLst>
-                                            <p:cond delay="0"/>
-                                          </p:stCondLst>
-                                        </p:cTn>
-                                        <p:tgtEl>
-                                          <p:spTgt spid="21"/>
-                                        </p:tgtEl>
-                                        <p:attrNameLst>
-                                          <p:attrName>style.visibility</p:attrName>
-                                        </p:attrNameLst>
-                                      </p:cBhvr>
-                                      <p:to>
-                                        <p:strVal val="visible"/>
-                                      </p:to>
-                                    </p:set>
-                                  </p:childTnLst>
-                                </p:cTn>
-                              </p:par>
-                              <p:par>
-                                <p:cTn id="11" presetID="1" presetClass="entr" presetSubtype="0" fill="hold" nodeType="withEffect">
+                                <p:cTn id="11" presetID="1" presetClass="entr" presetSubtype="0" fill="hold" grpId="0" nodeType="clickEffect">
                                   <p:stCondLst>
                                     <p:cond delay="0"/>
                                   </p:stCondLst>
@@ -14331,7 +13045,7 @@
                                           </p:stCondLst>
                                         </p:cTn>
                                         <p:tgtEl>
-                                          <p:spTgt spid="26"/>
+                                          <p:spTgt spid="16"/>
                                         </p:tgtEl>
                                         <p:attrNameLst>
                                           <p:attrName>style.visibility</p:attrName>
@@ -14398,39 +13112,21 @@
                                   </p:childTnLst>
                                 </p:cTn>
                               </p:par>
-                            </p:childTnLst>
-                          </p:cTn>
-                        </p:par>
-                      </p:childTnLst>
-                    </p:cTn>
-                  </p:par>
-                  <p:par>
-                    <p:cTn id="17" fill="hold">
-                      <p:stCondLst>
-                        <p:cond delay="indefinite"/>
-                      </p:stCondLst>
-                      <p:childTnLst>
-                        <p:par>
-                          <p:cTn id="18" fill="hold">
-                            <p:stCondLst>
-                              <p:cond delay="0"/>
-                            </p:stCondLst>
-                            <p:childTnLst>
                               <p:par>
-                                <p:cTn id="19" presetID="1" presetClass="entr" presetSubtype="0" fill="hold" grpId="0" nodeType="clickEffect">
+                                <p:cTn id="17" presetID="1" presetClass="entr" presetSubtype="0" fill="hold" nodeType="withEffect">
                                   <p:stCondLst>
                                     <p:cond delay="0"/>
                                   </p:stCondLst>
                                   <p:childTnLst>
                                     <p:set>
                                       <p:cBhvr>
-                                        <p:cTn id="20" dur="1" fill="hold">
+                                        <p:cTn id="18" dur="1" fill="hold">
                                           <p:stCondLst>
                                             <p:cond delay="0"/>
                                           </p:stCondLst>
                                         </p:cTn>
                                         <p:tgtEl>
-                                          <p:spTgt spid="4"/>
+                                          <p:spTgt spid="1027"/>
                                         </p:tgtEl>
                                         <p:attrNameLst>
                                           <p:attrName>style.visibility</p:attrName>
@@ -14444,7 +13140,34 @@
                                 </p:cTn>
                               </p:par>
                               <p:par>
-                                <p:cTn id="21" presetID="1" presetClass="entr" presetSubtype="0" fill="hold" grpId="0" nodeType="withEffect">
+                                <p:cTn id="19" presetID="1" presetClass="entr" presetSubtype="0" fill="hold" nodeType="withEffect">
+                                  <p:stCondLst>
+                                    <p:cond delay="0"/>
+                                  </p:stCondLst>
+                                  <p:childTnLst>
+                                    <p:set>
+                                      <p:cBhvr>
+                                        <p:cTn id="20" dur="1" fill="hold">
+                                          <p:stCondLst>
+                                            <p:cond delay="0"/>
+                                          </p:stCondLst>
+                                        </p:cTn>
+                                        <p:tgtEl>
+                                          <p:spTgt spid="1026"/>
+                                        </p:tgtEl>
+                                        <p:attrNameLst>
+                                          <p:attrName>style.visibility</p:attrName>
+                                        </p:attrNameLst>
+                                      </p:cBhvr>
+                                      <p:to>
+                                        <p:strVal val="visible"/>
+                                      </p:to>
+                                    </p:set>
+                                  </p:childTnLst>
+                                </p:cTn>
+                              </p:par>
+                              <p:par>
+                                <p:cTn id="21" presetID="1" presetClass="entr" presetSubtype="0" fill="hold" nodeType="withEffect">
                                   <p:stCondLst>
                                     <p:cond delay="0"/>
                                   </p:stCondLst>
@@ -14457,7 +13180,7 @@
                                           </p:stCondLst>
                                         </p:cTn>
                                         <p:tgtEl>
-                                          <p:spTgt spid="5"/>
+                                          <p:spTgt spid="1028"/>
                                         </p:tgtEl>
                                         <p:attrNameLst>
                                           <p:attrName>style.visibility</p:attrName>
@@ -14484,34 +13207,7 @@
                                           </p:stCondLst>
                                         </p:cTn>
                                         <p:tgtEl>
-                                          <p:spTgt spid="13"/>
-                                        </p:tgtEl>
-                                        <p:attrNameLst>
-                                          <p:attrName>style.visibility</p:attrName>
-                                        </p:attrNameLst>
-                                      </p:cBhvr>
-                                      <p:to>
-                                        <p:strVal val="visible"/>
-                                      </p:to>
-                                    </p:set>
-                                  </p:childTnLst>
-                                </p:cTn>
-                              </p:par>
-                              <p:par>
-                                <p:cTn id="25" presetID="1" presetClass="entr" presetSubtype="0" fill="hold" grpId="0" nodeType="withEffect">
-                                  <p:stCondLst>
-                                    <p:cond delay="0"/>
-                                  </p:stCondLst>
-                                  <p:childTnLst>
-                                    <p:set>
-                                      <p:cBhvr>
-                                        <p:cTn id="26" dur="1" fill="hold">
-                                          <p:stCondLst>
-                                            <p:cond delay="0"/>
-                                          </p:stCondLst>
-                                        </p:cTn>
-                                        <p:tgtEl>
-                                          <p:spTgt spid="15"/>
+                                          <p:spTgt spid="24"/>
                                         </p:tgtEl>
                                         <p:attrNameLst>
                                           <p:attrName>style.visibility</p:attrName>
@@ -14531,19 +13227,46 @@
                     </p:cTn>
                   </p:par>
                   <p:par>
-                    <p:cTn id="27" fill="hold">
+                    <p:cTn id="25" fill="hold">
                       <p:stCondLst>
                         <p:cond delay="indefinite"/>
                       </p:stCondLst>
                       <p:childTnLst>
                         <p:par>
-                          <p:cTn id="28" fill="hold">
+                          <p:cTn id="26" fill="hold">
                             <p:stCondLst>
                               <p:cond delay="0"/>
                             </p:stCondLst>
                             <p:childTnLst>
                               <p:par>
-                                <p:cTn id="29" presetID="1" presetClass="entr" presetSubtype="0" fill="hold" grpId="0" nodeType="clickEffect">
+                                <p:cTn id="27" presetID="1" presetClass="entr" presetSubtype="0" fill="hold" grpId="0" nodeType="clickEffect">
+                                  <p:stCondLst>
+                                    <p:cond delay="0"/>
+                                  </p:stCondLst>
+                                  <p:childTnLst>
+                                    <p:set>
+                                      <p:cBhvr>
+                                        <p:cTn id="28" dur="1" fill="hold">
+                                          <p:stCondLst>
+                                            <p:cond delay="0"/>
+                                          </p:stCondLst>
+                                        </p:cTn>
+                                        <p:tgtEl>
+                                          <p:spTgt spid="4"/>
+                                        </p:tgtEl>
+                                        <p:attrNameLst>
+                                          <p:attrName>style.visibility</p:attrName>
+                                        </p:attrNameLst>
+                                      </p:cBhvr>
+                                      <p:to>
+                                        <p:strVal val="visible"/>
+                                      </p:to>
+                                    </p:set>
+                                  </p:childTnLst>
+                                </p:cTn>
+                              </p:par>
+                              <p:par>
+                                <p:cTn id="29" presetID="1" presetClass="entr" presetSubtype="0" fill="hold" grpId="0" nodeType="withEffect">
                                   <p:stCondLst>
                                     <p:cond delay="0"/>
                                   </p:stCondLst>
@@ -14556,7 +13279,7 @@
                                           </p:stCondLst>
                                         </p:cTn>
                                         <p:tgtEl>
-                                          <p:spTgt spid="10"/>
+                                          <p:spTgt spid="13"/>
                                         </p:tgtEl>
                                         <p:attrNameLst>
                                           <p:attrName>style.visibility</p:attrName>
@@ -14583,6 +13306,105 @@
                                           </p:stCondLst>
                                         </p:cTn>
                                         <p:tgtEl>
+                                          <p:spTgt spid="15"/>
+                                        </p:tgtEl>
+                                        <p:attrNameLst>
+                                          <p:attrName>style.visibility</p:attrName>
+                                        </p:attrNameLst>
+                                      </p:cBhvr>
+                                      <p:to>
+                                        <p:strVal val="visible"/>
+                                      </p:to>
+                                    </p:set>
+                                  </p:childTnLst>
+                                </p:cTn>
+                              </p:par>
+                              <p:par>
+                                <p:cTn id="33" presetID="1" presetClass="entr" presetSubtype="0" fill="hold" grpId="0" nodeType="withEffect">
+                                  <p:stCondLst>
+                                    <p:cond delay="0"/>
+                                  </p:stCondLst>
+                                  <p:childTnLst>
+                                    <p:set>
+                                      <p:cBhvr>
+                                        <p:cTn id="34" dur="1" fill="hold">
+                                          <p:stCondLst>
+                                            <p:cond delay="0"/>
+                                          </p:stCondLst>
+                                        </p:cTn>
+                                        <p:tgtEl>
+                                          <p:spTgt spid="5"/>
+                                        </p:tgtEl>
+                                        <p:attrNameLst>
+                                          <p:attrName>style.visibility</p:attrName>
+                                        </p:attrNameLst>
+                                      </p:cBhvr>
+                                      <p:to>
+                                        <p:strVal val="visible"/>
+                                      </p:to>
+                                    </p:set>
+                                  </p:childTnLst>
+                                </p:cTn>
+                              </p:par>
+                            </p:childTnLst>
+                          </p:cTn>
+                        </p:par>
+                      </p:childTnLst>
+                    </p:cTn>
+                  </p:par>
+                  <p:par>
+                    <p:cTn id="35" fill="hold">
+                      <p:stCondLst>
+                        <p:cond delay="indefinite"/>
+                      </p:stCondLst>
+                      <p:childTnLst>
+                        <p:par>
+                          <p:cTn id="36" fill="hold">
+                            <p:stCondLst>
+                              <p:cond delay="0"/>
+                            </p:stCondLst>
+                            <p:childTnLst>
+                              <p:par>
+                                <p:cTn id="37" presetID="1" presetClass="entr" presetSubtype="0" fill="hold" grpId="0" nodeType="clickEffect">
+                                  <p:stCondLst>
+                                    <p:cond delay="0"/>
+                                  </p:stCondLst>
+                                  <p:childTnLst>
+                                    <p:set>
+                                      <p:cBhvr>
+                                        <p:cTn id="38" dur="1" fill="hold">
+                                          <p:stCondLst>
+                                            <p:cond delay="0"/>
+                                          </p:stCondLst>
+                                        </p:cTn>
+                                        <p:tgtEl>
+                                          <p:spTgt spid="10"/>
+                                        </p:tgtEl>
+                                        <p:attrNameLst>
+                                          <p:attrName>style.visibility</p:attrName>
+                                        </p:attrNameLst>
+                                      </p:cBhvr>
+                                      <p:to>
+                                        <p:strVal val="visible"/>
+                                      </p:to>
+                                    </p:set>
+                                  </p:childTnLst>
+                                </p:cTn>
+                              </p:par>
+                              <p:par>
+                                <p:cTn id="39" presetID="1" presetClass="entr" presetSubtype="0" fill="hold" grpId="0" nodeType="withEffect">
+                                  <p:stCondLst>
+                                    <p:cond delay="0"/>
+                                  </p:stCondLst>
+                                  <p:childTnLst>
+                                    <p:set>
+                                      <p:cBhvr>
+                                        <p:cTn id="40" dur="1" fill="hold">
+                                          <p:stCondLst>
+                                            <p:cond delay="0"/>
+                                          </p:stCondLst>
+                                        </p:cTn>
+                                        <p:tgtEl>
                                           <p:spTgt spid="14"/>
                                         </p:tgtEl>
                                         <p:attrNameLst>
@@ -14597,20 +13419,20 @@
                                 </p:cTn>
                               </p:par>
                               <p:par>
-                                <p:cTn id="33" presetID="1" presetClass="entr" presetSubtype="0" fill="hold" nodeType="withEffect">
+                                <p:cTn id="41" presetID="1" presetClass="entr" presetSubtype="0" fill="hold" grpId="0" nodeType="withEffect">
                                   <p:stCondLst>
                                     <p:cond delay="0"/>
                                   </p:stCondLst>
                                   <p:childTnLst>
                                     <p:set>
                                       <p:cBhvr>
-                                        <p:cTn id="34" dur="1" fill="hold">
+                                        <p:cTn id="42" dur="1" fill="hold">
                                           <p:stCondLst>
                                             <p:cond delay="0"/>
                                           </p:stCondLst>
                                         </p:cTn>
                                         <p:tgtEl>
-                                          <p:spTgt spid="11"/>
+                                          <p:spTgt spid="17"/>
                                         </p:tgtEl>
                                         <p:attrNameLst>
                                           <p:attrName>style.visibility</p:attrName>
@@ -14624,20 +13446,20 @@
                                 </p:cTn>
                               </p:par>
                               <p:par>
-                                <p:cTn id="35" presetID="1" presetClass="entr" presetSubtype="0" fill="hold" grpId="0" nodeType="withEffect">
+                                <p:cTn id="43" presetID="1" presetClass="entr" presetSubtype="0" fill="hold" nodeType="withEffect">
                                   <p:stCondLst>
                                     <p:cond delay="0"/>
                                   </p:stCondLst>
                                   <p:childTnLst>
                                     <p:set>
                                       <p:cBhvr>
-                                        <p:cTn id="36" dur="1" fill="hold">
+                                        <p:cTn id="44" dur="1" fill="hold">
                                           <p:stCondLst>
                                             <p:cond delay="0"/>
                                           </p:stCondLst>
                                         </p:cTn>
                                         <p:tgtEl>
-                                          <p:spTgt spid="17"/>
+                                          <p:spTgt spid="19"/>
                                         </p:tgtEl>
                                         <p:attrNameLst>
                                           <p:attrName>style.visibility</p:attrName>
@@ -14688,6 +13510,8 @@
       <p:bldP spid="15" grpId="0"/>
       <p:bldP spid="16" grpId="0"/>
       <p:bldP spid="17" grpId="0"/>
+      <p:bldP spid="24" grpId="0" animBg="1"/>
+      <p:bldP spid="28" grpId="0"/>
     </p:bldLst>
   </p:timing>
 </p:sld>
@@ -14807,11 +13631,7 @@
             <a:pPr lvl="1"/>
             <a:r>
               <a:rPr lang="en-GB" dirty="0" smtClean="0"/>
-              <a:t>Filters randomly initialized </a:t>
-            </a:r>
-            <a:r>
-              <a:rPr lang="en-GB" dirty="0" smtClean="0"/>
-              <a:t>so not utilizing LBPs as designed</a:t>
+              <a:t>Filters randomly initialized so not utilizing LBPs as designed</a:t>
             </a:r>
             <a:endParaRPr lang="en-GB" dirty="0"/>
           </a:p>

--- a/Presentation_material/presentation.pptx
+++ b/Presentation_material/presentation.pptx
@@ -6029,14 +6029,11 @@
             <a:pPr lvl="1"/>
             <a:r>
               <a:rPr lang="en-GB" dirty="0" smtClean="0"/>
-              <a:t>Single LBP extraction layer applied to CNN feature maps</a:t>
-            </a:r>
-          </a:p>
-          <a:p>
-            <a:pPr lvl="1"/>
+              <a:t>Classification </a:t>
+            </a:r>
             <a:r>
               <a:rPr lang="en-GB" dirty="0" smtClean="0"/>
-              <a:t>Classification based on histograms, discarding spatial information</a:t>
+              <a:t>based on histograms, discarding spatial information</a:t>
             </a:r>
           </a:p>
         </p:txBody>
@@ -6504,17 +6501,18 @@
           <a:p>
             <a:pPr lvl="1"/>
             <a:r>
-              <a:rPr lang="sv-SE" dirty="0" err="1"/>
-              <a:t>Rotationally</a:t>
-            </a:r>
-            <a:r>
               <a:rPr lang="sv-SE" dirty="0"/>
-              <a:t> </a:t>
+              <a:t>Rotationally </a:t>
             </a:r>
             <a:r>
               <a:rPr lang="sv-SE" dirty="0" smtClean="0"/>
-              <a:t>invariant</a:t>
-            </a:r>
+              <a:t>equi</a:t>
+            </a:r>
+            <a:r>
+              <a:rPr lang="sv-SE" dirty="0" smtClean="0"/>
+              <a:t>variant</a:t>
+            </a:r>
+            <a:endParaRPr lang="sv-SE" dirty="0" smtClean="0"/>
           </a:p>
           <a:p>
             <a:pPr lvl="1"/>
@@ -7143,6 +7141,42 @@
                 <a:schemeClr val="bg1"/>
               </a:solidFill>
             </a:endParaRPr>
+          </a:p>
+        </p:txBody>
+      </p:sp>
+      <p:sp>
+        <p:nvSpPr>
+          <p:cNvPr id="3" name="TextBox 2"/>
+          <p:cNvSpPr txBox="1"/>
+          <p:nvPr/>
+        </p:nvSpPr>
+        <p:spPr>
+          <a:xfrm>
+            <a:off x="9430917" y="22321861"/>
+            <a:ext cx="13105456" cy="1649682"/>
+          </a:xfrm>
+          <a:prstGeom prst="rect">
+            <a:avLst/>
+          </a:prstGeom>
+          <a:noFill/>
+        </p:spPr>
+        <p:txBody>
+          <a:bodyPr wrap="square" rtlCol="0">
+            <a:spAutoFit/>
+          </a:bodyPr>
+          <a:lstStyle/>
+          <a:p>
+            <a:r>
+              <a:rPr lang="sv-SE" dirty="0" smtClean="0"/>
+              <a:t>Add numeric values and formula for F-score</a:t>
+            </a:r>
+          </a:p>
+          <a:p>
+            <a:r>
+              <a:rPr lang="sv-SE" dirty="0" smtClean="0"/>
+              <a:t>Update graph</a:t>
+            </a:r>
+            <a:endParaRPr lang="en-GB" dirty="0"/>
           </a:p>
         </p:txBody>
       </p:sp>
@@ -9310,6 +9344,36 @@
           </a:extLst>
         </p:spPr>
       </p:cxnSp>
+      <p:sp>
+        <p:nvSpPr>
+          <p:cNvPr id="5" name="TextBox 4"/>
+          <p:cNvSpPr txBox="1"/>
+          <p:nvPr/>
+        </p:nvSpPr>
+        <p:spPr>
+          <a:xfrm>
+            <a:off x="8566821" y="19325986"/>
+            <a:ext cx="6768752" cy="800219"/>
+          </a:xfrm>
+          <a:prstGeom prst="rect">
+            <a:avLst/>
+          </a:prstGeom>
+          <a:noFill/>
+        </p:spPr>
+        <p:txBody>
+          <a:bodyPr wrap="square" rtlCol="0">
+            <a:spAutoFit/>
+          </a:bodyPr>
+          <a:lstStyle/>
+          <a:p>
+            <a:r>
+              <a:rPr lang="sv-SE" smtClean="0"/>
+              <a:t>Move stuff around!</a:t>
+            </a:r>
+            <a:endParaRPr lang="en-GB"/>
+          </a:p>
+        </p:txBody>
+      </p:sp>
     </p:spTree>
     <p:extLst>
       <p:ext uri="{BB962C8B-B14F-4D97-AF65-F5344CB8AC3E}">
@@ -11115,8 +11179,8 @@
           </a:p>
         </p:txBody>
       </p:sp>
-      <mc:AlternateContent xmlns:mc="http://schemas.openxmlformats.org/markup-compatibility/2006">
-        <mc:Choice xmlns:a14="http://schemas.microsoft.com/office/drawing/2010/main" Requires="a14">
+      <mc:AlternateContent xmlns:mc="http://schemas.openxmlformats.org/markup-compatibility/2006" xmlns:a14="http://schemas.microsoft.com/office/drawing/2010/main">
+        <mc:Choice Requires="a14">
           <p:sp>
             <p:nvSpPr>
               <p:cNvPr id="4" name="TextBox 3"/>
@@ -11268,7 +11332,7 @@
             </p:txBody>
           </p:sp>
         </mc:Choice>
-        <mc:Fallback>
+        <mc:Fallback xmlns="">
           <p:sp>
             <p:nvSpPr>
               <p:cNvPr id="4" name="TextBox 3"/>
@@ -11381,8 +11445,8 @@
           </a:p>
         </p:txBody>
       </p:sp>
-      <mc:AlternateContent xmlns:mc="http://schemas.openxmlformats.org/markup-compatibility/2006">
-        <mc:Choice xmlns:a14="http://schemas.microsoft.com/office/drawing/2010/main" Requires="a14">
+      <mc:AlternateContent xmlns:mc="http://schemas.openxmlformats.org/markup-compatibility/2006" xmlns:a14="http://schemas.microsoft.com/office/drawing/2010/main">
+        <mc:Choice Requires="a14">
           <p:sp>
             <p:nvSpPr>
               <p:cNvPr id="6" name="TextBox 5"/>
@@ -11426,7 +11490,7 @@
             </p:txBody>
           </p:sp>
         </mc:Choice>
-        <mc:Fallback>
+        <mc:Fallback xmlns="">
           <p:sp>
             <p:nvSpPr>
               <p:cNvPr id="6" name="TextBox 5"/>
@@ -11539,8 +11603,8 @@
           </a:p>
         </p:txBody>
       </p:sp>
-      <mc:AlternateContent xmlns:mc="http://schemas.openxmlformats.org/markup-compatibility/2006">
-        <mc:Choice xmlns:a14="http://schemas.microsoft.com/office/drawing/2010/main" Requires="a14">
+      <mc:AlternateContent xmlns:mc="http://schemas.openxmlformats.org/markup-compatibility/2006" xmlns:a14="http://schemas.microsoft.com/office/drawing/2010/main">
+        <mc:Choice Requires="a14">
           <p:sp>
             <p:nvSpPr>
               <p:cNvPr id="7" name="TextBox 6"/>
@@ -11610,7 +11674,7 @@
             </p:txBody>
           </p:sp>
         </mc:Choice>
-        <mc:Fallback>
+        <mc:Fallback xmlns="">
           <p:sp>
             <p:nvSpPr>
               <p:cNvPr id="7" name="TextBox 6"/>
@@ -11649,8 +11713,8 @@
           </p:sp>
         </mc:Fallback>
       </mc:AlternateContent>
-      <mc:AlternateContent xmlns:mc="http://schemas.openxmlformats.org/markup-compatibility/2006">
-        <mc:Choice xmlns:a14="http://schemas.microsoft.com/office/drawing/2010/main" Requires="a14">
+      <mc:AlternateContent xmlns:mc="http://schemas.openxmlformats.org/markup-compatibility/2006" xmlns:a14="http://schemas.microsoft.com/office/drawing/2010/main">
+        <mc:Choice Requires="a14">
           <p:sp>
             <p:nvSpPr>
               <p:cNvPr id="13" name="TextBox 12"/>
@@ -11723,11 +11787,7 @@
                 </a14:m>
                 <a:r>
                   <a:rPr lang="sv-SE" sz="5400" dirty="0" smtClean="0"/>
-                  <a:t>  </a:t>
-                </a:r>
-                <a:r>
-                  <a:rPr lang="sv-SE" sz="5400" dirty="0" smtClean="0"/>
-                  <a:t>for each pixel</a:t>
+                  <a:t>  for each pixel</a:t>
                 </a:r>
                 <a:endParaRPr lang="sv-SE" sz="5400" dirty="0"/>
               </a:p>
@@ -11737,7 +11797,7 @@
             </p:txBody>
           </p:sp>
         </mc:Choice>
-        <mc:Fallback>
+        <mc:Fallback xmlns="">
           <p:sp>
             <p:nvSpPr>
               <p:cNvPr id="13" name="TextBox 12"/>
@@ -11821,8 +11881,8 @@
           </a:p>
         </p:txBody>
       </p:sp>
-      <mc:AlternateContent xmlns:mc="http://schemas.openxmlformats.org/markup-compatibility/2006">
-        <mc:Choice xmlns:a14="http://schemas.microsoft.com/office/drawing/2010/main" Requires="a14">
+      <mc:AlternateContent xmlns:mc="http://schemas.openxmlformats.org/markup-compatibility/2006" xmlns:a14="http://schemas.microsoft.com/office/drawing/2010/main">
+        <mc:Choice Requires="a14">
           <p:sp>
             <p:nvSpPr>
               <p:cNvPr id="15" name="Content Placeholder 2"/>
@@ -12054,7 +12114,7 @@
             </p:txBody>
           </p:sp>
         </mc:Choice>
-        <mc:Fallback>
+        <mc:Fallback xmlns="">
           <p:sp>
             <p:nvSpPr>
               <p:cNvPr id="15" name="Content Placeholder 2"/>

--- a/Presentation_material/presentation.pptx
+++ b/Presentation_material/presentation.pptx
@@ -6778,7 +6778,7 @@
           <a:p>
             <a:r>
               <a:rPr lang="en-GB" dirty="0" smtClean="0"/>
-              <a:t>Preliminary Results</a:t>
+              <a:t>Results</a:t>
             </a:r>
             <a:endParaRPr lang="en-GB" dirty="0"/>
           </a:p>
@@ -6940,9 +6940,529 @@
           </a:p>
         </p:txBody>
       </p:sp>
+      <p:sp>
+        <p:nvSpPr>
+          <p:cNvPr id="10" name="TextBox 9"/>
+          <p:cNvSpPr txBox="1"/>
+          <p:nvPr/>
+        </p:nvSpPr>
+        <p:spPr>
+          <a:xfrm>
+            <a:off x="0" y="7200181"/>
+            <a:ext cx="5326461" cy="12255663"/>
+          </a:xfrm>
+          <a:prstGeom prst="rect">
+            <a:avLst/>
+          </a:prstGeom>
+          <a:noFill/>
+        </p:spPr>
+        <p:txBody>
+          <a:bodyPr wrap="square" rtlCol="0">
+            <a:spAutoFit/>
+          </a:bodyPr>
+          <a:lstStyle/>
+          <a:p>
+            <a:pPr algn="ctr"/>
+            <a:r>
+              <a:rPr lang="en-GB" sz="4000" b="1" dirty="0" smtClean="0">
+                <a:solidFill>
+                  <a:schemeClr val="bg1"/>
+                </a:solidFill>
+              </a:rPr>
+              <a:t>Jo Gay</a:t>
+            </a:r>
+          </a:p>
+          <a:p>
+            <a:pPr algn="ctr"/>
+            <a:r>
+              <a:rPr lang="en-GB" sz="4000" b="1" dirty="0" smtClean="0">
+                <a:solidFill>
+                  <a:schemeClr val="bg1"/>
+                </a:solidFill>
+              </a:rPr>
+              <a:t>Hugo </a:t>
+            </a:r>
+            <a:r>
+              <a:rPr lang="en-GB" sz="4000" b="1" dirty="0" err="1" smtClean="0">
+                <a:solidFill>
+                  <a:schemeClr val="bg1"/>
+                </a:solidFill>
+              </a:rPr>
+              <a:t>Harlin</a:t>
+            </a:r>
+            <a:endParaRPr lang="en-GB" sz="4000" b="1" dirty="0" smtClean="0">
+              <a:solidFill>
+                <a:schemeClr val="bg1"/>
+              </a:solidFill>
+            </a:endParaRPr>
+          </a:p>
+          <a:p>
+            <a:pPr algn="ctr"/>
+            <a:endParaRPr lang="en-GB" sz="1600" b="1" dirty="0" smtClean="0">
+              <a:solidFill>
+                <a:schemeClr val="bg1"/>
+              </a:solidFill>
+            </a:endParaRPr>
+          </a:p>
+          <a:p>
+            <a:pPr algn="ctr"/>
+            <a:r>
+              <a:rPr lang="en-GB" sz="4000" dirty="0" smtClean="0">
+                <a:solidFill>
+                  <a:schemeClr val="bg1"/>
+                </a:solidFill>
+              </a:rPr>
+              <a:t>Project in Computational Science, January 2019</a:t>
+            </a:r>
+          </a:p>
+          <a:p>
+            <a:pPr algn="ctr"/>
+            <a:endParaRPr lang="en-GB" sz="4000" dirty="0" smtClean="0">
+              <a:solidFill>
+                <a:schemeClr val="bg1"/>
+              </a:solidFill>
+            </a:endParaRPr>
+          </a:p>
+          <a:p>
+            <a:pPr algn="ctr"/>
+            <a:endParaRPr lang="en-GB" sz="4000" dirty="0" smtClean="0">
+              <a:solidFill>
+                <a:schemeClr val="bg1"/>
+              </a:solidFill>
+            </a:endParaRPr>
+          </a:p>
+          <a:p>
+            <a:pPr algn="ctr"/>
+            <a:r>
+              <a:rPr lang="en-GB" sz="4000" dirty="0" smtClean="0">
+                <a:solidFill>
+                  <a:schemeClr val="bg1"/>
+                </a:solidFill>
+              </a:rPr>
+              <a:t>Supervisors:</a:t>
+            </a:r>
+          </a:p>
+          <a:p>
+            <a:pPr algn="ctr"/>
+            <a:r>
+              <a:rPr lang="sv-SE" sz="4000" b="1" dirty="0">
+                <a:solidFill>
+                  <a:schemeClr val="bg1"/>
+                </a:solidFill>
+              </a:rPr>
+              <a:t>Joakim </a:t>
+            </a:r>
+            <a:r>
+              <a:rPr lang="sv-SE" sz="4000" b="1" dirty="0" smtClean="0">
+                <a:solidFill>
+                  <a:schemeClr val="bg1"/>
+                </a:solidFill>
+              </a:rPr>
+              <a:t>Lindblad </a:t>
+            </a:r>
+            <a:r>
+              <a:rPr lang="sv-SE" sz="4000" b="1" dirty="0">
+                <a:solidFill>
+                  <a:schemeClr val="bg1"/>
+                </a:solidFill>
+              </a:rPr>
+              <a:t>Nataša Sladoje</a:t>
+            </a:r>
+            <a:endParaRPr lang="sv-SE" sz="4000" b="1" dirty="0" smtClean="0">
+              <a:solidFill>
+                <a:schemeClr val="bg1"/>
+              </a:solidFill>
+            </a:endParaRPr>
+          </a:p>
+          <a:p>
+            <a:pPr algn="ctr"/>
+            <a:endParaRPr lang="sv-SE" sz="1600" b="1" dirty="0">
+              <a:solidFill>
+                <a:schemeClr val="bg1"/>
+              </a:solidFill>
+            </a:endParaRPr>
+          </a:p>
+          <a:p>
+            <a:pPr algn="ctr"/>
+            <a:r>
+              <a:rPr lang="en-GB" sz="4000" dirty="0" smtClean="0">
+                <a:solidFill>
+                  <a:schemeClr val="bg1"/>
+                </a:solidFill>
+              </a:rPr>
+              <a:t>Centre for Image Analysis,</a:t>
+            </a:r>
+          </a:p>
+          <a:p>
+            <a:pPr algn="ctr"/>
+            <a:r>
+              <a:rPr lang="en-GB" sz="4000" dirty="0" smtClean="0">
+                <a:solidFill>
+                  <a:schemeClr val="bg1"/>
+                </a:solidFill>
+              </a:rPr>
+              <a:t>Department of Information Technology</a:t>
+            </a:r>
+          </a:p>
+          <a:p>
+            <a:pPr algn="ctr"/>
+            <a:endParaRPr lang="en-GB" sz="4000" dirty="0" smtClean="0">
+              <a:solidFill>
+                <a:schemeClr val="bg1"/>
+              </a:solidFill>
+            </a:endParaRPr>
+          </a:p>
+        </p:txBody>
+      </p:sp>
+      <p:sp>
+        <p:nvSpPr>
+          <p:cNvPr id="3" name="TextBox 2"/>
+          <p:cNvSpPr txBox="1"/>
+          <p:nvPr/>
+        </p:nvSpPr>
+        <p:spPr>
+          <a:xfrm>
+            <a:off x="9430917" y="22321861"/>
+            <a:ext cx="13105456" cy="800219"/>
+          </a:xfrm>
+          <a:prstGeom prst="rect">
+            <a:avLst/>
+          </a:prstGeom>
+          <a:noFill/>
+        </p:spPr>
+        <p:txBody>
+          <a:bodyPr wrap="square" rtlCol="0">
+            <a:spAutoFit/>
+          </a:bodyPr>
+          <a:lstStyle/>
+          <a:p>
+            <a:r>
+              <a:rPr lang="sv-SE" dirty="0" smtClean="0"/>
+              <a:t>formula </a:t>
+            </a:r>
+            <a:r>
+              <a:rPr lang="sv-SE" smtClean="0"/>
+              <a:t>for F-score</a:t>
+            </a:r>
+            <a:endParaRPr lang="sv-SE" dirty="0" smtClean="0"/>
+          </a:p>
+        </p:txBody>
+      </p:sp>
+      <p:sp>
+        <p:nvSpPr>
+          <p:cNvPr id="11" name="AutoShape 2" descr="data:image/png;base64,iVBORw0KGgoAAAANSUhEUgAAAqMAAAGhCAYAAABVv73+AAAgAElEQVR4Xuy9CbgV1Znv/Z75MCggMjghiCOIIM7zgAPiPGA0DiSKU0hyO+l8N33TSfftDP3d9NfdSSfXiIo4gBHnAScURBE1KlERh6goCCoKKsjMGb/nv+h1qFOnatfatdeqYe9/PU+eqKdqrbV/76pVv1pTVbW3t7cLDxIgARIgARIgARIgARJIgUAVZTQF6sySBEiABEiABEiABEhAEaCMsiKQAAmQAAmQAAmQAAmkRoAymhp6ZkwCJEACJEACJEACJEAZZR0gARIgARIgARIgARJIjQBlNDX0zJgESIAESIAESIAESIAyyjpAAiRAAiRAAiRAAiSQGgHKaGromTEJkAAJkAAJkAAJkABllHWABEiABEiABEiABEggNQKU0dTQM2MSIAESIAESIAESIAHKKOsACZAACZAACZAACZBAagQoo6mhZ8YkQAIkQAIkQAIkQAKUUdYBEiABEiABEiABEiCB1AhQRlNDz4xJgARIgARIgARIgAQoo6wDJEACJEACJEACJEACqRGgjKaGnhmTAAmQAAmQAAmQAAlQRlkHSIAESIAESIAESIAEUiNAGU0NPTMmARIgARIgARIgARKgjLIOkAAJkAAJkAAJkAAJpEaAMpoaemZMAiRAAiRAAiRAAiRAGWUdIAESIAESIAESkC1btsjMmTPl4IMPlsGDB5OIYwLLly+XF154Qc466yzp3r2749yynTxlNKPxaW1tlb/+9a/y7LPPyldffaVKecghh8gFF1yQ0RKzWHEItLe3y7vvvitz5syRTz/9VNra2mSfffaRyy67TOrr6+MkyWscETCN1fr162X27NnyxhtvyMaNG6W2tlbFc7/99nNUMiZbLgRQb5566inp3bu3TJo0SXr16pXYT9u0aZPcfvvtsmTJEjnjjDPkmGOOSSzvSs3olVdekQceeEB222031UZsv/32lYpCKKMZDD1E9L777lMy6j1Gjhwpl1xySQZLzCLFIQC5gYQ+/fTTgn/WB3okrrjiCmlsbIyTbGLXLFu2TKZMmSKbN29WDemIESMSyztuRosWLZJp06YpthMnTpRBgwappHDPPfHEE/LOO+/I6aefLsOHD++UhWmsvv76a7n55ps7XiB1InnhE5drJV7nov6nJaP6mfPaa6/JEUccIWeeeabU1NRUYlgT/c3edmXIkCEyYcIE6datW6JlyEpmFSWj33zzjVx//fWyZs2aUP51dXWy0047yfHHHy/Dhg2T6urqxGP1wQcfyK233iotLS3qoYi3VLwhNzc3V2xFTTwICWT4xRdfyE033STr1q1Tb8bnnXeeDBw4UA2VoUGqqqpKoBTxs3DxMI5fGrMrw2T0k08+URKJ3qF9991XLr/8ctWjqQ/TWD300EPy4osvqmtPPfVUOfTQQ1Uc8WBH28KjfAi4qP9pyegzzzwjs2bNkj322EMJkX4RNnlmeiOaRo9u3msUXgSmT5+uXoRPPvlkGTNmTObbfhfMKaMFqOLG/Pa3v5141zmGadAo9enTR6677jo1ZMOj/AhgGPfPf/5zl166rPzSMHHT5XPxMHb928N+E3p30WP64YcfytixY9XLqPcwiRXSQE8xuIwaNUouvvjisn+o4DdPnTpVli5dKpU2cuOi/qcho6tWrZIbb7xRmpqaOo0WoP5TRl23SFvT13UJL7FXXXWV6hCrtKNiZTSo4UTPI27MefPmqflemL+n3xST7Dq/8847ZeHChWoCeR6GayvtprH1e9N48BRT9kqS0SguJrHyPrhPOeUUOemkk6KSzf3fKaN2p6mY1DOblQbDxA8++KD85S9/kdGjR8v48eM7Dc9763SlvWzY5ByVFuJw//33C+aQYjTl/PPPL/sXWT8TymhALfHO48CfL7zwQjnooIOi6pO1v1NGraHMdEJJP3iKhUEZ3UbMJFaU0cqa014OPaNYHDt58mTBojsMz2OKivegjBbbasY/H6MyGGXAdJ6rr75adt555/iJ5fBKymhI0LAKFnPIsMIZc0exAME7oRu9qJjs/dxzz3UsVsBwOla8H3300V0Wn+iGC9lh4QQWOjz55JPq//FGes4553QMdwUVKaiXVJfh+eefly+//FL15KIHF6t2MV8Nw/z+I6ocF110kVqQoofe0MOD34OpA+itxfxGzKPdZZddZNy4cTJ06FCVxYoVK+TRRx9VKzEx1xU3FBa0hJUD14SVH6vJMW9mwIABXcqvRR1v6RgGRQ82REHvONC3b1/VI4Vh0rD5vvh98+fPl1dffVXNH8bLB+bkHnjggXLiiSeGLhwqNuZh7YH+DUF/D5tzhTmLWOz03nvvqXmN+G077rijKm/Qb/XHELF4+OGH5aOPPlLTPr73ve8FTj/xXhdVD/0P41133VXNO4PEgpVJHQD7jz/+WC3i0nUHdbhQHYhqZ5E35m0ixniYYugLDTuG38EuaAFTmEiaxArX6oVcQWUL6iXV8Xz77bc7WGEBA+ru7rvv3qlXpNhY6vr98ssvq9+v6wpWR6Ot8c9djXNP6ReVsFiYLNjyt0Uo12OPPabqgbf+oJ3BKmO0b977Xd+3aJ+OPPLI0Dm5cdpJ/bv8eWL+r77v0NbccsstBRfwFRuLqJcepIf5nWiLddu13Xbbqbb2hBNOKHr1PdrAe++9V7XnGB72by/kWkbB980331SjkZ9//nnHsyPsXvCL8ty5c1V7g+cSYoOYYAHW4YcfHlofgtp/MMQzBfdq0MJRXd/Rdl577bXy1ltvqZ1uIPGnnXaaYq+PuM8Jr3Ngncixxx4b1dSV1d8powXCGdZDuXbtWjXXDw/2oKN///5qeH2HHXbo+LNueFFRIbd4COFGxIGbAMMjM2bMECyk2LBhg2qM8RDt0aOHusnwoIco6u1+0BBhGw7IctCBhh3bQEFUvAthosqB1frehx/EFqIZtOgL5UO50RBArCGh/gON25VXXqkW6HgPTIdA+VeuXBlafqSN8nsPHRO8wYMFGjL/gd8bNhEcfO+4447QRWxobLB4Bby9R5yYh1UtDIthOycsVNJi2bNnTyUNeOiihwKNIw48cPGyEcYX5+CFAA9/74PEG0P8HbKuY1hokQHmjel6iDqIugieqIeIt7ceemUUMqC3MvL/bjwg8KDz3g84BxP38fDFA0XfC95rUYeD6kChFhgNut6exn8e+EJKUQf8q+nDZNQkVqgbYIZY4uGkXwobGhpUEfBQgTDpeGIo7pFHHlH3eFAZ8UDEw03ft8XEEg90yDbur6Bjzz33VHXFO+0ozj31t7/9TW1Jg/qJOqJfQFFPcGAxnr+XzV8er4zutdde6p4IakNQfy699FL1woJFHkEH6rh34Y0+J247iesRHwydotMhqI1BO4/OBJwXJN9xYlFIRqPaLtz/eEZEcde/Bfcf6gqY4iUF1/oPlzKK++Xuu+8OjSnq/3HHHac6NPwr+yGD99xzj3pWBR2Qa9QH/3qLKIZohxFLyLD30DIKxtiBA50CegcU78tmqc8J1De8ROJ++M53vlNRix4powWebEEyqvdi0z1M5557ruy9994qFTTQqEx4IOG/4WbQvRDeBzfOxU1y1FFHKflAD6Z3g+GoYXpvGfBQxVY0aEwgC5999pnaFgqSin+HWHkbJ5Ny+HvHsMIbm/KixwYNGN7K0YOB89BI4KZEwwxxwMMe/33BggWqlwwPl/33319tSaUbFJQfPa/oEQMHPLjAC40Pyo8GCg05HkIYrvD28Hp7qvD70NsDjngI4lq85eNayByu9fau4sGE3m48qJGvjh3yff/999XDFefgt1xzzTUdQhg35oWkCX+L6gXBORA8NLrgiN5CxAE9M5BG9Cbg7RwPQ39988cQ9RB1BHOgIfE4P2p1dzHD9Cgr6snZZ5+t6jLyR+8kRBNlP+yww9Q8KH14p8KgXkC+9IgCevlxH+Eew8PBdEI/6iauQ92DeGKUAj2NqAt4oXr88ccFO1XgMJVRXV6TWJkM0+t4oqzYWBwPWrQBeIhhs3G8XIGH9741jaV3WynEAtOLcD8iL/SA4Z5FXUGvEeq+lt1S7qlS5ox62yKUBfUTPf247/GCi9EYxBJ1BXUV9QjM8PBHTPGChZjixR7X+6dTldJOIu56hTn+GW0oemj79esnq1evVvcuJFULiV9G48YirJ55OeOlDh0NuJeRP9ouvDSh7UL5cL+YLHrFcwpD9OgQQNuN+yVJGdW/Ve88gXqJtgn3P17WIHz4G0bAvNvGYaN49EjjxdNbz8EC2yFihA68/G2iNyZB7T92wsA5QW2OfyQA+aIHFu0IFhvh3208J3RPdSUuXqaMhhiD9+b3vqVg6A8PDfQsfPe731WC5j0WL14st912m3oAeOfgeBveqEVRUTKqy+B/aOlyeG8K9GShcdI9ISbl8P72sF4tTHiHvOHwyxv+GxoGcEJZ0Xh6h4Xx8EDvJB4wePtDb4338JbR30hqNmik8PDx95xiiA8NFWQNOyF4/44HF+QtTHAgLJBVNNKQPt2bFTfmpcooHshY5YqHhb9h1Wl75cb7MPbGEG/zQXU1qnzFyGhQncY9gHihF8M/DKhZo1ctqBcb/x1D33ip8otsWLm9sUeaEFHvqADKgxcdMEtDRr3xxBx0CIW3x0dv8YL7w9vmmMTSuxAl7J5FjyxkHfUBL1t4gOIo5Z6yJaNhPNDLjZd8HH6Jxn9DPcH2aKhP/t69UtpJPZcSLxhoQ771rW91ihV4Q6bQW4vDK6OlxCJMRvHijnZN98JidC3ouYO/oxfZZM9fvZ0ZJB8jeXrKlTddVz2j3p0nghbseO9/784U3jYl6LmDsqO+4PmCOOhnsDcmYe2/V1b9HSheGQ2qq8jXxnNCzxtFu4ARRb9fRLXZef47ZTQket4eKT1/w9vwhq14856D4Tlci8MrWH5J8hehkIx60/ffMN50MPSCIRgcYVIcVg6TB4z39+Chj94K/xEmM+i5xMMjrIfOO3fGP99Os8FQCebe+uf3eN/2vdd60/TGxVtmNFjY7w3l1itHS4l5VMMQ1duGcqA8kHY0TP6hI6SPhw/2pMVLUJjA4MGEB1Sx+5YWI6NhdQkNNHo5/FMD9G9HTw7EKOjLI/qcsPlsfr7oEUFvMeb/Yl4XpMy0Tkb1akbFCvlEpaHjiRfDsAUK+hz0/OE3oBfcWwfDYolesRtuuEH12oXNN/Oe433Ji3tP4TebtBVh94HJAiDNHfd52MM5qL0stZ3UPVRoo8LuvbDylxKLsHoGwYKY67bALyloB9BDipdw3VMX1f7oTgFMJ/F+ACIJGfW202HPD2wXhvoMecTLLgQNvabozcVIQlhvrld09TPAGxNs24Ze7qAD7QfaEYy0eV/YvG1hUD209ZzAsxEdEJBxk3nXUTHO098po75ooRJgeFEPf3qHPbwVpZBQ6sbRu/DJpOHVRSkko94yhN2MSCfsZjcph8kDxvvgDbtpomQm7Ebx5h8mo2HbXoVdq3sB8HcMgfq/sKPLgl5lNOh4CEEaSol5VEMQJTh6/lCUjGnhg4ThE4IQP5MYRpUvKn4mdck78V9/3hAPToweYMi8kCjrayGqWszCyuxNM2jBob4u7DdFiWRUrExkVMcz7EXK+9KKHiDdW2USyyhZ8Yuj94UsaiSm0P1oUrZSZDSo/vjTCyp/qe2kyb0XVv9LiUVYPfP21EJEMb8z6GUr6p72/t2EbTH7jBaz9ZO3hxM99XiWYX1C1EdmtEDj5QQjfv65/fh96FRA5wN6fCHaOFfHBOmH9QLj2rD2PqottPWc8PL2js4VE9e8nluxMmoSMP9iFt2FHrTwICg9rzCZPLhNZNS0Gx9ChXmZmHfnbSRMymHygLEho0gDi3PQwOCfgxYv2JJR7wMirBcgKIalxDyqjhUSHO/igqiezaAeDpMYRpUvqgE2qUtBDzxvL3VUGfB3/5B60DXe31toWD8tGfXG0+Q34xz9kmcSS92TZ5q2t00oRxkttZ3UTAotJAmr/6XEolCb4B2twygHnk+YR47pCVggWuznO13KaNguFN5nov/TuXj5x+gP6ibm6Abt7R020hJV73VMvC/sQdegx/VPf/qTmjvqffZEtYW2nhNRL8VRvzPPf6eM+qKnt0HBDY4Vwt5h4KjtTPwVwYWMRt0U3jJ4t2zR37Q3EQiTh1+pMoqGFYuNtNhjWEQvqPGu0LUlo8VwC+o9ML3Ji/lQQaEHj0kMdJn8W+Sg562Y68N+WxQzk7oU9MArprcljowW2nA+LRn1xsO0LhUjo7oumaZd7jIaVXej2smgttPPNqz+lxKLqB54TG/CXHx0Mnh3oMBzCivP0eMdtTBR/w79VbFCu2vEnTNqIqMoB+4LvVAN/6wPPIfRU4reQe8C1ig+YfXf9LqwUYCo+lSKG3jLTBk1bcFyfl7cG0v/bJM5NmGITB7c+tpCPRWmb/xhMmJSDhORKUVG9WpIDIkfcMABao9VvSWMbqC8+5x6v2QTtxcnbs9oKTGPul1s9YwGNZQmMYwqX1QDbFKXgmQ0rPchqjyF/h42V9t/TVoyGjZSYfKbTWKJXQueeOKJLnNzTdKPe0/579Vihmlxbdz64/9NQeUvtZ0MmmplKqOlxMJUmvASjzmV2A4LUolpWTiiFsd6f0OxPaPFxtek7ulzINZYqImpO+jFxD686JTwL7503TMaJoNRbaGt5wSH6YupNTk+t1QZ1fMOIVFRi5BMG64gnKZzRguVIctzRvVCk7C5kGnOGfXHo5SYR90qUQ8ekzmGyCNvc0a9YhY1BSGKof57sfNQ01hNj71IsR1QoTmjQb/XREa9D8NiV+GWo4yazuELaydN7r0wmS4lFlFtQlD9gMi99NJLauEN/tn0i4EmAlXqM9P0/g1qd/V+0N6FuiZzRoPyNJnHi+vizhm19ZzgAqa4NSZn15V6Y3kbrkIr2YOwmPQC6OsKPRwgwth+CJW/1NX0YQuPTB5+pfSMRg2BBa2GNGHj76kpdjU9rtebnGOICHsxlhLzqNsj6sGDPfOwx2ipq+nj9mhE9QaY1Omw3hf9sC+08j2Kn//vmmehPfrS6hn1vjQUWqEdV0a9D7FCq4WLffktdE/5/1ZsPSul/nh/R9h+0KW0k6gn2Mmi0ErzsPKXEougNgGCiRdODNFjwQ6mj/l3xvDOwzbdCi3NrZ3Qc409ZDEvFF/b846M6djqTgts4YQFjFhVb7Ka3vvhDv3BCe8CsFJX0wetObD1nNBbeIFBsS+VxbaXWTu/YueMFttw6sDpvSrD9rnEeXgLw9AJ5rvor+KYNLymwqX3Mwvbp9N0n9G0ZFT3EAVt6+PdDB3/bGvOKNjq2GF1NrbtQP7eAw0WHmCYvO7dHiduzKNu9igZ9e5LidX/2J7Jv0jBZJ/RuHU9qufEpE6Hyah3T9CwffswnI9PmOKBYrLfnsk+oxAM/K40eka9D8Sw4VR8lQu/GTsCIOaQDpOXQ//q5KB9ZXE/4esueKBjs309t7CUntFSph+UUn+iZFTLP+ZXxmknTfYZRbuAz0Hj8LalpcQirE3QYoY9m7GK3L+SHvcKtgTCBz0KzZn2cktz03s9jQKijZX0WKPhPVBX8cKKvXG98/D9exdDDP0ii+kLmObl3ZPVu89oWPtvss9oocWUNp4Teh5v1EKrqGdLHv9OGS0yal5BQCOHRh1voniDhgRCFLEtFFaGYy8zTCrHYdLwmspooS+LRH29wqQcJg+/UnpGdY8fGgisVsW3fbGvItjiq03YL09/2cS/B10pD07vF5ggouj5hBTgwIIA9IqiMfdvphw35lFVK0pGcX3YF5hQvzDkq7+E5f8cokkMo8rnHXrCl66wkbz+1CUkyaQuhcmo9+GAtNDLjxcA9GrigYM6ACnDAwIfRcDHEfSncMPK7f8CE77MBZHFwwpz0LLwBSb9IonfD8HG18ew+Tz+HV8QwwMYG/2jfmIvUjyUTGPp/WgDepHOPPNMNScbLzCQFWzQjvl4WByCBY16e7NS7inEQr9cYiEMpAxlR55RC2lKqT8mMlpKO4n0vV9gQv0cO3as+oAH6iT+VugLTHFjEdYmeNPzfnUI9463zS+m1927w0NYb2qpo4lh9ypEEfum4j73fkUQdUY/R/XX2/w9md4vMHnvIf2de7yABH0FsdAXmHDvYRQKvdpBn7COGiXC77TxnNAvHfwcaNTTKed/t3VjRX1XHY09Pm8IkdI9WSYNr6mM4jyTby6jZxab8wd9mx4PuLR6RtEI4pOlkNKgA9uUoIcIE9r9cwpLfXBGfZsYD1Jw0V+n0eWLE/Oo28VERk2+TQ+hxvxh78bxpgJTqIzeB4Y+r9gdIgotkkD6eAFAPdAvH/7yBP22QmX2Coj/PNyX2AoHPag4vMNtUatYTWIVlQbyxAMTIoP0vKuhvWX118FiYonfho9d6AUtfgZ42PvbhVLvKf3FG+/WbCYbdpu0iSaLbAqVP247CW6F2im0qXhJgiSCddDvjROLQvUs6nvsGK2DMOPF0fQDF3rLo7D5+7aemUH3bFRscA1GCPD1K/82T1EswtqNqPYfL3HYw1V/4luX20RGcW4pzwnvfR724YqoZ0qe/86e0ZjRw4MUb8bYJxNvprrHCCKFnj58E7pYCSxGRnFuWBkw3xE9tt4tMXTaJg8Ak4dfKT2j+qGMXj88mMEPMoKhJ/QkY8gGPUTg650vhOtKfXAiDfw+9FChIUaDiAO9OvjWMP6HXu6go9iYR1UtE8HRaaBnb86cOep7zRAuvQUZvuWNz+X5N4s2iWFU+fB39KjpebSIEfb/Q68aemBM6lKUTCBNzJMCCzy8wRgPVdQF9IjgtxW7fyLSwIcrEGPUU6SH+xEPapQbnxlNS0YLxRN1EJ+89NfBYmPpr99gjN5hiDh6t/1DvKXeU0j/9ddfVwtoIGYQXsgZ6kqhw0b9MWkT4rSTutxo19FOoX5i6B5tOr6KhfsOwoM9KdGGFHqx97Y1UbGIahNQn9FjiKkmuDeRHkQNscXcywEDBpjc1h3n6OkImHMatBm8Sxn1PsPACGXBC42+X3H/Q0bDNsLXLNDGoFdSt4noCCrUbgTdHxiZw3QmTHHwf9UP5TSV0ULP5TA30MHQ04zw+8O+0FZUcHN2ckXJaM5iw+KSAAmQAAmQgDMC3uky6ATA/M1iX/6cFa6CEkYc9BzkSo0DZbSCKjx/KgmQAAmQAAl4CWBoGYufsBitmK/TkaI9AjoG6InHArWddtrJXuI5SYkympNAsZgkQAIkQAIk4IKAXqyFhTMTJkyIXHzmogyVmqaem4xpaZhGg+kWpnN+y4kZZbScosnfQgIkQAIkQAJFEqAQFQnM0unerQyHDBmiXgT8i7UsZZX5ZCijmQ8RC0gCJEACJEACbgnonSiwkAafaMZCOh5uCWAf1QceeECwuAmL4Lw7orjNOXupU0azFxOWiARIgARIgAQSJ4At9R555BHBhyj0HsyJF6KCMsSeqS+88EKnD+RU0M/v9FMpo5Uaef5uEiABEiABEiABEsgAAcpoBoLAIpAACZAACZAACZBApRKgjFZq5Pm7SYAESIAESIAESCADBCijGQgCi0ACJEACJEACJEAClUqAMlqpkefvJgESIAESIAESIIEMEKCMZiAILAIJkAAJkAAJkAAJVCoBymilRp6/mwRIgARIgARIgAQyQIAymoEgsAgkQAIkQAIkQAIkUKkEKKOVGnn+bhIgARIgARIgARLIAAHKaAaCwCKQAAmQAAmQAAmQQKUSoIxWauT5u0mABEiABEiABEggAwQooxkIAotAAiRAAiRAAiRAApVKgDJaqZHn7yYBEiABEiABEiCBDBCgjGYgCCwCCZAACZAACZAACVQqAcpopUaev5sESIAESIAESIAEMkCAMpqBILAIJEACJEACJEACJFCpBMpSRjds2CAvvfSSLFy4UMaPHy+DBg2q1Pjyd5MACZAACZAACZBApgmUjYy2trbK0qVLZc6cOfLRRx9JW1ubNDY2ysSJEymjma6CLBwJkAAJkAAJkEAlEygbGV20aJFMmzZNCejo0aPliy++kE8//ZQyWsm1m7+dBEiABEiABEgg8wTKRkY///xzwfD84MGDpaamRu6880557733KKOZr4IsIAmQAAmQAAmQQCUTKBsZ9QeRMlrJ1Zq/nQRIgARIgARIIC8EKKN5iRTLSQIkQAIkQAIkQAJlSIAyGhLUpqamMgw3fxIJkAAJkAAJkAAJlEagvr6+tAR8V1NGQ3B++OGHsmbNGquwmRgJkAAJkAAJkAAJ5JnAfvvtJ927d7f6EyijVnEyMRIgARIgARIgARIggWIIUEaLocVzSYAESIAESIAESIAErBKgjFrFycRIgARIgARIgARIgASKIUAZLYYWzyUBEiABEiABEiABErBKgDJqFScTIwESIAESIAESIAESKIYAZbQYWjyXBEiABEiABEiABEjAKoGylVGrlJgYCZAACZAACZAACZCAEwKUUSdYmSgJkAAJkAAJkAAJkIAJAcqoCSWeQwIkQAIkQAIkQAIk4IQAZdQJViZKAiRAAiRAAiRAAiRgQoAyakKJ55AACZAACZAACZAACTghQBl1gpWJkgAJkAAJkAAJkAAJmBCgjJpQ4jkkQAIkQAIkQAIkQAJOCFBGnWBloiRAAiRAAiRAAiRAAiYEKKMmlHgOCZAACZAACZAACZCAEwKUUSdYmSgJkAAJkAAJkAAJkIAJAcqoCSWeQwIkQAIkQAIkQAIk4IQAZdQJViZKAiRAAiRAAiRAAiRgQoAyakKJ55AACZAACZAACZAACTghQBl1gpWJkgAJkAAJkAAJkAAJmBCgjJpQ4jkkQAIkQAIkQAIkQAJOCFBGnWBloiRAAiRAAiRAAiRAAiYEKKMmlHgOCZAACZAACZAACZCAEwKUUSdYmSgJkAAJkAAJkAAJkIAJAbcdXrkAACAASURBVMqoCSWeQwIkQAIkQAIkQAIk4IQAZdQJViZKAiRAAiRAAiRAAiRgQoAyakKJ55AACZAACZAACZAACTghQBl1gpWJkgAJkAAJkAAJkAAJmBCgjJpQ4jkkQAIkQAIkQAIkQAJOCFBGnWBloiRAAiRAAiRAAiRAAiYEKKMmlHgOCZAACZAACZAACZCAEwKUUSdYmSgJkAAJkAAJkAAJkIAJAcqoCSWeQwIkQAIkQAIkQAIk4IQAZdQJViZKAiRAAiRAAiRAAiRgQoAyakKJ55AACZAACZAACZAACTghQBl1gpWJkgAJkAAJkAAJkAAJmBCgjJpQ4jkkQAIkQAIkQAIkQAJOCFBGnWBloiRAAiRAAiRAAiRAAiYEKKMmlHgOCZAACZAACZAACZCAEwKUUSdYmSgJkAAJkAAJkAAJkIAJAcqoCSWeQwIkQAIkQAIkQAIk4IQAZdQJViZKAiRAAiRAAiRAAiRgQoAyakKJ55AACZAACZAACZAACTghQBl1gpWJkgAJkAAJkAAJkAAJmBCgjJpQ4jkkQAIkQAIkQAIkQAJOCFBGnWB1n+h/Pr5FHnujxX1GOcnh2H1r5Sen10uPhqqclJjFJAESIAESIAESAAHKaA7rwZ+ebpL7X23OYcndFhlC+s/nNbjNpITUH3i1WR5c0CJtbe0lpFI+l47avUYmnVIv3ev5AlE+UeUvIQESIIHiCVBGi2eW+hXn/G6jrNtEoQkKxJyf9Ug9PkEFePyNFvmPx7dksmxpFuqwoTXyr99qTLMIzJsESIAESCBlApTRlAMQJ/sx/7ohzmUVcU1WZfSHt2+Stz9tq4gYFPsj75zUXQb2Yu9osdx4PgmQAAmUCwHKaA4jecn1G+Xzb9gzmqee0R9P3ywLl7XmsLa5LzJl1D1j5kACJEACWSZAGc1ydELKRhkND1pWe0Ypo+Exo4zmsBFikUmABEjAIgHKqEWYSSVFGaWMJlXXksiHMpoEZeZBAiRAAtklQBnNbmxCS0YZpYzmsNqGFpkyWk7R5G8hARIggeIJUEaLZ5b6FZRRymjqldBiASijFmEyKRIgARLIIQHKaA6DRhmljOaw2rJntJyCxt9CAiRAAhYJUEYtwkwqqTAZPWSPGrn8mHrZc0C11NeKtLaJfLa6Te7+S7M8sTD6a03YfHzCsXVy4vBa6dNj61Y7m7a0y4IlrXLbvGb5+MvCWxP99uJGOWhIjXy1rl3+z8wt8vrSbavH+21XJRNPqJfD9qyRno1b0167sV1eeL9VbpjdJBubOu8O8P99u1FGD64JRPplQPr6RC5gSqoW2suHPaP2WDIlEiABEsgjAcpoDqMWJKMHDq6Rn57RIDtuXyVfr2+XJava1N6NO/eplo1b2mXKs00y87XCQvrTMxvkpP1rpaVVZOmXbbKpqV32GlitvpDz4co2+eUDW+STr4OFdMIx9XLREXVKgv2yiOv/5fwGOXBIjUpzycp2qaoSJc11tSJ/XdIqP71rc6dI/OHybrLfLtWyYk2bbPF9bGrNhq2/570VXctSLjJ62shaOf+QOhm0Y7XUVIs0t4p8tLJNbn2uSV79KHqLqFJeLHbdoVr+6bwGGdq/Wr2AXHHTpk6xGbZLtVx6dL0csFu1dKuvErxGrN7QLs+83SK3z2vu8mIRdYtRRqMI8e8kQAIkUN4EKKM5jG+QjP7j2Q1ywvBaefuTVvlfM7Z0CMHPzmpQPZ1vfdIqfzets/B5f/oRe9XIT8Y1SGN9ldzybJPg05U4Dh1aIz85vUH1Zt4+r0n1svoPLcLoTa2uFiXD3p7Rcw6uk6tOqJfNTe3yuye3yPz3tsrUWaPrZOIJddLWJvK7J5vkuXe3yfLUq7tJv+2r5A9PNsnTb0X36pZTzyhE9Jox9Yr5itVt8tmadtm9b7V60YDo/+fjW+SVDwsLaSkvFoj3qQfUSnWVdJFRxPpHY+tl5x2qVZw//KJNeveoUuXDi8Xst1rktzOL+9IUZTSHjRCLTAIkQAIWCVBGLcJMKqkgGZ0ysZvs1rda7nqpWW6b19RRlOP2q1Xy0NQqShLQCxl0nLx/rfxwbL3q4frZ3Z17QPWQOYb6//2xzqKhez1H7l6j0t5/N/TESicZ/c6x9XLxEXWqJ/OHd3TuZYN07tKnc7lH7FYj/3hOg9RVi/z741vkpQ+iewLLSUZ/f1mj7L9bjZLzXz24lTc4//KCBhk1uEbmvt0iv3k4XPhKebHQItxYVyW11SLLvurcM6pfehZ/3ia/uHezrFq3dXrFeYfUyZXH16ue7397NFqWvXWQMppUy8F8SIAESCCbBCij2YxLwVL5ZRS9Vf9wZoN0b5AuPYn77IQh10bZvlvXv3kzGTO8Vv7H2HrZ3NxZWiFBv7usUYb0q1a9pZPnbBNdXA8BueDQOln+dZs8vKBZrj2pvouMXnZ0nVxyVL0acp906+aOXlsM9/78nEbp1b1Kbp7bJA8t2Nrrinmn6Nlrb+8stSahyvswvRbxHvUi//fpJpn15rZe4W8dXicTjq2XL77pzNHPJe6Lxe47Ih4NgmH615a2ysFDauTT1Z1ldPIV3WSP/l3rQqE6GBU3ymgUIf6dBEiABMqbAGU0h/EtRkbx89D7OLB3degwu+55U/M6B9fI25+2ytTnmuWzr9vku8fVC0QVw8O/eXizvOP5vjqG8H+Mof06kRvnNKm5puhd9feMaskZ3K9a9XJiGgCO606qV+L5wedt8pM7t0mqlqnWVpHmNulYTLV+U7vMfrtFpj4bPi8x7zKqf7ufIXjpXu4tLYUlPe6LBV4AcO3rH7fKu5+2qd5sv4yG3S66NxbzW/1TLqJuMcpoFCH+nQRIgATKmwBlNIfxjSOj/qHwoJ8NaUTv6AG71agFRvrAYqg/PtUkCz/eNlzuHZ5/9PVm+cOsJikkUhjG/8Ep9aqHVR/o+Xxzeav815NNnVbq6x5ALIZav7ldiXCf7lXSq0eV6i0tNC+xnGVU9z421BYWvo4FY0W8WJw5ulYmqmF2kd8+ukVGDqoxllEI7IWH16kFTy9+0Cr/dF/43OSgekcZzWEjxCKTAAmQgEUClFGLMJNKypWMfv+Uehk3qk5a27aueN/S/N+r6Ruq1Aru3zy0bWEUhucvPKxOrbLXvZphMgo5+snp9XL0PrVqZT96QhvqqmRIf8xLrJKnFrXI757YNgcSUgw5ghjd9eK2XtAfnlovp4+qU/MSw3rfKkFGg6Zj+OteMS8Wuud6lx2qZdrzTWresZ7nG9YzqsV4x+22vrWgtxYvCZMDtumKui8oo1GE+HcSIAESKG8ClNEcxjeOjEYN058+qlauPrFeSQUWKenV2lpUsMXQg/89Z1SvsK+pQg/dttXxYTKqxQbbQv3ywS0dvaB6mH+7xs4r+MNCAqn944RGNafRv1BLX0MZ3UqimBcL7LiAnRheXtwqP793a69mlIwiBmcfVCs79KhS20/h37H6Hi8W//E4V9PnsFlhkUmABEggNQKU0dTQx8+4GBk1XcCE7Xywkhob3Pv3/Lx2TL1aLY19Lq+dukl+Nb5RjtwreEN676/S+41++8g6NRf1sdc794Di3F+c0yDHD6tVw7tYnR11FFrZj2srQUajhumLebHQ22th79Zf3LftRSFKRv1x0sP8WFv/x1lNMudt8+242DMaVev5dxIgARIobwKU0RzGt9DWTtgHdOpzxW/tpGU0SAqvOK5eMI9z+VdtMnHKJvXPQ/pvm/upEaLnEl+B2tLSrrZ5wj6UD/+1Rc1DPXD3Gnnkta1zS70HFs2cMqKzBGPFNhY73flCk0yb33lf07AtrCqhZ9R0AVMxLxZgjQ8bRB1Bm9/7r8GHCvbdOXjXhULpU0aj6PPvJFDeBFaubZc7nm9SeyoHHiH/ueNczxqHTteHXRd2vr642Osslw87zFxyVJ36MEylHE5ldPXq1TJr1ixZtGiRNDc3S7du3WTkyJEybtw4aWxsDGW8efNmmTp1qixdurRgHAYPHixXXHFFR1rIZ9q0aYHX9O7dWyZNmiS9evXKfWyDZBQCMnZkrSxZ2Sa/fmhbD1fYpvfoqcT8Tf0VI90T9s2m9k7D9PiMJ7aGwteQova3DBum12X7eFXnYXps7fQPZzXIgF7Vct/LzWp7Jxx/N7ZBzjiwVq3q927gr/eybGppV0PBevN8b0Dz3jOqt3bq2SBy/dNNnT7jarq1UzEvFpj7i48L+I++PavUIqY1G9vVNk+r1rarXRAK7cxAGc1908IfQAKJE8Ci1Ctv3hT5uenEC5aBDO/6fnfpH9A+Z6Bo1ovgTEbXrFkjN998s3z11Vey9957C8Tx/fffV4KJf54wYYKS06CjtbVVPvroI1m/fn3g37/55ht55pln5IADDpDzzz9fqv576ferr74q9913nwwdOrSLdHbv3l1OOumk0Dytk3WYYNTnQPFt+MVftMnOvasEi1Kw4Mf7OVAtnus2b9ugHHP+fnFugwwdsPV8LGDC39FrtkNPsy//hMkoxBeChM+Trtu0dQETDqS9XbcqNfzvFWg9TxW9r+hdxfnbd6tSb4m1NeW9mh5cMBUBzF5f0ir/fP/WRWNhm97jv4/cvVqwCb3egN7Gi0XYMP1vLmyUw/eskdeXYtX8tgVt+Izs90+uV58u9e+PGnUrsGc0ihD/TgLlSwB7KeNDGTy6Erj8mDrBp7Yr4XAmo48//rg899xzShYPPfRQxbK9vV1mz56t/nfhhRfKQQcdFIsx0n7xxRflyiuvlCFDhnSkgXTnzZsnEydOlEGDBsVKOw8XBckoyo3tk7A9D6QN2yK1tol8trpNfcITX0/SB3rYLj+mXvV6YbESxAIHekEnnlAvhw2tkZ7dqgT9ZRDTN5e3yfT5TZ32GA3iVGhrJ/098xG7Vku3hq09cdi2CYtmpsxt6hApnW7Y989nL2qRG5/pPNTvLUvee0bxW7yfA8Ver8u/bpdBfatkpz7VXT4HqufQLlq+7XOvNl4swmRULzrDKnr9ooAFaNgZAV9tev5vLWqRWjEHZbQYWjyXBMqLAGU0PJ6U0RLrelNTkxpmxzD9ddddJxgi18fnn38uN954o+yxxx5y6aWXdvRqmmaJNG+66SbZaaed5JJLLpGamm0LaWbMmCGLFy+Wa6+9VnbccUfTJHN3XpiM5u6HOChwOcgosKCn8aLD69RKdfQ2NreK6kG+9bkmtc2WPn55QaNgw3nM0f2HGdsWgJX6YlFoARPmBeNlBvuKNtSJtLWL+ozs3Hda5PZ54R8kCAs3ZdTBjcAkSSAnBCijlFEQcNIzimH066+/Xkmod06n6g1bv14mT54sGDb3/83k3kHP5xNPPCGXXXaZDBs2rOMS9LpOnz5dli9fXjZzQ8N4UEbDa0q5yKjJvVAu51BGyyWS/B0kUDwByihlNBUZ1YuTNm7cqHowe/bsaVx7161bp3pVt99+e/nud78rdXV1HdfqdDFXFRL8ySefSEtLi5o7euqpp8ro0aOluro8VqZRRimjxjdNDk6kjOYgSCwiCTgiQBmljKYqo5DGYle3v/LKK/LAAw/I+PHju8w31T2uK1euVAKKRVJr165VPaVYEHXyySfLmDFjip4W4Oj+KylZyihltKQKlLGLKaMZC0jOi4P58dj5AVNHeIgM6FUl3z+5QY7cO3pv6DR4UUYpo7mS0U2bNqnV+ZiPes0118h2223XKYJtbW2qNxRSuu+++3b0gq5YsUJuvfVWtbUUrhs4cKDR/fbhhx8Kem+zePxyziD5emNtFouWepl+f+ZHqZchqAD/98WdZPFXwbtHZLLACRbqn8Yskx26m2+Sn2DRmFXOCCz5ulH+64Wdc1bqZIr7zyctkz7dsnefvbJ8O/nzG/2SgZCzXMbuvVrG7rM6c6XGjkWYamnzSHzOaNxh+jfeeEPuvvtuOe200+TYY48tigFW2T/11FNqnumIESOMrsWUgKweV99eLSvXZrV06ZbroR9s3TYqa8fPH6iStz6N2mk5a6VOpjw3TWiT/tsnkxdzKW8CM16ukhmv8D4LivIPT2qXE/fLXm/xM+9WyR9mM2ZBMbvo0Ha56LDsxQwLx3Mvo3EWMKFXE72bq1atUvNM+/btW1SLqjfDP+WUU9Reo3k/OEwfHkEuYMpf7c7yMD2+OvbAghbZ0py9B0IakR7Sr1rGH7Ztrn4aZSiU5+3PN8kdz3f+alvWyphWef7nGQ1y6gHZG1HjMH14jeDWTiXeLXprJ2x4j3mhpW7t9M4776gvKx1zzDHq601Bx/z582XmzJly+eWXy/DhwzudMnfu3I4V+KY9oyUicHo5ZZQy6rSCJZx4VmUUIvqdGzclTCP72R2/X636QEYWD8poeFTyJqP4oMeEY+vkxOG10qfH1p7TTVva5eUPW+XGOV33pvb+cv0Vuqg6ivnFc95ukX84s0Gwd3Kh48t17fJ/Zm7blxvnoowXH1knJw6rlb7bbd2b+66XmuW2eZ33wu7Yam/PGunZuDWftRvb5YX3W+WG2U3qwyZBB2U0KoIGf8fQ+NNPP91p4VChTe8xfI+uX+8KeWSDxUfYsmnJkiVy9dVXy847B88H+uyzz9T+o9gEH/uX6v1HN2zYIFOmTFGLmXD9gAEDDEqf7VMoo5TRbNfQ4kqXVRn9r1lN8shf2csWFM0/XN4ow3fN3oIYymj5yCiEEj25La0iS79sUx9gwQddujdUdfo6XdAvxnX4il3Ygc8u79CjSqbNb5J5f2uVsw+qVV8DDDp6dauS0YNrVBl+NG1zhzjiS4H/eE6D7NG/WvBJ06/Wt6tFc0+80SKPvLat3YCw/sv5DXLgkJqOrxvio5H4LXW1ovaI/uld2/aI9paBMlrcsyTwbO/nQLGgCJvcY0N6fBLU/znQZcuWKWHERvVXXXVVp092QkJvueUWGTVqVKdPf/ozhejOmTNHCXC/fv3U+VjUtGDBAsG+p1xNbyGoOUiCw/Q5CJKviFmVUXyiEEOIPLoS+M9LGtUX37J2UEbLQ0bxpTf05Harr1I7Izzw6la5w3+HpHavF7l5brM8HONl8eyD6uSqE+rU1+x+fu8W+eTrwusMfn9Zo+y3S43c93Kz3Dx3a4+nVzDxlUP01KKXM+g452DkVy+bm9rld09ukfnvbT3vrNF1MvGEOmlrE/ndk03y3Ltd2xrKqKUWBr2R+HQn5mxi3ie+RT9y5Eg11N7Y2NiRC77KBBlFryUWGem/6V7RDz74oMunP4OKCPnEQif0ymKKAA7ML8VcUeSrv2Fv6eellgx7RsPRU0ZTq5axM6aMxkaX2oWU0dTQx844T8P0lx1dJ5ccVS+fft0mP7h9W28kfvyvxjfKkXvVyFOLWuS3M4v79DCuxyeUDxjUWS7DoJ4+qlauPrFe9Xh6xVUL7cYmUZ/UfuXDYBFFuvprdu+taJMf3tF52s/Uq7vJLn2qA4f2cS1lNHZ154VJEKCMUkaTqGdJ5UEZTYq0vXwoo/ZYJpVSnmRUz/l8bWmr/D9/7jyE/cNT61Wv4usfd/1bFMsxw2vlB6fWy8YtIr9+aLO882nhXtHfXNgohw2tkUdfb5HfP7lNfCHE+Azz3Ldb5DcPFxZiLdYr1rTJpFu3ifWwXarl5+c0Sq/uVarH9aEFXacEUUajIsq/p0qAMkoZTbUCWs6cMmoZaALJUUYTgGw5i3KRUd3TuGRVm1w7tbgFhr8e3yiH7Vkjj/nkMgj1CcNq5X9AXJu6iit6NAf0qpa577SoqQM79Nw63xQ9qI++1iKYLqIPzC39+TkNMrhftbz0QauadoDjupPq5aAhNfLB523ykzs79/7qaymjlm8CJmeXAGWUMmq3RqWbGmU0Xf5xcs+bjIatZn7mnRaZ+mxz6GpmsClmZTaGbHGcvH+t/HBsvZpbGHRgFbc+F3/H0DEWyQQdQau4cd7R+9TI2aPrZM+B1fLwX1u6rOD2p1VuMvrp6ja54iZzGQWvH41tEKxbx3zwQkPrYIcdI47bt1YJp7f3EwujsPoeq+eR2NpN7WrxUkOtyMDe1dLaJnLfK80d0om0ML/6B6fUC7ZG0wcWPb25vFX+68km+fjL4B5aymic1onXJEaAMkoZTayyJZARZTQByJazyJuM/vbiRtULhRXZS1a2C1YzD+2/dTXz7LcKzz0sZmX2n1/cOtSqF600t7bLqrVdt+15/r2WTvuh/uHybrLfLtWCodwtvtHaNRvaZcqzTYI5h+hlG3tArRy3X63077V1KyGsNg/aTogy2pnAP57dIOjt/MviVvn5vcGr1/UVegFVbbUIdtWAkOrDK6OvL2mVf75/S8fLzI9Oa5Bxo2pl5dp2+eUDm1XM8ELyk9Pr5eh9amXjlnbVE9pQVyVD+ldJbXWVmvv6uyeCh/opo5YbLiZnlwBllDJqt0almxplNF3+cXLPk4zqxSaQvKDVzE0tZj1lQZzCVmbroWT0fPnnPAalg2HffttXyR+ebJKn3wrfwUH30kJAP1zZprYnwh6clSijxQzTa4FsqBP546wmtbdooeOnZzao3m3safqP93QWV51W9wbpEi/9tx4NItc/3SToAdd1Aav2f/nglo5eUAjvj8c1yHaNnXcM8JaLMhqndeI1iRGgjFJGE6tsCWSUNxktZci30HCsRh3V0zXhmHq56Ig6qa6K7hE7bWStXDOmXj3w/EPD3tAWO+SbJxlFb9XpB9bK6wGLYSZf0U0Nnd79l2aZ+lznjcpNqn7Yymyd53PvtMivHiq8wAV7XmK/yrpqkX9/fIuaVxh2fOvwOundvUqefLNFSU3UamxvOuUyTB9nAdPfjW2QMw6slbc+aZW/m1a4V1QvLNq+W/D2UYVkFLz9MUEdwTWYp+rvAf3FOQ1y/LBaefGDVvlFQG8tZdTkLuQ5qRGgjFJGU6t8DjLOm4yWMuQLmRjSf9u8MS/OmipRQ8nV1eG9N3io/fSMBtWLFiWtu+5QLf90XoMajsbhl9FShnzzJKP6BSBIxvU2QYVEPazKF1qZjZ61U0bUFnwB0Oki5jgfcwj9X/iJut3KVUbDVqCDR7FbO0XJpZ+xibiql5j+1Z32HkU6QaKqZHT3GrUR/h9mdX7h0fVkQcjG95TRqDuAf0+VAGWUMppqBbSceZ5k1OWQLzbGvuCwOnn30/DeG4gwHmwQFxyFhmcxpAshamkTtbjCL1ylDPmWi4xqBmE9U4WqeqGV2RCQkYNqZNW6djWUXl8ramHL4i/a5NbnmuTVj7b1furFTq2tIs1t0vHpy/Wb2mX224UXWJWrjGqp275bVafFQGGb3mO0Agu5Fn7c1mUx2rVj6uXcQ+pk6arOX1AKii1e0H51AV72qtXXmfQcYP+5Ok3sg4qFaHqLqO+fUi9njq6TFavbOvYlRR0bO7JWPl7VeZgekvwPZzWoVfneDfW9eVFGLT9smJxdApRRyqjdGpVuanmSUVdDvujF/N/nNcjA3thzMPjLMlceXy8XHFqnvhhTVyOyU+/wzbLPHF0rE4+vl03NohbQ4MHnl9FShnzLTUaD9rMsdFdErcxGz9leA7eurMZilta2dum/fbWSUgjqfz6+bTU34jDh2Hr1t/Wb29WXgfp0r5JeParUS0ehBVblKqNg7/0cKCQeXzAC057dOn8OFAuE/jihUXbvV91l30/cV78ev1X4CsmljrV+IYwSV+8XmPDSgJiGraaHWOO3DOxVJes2bV3AhAO/BZ8g/Whlm/z6oW1zSSmj6T6PmHsRBCijlNEiqkvmT82TjLoa8v32kXVy2dH1suyr4N4bvdihsU7UpwfHH1YX+uUWva8hHsQzXmqW/XerVtsGRQ1FFyM2lS6jUSuz8eWe4bvWyAvvt3R8JhLb+/xobL3s1re60xxBxAsvD5uaRO56cds2U5gbefqoOrUDQNjnIouJWZ7mjOpG65oT6+WkEbUdvcWbtrSrRUW4ByCAOCCG/35JowwdUC1PL+q8ZZbuwfT2VIY1iLpXdEDv8J5K77XojcV87MP3rFGfLW1r3/ri8eCCZtXT6T3wMnjp0fUyYtdq6dawdbsvvHi8vLhVpszd9lv8ZWPPaOYfX5VdQMooZbSc7oBykdG4Q776YYqFNEG9N7oXBjKDbWAwLFhIQjAPDfMZ8YWan961uWMPS8poZ1HRvW9Y5FXMMH2xK7O996peWW2yR6bu8cNLRdh0jHKX0XJq5+L8FspoHGq8JjEClFHKaGKVLYGMyk1Gix3yPe+QOsEQ/Kq12+aZebHr4XlsZaO/1BImIXp4fv1mkd88vPVzh4V6c735FCM25dIzGmcBk8kCl7DbRs8PxecoTRYrRcWumJjlsWc0geYn01lQRjMdHhaOMkoZLae7oNJl9PeXNaoh3ZkBq231go36ms6bbwdJCIYZ/+ncBtmpT7VMe75J9abhiBIaXZeKEZs8yaie57vw41b5+zs7b+tT7NZOJiuz9RzQz75uk4lTOn8hSK8S/8zz9SCUAZ+KvPOFJpk2v/Pw7pSJ3dSwPntGy6nFM/8tlFFzVjwzBQKUUcpoCtXOWZblJqPFDPlibuHVJ9bLhi1dv3+NYdpfXtAgIwbVyIOvNsvkOdu2hQkSx5+d1SAnDK+VeX9rkV89uG1vy0qXUXxB6fsn16s5ffiS0czXtm54ftboOpl4Qp34N70vdWW2FtZe3TtvZo54/r8XNWydS/oevtyzVYx1T+vbn7bK/5qx7Ws+use8qaVd/uPxLTL/va77jxbzAsGeUWdNmLOEKaPO0DJhGwQoo5RRG/UoK2mUi4zGGfL9zYWNctieNV1WASM2uocNq3QLHdhvFAJ84O5bV+dGHWFzR4sRmzz1jIKHd2/Y91dgN4Ktn2NsrKvqtFrd1spsPbUCeS/9sk2tkN97YLX6njn+2buaXi84w76VX6/futoaWxrtOaBaamsqdzV9VD2uhL9TRishyjn+jZRRymiO9etEhQAAIABJREFUq2+XoudJRm0O+epN0yGT//botq1+NKCj9q6RI/eulZqAPfKxOh5f4lm4rFWt4F3+ZZsansfnDv3HPjtVy6C+1Wr+KBbO4EtEs97s+jnEcpZRSOYPTq2XI/aqkZ6NW4V97cZ2eeadzvt42lqZjfTxlSzsOdl/+yr1tSz0wGKLIvTOYsqA99CrrQ/YrVqtzMY68dUb2mX2oha58ZnwL0MVEzP2jOav1aSM5i9mFVViyihltJwqfJ5ktNghX4hg94YqJYD+4xfnNshx+9Wq7V3837+Oim8xElLpw/RRLCvl75TR/EWaMpq/mFVUiSmjlNFyqvB5klFwNx3y1eJaVdX1G9dYmAQ5wDDsH2c1yZy3u/ZUFooxZTSYzu3PN8kdz3deBFRO90opv4UyWgq9dK6ljKbDnbkaEqCMUkYNq0ouTsubjJoO+Z4wrFbweUAM0d70TJPadF4fulf0reXhn/6kjBZffSmj4cwoo8XXp7SvoIymHQHmX5AAZZQyWk63SN5ktJzYx/0teVvAFPd3ltN1lNH8RZMymr+YVVSJKaOU0XKq8JTR/EWTMpq/mFFG8xczymj+YlZRJaaMUkbLqcJTRvMXTcpo/mJGGc1fzCij+YtZRZWYMkoZLacKTxnNXzQpo/mLGWU0fzGjjOYvZhVVYsooZbScKjxlNH/RpIzmL2aU0fzFjDKav5hVVIkpo5TRcqrwlNH8RZMymr+YUUbzFzPKaP5iVlElpoxSRsupwlNG8xdNymj+YkYZzV/MKKP5i1lFlZgyShktpwpPGc1fNCmj+YsZZTR/MaOM5i9mFVViyihltJwqPGU0f9GkjOYvZpTR/MWMMpq/mFVUiSmjlNFyqvCU0fxFkzKav5hRRvMXM8po/mJWUSWmjFJGy6nCU0bzF03KaP5iRhnNX8woo/mLWUWVmDJKGS2nCk8ZzV80KaP5ixllNH8xo4zmL2YVVWLKKGW0nCo8ZTR/0aSM5i9mlNH8xYwymr+YVVSJKaOU0XKq8JTR/EWTMpq/mFFG8xczymj+YlZRJaaMUkbLqcJTRvMXTcpo/mJGGc1fzCij+YtZRZWYMkoZLacKTxnNXzQpo/mLGWU0fzGjjOYvZhVVYsooZbScKjxlNH/RpIzmL2aU0fzFjDKav5hVVIkpo5TRcqrwlNH8RZMymr+YUUbzFzPKaP5iVlElpoxSRsupwlNG8xdNymj+YkYZzV/MKKP5i1lFlZgyShktpwpPGc1fNCmj+YsZZTR/MaOM5i9mFVViyihltJwqPGU0f9GkjOYvZpTR/MWMMpq/mFVUiSmjlNFyqvCU0fxFkzKav5hRRvMXM8po/mJWUSWmjFJGy6nCU0bzF03KaP5iRhnNX8woo/mLWUWVmDJKGS2nCk8ZzV80KaP5ixllNH8xo4zmL2YVVWLKKGW0nCo8ZTR/0aSM5i9mlNH8xYwymr+YVVSJKaOU0XKq8JTR/EWTMpq/mFFG8xczymj+YlZRJaaMUkbLqcJTRvMXTcpo/mJGGc1fzCij+YtZRZWYMkoZLacKTxnNXzQpo/mLGWU0fzGjjOYvZhVVYsooZbScKjxlNH/RpIzmL2aU0fzFjDKav5hVVIkpo5TRcqrwlNH8RZMymr+YUUbzFzPKaP5iVlElpoxSRsupwlNG8xdNymj+YkYZzV/MKKP5i1lFlZgyShktpwpPGc1fNCmj+YsZZTR/MaOM5i9mFVViyihltJwqPGU0f9GkjOYvZpTR/MWMMpq/mFVUiSmjlNFyqvCU0fxFkzKav5hRRvMXM8po/mJWUSWmjFJGy6nCU0bzF03KaP5iRhnNX8woo/mLWUWVmDJKGS2nCk8ZzV80KaP5ixllNH8xo4zmL2YVVWLKKGW0nCo8ZTR/0aSM5i9mlNH8xYwymr+YVVSJKaOU0XKq8JTR/EWTMpq/mFFG8xczymj+YlZRJaaMUkbLqcJTRvMXTcpo/mJGGc1fzCij+YtZRZWYMkoZLacKTxnNXzQpo/mLGWU0fzGjjKYQs7a2NnnjjTdk9uzZ8tVXX0lVVZX0799fzjjjDNlrr73Uv0cdixYtkmnTpgWe1rt3b5k0aZL06tUrKpnM/50yShnNfCUtooCU0SJgZeRUymhGAlFEMSijRcDKyKmU0RQC8cwzz8isWbOULB5wwAGi5XTz5s1y4YUXyqhRoyJL9eqrr8p9990nQ4cO7SKd3bt3l5NOOkm6desWmU7WT6CMUkazXkeLKR9ltBha2TiXMpqNOBRTCspoMbSycS5lNOE4oCd08uTJ0rNnT5k4caL06NFDlQD//eabbxaI5FVXXRUpkuhVnTdvnkpj0KBBCf+K5LKjjFJGk6tt7nOijLpnbDsHyqhtou7To4y6Z2w7B8qobaIR6b399ttyxx13yMknn6x6L73H/fffLwsXLpQrr7xSdt9994IpzZgxQxYvXizXXnut7Ljjjgn/iuSyo4xSRpOrbe5zooy6Z2w7B8qobaLu06OMumdsOwfKqG2iEemhR/Opp56Syy67TEaMGNHp7Pnz58sjjzwS+Dfvie3t7TJ9+nRZvnx52cwNDcNGGaWMJnyLOs2OMuoUr5PEKaNOsDpNlDLqFK+TxCmjTrCGJ1pIRvWipLPOOkuOPvro0EQwt3Tq1KmyZs0awWKlTz75RFpaWtTc0VNPPVVGjx4t1dXVCf8yN9lRRimjbmpWOqlSRtPhXkqulNFS6KVzLWU0He6l5EoZLYVejGtNZPSUU07pMoTvzWr9+vVq3unKlSuVgA4ePFjWrl2rekpbW1vVFIAxY8YYrcqP8RMSvYQyShlNtMI5zowy6hiwg+Qpow6gOk6SMuoYsIPkKaMOoBZK0oaMYvU9ekMhpfvuu29HL+iKFSvk1ltvlebmZrnmmmtk4MCBRr/uww8/VBKbxePnjw+UrzbWZLFoqZfphgs+Tb0MQQX43XM7yvurGjJZtrQL9etxn0vf7tm71+5Y0EdeWto9bTyZzP9Hx30pe/fbkrmyPfbO9vLoO9tlrlxZKNDlh6yWI3bfmIWidCrDSx93lzte7ZO5cmWhQGcMWyenD1ubhaJ0KsOuu+6qFpbbPKraMdky5cNERqOG6ePKbth1WMmf1WPSnxtk1brofVezWn6X5brnms0uk4+d9r/MrJe3PyuPaSKxIYRceP23t0i/7VJvhrqU7k/P1smz7/GlLyhs//vMJhm2c5vtqlByevf+tVbuXVBbcjrlmMD3jm+W4/fJ3ksf7jHcazy6Ehh/cIuMP6glc2iwRWbFyajpAqZC0dLzTqOG+jMX8ZACcZg+PFJzfrZ1W7CsHT+evlkWLsvegyALnDhMn4UoFFcGDtMXxysLZ3OYPgtRKK4MHKYvjlfJZ+utnTCnE8LoPUy3doK0zpw5Uy6//HIZPnx4pzTmzp0rTzzxROSK/JJ/SEIJUEYpowlVtUSyoYwmgtlqJpRRqzgTSYwymghmq5lQRq3ijE4MK+BvuOEGNc8Tm9vvsMMO6qKwTe8x/xPzORsbGzsS/+yzz+Smm26SIUOGyKWXXio1NVuH1zZs2CBTpkxRi5muvvpqGTBgQHSBMn4GZZQymvEqWlTxKKNF4crEyZTRTIShqEJQRovClYmTKaMphMH7OdCDDz5Ympqa5M0331QLkryfA9XiigVL2Ny+b9++qrSY+jpnzhx5+umnpV+/furzoThnwYIF8s0333A1fQoxTSNLDtOnQb20PCmjpfFL42rKaBrUS8uTMloavzSupoymQB0yiS8tYfN79IhWVVVJ//795YwzzpC99tqrY0umdevWqZ5OiCa+yoQ9RfWhv2ePBVF6ARJkFUP/I0eOLIttnfBb2TPKntEUblFnWVJGnaF1ljBl1BlaZwlTRp2hdZYwZdQZWiZsgwBllDJqox5lJQ3KaFYiYV4Oyqg5q6ycSRnNSiTMy0EZNWfFM1MgQBmljKZQ7ZxlSRl1htZZwpRRZ2idJUwZdYbWWcKUUWdombANApRRyqiNepSVNCijWYmEeTkoo+assnImZTQrkTAvB2XUnBXPTIEAZZQymkK1c5YlZdQZWmcJU0adoXWWMGXUGVpnCVNGnaFlwjYIUEYpozbqUVbSoIxmJRLm5aCMmrPKypmU0axEwrwclFFzVjwzBQKUUcpoCtXOWZaUUWdonSVMGXWG1lnClFFnaJ0lTBl1hpYJ2yBAGaWM2qhHWUmDMpqVSJiXgzJqziorZ1JGsxIJ83JQRs1Z8cwUCFBGKaMpVDtnWVJGnaF1ljBl1BlaZwlTRp2hdZYwZdQZWiZsgwBllDJqox5lJQ3KaFYiYV4Oyqg5q6ycSRnNSiTMy0EZNWfFM1MgQBmljKZQ7ZxlSRl1htZZwpRRZ2idJUwZdYbWWcKUUWdombANApRRyqiNepSVNCijWYmEeTkoo+assnImZTQrkTAvB2XUnBXPTIEAZZQymkK1c5YlZdQZWmcJU0adoXWWMGXUGVpnCVNGnaFlwjYIUEYpozbqUVbSoIxmJRLm5aCMmrPKypmU0axEwrwclFFzVjwzBQKUUcpoCtXOWZaUUWdonSVMGXWG1lnClFFnaJ0lTBl1hpYJ2yBAGaWM2qhHWUmDMpqVSJiXgzJqziorZ1JGsxIJ83JQRs1Z8cwUCFBGKaMpVDtnWVJGnaF1ljBl1BlaZwlTRp2hdZYwZdQZWiZsgwBllDJqox5lJQ3KaFYiYV4Oyqg5q6ycSRnNSiTMy0EZNWfFM1MgQBmljKZQ7ZxlSRl1htZZwpRRZ2idJUwZdYbWWcKUUWdombANApRRyqiNepSVNCijWYmEeTkoo+assnImZTQrkTAvB2XUnBXPTIEAZZQymkK1c5YlZdQZWmcJU0adoXWWMGXUGVpnCVNGnaFlwjYIUEYpozbqUVbSoIxmJRLm5aCMmrPKypmU0axEwrwclFFzVjwzBQKUUcpoCtXOWZaUUWdonSVMGXWG1lnClFFnaJ0lTBl1hpYJ2yBAGaWM2qhHWUmDMpqVSJiXgzJqziorZ1JGsxIJ83JQRs1Z8cwUCFBGKaMpVDtnWVJGnaF1ljBl1BlaZwlTRp2hdZYwZdQZWiZsgwBllDJqox5lJQ3KaFYiYV4Oyqg5q6ycSRnNSiTMy0EZNWfFM1MgQBmljKZQ7ZxlSRl1htZZwpRRZ2idJUwZdYbWWcKUUWdombANApRRyqiNepSVNCijWYmEeTkoo+assnImZTQrkTAvB2XUnBXPTIEAZZQymkK1c5YlZdQZWmcJU0adoXWWMGXUGVpnCVNGnaFlwjYIUEYpozbqUVbSoIxmJRLm5aCMmrPKypmU0axEwrwclFFzVjwzBQKUUcpoCtXOWZaUUWdonSVMGXWG1lnClFFnaJ0lTBl1hpYJ2yBAGaWM2qhHWUmDMpqVSJiXgzJqziorZ1JGsxIJ83JQRs1Z8cwUCFBGKaMpVDtnWVJGnaF1ljBl1BlaZwlTRp2hdZYwZdQZWiZsgwBllDJqox5lJQ3KaFYiYV4Oyqg5q6ycSRnNSiTMy0EZNWfFM1MgQBmljKZQ7ZxlSRl1htZZwpRRZ2idJUwZdYbWWcKUUWdombANApRRyqiNepSVNCijWYmEeTkoo+assnImZTQrkTAvB2XUnBXPTIEAZZQymkK1c5YlZdQZWmcJU0adoXWWMGXUGVpnCVNGnaFlwjYIUEYpozbqUVbSoIxmJRLm5aCMmrPKypmU0axEwrwclFFzVjwzBQKUUcpoCtXOWZaUUWdonSVMGXWG1lnClFFnaJ0lTBl1hpYJ2yBAGaWM2qhHWUmDMpqVSJiXgzJqziorZ1JGsxIJ83JQRs1Z8cwUCFBGKaMpVDtnWVJGnaF1ljBl1BlaZwlTRp2hdZYwZdQZWiZsgwBllDJqox5lJQ3KaFYiYV4Oyqg5q6ycSRnNSiTMy0EZNWfFM1MgQBmljKZQ7ZxlSRl1htZZwpRRZ2idJUwZdYbWWcKUUWdombANApRRyqiNepSVNCijWYmEeTkoo+assnImZTQrkTAvB2XUnBXPTIEAZZQymkK1c5YlZdQZWmcJU0adoXWWMGXUGVpnCVNGnaFlwjYIUEYpozbqUVbSoIxmJRLm5aCMmrPKypmU0axEwrwclFFzVjwzBQKUUcpoCtXOWZaUUWdonSVMGXWG1lnClFFnaJ0lTBl1hpYJ2yBAGaWM2qhHWUmDMpqVSJiXgzJqziorZ1JGsxIJ83JQRs1Z8cwUCFBGKaMpVDtnWVJGnaF1ljBl1BlaZwlTRp2hdZYwZdQZWiZsgwBllDJqox5lJQ3KaFYiYV4Oyqg5q6ycSRnNSiTMy0EZNWfFM1MgQBmljKZQ7ZxlSRl1htZZwpRRZ2idJUwZdYbWWcKUUWdombANApRRyqiNepSVNCijWYmEeTkoo+assnImZTQrkTAvB2XUnBXPTIEAZZQymkK1c5YlZdQZWmcJU0adoXWWMGXUGVpnCVNGnaFlwjYIUEYpozbqUVbSoIxmJRLm5aCMmrPKypmU0axEwrwclFFzVjwzBQKUUcpoCtXOWZaUUWdonSVMGXWG1lnClFFnaJ0lTBl1hpYJ2yBAGaWM2qhHWUmDMpqVSJiXgzJqziorZ1JGsxIJ83JQRs1Z8cwUCFBGKaMpVDtnWVJGnaF1ljBl1BlaZwlTRp2hdZYwZdQZWiZsgwBllDJqox5lJQ3KaFYiYV4Oyqg5q6ycSRnNSiTMy0EZNWfFM1MgQBmljKZQ7ZxlSRl1htZZwpRRZ2idJUwZdYbWWcKUUWdombANApRRyqiNepSVNCijWYmEeTkoo+assnImZTQrkTAvB2XUnBXPTIEAZZQymkK1c5YlZdQZWmcJU0adoXWWMGXUGVpnCVNGLaFdvXq1zJo1SxYtWiTNzc3SrVs3GTlypIwbN04aGxsjc2lra5M33nhDZs+eLV999ZU6v3fv3nLUUUep/9XU1HRKA/lMmzYtMF1cN2nSJOnVq1dkvlk/gTJKGc16HS2mfJTRYmhl41zKaDbiUEwpKKPF0MrGuZRRC3FYs2aN3HzzzUoi9957bxk8eLC8//77snTpUvXPEyZMUHIadrS2tsqDDz4or776qvTp00f2339/deqbb74pSPuggw6SCy64oJOQ4tz77rtPhg4d2kU6u3fvLieddFLBPC387ESSoIxSRhOpaAllQhlNCLTFbCijFmEmlBRlNCHQFrOhjFqA+fjjj8tzzz0n559/vhx66KEqxfb2dtXLif9deOGFSijDjiVLlsgtt9wiu+++u1x22WUdPakbNmyQKVOmKMmdOHGiDBo0qCMJpDtv3rwu/93Cz8lUEpRRymimKmSJhaGMlggwhcspoylALzFLymiJAFO4nDJaIvSmpiaZOnWqYJj+uuuuU0Pr+vj888/lxhtvlD322EMuvfRSqaqqCswNYvn000+rc0aMGNHpnKeeekoJLSTV+7cZM2bI4sWL5dprr5Udd9yxxF+R3cspo5TR7NbO4ktGGS2eWdpXUEbTjkDx+VNGi2eW9hWU0RIj8M0338j111+vJPSKK67oND90/fr1MnnyZMGwuf9v3mwxnL927VrZc8891bneAzKKXldcjyF5HOh1nT59uixfvrxs5oaGhYEyShkt8RbN1OWU0UyFw6gwlFEjTJk6iTKaqXAYFYYyaoQp/KRCMrp582bVa7px40bVg9mzZ8+ictPD9OhRveqqqzrmgOp0MZ8UEvzJJ59IS0uLmjt66qmnyujRo6W6urqovLJ6MmWUMprVuhmnXJTRONTSvYYymi7/OLlTRuNQS/caymiJ/E1kFNJY7Op2LGrCAqWFCxfKxRdf3GmIXve4rly5UgkoFkmhZxU9pbju5JNPljFjxoROCyjxJyd6OWWUMppohXOcGWXUMWAHyVNGHUB1nCRl1DFgB8lTRkuE6kJGMQw/Z84cNVf02GOPldNOO62TWGIbKPSGQkr33Xffjl7QFStWyK233qq2lrrmmmtk4MCBRr/us88+MzovjZN+dN928uX68ujltc1v2ne+sZ2klfT+9cke8u7ntVbSKrdEfnfBOtmxZ1vmftZN87vJ84vrM1euLBToZ2M3yH4DW7JQlE5leOCNRnnwjYbMlSsLBbr66E1yzJ5NWShKpzLgHsO9xqMrgXNHbZHzRm3OHBqMPvunT5ZayKp2WJ7lw0RGixmmRxFffvlleeSRR9Q+pf4tnaKKD4HFPFP/gqdC12HOalaPnz68g3y5ofMeq1kta9LluuXbq5LO0ii/f5vdW95bWWd0bqWd9Nuzv5Yde7Rm7mdP/ct28sJH0fshZ67gCRTof45ZI/sMaE4gp+KyeHhRd3lkUY/iLqqQs684fJ0ctUf2xAb3GO41Hl0JnDVig5w9YmPm0PTv3z//Mmq6gMlLHxvf33PPPTJs2DAZP368NDQU9+arN8M/5ZRT1F6jeT84TB8ewTk/y+aD6MfTN8vCZdkTrizcCxymz0IUiisDh+mL45WFszlMn4UoFFcGDtMXx6vL2XprJ+wFinmhcbZ20om+9dZbSkR33XVX1bMZtlH+/PnzZebMmXL55ZfL8OHDO5Vp7ty58sQTTxTVM1oiAqeXU0Ypo04rWMKJU0YTBm4hO8qoBYgJJ0EZTRi4hewooxYg6n1CvQuHCm16j9Xw+LxnXd22ocyPP/5YzffEPM+oLzZhjudNN90kQ4YMUXuT6k+F6tX3WMx09dVXy4ABAyz8unSToIxSRtOtgXZzp4za5ZlEapTRJCjbzYMyapdnEqlRRi1Q9n4OFAuKsMk9NqTHJ0H9nwNdtmyZ+qoSNqrX2zVhFTy+wASpPOGEE6RHj67Dr/X19epToxBYvcAJG+X369dPRo0aJVjUtGDBAsEcVq6mtxDUHCTBYfocBMlXRMpo/mJGGc1fzCij+YsZZdRSzNAbic+CYs4mVrNjiB0LkMaNG9dpI3x8lQkyil5L/elPPc+zUFEw/O/dHgryifml6JXFFAEcffv2FcwVRb5hX3uy9HMTS4Y9o+wZTayyJZARZTQByJazoIxaBppAcpTRBCBbzoIyahkok7NLgDJKGbVbo9JNjTKaLv84uVNG41BL9xrKaLr84+ROGY1DjdckRoAyShlNrLIlkBFlNAHIlrOgjFoGmkBylNEEIFvOgjJqGSiTs0uAMkoZtVuj0k2NMpou/zi5U0bjUEv3Gspouvzj5E4ZjUON1yRGgDJKGU2ssiWQEWU0AciWs6CMWgaaQHKU0QQgW86CMmoZKJOzS4AyShm1W6PSTY0ymi7/OLlTRuNQS/caymi6/OPkThmNQ43XJEaAMkoZTayyJZARZTQByJazoIxaBppAcpTRBCBbzoIyahkok7NLgDJKGbVbo9JNjTKaLv84uVNG41BL9xrKaLr84+ROGY1DjdckRoAyShlNrLIlkBFlNAHIlrOgjFoGmkBylNEEIFvOgjJqGSiTs0uAMkoZtVuj0k2NMpou/zi5U0bjUEv3Gspouvzj5E4ZjUON1yRGgDJKGU2ssiWQEWU0AciWs6CMWgaaQHKU0QQgW86CMmoZKJOzS4AyShm1W6PSTY0ymi7/OLlTRuNQS/caymi6/OPkThmNQ43XJEaAMkoZTayyJZARZTQByJazoIxaBppAcpTRBCBbzoIyahkok7NLgDJKGbVbo9JNjTKaLv84uVNG41BL9xrKaLr84+ROGY1DjdckRoAyShlNrLIlkBFlNAHIlrOgjFoGmkBylNEEIFvOgjJqGSiTs0uAMkoZtVuj0k2NMpou/zi5U0bjUEv3Gspouvzj5E4ZjUON1yRGgDJKGU2ssiWQEWU0AciWs6CMWgaaQHKU0QQgW86CMmoZKJOzS4AyShm1W6PSTY0ymi7/OLlTRuNQS/caymi6/OPkThmNQ43XJEaAMkoZTayyJZARZTQByJazoIxaBppAcpTRBCBbzoIyahkok7NLgDJKGbVbo9JNjTKaLv84uVNG41BL9xrKaLr84+ROGY1DjdckRoAyShlNrLIlkBFlNAHIlrOgjFoGmkBylNEEIFvOgjJqGSiTs0uAMkoZtVuj0k2NMpou/zi5U0bjUEv3Gspouvzj5E4ZjUON1yRGgDJKGU2ssiWQEWU0AciWs6CMWgaaQHKU0QQgW86CMmoZKJOzS4AyShm1W6PSTY0ymi7/OLlTRuNQS/caymi6/OPkThmNQ43XJEaAMkoZTayyJZARZTQByJazoIxaBppAcpTRBCBbzoIyahkok7NLgDJKGbVbo9JNjTKaLv84uVNG41BL9xrKaLr84+ROGY1DjdckRoAyShlNrLIlkBFlNAHIlrOgjFoGmkBylNEEIFvOgjJqGSiTs0uAMkoZtVuj0k2NMpou/zi5U0bjUEv3Gspouvzj5E4ZjUON1yRGgDJKGU2ssiWQEWU0AciWs6CMWgaaQHKU0QQgW86CMmoZKJOzS4AyShm1W6PSTY0ymi7/OLlTRuNQS/caymi6/OPkThmNQ43XJEaAMkoZTayyJZARZTQByJazoIxaBppAcpTRBCBbzoIyahkok7NLgDJKGbVbo9JNjTKaLv84uVNG41BL9xrKaLr84+ROGY1DjdckRoAyShlNrLIlkBFlNAHIlrOgjFoGmkBylNEEIFvOgjJqGSiTs0uAMkoZtVuj0k2NMpou/zi5U0bjUEv3Gspouvzj5E4ZjUON1yRGgDJKGU2ssiWQEWU0AciWs6CMWgaaQHKU0QQgW86CMmoZKJOzS4AyShm1W6PSTY0ymi7/OLlTRuNQS/caymi6/OPkThmNQ43XJEaAMkoZTayyJZARZTQByJazoIxaBppAcpTRBCBbzoIyahkok7NLgDJKGbVbo9JNjTKaLv84uVNG41BL9xrKaLr84+ROGY1DjdckRoAyShlNrLIlkBFlNAHIlrOgjFoGmkBylNEEIFvOgjJqGSiTs0uAMkoZtVuj0k2NMpou/ziilSWtAAAY70lEQVS5U0bjUEv3Gspouvzj5E4ZjUON1yRGgDJKGU2ssiWQEWU0AciWs6CMWgaaQHKU0QQgW86CMmoZKJOzS4AyShm1W6PSTY0ymi7/OLlTRuNQS/caymi6/OPkThmNQ43XJEaAMkoZTayyJZARZTQByJazoIxaBppAcpTRBCBbzoIyahkok7NLgDJKGbVbo9JNjTKaLv84uVNG41BL9xrKaLr84+ROGY1DjdckRoAyShlNrLIlkBFlNAHIlrOgjFoGmkBylNEEIFvOgjJqGSiTs0uAMkoZtVuj0k2NMpou/zi5U0bjUEv3Gspouvzj5E4ZjUON1yRGgDJKGU2ssiWQEWU0AciWs6CMWgaaQHKU0QQgW86CMmoZKJOzS4AyShm1W6PSTY0ymi7/OLlTRuNQS/caymi6/OPkThmNQ43XJEaAMkoZTayyJZARZTQByJazoIxaBppAcpTRBCBbzoIyahkok7NLgDJKGbVbo9JNjTKaLv84uVNG41BL9xrKaLr84+ROGY1DjdckRoAyShlNrLIlkBFlNAHIlrOgjFoGmkBylNEEIFvOgjJqGSiTs0uAMkoZtVuj0k2NMpou/zi5U0bjUEv3Gspouvzj5E4ZjUON1yRGgDJKGU2ssiWQEWU0AciWs6CMWgaaQHKU0QQgW86CMmoZKJOzS4AyShm1W6PSTY0ymi7/OLlTRuNQS/caymi6/OPkThmNQ43XJEaAMkoZTayyJZARZTQByJazoIxaBppAcpTRBCBbzoIyahkok7NLgDJKGbVbo9JNjTKaLv84uVNG41BL9xrKaLr84+ROGY1DjdckRoAyShlNrLIlkBFlNAHIlrOgjFoGmkBylNEEIFvOgjJqGSiTs0uAMkoZtVuj0k2NMpou/zi5U0bjUEv3Gspouvzj5E4ZjUON1yRGgDJKGU2ssiWQEWU0AciWs6CMWgaaQHKU0QQgW86CMmoZKJOzS4AyShm1W6PSTY0ymi7/OLlTRuNQS/caymi6/OPkThmNQy0D12zevFmeeuopee2112Tjxo1SV1cn++yzj5x55pnSp0+fDJTQThEoo5RROzUpG6lQRrMRh2JKQRkthlY2zqWMZiMOxZSCMloMrYycCxG9/fbb5aOPPpLddttNhg8fLsuWLZP33ntPevXqJVdddZXssMMOGSltacWgjFJGS6tB2bqaMpqteJiUhjJqQilb51BGsxUPk9JQRk0oZeycv/71r3LPPffIscceK+PGjZOqqipVQvSS3nvvvXLMMceo/14OB2WUMloO9Vj/Bspo/qJJGc1fzCij+YsZZTR/MZMZM2bIO++8IxMnTpRBgwZ1/IL169fL5MmTpbGxUf0N/5/3gzJKGc17HfaWnzKav2hSRvMXM8po/mJGGc1ZzDBEP3XqVFmzZo1MmjRJDcvro7m5WW677TZZtWpVl7/l7Gd2FJcyShnNa90NKjdlNH/RpIzmL2aU0fzFjDKas5gVklH8lDvvvFMWL14s11xzjQwcODBnv65rcSmjlNHcV2LPD6CM5i+alNH8xYwymr+YUUZzFjMTGcVCJv8Qfs5+Zkdxx/zrhrwW3Xm55/ysh/M84mTw4+mbZeGy1jiXlv01lNH8hZgymr+YUUbzFzPKaM5i5kJGH3300cxSmLV8v8yWLe2Cnbrbu2kXITB/xiw8LEcMWCLb12/OXNwYs/CQDO+zQnbtuSZzMXvpi8Gytqlb5sqVhQLt1nO1DOvzeRaK0qkM76weKMvXl8/WizYBb1+/SY4YsNRmklbS2nvvvQX/s3lUtbe3t9tMMI20TGS02GH6n/zkJ7Ju3bo0fg7zJAESIAESIAESIIFMEvj7v/97ymhQZCptAVMmaycLRQIkQAIkQAIkQAIxCJRFzyh+t97a6corr5Tdd9+9A0U5bu0UI868hARIgARIgARIgAQySaBsZHTRokUyffp0GT16tFxwwQVSU1OjgJfjpveZrEksFAmQAAmQAAmQAAnEIFA2Mur9HCh6Rvfff39Zvny52gh/++23L6vPgcaIMy8hARIgARIgARIggUwSKBsZBd0tW7bIU089Jfg06MaNG6Wurk722WcfOfPMM6VPH67Wy2QNZKFIgARIgARIgAQqmkBZyWhFR5I/ngRIgARIgARIgARySIAymsOgscgkQAIkQAIkQAIkUC4EKKPlEkn+DhIgARIgARIgARLIIQHKaA6DxiKTAAmQAAmQAAmQQLkQoIyWSyT5O0iABEiABEiABEgghwQoozkMWtJFbm5ultmzZ8vLL7+sdinYc8895Tvf+Y7U19cbFQVbbN1yyy0yaNAgueyyy9QuBzyyQ4DxyU4sWBISIAESqEQClNEcRh1iiC2sIHYjRoxw/gsef/xxefbZZ6V3794yZMgQGTx4sBxxxBHG+X7++ecyZcoU9S3b888/v+ODBP4EPv74Y7n11lulW7ducvXVV3fZjgtSfPvtt8sHH3yg0jn00EONy1BpJ37zzTdy/fXXq5hdccUV0tjYGIrAND6VxlD/Xs1yzZo1qs6h7lVVVYXimDdvnjz66KOK+cSJE9VLGI90COi20p872pihQ4fKySefLDvttJPTwun6g72wcS+i/fQfxdyvYYVN+rngFJph4kuWLFEdHTvvvHPBdu7VV1+Ve++9t8v9iy80ghs+mrNu3Tp1X6PNPPLII9X/wjpOVq1aJU8//bS89957smnTJqmurpYdd9xRTjzxRBk1apT6dx7FEaCMFscrE2cn2eigAZ06daqsXr1arr32Wunbt68zBu3t7aphwE1++OGHy7nnntvpof/KK6/I/fffL3vttZdMmDCBPawFImHj4eYs0DlL2CujvXr1Kngf4MF08803yyeffEIZzUCcdVsJ8YRk6OOrr76SZcuWqRfjiy66yOlLvbf+4IMsEFLIsPewcb8m+VzIQGhVEdBBgQ4MxBKfAkdnif/AObfddpt89NFH6rmx7777qlNwDf77hg0bZMCAAbLLLrtIW1uboFPk66+/lj322EOd74/VG2+8ocS2tbVVvWjimdjS0iIffvihQG4POuigTl+BzAqrrJeDMpr1CAWUL8lGx0YjWQxiPMwhvytWrFBTATAlAAd6pfCQx9+vuuoq570ZxZQ5i+cmHbcsMrBVJs1y7dq1ghem008/XY499tjA5PHFt2nTpqm/oVeFPaO2ohAvnUJtJaTinnvukYEDB6o2xS8d8XLsepVXRvFX9MaedNJJnV60bdyvST4XbLGxkc78+fPlkUcekeOPP17GjRvXJUmM/Nx4441qpE3HGQKK0bovvvhCieOBBx7YEQ9I5pNPPinPPfecHHfccSpNPRKCHlGkBfm8/PLLlbDqAx/dufvuu+Xtt9/myF2MwFJGY0BL+5KgRufOO+9UQwb+hx/e/nDT4UtUl1xySUfRccO98MIL8vzzzwsaQjw4MeSPGw+fT8URNMTlH3rEzYyGAMMlSBNviaeccoqMHDmy4wYOK0MYx8WLF6s3Vj300tDQIA8++KCas3rqqaeqoRB9YHgFD3/kiQZeH7pHFxI7adIkQY9WJR3FPNyKjU8lccRv1SzxMEPPR48ePQKHBFH/cR+iBwb3AR5c/vtRD+/hgYUeGwgQ7hXcd96pFPp+xujAiy++qHpxxo4dKyeccILCDzHG9BnUf6TTvXt31SOD+wD3iz4gz+ixeeKJJ+TTTz9VMh10j+J8/A1TYDDFYOXKlQXPzUsdKCRouo1AGwZJ2XXXXTt+FpiBL5jhQK8ZYoQeVi9bE166/mDoFnUE0uIfri90v/q/LOiPtW4D/TFJahpX2nUBvdyTJ0+W7bbbLvClQk+b8T4j8JVGvIgccsghgdNucH9BOiGhGBHs2bOn+pl6ytoZZ5wR+EL62WefyU033aTqCzpTuD7CvHZQRs1ZZebMUmUUDeJ9990nr7/+uprHiTlMS5culffff189qNAwY0gLb5R4sGJ+KhpAvHnigYneSvy7nuOJhUwHHHCA4vPmm2+qh7dXGouVHTwUcdOjEcGnXPGQQG8pbnAMm3gf2pTR4GpJGbV3u2qWGGKFkEIOg4YE9YNI95bgpcoro/p+QclGjx6tevchpX/729/U8KK3bkNG33rrrY65ZxBg9MYeffTRaggRowSYOqPvX6SB9HU6upcPL5sQUdwzei6bvkfRQzdmzJiOl0bdU4gHb6H72R5Z9ykVklG0M9OnT1cC7o2T5rDDDjsoDngBAbOmpia5+OKLO4b0TXl578WDDz5YHnroITW86x0CDrtfMRKEefJYZDhs2DD1go46g3/Xw8iQanQGoL6gPUQd2W233VRd8E5NcE87nRz0SyA6YyD53hcGPYyPexPrEMAPx4wZM2ThwoWdhu29pUfdAFPEXj/vEH88h/Dycs0116gedf+BsuC+R88p7k3KqHmdoIyas8rMmaXKKOZeokE877zzVG+KHoJ47bXX1FyYY445pmO4I6yR1MMcmHOFBgByikMPs6NHUs8xLVZGkQ4mk+PNFI0BHqxI97vf/a5ACLwHZZQy6vrG9N4D6J284447ZP/99+/So4IXKMgfeqTwoucfqcAIAqQRw4JaWPHQmzlzprz00kudHoyQUTwsIa1YMKUfanjY4R6FHF144YVKMHHo+dZoG/DfcV9jqgukFXKJe1SLiRYczGvVUq0ftOgRxX3bv39/lS56nZBGbW1tpx4i18xtpV9IRnXvF8ThuuuuU3z0MCziM378+A7umgPaObyso92DmJjw8tYf9Jah5xk9c96XgaB2Vr+UY0QI4qolKyjW4FWpw/T47Xp6DGQf94s+9LMH8cR9ibjpug5BLWYaDerLn/70JzWvtBJH22zdk2HpUEZdE3aQfikyqidzY4smNKpaIlFM3SD269evY4ghTEbxUMUbO4QWQx3eA+WbM2dOx8M1jowiPeSBBz8eFkHzrHAOZZQy6uAW65Sk9x7AA+2uu+5S0uJd0KfFBkPkuK8eeOCBwGkzQWXVddg7rKqH6SGL3hcwvOTdcMMNagQDL2fenhf02Pz5z39W0nLWWWd1LAbUcurN2//w1kPW+K1azLTkoq3AAxi9s3lbJRzUVkLmvvzySzW9CC8M3rYF8w/Rk+zvYQMLxAS9XugVg7hCRk14+dtQsIbg44Vev2AHtbN4EcfwM1Zpa5HySxameGj5qmQZ1azAxz+sjrmf3nvAuygXUqlf0vxze5GWd1qa/jumsUFi9Qidfr4hXX0gTQprcS0zZbQ4Xpk4uxQZDbrh/D8Kw/Z6O6AwGQ3bMsWbln64+mU0aI6Tf84n0tE9tegNClpdTxkNr44cprd3q/pZYpgU8828C5n0HDT938LmcEMY8aKmt4QJul+0+BSaA+6VkLBfijJg6o1/PqT3xRND0bjXMdXmmWeekVmzZinpPOyww9QQNXpI0ZuU16NQOwWxxvY9iJn+jbpHOuz3euXElFfQvYg2EC81ergevXX+rdiCJMdfLtQDvRagkmUUXLwjE5jSoHe2gPR7X7DCZBTngyFevnBgihr+m+49DZNR9JpDeNHRo4fpMZJAGS2u1aCMFscrE2fbkFFM9sbcoqADw3oY1kADXUhG0RhjHil6UoMOPWfJL6Po3cF8HO+B+XPeOTh6WAznYJgeD3GsXtTbcuhr2TMaXCUpo/ZuVT9LiAOmkOheUDx4sL2Mt7c0SEa9c6yPOuooNVcbPSgYAcCWZUE9o2ELEjF/1Ltgz/9roxbwhQ0LY+HOY489JhjCRA8i5AsjH/6FUfbouk0paGsnyAnmiULkMBTvlW3EDX8DW0i5/8C5eg6hXhwWxSuINaQFMdfD9RhexhCwd19g3W6ip1vP4fWXB3OY9b6llS6jes9RTF1BbzHWQWAPUv3vejqaHh3EvNtCw/T+e1j3vuL+DxPNqPvObW3Pd+qU0YzGD29kuGnQIPp7JmzIqMlm6N4eFP/5xTR8xQ7T6wVW6BlFo4LJ+BjWwop4NB7ehwRllDLq+hYOkglvLwzuDayg9c4j9T/I9ANQL37wvsAVGqYPk9FSe0bxQoieOMhM0EcRUF48rOfOnat6V/O6t29QO6U/noGeL/8LbliPdlQdK8Qr7MVQb1cHOcauCZDaIBn174QSVpZi2uSo35PHv+vFSujIQE8oplxgLnbQlAu8CGDtxKWXXhq6x2zYPVxIYimj8WsOZTQ+O6dXFlrth79hgQQa0uHDh6tymG7thCEIvRLXu7ow7MeENaRhX7QISqdYGdVDWHq1KHqe9Gb4/n3fKKOUUac3omcutVcUvCvnMdT9l7/8pdMKe//9qBc/YL6ZX/70vWTSM1pozijuVcgjNvDGF9L0PWMyZxTlg5xBkrFrhT7wYoi54ejVDRrud82+1PTDBA29ZpjzidEYbzywuAi7eIRt3aPLUwyvQqMUuq1DvUDb7C0P5rVizih64DFPVW+5RxkNrxUQUCwIPPvss9WuF5h+ErSHrJ4zjZE2CGnQVJSgZ6reJsr/HNIloozGv2Mpo/HZOb1Sz0FDD8i3vvWtjptFf7pR73+mv4iEhxAm3nsbUQwjYX4avmiEYR7/3CIMX3hXjOLNEm/nmG+DbSkK9YxiWxn0BuGt3rvSE9fgoYZtTzAXCw1pMTLq7S3A4g30iuLQq/cxFOrdDB8rgiHXeIB6F3R4h0Qrce4Oh+nt3Z5hw6x4WL377rtqUQ8WGXnrn/9Bph9SWH2N3k69pyXqM6QIvTkmMlpoNT3udcgX7mnvanqMKOBe0nslBq2m1xuDY7GM9wtBurcJK/PDtrOxR9p+SmEyirZR713s/bSwbquwsBMc9K4COB8dAIgT9jnWq+5NeBW6F/Vw/YIFC9SP987X17HGCBG24MJCK72ADOKqN3rX05v0b/32t7/dscuCfaLZTlHvOYqhdPwP3IKms3g/LY2/4zzv4jw8h/QCNe9LmN7lBdur+TfLBxn0muLlDR0o3/ve9yJfILJNM9nSUUaT5W2cm35gQOzQIELK8EDDnC5sguzfI1Bv44K/YUgN8yyxYTOGBdGQeie6I21sFI+VoUgbUoq0sV0M5sV4b7JCDan+LBp+FAQWZUSaGNbDwxmSikbdVEa9DXPQ6nndiwDx1A9Mb6OC/NGzg98ATliFX6mrGnXcwABz3ILe/LF4Aj1opvExrrxldmLYPaB7V7DS3N/7GNSrontt8IKGeYD6E4J4sUQ99i7iKzRcrPcZRbkwhIu52SgLevv0Fjb+fUb13qHoKYL44FpvG+J9cYW8Yg4j0sC2QhBovWVO3hYzFRq61kKJHQkwSoQpC+CAF3vsrYz5sniJxws/2h6IBr7UA3mFbOgX/SheUS+G+gUc5fHKKG4jxBpShL+hfcOHSSBcaKtxeL8CpHc4wXoA1Als0efdyL/MbsvAn6P3HMWeq3j2FBr9A3eII56TGN3AMwtCqp8fuK9xT+JDE3q+KTJFBwh2eUFc9WdE8d+9n5jFC6Hedq0SuNv4jZRRGxQdpQFBRKOI/QbxRoYbBSJ22mmnqYeZ9wZBETDx/uGHH1YNFx4aaJCwwAj7EuJG836BCQ8/DGPgAYmbCo0r0sZWTVhMpI+ohhQSjKEtTB7HwxUNIVaoYoGF3nbGVHbwQMUm1GgY0AuDtLwHGhp8bg0S7JVVDJmhlwOrj71fgcKqZ/SQVnLPKBrcsEO/oJjGx1E1z3yyYfeAXq2LF0D/MGqQTOreNYxg/P/t3cFq60AQRNH//+twFwIjAn4FvXnkGLJKp2OOJU1JHo3q2WDZXeuFjOoLGi2q3n79be7i+wlMBaJuSGzf+1zu6bcnMHXC1nqpTfH5PIY0+LZvdWNiXxH3t53MdbNVP/9bEG3D+jaP8vn959euv5nl0DGndV+fK2j/6vXtGNr7fE60C4/vaRzPONAV0q6I9vl2EtIDQQrQz6tjX3OZmyfZeyuodpHgr72ek8SM3ktivS0aB3NtfeC2+dw6CWt8bQxr3HyPs/XoM2nsbIpNx9i2mcar/mfbUiHVaxMQRjcv1QQIECBAgAABAocCwughplYECBAgQIAAAQKbgDC6eakmQIAAAQIECBA4FBBGDzG1IkCAAAECBAgQ2ASE0c1LNQECBAgQIECAwKGAMHqIqRUBAgQIECBAgMAmIIxuXqoJECBAgAABAgQOBYTRQ0ytCBAgQIAAAQIENgFhdPNSTYAAAQIECBAgcCggjB5iakWAAAECBAgQILAJCKObl2oCBAgQIECAAIFDAWH0EFMrAgQIECBAgACBTUAY3bxUEyBAgAABAgQIHAoIo4eYWhEgQIAAAQIECGwCwujmpZoAAQIECBAgQOBQQBg9xNSKAAECBAgQIEBgExBGNy/VBAgQIECAAAEChwLC6CGmVgQIECBAgAABApuAMLp5qSZAgAABAgQIEDgUEEYPMbUiQIAAAQIECBDYBITRzUs1AQIECBAgQIDAoYAweoipFQECBAgQIECAwCYgjG5eqgkQIECAAAECBA4FhNFDTK0IECBAgAABAgQ2AWF081JNgAABAgQIECBwKPADT0Qa+lQrJ78AAAAASUVORK5CYII="/>
+          <p:cNvSpPr>
+            <a:spLocks noChangeAspect="1" noChangeArrowheads="1"/>
+          </p:cNvSpPr>
+          <p:nvPr/>
+        </p:nvSpPr>
+        <p:spPr bwMode="auto">
+          <a:xfrm>
+            <a:off x="765175" y="465137"/>
+            <a:ext cx="304800" cy="304801"/>
+          </a:xfrm>
+          <a:prstGeom prst="rect">
+            <a:avLst/>
+          </a:prstGeom>
+          <a:noFill/>
+          <a:extLst>
+            <a:ext uri="{909E8E84-426E-40DD-AFC4-6F175D3DCCD1}">
+              <a14:hiddenFill xmlns:a14="http://schemas.microsoft.com/office/drawing/2010/main">
+                <a:solidFill>
+                  <a:srgbClr val="FFFFFF"/>
+                </a:solidFill>
+              </a14:hiddenFill>
+            </a:ext>
+          </a:extLst>
+        </p:spPr>
+        <p:txBody>
+          <a:bodyPr vert="horz" wrap="square" lIns="91440" tIns="45720" rIns="91440" bIns="45720" numCol="1" anchor="t" anchorCtr="0" compatLnSpc="1">
+            <a:prstTxWarp prst="textNoShape">
+              <a:avLst/>
+            </a:prstTxWarp>
+          </a:bodyPr>
+          <a:lstStyle/>
+          <a:p>
+            <a:endParaRPr lang="en-GB"/>
+          </a:p>
+        </p:txBody>
+      </p:sp>
+      <p:sp>
+        <p:nvSpPr>
+          <p:cNvPr id="12" name="AutoShape 4" descr="data:image/png;base64,iVBORw0KGgoAAAANSUhEUgAAAqMAAAGhCAYAAABVv73+AAAgAElEQVR4Xuy9CbgV1Znv/Z75MCggMjghiCOIIM7zgAPiPGA0DiSKU0hyO+l8N33TSfftDP3d9NfdSSfXiIo4gBHnAScURBE1KlERh6goCCoKKsjMGb/nv+h1qFOnatfatdeqYe9/PU+eqKdqrbV/76pVv1pTVbW3t7cLDxIgARIgARIgARIgARJIgUAVZTQF6sySBEiABEiABEiABEhAEaCMsiKQAAmQAAmQAAmQAAmkRoAymhp6ZkwCJEACJEACJEACJEAZZR0gARIgARIgARIgARJIjQBlNDX0zJgESIAESIAESIAESIAyyjpAAiRAAiRAAiRAAiSQGgHKaGromTEJkAAJkAAJkAAJkABllHWABEiABEiABEiABEggNQKU0dTQM2MSIAESIAESIAESIAHKKOsACZAACZAACZAACZBAagQoo6mhZ8YkQAIkQAIkQAIkQAKUUdYBEiABEiABEiABEiCB1AhQRlNDz4xJgARIgARIgARIgAQoo6wDJEACJEACJEACJEACqRGgjKaGnhmTAAmQAAmQAAmQAAlQRlkHSIAESIAESIAESIAEUiNAGU0NPTMmARIgARIgARIgARKgjLIOkAAJkAAJkAAJkAAJpEaAMpoaemZMAiRAAiRAAiRAAiRAGWUdIAESIAESIAESkC1btsjMmTPl4IMPlsGDB5OIYwLLly+XF154Qc466yzp3r2749yynTxlNKPxaW1tlb/+9a/y7LPPyldffaVKecghh8gFF1yQ0RKzWHEItLe3y7vvvitz5syRTz/9VNra2mSfffaRyy67TOrr6+MkyWscETCN1fr162X27NnyxhtvyMaNG6W2tlbFc7/99nNUMiZbLgRQb5566inp3bu3TJo0SXr16pXYT9u0aZPcfvvtsmTJEjnjjDPkmGOOSSzvSs3olVdekQceeEB222031UZsv/32lYpCKKMZDD1E9L777lMy6j1Gjhwpl1xySQZLzCLFIQC5gYQ+/fTTgn/WB3okrrjiCmlsbIyTbGLXLFu2TKZMmSKbN29WDemIESMSyztuRosWLZJp06YpthMnTpRBgwappHDPPfHEE/LOO+/I6aefLsOHD++UhWmsvv76a7n55ps7XiB1InnhE5drJV7nov6nJaP6mfPaa6/JEUccIWeeeabU1NRUYlgT/c3edmXIkCEyYcIE6datW6JlyEpmFSWj33zzjVx//fWyZs2aUP51dXWy0047yfHHHy/Dhg2T6urqxGP1wQcfyK233iotLS3qoYi3VLwhNzc3V2xFTTwICWT4xRdfyE033STr1q1Tb8bnnXeeDBw4UA2VoUGqqqpKoBTxs3DxMI5fGrMrw2T0k08+URKJ3qF9991XLr/8ctWjqQ/TWD300EPy4osvqmtPPfVUOfTQQ1Uc8WBH28KjfAi4qP9pyegzzzwjs2bNkj322EMJkX4RNnlmeiOaRo9u3msUXgSmT5+uXoRPPvlkGTNmTObbfhfMKaMFqOLG/Pa3v5141zmGadAo9enTR6677jo1ZMOj/AhgGPfPf/5zl166rPzSMHHT5XPxMHb928N+E3p30WP64YcfytixY9XLqPcwiRXSQE8xuIwaNUouvvjisn+o4DdPnTpVli5dKpU2cuOi/qcho6tWrZIbb7xRmpqaOo0WoP5TRl23SFvT13UJL7FXXXWV6hCrtKNiZTSo4UTPI27MefPmqflemL+n3xST7Dq/8847ZeHChWoCeR6GayvtprH1e9N48BRT9kqS0SguJrHyPrhPOeUUOemkk6KSzf3fKaN2p6mY1DOblQbDxA8++KD85S9/kdGjR8v48eM7Dc9763SlvWzY5ByVFuJw//33C+aQYjTl/PPPL/sXWT8TymhALfHO48CfL7zwQjnooIOi6pO1v1NGraHMdEJJP3iKhUEZ3UbMJFaU0cqa014OPaNYHDt58mTBojsMz2OKivegjBbbasY/H6MyGGXAdJ6rr75adt555/iJ5fBKymhI0LAKFnPIsMIZc0exAME7oRu9qJjs/dxzz3UsVsBwOla8H3300V0Wn+iGC9lh4QQWOjz55JPq//FGes4553QMdwUVKaiXVJfh+eefly+//FL15KIHF6t2MV8Nw/z+I6ocF110kVqQoofe0MOD34OpA+itxfxGzKPdZZddZNy4cTJ06FCVxYoVK+TRRx9VKzEx1xU3FBa0hJUD14SVH6vJMW9mwIABXcqvRR1v6RgGRQ82REHvONC3b1/VI4Vh0rD5vvh98+fPl1dffVXNH8bLB+bkHnjggXLiiSeGLhwqNuZh7YH+DUF/D5tzhTmLWOz03nvvqXmN+G077rijKm/Qb/XHELF4+OGH5aOPPlLTPr73ve8FTj/xXhdVD/0P41133VXNO4PEgpVJHQD7jz/+WC3i0nUHdbhQHYhqZ5E35m0ixniYYugLDTuG38EuaAFTmEiaxArX6oVcQWUL6iXV8Xz77bc7WGEBA+ru7rvv3qlXpNhY6vr98ssvq9+v6wpWR6Ot8c9djXNP6ReVsFiYLNjyt0Uo12OPPabqgbf+oJ3BKmO0b977Xd+3aJ+OPPLI0Dm5cdpJ/bv8eWL+r77v0NbccsstBRfwFRuLqJcepIf5nWiLddu13Xbbqbb2hBNOKHr1PdrAe++9V7XnGB72by/kWkbB980331SjkZ9//nnHsyPsXvCL8ty5c1V7g+cSYoOYYAHW4YcfHlofgtp/MMQzBfdq0MJRXd/Rdl577bXy1ltvqZ1uIPGnnXaaYq+PuM8Jr3Ngncixxx4b1dSV1d8powXCGdZDuXbtWjXXDw/2oKN///5qeH2HHXbo+LNueFFRIbd4COFGxIGbAMMjM2bMECyk2LBhg2qM8RDt0aOHusnwoIco6u1+0BBhGw7IctCBhh3bQEFUvAthosqB1frehx/EFqIZtOgL5UO50RBArCGh/gON25VXXqkW6HgPTIdA+VeuXBlafqSN8nsPHRO8wYMFGjL/gd8bNhEcfO+4447QRWxobLB4Bby9R5yYh1UtDIthOycsVNJi2bNnTyUNeOiihwKNIw48cPGyEcYX5+CFAA9/74PEG0P8HbKuY1hokQHmjel6iDqIugieqIeIt7ceemUUMqC3MvL/bjwg8KDz3g84BxP38fDFA0XfC95rUYeD6kChFhgNut6exn8e+EJKUQf8q+nDZNQkVqgbYIZY4uGkXwobGhpUEfBQgTDpeGIo7pFHHlH3eFAZ8UDEw03ft8XEEg90yDbur6Bjzz33VHXFO+0ozj31t7/9TW1Jg/qJOqJfQFFPcGAxnr+XzV8er4zutdde6p4IakNQfy699FL1woJFHkEH6rh34Y0+J247iesRHwydotMhqI1BO4/OBJwXJN9xYlFIRqPaLtz/eEZEcde/Bfcf6gqY4iUF1/oPlzKK++Xuu+8OjSnq/3HHHac6NPwr+yGD99xzj3pWBR2Qa9QH/3qLKIZohxFLyLD30DIKxtiBA50CegcU78tmqc8J1De8ROJ++M53vlNRix4powWebEEyqvdi0z1M5557ruy9994qFTTQqEx4IOG/4WbQvRDeBzfOxU1y1FFHKflAD6Z3g+GoYXpvGfBQxVY0aEwgC5999pnaFgqSin+HWHkbJ5Ny+HvHsMIbm/KixwYNGN7K0YOB89BI4KZEwwxxwMMe/33BggWqlwwPl/33319tSaUbFJQfPa/oEQMHPLjAC40Pyo8GCg05HkIYrvD28Hp7qvD70NsDjngI4lq85eNayByu9fau4sGE3m48qJGvjh3yff/999XDFefgt1xzzTUdQhg35oWkCX+L6gXBORA8NLrgiN5CxAE9M5BG9Cbg7RwPQ39988cQ9RB1BHOgIfE4P2p1dzHD9Cgr6snZZ5+t6jLyR+8kRBNlP+yww9Q8KH14p8KgXkC+9IgCevlxH+Eew8PBdEI/6iauQ92DeGKUAj2NqAt4oXr88ccFO1XgMJVRXV6TWJkM0+t4oqzYWBwPWrQBeIhhs3G8XIGH9741jaV3WynEAtOLcD8iL/SA4Z5FXUGvEeq+lt1S7qlS5ox62yKUBfUTPf247/GCi9EYxBJ1BXUV9QjM8PBHTPGChZjixR7X+6dTldJOIu56hTn+GW0oemj79esnq1evVvcuJFULiV9G48YirJ55OeOlDh0NuJeRP9ouvDSh7UL5cL+YLHrFcwpD9OgQQNuN+yVJGdW/Ve88gXqJtgn3P17WIHz4G0bAvNvGYaN49EjjxdNbz8EC2yFihA68/G2iNyZB7T92wsA5QW2OfyQA+aIHFu0IFhvh3208J3RPdSUuXqaMhhiD9+b3vqVg6A8PDfQsfPe731WC5j0WL14st912m3oAeOfgeBveqEVRUTKqy+B/aOlyeG8K9GShcdI9ISbl8P72sF4tTHiHvOHwyxv+GxoGcEJZ0Xh6h4Xx8EDvJB4wePtDb4338JbR30hqNmik8PDx95xiiA8NFWQNOyF4/44HF+QtTHAgLJBVNNKQPt2bFTfmpcooHshY5YqHhb9h1Wl75cb7MPbGEG/zQXU1qnzFyGhQncY9gHihF8M/DKhZo1ctqBcb/x1D33ip8otsWLm9sUeaEFHvqADKgxcdMEtDRr3xxBx0CIW3x0dv8YL7w9vmmMTSuxAl7J5FjyxkHfUBL1t4gOIo5Z6yJaNhPNDLjZd8HH6Jxn9DPcH2aKhP/t69UtpJPZcSLxhoQ771rW91ihV4Q6bQW4vDK6OlxCJMRvHijnZN98JidC3ouYO/oxfZZM9fvZ0ZJB8jeXrKlTddVz2j3p0nghbseO9/784U3jYl6LmDsqO+4PmCOOhnsDcmYe2/V1b9HSheGQ2qq8jXxnNCzxtFu4ARRb9fRLXZef47ZTQket4eKT1/w9vwhq14856D4Tlci8MrWH5J8hehkIx60/ffMN50MPSCIRgcYVIcVg6TB4z39+Chj94K/xEmM+i5xMMjrIfOO3fGP99Os8FQCebe+uf3eN/2vdd60/TGxVtmNFjY7w3l1itHS4l5VMMQ1duGcqA8kHY0TP6hI6SPhw/2pMVLUJjA4MGEB1Sx+5YWI6NhdQkNNHo5/FMD9G9HTw7EKOjLI/qcsPlsfr7oEUFvMeb/Yl4XpMy0Tkb1akbFCvlEpaHjiRfDsAUK+hz0/OE3oBfcWwfDYolesRtuuEH12oXNN/Oe433Ji3tP4TebtBVh94HJAiDNHfd52MM5qL0stZ3UPVRoo8LuvbDylxKLsHoGwYKY67bALyloB9BDipdw3VMX1f7oTgFMJ/F+ACIJGfW202HPD2wXhvoMecTLLgQNvabozcVIQlhvrld09TPAGxNs24Ze7qAD7QfaEYy0eV/YvG1hUD209ZzAsxEdEJBxk3nXUTHO098po75ooRJgeFEPf3qHPbwVpZBQ6sbRu/DJpOHVRSkko94yhN2MSCfsZjcph8kDxvvgDbtpomQm7Ebx5h8mo2HbXoVdq3sB8HcMgfq/sKPLgl5lNOh4CEEaSol5VEMQJTh6/lCUjGnhg4ThE4IQP5MYRpUvKn4mdck78V9/3hAPToweYMi8kCjrayGqWszCyuxNM2jBob4u7DdFiWRUrExkVMcz7EXK+9KKHiDdW2USyyhZ8Yuj94UsaiSm0P1oUrZSZDSo/vjTCyp/qe2kyb0XVv9LiUVYPfP21EJEMb8z6GUr6p72/t2EbTH7jBaz9ZO3hxM99XiWYX1C1EdmtEDj5QQjfv65/fh96FRA5wN6fCHaOFfHBOmH9QLj2rD2PqottPWc8PL2js4VE9e8nluxMmoSMP9iFt2FHrTwICg9rzCZPLhNZNS0Gx9ChXmZmHfnbSRMymHygLEho0gDi3PQwOCfgxYv2JJR7wMirBcgKIalxDyqjhUSHO/igqiezaAeDpMYRpUvqgE2qUtBDzxvL3VUGfB3/5B60DXe31toWD8tGfXG0+Q34xz9kmcSS92TZ5q2t00oRxkttZ3UTAotJAmr/6XEolCb4B2twygHnk+YR47pCVggWuznO13KaNguFN5nov/TuXj5x+gP6ibm6Abt7R020hJV73VMvC/sQdegx/VPf/qTmjvqffZEtYW2nhNRL8VRvzPPf6eM+qKnt0HBDY4Vwt5h4KjtTPwVwYWMRt0U3jJ4t2zR37Q3EQiTh1+pMoqGFYuNtNhjWEQvqPGu0LUlo8VwC+o9ML3Ji/lQQaEHj0kMdJn8W+Sg562Y68N+WxQzk7oU9MArprcljowW2nA+LRn1xsO0LhUjo7oumaZd7jIaVXej2smgttPPNqz+lxKLqB54TG/CXHx0Mnh3oMBzCivP0eMdtTBR/w79VbFCu2vEnTNqIqMoB+4LvVAN/6wPPIfRU4reQe8C1ig+YfXf9LqwUYCo+lSKG3jLTBk1bcFyfl7cG0v/bJM5NmGITB7c+tpCPRWmb/xhMmJSDhORKUVG9WpIDIkfcMABao9VvSWMbqC8+5x6v2QTtxcnbs9oKTGPul1s9YwGNZQmMYwqX1QDbFKXgmQ0rPchqjyF/h42V9t/TVoyGjZSYfKbTWKJXQueeOKJLnNzTdKPe0/579Vihmlxbdz64/9NQeUvtZ0MmmplKqOlxMJUmvASjzmV2A4LUolpWTiiFsd6f0OxPaPFxtek7ulzINZYqImpO+jFxD686JTwL7503TMaJoNRbaGt5wSH6YupNTk+t1QZ1fMOIVFRi5BMG64gnKZzRguVIctzRvVCk7C5kGnOGfXHo5SYR90qUQ8ekzmGyCNvc0a9YhY1BSGKof57sfNQ01hNj71IsR1QoTmjQb/XREa9D8NiV+GWo4yazuELaydN7r0wmS4lFlFtQlD9gMi99NJLauEN/tn0i4EmAlXqM9P0/g1qd/V+0N6FuiZzRoPyNJnHi+vizhm19ZzgAqa4NSZn15V6Y3kbrkIr2YOwmPQC6OsKPRwgwth+CJW/1NX0YQuPTB5+pfSMRg2BBa2GNGHj76kpdjU9rtebnGOICHsxlhLzqNsj6sGDPfOwx2ipq+nj9mhE9QaY1Omw3hf9sC+08j2Kn//vmmehPfrS6hn1vjQUWqEdV0a9D7FCq4WLffktdE/5/1ZsPSul/nh/R9h+0KW0k6gn2Mmi0ErzsPKXEougNgGCiRdODNFjwQ6mj/l3xvDOwzbdCi3NrZ3Qc409ZDEvFF/b846M6djqTgts4YQFjFhVb7Ka3vvhDv3BCe8CsFJX0wetObD1nNBbeIFBsS+VxbaXWTu/YueMFttw6sDpvSrD9rnEeXgLw9AJ5rvor+KYNLymwqX3Mwvbp9N0n9G0ZFT3EAVt6+PdDB3/bGvOKNjq2GF1NrbtQP7eAw0WHmCYvO7dHiduzKNu9igZ9e5LidX/2J7Jv0jBZJ/RuHU9qufEpE6Hyah3T9CwffswnI9PmOKBYrLfnsk+oxAM/K40eka9D8Sw4VR8lQu/GTsCIOaQDpOXQ//q5KB9ZXE/4esueKBjs309t7CUntFSph+UUn+iZFTLP+ZXxmknTfYZRbuAz0Hj8LalpcQirE3QYoY9m7GK3L+SHvcKtgTCBz0KzZn2cktz03s9jQKijZX0WKPhPVBX8cKKvXG98/D9exdDDP0ii+kLmObl3ZPVu89oWPtvss9oocWUNp4Teh5v1EKrqGdLHv9OGS0yal5BQCOHRh1voniDhgRCFLEtFFaGYy8zTCrHYdLwmspooS+LRH29wqQcJg+/UnpGdY8fGgisVsW3fbGvItjiq03YL09/2cS/B10pD07vF5ggouj5hBTgwIIA9IqiMfdvphw35lFVK0pGcX3YF5hQvzDkq7+E5f8cokkMo8rnHXrCl66wkbz+1CUkyaQuhcmo9+GAtNDLjxcA9GrigYM6ACnDAwIfRcDHEfSncMPK7f8CE77MBZHFwwpz0LLwBSb9IonfD8HG18ew+Tz+HV8QwwMYG/2jfmIvUjyUTGPp/WgDepHOPPNMNScbLzCQFWzQjvl4WByCBY16e7NS7inEQr9cYiEMpAxlR55RC2lKqT8mMlpKO4n0vV9gQv0cO3as+oAH6iT+VugLTHFjEdYmeNPzfnUI9463zS+m1927w0NYb2qpo4lh9ypEEfum4j73fkUQdUY/R/XX2/w9md4vMHnvIf2de7yABH0FsdAXmHDvYRQKvdpBn7COGiXC77TxnNAvHfwcaNTTKed/t3VjRX1XHY09Pm8IkdI9WSYNr6mM4jyTby6jZxab8wd9mx4PuLR6RtEI4pOlkNKgA9uUoIcIE9r9cwpLfXBGfZsYD1Jw0V+n0eWLE/Oo28VERk2+TQ+hxvxh78bxpgJTqIzeB4Y+r9gdIgotkkD6eAFAPdAvH/7yBP22QmX2Coj/PNyX2AoHPag4vMNtUatYTWIVlQbyxAMTIoP0vKuhvWX118FiYonfho9d6AUtfgZ42PvbhVLvKf3FG+/WbCYbdpu0iSaLbAqVP247CW6F2im0qXhJgiSCddDvjROLQvUs6nvsGK2DMOPF0fQDF3rLo7D5+7aemUH3bFRscA1GCPD1K/82T1EswtqNqPYfL3HYw1V/4luX20RGcW4pzwnvfR724YqoZ0qe/86e0ZjRw4MUb8bYJxNvprrHCCKFnj58E7pYCSxGRnFuWBkw3xE9tt4tMXTaJg8Ak4dfKT2j+qGMXj88mMEPMoKhJ/QkY8gGPUTg650vhOtKfXAiDfw+9FChIUaDiAO9OvjWMP6HXu6go9iYR1UtE8HRaaBnb86cOep7zRAuvQUZvuWNz+X5N4s2iWFU+fB39KjpebSIEfb/Q68aemBM6lKUTCBNzJMCCzy8wRgPVdQF9IjgtxW7fyLSwIcrEGPUU6SH+xEPapQbnxlNS0YLxRN1EJ+89NfBYmPpr99gjN5hiDh6t/1DvKXeU0j/9ddfVwtoIGYQXsgZ6kqhw0b9MWkT4rSTutxo19FOoX5i6B5tOr6KhfsOwoM9KdGGFHqx97Y1UbGIahNQn9FjiKkmuDeRHkQNscXcywEDBpjc1h3n6OkImHMatBm8Sxn1PsPACGXBC42+X3H/Q0bDNsLXLNDGoFdSt4noCCrUbgTdHxiZw3QmTHHwf9UP5TSV0ULP5TA30MHQ04zw+8O+0FZUcHN2ckXJaM5iw+KSAAmQAAmQgDMC3uky6ATA/M1iX/6cFa6CEkYc9BzkSo0DZbSCKjx/KgmQAAmQAAl4CWBoGYufsBitmK/TkaI9AjoG6InHArWddtrJXuI5SYkympNAsZgkQAIkQAIk4IKAXqyFhTMTJkyIXHzmogyVmqaem4xpaZhGg+kWpnN+y4kZZbScosnfQgIkQAIkQAJFEqAQFQnM0unerQyHDBmiXgT8i7UsZZX5ZCijmQ8RC0gCJEACJEACbgnonSiwkAafaMZCOh5uCWAf1QceeECwuAmL4Lw7orjNOXupU0azFxOWiARIgARIgAQSJ4At9R555BHBhyj0HsyJF6KCMsSeqS+88EKnD+RU0M/v9FMpo5Uaef5uEiABEiABEiABEsgAAcpoBoLAIpAACZAACZAACZBApRKgjFZq5Pm7SYAESIAESIAESCADBCijGQgCi0ACJEACJEACJEAClUqAMlqpkefvJgESIAESIAESIIEMEKCMZiAILAIJkAAJkAAJkAAJVCoBymilRp6/mwRIgARIgARIgAQyQIAymoEgsAgkQAIkQAIkQAIkUKkEKKOVGnn+bhIgARIgARIgARLIAAHKaAaCwCKQAAmQAAmQAAmQQKUSoIxWauT5u0mABEiABEiABEggAwQooxkIAotAAiRAAiRAAiRAApVKgDJaqZHn7yYBEiABEiABEiCBDBCgjGYgCCwCCZAACZAACZAACVQqAcpopUaev5sESIAESIAESIAEMkCAMpqBILAIJEACJEACJEACJFCpBMpSRjds2CAvvfSSLFy4UMaPHy+DBg2q1Pjyd5MACZAACZAACZBApgmUjYy2trbK0qVLZc6cOfLRRx9JW1ubNDY2ysSJEymjma6CLBwJkAAJkAAJkEAlEygbGV20aJFMmzZNCejo0aPliy++kE8//ZQyWsm1m7+dBEiABEiABEgg8wTKRkY///xzwfD84MGDpaamRu6880557733KKOZr4IsIAmQAAmQAAmQQCUTKBsZ9QeRMlrJ1Zq/nQRIgARIgARIIC8EKKN5iRTLSQIkQAIkQAIkQAJlSIAyGhLUpqamMgw3fxIJkAAJkAAJkAAJlEagvr6+tAR8V1NGQ3B++OGHsmbNGquwmRgJkAAJkAAJkAAJ5JnAfvvtJ927d7f6EyijVnEyMRIgARIgARIgARIggWIIUEaLocVzSYAESIAESIAESIAErBKgjFrFycRIgARIgARIgARIgASKIUAZLYYWzyUBEiABEiABEiABErBKgDJqFScTIwESIAESIAESIAESKIYAZbQYWjyXBEiABEiABEiABEjAKoGylVGrlJgYCZAACZAACZAACZCAEwKUUSdYmSgJkAAJkAAJkAAJkIAJAcqoCSWeQwIkQAIkQAIkQAIk4IQAZdQJViZKAiRAAiRAAiRAAiRgQoAyakKJ55AACZAACZAACZAACTghQBl1gpWJkgAJkAAJkAAJkAAJmBCgjJpQ4jkkQAIkQAIkQAIkQAJOCFBGnWBloiRAAiRAAiRAAiRAAiYEKKMmlHgOCZAACZAACZAACZCAEwKUUSdYmSgJkAAJkAAJkAAJkIAJAcqoCSWeQwIkQAIkQAIkQAIk4IQAZdQJViZKAiRAAiRAAiRAAiRgQoAyakKJ55AACZAACZAACZAACTghQBl1gpWJkgAJkAAJkAAJkAAJmBCgjJpQ4jkkQAIkQAIkQAIkQAJOCFBGnWBloiRAAiRAAiRAAiRAAiYEKKMmlHgOCZAACZAACZAACZCAEwKUUSdYmSgJkAAJkAAJkAAJkIAJAbcdXrkAACAASURBVMqoCSWeQwIkQAIkQAIkQAIk4IQAZdQJViZKAiRAAiRAAiRAAiRgQoAyakKJ55AACZAACZAACZAACTghQBl1gpWJkgAJkAAJkAAJkAAJmBCgjJpQ4jkkQAIkQAIkQAIkQAJOCFBGnWBloiRAAiRAAiRAAiRAAiYEKKMmlHgOCZAACZAACZAACZCAEwKUUSdYmSgJkAAJkAAJkAAJkIAJAcqoCSWeQwIkQAIkQAIkQAIk4IQAZdQJViZKAiRAAiRAAiRAAiRgQoAyakKJ55AACZAACZAACZAACTghQBl1gpWJkgAJkAAJkAAJkAAJmBCgjJpQ4jkkQAIkQAIkQAIkQAJOCFBGnWBloiRAAiRAAiRAAiRAAiYEKKMmlHgOCZAACZAACZAACZCAEwKUUSdYmSgJkAAJkAAJkAAJkIAJAcqoCSWeQwIkQAIkQAIkQAIk4IQAZdQJViZKAiRAAiRAAiRAAiRgQoAyakKJ55AACZAACZAACZAACTghQBl1gpWJkgAJkAAJkAAJkAAJmBCgjJpQ4jkkQAIkQAIkQAIkQAJOCFBGnWB1n+h/Pr5FHnujxX1GOcnh2H1r5Sen10uPhqqclJjFJAESIAESIAESAAHKaA7rwZ+ebpL7X23OYcndFhlC+s/nNbjNpITUH3i1WR5c0CJtbe0lpFI+l47avUYmnVIv3ev5AlE+UeUvIQESIIHiCVBGi2eW+hXn/G6jrNtEoQkKxJyf9Ug9PkEFePyNFvmPx7dksmxpFuqwoTXyr99qTLMIzJsESIAESCBlApTRlAMQJ/sx/7ohzmUVcU1WZfSHt2+Stz9tq4gYFPsj75zUXQb2Yu9osdx4PgmQAAmUCwHKaA4jecn1G+Xzb9gzmqee0R9P3ywLl7XmsLa5LzJl1D1j5kACJEACWSZAGc1ydELKRhkND1pWe0Ypo+Exo4zmsBFikUmABEjAIgHKqEWYSSVFGaWMJlXXksiHMpoEZeZBAiRAAtklQBnNbmxCS0YZpYzmsNqGFpkyWk7R5G8hARIggeIJUEaLZ5b6FZRRymjqldBiASijFmEyKRIgARLIIQHKaA6DRhmljOaw2rJntJyCxt9CAiRAAhYJUEYtwkwqqTAZPWSPGrn8mHrZc0C11NeKtLaJfLa6Te7+S7M8sTD6a03YfHzCsXVy4vBa6dNj61Y7m7a0y4IlrXLbvGb5+MvCWxP99uJGOWhIjXy1rl3+z8wt8vrSbavH+21XJRNPqJfD9qyRno1b0167sV1eeL9VbpjdJBubOu8O8P99u1FGD64JRPplQPr6RC5gSqoW2suHPaP2WDIlEiABEsgjAcpoDqMWJKMHDq6Rn57RIDtuXyVfr2+XJava1N6NO/eplo1b2mXKs00y87XCQvrTMxvkpP1rpaVVZOmXbbKpqV32GlitvpDz4co2+eUDW+STr4OFdMIx9XLREXVKgv2yiOv/5fwGOXBIjUpzycp2qaoSJc11tSJ/XdIqP71rc6dI/OHybrLfLtWyYk2bbPF9bGrNhq2/570VXctSLjJ62shaOf+QOhm0Y7XUVIs0t4p8tLJNbn2uSV79KHqLqFJeLHbdoVr+6bwGGdq/Wr2AXHHTpk6xGbZLtVx6dL0csFu1dKuvErxGrN7QLs+83SK3z2vu8mIRdYtRRqMI8e8kQAIkUN4EKKM5jG+QjP7j2Q1ywvBaefuTVvlfM7Z0CMHPzmpQPZ1vfdIqfzets/B5f/oRe9XIT8Y1SGN9ldzybJPg05U4Dh1aIz85vUH1Zt4+r0n1svoPLcLoTa2uFiXD3p7Rcw6uk6tOqJfNTe3yuye3yPz3tsrUWaPrZOIJddLWJvK7J5vkuXe3yfLUq7tJv+2r5A9PNsnTb0X36pZTzyhE9Jox9Yr5itVt8tmadtm9b7V60YDo/+fjW+SVDwsLaSkvFoj3qQfUSnWVdJFRxPpHY+tl5x2qVZw//KJNeveoUuXDi8Xst1rktzOL+9IUZTSHjRCLTAIkQAIWCVBGLcJMKqkgGZ0ysZvs1rda7nqpWW6b19RRlOP2q1Xy0NQqShLQCxl0nLx/rfxwbL3q4frZ3Z17QPWQOYb6//2xzqKhez1H7l6j0t5/N/TESicZ/c6x9XLxEXWqJ/OHd3TuZYN07tKnc7lH7FYj/3hOg9RVi/z741vkpQ+iewLLSUZ/f1mj7L9bjZLzXz24lTc4//KCBhk1uEbmvt0iv3k4XPhKebHQItxYVyW11SLLvurcM6pfehZ/3ia/uHezrFq3dXrFeYfUyZXH16ue7397NFqWvXWQMppUy8F8SIAESCCbBCij2YxLwVL5ZRS9Vf9wZoN0b5AuPYn77IQh10bZvlvXv3kzGTO8Vv7H2HrZ3NxZWiFBv7usUYb0q1a9pZPnbBNdXA8BueDQOln+dZs8vKBZrj2pvouMXnZ0nVxyVL0acp906+aOXlsM9/78nEbp1b1Kbp7bJA8t2Nrrinmn6Nlrb+8stSahyvswvRbxHvUi//fpJpn15rZe4W8dXicTjq2XL77pzNHPJe6Lxe47Ih4NgmH615a2ysFDauTT1Z1ldPIV3WSP/l3rQqE6GBU3ymgUIf6dBEiABMqbAGU0h/EtRkbx89D7OLB3degwu+55U/M6B9fI25+2ytTnmuWzr9vku8fVC0QVw8O/eXizvOP5vjqG8H+Mof06kRvnNKm5puhd9feMaskZ3K9a9XJiGgCO606qV+L5wedt8pM7t0mqlqnWVpHmNulYTLV+U7vMfrtFpj4bPi8x7zKqf7ufIXjpXu4tLYUlPe6LBV4AcO3rH7fKu5+2qd5sv4yG3S66NxbzW/1TLqJuMcpoFCH+nQRIgATKmwBlNIfxjSOj/qHwoJ8NaUTv6AG71agFRvrAYqg/PtUkCz/eNlzuHZ5/9PVm+cOsJikkUhjG/8Ep9aqHVR/o+Xxzeav815NNnVbq6x5ALIZav7ldiXCf7lXSq0eV6i0tNC+xnGVU9z421BYWvo4FY0W8WJw5ulYmqmF2kd8+ukVGDqoxllEI7IWH16kFTy9+0Cr/dF/43OSgekcZzWEjxCKTAAmQgEUClFGLMJNKypWMfv+Uehk3qk5a27aueN/S/N+r6Ruq1Aru3zy0bWEUhucvPKxOrbLXvZphMgo5+snp9XL0PrVqZT96QhvqqmRIf8xLrJKnFrXI757YNgcSUgw5ghjd9eK2XtAfnlovp4+qU/MSw3rfKkFGg6Zj+OteMS8Wuud6lx2qZdrzTWresZ7nG9YzqsV4x+22vrWgtxYvCZMDtumKui8oo1GE+HcSIAESKG8ClNEcxjeOjEYN058+qlauPrFeSQUWKenV2lpUsMXQg/89Z1SvsK+pQg/dttXxYTKqxQbbQv3ywS0dvaB6mH+7xs4r+MNCAqn944RGNafRv1BLX0MZ3UqimBcL7LiAnRheXtwqP793a69mlIwiBmcfVCs79KhS20/h37H6Hi8W//E4V9PnsFlhkUmABEggNQKU0dTQx8+4GBk1XcCE7Xywkhob3Pv3/Lx2TL1aLY19Lq+dukl+Nb5RjtwreEN676/S+41++8g6NRf1sdc794Di3F+c0yDHD6tVw7tYnR11FFrZj2srQUajhumLebHQ22th79Zf3LftRSFKRv1x0sP8WFv/x1lNMudt8+242DMaVev5dxIgARIobwKU0RzGt9DWTtgHdOpzxW/tpGU0SAqvOK5eMI9z+VdtMnHKJvXPQ/pvm/upEaLnEl+B2tLSrrZ5wj6UD/+1Rc1DPXD3Gnnkta1zS70HFs2cMqKzBGPFNhY73flCk0yb33lf07AtrCqhZ9R0AVMxLxZgjQ8bRB1Bm9/7r8GHCvbdOXjXhULpU0aj6PPvJFDeBFaubZc7nm9SeyoHHiH/ueNczxqHTteHXRd2vr642Osslw87zFxyVJ36MEylHE5ldPXq1TJr1ixZtGiRNDc3S7du3WTkyJEybtw4aWxsDGW8efNmmTp1qixdurRgHAYPHixXXHFFR1rIZ9q0aYHX9O7dWyZNmiS9evXKfWyDZBQCMnZkrSxZ2Sa/fmhbD1fYpvfoqcT8Tf0VI90T9s2m9k7D9PiMJ7aGwteQova3DBum12X7eFXnYXps7fQPZzXIgF7Vct/LzWp7Jxx/N7ZBzjiwVq3q927gr/eybGppV0PBevN8b0Dz3jOqt3bq2SBy/dNNnT7jarq1UzEvFpj7i48L+I++PavUIqY1G9vVNk+r1rarXRAK7cxAGc1908IfQAKJE8Ci1Ctv3hT5uenEC5aBDO/6fnfpH9A+Z6Bo1ovgTEbXrFkjN998s3z11Vey9957C8Tx/fffV4KJf54wYYKS06CjtbVVPvroI1m/fn3g37/55ht55pln5IADDpDzzz9fqv576ferr74q9913nwwdOrSLdHbv3l1OOumk0Dytk3WYYNTnQPFt+MVftMnOvasEi1Kw4Mf7OVAtnus2b9ugHHP+fnFugwwdsPV8LGDC39FrtkNPsy//hMkoxBeChM+Trtu0dQETDqS9XbcqNfzvFWg9TxW9r+hdxfnbd6tSb4m1NeW9mh5cMBUBzF5f0ir/fP/WRWNhm97jv4/cvVqwCb3egN7Gi0XYMP1vLmyUw/eskdeXYtX8tgVt+Izs90+uV58u9e+PGnUrsGc0ihD/TgLlSwB7KeNDGTy6Erj8mDrBp7Yr4XAmo48//rg899xzShYPPfRQxbK9vV1mz56t/nfhhRfKQQcdFIsx0n7xxRflyiuvlCFDhnSkgXTnzZsnEydOlEGDBsVKOw8XBckoyo3tk7A9D6QN2yK1tol8trpNfcITX0/SB3rYLj+mXvV6YbESxAIHekEnnlAvhw2tkZ7dqgT9ZRDTN5e3yfT5TZ32GA3iVGhrJ/098xG7Vku3hq09cdi2CYtmpsxt6hApnW7Y989nL2qRG5/pPNTvLUvee0bxW7yfA8Ver8u/bpdBfatkpz7VXT4HqufQLlq+7XOvNl4swmRULzrDKnr9ooAFaNgZAV9tev5vLWqRWjEHZbQYWjyXBMqLAGU0PJ6U0RLrelNTkxpmxzD9ddddJxgi18fnn38uN954o+yxxx5y6aWXdvRqmmaJNG+66SbZaaed5JJLLpGamm0LaWbMmCGLFy+Wa6+9VnbccUfTJHN3XpiM5u6HOChwOcgosKCn8aLD69RKdfQ2NreK6kG+9bkmtc2WPn55QaNgw3nM0f2HGdsWgJX6YlFoARPmBeNlBvuKNtSJtLWL+ozs3Hda5PZ54R8kCAs3ZdTBjcAkSSAnBCijlFEQcNIzimH066+/Xkmod06n6g1bv14mT54sGDb3/83k3kHP5xNPPCGXXXaZDBs2rOMS9LpOnz5dli9fXjZzQ8N4UEbDa0q5yKjJvVAu51BGyyWS/B0kUDwByihlNBUZ1YuTNm7cqHowe/bsaVx7161bp3pVt99+e/nud78rdXV1HdfqdDFXFRL8ySefSEtLi5o7euqpp8ro0aOluro8VqZRRimjxjdNDk6kjOYgSCwiCTgiQBmljKYqo5DGYle3v/LKK/LAAw/I+PHju8w31T2uK1euVAKKRVJr165VPaVYEHXyySfLmDFjip4W4Oj+KylZyihltKQKlLGLKaMZC0jOi4P58dj5AVNHeIgM6FUl3z+5QY7cO3pv6DR4UUYpo7mS0U2bNqnV+ZiPes0118h2223XKYJtbW2qNxRSuu+++3b0gq5YsUJuvfVWtbUUrhs4cKDR/fbhhx8Kem+zePxyziD5emNtFouWepl+f+ZHqZchqAD/98WdZPFXwbtHZLLACRbqn8Yskx26m2+Sn2DRmFXOCCz5ulH+64Wdc1bqZIr7zyctkz7dsnefvbJ8O/nzG/2SgZCzXMbuvVrG7rM6c6XGjkWYamnzSHzOaNxh+jfeeEPuvvtuOe200+TYY48tigFW2T/11FNqnumIESOMrsWUgKweV99eLSvXZrV06ZbroR9s3TYqa8fPH6iStz6N2mk5a6VOpjw3TWiT/tsnkxdzKW8CM16ukhmv8D4LivIPT2qXE/fLXm/xM+9WyR9mM2ZBMbvo0Ha56LDsxQwLx3Mvo3EWMKFXE72bq1atUvNM+/btW1SLqjfDP+WUU9Reo3k/OEwfHkEuYMpf7c7yMD2+OvbAghbZ0py9B0IakR7Sr1rGH7Ztrn4aZSiU5+3PN8kdz3f+alvWyphWef7nGQ1y6gHZG1HjMH14jeDWTiXeLXprJ2x4j3mhpW7t9M4776gvKx1zzDHq601Bx/z582XmzJly+eWXy/DhwzudMnfu3I4V+KY9oyUicHo5ZZQy6rSCJZx4VmUUIvqdGzclTCP72R2/X636QEYWD8poeFTyJqP4oMeEY+vkxOG10qfH1p7TTVva5eUPW+XGOV33pvb+cv0Vuqg6ivnFc95ukX84s0Gwd3Kh48t17fJ/Zm7blxvnoowXH1knJw6rlb7bbd2b+66XmuW2eZ33wu7Yam/PGunZuDWftRvb5YX3W+WG2U3qwyZBB2U0KoIGf8fQ+NNPP91p4VChTe8xfI+uX+8KeWSDxUfYsmnJkiVy9dVXy847B88H+uyzz9T+o9gEH/uX6v1HN2zYIFOmTFGLmXD9gAEDDEqf7VMoo5TRbNfQ4kqXVRn9r1lN8shf2csWFM0/XN4ow3fN3oIYymj5yCiEEj25La0iS79sUx9gwQddujdUdfo6XdAvxnX4il3Ygc8u79CjSqbNb5J5f2uVsw+qVV8DDDp6dauS0YNrVBl+NG1zhzjiS4H/eE6D7NG/WvBJ06/Wt6tFc0+80SKPvLat3YCw/sv5DXLgkJqOrxvio5H4LXW1ovaI/uld2/aI9paBMlrcsyTwbO/nQLGgCJvcY0N6fBLU/znQZcuWKWHERvVXXXVVp092QkJvueUWGTVqVKdPf/ozhejOmTNHCXC/fv3U+VjUtGDBAsG+p1xNbyGoOUiCw/Q5CJKviFmVUXyiEEOIPLoS+M9LGtUX37J2UEbLQ0bxpTf05Harr1I7Izzw6la5w3+HpHavF7l5brM8HONl8eyD6uSqE+rU1+x+fu8W+eTrwusMfn9Zo+y3S43c93Kz3Dx3a4+nVzDxlUP01KKXM+g452DkVy+bm9rld09ukfnvbT3vrNF1MvGEOmlrE/ndk03y3Ltd2xrKqKUWBr2R+HQn5mxi3ie+RT9y5Eg11N7Y2NiRC77KBBlFryUWGem/6V7RDz74oMunP4OKCPnEQif0ymKKAA7ML8VcUeSrv2Fv6eellgx7RsPRU0ZTq5axM6aMxkaX2oWU0dTQx844T8P0lx1dJ5ccVS+fft0mP7h9W28kfvyvxjfKkXvVyFOLWuS3M4v79DCuxyeUDxjUWS7DoJ4+qlauPrFe9Xh6xVUL7cYmUZ/UfuXDYBFFuvprdu+taJMf3tF52s/Uq7vJLn2qA4f2cS1lNHZ154VJEKCMUkaTqGdJ5UEZTYq0vXwoo/ZYJpVSnmRUz/l8bWmr/D9/7jyE/cNT61Wv4usfd/1bFMsxw2vlB6fWy8YtIr9+aLO882nhXtHfXNgohw2tkUdfb5HfP7lNfCHE+Azz3Ldb5DcPFxZiLdYr1rTJpFu3ifWwXarl5+c0Sq/uVarH9aEFXacEUUajIsq/p0qAMkoZTbUCWs6cMmoZaALJUUYTgGw5i3KRUd3TuGRVm1w7tbgFhr8e3yiH7Vkjj/nkMgj1CcNq5X9AXJu6iit6NAf0qpa577SoqQM79Nw63xQ9qI++1iKYLqIPzC39+TkNMrhftbz0QauadoDjupPq5aAhNfLB523ykzs79/7qaymjlm8CJmeXAGWUMmq3RqWbGmU0Xf5xcs+bjIatZn7mnRaZ+mxz6GpmsClmZTaGbHGcvH+t/HBsvZpbGHRgFbc+F3/H0DEWyQQdQau4cd7R+9TI2aPrZM+B1fLwX1u6rOD2p1VuMvrp6ja54iZzGQWvH41tEKxbx3zwQkPrYIcdI47bt1YJp7f3EwujsPoeq+eR2NpN7WrxUkOtyMDe1dLaJnLfK80d0om0ML/6B6fUC7ZG0wcWPb25vFX+68km+fjL4B5aymic1onXJEaAMkoZTayyJZARZTQByJazyJuM/vbiRtULhRXZS1a2C1YzD+2/dTXz7LcKzz0sZmX2n1/cOtSqF600t7bLqrVdt+15/r2WTvuh/uHybrLfLtWCodwtvtHaNRvaZcqzTYI5h+hlG3tArRy3X63077V1KyGsNg/aTogy2pnAP57dIOjt/MviVvn5vcGr1/UVegFVbbUIdtWAkOrDK6OvL2mVf75/S8fLzI9Oa5Bxo2pl5dp2+eUDm1XM8ELyk9Pr5eh9amXjlnbVE9pQVyVD+ldJbXWVmvv6uyeCh/opo5YbLiZnlwBllDJqt0almxplNF3+cXLPk4zqxSaQvKDVzE0tZj1lQZzCVmbroWT0fPnnPAalg2HffttXyR+ebJKn3wrfwUH30kJAP1zZprYnwh6clSijxQzTa4FsqBP546wmtbdooeOnZzao3m3safqP93QWV51W9wbpEi/9tx4NItc/3SToAdd1Aav2f/nglo5eUAjvj8c1yHaNnXcM8JaLMhqndeI1iRGgjFJGE6tsCWSUNxktZci30HCsRh3V0zXhmHq56Ig6qa6K7hE7bWStXDOmXj3w/EPD3tAWO+SbJxlFb9XpB9bK6wGLYSZf0U0Nnd79l2aZ+lznjcpNqn7Yymyd53PvtMivHiq8wAV7XmK/yrpqkX9/fIuaVxh2fOvwOundvUqefLNFSU3UamxvOuUyTB9nAdPfjW2QMw6slbc+aZW/m1a4V1QvLNq+W/D2UYVkFLz9MUEdwTWYp+rvAf3FOQ1y/LBaefGDVvlFQG8tZdTkLuQ5qRGgjFJGU6t8DjLOm4yWMuQLmRjSf9u8MS/OmipRQ8nV1eG9N3io/fSMBtWLFiWtu+5QLf90XoMajsbhl9FShnzzJKP6BSBIxvU2QYVEPazKF1qZjZ61U0bUFnwB0Oki5jgfcwj9X/iJut3KVUbDVqCDR7FbO0XJpZ+xibiql5j+1Z32HkU6QaKqZHT3GrUR/h9mdX7h0fVkQcjG95TRqDuAf0+VAGWUMppqBbSceZ5k1OWQLzbGvuCwOnn30/DeG4gwHmwQFxyFhmcxpAshamkTtbjCL1ylDPmWi4xqBmE9U4WqeqGV2RCQkYNqZNW6djWUXl8ramHL4i/a5NbnmuTVj7b1furFTq2tIs1t0vHpy/Wb2mX224UXWJWrjGqp275bVafFQGGb3mO0Agu5Fn7c1mUx2rVj6uXcQ+pk6arOX1AKii1e0H51AV72qtXXmfQcYP+5Ok3sg4qFaHqLqO+fUi9njq6TFavbOvYlRR0bO7JWPl7VeZgekvwPZzWoVfneDfW9eVFGLT9smJxdApRRyqjdGpVuanmSUVdDvujF/N/nNcjA3thzMPjLMlceXy8XHFqnvhhTVyOyU+/wzbLPHF0rE4+vl03NohbQ4MHnl9FShnzLTUaD9rMsdFdErcxGz9leA7eurMZilta2dum/fbWSUgjqfz6+bTU34jDh2Hr1t/Wb29WXgfp0r5JeParUS0ehBVblKqNg7/0cKCQeXzAC057dOn8OFAuE/jihUXbvV91l30/cV78ev1X4CsmljrV+IYwSV+8XmPDSgJiGraaHWOO3DOxVJes2bV3AhAO/BZ8g/Whlm/z6oW1zSSmj6T6PmHsRBCijlNEiqkvmT82TjLoa8v32kXVy2dH1suyr4N4bvdihsU7UpwfHH1YX+uUWva8hHsQzXmqW/XerVtsGRQ1FFyM2lS6jUSuz8eWe4bvWyAvvt3R8JhLb+/xobL3s1re60xxBxAsvD5uaRO56cds2U5gbefqoOrUDQNjnIouJWZ7mjOpG65oT6+WkEbUdvcWbtrSrRUW4ByCAOCCG/35JowwdUC1PL+q8ZZbuwfT2VIY1iLpXdEDv8J5K77XojcV87MP3rFGfLW1r3/ri8eCCZtXT6T3wMnjp0fUyYtdq6dawdbsvvHi8vLhVpszd9lv8ZWPPaOYfX5VdQMooZbSc7oBykdG4Q776YYqFNEG9N7oXBjKDbWAwLFhIQjAPDfMZ8YWan961uWMPS8poZ1HRvW9Y5FXMMH2xK7O996peWW2yR6bu8cNLRdh0jHKX0XJq5+L8FspoHGq8JjEClFHKaGKVLYGMyk1Gix3yPe+QOsEQ/Kq12+aZebHr4XlsZaO/1BImIXp4fv1mkd88vPVzh4V6c735FCM25dIzGmcBk8kCl7DbRs8PxecoTRYrRcWumJjlsWc0geYn01lQRjMdHhaOMkoZLae7oNJl9PeXNaoh3ZkBq231go36ms6bbwdJCIYZ/+ncBtmpT7VMe75J9abhiBIaXZeKEZs8yaie57vw41b5+zs7b+tT7NZOJiuz9RzQz75uk4lTOn8hSK8S/8zz9SCUAZ+KvPOFJpk2v/Pw7pSJ3dSwPntGy6nFM/8tlFFzVjwzBQKUUcpoCtXOWZblJqPFDPlibuHVJ9bLhi1dv3+NYdpfXtAgIwbVyIOvNsvkOdu2hQkSx5+d1SAnDK+VeX9rkV89uG1vy0qXUXxB6fsn16s5ffiS0czXtm54ftboOpl4Qp34N70vdWW2FtZe3TtvZo54/r8XNWydS/oevtyzVYx1T+vbn7bK/5qx7Ws+use8qaVd/uPxLTL/va77jxbzAsGeUWdNmLOEKaPO0DJhGwQoo5RRG/UoK2mUi4zGGfL9zYWNctieNV1WASM2uocNq3QLHdhvFAJ84O5bV+dGHWFzR4sRmzz1jIKHd2/Y91dgN4Ktn2NsrKvqtFrd1spsPbUCeS/9sk2tkN97YLX6njn+2buaXi84w76VX6/futoaWxrtOaBaamsqdzV9VD2uhL9TRishyjn+jZRRymiO9etEhQAAIABJREFUq2+XoudJRm0O+epN0yGT//botq1+NKCj9q6RI/eulZqAPfKxOh5f4lm4rFWt4F3+ZZsansfnDv3HPjtVy6C+1Wr+KBbO4EtEs97s+jnEcpZRSOYPTq2XI/aqkZ6NW4V97cZ2eeadzvt42lqZjfTxlSzsOdl/+yr1tSz0wGKLIvTOYsqA99CrrQ/YrVqtzMY68dUb2mX2oha58ZnwL0MVEzP2jOav1aSM5i9mFVViyihltJwqfJ5ktNghX4hg94YqJYD+4xfnNshx+9Wq7V3837+Oim8xElLpw/RRLCvl75TR/EWaMpq/mFVUiSmjlNFyqvB5klFwNx3y1eJaVdX1G9dYmAQ5wDDsH2c1yZy3u/ZUFooxZTSYzu3PN8kdz3deBFRO90opv4UyWgq9dK6ljKbDnbkaEqCMUkYNq0ouTsubjJoO+Z4wrFbweUAM0d70TJPadF4fulf0reXhn/6kjBZffSmj4cwoo8XXp7SvoIymHQHmX5AAZZQyWk63SN5ktJzYx/0teVvAFPd3ltN1lNH8RZMymr+YVVSJKaOU0XKq8JTR/EWTMpq/mFFG8xczymj+YlZRJaaMUkbLqcJTRvMXTcpo/mJGGc1fzCij+YtZRZWYMkoZLacKTxnNXzQpo/mLGWU0fzGjjOYvZhVVYsooZbScKjxlNH/RpIzmL2aU0fzFjDKav5hVVIkpo5TRcqrwlNH8RZMymr+YUUbzFzPKaP5iVlElpoxSRsupwlNG8xdNymj+YkYZzV/MKKP5i1lFlZgyShktpwpPGc1fNCmj+YsZZTR/MaOM5i9mFVViyihltJwqPGU0f9GkjOYvZpTR/MWMMpq/mFVUiSmjlNFyqvCU0fxFkzKav5hRRvMXM8po/mJWUSWmjFJGy6nCU0bzF03KaP5iRhnNX8woo/mLWUWVmDJKGS2nCk8ZzV80KaP5ixllNH8xo4zmL2YVVWLKKGW0nCo8ZTR/0aSM5i9mlNH8xYwymr+YVVSJKaOU0XKq8JTR/EWTMpq/mFFG8xczymj+YlZRJaaMUkbLqcJTRvMXTcpo/mJGGc1fzCij+YtZRZWYMkoZLacKTxnNXzQpo/mLGWU0fzGjjOYvZhVVYsooZbScKjxlNH/RpIzmL2aU0fzFjDKav5hVVIkpo5TRcqrwlNH8RZMymr+YUUbzFzPKaP5iVlElpoxSRsupwlNG8xdNymj+YkYZzV/MKKP5i1lFlZgyShktpwpPGc1fNCmj+YsZZTR/MaOM5i9mFVViyihltJwqPGU0f9GkjOYvZpTR/MWMMpq/mFVUiSmjlNFyqvCU0fxFkzKav5hRRvMXM8po/mJWUSWmjFJGy6nCU0bzF03KaP5iRhnNX8woo/mLWUWVmDJKGS2nCk8ZzV80KaP5ixllNH8xo4zmL2YVVWLKKGW0nCo8ZTR/0aSM5i9mlNH8xYwymr+YVVSJKaOU0XKq8JTR/EWTMpq/mFFG8xczymj+YlZRJaaMUkbLqcJTRvMXTcpo/mJGGc1fzCij+YtZRZWYMkoZLacKTxnNXzQpo/mLGWU0fzGjjOYvZhVVYsooZbScKjxlNH/RpIzmL2aU0fzFjDKav5hVVIkpo5TRcqrwlNH8RZMymr+YUUbzFzPKaP5iVlElpoxSRsupwlNG8xdNymj+YkYZzV/MKKP5i1lFlZgyShktpwpPGc1fNCmj+YsZZTR/MaOM5i9mFVViyihltJwqPGU0f9GkjOYvZpTR/MWMMpq/mFVUiSmjlNFyqvCU0fxFkzKav5hRRvMXM8po/mJWUSWmjFJGy6nCU0bzF03KaP5iRhnNX8woo/mLWUWVmDJKGS2nCk8ZzV80KaP5ixllNH8xo4zmL2YVVWLKKGW0nCo8ZTR/0aSM5i9mlNH8xYwymr+YVVSJKaOU0XKq8JTR/EWTMpq/mFFG8xczymj+YlZRJaaMUkbLqcJTRvMXTcpo/mJGGc1fzCij+YtZRZWYMkoZLacKTxnNXzQpo/mLGWU0fzGjjKYQs7a2NnnjjTdk9uzZ8tVXX0lVVZX0799fzjjjDNlrr73Uv0cdixYtkmnTpgWe1rt3b5k0aZL06tUrKpnM/50yShnNfCUtooCU0SJgZeRUymhGAlFEMSijRcDKyKmU0RQC8cwzz8isWbOULB5wwAGi5XTz5s1y4YUXyqhRoyJL9eqrr8p9990nQ4cO7SKd3bt3l5NOOkm6desWmU7WT6CMUkazXkeLKR9ltBha2TiXMpqNOBRTCspoMbSycS5lNOE4oCd08uTJ0rNnT5k4caL06NFDlQD//eabbxaI5FVXXRUpkuhVnTdvnkpj0KBBCf+K5LKjjFJGk6tt7nOijLpnbDsHyqhtou7To4y6Z2w7B8qobaIR6b399ttyxx13yMknn6x6L73H/fffLwsXLpQrr7xSdt9994IpzZgxQxYvXizXXnut7Ljjjgn/iuSyo4xSRpOrbe5zooy6Z2w7B8qobaLu06OMumdsOwfKqG2iEemhR/Opp56Syy67TEaMGNHp7Pnz58sjjzwS+Dfvie3t7TJ9+nRZvnx52cwNDcNGGaWMJnyLOs2OMuoUr5PEKaNOsDpNlDLqFK+TxCmjTrCGJ1pIRvWipLPOOkuOPvro0EQwt3Tq1KmyZs0awWKlTz75RFpaWtTc0VNPPVVGjx4t1dXVCf8yN9lRRimjbmpWOqlSRtPhXkqulNFS6KVzLWU0He6l5EoZLYVejGtNZPSUU07pMoTvzWr9+vVq3unKlSuVgA4ePFjWrl2rekpbW1vVFIAxY8YYrcqP8RMSvYQyShlNtMI5zowy6hiwg+Qpow6gOk6SMuoYsIPkKaMOoBZK0oaMYvU9ekMhpfvuu29HL+iKFSvk1ltvlebmZrnmmmtk4MCBRr/uww8/VBKbxePnjw+UrzbWZLFoqZfphgs+Tb0MQQX43XM7yvurGjJZtrQL9etxn0vf7tm71+5Y0EdeWto9bTyZzP9Hx30pe/fbkrmyPfbO9vLoO9tlrlxZKNDlh6yWI3bfmIWidCrDSx93lzte7ZO5cmWhQGcMWyenD1ubhaJ0KsOuu+6qFpbbPKraMdky5cNERqOG6ePKbth1WMmf1WPSnxtk1brofVezWn6X5brnms0uk4+d9r/MrJe3PyuPaSKxIYRceP23t0i/7VJvhrqU7k/P1smz7/GlLyhs//vMJhm2c5vtqlByevf+tVbuXVBbcjrlmMD3jm+W4/fJ3ksf7jHcazy6Ehh/cIuMP6glc2iwRWbFyajpAqZC0dLzTqOG+jMX8ZACcZg+PFJzfrZ1W7CsHT+evlkWLsvegyALnDhMn4UoFFcGDtMXxysLZ3OYPgtRKK4MHKYvjlfJZ+utnTCnE8LoPUy3doK0zpw5Uy6//HIZPnx4pzTmzp0rTzzxROSK/JJ/SEIJUEYpowlVtUSyoYwmgtlqJpRRqzgTSYwymghmq5lQRq3ijE4MK+BvuOEGNc8Tm9vvsMMO6qKwTe8x/xPzORsbGzsS/+yzz+Smm26SIUOGyKWXXio1NVuH1zZs2CBTpkxRi5muvvpqGTBgQHSBMn4GZZQymvEqWlTxKKNF4crEyZTRTIShqEJQRovClYmTKaMphMH7OdCDDz5Ympqa5M0331QLkryfA9XiigVL2Ny+b9++qrSY+jpnzhx5+umnpV+/furzoThnwYIF8s0333A1fQoxTSNLDtOnQb20PCmjpfFL42rKaBrUS8uTMloavzSupoymQB0yiS8tYfN79IhWVVVJ//795YwzzpC99tqrY0umdevWqZ5OiCa+yoQ9RfWhv2ePBVF6ARJkFUP/I0eOLIttnfBb2TPKntEUblFnWVJGnaF1ljBl1BlaZwlTRp2hdZYwZdQZWiZsgwBllDJqox5lJQ3KaFYiYV4Oyqg5q6ycSRnNSiTMy0EZNWfFM1MgQBmljKZQ7ZxlSRl1htZZwpRRZ2idJUwZdYbWWcKUUWdombANApRRyqiNepSVNCijWYmEeTkoo+assnImZTQrkTAvB2XUnBXPTIEAZZQymkK1c5YlZdQZWmcJU0adoXWWMGXUGVpnCVNGnaFlwjYIUEYpozbqUVbSoIxmJRLm5aCMmrPKypmU0axEwrwclFFzVjwzBQKUUcpoCtXOWZaUUWdonSVMGXWG1lnClFFnaJ0lTBl1hpYJ2yBAGaWM2qhHWUmDMpqVSJiXgzJqziorZ1JGsxIJ83JQRs1Z8cwUCFBGKaMpVDtnWVJGnaF1ljBl1BlaZwlTRp2hdZYwZdQZWiZsgwBllDJqox5lJQ3KaFYiYV4Oyqg5q6ycSRnNSiTMy0EZNWfFM1MgQBmljKZQ7ZxlSRl1htZZwpRRZ2idJUwZdYbWWcKUUWdombANApRRyqiNepSVNCijWYmEeTkoo+assnImZTQrkTAvB2XUnBXPTIEAZZQymkK1c5YlZdQZWmcJU0adoXWWMGXUGVpnCVNGnaFlwjYIUEYpozbqUVbSoIxmJRLm5aCMmrPKypmU0axEwrwclFFzVjwzBQKUUcpoCtXOWZaUUWdonSVMGXWG1lnClFFnaJ0lTBl1hpYJ2yBAGaWM2qhHWUmDMpqVSJiXgzJqziorZ1JGsxIJ83JQRs1Z8cwUCFBGKaMpVDtnWVJGnaF1ljBl1BlaZwlTRp2hdZYwZdQZWiZsgwBllDJqox5lJQ3KaFYiYV4Oyqg5q6ycSRnNSiTMy0EZNWfFM1MgQBmljKZQ7ZxlSRl1htZZwpRRZ2idJUwZdYbWWcKUUWdombANApRRyqiNepSVNCijWYmEeTkoo+assnImZTQrkTAvB2XUnBXPTIEAZZQymkK1c5YlZdQZWmcJU0adoXWWMGXUGVpnCVNGnaFlwjYIUEYpozbqUVbSoIxmJRLm5aCMmrPKypmU0axEwrwclFFzVjwzBQKUUcpoCtXOWZaUUWdonSVMGXWG1lnClFFnaJ0lTBl1hpYJ2yBAGaWM2qhHWUmDMpqVSJiXgzJqziorZ1JGsxIJ83JQRs1Z8cwUCFBGKaMpVDtnWVJGnaF1ljBl1BlaZwlTRp2hdZYwZdQZWiZsgwBllDJqox5lJQ3KaFYiYV4Oyqg5q6ycSRnNSiTMy0EZNWfFM1MgQBmljKZQ7ZxlSRl1htZZwpRRZ2idJUwZdYbWWcKUUWdombANApRRyqiNepSVNCijWYmEeTkoo+assnImZTQrkTAvB2XUnBXPTIEAZZQymkK1c5YlZdQZWmcJU0adoXWWMGXUGVpnCVNGnaFlwjYIUEYpozbqUVbSoIxmJRLm5aCMmrPKypmU0axEwrwclFFzVjwzBQKUUcpoCtXOWZaUUWdonSVMGXWG1lnClFFnaJ0lTBl1hpYJ2yBAGaWM2qhHWUmDMpqVSJiXgzJqziorZ1JGsxIJ83JQRs1Z8cwUCFBGKaMpVDtnWVJGnaF1ljBl1BlaZwlTRp2hdZYwZdQZWiZsgwBllDJqox5lJQ3KaFYiYV4Oyqg5q6ycSRnNSiTMy0EZNWfFM1MgQBmljKZQ7ZxlSRl1htZZwpRRZ2idJUwZdYbWWcKUUWdombANApRRyqiNepSVNCijWYmEeTkoo+assnImZTQrkTAvB2XUnBXPTIEAZZQymkK1c5YlZdQZWmcJU0adoXWWMGXUGVpnCVNGnaFlwjYIUEYpozbqUVbSoIxmJRLm5aCMmrPKypmU0axEwrwclFFzVjwzBQKUUcpoCtXOWZaUUWdonSVMGXWG1lnClFFnaJ0lTBl1hpYJ2yBAGaWM2qhHWUmDMpqVSJiXgzJqziorZ1JGsxIJ83JQRs1Z8cwUCFBGKaMpVDtnWVJGnaF1ljBl1BlaZwlTRp2hdZYwZdQZWiZsgwBllDJqox5lJQ3KaFYiYV4Oyqg5q6ycSRnNSiTMy0EZNWfFM1MgQBmljKZQ7ZxlSRl1htZZwpRRZ2idJUwZdYbWWcKUUWdombANApRRyqiNepSVNCijWYmEeTkoo+assnImZTQrkTAvB2XUnBXPTIEAZZQymkK1c5YlZdQZWmcJU0adoXWWMGXUGVpnCVNGnaFlwjYIUEYpozbqUVbSoIxmJRLm5aCMmrPKypmU0axEwrwclFFzVjwzBQKUUcpoCtXOWZaUUWdonSVMGXWG1lnClFFnaJ0lTBl1hpYJ2yBAGaWM2qhHWUmDMpqVSJiXgzJqziorZ1JGsxIJ83JQRs1Z8cwUCFBGKaMpVDtnWVJGnaF1ljBl1BlaZwlTRp2hdZYwZdQZWiZsgwBllDJqox5lJQ3KaFYiYV4Oyqg5q6ycSRnNSiTMy0EZNWfFM1MgQBmljKZQ7ZxlSRl1htZZwpRRZ2idJUwZdYbWWcKUUWdombANApRRyqiNepSVNCijWYmEeTkoo+assnImZTQrkTAvB2XUnBXPTIEAZZQymkK1c5YlZdQZWmcJU0adoXWWMGXUGVpnCVNGnaFlwjYIUEYpozbqUVbSoIxmJRLm5aCMmrPKypmU0axEwrwclFFzVjwzBQKUUcpoCtXOWZaUUWdonSVMGXWG1lnClFFnaJ0lTBl1hpYJ2yBAGaWM2qhHWUmDMpqVSJiXgzJqziorZ1JGsxIJ83JQRs1Z8cwUCFBGKaMpVDtnWVJGnaF1ljBl1BlaZwlTRp2hdZYwZdQZWiZsgwBllDJqox5lJQ3KaFYiYV4Oyqg5q6ycSRnNSiTMy0EZNWfFM1MgQBmljKZQ7ZxlSRl1htZZwpRRZ2idJUwZdYbWWcKUUWdombANApRRyqiNepSVNCijWYmEeTkoo+assnImZTQrkTAvB2XUnBXPTIEAZZQymkK1c5YlZdQZWmcJU0adoXWWMGXUGVpnCVNGLaFdvXq1zJo1SxYtWiTNzc3SrVs3GTlypIwbN04aGxsjc2lra5M33nhDZs+eLV999ZU6v3fv3nLUUUep/9XU1HRKA/lMmzYtMF1cN2nSJOnVq1dkvlk/gTJKGc16HS2mfJTRYmhl41zKaDbiUEwpKKPF0MrGuZRRC3FYs2aN3HzzzUoi9957bxk8eLC8//77snTpUvXPEyZMUHIadrS2tsqDDz4or776qvTp00f2339/deqbb74pSPuggw6SCy64oJOQ4tz77rtPhg4d2kU6u3fvLieddFLBPC387ESSoIxSRhOpaAllQhlNCLTFbCijFmEmlBRlNCHQFrOhjFqA+fjjj8tzzz0n559/vhx66KEqxfb2dtXLif9deOGFSijDjiVLlsgtt9wiu+++u1x22WUdPakbNmyQKVOmKMmdOHGiDBo0qCMJpDtv3rwu/93Cz8lUEpRRymimKmSJhaGMlggwhcspoylALzFLymiJAFO4nDJaIvSmpiaZOnWqYJj+uuuuU0Pr+vj888/lxhtvlD322EMuvfRSqaqqCswNYvn000+rc0aMGNHpnKeeekoJLSTV+7cZM2bI4sWL5dprr5Udd9yxxF+R3cspo5TR7NbO4ktGGS2eWdpXUEbTjkDx+VNGi2eW9hWU0RIj8M0338j111+vJPSKK67oND90/fr1MnnyZMGwuf9v3mwxnL927VrZc8891bneAzKKXldcjyF5HOh1nT59uixfvrxs5oaGhYEyShkt8RbN1OWU0UyFw6gwlFEjTJk6iTKaqXAYFYYyaoQp/KRCMrp582bVa7px40bVg9mzZ8+ictPD9OhRveqqqzrmgOp0MZ8UEvzJJ59IS0uLmjt66qmnyujRo6W6urqovLJ6MmWUMprVuhmnXJTRONTSvYYymi7/OLlTRuNQS/caymiJ/E1kFNJY7Op2LGrCAqWFCxfKxRdf3GmIXve4rly5UgkoFkmhZxU9pbju5JNPljFjxoROCyjxJyd6OWWUMppohXOcGWXUMWAHyVNGHUB1nCRl1DFgB8lTRkuE6kJGMQw/Z84cNVf02GOPldNOO62TWGIbKPSGQkr33Xffjl7QFStWyK233qq2lrrmmmtk4MCBRr/us88+MzovjZN+dN928uX68ujltc1v2ne+sZ2klfT+9cke8u7ntVbSKrdEfnfBOtmxZ1vmftZN87vJ84vrM1euLBToZ2M3yH4DW7JQlE5leOCNRnnwjYbMlSsLBbr66E1yzJ5NWShKpzLgHsO9xqMrgXNHbZHzRm3OHBqMPvunT5ZayKp2WJ7lw0RGixmmRxFffvlleeSRR9Q+pf4tnaKKD4HFPFP/gqdC12HOalaPnz68g3y5ofMeq1kta9LluuXbq5LO0ii/f5vdW95bWWd0bqWd9Nuzv5Yde7Rm7mdP/ct28sJH0fshZ67gCRTof45ZI/sMaE4gp+KyeHhRd3lkUY/iLqqQs684fJ0ctUf2xAb3GO41Hl0JnDVig5w9YmPm0PTv3z//Mmq6gMlLHxvf33PPPTJs2DAZP368NDQU9+arN8M/5ZRT1F6jeT84TB8ewTk/y+aD6MfTN8vCZdkTrizcCxymz0IUiisDh+mL45WFszlMn4UoFFcGDtMXx6vL2XprJ+wFinmhcbZ20om+9dZbSkR33XVX1bMZtlH+/PnzZebMmXL55ZfL8OHDO5Vp7ty58sQTTxTVM1oiAqeXU0Ypo04rWMKJU0YTBm4hO8qoBYgJJ0EZTRi4hewooxYg6n1CvQuHCm16j9Xw+LxnXd22ocyPP/5YzffEPM+oLzZhjudNN90kQ4YMUXuT6k+F6tX3WMx09dVXy4ABAyz8unSToIxSRtOtgXZzp4za5ZlEapTRJCjbzYMyapdnEqlRRi1Q9n4OFAuKsMk9NqTHJ0H9nwNdtmyZ+qoSNqrX2zVhFTy+wASpPOGEE6RHj67Dr/X19epToxBYvcAJG+X369dPRo0aJVjUtGDBAsEcVq6mtxDUHCTBYfocBMlXRMpo/mJGGc1fzCij+YsZZdRSzNAbic+CYs4mVrNjiB0LkMaNG9dpI3x8lQkyil5L/elPPc+zUFEw/O/dHgryifml6JXFFAEcffv2FcwVRb5hX3uy9HMTS4Y9o+wZTayyJZARZTQByJazoIxaBppAcpTRBCBbzoIyahkok7NLgDJKGbVbo9JNjTKaLv84uVNG41BL9xrKaLr84+ROGY1DjdckRoAyShlNrLIlkBFlNAHIlrOgjFoGmkBylNEEIFvOgjJqGSiTs0uAMkoZtVuj0k2NMpou/zi5U0bjUEv3Gspouvzj5E4ZjUON1yRGgDJKGU2ssiWQEWU0AciWs6CMWgaaQHKU0QQgW86CMmoZKJOzS4AyShm1W6PSTY0ymi7/OLlTRuNQS/caymi6/OPkThmNQ43XJEaAMkoZTayyJZARZTQByJazoIxaBppAcpTRBCBbzoIyahkok7NLgDJKGbVbo9JNjTKaLv84uVNG41BL9xrKaLr84+ROGY1DjdckRoAyShlNrLIlkBFlNAHIlrOgjFoGmkBylNEEIFvOgjJqGSiTs0uAMkoZtVuj0k2NMpou/zi5U0bjUEv3Gspouvzj5E4ZjUON1yRGgDJKGU2ssiWQEWU0AciWs6CMWgaaQHKU0QQgW86CMmoZKJOzS4AyShm1W6PSTY0ymi7/OLlTRuNQS/caymi6/OPkThmNQ43XJEaAMkoZTayyJZARZTQByJazoIxaBppAcpTRBCBbzoIyahkok7NLgDJKGbVbo9JNjTKaLv84uVNG41BL9xrKaLr84+ROGY1DjdckRoAyShlNrLIlkBFlNAHIlrOgjFoGmkBylNEEIFvOgjJqGSiTs0uAMkoZtVuj0k2NMpou/zi5U0bjUEv3Gspouvzj5E4ZjUON1yRGgDJKGU2ssiWQEWU0AciWs6CMWgaaQHKU0QQgW86CMmoZKJOzS4AyShm1W6PSTY0ymi7/OLlTRuNQS/caymi6/OPkThmNQ43XJEaAMkoZTayyJZARZTQByJazoIxaBppAcpTRBCBbzoIyahkok7NLgDJKGbVbo9JNjTKaLv84uVNG41BL9xrKaLr84+ROGY1DjdckRoAyShlNrLIlkBFlNAHIlrOgjFoGmkBylNEEIFvOgjJqGSiTs0uAMkoZtVuj0k2NMpou/zi5U0bjUEv3Gspouvzj5E4ZjUON1yRGgDJKGU2ssiWQEWU0AciWs6CMWgaaQHKU0QQgW86CMmoZKJOzS4AyShm1W6PSTY0ymi7/OLlTRuNQS/caymi6/OPkThmNQ43XJEaAMkoZTayyJZARZTQByJazoIxaBppAcpTRBCBbzoIyahkok7NLgDJKGbVbo9JNjTKaLv84uVNG41BL9xrKaLr84+ROGY1DjdckRoAyShlNrLIlkBFlNAHIlrOgjFoGmkBylNEEIFvOgjJqGSiTs0uAMkoZtVuj0k2NMpou/zi5U0bjUEv3Gspouvzj5E4ZjUON1yRGgDJKGU2ssiWQEWU0AciWs6CMWgaaQHKU0QQgW86CMmoZKJOzS4AyShm1W6PSTY0ymi7/OLlTRuNQS/caymi6/OPkThmNQ43XJEaAMkoZTayyJZARZTQByJazoIxaBppAcpTRBCBbzoIyahkok7NLgDJKGbVbo9JNjTKaLv84uVNG41BL9xrKaLr84+ROGY1DjdckRoAyShlNrLIlkBFlNAHIlrOgjFoGmkBylNEEIFvOgjJqGSiTs0uAMkoZtVuj0k2NMpou/zi5U0bjUEv3Gspouvzj5E4ZjUON1yRGgDJKGU2ssiWQEWU0AciWs6CMWgaaQHKU0QQgW86CMmoZKJOzS4AyShm1W6PSTY0ymi7/OLlTRuNQS/caymi6/OPkThmNQ43XJEaAMkoZTayyJZARZTQByJazoIxaBppAcpTRBCBbzoIyahkok7NLgDJKGbVbo9JNjTKaLv84uVNG41BL9xrKaLr84+ROGY1DjdckRoAyShlNrLIlkBFlNAHIlrOgjFoGmkBylNEEIFvOgjJqGSiTs0uAMkoZtVuj0k2NMpou/ziilSWtAAAY70lEQVS5U0bjUEv3Gspouvzj5E4ZjUON1yRGgDJKGU2ssiWQEWU0AciWs6CMWgaaQHKU0QQgW86CMmoZKJOzS4AyShm1W6PSTY0ymi7/OLlTRuNQS/caymi6/OPkThmNQ43XJEaAMkoZTayyJZARZTQByJazoIxaBppAcpTRBCBbzoIyahkok7NLgDJKGbVbo9JNjTKaLv84uVNG41BL9xrKaLr84+ROGY1DjdckRoAyShlNrLIlkBFlNAHIlrOgjFoGmkBylNEEIFvOgjJqGSiTs0uAMkoZtVuj0k2NMpou/zi5U0bjUEv3Gspouvzj5E4ZjUON1yRGgDJKGU2ssiWQEWU0AciWs6CMWgaaQHKU0QQgW86CMmoZKJOzS4AyShm1W6PSTY0ymi7/OLlTRuNQS/caymi6/OPkThmNQ43XJEaAMkoZTayyJZARZTQByJazoIxaBppAcpTRBCBbzoIyahkok7NLgDJKGbVbo9JNjTKaLv84uVNG41BL9xrKaLr84+ROGY1DjdckRoAyShlNrLIlkBFlNAHIlrOgjFoGmkBylNEEIFvOgjJqGSiTs0uAMkoZtVuj0k2NMpou/zi5U0bjUEv3Gspouvzj5E4ZjUON1yRGgDJKGU2ssiWQEWU0AciWs6CMWgaaQHKU0QQgW86CMmoZKJOzS4AyShm1W6PSTY0ymi7/OLlTRuNQS/caymi6/OPkThmNQ43XJEaAMkoZTayyJZARZTQByJazoIxaBppAcpTRBCBbzoIyahkok7NLgDJKGbVbo9JNjTKaLv84uVNG41BL9xrKaLr84+ROGY1DjdckRoAyShlNrLIlkBFlNAHIlrOgjFoGmkBylNEEIFvOgjJqGSiTs0uAMkoZtVuj0k2NMpou/zi5U0bjUEv3Gspouvzj5E4ZjUON1yRGgDJKGU2ssiWQEWU0AciWs6CMWgaaQHKU0QQgW86CMmoZKJOzS4AyShm1W6PSTY0ymi7/OLlTRuNQS/caymi6/OPkThmNQy0D12zevFmeeuopee2112Tjxo1SV1cn++yzj5x55pnSp0+fDJTQThEoo5RROzUpG6lQRrMRh2JKQRkthlY2zqWMZiMOxZSCMloMrYycCxG9/fbb5aOPPpLddttNhg8fLsuWLZP33ntPevXqJVdddZXssMMOGSltacWgjFJGS6tB2bqaMpqteJiUhjJqQilb51BGsxUPk9JQRk0oZeycv/71r3LPPffIscceK+PGjZOqqipVQvSS3nvvvXLMMceo/14OB2WUMloO9Vj/Bspo/qJJGc1fzCij+YsZZTR/MZMZM2bIO++8IxMnTpRBgwZ1/IL169fL5MmTpbGxUf0N/5/3gzJKGc17HfaWnzKav2hSRvMXM8po/mJGGc1ZzDBEP3XqVFmzZo1MmjRJDcvro7m5WW677TZZtWpVl7/l7Gd2FJcyShnNa90NKjdlNH/RpIzmL2aU0fzFjDKas5gVklH8lDvvvFMWL14s11xzjQwcODBnv65rcSmjlNHcV2LPD6CM5i+alNH8xYwymr+YUUZzFjMTGcVCJv8Qfs5+Zkdxx/zrhrwW3Xm55/ysh/M84mTw4+mbZeGy1jiXlv01lNH8hZgymr+YUUbzFzPKaM5i5kJGH3300cxSmLV8v8yWLe2Cnbrbu2kXITB/xiw8LEcMWCLb12/OXNwYs/CQDO+zQnbtuSZzMXvpi8Gytqlb5sqVhQLt1nO1DOvzeRaK0qkM76weKMvXl8/WizYBb1+/SY4YsNRmklbS2nvvvQX/s3lUtbe3t9tMMI20TGS02GH6n/zkJ7Ju3bo0fg7zJAESIAESIAESIIFMEvj7v/97ymhQZCptAVMmaycLRQIkQAIkQAIkQAIxCJRFzyh+t97a6corr5Tdd9+9A0U5bu0UI868hARIgARIgARIgAQySaBsZHTRokUyffp0GT16tFxwwQVSU1OjgJfjpveZrEksFAmQAAmQAAmQAAnEIFA2Mur9HCh6Rvfff39Zvny52gh/++23L6vPgcaIMy8hARIgARIgARIggUwSKBsZBd0tW7bIU089Jfg06MaNG6Wurk722WcfOfPMM6VPH67Wy2QNZKFIgARIgARIgAQqmkBZyWhFR5I/ngRIgARIgARIgARySIAymsOgscgkQAIkQAIkQAIkUC4EKKPlEkn+DhIgARIgARIgARLIIQHKaA6DxiKTAAmQAAmQAAmQQLkQoIyWSyT5O0iABEiABEiABEgghwQoozkMWtJFbm5ultmzZ8vLL7+sdinYc8895Tvf+Y7U19cbFQVbbN1yyy0yaNAgueyyy9QuBzyyQ4DxyU4sWBISIAESqEQClNEcRh1iiC2sIHYjRoxw/gsef/xxefbZZ6V3794yZMgQGTx4sBxxxBHG+X7++ecyZcoU9S3b888/v+ODBP4EPv74Y7n11lulW7ducvXVV3fZjgtSfPvtt8sHH3yg0jn00EONy1BpJ37zzTdy/fXXq5hdccUV0tjYGIrAND6VxlD/Xs1yzZo1qs6h7lVVVYXimDdvnjz66KOK+cSJE9VLGI90COi20p872pihQ4fKySefLDvttJPTwun6g72wcS+i/fQfxdyvYYVN+rngFJph4kuWLFEdHTvvvHPBdu7VV1+Ve++9t8v9iy80ghs+mrNu3Tp1X6PNPPLII9X/wjpOVq1aJU8//bS89957smnTJqmurpYdd9xRTjzxRBk1apT6dx7FEaCMFscrE2cn2eigAZ06daqsXr1arr32Wunbt68zBu3t7aphwE1++OGHy7nnntvpof/KK6/I/fffL3vttZdMmDCBPawFImHj4eYs0DlL2CujvXr1Kngf4MF08803yyeffEIZzUCcdVsJ8YRk6OOrr76SZcuWqRfjiy66yOlLvbf+4IMsEFLIsPewcb8m+VzIQGhVEdBBgQ4MxBKfAkdnif/AObfddpt89NFH6rmx7777qlNwDf77hg0bZMCAAbLLLrtIW1uboFPk66+/lj322EOd74/VG2+8ocS2tbVVvWjimdjS0iIffvihQG4POuigTl+BzAqrrJeDMpr1CAWUL8lGx0YjWQxiPMwhvytWrFBTATAlAAd6pfCQx9+vuuoq570ZxZQ5i+cmHbcsMrBVJs1y7dq1ghem008/XY499tjA5PHFt2nTpqm/oVeFPaO2ohAvnUJtJaTinnvukYEDB6o2xS8d8XLsepVXRvFX9MaedNJJnV60bdyvST4XbLGxkc78+fPlkUcekeOPP17GjRvXJUmM/Nx4441qpE3HGQKK0bovvvhCieOBBx7YEQ9I5pNPPinPPfecHHfccSpNPRKCHlGkBfm8/PLLlbDqAx/dufvuu+Xtt9/myF2MwFJGY0BL+5KgRufOO+9UQwb+hx/e/nDT4UtUl1xySUfRccO98MIL8vzzzwsaQjw4MeSPGw+fT8URNMTlH3rEzYyGAMMlSBNviaeccoqMHDmy4wYOK0MYx8WLF6s3Vj300tDQIA8++KCas3rqqaeqoRB9YHgFD3/kiQZeH7pHFxI7adIkQY9WJR3FPNyKjU8lccRv1SzxMEPPR48ePQKHBFH/cR+iBwb3AR5c/vtRD+/hgYUeGwgQ7hXcd96pFPp+xujAiy++qHpxxo4dKyeccILCDzHG9BnUf6TTvXt31SOD+wD3iz4gz+ixeeKJJ+TTTz9VMh10j+J8/A1TYDDFYOXKlQXPzUsdKCRouo1AGwZJ2XXXXTt+FpiBL5jhQK8ZYoQeVi9bE166/mDoFnUE0uIfri90v/q/LOiPtW4D/TFJahpX2nUBvdyTJ0+W7bbbLvClQk+b8T4j8JVGvIgccsghgdNucH9BOiGhGBHs2bOn+pl6ytoZZ5wR+EL62WefyU033aTqCzpTuD7CvHZQRs1ZZebMUmUUDeJ9990nr7/+uprHiTlMS5culffff189qNAwY0gLb5R4sGJ+KhpAvHnigYneSvy7nuOJhUwHHHCA4vPmm2+qh7dXGouVHTwUcdOjEcGnXPGQQG8pbnAMm3gf2pTR4GpJGbV3u2qWGGKFkEIOg4YE9YNI95bgpcoro/p+QclGjx6tevchpX/729/U8KK3bkNG33rrrY65ZxBg9MYeffTRaggRowSYOqPvX6SB9HU6upcPL5sQUdwzei6bvkfRQzdmzJiOl0bdU4gHb6H72R5Z9ykVklG0M9OnT1cC7o2T5rDDDjsoDngBAbOmpia5+OKLO4b0TXl578WDDz5YHnroITW86x0CDrtfMRKEefJYZDhs2DD1go46g3/Xw8iQanQGoL6gPUQd2W233VRd8E5NcE87nRz0SyA6YyD53hcGPYyPexPrEMAPx4wZM2ThwoWdhu29pUfdAFPEXj/vEH88h/Dycs0116gedf+BsuC+R88p7k3KqHmdoIyas8rMmaXKKOZeokE877zzVG+KHoJ47bXX1FyYY445pmO4I6yR1MMcmHOFBgByikMPs6NHUs8xLVZGkQ4mk+PNFI0BHqxI97vf/a5ACLwHZZQy6vrG9N4D6J284447ZP/99+/So4IXKMgfeqTwoucfqcAIAqQRw4JaWPHQmzlzprz00kudHoyQUTwsIa1YMKUfanjY4R6FHF144YVKMHHo+dZoG/DfcV9jqgukFXKJe1SLiRYczGvVUq0ftOgRxX3bv39/lS56nZBGbW1tpx4i18xtpV9IRnXvF8ThuuuuU3z0MCziM378+A7umgPaObyso92DmJjw8tYf9Jah5xk9c96XgaB2Vr+UY0QI4qolKyjW4FWpw/T47Xp6DGQf94s+9LMH8cR9ibjpug5BLWYaDerLn/70JzWvtBJH22zdk2HpUEZdE3aQfikyqidzY4smNKpaIlFM3SD269evY4ghTEbxUMUbO4QWQx3eA+WbM2dOx8M1jowiPeSBBz8eFkHzrHAOZZQy6uAW65Sk9x7AA+2uu+5S0uJd0KfFBkPkuK8eeOCBwGkzQWXVddg7rKqH6SGL3hcwvOTdcMMNagQDL2fenhf02Pz5z39W0nLWWWd1LAbUcurN2//w1kPW+K1azLTkoq3AAxi9s3lbJRzUVkLmvvzySzW9CC8M3rYF8w/Rk+zvYQMLxAS9XugVg7hCRk14+dtQsIbg44Vev2AHtbN4EcfwM1Zpa5HySxameGj5qmQZ1azAxz+sjrmf3nvAuygXUqlf0vxze5GWd1qa/jumsUFi9Qidfr4hXX0gTQprcS0zZbQ4Xpk4uxQZDbrh/D8Kw/Z6O6AwGQ3bMsWbln64+mU0aI6Tf84n0tE9tegNClpdTxkNr44cprd3q/pZYpgU8828C5n0HDT938LmcEMY8aKmt4QJul+0+BSaA+6VkLBfijJg6o1/PqT3xRND0bjXMdXmmWeekVmzZinpPOyww9QQNXpI0ZuU16NQOwWxxvY9iJn+jbpHOuz3euXElFfQvYg2EC81ergevXX+rdiCJMdfLtQDvRagkmUUXLwjE5jSoHe2gPR7X7DCZBTngyFevnBgihr+m+49DZNR9JpDeNHRo4fpMZJAGS2u1aCMFscrE2fbkFFM9sbcoqADw3oY1kADXUhG0RhjHil6UoMOPWfJL6Po3cF8HO+B+XPeOTh6WAznYJgeD3GsXtTbcuhr2TMaXCUpo/ZuVT9LiAOmkOheUDx4sL2Mt7c0SEa9c6yPOuooNVcbPSgYAcCWZUE9o2ELEjF/1Ltgz/9roxbwhQ0LY+HOY489JhjCRA8i5AsjH/6FUfbouk0paGsnyAnmiULkMBTvlW3EDX8DW0i5/8C5eg6hXhwWxSuINaQFMdfD9RhexhCwd19g3W6ip1vP4fWXB3OY9b6llS6jes9RTF1BbzHWQWAPUv3vejqaHh3EvNtCw/T+e1j3vuL+DxPNqPvObW3Pd+qU0YzGD29kuGnQIPp7JmzIqMlm6N4eFP/5xTR8xQ7T6wVW6BlFo4LJ+BjWwop4NB7ehwRllDLq+hYOkglvLwzuDayg9c4j9T/I9ANQL37wvsAVGqYPk9FSe0bxQoieOMhM0EcRUF48rOfOnat6V/O6t29QO6U/noGeL/8LbliPdlQdK8Qr7MVQb1cHOcauCZDaIBn174QSVpZi2uSo35PHv+vFSujIQE8oplxgLnbQlAu8CGDtxKWXXhq6x2zYPVxIYimj8WsOZTQ+O6dXFlrth79hgQQa0uHDh6tymG7thCEIvRLXu7ow7MeENaRhX7QISqdYGdVDWHq1KHqe9Gb4/n3fKKOUUac3omcutVcUvCvnMdT9l7/8pdMKe//9qBc/YL6ZX/70vWTSM1pozijuVcgjNvDGF9L0PWMyZxTlg5xBkrFrhT7wYoi54ejVDRrud82+1PTDBA29ZpjzidEYbzywuAi7eIRt3aPLUwyvQqMUuq1DvUDb7C0P5rVizih64DFPVW+5RxkNrxUQUCwIPPvss9WuF5h+ErSHrJ4zjZE2CGnQVJSgZ6reJsr/HNIloozGv2Mpo/HZOb1Sz0FDD8i3vvWtjptFf7pR73+mv4iEhxAm3nsbUQwjYX4avmiEYR7/3CIMX3hXjOLNEm/nmG+DbSkK9YxiWxn0BuGt3rvSE9fgoYZtTzAXCw1pMTLq7S3A4g30iuLQq/cxFOrdDB8rgiHXeIB6F3R4h0Qrce4Oh+nt3Z5hw6x4WL377rtqUQ8WGXnrn/9Bph9SWH2N3k69pyXqM6QIvTkmMlpoNT3udcgX7mnvanqMKOBe0nslBq2m1xuDY7GM9wtBurcJK/PDtrOxR9p+SmEyirZR713s/bSwbquwsBMc9K4COB8dAIgT9jnWq+5NeBW6F/Vw/YIFC9SP987X17HGCBG24MJCK72ADOKqN3rX05v0b/32t7/dscuCfaLZTlHvOYqhdPwP3IKms3g/LY2/4zzv4jw8h/QCNe9LmN7lBdur+TfLBxn0muLlDR0o3/ve9yJfILJNM9nSUUaT5W2cm35gQOzQIELK8EDDnC5sguzfI1Bv44K/YUgN8yyxYTOGBdGQeie6I21sFI+VoUgbUoq0sV0M5sV4b7JCDan+LBp+FAQWZUSaGNbDwxmSikbdVEa9DXPQ6nndiwDx1A9Mb6OC/NGzg98ATliFX6mrGnXcwABz3ILe/LF4Aj1opvExrrxldmLYPaB7V7DS3N/7GNSrontt8IKGeYD6E4J4sUQ99i7iKzRcrPcZRbkwhIu52SgLevv0Fjb+fUb13qHoKYL44FpvG+J9cYW8Yg4j0sC2QhBovWVO3hYzFRq61kKJHQkwSoQpC+CAF3vsrYz5sniJxws/2h6IBr7UA3mFbOgX/SheUS+G+gUc5fHKKG4jxBpShL+hfcOHSSBcaKtxeL8CpHc4wXoA1Als0efdyL/MbsvAn6P3HMWeq3j2FBr9A3eII56TGN3AMwtCqp8fuK9xT+JDE3q+KTJFBwh2eUFc9WdE8d+9n5jFC6Hedq0SuNv4jZRRGxQdpQFBRKOI/QbxRoYbBSJ22mmnqYeZ9wZBETDx/uGHH1YNFx4aaJCwwAj7EuJG836BCQ8/DGPgAYmbCo0r0sZWTVhMpI+ohhQSjKEtTB7HwxUNIVaoYoGF3nbGVHbwQMUm1GgY0AuDtLwHGhp8bg0S7JVVDJmhlwOrj71fgcKqZ/SQVnLPKBrcsEO/oJjGx1E1z3yyYfeAXq2LF0D/MGqQTOreNYxg/P/t3cFq60AQRNH//+twFwIjAn4FvXnkGLJKp2OOJU1JHo3q2WDZXeuFjOoLGi2q3n79be7i+wlMBaJuSGzf+1zu6bcnMHXC1nqpTfH5PIY0+LZvdWNiXxH3t53MdbNVP/9bEG3D+jaP8vn959euv5nl0DGndV+fK2j/6vXtGNr7fE60C4/vaRzPONAV0q6I9vl2EtIDQQrQz6tjX3OZmyfZeyuodpHgr72ek8SM3ktivS0aB3NtfeC2+dw6CWt8bQxr3HyPs/XoM2nsbIpNx9i2mcar/mfbUiHVaxMQRjcv1QQIECBAgAABAocCwughplYECBAgQIAAAQKbgDC6eakmQIAAAQIECBA4FBBGDzG1IkCAAAECBAgQ2ASE0c1LNQECBAgQIECAwKGAMHqIqRUBAgQIECBAgMAmIIxuXqoJECBAgAABAgQOBYTRQ0ytCBAgQIAAAQIENgFhdPNSTYAAAQIECBAgcCggjB5iakWAAAECBAgQILAJCKObl2oCBAgQIECAAIFDAWH0EFMrAgQIECBAgACBTUAY3bxUEyBAgAABAgQIHAoIo4eYWhEgQIAAAQIECGwCwujmpZoAAQIECBAgQOBQQBg9xNSKAAECBAgQIEBgExBGNy/VBAgQIECAAAEChwLC6CGmVgQIECBAgAABApuAMLp5qSZAgAABAgQIEDgUEEYPMbUiQIAAAQIECBDYBITRzUs1AQIECBAgQIDAoYAweoipFQECBAgQIECAwCYgjG5eqgkQIECAAAECBA4FhNFDTK0IECBAgAABAgQ2AWF081JNgAABAgQIECBwKPADT0Qa+lQrJ78AAAAASUVORK5CYII="/>
+          <p:cNvSpPr>
+            <a:spLocks noChangeAspect="1" noChangeArrowheads="1"/>
+          </p:cNvSpPr>
+          <p:nvPr/>
+        </p:nvSpPr>
+        <p:spPr bwMode="auto">
+          <a:xfrm>
+            <a:off x="917575" y="617537"/>
+            <a:ext cx="304800" cy="304801"/>
+          </a:xfrm>
+          <a:prstGeom prst="rect">
+            <a:avLst/>
+          </a:prstGeom>
+          <a:noFill/>
+          <a:extLst>
+            <a:ext uri="{909E8E84-426E-40DD-AFC4-6F175D3DCCD1}">
+              <a14:hiddenFill xmlns:a14="http://schemas.microsoft.com/office/drawing/2010/main">
+                <a:solidFill>
+                  <a:srgbClr val="FFFFFF"/>
+                </a:solidFill>
+              </a14:hiddenFill>
+            </a:ext>
+          </a:extLst>
+        </p:spPr>
+        <p:txBody>
+          <a:bodyPr vert="horz" wrap="square" lIns="91440" tIns="45720" rIns="91440" bIns="45720" numCol="1" anchor="t" anchorCtr="0" compatLnSpc="1">
+            <a:prstTxWarp prst="textNoShape">
+              <a:avLst/>
+            </a:prstTxWarp>
+          </a:bodyPr>
+          <a:lstStyle/>
+          <a:p>
+            <a:endParaRPr lang="en-GB"/>
+          </a:p>
+        </p:txBody>
+      </p:sp>
+      <p:sp>
+        <p:nvSpPr>
+          <p:cNvPr id="13" name="AutoShape 6" descr="data:image/png;base64,iVBORw0KGgoAAAANSUhEUgAAAqMAAAGhCAYAAABVv73+AAAgAElEQVR4Xuy9CbgV1Znv/Z75MCggMjghiCOIIM7zgAPiPGA0DiSKU0hyO+l8N33TSfftDP3d9NfdSSfXiIo4gBHnAScURBE1KlERh6goCCoKKsjMGb/nv+h1qFOnatfatdeqYe9/PU+eqKdqrbV/76pVv1pTVbW3t7cLDxIgARIgARIgARIgARJIgUAVZTQF6sySBEiABEiABEiABEhAEaCMsiKQAAmQAAmQAAmQAAmkRoAymhp6ZkwCJEACJEACJEACJEAZZR0gARIgARIgARIgARJIjQBlNDX0zJgESIAESIAESIAESIAyyjpAAiRAAiRAAiRAAiSQGgHKaGromTEJkAAJkAAJkAAJkABllHWABEiABEiABEiABEggNQKU0dTQM2MSIAESIAESIAESIAHKKOsACZAACZAACZAACZBAagQoo6mhZ8YkQAIkQAIkQAIkQAKUUdYBEiABEiABEiABEiCB1AhQRlNDz4xJgARIgARIgARIgAQoo6wDJEACJEACJEACJEACqRGgjKaGnhmTAAmQAAmQAAmQAAlQRlkHSIAESIAESIAESIAEUiNAGU0NPTMmARIgARIgARIgARKgjLIOkAAJkAAJkAAJkAAJpEaAMpoaemZMAiRAAiRAAiRAAiRAGWUdIAESIAESIAESkC1btsjMmTPl4IMPlsGDB5OIYwLLly+XF154Qc466yzp3r2749yynTxlNKPxaW1tlb/+9a/y7LPPyldffaVKecghh8gFF1yQ0RKzWHEItLe3y7vvvitz5syRTz/9VNra2mSfffaRyy67TOrr6+MkyWscETCN1fr162X27NnyxhtvyMaNG6W2tlbFc7/99nNUMiZbLgRQb5566inp3bu3TJo0SXr16pXYT9u0aZPcfvvtsmTJEjnjjDPkmGOOSSzvSs3olVdekQceeEB222031UZsv/32lYpCKKMZDD1E9L777lMy6j1Gjhwpl1xySQZLzCLFIQC5gYQ+/fTTgn/WB3okrrjiCmlsbIyTbGLXLFu2TKZMmSKbN29WDemIESMSyztuRosWLZJp06YpthMnTpRBgwappHDPPfHEE/LOO+/I6aefLsOHD++UhWmsvv76a7n55ps7XiB1InnhE5drJV7nov6nJaP6mfPaa6/JEUccIWeeeabU1NRUYlgT/c3edmXIkCEyYcIE6datW6JlyEpmFSWj33zzjVx//fWyZs2aUP51dXWy0047yfHHHy/Dhg2T6urqxGP1wQcfyK233iotLS3qoYi3VLwhNzc3V2xFTTwICWT4xRdfyE033STr1q1Tb8bnnXeeDBw4UA2VoUGqqqpKoBTxs3DxMI5fGrMrw2T0k08+URKJ3qF9991XLr/8ctWjqQ/TWD300EPy4osvqmtPPfVUOfTQQ1Uc8WBH28KjfAi4qP9pyegzzzwjs2bNkj322EMJkX4RNnlmeiOaRo9u3msUXgSmT5+uXoRPPvlkGTNmTObbfhfMKaMFqOLG/Pa3v5141zmGadAo9enTR6677jo1ZMOj/AhgGPfPf/5zl166rPzSMHHT5XPxMHb928N+E3p30WP64YcfytixY9XLqPcwiRXSQE8xuIwaNUouvvjisn+o4DdPnTpVli5dKpU2cuOi/qcho6tWrZIbb7xRmpqaOo0WoP5TRl23SFvT13UJL7FXXXWV6hCrtKNiZTSo4UTPI27MefPmqflemL+n3xST7Dq/8847ZeHChWoCeR6GayvtprH1e9N48BRT9kqS0SguJrHyPrhPOeUUOemkk6KSzf3fKaN2p6mY1DOblQbDxA8++KD85S9/kdGjR8v48eM7Dc9763SlvWzY5ByVFuJw//33C+aQYjTl/PPPL/sXWT8TymhALfHO48CfL7zwQjnooIOi6pO1v1NGraHMdEJJP3iKhUEZ3UbMJFaU0cqa014OPaNYHDt58mTBojsMz2OKivegjBbbasY/H6MyGGXAdJ6rr75adt555/iJ5fBKymhI0LAKFnPIsMIZc0exAME7oRu9qJjs/dxzz3UsVsBwOla8H3300V0Wn+iGC9lh4QQWOjz55JPq//FGes4553QMdwUVKaiXVJfh+eefly+//FL15KIHF6t2MV8Nw/z+I6ocF110kVqQoofe0MOD34OpA+itxfxGzKPdZZddZNy4cTJ06FCVxYoVK+TRRx9VKzEx1xU3FBa0hJUD14SVH6vJMW9mwIABXcqvRR1v6RgGRQ82REHvONC3b1/VI4Vh0rD5vvh98+fPl1dffVXNH8bLB+bkHnjggXLiiSeGLhwqNuZh7YH+DUF/D5tzhTmLWOz03nvvqXmN+G077rijKm/Qb/XHELF4+OGH5aOPPlLTPr73ve8FTj/xXhdVD/0P41133VXNO4PEgpVJHQD7jz/+WC3i0nUHdbhQHYhqZ5E35m0ixniYYugLDTuG38EuaAFTmEiaxArX6oVcQWUL6iXV8Xz77bc7WGEBA+ru7rvv3qlXpNhY6vr98ssvq9+v6wpWR6Ot8c9djXNP6ReVsFiYLNjyt0Uo12OPPabqgbf+oJ3BKmO0b977Xd+3aJ+OPPLI0Dm5cdpJ/bv8eWL+r77v0NbccsstBRfwFRuLqJcepIf5nWiLddu13Xbbqbb2hBNOKHr1PdrAe++9V7XnGB72by/kWkbB980331SjkZ9//nnHsyPsXvCL8ty5c1V7g+cSYoOYYAHW4YcfHlofgtp/MMQzBfdq0MJRXd/Rdl577bXy1ltvqZ1uIPGnnXaaYq+PuM8Jr3Ngncixxx4b1dSV1d8powXCGdZDuXbtWjXXDw/2oKN///5qeH2HHXbo+LNueFFRIbd4COFGxIGbAMMjM2bMECyk2LBhg2qM8RDt0aOHusnwoIco6u1+0BBhGw7IctCBhh3bQEFUvAthosqB1frehx/EFqIZtOgL5UO50RBArCGh/gON25VXXqkW6HgPTIdA+VeuXBlafqSN8nsPHRO8wYMFGjL/gd8bNhEcfO+4447QRWxobLB4Bby9R5yYh1UtDIthOycsVNJi2bNnTyUNeOiihwKNIw48cPGyEcYX5+CFAA9/74PEG0P8HbKuY1hokQHmjel6iDqIugieqIeIt7ceemUUMqC3MvL/bjwg8KDz3g84BxP38fDFA0XfC95rUYeD6kChFhgNut6exn8e+EJKUQf8q+nDZNQkVqgbYIZY4uGkXwobGhpUEfBQgTDpeGIo7pFHHlH3eFAZ8UDEw03ft8XEEg90yDbur6Bjzz33VHXFO+0ozj31t7/9TW1Jg/qJOqJfQFFPcGAxnr+XzV8er4zutdde6p4IakNQfy699FL1woJFHkEH6rh34Y0+J247iesRHwydotMhqI1BO4/OBJwXJN9xYlFIRqPaLtz/eEZEcde/Bfcf6gqY4iUF1/oPlzKK++Xuu+8OjSnq/3HHHac6NPwr+yGD99xzj3pWBR2Qa9QH/3qLKIZohxFLyLD30DIKxtiBA50CegcU78tmqc8J1De8ROJ++M53vlNRix4powWebEEyqvdi0z1M5557ruy9994qFTTQqEx4IOG/4WbQvRDeBzfOxU1y1FFHKflAD6Z3g+GoYXpvGfBQxVY0aEwgC5999pnaFgqSin+HWHkbJ5Ny+HvHsMIbm/KixwYNGN7K0YOB89BI4KZEwwxxwMMe/33BggWqlwwPl/33319tSaUbFJQfPa/oEQMHPLjAC40Pyo8GCg05HkIYrvD28Hp7qvD70NsDjngI4lq85eNayByu9fau4sGE3m48qJGvjh3yff/999XDFefgt1xzzTUdQhg35oWkCX+L6gXBORA8NLrgiN5CxAE9M5BG9Cbg7RwPQ39988cQ9RB1BHOgIfE4P2p1dzHD9Cgr6snZZ5+t6jLyR+8kRBNlP+yww9Q8KH14p8KgXkC+9IgCevlxH+Eew8PBdEI/6iauQ92DeGKUAj2NqAt4oXr88ccFO1XgMJVRXV6TWJkM0+t4oqzYWBwPWrQBeIhhs3G8XIGH9741jaV3WynEAtOLcD8iL/SA4Z5FXUGvEeq+lt1S7qlS5ox62yKUBfUTPf247/GCi9EYxBJ1BXUV9QjM8PBHTPGChZjixR7X+6dTldJOIu56hTn+GW0oemj79esnq1evVvcuJFULiV9G48YirJ55OeOlDh0NuJeRP9ouvDSh7UL5cL+YLHrFcwpD9OgQQNuN+yVJGdW/Ve88gXqJtgn3P17WIHz4G0bAvNvGYaN49EjjxdNbz8EC2yFihA68/G2iNyZB7T92wsA5QW2OfyQA+aIHFu0IFhvh3208J3RPdSUuXqaMhhiD9+b3vqVg6A8PDfQsfPe731WC5j0WL14st912m3oAeOfgeBveqEVRUTKqy+B/aOlyeG8K9GShcdI9ISbl8P72sF4tTHiHvOHwyxv+GxoGcEJZ0Xh6h4Xx8EDvJB4wePtDb4338JbR30hqNmik8PDx95xiiA8NFWQNOyF4/44HF+QtTHAgLJBVNNKQPt2bFTfmpcooHshY5YqHhb9h1Wl75cb7MPbGEG/zQXU1qnzFyGhQncY9gHihF8M/DKhZo1ctqBcb/x1D33ip8otsWLm9sUeaEFHvqADKgxcdMEtDRr3xxBx0CIW3x0dv8YL7w9vmmMTSuxAl7J5FjyxkHfUBL1t4gOIo5Z6yJaNhPNDLjZd8HH6Jxn9DPcH2aKhP/t69UtpJPZcSLxhoQ771rW91ihV4Q6bQW4vDK6OlxCJMRvHijnZN98JidC3ouYO/oxfZZM9fvZ0ZJB8jeXrKlTddVz2j3p0nghbseO9/784U3jYl6LmDsqO+4PmCOOhnsDcmYe2/V1b9HSheGQ2qq8jXxnNCzxtFu4ARRb9fRLXZef47ZTQket4eKT1/w9vwhq14856D4Tlci8MrWH5J8hehkIx60/ffMN50MPSCIRgcYVIcVg6TB4z39+Chj94K/xEmM+i5xMMjrIfOO3fGP99Os8FQCebe+uf3eN/2vdd60/TGxVtmNFjY7w3l1itHS4l5VMMQ1duGcqA8kHY0TP6hI6SPhw/2pMVLUJjA4MGEB1Sx+5YWI6NhdQkNNHo5/FMD9G9HTw7EKOjLI/qcsPlsfr7oEUFvMeb/Yl4XpMy0Tkb1akbFCvlEpaHjiRfDsAUK+hz0/OE3oBfcWwfDYolesRtuuEH12oXNN/Oe433Ji3tP4TebtBVh94HJAiDNHfd52MM5qL0stZ3UPVRoo8LuvbDylxKLsHoGwYKY67bALyloB9BDipdw3VMX1f7oTgFMJ/F+ACIJGfW202HPD2wXhvoMecTLLgQNvabozcVIQlhvrld09TPAGxNs24Ze7qAD7QfaEYy0eV/YvG1hUD209ZzAsxEdEJBxk3nXUTHO098po75ooRJgeFEPf3qHPbwVpZBQ6sbRu/DJpOHVRSkko94yhN2MSCfsZjcph8kDxvvgDbtpomQm7Ebx5h8mo2HbXoVdq3sB8HcMgfq/sKPLgl5lNOh4CEEaSol5VEMQJTh6/lCUjGnhg4ThE4IQP5MYRpUvKn4mdck78V9/3hAPToweYMi8kCjrayGqWszCyuxNM2jBob4u7DdFiWRUrExkVMcz7EXK+9KKHiDdW2USyyhZ8Yuj94UsaiSm0P1oUrZSZDSo/vjTCyp/qe2kyb0XVv9LiUVYPfP21EJEMb8z6GUr6p72/t2EbTH7jBaz9ZO3hxM99XiWYX1C1EdmtEDj5QQjfv65/fh96FRA5wN6fCHaOFfHBOmH9QLj2rD2PqottPWc8PL2js4VE9e8nluxMmoSMP9iFt2FHrTwICg9rzCZPLhNZNS0Gx9ChXmZmHfnbSRMymHygLEho0gDi3PQwOCfgxYv2JJR7wMirBcgKIalxDyqjhUSHO/igqiezaAeDpMYRpUvqgE2qUtBDzxvL3VUGfB3/5B60DXe31toWD8tGfXG0+Q34xz9kmcSS92TZ5q2t00oRxkttZ3UTAotJAmr/6XEolCb4B2twygHnk+YR47pCVggWuznO13KaNguFN5nov/TuXj5x+gP6ibm6Abt7R020hJV73VMvC/sQdegx/VPf/qTmjvqffZEtYW2nhNRL8VRvzPPf6eM+qKnt0HBDY4Vwt5h4KjtTPwVwYWMRt0U3jJ4t2zR37Q3EQiTh1+pMoqGFYuNtNhjWEQvqPGu0LUlo8VwC+o9ML3Ji/lQQaEHj0kMdJn8W+Sg562Y68N+WxQzk7oU9MArprcljowW2nA+LRn1xsO0LhUjo7oumaZd7jIaVXej2smgttPPNqz+lxKLqB54TG/CXHx0Mnh3oMBzCivP0eMdtTBR/w79VbFCu2vEnTNqIqMoB+4LvVAN/6wPPIfRU4reQe8C1ig+YfXf9LqwUYCo+lSKG3jLTBk1bcFyfl7cG0v/bJM5NmGITB7c+tpCPRWmb/xhMmJSDhORKUVG9WpIDIkfcMABao9VvSWMbqC8+5x6v2QTtxcnbs9oKTGPul1s9YwGNZQmMYwqX1QDbFKXgmQ0rPchqjyF/h42V9t/TVoyGjZSYfKbTWKJXQueeOKJLnNzTdKPe0/579Vihmlxbdz64/9NQeUvtZ0MmmplKqOlxMJUmvASjzmV2A4LUolpWTiiFsd6f0OxPaPFxtek7ulzINZYqImpO+jFxD686JTwL7503TMaJoNRbaGt5wSH6YupNTk+t1QZ1fMOIVFRi5BMG64gnKZzRguVIctzRvVCk7C5kGnOGfXHo5SYR90qUQ8ekzmGyCNvc0a9YhY1BSGKof57sfNQ01hNj71IsR1QoTmjQb/XREa9D8NiV+GWo4yazuELaydN7r0wmS4lFlFtQlD9gMi99NJLauEN/tn0i4EmAlXqM9P0/g1qd/V+0N6FuiZzRoPyNJnHi+vizhm19ZzgAqa4NSZn15V6Y3kbrkIr2YOwmPQC6OsKPRwgwth+CJW/1NX0YQuPTB5+pfSMRg2BBa2GNGHj76kpdjU9rtebnGOICHsxlhLzqNsj6sGDPfOwx2ipq+nj9mhE9QaY1Omw3hf9sC+08j2Kn//vmmehPfrS6hn1vjQUWqEdV0a9D7FCq4WLffktdE/5/1ZsPSul/nh/R9h+0KW0k6gn2Mmi0ErzsPKXEougNgGCiRdODNFjwQ6mj/l3xvDOwzbdCi3NrZ3Qc409ZDEvFF/b846M6djqTgts4YQFjFhVb7Ka3vvhDv3BCe8CsFJX0wetObD1nNBbeIFBsS+VxbaXWTu/YueMFttw6sDpvSrD9rnEeXgLw9AJ5rvor+KYNLymwqX3Mwvbp9N0n9G0ZFT3EAVt6+PdDB3/bGvOKNjq2GF1NrbtQP7eAw0WHmCYvO7dHiduzKNu9igZ9e5LidX/2J7Jv0jBZJ/RuHU9qufEpE6Hyah3T9CwffswnI9PmOKBYrLfnsk+oxAM/K40eka9D8Sw4VR8lQu/GTsCIOaQDpOXQ//q5KB9ZXE/4esueKBjs309t7CUntFSph+UUn+iZFTLP+ZXxmknTfYZRbuAz0Hj8LalpcQirE3QYoY9m7GK3L+SHvcKtgTCBz0KzZn2cktz03s9jQKijZX0WKPhPVBX8cKKvXG98/D9exdDDP0ii+kLmObl3ZPVu89oWPtvss9oocWUNp4Teh5v1EKrqGdLHv9OGS0yal5BQCOHRh1voniDhgRCFLEtFFaGYy8zTCrHYdLwmspooS+LRH29wqQcJg+/UnpGdY8fGgisVsW3fbGvItjiq03YL09/2cS/B10pD07vF5ggouj5hBTgwIIA9IqiMfdvphw35lFVK0pGcX3YF5hQvzDkq7+E5f8cokkMo8rnHXrCl66wkbz+1CUkyaQuhcmo9+GAtNDLjxcA9GrigYM6ACnDAwIfRcDHEfSncMPK7f8CE77MBZHFwwpz0LLwBSb9IonfD8HG18ew+Tz+HV8QwwMYG/2jfmIvUjyUTGPp/WgDepHOPPNMNScbLzCQFWzQjvl4WByCBY16e7NS7inEQr9cYiEMpAxlR55RC2lKqT8mMlpKO4n0vV9gQv0cO3as+oAH6iT+VugLTHFjEdYmeNPzfnUI9463zS+m1927w0NYb2qpo4lh9ypEEfum4j73fkUQdUY/R/XX2/w9md4vMHnvIf2de7yABH0FsdAXmHDvYRQKvdpBn7COGiXC77TxnNAvHfwcaNTTKed/t3VjRX1XHY09Pm8IkdI9WSYNr6mM4jyTby6jZxab8wd9mx4PuLR6RtEI4pOlkNKgA9uUoIcIE9r9cwpLfXBGfZsYD1Jw0V+n0eWLE/Oo28VERk2+TQ+hxvxh78bxpgJTqIzeB4Y+r9gdIgotkkD6eAFAPdAvH/7yBP22QmX2Coj/PNyX2AoHPag4vMNtUatYTWIVlQbyxAMTIoP0vKuhvWX118FiYonfho9d6AUtfgZ42PvbhVLvKf3FG+/WbCYbdpu0iSaLbAqVP247CW6F2im0qXhJgiSCddDvjROLQvUs6nvsGK2DMOPF0fQDF3rLo7D5+7aemUH3bFRscA1GCPD1K/82T1EswtqNqPYfL3HYw1V/4luX20RGcW4pzwnvfR724YqoZ0qe/86e0ZjRw4MUb8bYJxNvprrHCCKFnj58E7pYCSxGRnFuWBkw3xE9tt4tMXTaJg8Ak4dfKT2j+qGMXj88mMEPMoKhJ/QkY8gGPUTg650vhOtKfXAiDfw+9FChIUaDiAO9OvjWMP6HXu6go9iYR1UtE8HRaaBnb86cOep7zRAuvQUZvuWNz+X5N4s2iWFU+fB39KjpebSIEfb/Q68aemBM6lKUTCBNzJMCCzy8wRgPVdQF9IjgtxW7fyLSwIcrEGPUU6SH+xEPapQbnxlNS0YLxRN1EJ+89NfBYmPpr99gjN5hiDh6t/1DvKXeU0j/9ddfVwtoIGYQXsgZ6kqhw0b9MWkT4rSTutxo19FOoX5i6B5tOr6KhfsOwoM9KdGGFHqx97Y1UbGIahNQn9FjiKkmuDeRHkQNscXcywEDBpjc1h3n6OkImHMatBm8Sxn1PsPACGXBC42+X3H/Q0bDNsLXLNDGoFdSt4noCCrUbgTdHxiZw3QmTHHwf9UP5TSV0ULP5TA30MHQ04zw+8O+0FZUcHN2ckXJaM5iw+KSAAmQAAmQgDMC3uky6ATA/M1iX/6cFa6CEkYc9BzkSo0DZbSCKjx/KgmQAAmQAAl4CWBoGYufsBitmK/TkaI9AjoG6InHArWddtrJXuI5SYkympNAsZgkQAIkQAIk4IKAXqyFhTMTJkyIXHzmogyVmqaem4xpaZhGg+kWpnN+y4kZZbScosnfQgIkQAIkQAJFEqAQFQnM0unerQyHDBmiXgT8i7UsZZX5ZCijmQ8RC0gCJEACJEACbgnonSiwkAafaMZCOh5uCWAf1QceeECwuAmL4Lw7orjNOXupU0azFxOWiARIgARIgAQSJ4At9R555BHBhyj0HsyJF6KCMsSeqS+88EKnD+RU0M/v9FMpo5Uaef5uEiABEiABEiABEsgAAcpoBoLAIpAACZAACZAACZBApRKgjFZq5Pm7SYAESIAESIAESCADBCijGQgCi0ACJEACJEACJEAClUqAMlqpkefvJgESIAESIAESIIEMEKCMZiAILAIJkAAJkAAJkAAJVCoBymilRp6/mwRIgARIgARIgAQyQIAymoEgsAgkQAIkQAIkQAIkUKkEKKOVGnn+bhIgARIgARIgARLIAAHKaAaCwCKQAAmQAAmQAAmQQKUSoIxWauT5u0mABEiABEiABEggAwQooxkIAotAAiRAAiRAAiRAApVKgDJaqZHn7yYBEiABEiABEiCBDBCgjGYgCCwCCZAACZAACZAACVQqAcpopUaev5sESIAESIAESIAEMkCAMpqBILAIJEACJEACJEACJFCpBMpSRjds2CAvvfSSLFy4UMaPHy+DBg2q1Pjyd5MACZAACZAACZBApgmUjYy2trbK0qVLZc6cOfLRRx9JW1ubNDY2ysSJEymjma6CLBwJkAAJkAAJkEAlEygbGV20aJFMmzZNCejo0aPliy++kE8//ZQyWsm1m7+dBEiABEiABEgg8wTKRkY///xzwfD84MGDpaamRu6880557733KKOZr4IsIAmQAAmQAAmQQCUTKBsZ9QeRMlrJ1Zq/nQRIgARIgARIIC8EKKN5iRTLSQIkQAIkQAIkQAJlSIAyGhLUpqamMgw3fxIJkAAJkAAJkAAJlEagvr6+tAR8V1NGQ3B++OGHsmbNGquwmRgJkAAJkAAJkAAJ5JnAfvvtJ927d7f6EyijVnEyMRIgARIgARIgARIggWIIUEaLocVzSYAESIAESIAESIAErBKgjFrFycRIgARIgARIgARIgASKIUAZLYYWzyUBEiABEiABEiABErBKgDJqFScTIwESIAESIAESIAESKIYAZbQYWjyXBEiABEiABEiABEjAKoGylVGrlJgYCZAACZAACZAACZCAEwKUUSdYmSgJkAAJkAAJkAAJkIAJAcqoCSWeQwIkQAIkQAIkQAIk4IQAZdQJViZKAiRAAiRAAiRAAiRgQoAyakKJ55AACZAACZAACZAACTghQBl1gpWJkgAJkAAJkAAJkAAJmBCgjJpQ4jkkQAIkQAIkQAIkQAJOCFBGnWBloiRAAiRAAiRAAiRAAiYEKKMmlHgOCZAACZAACZAACZCAEwKUUSdYmSgJkAAJkAAJkAAJkIAJAcqoCSWeQwIkQAIkQAIkQAIk4IQAZdQJViZKAiRAAiRAAiRAAiRgQoAyakKJ55AACZAACZAACZAACTghQBl1gpWJkgAJkAAJkAAJkAAJmBCgjJpQ4jkkQAIkQAIkQAIkQAJOCFBGnWBloiRAAiRAAiRAAiRAAiYEKKMmlHgOCZAACZAACZAACZCAEwKUUSdYmSgJkAAJkAAJkAAJkIAJAbcdXrkAACAASURBVMqoCSWeQwIkQAIkQAIkQAIk4IQAZdQJViZKAiRAAiRAAiRAAiRgQoAyakKJ55AACZAACZAACZAACTghQBl1gpWJkgAJkAAJkAAJkAAJmBCgjJpQ4jkkQAIkQAIkQAIkQAJOCFBGnWBloiRAAiRAAiRAAiRAAiYEKKMmlHgOCZAACZAACZAACZCAEwKUUSdYmSgJkAAJkAAJkAAJkIAJAcqoCSWeQwIkQAIkQAIkQAIk4IQAZdQJViZKAiRAAiRAAiRAAiRgQoAyakKJ55AACZAACZAACZAACTghQBl1gpWJkgAJkAAJkAAJkAAJmBCgjJpQ4jkkQAIkQAIkQAIkQAJOCFBGnWBloiRAAiRAAiRAAiRAAiYEKKMmlHgOCZAACZAACZAACZCAEwKUUSdYmSgJkAAJkAAJkAAJkIAJAcqoCSWeQwIkQAIkQAIkQAIk4IQAZdQJViZKAiRAAiRAAiRAAiRgQoAyakKJ55AACZAACZAACZAACTghQBl1gpWJkgAJkAAJkAAJkAAJmBCgjJpQ4jkkQAIkQAIkQAIkQAJOCFBGnWB1n+h/Pr5FHnujxX1GOcnh2H1r5Sen10uPhqqclJjFJAESIAESIAESAAHKaA7rwZ+ebpL7X23OYcndFhlC+s/nNbjNpITUH3i1WR5c0CJtbe0lpFI+l47avUYmnVIv3ev5AlE+UeUvIQESIIHiCVBGi2eW+hXn/G6jrNtEoQkKxJyf9Ug9PkEFePyNFvmPx7dksmxpFuqwoTXyr99qTLMIzJsESIAESCBlApTRlAMQJ/sx/7ohzmUVcU1WZfSHt2+Stz9tq4gYFPsj75zUXQb2Yu9osdx4PgmQAAmUCwHKaA4jecn1G+Xzb9gzmqee0R9P3ywLl7XmsLa5LzJl1D1j5kACJEACWSZAGc1ydELKRhkND1pWe0Ypo+Exo4zmsBFikUmABEjAIgHKqEWYSSVFGaWMJlXXksiHMpoEZeZBAiRAAtklQBnNbmxCS0YZpYzmsNqGFpkyWk7R5G8hARIggeIJUEaLZ5b6FZRRymjqldBiASijFmEyKRIgARLIIQHKaA6DRhmljOaw2rJntJyCxt9CAiRAAhYJUEYtwkwqqTAZPWSPGrn8mHrZc0C11NeKtLaJfLa6Te7+S7M8sTD6a03YfHzCsXVy4vBa6dNj61Y7m7a0y4IlrXLbvGb5+MvCWxP99uJGOWhIjXy1rl3+z8wt8vrSbavH+21XJRNPqJfD9qyRno1b0167sV1eeL9VbpjdJBubOu8O8P99u1FGD64JRPplQPr6RC5gSqoW2suHPaP2WDIlEiABEsgjAcpoDqMWJKMHDq6Rn57RIDtuXyVfr2+XJava1N6NO/eplo1b2mXKs00y87XCQvrTMxvkpP1rpaVVZOmXbbKpqV32GlitvpDz4co2+eUDW+STr4OFdMIx9XLREXVKgv2yiOv/5fwGOXBIjUpzycp2qaoSJc11tSJ/XdIqP71rc6dI/OHybrLfLtWyYk2bbPF9bGrNhq2/570VXctSLjJ62shaOf+QOhm0Y7XUVIs0t4p8tLJNbn2uSV79KHqLqFJeLHbdoVr+6bwGGdq/Wr2AXHHTpk6xGbZLtVx6dL0csFu1dKuvErxGrN7QLs+83SK3z2vu8mIRdYtRRqMI8e8kQAIkUN4EKKM5jG+QjP7j2Q1ywvBaefuTVvlfM7Z0CMHPzmpQPZ1vfdIqfzets/B5f/oRe9XIT8Y1SGN9ldzybJPg05U4Dh1aIz85vUH1Zt4+r0n1svoPLcLoTa2uFiXD3p7Rcw6uk6tOqJfNTe3yuye3yPz3tsrUWaPrZOIJddLWJvK7J5vkuXe3yfLUq7tJv+2r5A9PNsnTb0X36pZTzyhE9Jox9Yr5itVt8tmadtm9b7V60YDo/+fjW+SVDwsLaSkvFoj3qQfUSnWVdJFRxPpHY+tl5x2qVZw//KJNeveoUuXDi8Xst1rktzOL+9IUZTSHjRCLTAIkQAIWCVBGLcJMKqkgGZ0ysZvs1rda7nqpWW6b19RRlOP2q1Xy0NQqShLQCxl0nLx/rfxwbL3q4frZ3Z17QPWQOYb6//2xzqKhez1H7l6j0t5/N/TESicZ/c6x9XLxEXWqJ/OHd3TuZYN07tKnc7lH7FYj/3hOg9RVi/z741vkpQ+iewLLSUZ/f1mj7L9bjZLzXz24lTc4//KCBhk1uEbmvt0iv3k4XPhKebHQItxYVyW11SLLvurcM6pfehZ/3ia/uHezrFq3dXrFeYfUyZXH16ue7397NFqWvXWQMppUy8F8SIAESCCbBCij2YxLwVL5ZRS9Vf9wZoN0b5AuPYn77IQh10bZvlvXv3kzGTO8Vv7H2HrZ3NxZWiFBv7usUYb0q1a9pZPnbBNdXA8BueDQOln+dZs8vKBZrj2pvouMXnZ0nVxyVL0acp906+aOXlsM9/78nEbp1b1Kbp7bJA8t2Nrrinmn6Nlrb+8stSahyvswvRbxHvUi//fpJpn15rZe4W8dXicTjq2XL77pzNHPJe6Lxe47Ih4NgmH615a2ysFDauTT1Z1ldPIV3WSP/l3rQqE6GBU3ymgUIf6dBEiABMqbAGU0h/EtRkbx89D7OLB3degwu+55U/M6B9fI25+2ytTnmuWzr9vku8fVC0QVw8O/eXizvOP5vjqG8H+Mof06kRvnNKm5puhd9feMaskZ3K9a9XJiGgCO606qV+L5wedt8pM7t0mqlqnWVpHmNulYTLV+U7vMfrtFpj4bPi8x7zKqf7ufIXjpXu4tLYUlPe6LBV4AcO3rH7fKu5+2qd5sv4yG3S66NxbzW/1TLqJuMcpoFCH+nQRIgATKmwBlNIfxjSOj/qHwoJ8NaUTv6AG71agFRvrAYqg/PtUkCz/eNlzuHZ5/9PVm+cOsJikkUhjG/8Ep9aqHVR/o+Xxzeav815NNnVbq6x5ALIZav7ldiXCf7lXSq0eV6i0tNC+xnGVU9z421BYWvo4FY0W8WJw5ulYmqmF2kd8+ukVGDqoxllEI7IWH16kFTy9+0Cr/dF/43OSgekcZzWEjxCKTAAmQgEUClFGLMJNKypWMfv+Uehk3qk5a27aueN/S/N+r6Ruq1Aru3zy0bWEUhucvPKxOrbLXvZphMgo5+snp9XL0PrVqZT96QhvqqmRIf8xLrJKnFrXI757YNgcSUgw5ghjd9eK2XtAfnlovp4+qU/MSw3rfKkFGg6Zj+OteMS8Wuud6lx2qZdrzTWresZ7nG9YzqsV4x+22vrWgtxYvCZMDtumKui8oo1GE+HcSIAESKG8ClNEcxjeOjEYN058+qlauPrFeSQUWKenV2lpUsMXQg/89Z1SvsK+pQg/dttXxYTKqxQbbQv3ywS0dvaB6mH+7xs4r+MNCAqn944RGNafRv1BLX0MZ3UqimBcL7LiAnRheXtwqP793a69mlIwiBmcfVCs79KhS20/h37H6Hi8W//E4V9PnsFlhkUmABEggNQKU0dTQx8+4GBk1XcCE7Xywkhob3Pv3/Lx2TL1aLY19Lq+dukl+Nb5RjtwreEN676/S+41++8g6NRf1sdc794Di3F+c0yDHD6tVw7tYnR11FFrZj2srQUajhumLebHQ22th79Zf3LftRSFKRv1x0sP8WFv/x1lNMudt8+242DMaVev5dxIgARIobwKU0RzGt9DWTtgHdOpzxW/tpGU0SAqvOK5eMI9z+VdtMnHKJvXPQ/pvm/upEaLnEl+B2tLSrrZ5wj6UD/+1Rc1DPXD3Gnnkta1zS70HFs2cMqKzBGPFNhY73flCk0yb33lf07AtrCqhZ9R0AVMxLxZgjQ8bRB1Bm9/7r8GHCvbdOXjXhULpU0aj6PPvJFDeBFaubZc7nm9SeyoHHiH/ueNczxqHTteHXRd2vr642Osslw87zFxyVJ36MEylHE5ldPXq1TJr1ixZtGiRNDc3S7du3WTkyJEybtw4aWxsDGW8efNmmTp1qixdurRgHAYPHixXXHFFR1rIZ9q0aYHX9O7dWyZNmiS9evXKfWyDZBQCMnZkrSxZ2Sa/fmhbD1fYpvfoqcT8Tf0VI90T9s2m9k7D9PiMJ7aGwteQova3DBum12X7eFXnYXps7fQPZzXIgF7Vct/LzWp7Jxx/N7ZBzjiwVq3q927gr/eybGppV0PBevN8b0Dz3jOqt3bq2SBy/dNNnT7jarq1UzEvFpj7i48L+I++PavUIqY1G9vVNk+r1rarXRAK7cxAGc1908IfQAKJE8Ci1Ctv3hT5uenEC5aBDO/6fnfpH9A+Z6Bo1ovgTEbXrFkjN998s3z11Vey9957C8Tx/fffV4KJf54wYYKS06CjtbVVPvroI1m/fn3g37/55ht55pln5IADDpDzzz9fqv576ferr74q9913nwwdOrSLdHbv3l1OOumk0Dytk3WYYNTnQPFt+MVftMnOvasEi1Kw4Mf7OVAtnus2b9ugHHP+fnFugwwdsPV8LGDC39FrtkNPsy//hMkoxBeChM+Trtu0dQETDqS9XbcqNfzvFWg9TxW9r+hdxfnbd6tSb4m1NeW9mh5cMBUBzF5f0ir/fP/WRWNhm97jv4/cvVqwCb3egN7Gi0XYMP1vLmyUw/eskdeXYtX8tgVt+Izs90+uV58u9e+PGnUrsGc0ihD/TgLlSwB7KeNDGTy6Erj8mDrBp7Yr4XAmo48//rg899xzShYPPfRQxbK9vV1mz56t/nfhhRfKQQcdFIsx0n7xxRflyiuvlCFDhnSkgXTnzZsnEydOlEGDBsVKOw8XBckoyo3tk7A9D6QN2yK1tol8trpNfcITX0/SB3rYLj+mXvV6YbESxAIHekEnnlAvhw2tkZ7dqgT9ZRDTN5e3yfT5TZ32GA3iVGhrJ/098xG7Vku3hq09cdi2CYtmpsxt6hApnW7Y989nL2qRG5/pPNTvLUvee0bxW7yfA8Ver8u/bpdBfatkpz7VXT4HqufQLlq+7XOvNl4swmRULzrDKnr9ooAFaNgZAV9tev5vLWqRWjEHZbQYWjyXBMqLAGU0PJ6U0RLrelNTkxpmxzD9ddddJxgi18fnn38uN954o+yxxx5y6aWXdvRqmmaJNG+66SbZaaed5JJLLpGamm0LaWbMmCGLFy+Wa6+9VnbccUfTJHN3XpiM5u6HOChwOcgosKCn8aLD69RKdfQ2NreK6kG+9bkmtc2WPn55QaNgw3nM0f2HGdsWgJX6YlFoARPmBeNlBvuKNtSJtLWL+ozs3Hda5PZ54R8kCAs3ZdTBjcAkSSAnBCijlFEQcNIzimH066+/Xkmod06n6g1bv14mT54sGDb3/83k3kHP5xNPPCGXXXaZDBs2rOMS9LpOnz5dli9fXjZzQ8N4UEbDa0q5yKjJvVAu51BGyyWS/B0kUDwByihlNBUZ1YuTNm7cqHowe/bsaVx7161bp3pVt99+e/nud78rdXV1HdfqdDFXFRL8ySefSEtLi5o7euqpp8ro0aOluro8VqZRRimjxjdNDk6kjOYgSCwiCTgiQBmljKYqo5DGYle3v/LKK/LAAw/I+PHju8w31T2uK1euVAKKRVJr165VPaVYEHXyySfLmDFjip4W4Oj+KylZyihltKQKlLGLKaMZC0jOi4P58dj5AVNHeIgM6FUl3z+5QY7cO3pv6DR4UUYpo7mS0U2bNqnV+ZiPes0118h2223XKYJtbW2qNxRSuu+++3b0gq5YsUJuvfVWtbUUrhs4cKDR/fbhhx8Kem+zePxyziD5emNtFouWepl+f+ZHqZchqAD/98WdZPFXwbtHZLLACRbqn8Yskx26m2+Sn2DRmFXOCCz5ulH+64Wdc1bqZIr7zyctkz7dsnefvbJ8O/nzG/2SgZCzXMbuvVrG7rM6c6XGjkWYamnzSHzOaNxh+jfeeEPuvvtuOe200+TYY48tigFW2T/11FNqnumIESOMrsWUgKweV99eLSvXZrV06ZbroR9s3TYqa8fPH6iStz6N2mk5a6VOpjw3TWiT/tsnkxdzKW8CM16ukhmv8D4LivIPT2qXE/fLXm/xM+9WyR9mM2ZBMbvo0Ha56LDsxQwLx3Mvo3EWMKFXE72bq1atUvNM+/btW1SLqjfDP+WUU9Reo3k/OEwfHkEuYMpf7c7yMD2+OvbAghbZ0py9B0IakR7Sr1rGH7Ztrn4aZSiU5+3PN8kdz3f+alvWyphWef7nGQ1y6gHZG1HjMH14jeDWTiXeLXprJ2x4j3mhpW7t9M4776gvKx1zzDHq601Bx/z582XmzJly+eWXy/DhwzudMnfu3I4V+KY9oyUicHo5ZZQy6rSCJZx4VmUUIvqdGzclTCP72R2/X636QEYWD8poeFTyJqP4oMeEY+vkxOG10qfH1p7TTVva5eUPW+XGOV33pvb+cv0Vuqg6ivnFc95ukX84s0Gwd3Kh48t17fJ/Zm7blxvnoowXH1knJw6rlb7bbd2b+66XmuW2eZ33wu7Yam/PGunZuDWftRvb5YX3W+WG2U3qwyZBB2U0KoIGf8fQ+NNPP91p4VChTe8xfI+uX+8KeWSDxUfYsmnJkiVy9dVXy847B88H+uyzz9T+o9gEH/uX6v1HN2zYIFOmTFGLmXD9gAEDDEqf7VMoo5TRbNfQ4kqXVRn9r1lN8shf2csWFM0/XN4ow3fN3oIYymj5yCiEEj25La0iS79sUx9gwQddujdUdfo6XdAvxnX4il3Ygc8u79CjSqbNb5J5f2uVsw+qVV8DDDp6dauS0YNrVBl+NG1zhzjiS4H/eE6D7NG/WvBJ06/Wt6tFc0+80SKPvLat3YCw/sv5DXLgkJqOrxvio5H4LXW1ovaI/uld2/aI9paBMlrcsyTwbO/nQLGgCJvcY0N6fBLU/znQZcuWKWHERvVXXXVVp092QkJvueUWGTVqVKdPf/ozhejOmTNHCXC/fv3U+VjUtGDBAsG+p1xNbyGoOUiCw/Q5CJKviFmVUXyiEEOIPLoS+M9LGtUX37J2UEbLQ0bxpTf05Harr1I7Izzw6la5w3+HpHavF7l5brM8HONl8eyD6uSqE+rU1+x+fu8W+eTrwusMfn9Zo+y3S43c93Kz3Dx3a4+nVzDxlUP01KKXM+g452DkVy+bm9rld09ukfnvbT3vrNF1MvGEOmlrE/ndk03y3Ltd2xrKqKUWBr2R+HQn5mxi3ie+RT9y5Eg11N7Y2NiRC77KBBlFryUWGem/6V7RDz74oMunP4OKCPnEQif0ymKKAA7ML8VcUeSrv2Fv6eellgx7RsPRU0ZTq5axM6aMxkaX2oWU0dTQx844T8P0lx1dJ5ccVS+fft0mP7h9W28kfvyvxjfKkXvVyFOLWuS3M4v79DCuxyeUDxjUWS7DoJ4+qlauPrFe9Xh6xVUL7cYmUZ/UfuXDYBFFuvprdu+taJMf3tF52s/Uq7vJLn2qA4f2cS1lNHZ154VJEKCMUkaTqGdJ5UEZTYq0vXwoo/ZYJpVSnmRUz/l8bWmr/D9/7jyE/cNT61Wv4usfd/1bFMsxw2vlB6fWy8YtIr9+aLO882nhXtHfXNgohw2tkUdfb5HfP7lNfCHE+Azz3Ldb5DcPFxZiLdYr1rTJpFu3ifWwXarl5+c0Sq/uVarH9aEFXacEUUajIsq/p0qAMkoZTbUCWs6cMmoZaALJUUYTgGw5i3KRUd3TuGRVm1w7tbgFhr8e3yiH7Vkjj/nkMgj1CcNq5X9AXJu6iit6NAf0qpa577SoqQM79Nw63xQ9qI++1iKYLqIPzC39+TkNMrhftbz0QauadoDjupPq5aAhNfLB523ykzs79/7qaymjlm8CJmeXAGWUMmq3RqWbGmU0Xf5xcs+bjIatZn7mnRaZ+mxz6GpmsClmZTaGbHGcvH+t/HBsvZpbGHRgFbc+F3/H0DEWyQQdQau4cd7R+9TI2aPrZM+B1fLwX1u6rOD2p1VuMvrp6ja54iZzGQWvH41tEKxbx3zwQkPrYIcdI47bt1YJp7f3EwujsPoeq+eR2NpN7WrxUkOtyMDe1dLaJnLfK80d0om0ML/6B6fUC7ZG0wcWPb25vFX+68km+fjL4B5aymic1onXJEaAMkoZTayyJZARZTQByJazyJuM/vbiRtULhRXZS1a2C1YzD+2/dTXz7LcKzz0sZmX2n1/cOtSqF600t7bLqrVdt+15/r2WTvuh/uHybrLfLtWCodwtvtHaNRvaZcqzTYI5h+hlG3tArRy3X63077V1KyGsNg/aTogy2pnAP57dIOjt/MviVvn5vcGr1/UVegFVbbUIdtWAkOrDK6OvL2mVf75/S8fLzI9Oa5Bxo2pl5dp2+eUDm1XM8ELyk9Pr5eh9amXjlnbVE9pQVyVD+ldJbXWVmvv6uyeCh/opo5YbLiZnlwBllDJqt0almxplNF3+cXLPk4zqxSaQvKDVzE0tZj1lQZzCVmbroWT0fPnnPAalg2HffttXyR+ebJKn3wrfwUH30kJAP1zZprYnwh6clSijxQzTa4FsqBP546wmtbdooeOnZzao3m3safqP93QWV51W9wbpEi/9tx4NItc/3SToAdd1Aav2f/nglo5eUAjvj8c1yHaNnXcM8JaLMhqndeI1iRGgjFJGE6tsCWSUNxktZci30HCsRh3V0zXhmHq56Ig6qa6K7hE7bWStXDOmXj3w/EPD3tAWO+SbJxlFb9XpB9bK6wGLYSZf0U0Nnd79l2aZ+lznjcpNqn7Yymyd53PvtMivHiq8wAV7XmK/yrpqkX9/fIuaVxh2fOvwOundvUqefLNFSU3UamxvOuUyTB9nAdPfjW2QMw6slbc+aZW/m1a4V1QvLNq+W/D2UYVkFLz9MUEdwTWYp+rvAf3FOQ1y/LBaefGDVvlFQG8tZdTkLuQ5qRGgjFJGU6t8DjLOm4yWMuQLmRjSf9u8MS/OmipRQ8nV1eG9N3io/fSMBtWLFiWtu+5QLf90XoMajsbhl9FShnzzJKP6BSBIxvU2QYVEPazKF1qZjZ61U0bUFnwB0Oki5jgfcwj9X/iJut3KVUbDVqCDR7FbO0XJpZ+xibiql5j+1Z32HkU6QaKqZHT3GrUR/h9mdX7h0fVkQcjG95TRqDuAf0+VAGWUMppqBbSceZ5k1OWQLzbGvuCwOnn30/DeG4gwHmwQFxyFhmcxpAshamkTtbjCL1ylDPmWi4xqBmE9U4WqeqGV2RCQkYNqZNW6djWUXl8ramHL4i/a5NbnmuTVj7b1furFTq2tIs1t0vHpy/Wb2mX224UXWJWrjGqp275bVafFQGGb3mO0Agu5Fn7c1mUx2rVj6uXcQ+pk6arOX1AKii1e0H51AV72qtXXmfQcYP+5Ok3sg4qFaHqLqO+fUi9njq6TFavbOvYlRR0bO7JWPl7VeZgekvwPZzWoVfneDfW9eVFGLT9smJxdApRRyqjdGpVuanmSUVdDvujF/N/nNcjA3thzMPjLMlceXy8XHFqnvhhTVyOyU+/wzbLPHF0rE4+vl03NohbQ4MHnl9FShnzLTUaD9rMsdFdErcxGz9leA7eurMZilta2dum/fbWSUgjqfz6+bTU34jDh2Hr1t/Wb29WXgfp0r5JeParUS0ehBVblKqNg7/0cKCQeXzAC057dOn8OFAuE/jihUXbvV91l30/cV78ev1X4CsmljrV+IYwSV+8XmPDSgJiGraaHWOO3DOxVJes2bV3AhAO/BZ8g/Whlm/z6oW1zSSmj6T6PmHsRBCijlNEiqkvmT82TjLoa8v32kXVy2dH1suyr4N4bvdihsU7UpwfHH1YX+uUWva8hHsQzXmqW/XerVtsGRQ1FFyM2lS6jUSuz8eWe4bvWyAvvt3R8JhLb+/xobL3s1re60xxBxAsvD5uaRO56cds2U5gbefqoOrUDQNjnIouJWZ7mjOpG65oT6+WkEbUdvcWbtrSrRUW4ByCAOCCG/35JowwdUC1PL+q8ZZbuwfT2VIY1iLpXdEDv8J5K77XojcV87MP3rFGfLW1r3/ri8eCCZtXT6T3wMnjp0fUyYtdq6dawdbsvvHi8vLhVpszd9lv8ZWPPaOYfX5VdQMooZbSc7oBykdG4Q776YYqFNEG9N7oXBjKDbWAwLFhIQjAPDfMZ8YWan961uWMPS8poZ1HRvW9Y5FXMMH2xK7O996peWW2yR6bu8cNLRdh0jHKX0XJq5+L8FspoHGq8JjEClFHKaGKVLYGMyk1Gix3yPe+QOsEQ/Kq12+aZebHr4XlsZaO/1BImIXp4fv1mkd88vPVzh4V6c735FCM25dIzGmcBk8kCl7DbRs8PxecoTRYrRcWumJjlsWc0geYn01lQRjMdHhaOMkoZLae7oNJl9PeXNaoh3ZkBq231go36ms6bbwdJCIYZ/+ncBtmpT7VMe75J9abhiBIaXZeKEZs8yaie57vw41b5+zs7b+tT7NZOJiuz9RzQz75uk4lTOn8hSK8S/8zz9SCUAZ+KvPOFJpk2v/Pw7pSJ3dSwPntGy6nFM/8tlFFzVjwzBQKUUcpoCtXOWZblJqPFDPlibuHVJ9bLhi1dv3+NYdpfXtAgIwbVyIOvNsvkOdu2hQkSx5+d1SAnDK+VeX9rkV89uG1vy0qXUXxB6fsn16s5ffiS0czXtm54ftboOpl4Qp34N70vdWW2FtZe3TtvZo54/r8XNWydS/oevtyzVYx1T+vbn7bK/5qx7Ws+use8qaVd/uPxLTL/va77jxbzAsGeUWdNmLOEKaPO0DJhGwQoo5RRG/UoK2mUi4zGGfL9zYWNctieNV1WASM2uocNq3QLHdhvFAJ84O5bV+dGHWFzR4sRmzz1jIKHd2/Y91dgN4Ktn2NsrKvqtFrd1spsPbUCeS/9sk2tkN97YLX6njn+2buaXi84w76VX6/futoaWxrtOaBaamsqdzV9VD2uhL9TRishyjn+jZRRymiO9etEhQAAIABJREFUq2+XoudJRm0O+epN0yGT//botq1+NKCj9q6RI/eulZqAPfKxOh5f4lm4rFWt4F3+ZZsansfnDv3HPjtVy6C+1Wr+KBbO4EtEs97s+jnEcpZRSOYPTq2XI/aqkZ6NW4V97cZ2eeadzvt42lqZjfTxlSzsOdl/+yr1tSz0wGKLIvTOYsqA99CrrQ/YrVqtzMY68dUb2mX2oha58ZnwL0MVEzP2jOav1aSM5i9mFVViyihltJwqfJ5ktNghX4hg94YqJYD+4xfnNshx+9Wq7V3837+Oim8xElLpw/RRLCvl75TR/EWaMpq/mFVUiSmjlNFyqvB5klFwNx3y1eJaVdX1G9dYmAQ5wDDsH2c1yZy3u/ZUFooxZTSYzu3PN8kdz3deBFRO90opv4UyWgq9dK6ljKbDnbkaEqCMUkYNq0ouTsubjJoO+Z4wrFbweUAM0d70TJPadF4fulf0reXhn/6kjBZffSmj4cwoo8XXp7SvoIymHQHmX5AAZZQyWk63SN5ktJzYx/0teVvAFPd3ltN1lNH8RZMymr+YVVSJKaOU0XKq8JTR/EWTMpq/mFFG8xczymj+YlZRJaaMUkbLqcJTRvMXTcpo/mJGGc1fzCij+YtZRZWYMkoZLacKTxnNXzQpo/mLGWU0fzGjjOYvZhVVYsooZbScKjxlNH/RpIzmL2aU0fzFjDKav5hVVIkpo5TRcqrwlNH8RZMymr+YUUbzFzPKaP5iVlElpoxSRsupwlNG8xdNymj+YkYZzV/MKKP5i1lFlZgyShktpwpPGc1fNCmj+YsZZTR/MaOM5i9mFVViyihltJwqPGU0f9GkjOYvZpTR/MWMMpq/mFVUiSmjlNFyqvCU0fxFkzKav5hRRvMXM8po/mJWUSWmjFJGy6nCU0bzF03KaP5iRhnNX8woo/mLWUWVmDJKGS2nCk8ZzV80KaP5ixllNH8xo4zmL2YVVWLKKGW0nCo8ZTR/0aSM5i9mlNH8xYwymr+YVVSJKaOU0XKq8JTR/EWTMpq/mFFG8xczymj+YlZRJaaMUkbLqcJTRvMXTcpo/mJGGc1fzCij+YtZRZWYMkoZLacKTxnNXzQpo/mLGWU0fzGjjOYvZhVVYsooZbScKjxlNH/RpIzmL2aU0fzFjDKav5hVVIkpo5TRcqrwlNH8RZMymr+YUUbzFzPKaP5iVlElpoxSRsupwlNG8xdNymj+YkYZzV/MKKP5i1lFlZgyShktpwpPGc1fNCmj+YsZZTR/MaOM5i9mFVViyihltJwqPGU0f9GkjOYvZpTR/MWMMpq/mFVUiSmjlNFyqvCU0fxFkzKav5hRRvMXM8po/mJWUSWmjFJGy6nCU0bzF03KaP5iRhnNX8woo/mLWUWVmDJKGS2nCk8ZzV80KaP5ixllNH8xo4zmL2YVVWLKKGW0nCo8ZTR/0aSM5i9mlNH8xYwymr+YVVSJKaOU0XKq8JTR/EWTMpq/mFFG8xczymj+YlZRJaaMUkbLqcJTRvMXTcpo/mJGGc1fzCij+YtZRZWYMkoZLacKTxnNXzQpo/mLGWU0fzGjjOYvZhVVYsooZbScKjxlNH/RpIzmL2aU0fzFjDKav5hVVIkpo5TRcqrwlNH8RZMymr+YUUbzFzPKaP5iVlElpoxSRsupwlNG8xdNymj+YkYZzV/MKKP5i1lFlZgyShktpwpPGc1fNCmj+YsZZTR/MaOM5i9mFVViyihltJwqPGU0f9GkjOYvZpTR/MWMMpq/mFVUiSmjlNFyqvCU0fxFkzKav5hRRvMXM8po/mJWUSWmjFJGy6nCU0bzF03KaP5iRhnNX8woo/mLWUWVmDJKGS2nCk8ZzV80KaP5ixllNH8xo4zmL2YVVWLKKGW0nCo8ZTR/0aSM5i9mlNH8xYwymr+YVVSJKaOU0XKq8JTR/EWTMpq/mFFG8xczymj+YlZRJaaMUkbLqcJTRvMXTcpo/mJGGc1fzCij+YtZRZWYMkoZLacKTxnNXzQpo/mLGWU0fzGjjKYQs7a2NnnjjTdk9uzZ8tVXX0lVVZX0799fzjjjDNlrr73Uv0cdixYtkmnTpgWe1rt3b5k0aZL06tUrKpnM/50yShnNfCUtooCU0SJgZeRUymhGAlFEMSijRcDKyKmU0RQC8cwzz8isWbOULB5wwAGi5XTz5s1y4YUXyqhRoyJL9eqrr8p9990nQ4cO7SKd3bt3l5NOOkm6desWmU7WT6CMUkazXkeLKR9ltBha2TiXMpqNOBRTCspoMbSycS5lNOE4oCd08uTJ0rNnT5k4caL06NFDlQD//eabbxaI5FVXXRUpkuhVnTdvnkpj0KBBCf+K5LKjjFJGk6tt7nOijLpnbDsHyqhtou7To4y6Z2w7B8qobaIR6b399ttyxx13yMknn6x6L73H/fffLwsXLpQrr7xSdt9994IpzZgxQxYvXizXXnut7Ljjjgn/iuSyo4xSRpOrbe5zooy6Z2w7B8qobaLu06OMumdsOwfKqG2iEemhR/Opp56Syy67TEaMGNHp7Pnz58sjjzwS+Dfvie3t7TJ9+nRZvnx52cwNDcNGGaWMJnyLOs2OMuoUr5PEKaNOsDpNlDLqFK+TxCmjTrCGJ1pIRvWipLPOOkuOPvro0EQwt3Tq1KmyZs0awWKlTz75RFpaWtTc0VNPPVVGjx4t1dXVCf8yN9lRRimjbmpWOqlSRtPhXkqulNFS6KVzLWU0He6l5EoZLYVejGtNZPSUU07pMoTvzWr9+vVq3unKlSuVgA4ePFjWrl2rekpbW1vVFIAxY8YYrcqP8RMSvYQyShlNtMI5zowy6hiwg+Qpow6gOk6SMuoYsIPkKaMOoBZK0oaMYvU9ekMhpfvuu29HL+iKFSvk1ltvlebmZrnmmmtk4MCBRr/uww8/VBKbxePnjw+UrzbWZLFoqZfphgs+Tb0MQQX43XM7yvurGjJZtrQL9etxn0vf7tm71+5Y0EdeWto9bTyZzP9Hx30pe/fbkrmyPfbO9vLoO9tlrlxZKNDlh6yWI3bfmIWidCrDSx93lzte7ZO5cmWhQGcMWyenD1ubhaJ0KsOuu+6qFpbbPKraMdky5cNERqOG6ePKbth1WMmf1WPSnxtk1brofVezWn6X5brnms0uk4+d9r/MrJe3PyuPaSKxIYRceP23t0i/7VJvhrqU7k/P1smz7/GlLyhs//vMJhm2c5vtqlByevf+tVbuXVBbcjrlmMD3jm+W4/fJ3ksf7jHcazy6Ehh/cIuMP6glc2iwRWbFyajpAqZC0dLzTqOG+jMX8ZACcZg+PFJzfrZ1W7CsHT+evlkWLsvegyALnDhMn4UoFFcGDtMXxysLZ3OYPgtRKK4MHKYvjlfJZ+utnTCnE8LoPUy3doK0zpw5Uy6//HIZPnx4pzTmzp0rTzzxROSK/JJ/SEIJUEYpowlVtUSyoYwmgtlqJpRRqzgTSYwymghmq5lQRq3ijE4MK+BvuOEGNc8Tm9vvsMMO6qKwTe8x/xPzORsbGzsS/+yzz+Smm26SIUOGyKWXXio1NVuH1zZs2CBTpkxRi5muvvpqGTBgQHSBMn4GZZQymvEqWlTxKKNF4crEyZTRTIShqEJQRovClYmTKaMphMH7OdCDDz5Ympqa5M0331QLkryfA9XiigVL2Ny+b9++qrSY+jpnzhx5+umnpV+/furzoThnwYIF8s0333A1fQoxTSNLDtOnQb20PCmjpfFL42rKaBrUS8uTMloavzSupoymQB0yiS8tYfN79IhWVVVJ//795YwzzpC99tqrY0umdevWqZ5OiCa+yoQ9RfWhv2ePBVF6ARJkFUP/I0eOLIttnfBb2TPKntEUblFnWVJGnaF1ljBl1BlaZwlTRp2hdZYwZdQZWiZsgwBllDJqox5lJQ3KaFYiYV4Oyqg5q6ycSRnNSiTMy0EZNWfFM1MgQBmljKZQ7ZxlSRl1htZZwpRRZ2idJUwZdYbWWcKUUWdombANApRRyqiNepSVNCijWYmEeTkoo+assnImZTQrkTAvB2XUnBXPTIEAZZQymkK1c5YlZdQZWmcJU0adoXWWMGXUGVpnCVNGnaFlwjYIUEYpozbqUVbSoIxmJRLm5aCMmrPKypmU0axEwrwclFFzVjwzBQKUUcpoCtXOWZaUUWdonSVMGXWG1lnClFFnaJ0lTBl1hpYJ2yBAGaWM2qhHWUmDMpqVSJiXgzJqziorZ1JGsxIJ83JQRs1Z8cwUCFBGKaMpVDtnWVJGnaF1ljBl1BlaZwlTRp2hdZYwZdQZWiZsgwBllDJqox5lJQ3KaFYiYV4Oyqg5q6ycSRnNSiTMy0EZNWfFM1MgQBmljKZQ7ZxlSRl1htZZwpRRZ2idJUwZdYbWWcKUUWdombANApRRyqiNepSVNCijWYmEeTkoo+assnImZTQrkTAvB2XUnBXPTIEAZZQymkK1c5YlZdQZWmcJU0adoXWWMGXUGVpnCVNGnaFlwjYIUEYpozbqUVbSoIxmJRLm5aCMmrPKypmU0axEwrwclFFzVjwzBQKUUcpoCtXOWZaUUWdonSVMGXWG1lnClFFnaJ0lTBl1hpYJ2yBAGaWM2qhHWUmDMpqVSJiXgzJqziorZ1JGsxIJ83JQRs1Z8cwUCFBGKaMpVDtnWVJGnaF1ljBl1BlaZwlTRp2hdZYwZdQZWiZsgwBllDJqox5lJQ3KaFYiYV4Oyqg5q6ycSRnNSiTMy0EZNWfFM1MgQBmljKZQ7ZxlSRl1htZZwpRRZ2idJUwZdYbWWcKUUWdombANApRRyqiNepSVNCijWYmEeTkoo+assnImZTQrkTAvB2XUnBXPTIEAZZQymkK1c5YlZdQZWmcJU0adoXWWMGXUGVpnCVNGnaFlwjYIUEYpozbqUVbSoIxmJRLm5aCMmrPKypmU0axEwrwclFFzVjwzBQKUUcpoCtXOWZaUUWdonSVMGXWG1lnClFFnaJ0lTBl1hpYJ2yBAGaWM2qhHWUmDMpqVSJiXgzJqziorZ1JGsxIJ83JQRs1Z8cwUCFBGKaMpVDtnWVJGnaF1ljBl1BlaZwlTRp2hdZYwZdQZWiZsgwBllDJqox5lJQ3KaFYiYV4Oyqg5q6ycSRnNSiTMy0EZNWfFM1MgQBmljKZQ7ZxlSRl1htZZwpRRZ2idJUwZdYbWWcKUUWdombANApRRyqiNepSVNCijWYmEeTkoo+assnImZTQrkTAvB2XUnBXPTIEAZZQymkK1c5YlZdQZWmcJU0adoXWWMGXUGVpnCVNGnaFlwjYIUEYpozbqUVbSoIxmJRLm5aCMmrPKypmU0axEwrwclFFzVjwzBQKUUcpoCtXOWZaUUWdonSVMGXWG1lnClFFnaJ0lTBl1hpYJ2yBAGaWM2qhHWUmDMpqVSJiXgzJqziorZ1JGsxIJ83JQRs1Z8cwUCFBGKaMpVDtnWVJGnaF1ljBl1BlaZwlTRp2hdZYwZdQZWiZsgwBllDJqox5lJQ3KaFYiYV4Oyqg5q6ycSRnNSiTMy0EZNWfFM1MgQBmljKZQ7ZxlSRl1htZZwpRRZ2idJUwZdYbWWcKUUWdombANApRRyqiNepSVNCijWYmEeTkoo+assnImZTQrkTAvB2XUnBXPTIEAZZQymkK1c5YlZdQZWmcJU0adoXWWMGXUGVpnCVNGnaFlwjYIUEYpozbqUVbSoIxmJRLm5aCMmrPKypmU0axEwrwclFFzVjwzBQKUUcpoCtXOWZaUUWdonSVMGXWG1lnClFFnaJ0lTBl1hpYJ2yBAGaWM2qhHWUmDMpqVSJiXgzJqziorZ1JGsxIJ83JQRs1Z8cwUCFBGKaMpVDtnWVJGnaF1ljBl1BlaZwlTRp2hdZYwZdQZWiZsgwBllDJqox5lJQ3KaFYiYV4Oyqg5q6ycSRnNSiTMy0EZNWfFM1MgQBmljKZQ7ZxlSRl1htZZwpRRZ2idJUwZdYbWWcKUUWdombANApRRyqiNepSVNCijWYmEeTkoo+assnImZTQrkTAvB2XUnBXPTIEAZZQymkK1c5YlZdQZWmcJU0adoXWWMGXUGVpnCVNGnaFlwjYIUEYpozbqUVbSoIxmJRLm5aCMmrPKypmU0axEwrwclFFzVjwzBQKUUcpoCtXOWZaUUWdonSVMGXWG1lnClFFnaJ0lTBl1hpYJ2yBAGaWM2qhHWUmDMpqVSJiXgzJqziorZ1JGsxIJ83JQRs1Z8cwUCFBGKaMpVDtnWVJGnaF1ljBl1BlaZwlTRp2hdZYwZdQZWiZsgwBllDJqox5lJQ3KaFYiYV4Oyqg5q6ycSRnNSiTMy0EZNWfFM1MgQBmljKZQ7ZxlSRl1htZZwpRRZ2idJUwZdYbWWcKUUWdombANApRRyqiNepSVNCijWYmEeTkoo+assnImZTQrkTAvB2XUnBXPTIEAZZQymkK1c5YlZdQZWmcJU0adoXWWMGXUGVpnCVNGnaFlwjYIUEYpozbqUVbSoIxmJRLm5aCMmrPKypmU0axEwrwclFFzVjwzBQKUUcpoCtXOWZaUUWdonSVMGXWG1lnClFFnaJ0lTBl1hpYJ2yBAGaWM2qhHWUmDMpqVSJiXgzJqziorZ1JGsxIJ83JQRs1Z8cwUCFBGKaMpVDtnWVJGnaF1ljBl1BlaZwlTRp2hdZYwZdQZWiZsgwBllDJqox5lJQ3KaFYiYV4Oyqg5q6ycSRnNSiTMy0EZNWfFM1MgQBmljKZQ7ZxlSRl1htZZwpRRZ2idJUwZdYbWWcKUUWdombANApRRyqiNepSVNCijWYmEeTkoo+assnImZTQrkTAvB2XUnBXPTIEAZZQymkK1c5YlZdQZWmcJU0adoXWWMGXUGVpnCVNGLaFdvXq1zJo1SxYtWiTNzc3SrVs3GTlypIwbN04aGxsjc2lra5M33nhDZs+eLV999ZU6v3fv3nLUUUep/9XU1HRKA/lMmzYtMF1cN2nSJOnVq1dkvlk/gTJKGc16HS2mfJTRYmhl41zKaDbiUEwpKKPF0MrGuZRRC3FYs2aN3HzzzUoi9957bxk8eLC8//77snTpUvXPEyZMUHIadrS2tsqDDz4or776qvTp00f2339/deqbb74pSPuggw6SCy64oJOQ4tz77rtPhg4d2kU6u3fvLieddFLBPC387ESSoIxSRhOpaAllQhlNCLTFbCijFmEmlBRlNCHQFrOhjFqA+fjjj8tzzz0n559/vhx66KEqxfb2dtXLif9deOGFSijDjiVLlsgtt9wiu+++u1x22WUdPakbNmyQKVOmKMmdOHGiDBo0qCMJpDtv3rwu/93Cz8lUEpRRymimKmSJhaGMlggwhcspoylALzFLymiJAFO4nDJaIvSmpiaZOnWqYJj+uuuuU0Pr+vj888/lxhtvlD322EMuvfRSqaqqCswNYvn000+rc0aMGNHpnKeeekoJLSTV+7cZM2bI4sWL5dprr5Udd9yxxF+R3cspo5TR7NbO4ktGGS2eWdpXUEbTjkDx+VNGi2eW9hWU0RIj8M0338j111+vJPSKK67oND90/fr1MnnyZMGwuf9v3mwxnL927VrZc8891bneAzKKXldcjyF5HOh1nT59uixfvrxs5oaGhYEyShkt8RbN1OWU0UyFw6gwlFEjTJk6iTKaqXAYFYYyaoQp/KRCMrp582bVa7px40bVg9mzZ8+ictPD9OhRveqqqzrmgOp0MZ8UEvzJJ59IS0uLmjt66qmnyujRo6W6urqovLJ6MmWUMprVuhmnXJTRONTSvYYymi7/OLlTRuNQS/caymiJ/E1kFNJY7Op2LGrCAqWFCxfKxRdf3GmIXve4rly5UgkoFkmhZxU9pbju5JNPljFjxoROCyjxJyd6OWWUMppohXOcGWXUMWAHyVNGHUB1nCRl1DFgB8lTRkuE6kJGMQw/Z84cNVf02GOPldNOO62TWGIbKPSGQkr33Xffjl7QFStWyK233qq2lrrmmmtk4MCBRr/us88+MzovjZN+dN928uX68ujltc1v2ne+sZ2klfT+9cke8u7ntVbSKrdEfnfBOtmxZ1vmftZN87vJ84vrM1euLBToZ2M3yH4DW7JQlE5leOCNRnnwjYbMlSsLBbr66E1yzJ5NWShKpzLgHsO9xqMrgXNHbZHzRm3OHBqMPvunT5ZayKp2WJ7lw0RGixmmRxFffvlleeSRR9Q+pf4tnaKKD4HFPFP/gqdC12HOalaPnz68g3y5ofMeq1kta9LluuXbq5LO0ii/f5vdW95bWWd0bqWd9Nuzv5Yde7Rm7mdP/ct28sJH0fshZ67gCRTof45ZI/sMaE4gp+KyeHhRd3lkUY/iLqqQs684fJ0ctUf2xAb3GO41Hl0JnDVig5w9YmPm0PTv3z//Mmq6gMlLHxvf33PPPTJs2DAZP368NDQU9+arN8M/5ZRT1F6jeT84TB8ewTk/y+aD6MfTN8vCZdkTrizcCxymz0IUiisDh+mL45WFszlMn4UoFFcGDtMXx6vL2XprJ+wFinmhcbZ20om+9dZbSkR33XVX1bMZtlH+/PnzZebMmXL55ZfL8OHDO5Vp7ty58sQTTxTVM1oiAqeXU0Ypo04rWMKJU0YTBm4hO8qoBYgJJ0EZTRi4hewooxYg6n1CvQuHCm16j9Xw+LxnXd22ocyPP/5YzffEPM+oLzZhjudNN90kQ4YMUXuT6k+F6tX3WMx09dVXy4ABAyz8unSToIxSRtOtgXZzp4za5ZlEapTRJCjbzYMyapdnEqlRRi1Q9n4OFAuKsMk9NqTHJ0H9nwNdtmyZ+qoSNqrX2zVhFTy+wASpPOGEE6RHj67Dr/X19epToxBYvcAJG+X369dPRo0aJVjUtGDBAsEcVq6mtxDUHCTBYfocBMlXRMpo/mJGGc1fzCij+YsZZdRSzNAbic+CYs4mVrNjiB0LkMaNG9dpI3x8lQkyil5L/elPPc+zUFEw/O/dHgryifml6JXFFAEcffv2FcwVRb5hX3uy9HMTS4Y9o+wZTayyJZARZTQByJazoIxaBppAcpTRBCBbzoIyahkok7NLgDJKGbVbo9JNjTKaLv84uVNG41BL9xrKaLr84+ROGY1DjdckRoAyShlNrLIlkBFlNAHIlrOgjFoGmkBylNEEIFvOgjJqGSiTs0uAMkoZtVuj0k2NMpou/zi5U0bjUEv3Gspouvzj5E4ZjUON1yRGgDJKGU2ssiWQEWU0AciWs6CMWgaaQHKU0QQgW86CMmoZKJOzS4AyShm1W6PSTY0ymi7/OLlTRuNQS/caymi6/OPkThmNQ43XJEaAMkoZTayyJZARZTQByJazoIxaBppAcpTRBCBbzoIyahkok7NLgDJKGbVbo9JNjTKaLv84uVNG41BL9xrKaLr84+ROGY1DjdckRoAyShlNrLIlkBFlNAHIlrOgjFoGmkBylNEEIFvOgjJqGSiTs0uAMkoZtVuj0k2NMpou/zi5U0bjUEv3Gspouvzj5E4ZjUON1yRGgDJKGU2ssiWQEWU0AciWs6CMWgaaQHKU0QQgW86CMmoZKJOzS4AyShm1W6PSTY0ymi7/OLlTRuNQS/caymi6/OPkThmNQ43XJEaAMkoZTayyJZARZTQByJazoIxaBppAcpTRBCBbzoIyahkok7NLgDJKGbVbo9JNjTKaLv84uVNG41BL9xrKaLr84+ROGY1DjdckRoAyShlNrLIlkBFlNAHIlrOgjFoGmkBylNEEIFvOgjJqGSiTs0uAMkoZtVuj0k2NMpou/zi5U0bjUEv3Gspouvzj5E4ZjUON1yRGgDJKGU2ssiWQEWU0AciWs6CMWgaaQHKU0QQgW86CMmoZKJOzS4AyShm1W6PSTY0ymi7/OLlTRuNQS/caymi6/OPkThmNQ43XJEaAMkoZTayyJZARZTQByJazoIxaBppAcpTRBCBbzoIyahkok7NLgDJKGbVbo9JNjTKaLv84uVNG41BL9xrKaLr84+ROGY1DjdckRoAyShlNrLIlkBFlNAHIlrOgjFoGmkBylNEEIFvOgjJqGSiTs0uAMkoZtVuj0k2NMpou/zi5U0bjUEv3Gspouvzj5E4ZjUON1yRGgDJKGU2ssiWQEWU0AciWs6CMWgaaQHKU0QQgW86CMmoZKJOzS4AyShm1W6PSTY0ymi7/OLlTRuNQS/caymi6/OPkThmNQ43XJEaAMkoZTayyJZARZTQByJazoIxaBppAcpTRBCBbzoIyahkok7NLgDJKGbVbo9JNjTKaLv84uVNG41BL9xrKaLr84+ROGY1DjdckRoAyShlNrLIlkBFlNAHIlrOgjFoGmkBylNEEIFvOgjJqGSiTs0uAMkoZtVuj0k2NMpou/zi5U0bjUEv3Gspouvzj5E4ZjUON1yRGgDJKGU2ssiWQEWU0AciWs6CMWgaaQHKU0QQgW86CMmoZKJOzS4AyShm1W6PSTY0ymi7/OLlTRuNQS/caymi6/OPkThmNQ43XJEaAMkoZTayyJZARZTQByJazoIxaBppAcpTRBCBbzoIyahkok7NLgDJKGbVbo9JNjTKaLv84uVNG41BL9xrKaLr84+ROGY1DjdckRoAyShlNrLIlkBFlNAHIlrOgjFoGmkBylNEEIFvOgjJqGSiTs0uAMkoZtVuj0k2NMpou/zi5U0bjUEv3Gspouvzj5E4ZjUON1yRGgDJKGU2ssiWQEWU0AciWs6CMWgaaQHKU0QQgW86CMmoZKJOzS4AyShm1W6PSTY0ymi7/OLlTRuNQS/caymi6/OPkThmNQ43XJEaAMkoZTayyJZARZTQByJazoIxaBppAcpTRBCBbzoIyahkok7NLgDJKGbVbo9JNjTKaLv84uVNG41BL9xrKaLr84+ROGY1DjdckRoAyShlNrLIlkBFlNAHIlrOgjFoGmkBylNEEIFvOgjJqGSiTs0uAMkoZtVuj0k2NMpou/ziilSWtAAAY70lEQVS5U0bjUEv3Gspouvzj5E4ZjUON1yRGgDJKGU2ssiWQEWU0AciWs6CMWgaaQHKU0QQgW86CMmoZKJOzS4AyShm1W6PSTY0ymi7/OLlTRuNQS/caymi6/OPkThmNQ43XJEaAMkoZTayyJZARZTQByJazoIxaBppAcpTRBCBbzoIyahkok7NLgDJKGbVbo9JNjTKaLv84uVNG41BL9xrKaLr84+ROGY1DjdckRoAyShlNrLIlkBFlNAHIlrOgjFoGmkBylNEEIFvOgjJqGSiTs0uAMkoZtVuj0k2NMpou/zi5U0bjUEv3Gspouvzj5E4ZjUON1yRGgDJKGU2ssiWQEWU0AciWs6CMWgaaQHKU0QQgW86CMmoZKJOzS4AyShm1W6PSTY0ymi7/OLlTRuNQS/caymi6/OPkThmNQ43XJEaAMkoZTayyJZARZTQByJazoIxaBppAcpTRBCBbzoIyahkok7NLgDJKGbVbo9JNjTKaLv84uVNG41BL9xrKaLr84+ROGY1DjdckRoAyShlNrLIlkBFlNAHIlrOgjFoGmkBylNEEIFvOgjJqGSiTs0uAMkoZtVuj0k2NMpou/zi5U0bjUEv3Gspouvzj5E4ZjUON1yRGgDJKGU2ssiWQEWU0AciWs6CMWgaaQHKU0QQgW86CMmoZKJOzS4AyShm1W6PSTY0ymi7/OLlTRuNQS/caymi6/OPkThmNQ43XJEaAMkoZTayyJZARZTQByJazoIxaBppAcpTRBCBbzoIyahkok7NLgDJKGbVbo9JNjTKaLv84uVNG41BL9xrKaLr84+ROGY1DjdckRoAyShlNrLIlkBFlNAHIlrOgjFoGmkBylNEEIFvOgjJqGSiTs0uAMkoZtVuj0k2NMpou/zi5U0bjUEv3Gspouvzj5E4ZjUON1yRGgDJKGU2ssiWQEWU0AciWs6CMWgaaQHKU0QQgW86CMmoZKJOzS4AyShm1W6PSTY0ymi7/OLlTRuNQS/caymi6/OPkThmNQy0D12zevFmeeuopee2112Tjxo1SV1cn++yzj5x55pnSp0+fDJTQThEoo5RROzUpG6lQRrMRh2JKQRkthlY2zqWMZiMOxZSCMloMrYycCxG9/fbb5aOPPpLddttNhg8fLsuWLZP33ntPevXqJVdddZXssMMOGSltacWgjFJGS6tB2bqaMpqteJiUhjJqQilb51BGsxUPk9JQRk0oZeycv/71r3LPPffIscceK+PGjZOqqipVQvSS3nvvvXLMMceo/14OB2WUMloO9Vj/Bspo/qJJGc1fzCij+YsZZTR/MZMZM2bIO++8IxMnTpRBgwZ1/IL169fL5MmTpbGxUf0N/5/3gzJKGc17HfaWnzKav2hSRvMXM8po/mJGGc1ZzDBEP3XqVFmzZo1MmjRJDcvro7m5WW677TZZtWpVl7/l7Gd2FJcyShnNa90NKjdlNH/RpIzmL2aU0fzFjDKas5gVklH8lDvvvFMWL14s11xzjQwcODBnv65rcSmjlNHcV2LPD6CM5i+alNH8xYwymr+YUUZzFjMTGcVCJv8Qfs5+Zkdxx/zrhrwW3Xm55/ysh/M84mTw4+mbZeGy1jiXlv01lNH8hZgymr+YUUbzFzPKaM5i5kJGH3300cxSmLV8v8yWLe2Cnbrbu2kXITB/xiw8LEcMWCLb12/OXNwYs/CQDO+zQnbtuSZzMXvpi8Gytqlb5sqVhQLt1nO1DOvzeRaK0qkM76weKMvXl8/WizYBb1+/SY4YsNRmklbS2nvvvQX/s3lUtbe3t9tMMI20TGS02GH6n/zkJ7Ju3bo0fg7zJAESIAESIAESIIFMEvj7v/97ymhQZCptAVMmaycLRQIkQAIkQAIkQAIxCJRFzyh+t97a6corr5Tdd9+9A0U5bu0UI868hARIgARIgARIgAQySaBsZHTRokUyffp0GT16tFxwwQVSU1OjgJfjpveZrEksFAmQAAmQAAmQAAnEIFA2Mur9HCh6Rvfff39Zvny52gh/++23L6vPgcaIMy8hARIgARIgARIggUwSKBsZBd0tW7bIU089Jfg06MaNG6Wurk722WcfOfPMM6VPH67Wy2QNZKFIgARIgARIgAQqmkBZyWhFR5I/ngRIgARIgARIgARySIAymsOgscgkQAIkQAIkQAIkUC4EKKPlEkn+DhIgARIgARIgARLIIQHKaA6DxiKTAAmQAAmQAAmQQLkQoIyWSyT5O0iABEiABEiABEgghwQoozkMWtJFbm5ultmzZ8vLL7+sdinYc8895Tvf+Y7U19cbFQVbbN1yyy0yaNAgueyyy9QuBzyyQ4DxyU4sWBISIAESqEQClNEcRh1iiC2sIHYjRoxw/gsef/xxefbZZ6V3794yZMgQGTx4sBxxxBHG+X7++ecyZcoU9S3b888/v+ODBP4EPv74Y7n11lulW7ducvXVV3fZjgtSfPvtt8sHH3yg0jn00EONy1BpJ37zzTdy/fXXq5hdccUV0tjYGIrAND6VxlD/Xs1yzZo1qs6h7lVVVYXimDdvnjz66KOK+cSJE9VLGI90COi20p872pihQ4fKySefLDvttJPTwun6g72wcS+i/fQfxdyvYYVN+rngFJph4kuWLFEdHTvvvHPBdu7VV1+Ve++9t8v9iy80ghs+mrNu3Tp1X6PNPPLII9X/wjpOVq1aJU8//bS89957smnTJqmurpYdd9xRTjzxRBk1apT6dx7FEaCMFscrE2cn2eigAZ06daqsXr1arr32Wunbt68zBu3t7aphwE1++OGHy7nnntvpof/KK6/I/fffL3vttZdMmDCBPawFImHj4eYs0DlL2CujvXr1Kngf4MF08803yyeffEIZzUCcdVsJ8YRk6OOrr76SZcuWqRfjiy66yOlLvbf+4IMsEFLIsPewcb8m+VzIQGhVEdBBgQ4MxBKfAkdnif/AObfddpt89NFH6rmx7777qlNwDf77hg0bZMCAAbLLLrtIW1uboFPk66+/lj322EOd74/VG2+8ocS2tbVVvWjimdjS0iIffvihQG4POuigTl+BzAqrrJeDMpr1CAWUL8lGx0YjWQxiPMwhvytWrFBTATAlAAd6pfCQx9+vuuoq570ZxZQ5i+cmHbcsMrBVJs1y7dq1ghem008/XY499tjA5PHFt2nTpqm/oVeFPaO2ohAvnUJtJaTinnvukYEDB6o2xS8d8XLsepVXRvFX9MaedNJJnV60bdyvST4XbLGxkc78+fPlkUcekeOPP17GjRvXJUmM/Nx4441qpE3HGQKK0bovvvhCieOBBx7YEQ9I5pNPPinPPfecHHfccSpNPRKCHlGkBfm8/PLLlbDqAx/dufvuu+Xtt9/myF2MwFJGY0BL+5KgRufOO+9UQwb+hx/e/nDT4UtUl1xySUfRccO98MIL8vzzzwsaQjw4MeSPGw+fT8URNMTlH3rEzYyGAMMlSBNviaeccoqMHDmy4wYOK0MYx8WLF6s3Vj300tDQIA8++KCas3rqqaeqoRB9YHgFD3/kiQZeH7pHFxI7adIkQY9WJR3FPNyKjU8lccRv1SzxMEPPR48ePQKHBFH/cR+iBwb3AR5c/vtRD+/hgYUeGwgQ7hXcd96pFPp+xujAiy++qHpxxo4dKyeccILCDzHG9BnUf6TTvXt31SOD+wD3iz4gz+ixeeKJJ+TTTz9VMh10j+J8/A1TYDDFYOXKlQXPzUsdKCRouo1AGwZJ2XXXXTt+FpiBL5jhQK8ZYoQeVi9bE166/mDoFnUE0uIfri90v/q/LOiPtW4D/TFJahpX2nUBvdyTJ0+W7bbbLvClQk+b8T4j8JVGvIgccsghgdNucH9BOiGhGBHs2bOn+pl6ytoZZ5wR+EL62WefyU033aTqCzpTuD7CvHZQRs1ZZebMUmUUDeJ9990nr7/+uprHiTlMS5culffff189qNAwY0gLb5R4sGJ+KhpAvHnigYneSvy7nuOJhUwHHHCA4vPmm2+qh7dXGouVHTwUcdOjEcGnXPGQQG8pbnAMm3gf2pTR4GpJGbV3u2qWGGKFkEIOg4YE9YNI95bgpcoro/p+QclGjx6tevchpX/729/U8KK3bkNG33rrrY65ZxBg9MYeffTRaggRowSYOqPvX6SB9HU6upcPL5sQUdwzei6bvkfRQzdmzJiOl0bdU4gHb6H72R5Z9ykVklG0M9OnT1cC7o2T5rDDDjsoDngBAbOmpia5+OKLO4b0TXl578WDDz5YHnroITW86x0CDrtfMRKEefJYZDhs2DD1go46g3/Xw8iQanQGoL6gPUQd2W233VRd8E5NcE87nRz0SyA6YyD53hcGPYyPexPrEMAPx4wZM2ThwoWdhu29pUfdAFPEXj/vEH88h/Dycs0116gedf+BsuC+R88p7k3KqHmdoIyas8rMmaXKKOZeokE877zzVG+KHoJ47bXX1FyYY445pmO4I6yR1MMcmHOFBgByikMPs6NHUs8xLVZGkQ4mk+PNFI0BHqxI97vf/a5ACLwHZZQy6vrG9N4D6J284447ZP/99+/So4IXKMgfeqTwoucfqcAIAqQRw4JaWPHQmzlzprz00kudHoyQUTwsIa1YMKUfanjY4R6FHF144YVKMHHo+dZoG/DfcV9jqgukFXKJe1SLiRYczGvVUq0ftOgRxX3bv39/lS56nZBGbW1tpx4i18xtpV9IRnXvF8ThuuuuU3z0MCziM378+A7umgPaObyso92DmJjw8tYf9Jah5xk9c96XgaB2Vr+UY0QI4qolKyjW4FWpw/T47Xp6DGQf94s+9LMH8cR9ibjpug5BLWYaDerLn/70JzWvtBJH22zdk2HpUEZdE3aQfikyqidzY4smNKpaIlFM3SD269evY4ghTEbxUMUbO4QWQx3eA+WbM2dOx8M1jowiPeSBBz8eFkHzrHAOZZQy6uAW65Sk9x7AA+2uu+5S0uJd0KfFBkPkuK8eeOCBwGkzQWXVddg7rKqH6SGL3hcwvOTdcMMNagQDL2fenhf02Pz5z39W0nLWWWd1LAbUcurN2//w1kPW+K1azLTkoq3AAxi9s3lbJRzUVkLmvvzySzW9CC8M3rYF8w/Rk+zvYQMLxAS9XugVg7hCRk14+dtQsIbg44Vev2AHtbN4EcfwM1Zpa5HySxameGj5qmQZ1azAxz+sjrmf3nvAuygXUqlf0vxze5GWd1qa/jumsUFi9Qidfr4hXX0gTQprcS0zZbQ4Xpk4uxQZDbrh/D8Kw/Z6O6AwGQ3bMsWbln64+mU0aI6Tf84n0tE9tegNClpdTxkNr44cprd3q/pZYpgU8828C5n0HDT938LmcEMY8aKmt4QJul+0+BSaA+6VkLBfijJg6o1/PqT3xRND0bjXMdXmmWeekVmzZinpPOyww9QQNXpI0ZuU16NQOwWxxvY9iJn+jbpHOuz3euXElFfQvYg2EC81ergevXX+rdiCJMdfLtQDvRagkmUUXLwjE5jSoHe2gPR7X7DCZBTngyFevnBgihr+m+49DZNR9JpDeNHRo4fpMZJAGS2u1aCMFscrE2fbkFFM9sbcoqADw3oY1kADXUhG0RhjHil6UoMOPWfJL6Po3cF8HO+B+XPeOTh6WAznYJgeD3GsXtTbcuhr2TMaXCUpo/ZuVT9LiAOmkOheUDx4sL2Mt7c0SEa9c6yPOuooNVcbPSgYAcCWZUE9o2ELEjF/1Ltgz/9roxbwhQ0LY+HOY489JhjCRA8i5AsjH/6FUfbouk0paGsnyAnmiULkMBTvlW3EDX8DW0i5/8C5eg6hXhwWxSuINaQFMdfD9RhexhCwd19g3W6ip1vP4fWXB3OY9b6llS6jes9RTF1BbzHWQWAPUv3vejqaHh3EvNtCw/T+e1j3vuL+DxPNqPvObW3Pd+qU0YzGD29kuGnQIPp7JmzIqMlm6N4eFP/5xTR8xQ7T6wVW6BlFo4LJ+BjWwop4NB7ehwRllDLq+hYOkglvLwzuDayg9c4j9T/I9ANQL37wvsAVGqYPk9FSe0bxQoieOMhM0EcRUF48rOfOnat6V/O6t29QO6U/noGeL/8LbliPdlQdK8Qr7MVQb1cHOcauCZDaIBn174QSVpZi2uSo35PHv+vFSujIQE8oplxgLnbQlAu8CGDtxKWXXhq6x2zYPVxIYimj8WsOZTQ+O6dXFlrth79hgQQa0uHDh6tymG7thCEIvRLXu7ow7MeENaRhX7QISqdYGdVDWHq1KHqe9Gb4/n3fKKOUUac3omcutVcUvCvnMdT9l7/8pdMKe//9qBc/YL6ZX/70vWTSM1pozijuVcgjNvDGF9L0PWMyZxTlg5xBkrFrhT7wYoi54ejVDRrud82+1PTDBA29ZpjzidEYbzywuAi7eIRt3aPLUwyvQqMUuq1DvUDb7C0P5rVizih64DFPVW+5RxkNrxUQUCwIPPvss9WuF5h+ErSHrJ4zjZE2CGnQVJSgZ6reJsr/HNIloozGv2Mpo/HZOb1Sz0FDD8i3vvWtjptFf7pR73+mv4iEhxAm3nsbUQwjYX4avmiEYR7/3CIMX3hXjOLNEm/nmG+DbSkK9YxiWxn0BuGt3rvSE9fgoYZtTzAXCw1pMTLq7S3A4g30iuLQq/cxFOrdDB8rgiHXeIB6F3R4h0Qrce4Oh+nt3Z5hw6x4WL377rtqUQ8WGXnrn/9Bph9SWH2N3k69pyXqM6QIvTkmMlpoNT3udcgX7mnvanqMKOBe0nslBq2m1xuDY7GM9wtBurcJK/PDtrOxR9p+SmEyirZR713s/bSwbquwsBMc9K4COB8dAIgT9jnWq+5NeBW6F/Vw/YIFC9SP987X17HGCBG24MJCK72ADOKqN3rX05v0b/32t7/dscuCfaLZTlHvOYqhdPwP3IKms3g/LY2/4zzv4jw8h/QCNe9LmN7lBdur+TfLBxn0muLlDR0o3/ve9yJfILJNM9nSUUaT5W2cm35gQOzQIELK8EDDnC5sguzfI1Bv44K/YUgN8yyxYTOGBdGQeie6I21sFI+VoUgbUoq0sV0M5sV4b7JCDan+LBp+FAQWZUSaGNbDwxmSikbdVEa9DXPQ6nndiwDx1A9Mb6OC/NGzg98ATliFX6mrGnXcwABz3ILe/LF4Aj1opvExrrxldmLYPaB7V7DS3N/7GNSrontt8IKGeYD6E4J4sUQ99i7iKzRcrPcZRbkwhIu52SgLevv0Fjb+fUb13qHoKYL44FpvG+J9cYW8Yg4j0sC2QhBovWVO3hYzFRq61kKJHQkwSoQpC+CAF3vsrYz5sniJxws/2h6IBr7UA3mFbOgX/SheUS+G+gUc5fHKKG4jxBpShL+hfcOHSSBcaKtxeL8CpHc4wXoA1Als0efdyL/MbsvAn6P3HMWeq3j2FBr9A3eII56TGN3AMwtCqp8fuK9xT+JDE3q+KTJFBwh2eUFc9WdE8d+9n5jFC6Hedq0SuNv4jZRRGxQdpQFBRKOI/QbxRoYbBSJ22mmnqYeZ9wZBETDx/uGHH1YNFx4aaJCwwAj7EuJG836BCQ8/DGPgAYmbCo0r0sZWTVhMpI+ohhQSjKEtTB7HwxUNIVaoYoGF3nbGVHbwQMUm1GgY0AuDtLwHGhp8bg0S7JVVDJmhlwOrj71fgcKqZ/SQVnLPKBrcsEO/oJjGx1E1z3yyYfeAXq2LF0D/MGqQTOreNYxg/P/t3cFq60AQRNH//+twFwIjAn4FvXnkGLJKp2OOJU1JHo3q2WDZXeuFjOoLGi2q3n79be7i+wlMBaJuSGzf+1zu6bcnMHXC1nqpTfH5PIY0+LZvdWNiXxH3t53MdbNVP/9bEG3D+jaP8vn959euv5nl0DGndV+fK2j/6vXtGNr7fE60C4/vaRzPONAV0q6I9vl2EtIDQQrQz6tjX3OZmyfZeyuodpHgr72ek8SM3ktivS0aB3NtfeC2+dw6CWt8bQxr3HyPs/XoM2nsbIpNx9i2mcar/mfbUiHVaxMQRjcv1QQIECBAgAABAocCwughplYECBAgQIAAAQKbgDC6eakmQIAAAQIECBA4FBBGDzG1IkCAAAECBAgQ2ASE0c1LNQECBAgQIECAwKGAMHqIqRUBAgQIECBAgMAmIIxuXqoJECBAgAABAgQOBYTRQ0ytCBAgQIAAAQIENgFhdPNSTYAAAQIECBAgcCggjB5iakWAAAECBAgQILAJCKObl2oCBAgQIECAAIFDAWH0EFMrAgQIECBAgACBTUAY3bxUEyBAgAABAgQIHAoIo4eYWhEgQIAAAQIECGwCwujmpZoAAQIECBAgQOBQQBg9xNSKAAECBAgQIEBgExBGNy/VBAgQIECAAAEChwLC6CGmVgQIECBAgAABApuAMLp5qSZAgAABAgQIEDgUEEYPMbUiQIAAAQIECBDYBITRzUs1AQIECBAgQIDAoYAweoipFQECBAgQIECAwCYgjG5eqgkQIECAAAECBA4FhNFDTK0IECBAgAABAgQ2AWF081JNgAABAgQIECBwKPADT0Qa+lQrJ78AAAAASUVORK5CYII="/>
+          <p:cNvSpPr>
+            <a:spLocks noChangeAspect="1" noChangeArrowheads="1"/>
+          </p:cNvSpPr>
+          <p:nvPr/>
+        </p:nvSpPr>
+        <p:spPr bwMode="auto">
+          <a:xfrm>
+            <a:off x="1069975" y="769937"/>
+            <a:ext cx="304800" cy="304801"/>
+          </a:xfrm>
+          <a:prstGeom prst="rect">
+            <a:avLst/>
+          </a:prstGeom>
+          <a:noFill/>
+          <a:extLst>
+            <a:ext uri="{909E8E84-426E-40DD-AFC4-6F175D3DCCD1}">
+              <a14:hiddenFill xmlns:a14="http://schemas.microsoft.com/office/drawing/2010/main">
+                <a:solidFill>
+                  <a:srgbClr val="FFFFFF"/>
+                </a:solidFill>
+              </a14:hiddenFill>
+            </a:ext>
+          </a:extLst>
+        </p:spPr>
+        <p:txBody>
+          <a:bodyPr vert="horz" wrap="square" lIns="91440" tIns="45720" rIns="91440" bIns="45720" numCol="1" anchor="t" anchorCtr="0" compatLnSpc="1">
+            <a:prstTxWarp prst="textNoShape">
+              <a:avLst/>
+            </a:prstTxWarp>
+          </a:bodyPr>
+          <a:lstStyle/>
+          <a:p>
+            <a:endParaRPr lang="en-GB"/>
+          </a:p>
+        </p:txBody>
+      </p:sp>
+      <p:sp>
+        <p:nvSpPr>
+          <p:cNvPr id="14" name="AutoShape 8" descr="data:image/png;base64,iVBORw0KGgoAAAANSUhEUgAAAqMAAAGhCAYAAABVv73+AAAgAElEQVR4Xuy9CbgV1Znv/Z75MCggMjghiCOIIM7zgAPiPGA0DiSKU0hyO+l8N33TSfftDP3d9NfdSSfXiIo4gBHnAScURBE1KlERh6goCCoKKsjMGb/nv+h1qFOnatfatdeqYe9/PU+eqKdqrbV/76pVv1pTVbW3t7cLDxIgARIgARIgARIgARJIgUAVZTQF6sySBEiABEiABEiABEhAEaCMsiKQAAmQAAmQAAmQAAmkRoAymhp6ZkwCJEACJEACJEACJEAZZR0gARIgARIgARIgARJIjQBlNDX0zJgESIAESIAESIAESIAyyjpAAiRAAiRAAiRAAiSQGgHKaGromTEJkAAJkAAJkAAJkABllHWABEiABEiABEiABEggNQKU0dTQM2MSIAESIAESIAESIAHKKOsACZAACZAACZAACZBAagQoo6mhZ8YkQAIkQAIkQAIkQAKUUdYBEiABEiABEiABEiCB1AhQRlNDz4xJgARIgARIgARIgAQoo6wDJEACJEACJEACJEACqRGgjKaGnhmTAAmQAAmQAAmQAAlQRlkHSIAESIAESIAESIAEUiNAGU0NPTMmARIgARIgARIgARKgjLIOkAAJkAAJkAAJkAAJpEaAMpoaemZMAiRAAiRAAiRAAiRAGWUdIAESIAESIAESkC1btsjMmTPl4IMPlsGDB5OIYwLLly+XF154Qc466yzp3r2749yynTxlNKPxaW1tlb/+9a/y7LPPyldffaVKecghh8gFF1yQ0RKzWHEItLe3y7vvvitz5syRTz/9VNra2mSfffaRyy67TOrr6+MkyWscETCN1fr162X27NnyxhtvyMaNG6W2tlbFc7/99nNUMiZbLgRQb5566inp3bu3TJo0SXr16pXYT9u0aZPcfvvtsmTJEjnjjDPkmGOOSSzvSs3olVdekQceeEB222031UZsv/32lYpCKKMZDD1E9L777lMy6j1Gjhwpl1xySQZLzCLFIQC5gYQ+/fTTgn/WB3okrrjiCmlsbIyTbGLXLFu2TKZMmSKbN29WDemIESMSyztuRosWLZJp06YpthMnTpRBgwappHDPPfHEE/LOO+/I6aefLsOHD++UhWmsvv76a7n55ps7XiB1InnhE5drJV7nov6nJaP6mfPaa6/JEUccIWeeeabU1NRUYlgT/c3edmXIkCEyYcIE6datW6JlyEpmFSWj33zzjVx//fWyZs2aUP51dXWy0047yfHHHy/Dhg2T6urqxGP1wQcfyK233iotLS3qoYi3VLwhNzc3V2xFTTwICWT4xRdfyE033STr1q1Tb8bnnXeeDBw4UA2VoUGqqqpKoBTxs3DxMI5fGrMrw2T0k08+URKJ3qF9991XLr/8ctWjqQ/TWD300EPy4osvqmtPPfVUOfTQQ1Uc8WBH28KjfAi4qP9pyegzzzwjs2bNkj322EMJkX4RNnlmeiOaRo9u3msUXgSmT5+uXoRPPvlkGTNmTObbfhfMKaMFqOLG/Pa3v5141zmGadAo9enTR6677jo1ZMOj/AhgGPfPf/5zl166rPzSMHHT5XPxMHb928N+E3p30WP64YcfytixY9XLqPcwiRXSQE8xuIwaNUouvvjisn+o4DdPnTpVli5dKpU2cuOi/qcho6tWrZIbb7xRmpqaOo0WoP5TRl23SFvT13UJL7FXXXWV6hCrtKNiZTSo4UTPI27MefPmqflemL+n3xST7Dq/8847ZeHChWoCeR6GayvtprH1e9N48BRT9kqS0SguJrHyPrhPOeUUOemkk6KSzf3fKaN2p6mY1DOblQbDxA8++KD85S9/kdGjR8v48eM7Dc9763SlvWzY5ByVFuJw//33C+aQYjTl/PPPL/sXWT8TymhALfHO48CfL7zwQjnooIOi6pO1v1NGraHMdEJJP3iKhUEZ3UbMJFaU0cqa014OPaNYHDt58mTBojsMz2OKivegjBbbasY/H6MyGGXAdJ6rr75adt555/iJ5fBKymhI0LAKFnPIsMIZc0exAME7oRu9qJjs/dxzz3UsVsBwOla8H3300V0Wn+iGC9lh4QQWOjz55JPq//FGes4553QMdwUVKaiXVJfh+eefly+//FL15KIHF6t2MV8Nw/z+I6ocF110kVqQoofe0MOD34OpA+itxfxGzKPdZZddZNy4cTJ06FCVxYoVK+TRRx9VKzEx1xU3FBa0hJUD14SVH6vJMW9mwIABXcqvRR1v6RgGRQ82REHvONC3b1/VI4Vh0rD5vvh98+fPl1dffVXNH8bLB+bkHnjggXLiiSeGLhwqNuZh7YH+DUF/D5tzhTmLWOz03nvvqXmN+G077rijKm/Qb/XHELF4+OGH5aOPPlLTPr73ve8FTj/xXhdVD/0P41133VXNO4PEgpVJHQD7jz/+WC3i0nUHdbhQHYhqZ5E35m0ixniYYugLDTuG38EuaAFTmEiaxArX6oVcQWUL6iXV8Xz77bc7WGEBA+ru7rvv3qlXpNhY6vr98ssvq9+v6wpWR6Ot8c9djXNP6ReVsFiYLNjyt0Uo12OPPabqgbf+oJ3BKmO0b977Xd+3aJ+OPPLI0Dm5cdpJ/bv8eWL+r77v0NbccsstBRfwFRuLqJcepIf5nWiLddu13Xbbqbb2hBNOKHr1PdrAe++9V7XnGB72by/kWkbB980331SjkZ9//nnHsyPsXvCL8ty5c1V7g+cSYoOYYAHW4YcfHlofgtp/MMQzBfdq0MJRXd/Rdl577bXy1ltvqZ1uIPGnnXaaYq+PuM8Jr3Ngncixxx4b1dSV1d8powXCGdZDuXbtWjXXDw/2oKN///5qeH2HHXbo+LNueFFRIbd4COFGxIGbAMMjM2bMECyk2LBhg2qM8RDt0aOHusnwoIco6u1+0BBhGw7IctCBhh3bQEFUvAthosqB1frehx/EFqIZtOgL5UO50RBArCGh/gON25VXXqkW6HgPTIdA+VeuXBlafqSN8nsPHRO8wYMFGjL/gd8bNhEcfO+4447QRWxobLB4Bby9R5yYh1UtDIthOycsVNJi2bNnTyUNeOiihwKNIw48cPGyEcYX5+CFAA9/74PEG0P8HbKuY1hokQHmjel6iDqIugieqIeIt7ceemUUMqC3MvL/bjwg8KDz3g84BxP38fDFA0XfC95rUYeD6kChFhgNut6exn8e+EJKUQf8q+nDZNQkVqgbYIZY4uGkXwobGhpUEfBQgTDpeGIo7pFHHlH3eFAZ8UDEw03ft8XEEg90yDbur6Bjzz33VHXFO+0ozj31t7/9TW1Jg/qJOqJfQFFPcGAxnr+XzV8er4zutdde6p4IakNQfy699FL1woJFHkEH6rh34Y0+J247iesRHwydotMhqI1BO4/OBJwXJN9xYlFIRqPaLtz/eEZEcde/Bfcf6gqY4iUF1/oPlzKK++Xuu+8OjSnq/3HHHac6NPwr+yGD99xzj3pWBR2Qa9QH/3qLKIZohxFLyLD30DIKxtiBA50CegcU78tmqc8J1De8ROJ++M53vlNRix4powWebEEyqvdi0z1M5557ruy9994qFTTQqEx4IOG/4WbQvRDeBzfOxU1y1FFHKflAD6Z3g+GoYXpvGfBQxVY0aEwgC5999pnaFgqSin+HWHkbJ5Ny+HvHsMIbm/KixwYNGN7K0YOB89BI4KZEwwxxwMMe/33BggWqlwwPl/33319tSaUbFJQfPa/oEQMHPLjAC40Pyo8GCg05HkIYrvD28Hp7qvD70NsDjngI4lq85eNayByu9fau4sGE3m48qJGvjh3yff/999XDFefgt1xzzTUdQhg35oWkCX+L6gXBORA8NLrgiN5CxAE9M5BG9Cbg7RwPQ39988cQ9RB1BHOgIfE4P2p1dzHD9Cgr6snZZ5+t6jLyR+8kRBNlP+yww9Q8KH14p8KgXkC+9IgCevlxH+Eew8PBdEI/6iauQ92DeGKUAj2NqAt4oXr88ccFO1XgMJVRXV6TWJkM0+t4oqzYWBwPWrQBeIhhs3G8XIGH9741jaV3WynEAtOLcD8iL/SA4Z5FXUGvEeq+lt1S7qlS5ox62yKUBfUTPf247/GCi9EYxBJ1BXUV9QjM8PBHTPGChZjixR7X+6dTldJOIu56hTn+GW0oemj79esnq1evVvcuJFULiV9G48YirJ55OeOlDh0NuJeRP9ouvDSh7UL5cL+YLHrFcwpD9OgQQNuN+yVJGdW/Ve88gXqJtgn3P17WIHz4G0bAvNvGYaN49EjjxdNbz8EC2yFihA68/G2iNyZB7T92wsA5QW2OfyQA+aIHFu0IFhvh3208J3RPdSUuXqaMhhiD9+b3vqVg6A8PDfQsfPe731WC5j0WL14st912m3oAeOfgeBveqEVRUTKqy+B/aOlyeG8K9GShcdI9ISbl8P72sF4tTHiHvOHwyxv+GxoGcEJZ0Xh6h4Xx8EDvJB4wePtDb4338JbR30hqNmik8PDx95xiiA8NFWQNOyF4/44HF+QtTHAgLJBVNNKQPt2bFTfmpcooHshY5YqHhb9h1Wl75cb7MPbGEG/zQXU1qnzFyGhQncY9gHihF8M/DKhZo1ctqBcb/x1D33ip8otsWLm9sUeaEFHvqADKgxcdMEtDRr3xxBx0CIW3x0dv8YL7w9vmmMTSuxAl7J5FjyxkHfUBL1t4gOIo5Z6yJaNhPNDLjZd8HH6Jxn9DPcH2aKhP/t69UtpJPZcSLxhoQ771rW91ihV4Q6bQW4vDK6OlxCJMRvHijnZN98JidC3ouYO/oxfZZM9fvZ0ZJB8jeXrKlTddVz2j3p0nghbseO9/784U3jYl6LmDsqO+4PmCOOhnsDcmYe2/V1b9HSheGQ2qq8jXxnNCzxtFu4ARRb9fRLXZef47ZTQket4eKT1/w9vwhq14856D4Tlci8MrWH5J8hehkIx60/ffMN50MPSCIRgcYVIcVg6TB4z39+Chj94K/xEmM+i5xMMjrIfOO3fGP99Os8FQCebe+uf3eN/2vdd60/TGxVtmNFjY7w3l1itHS4l5VMMQ1duGcqA8kHY0TP6hI6SPhw/2pMVLUJjA4MGEB1Sx+5YWI6NhdQkNNHo5/FMD9G9HTw7EKOjLI/qcsPlsfr7oEUFvMeb/Yl4XpMy0Tkb1akbFCvlEpaHjiRfDsAUK+hz0/OE3oBfcWwfDYolesRtuuEH12oXNN/Oe433Ji3tP4TebtBVh94HJAiDNHfd52MM5qL0stZ3UPVRoo8LuvbDylxKLsHoGwYKY67bALyloB9BDipdw3VMX1f7oTgFMJ/F+ACIJGfW202HPD2wXhvoMecTLLgQNvabozcVIQlhvrld09TPAGxNs24Ze7qAD7QfaEYy0eV/YvG1hUD209ZzAsxEdEJBxk3nXUTHO098po75ooRJgeFEPf3qHPbwVpZBQ6sbRu/DJpOHVRSkko94yhN2MSCfsZjcph8kDxvvgDbtpomQm7Ebx5h8mo2HbXoVdq3sB8HcMgfq/sKPLgl5lNOh4CEEaSol5VEMQJTh6/lCUjGnhg4ThE4IQP5MYRpUvKn4mdck78V9/3hAPToweYMi8kCjrayGqWszCyuxNM2jBob4u7DdFiWRUrExkVMcz7EXK+9KKHiDdW2USyyhZ8Yuj94UsaiSm0P1oUrZSZDSo/vjTCyp/qe2kyb0XVv9LiUVYPfP21EJEMb8z6GUr6p72/t2EbTH7jBaz9ZO3hxM99XiWYX1C1EdmtEDj5QQjfv65/fh96FRA5wN6fCHaOFfHBOmH9QLj2rD2PqottPWc8PL2js4VE9e8nluxMmoSMP9iFt2FHrTwICg9rzCZPLhNZNS0Gx9ChXmZmHfnbSRMymHygLEho0gDi3PQwOCfgxYv2JJR7wMirBcgKIalxDyqjhUSHO/igqiezaAeDpMYRpUvqgE2qUtBDzxvL3VUGfB3/5B60DXe31toWD8tGfXG0+Q34xz9kmcSS92TZ5q2t00oRxkttZ3UTAotJAmr/6XEolCb4B2twygHnk+YR47pCVggWuznO13KaNguFN5nov/TuXj5x+gP6ibm6Abt7R020hJV73VMvC/sQdegx/VPf/qTmjvqffZEtYW2nhNRL8VRvzPPf6eM+qKnt0HBDY4Vwt5h4KjtTPwVwYWMRt0U3jJ4t2zR37Q3EQiTh1+pMoqGFYuNtNhjWEQvqPGu0LUlo8VwC+o9ML3Ji/lQQaEHj0kMdJn8W+Sg562Y68N+WxQzk7oU9MArprcljowW2nA+LRn1xsO0LhUjo7oumaZd7jIaVXej2smgttPPNqz+lxKLqB54TG/CXHx0Mnh3oMBzCivP0eMdtTBR/w79VbFCu2vEnTNqIqMoB+4LvVAN/6wPPIfRU4reQe8C1ig+YfXf9LqwUYCo+lSKG3jLTBk1bcFyfl7cG0v/bJM5NmGITB7c+tpCPRWmb/xhMmJSDhORKUVG9WpIDIkfcMABao9VvSWMbqC8+5x6v2QTtxcnbs9oKTGPul1s9YwGNZQmMYwqX1QDbFKXgmQ0rPchqjyF/h42V9t/TVoyGjZSYfKbTWKJXQueeOKJLnNzTdKPe0/579Vihmlxbdz64/9NQeUvtZ0MmmplKqOlxMJUmvASjzmV2A4LUolpWTiiFsd6f0OxPaPFxtek7ulzINZYqImpO+jFxD686JTwL7503TMaJoNRbaGt5wSH6YupNTk+t1QZ1fMOIVFRi5BMG64gnKZzRguVIctzRvVCk7C5kGnOGfXHo5SYR90qUQ8ekzmGyCNvc0a9YhY1BSGKof57sfNQ01hNj71IsR1QoTmjQb/XREa9D8NiV+GWo4yazuELaydN7r0wmS4lFlFtQlD9gMi99NJLauEN/tn0i4EmAlXqM9P0/g1qd/V+0N6FuiZzRoPyNJnHi+vizhm19ZzgAqa4NSZn15V6Y3kbrkIr2YOwmPQC6OsKPRwgwth+CJW/1NX0YQuPTB5+pfSMRg2BBa2GNGHj76kpdjU9rtebnGOICHsxlhLzqNsj6sGDPfOwx2ipq+nj9mhE9QaY1Omw3hf9sC+08j2Kn//vmmehPfrS6hn1vjQUWqEdV0a9D7FCq4WLffktdE/5/1ZsPSul/nh/R9h+0KW0k6gn2Mmi0ErzsPKXEougNgGCiRdODNFjwQ6mj/l3xvDOwzbdCi3NrZ3Qc409ZDEvFF/b846M6djqTgts4YQFjFhVb7Ka3vvhDv3BCe8CsFJX0wetObD1nNBbeIFBsS+VxbaXWTu/YueMFttw6sDpvSrD9rnEeXgLw9AJ5rvor+KYNLymwqX3Mwvbp9N0n9G0ZFT3EAVt6+PdDB3/bGvOKNjq2GF1NrbtQP7eAw0WHmCYvO7dHiduzKNu9igZ9e5LidX/2J7Jv0jBZJ/RuHU9qufEpE6Hyah3T9CwffswnI9PmOKBYrLfnsk+oxAM/K40eka9D8Sw4VR8lQu/GTsCIOaQDpOXQ//q5KB9ZXE/4esueKBjs309t7CUntFSph+UUn+iZFTLP+ZXxmknTfYZRbuAz0Hj8LalpcQirE3QYoY9m7GK3L+SHvcKtgTCBz0KzZn2cktz03s9jQKijZX0WKPhPVBX8cKKvXG98/D9exdDDP0ii+kLmObl3ZPVu89oWPtvss9oocWUNp4Teh5v1EKrqGdLHv9OGS0yal5BQCOHRh1voniDhgRCFLEtFFaGYy8zTCrHYdLwmspooS+LRH29wqQcJg+/UnpGdY8fGgisVsW3fbGvItjiq03YL09/2cS/B10pD07vF5ggouj5hBTgwIIA9IqiMfdvphw35lFVK0pGcX3YF5hQvzDkq7+E5f8cokkMo8rnHXrCl66wkbz+1CUkyaQuhcmo9+GAtNDLjxcA9GrigYM6ACnDAwIfRcDHEfSncMPK7f8CE77MBZHFwwpz0LLwBSb9IonfD8HG18ew+Tz+HV8QwwMYG/2jfmIvUjyUTGPp/WgDepHOPPNMNScbLzCQFWzQjvl4WByCBY16e7NS7inEQr9cYiEMpAxlR55RC2lKqT8mMlpKO4n0vV9gQv0cO3as+oAH6iT+VugLTHFjEdYmeNPzfnUI9463zS+m1927w0NYb2qpo4lh9ypEEfum4j73fkUQdUY/R/XX2/w9md4vMHnvIf2de7yABH0FsdAXmHDvYRQKvdpBn7COGiXC77TxnNAvHfwcaNTTKed/t3VjRX1XHY09Pm8IkdI9WSYNr6mM4jyTby6jZxab8wd9mx4PuLR6RtEI4pOlkNKgA9uUoIcIE9r9cwpLfXBGfZsYD1Jw0V+n0eWLE/Oo28VERk2+TQ+hxvxh78bxpgJTqIzeB4Y+r9gdIgotkkD6eAFAPdAvH/7yBP22QmX2Coj/PNyX2AoHPag4vMNtUatYTWIVlQbyxAMTIoP0vKuhvWX118FiYonfho9d6AUtfgZ42PvbhVLvKf3FG+/WbCYbdpu0iSaLbAqVP247CW6F2im0qXhJgiSCddDvjROLQvUs6nvsGK2DMOPF0fQDF3rLo7D5+7aemUH3bFRscA1GCPD1K/82T1EswtqNqPYfL3HYw1V/4luX20RGcW4pzwnvfR724YqoZ0qe/86e0ZjRw4MUb8bYJxNvprrHCCKFnj58E7pYCSxGRnFuWBkw3xE9tt4tMXTaJg8Ak4dfKT2j+qGMXj88mMEPMoKhJ/QkY8gGPUTg650vhOtKfXAiDfw+9FChIUaDiAO9OvjWMP6HXu6go9iYR1UtE8HRaaBnb86cOep7zRAuvQUZvuWNz+X5N4s2iWFU+fB39KjpebSIEfb/Q68aemBM6lKUTCBNzJMCCzy8wRgPVdQF9IjgtxW7fyLSwIcrEGPUU6SH+xEPapQbnxlNS0YLxRN1EJ+89NfBYmPpr99gjN5hiDh6t/1DvKXeU0j/9ddfVwtoIGYQXsgZ6kqhw0b9MWkT4rSTutxo19FOoX5i6B5tOr6KhfsOwoM9KdGGFHqx97Y1UbGIahNQn9FjiKkmuDeRHkQNscXcywEDBpjc1h3n6OkImHMatBm8Sxn1PsPACGXBC42+X3H/Q0bDNsLXLNDGoFdSt4noCCrUbgTdHxiZw3QmTHHwf9UP5TSV0ULP5TA30MHQ04zw+8O+0FZUcHN2ckXJaM5iw+KSAAmQAAmQgDMC3uky6ATA/M1iX/6cFa6CEkYc9BzkSo0DZbSCKjx/KgmQAAmQAAl4CWBoGYufsBitmK/TkaI9AjoG6InHArWddtrJXuI5SYkympNAsZgkQAIkQAIk4IKAXqyFhTMTJkyIXHzmogyVmqaem4xpaZhGg+kWpnN+y4kZZbScosnfQgIkQAIkQAJFEqAQFQnM0unerQyHDBmiXgT8i7UsZZX5ZCijmQ8RC0gCJEACJEACbgnonSiwkAafaMZCOh5uCWAf1QceeECwuAmL4Lw7orjNOXupU0azFxOWiARIgARIgAQSJ4At9R555BHBhyj0HsyJF6KCMsSeqS+88EKnD+RU0M/v9FMpo5Uaef5uEiABEiABEiABEsgAAcpoBoLAIpAACZAACZAACZBApRKgjFZq5Pm7SYAESIAESIAESCADBCijGQgCi0ACJEACJEACJEAClUqAMlqpkefvJgESIAESIAESIIEMEKCMZiAILAIJkAAJkAAJkAAJVCoBymilRp6/mwRIgARIgARIgAQyQIAymoEgsAgkQAIkQAIkQAIkUKkEKKOVGnn+bhIgARIgARIgARLIAAHKaAaCwCKQAAmQAAmQAAmQQKUSoIxWauT5u0mABEiABEiABEggAwQooxkIAotAAiRAAiRAAiRAApVKgDJaqZHn7yYBEiABEiABEiCBDBCgjGYgCCwCCZAACZAACZAACVQqAcpopUaev5sESIAESIAESIAEMkCAMpqBILAIJEACJEACJEACJFCpBMpSRjds2CAvvfSSLFy4UMaPHy+DBg2q1Pjyd5MACZAACZAACZBApgmUjYy2trbK0qVLZc6cOfLRRx9JW1ubNDY2ysSJEymjma6CLBwJkAAJkAAJkEAlEygbGV20aJFMmzZNCejo0aPliy++kE8//ZQyWsm1m7+dBEiABEiABEgg8wTKRkY///xzwfD84MGDpaamRu6880557733KKOZr4IsIAmQAAmQAAmQQCUTKBsZ9QeRMlrJ1Zq/nQRIgARIgARIIC8EKKN5iRTLSQIkQAIkQAIkQAJlSIAyGhLUpqamMgw3fxIJkAAJkAAJkAAJlEagvr6+tAR8V1NGQ3B++OGHsmbNGquwmRgJkAAJkAAJkAAJ5JnAfvvtJ927d7f6EyijVnEyMRIgARIgARIgARIggWIIUEaLocVzSYAESIAESIAESIAErBKgjFrFycRIgARIgARIgARIgASKIUAZLYYWzyUBEiABEiABEiABErBKgDJqFScTIwESIAESIAESIAESKIYAZbQYWjyXBEiABEiABEiABEjAKoGylVGrlJgYCZAACZAACZAACZCAEwKUUSdYmSgJkAAJkAAJkAAJkIAJAcqoCSWeQwIkQAIkQAIkQAIk4IQAZdQJViZKAiRAAiRAAiRAAiRgQoAyakKJ55AACZAACZAACZAACTghQBl1gpWJkgAJkAAJkAAJkAAJmBCgjJpQ4jkkQAIkQAIkQAIkQAJOCFBGnWBloiRAAiRAAiRAAiRAAiYEKKMmlHgOCZAACZAACZAACZCAEwKUUSdYmSgJkAAJkAAJkAAJkIAJAcqoCSWeQwIkQAIkQAIkQAIk4IQAZdQJViZKAiRAAiRAAiRAAiRgQoAyakKJ55AACZAACZAACZAACTghQBl1gpWJkgAJkAAJkAAJkAAJmBCgjJpQ4jkkQAIkQAIkQAIkQAJOCFBGnWBloiRAAiRAAiRAAiRAAiYEKKMmlHgOCZAACZAACZAACZCAEwKUUSdYmSgJkAAJkAAJkAAJkIAJAbcdXrkAACAASURBVMqoCSWeQwIkQAIkQAIkQAIk4IQAZdQJViZKAiRAAiRAAiRAAiRgQoAyakKJ55AACZAACZAACZAACTghQBl1gpWJkgAJkAAJkAAJkAAJmBCgjJpQ4jkkQAIkQAIkQAIkQAJOCFBGnWBloiRAAiRAAiRAAiRAAiYEKKMmlHgOCZAACZAACZAACZCAEwKUUSdYmSgJkAAJkAAJkAAJkIAJAcqoCSWeQwIkQAIkQAIkQAIk4IQAZdQJViZKAiRAAiRAAiRAAiRgQoAyakKJ55AACZAACZAACZAACTghQBl1gpWJkgAJkAAJkAAJkAAJmBCgjJpQ4jkkQAIkQAIkQAIkQAJOCFBGnWBloiRAAiRAAiRAAiRAAiYEKKMmlHgOCZAACZAACZAACZCAEwKUUSdYmSgJkAAJkAAJkAAJkIAJAcqoCSWeQwIkQAIkQAIkQAIk4IQAZdQJViZKAiRAAiRAAiRAAiRgQoAyakKJ55AACZAACZAACZAACTghQBl1gpWJkgAJkAAJkAAJkAAJmBCgjJpQ4jkkQAIkQAIkQAIkQAJOCFBGnWB1n+h/Pr5FHnujxX1GOcnh2H1r5Sen10uPhqqclJjFJAESIAESIAESAAHKaA7rwZ+ebpL7X23OYcndFhlC+s/nNbjNpITUH3i1WR5c0CJtbe0lpFI+l47avUYmnVIv3ev5AlE+UeUvIQESIIHiCVBGi2eW+hXn/G6jrNtEoQkKxJyf9Ug9PkEFePyNFvmPx7dksmxpFuqwoTXyr99qTLMIzJsESIAESCBlApTRlAMQJ/sx/7ohzmUVcU1WZfSHt2+Stz9tq4gYFPsj75zUXQb2Yu9osdx4PgmQAAmUCwHKaA4jecn1G+Xzb9gzmqee0R9P3ywLl7XmsLa5LzJl1D1j5kACJEACWSZAGc1ydELKRhkND1pWe0Ypo+Exo4zmsBFikUmABEjAIgHKqEWYSSVFGaWMJlXXksiHMpoEZeZBAiRAAtklQBnNbmxCS0YZpYzmsNqGFpkyWk7R5G8hARIggeIJUEaLZ5b6FZRRymjqldBiASijFmEyKRIgARLIIQHKaA6DRhmljOaw2rJntJyCxt9CAiRAAhYJUEYtwkwqqTAZPWSPGrn8mHrZc0C11NeKtLaJfLa6Te7+S7M8sTD6a03YfHzCsXVy4vBa6dNj61Y7m7a0y4IlrXLbvGb5+MvCWxP99uJGOWhIjXy1rl3+z8wt8vrSbavH+21XJRNPqJfD9qyRno1b0167sV1eeL9VbpjdJBubOu8O8P99u1FGD64JRPplQPr6RC5gSqoW2suHPaP2WDIlEiABEsgjAcpoDqMWJKMHDq6Rn57RIDtuXyVfr2+XJava1N6NO/eplo1b2mXKs00y87XCQvrTMxvkpP1rpaVVZOmXbbKpqV32GlitvpDz4co2+eUDW+STr4OFdMIx9XLREXVKgv2yiOv/5fwGOXBIjUpzycp2qaoSJc11tSJ/XdIqP71rc6dI/OHybrLfLtWyYk2bbPF9bGrNhq2/570VXctSLjJ62shaOf+QOhm0Y7XUVIs0t4p8tLJNbn2uSV79KHqLqFJeLHbdoVr+6bwGGdq/Wr2AXHHTpk6xGbZLtVx6dL0csFu1dKuvErxGrN7QLs+83SK3z2vu8mIRdYtRRqMI8e8kQAIkUN4EKKM5jG+QjP7j2Q1ywvBaefuTVvlfM7Z0CMHPzmpQPZ1vfdIqfzets/B5f/oRe9XIT8Y1SGN9ldzybJPg05U4Dh1aIz85vUH1Zt4+r0n1svoPLcLoTa2uFiXD3p7Rcw6uk6tOqJfNTe3yuye3yPz3tsrUWaPrZOIJddLWJvK7J5vkuXe3yfLUq7tJv+2r5A9PNsnTb0X36pZTzyhE9Jox9Yr5itVt8tmadtm9b7V60YDo/+fjW+SVDwsLaSkvFoj3qQfUSnWVdJFRxPpHY+tl5x2qVZw//KJNeveoUuXDi8Xst1rktzOL+9IUZTSHjRCLTAIkQAIWCVBGLcJMKqkgGZ0ysZvs1rda7nqpWW6b19RRlOP2q1Xy0NQqShLQCxl0nLx/rfxwbL3q4frZ3Z17QPWQOYb6//2xzqKhez1H7l6j0t5/N/TESicZ/c6x9XLxEXWqJ/OHd3TuZYN07tKnc7lH7FYj/3hOg9RVi/z741vkpQ+iewLLSUZ/f1mj7L9bjZLzXz24lTc4//KCBhk1uEbmvt0iv3k4XPhKebHQItxYVyW11SLLvurcM6pfehZ/3ia/uHezrFq3dXrFeYfUyZXH16ue7397NFqWvXWQMppUy8F8SIAESCCbBCij2YxLwVL5ZRS9Vf9wZoN0b5AuPYn77IQh10bZvlvXv3kzGTO8Vv7H2HrZ3NxZWiFBv7usUYb0q1a9pZPnbBNdXA8BueDQOln+dZs8vKBZrj2pvouMXnZ0nVxyVL0acp906+aOXlsM9/78nEbp1b1Kbp7bJA8t2Nrrinmn6Nlrb+8stSahyvswvRbxHvUi//fpJpn15rZe4W8dXicTjq2XL77pzNHPJe6Lxe47Ih4NgmH615a2ysFDauTT1Z1ldPIV3WSP/l3rQqE6GBU3ymgUIf6dBEiABMqbAGU0h/EtRkbx89D7OLB3degwu+55U/M6B9fI25+2ytTnmuWzr9vku8fVC0QVw8O/eXizvOP5vjqG8H+Mof06kRvnNKm5puhd9feMaskZ3K9a9XJiGgCO606qV+L5wedt8pM7t0mqlqnWVpHmNulYTLV+U7vMfrtFpj4bPi8x7zKqf7ufIXjpXu4tLYUlPe6LBV4AcO3rH7fKu5+2qd5sv4yG3S66NxbzW/1TLqJuMcpoFCH+nQRIgATKmwBlNIfxjSOj/qHwoJ8NaUTv6AG71agFRvrAYqg/PtUkCz/eNlzuHZ5/9PVm+cOsJikkUhjG/8Ep9aqHVR/o+Xxzeav815NNnVbq6x5ALIZav7ldiXCf7lXSq0eV6i0tNC+xnGVU9z421BYWvo4FY0W8WJw5ulYmqmF2kd8+ukVGDqoxllEI7IWH16kFTy9+0Cr/dF/43OSgekcZzWEjxCKTAAmQgEUClFGLMJNKypWMfv+Uehk3qk5a27aueN/S/N+r6Ruq1Aru3zy0bWEUhucvPKxOrbLXvZphMgo5+snp9XL0PrVqZT96QhvqqmRIf8xLrJKnFrXI757YNgcSUgw5ghjd9eK2XtAfnlovp4+qU/MSw3rfKkFGg6Zj+OteMS8Wuud6lx2qZdrzTWresZ7nG9YzqsV4x+22vrWgtxYvCZMDtumKui8oo1GE+HcSIAESKG8ClNEcxjeOjEYN058+qlauPrFeSQUWKenV2lpUsMXQg/89Z1SvsK+pQg/dttXxYTKqxQbbQv3ywS0dvaB6mH+7xs4r+MNCAqn944RGNafRv1BLX0MZ3UqimBcL7LiAnRheXtwqP793a69mlIwiBmcfVCs79KhS20/h37H6Hi8W//E4V9PnsFlhkUmABEggNQKU0dTQx8+4GBk1XcCE7Xywkhob3Pv3/Lx2TL1aLY19Lq+dukl+Nb5RjtwreEN676/S+41++8g6NRf1sdc794Di3F+c0yDHD6tVw7tYnR11FFrZj2srQUajhumLebHQ22th79Zf3LftRSFKRv1x0sP8WFv/x1lNMudt8+242DMaVev5dxIgARIobwKU0RzGt9DWTtgHdOpzxW/tpGU0SAqvOK5eMI9z+VdtMnHKJvXPQ/pvm/upEaLnEl+B2tLSrrZ5wj6UD/+1Rc1DPXD3Gnnkta1zS70HFs2cMqKzBGPFNhY73flCk0yb33lf07AtrCqhZ9R0AVMxLxZgjQ8bRB1Bm9/7r8GHCvbdOXjXhULpU0aj6PPvJFDeBFaubZc7nm9SeyoHHiH/ueNczxqHTteHXRd2vr642Osslw87zFxyVJ36MEylHE5ldPXq1TJr1ixZtGiRNDc3S7du3WTkyJEybtw4aWxsDGW8efNmmTp1qixdurRgHAYPHixXXHFFR1rIZ9q0aYHX9O7dWyZNmiS9evXKfWyDZBQCMnZkrSxZ2Sa/fmhbD1fYpvfoqcT8Tf0VI90T9s2m9k7D9PiMJ7aGwteQova3DBum12X7eFXnYXps7fQPZzXIgF7Vct/LzWp7Jxx/N7ZBzjiwVq3q927gr/eybGppV0PBevN8b0Dz3jOqt3bq2SBy/dNNnT7jarq1UzEvFpj7i48L+I++PavUIqY1G9vVNk+r1rarXRAK7cxAGc1908IfQAKJE8Ci1Ctv3hT5uenEC5aBDO/6fnfpH9A+Z6Bo1ovgTEbXrFkjN998s3z11Vey9957C8Tx/fffV4KJf54wYYKS06CjtbVVPvroI1m/fn3g37/55ht55pln5IADDpDzzz9fqv576ferr74q9913nwwdOrSLdHbv3l1OOumk0Dytk3WYYNTnQPFt+MVftMnOvasEi1Kw4Mf7OVAtnus2b9ugHHP+fnFugwwdsPV8LGDC39FrtkNPsy//hMkoxBeChM+Trtu0dQETDqS9XbcqNfzvFWg9TxW9r+hdxfnbd6tSb4m1NeW9mh5cMBUBzF5f0ir/fP/WRWNhm97jv4/cvVqwCb3egN7Gi0XYMP1vLmyUw/eskdeXYtX8tgVt+Izs90+uV58u9e+PGnUrsGc0ihD/TgLlSwB7KeNDGTy6Erj8mDrBp7Yr4XAmo48//rg899xzShYPPfRQxbK9vV1mz56t/nfhhRfKQQcdFIsx0n7xxRflyiuvlCFDhnSkgXTnzZsnEydOlEGDBsVKOw8XBckoyo3tk7A9D6QN2yK1tol8trpNfcITX0/SB3rYLj+mXvV6YbESxAIHekEnnlAvhw2tkZ7dqgT9ZRDTN5e3yfT5TZ32GA3iVGhrJ/098xG7Vku3hq09cdi2CYtmpsxt6hApnW7Y989nL2qRG5/pPNTvLUvee0bxW7yfA8Ver8u/bpdBfatkpz7VXT4HqufQLlq+7XOvNl4swmRULzrDKnr9ooAFaNgZAV9tev5vLWqRWjEHZbQYWjyXBMqLAGU0PJ6U0RLrelNTkxpmxzD9ddddJxgi18fnn38uN954o+yxxx5y6aWXdvRqmmaJNG+66SbZaaed5JJLLpGamm0LaWbMmCGLFy+Wa6+9VnbccUfTJHN3XpiM5u6HOChwOcgosKCn8aLD69RKdfQ2NreK6kG+9bkmtc2WPn55QaNgw3nM0f2HGdsWgJX6YlFoARPmBeNlBvuKNtSJtLWL+ozs3Hda5PZ54R8kCAs3ZdTBjcAkSSAnBCijlFEQcNIzimH066+/Xkmod06n6g1bv14mT54sGDb3/83k3kHP5xNPPCGXXXaZDBs2rOMS9LpOnz5dli9fXjZzQ8N4UEbDa0q5yKjJvVAu51BGyyWS/B0kUDwByihlNBUZ1YuTNm7cqHowe/bsaVx7161bp3pVt99+e/nud78rdXV1HdfqdDFXFRL8ySefSEtLi5o7euqpp8ro0aOluro8VqZRRimjxjdNDk6kjOYgSCwiCTgiQBmljKYqo5DGYle3v/LKK/LAAw/I+PHju8w31T2uK1euVAKKRVJr165VPaVYEHXyySfLmDFjip4W4Oj+KylZyihltKQKlLGLKaMZC0jOi4P58dj5AVNHeIgM6FUl3z+5QY7cO3pv6DR4UUYpo7mS0U2bNqnV+ZiPes0118h2223XKYJtbW2qNxRSuu+++3b0gq5YsUJuvfVWtbUUrhs4cKDR/fbhhx8Kem+zePxyziD5emNtFouWepl+f+ZHqZchqAD/98WdZPFXwbtHZLLACRbqn8Yskx26m2+Sn2DRmFXOCCz5ulH+64Wdc1bqZIr7zyctkz7dsnefvbJ8O/nzG/2SgZCzXMbuvVrG7rM6c6XGjkWYamnzSHzOaNxh+jfeeEPuvvtuOe200+TYY48tigFW2T/11FNqnumIESOMrsWUgKweV99eLSvXZrV06ZbroR9s3TYqa8fPH6iStz6N2mk5a6VOpjw3TWiT/tsnkxdzKW8CM16ukhmv8D4LivIPT2qXE/fLXm/xM+9WyR9mM2ZBMbvo0Ha56LDsxQwLx3Mvo3EWMKFXE72bq1atUvNM+/btW1SLqjfDP+WUU9Reo3k/OEwfHkEuYMpf7c7yMD2+OvbAghbZ0py9B0IakR7Sr1rGH7Ztrn4aZSiU5+3PN8kdz3f+alvWyphWef7nGQ1y6gHZG1HjMH14jeDWTiXeLXprJ2x4j3mhpW7t9M4776gvKx1zzDHq601Bx/z582XmzJly+eWXy/DhwzudMnfu3I4V+KY9oyUicHo5ZZQy6rSCJZx4VmUUIvqdGzclTCP72R2/X636QEYWD8poeFTyJqP4oMeEY+vkxOG10qfH1p7TTVva5eUPW+XGOV33pvb+cv0Vuqg6ivnFc95ukX84s0Gwd3Kh48t17fJ/Zm7blxvnoowXH1knJw6rlb7bbd2b+66XmuW2eZ33wu7Yam/PGunZuDWftRvb5YX3W+WG2U3qwyZBB2U0KoIGf8fQ+NNPP91p4VChTe8xfI+uX+8KeWSDxUfYsmnJkiVy9dVXy847B88H+uyzz9T+o9gEH/uX6v1HN2zYIFOmTFGLmXD9gAEDDEqf7VMoo5TRbNfQ4kqXVRn9r1lN8shf2csWFM0/XN4ow3fN3oIYymj5yCiEEj25La0iS79sUx9gwQddujdUdfo6XdAvxnX4il3Ygc8u79CjSqbNb5J5f2uVsw+qVV8DDDp6dauS0YNrVBl+NG1zhzjiS4H/eE6D7NG/WvBJ06/Wt6tFc0+80SKPvLat3YCw/sv5DXLgkJqOrxvio5H4LXW1ovaI/uld2/aI9paBMlrcsyTwbO/nQLGgCJvcY0N6fBLU/znQZcuWKWHERvVXXXVVp092QkJvueUWGTVqVKdPf/ozhejOmTNHCXC/fv3U+VjUtGDBAsG+p1xNbyGoOUiCw/Q5CJKviFmVUXyiEEOIPLoS+M9LGtUX37J2UEbLQ0bxpTf05Harr1I7Izzw6la5w3+HpHavF7l5brM8HONl8eyD6uSqE+rU1+x+fu8W+eTrwusMfn9Zo+y3S43c93Kz3Dx3a4+nVzDxlUP01KKXM+g452DkVy+bm9rld09ukfnvbT3vrNF1MvGEOmlrE/ndk03y3Ltd2xrKqKUWBr2R+HQn5mxi3ie+RT9y5Eg11N7Y2NiRC77KBBlFryUWGem/6V7RDz74oMunP4OKCPnEQif0ymKKAA7ML8VcUeSrv2Fv6eellgx7RsPRU0ZTq5axM6aMxkaX2oWU0dTQx844T8P0lx1dJ5ccVS+fft0mP7h9W28kfvyvxjfKkXvVyFOLWuS3M4v79DCuxyeUDxjUWS7DoJ4+qlauPrFe9Xh6xVUL7cYmUZ/UfuXDYBFFuvprdu+taJMf3tF52s/Uq7vJLn2qA4f2cS1lNHZ154VJEKCMUkaTqGdJ5UEZTYq0vXwoo/ZYJpVSnmRUz/l8bWmr/D9/7jyE/cNT61Wv4usfd/1bFMsxw2vlB6fWy8YtIr9+aLO882nhXtHfXNgohw2tkUdfb5HfP7lNfCHE+Azz3Ldb5DcPFxZiLdYr1rTJpFu3ifWwXarl5+c0Sq/uVarH9aEFXacEUUajIsq/p0qAMkoZTbUCWs6cMmoZaALJUUYTgGw5i3KRUd3TuGRVm1w7tbgFhr8e3yiH7Vkjj/nkMgj1CcNq5X9AXJu6iit6NAf0qpa577SoqQM79Nw63xQ9qI++1iKYLqIPzC39+TkNMrhftbz0QauadoDjupPq5aAhNfLB523ykzs79/7qaymjlm8CJmeXAGWUMmq3RqWbGmU0Xf5xcs+bjIatZn7mnRaZ+mxz6GpmsClmZTaGbHGcvH+t/HBsvZpbGHRgFbc+F3/H0DEWyQQdQau4cd7R+9TI2aPrZM+B1fLwX1u6rOD2p1VuMvrp6ja54iZzGQWvH41tEKxbx3zwQkPrYIcdI47bt1YJp7f3EwujsPoeq+eR2NpN7WrxUkOtyMDe1dLaJnLfK80d0om0ML/6B6fUC7ZG0wcWPb25vFX+68km+fjL4B5aymic1onXJEaAMkoZTayyJZARZTQByJazyJuM/vbiRtULhRXZS1a2C1YzD+2/dTXz7LcKzz0sZmX2n1/cOtSqF600t7bLqrVdt+15/r2WTvuh/uHybrLfLtWCodwtvtHaNRvaZcqzTYI5h+hlG3tArRy3X63077V1KyGsNg/aTogy2pnAP57dIOjt/MviVvn5vcGr1/UVegFVbbUIdtWAkOrDK6OvL2mVf75/S8fLzI9Oa5Bxo2pl5dp2+eUDm1XM8ELyk9Pr5eh9amXjlnbVE9pQVyVD+ldJbXWVmvv6uyeCh/opo5YbLiZnlwBllDJqt0almxplNF3+cXLPk4zqxSaQvKDVzE0tZj1lQZzCVmbroWT0fPnnPAalg2HffttXyR+ebJKn3wrfwUH30kJAP1zZprYnwh6clSijxQzTa4FsqBP546wmtbdooeOnZzao3m3safqP93QWV51W9wbpEi/9tx4NItc/3SToAdd1Aav2f/nglo5eUAjvj8c1yHaNnXcM8JaLMhqndeI1iRGgjFJGE6tsCWSUNxktZci30HCsRh3V0zXhmHq56Ig6qa6K7hE7bWStXDOmXj3w/EPD3tAWO+SbJxlFb9XpB9bK6wGLYSZf0U0Nnd79l2aZ+lznjcpNqn7Yymyd53PvtMivHiq8wAV7XmK/yrpqkX9/fIuaVxh2fOvwOundvUqefLNFSU3UamxvOuUyTB9nAdPfjW2QMw6slbc+aZW/m1a4V1QvLNq+W/D2UYVkFLz9MUEdwTWYp+rvAf3FOQ1y/LBaefGDVvlFQG8tZdTkLuQ5qRGgjFJGU6t8DjLOm4yWMuQLmRjSf9u8MS/OmipRQ8nV1eG9N3io/fSMBtWLFiWtu+5QLf90XoMajsbhl9FShnzzJKP6BSBIxvU2QYVEPazKF1qZjZ61U0bUFnwB0Oki5jgfcwj9X/iJut3KVUbDVqCDR7FbO0XJpZ+xibiql5j+1Z32HkU6QaKqZHT3GrUR/h9mdX7h0fVkQcjG95TRqDuAf0+VAGWUMppqBbSceZ5k1OWQLzbGvuCwOnn30/DeG4gwHmwQFxyFhmcxpAshamkTtbjCL1ylDPmWi4xqBmE9U4WqeqGV2RCQkYNqZNW6djWUXl8ramHL4i/a5NbnmuTVj7b1furFTq2tIs1t0vHpy/Wb2mX224UXWJWrjGqp275bVafFQGGb3mO0Agu5Fn7c1mUx2rVj6uXcQ+pk6arOX1AKii1e0H51AV72qtXXmfQcYP+5Ok3sg4qFaHqLqO+fUi9njq6TFavbOvYlRR0bO7JWPl7VeZgekvwPZzWoVfneDfW9eVFGLT9smJxdApRRyqjdGpVuanmSUVdDvujF/N/nNcjA3thzMPjLMlceXy8XHFqnvhhTVyOyU+/wzbLPHF0rE4+vl03NohbQ4MHnl9FShnzLTUaD9rMsdFdErcxGz9leA7eurMZilta2dum/fbWSUgjqfz6+bTU34jDh2Hr1t/Wb29WXgfp0r5JeParUS0ehBVblKqNg7/0cKCQeXzAC057dOn8OFAuE/jihUXbvV91l30/cV78ev1X4CsmljrV+IYwSV+8XmPDSgJiGraaHWOO3DOxVJes2bV3AhAO/BZ8g/Whlm/z6oW1zSSmj6T6PmHsRBCijlNEiqkvmT82TjLoa8v32kXVy2dH1suyr4N4bvdihsU7UpwfHH1YX+uUWva8hHsQzXmqW/XerVtsGRQ1FFyM2lS6jUSuz8eWe4bvWyAvvt3R8JhLb+/xobL3s1re60xxBxAsvD5uaRO56cds2U5gbefqoOrUDQNjnIouJWZ7mjOpG65oT6+WkEbUdvcWbtrSrRUW4ByCAOCCG/35JowwdUC1PL+q8ZZbuwfT2VIY1iLpXdEDv8J5K77XojcV87MP3rFGfLW1r3/ri8eCCZtXT6T3wMnjp0fUyYtdq6dawdbsvvHi8vLhVpszd9lv8ZWPPaOYfX5VdQMooZbSc7oBykdG4Q776YYqFNEG9N7oXBjKDbWAwLFhIQjAPDfMZ8YWan961uWMPS8poZ1HRvW9Y5FXMMH2xK7O996peWW2yR6bu8cNLRdh0jHKX0XJq5+L8FspoHGq8JjEClFHKaGKVLYGMyk1Gix3yPe+QOsEQ/Kq12+aZebHr4XlsZaO/1BImIXp4fv1mkd88vPVzh4V6c735FCM25dIzGmcBk8kCl7DbRs8PxecoTRYrRcWumJjlsWc0geYn01lQRjMdHhaOMkoZLae7oNJl9PeXNaoh3ZkBq231go36ms6bbwdJCIYZ/+ncBtmpT7VMe75J9abhiBIaXZeKEZs8yaie57vw41b5+zs7b+tT7NZOJiuz9RzQz75uk4lTOn8hSK8S/8zz9SCUAZ+KvPOFJpk2v/Pw7pSJ3dSwPntGy6nFM/8tlFFzVjwzBQKUUcpoCtXOWZblJqPFDPlibuHVJ9bLhi1dv3+NYdpfXtAgIwbVyIOvNsvkOdu2hQkSx5+d1SAnDK+VeX9rkV89uG1vy0qXUXxB6fsn16s5ffiS0czXtm54ftboOpl4Qp34N70vdWW2FtZe3TtvZo54/r8XNWydS/oevtyzVYx1T+vbn7bK/5qx7Ws+use8qaVd/uPxLTL/va77jxbzAsGeUWdNmLOEKaPO0DJhGwQoo5RRG/UoK2mUi4zGGfL9zYWNctieNV1WASM2uocNq3QLHdhvFAJ84O5bV+dGHWFzR4sRmzz1jIKHd2/Y91dgN4Ktn2NsrKvqtFrd1spsPbUCeS/9sk2tkN97YLX6njn+2buaXi84w76VX6/futoaWxrtOaBaamsqdzV9VD2uhL9TRishyjn+jZRRymiO9etEhQAAIABJREFUq2+XoudJRm0O+epN0yGT//botq1+NKCj9q6RI/eulZqAPfKxOh5f4lm4rFWt4F3+ZZsansfnDv3HPjtVy6C+1Wr+KBbO4EtEs97s+jnEcpZRSOYPTq2XI/aqkZ6NW4V97cZ2eeadzvt42lqZjfTxlSzsOdl/+yr1tSz0wGKLIvTOYsqA99CrrQ/YrVqtzMY68dUb2mX2oha58ZnwL0MVEzP2jOav1aSM5i9mFVViyihltJwqfJ5ktNghX4hg94YqJYD+4xfnNshx+9Wq7V3837+Oim8xElLpw/RRLCvl75TR/EWaMpq/mFVUiSmjlNFyqvB5klFwNx3y1eJaVdX1G9dYmAQ5wDDsH2c1yZy3u/ZUFooxZTSYzu3PN8kdz3deBFRO90opv4UyWgq9dK6ljKbDnbkaEqCMUkYNq0ouTsubjJoO+Z4wrFbweUAM0d70TJPadF4fulf0reXhn/6kjBZffSmj4cwoo8XXp7SvoIymHQHmX5AAZZQyWk63SN5ktJzYx/0teVvAFPd3ltN1lNH8RZMymr+YVVSJKaOU0XKq8JTR/EWTMpq/mFFG8xczymj+YlZRJaaMUkbLqcJTRvMXTcpo/mJGGc1fzCij+YtZRZWYMkoZLacKTxnNXzQpo/mLGWU0fzGjjOYvZhVVYsooZbScKjxlNH/RpIzmL2aU0fzFjDKav5hVVIkpo5TRcqrwlNH8RZMymr+YUUbzFzPKaP5iVlElpoxSRsupwlNG8xdNymj+YkYZzV/MKKP5i1lFlZgyShktpwpPGc1fNCmj+YsZZTR/MaOM5i9mFVViyihltJwqPGU0f9GkjOYvZpTR/MWMMpq/mFVUiSmjlNFyqvCU0fxFkzKav5hRRvMXM8po/mJWUSWmjFJGy6nCU0bzF03KaP5iRhnNX8woo/mLWUWVmDJKGS2nCk8ZzV80KaP5ixllNH8xo4zmL2YVVWLKKGW0nCo8ZTR/0aSM5i9mlNH8xYwymr+YVVSJKaOU0XKq8JTR/EWTMpq/mFFG8xczymj+YlZRJaaMUkbLqcJTRvMXTcpo/mJGGc1fzCij+YtZRZWYMkoZLacKTxnNXzQpo/mLGWU0fzGjjOYvZhVVYsooZbScKjxlNH/RpIzmL2aU0fzFjDKav5hVVIkpo5TRcqrwlNH8RZMymr+YUUbzFzPKaP5iVlElpoxSRsupwlNG8xdNymj+YkYZzV/MKKP5i1lFlZgyShktpwpPGc1fNCmj+YsZZTR/MaOM5i9mFVViyihltJwqPGU0f9GkjOYvZpTR/MWMMpq/mFVUiSmjlNFyqvCU0fxFkzKav5hRRvMXM8po/mJWUSWmjFJGy6nCU0bzF03KaP5iRhnNX8woo/mLWUWVmDJKGS2nCk8ZzV80KaP5ixllNH8xo4zmL2YVVWLKKGW0nCo8ZTR/0aSM5i9mlNH8xYwymr+YVVSJKaOU0XKq8JTR/EWTMpq/mFFG8xczymj+YlZRJaaMUkbLqcJTRvMXTcpo/mJGGc1fzCij+YtZRZWYMkoZLacKTxnNXzQpo/mLGWU0fzGjjOYvZhVVYsooZbScKjxlNH/RpIzmL2aU0fzFjDKav5hVVIkpo5TRcqrwlNH8RZMymr+YUUbzFzPKaP5iVlElpoxSRsupwlNG8xdNymj+YkYZzV/MKKP5i1lFlZgyShktpwpPGc1fNCmj+YsZZTR/MaOM5i9mFVViyihltJwqPGU0f9GkjOYvZpTR/MWMMpq/mFVUiSmjlNFyqvCU0fxFkzKav5hRRvMXM8po/mJWUSWmjFJGy6nCU0bzF03KaP5iRhnNX8woo/mLWUWVmDJKGS2nCk8ZzV80KaP5ixllNH8xo4zmL2YVVWLKKGW0nCo8ZTR/0aSM5i9mlNH8xYwymr+YVVSJKaOU0XKq8JTR/EWTMpq/mFFG8xczymj+YlZRJaaMUkbLqcJTRvMXTcpo/mJGGc1fzCij+YtZRZWYMkoZLacKTxnNXzQpo/mLGWU0fzGjjKYQs7a2NnnjjTdk9uzZ8tVXX0lVVZX0799fzjjjDNlrr73Uv0cdixYtkmnTpgWe1rt3b5k0aZL06tUrKpnM/50yShnNfCUtooCU0SJgZeRUymhGAlFEMSijRcDKyKmU0RQC8cwzz8isWbOULB5wwAGi5XTz5s1y4YUXyqhRoyJL9eqrr8p9990nQ4cO7SKd3bt3l5NOOkm6desWmU7WT6CMUkazXkeLKR9ltBha2TiXMpqNOBRTCspoMbSycS5lNOE4oCd08uTJ0rNnT5k4caL06NFDlQD//eabbxaI5FVXXRUpkuhVnTdvnkpj0KBBCf+K5LKjjFJGk6tt7nOijLpnbDsHyqhtou7To4y6Z2w7B8qobaIR6b399ttyxx13yMknn6x6L73H/fffLwsXLpQrr7xSdt9994IpzZgxQxYvXizXXnut7Ljjjgn/iuSyo4xSRpOrbe5zooy6Z2w7B8qobaLu06OMumdsOwfKqG2iEemhR/Opp56Syy67TEaMGNHp7Pnz58sjjzwS+Dfvie3t7TJ9+nRZvnx52cwNDcNGGaWMJnyLOs2OMuoUr5PEKaNOsDpNlDLqFK+TxCmjTrCGJ1pIRvWipLPOOkuOPvro0EQwt3Tq1KmyZs0awWKlTz75RFpaWtTc0VNPPVVGjx4t1dXVCf8yN9lRRimjbmpWOqlSRtPhXkqulNFS6KVzLWU0He6l5EoZLYVejGtNZPSUU07pMoTvzWr9+vVq3unKlSuVgA4ePFjWrl2rekpbW1vVFIAxY8YYrcqP8RMSvYQyShlNtMI5zowy6hiwg+Qpow6gOk6SMuoYsIPkKaMOoBZK0oaMYvU9ekMhpfvuu29HL+iKFSvk1ltvlebmZrnmmmtk4MCBRr/uww8/VBKbxePnjw+UrzbWZLFoqZfphgs+Tb0MQQX43XM7yvurGjJZtrQL9etxn0vf7tm71+5Y0EdeWto9bTyZzP9Hx30pe/fbkrmyPfbO9vLoO9tlrlxZKNDlh6yWI3bfmIWidCrDSx93lzte7ZO5cmWhQGcMWyenD1ubhaJ0KsOuu+6qFpbbPKraMdky5cNERqOG6ePKbth1WMmf1WPSnxtk1brofVezWn6X5brnms0uk4+d9r/MrJe3PyuPaSKxIYRceP23t0i/7VJvhrqU7k/P1smz7/GlLyhs//vMJhm2c5vtqlByevf+tVbuXVBbcjrlmMD3jm+W4/fJ3ksf7jHcazy6Ehh/cIuMP6glc2iwRWbFyajpAqZC0dLzTqOG+jMX8ZACcZg+PFJzfrZ1W7CsHT+evlkWLsvegyALnDhMn4UoFFcGDtMXxysLZ3OYPgtRKK4MHKYvjlfJZ+utnTCnE8LoPUy3doK0zpw5Uy6//HIZPnx4pzTmzp0rTzzxROSK/JJ/SEIJUEYpowlVtUSyoYwmgtlqJpRRqzgTSYwymghmq5lQRq3ijE4MK+BvuOEGNc8Tm9vvsMMO6qKwTe8x/xPzORsbGzsS/+yzz+Smm26SIUOGyKWXXio1NVuH1zZs2CBTpkxRi5muvvpqGTBgQHSBMn4GZZQymvEqWlTxKKNF4crEyZTRTIShqEJQRovClYmTKaMphMH7OdCDDz5Ympqa5M0331QLkryfA9XiigVL2Ny+b9++qrSY+jpnzhx5+umnpV+/furzoThnwYIF8s0333A1fQoxTSNLDtOnQb20PCmjpfFL42rKaBrUS8uTMloavzSupoymQB0yiS8tYfN79IhWVVVJ//795YwzzpC99tqrY0umdevWqZ5OiCa+yoQ9RfWhv2ePBVF6ARJkFUP/I0eOLIttnfBb2TPKntEUblFnWVJGnaF1ljBl1BlaZwlTRp2hdZYwZdQZWiZsgwBllDJqox5lJQ3KaFYiYV4Oyqg5q6ycSRnNSiTMy0EZNWfFM1MgQBmljKZQ7ZxlSRl1htZZwpRRZ2idJUwZdYbWWcKUUWdombANApRRyqiNepSVNCijWYmEeTkoo+assnImZTQrkTAvB2XUnBXPTIEAZZQymkK1c5YlZdQZWmcJU0adoXWWMGXUGVpnCVNGnaFlwjYIUEYpozbqUVbSoIxmJRLm5aCMmrPKypmU0axEwrwclFFzVjwzBQKUUcpoCtXOWZaUUWdonSVMGXWG1lnClFFnaJ0lTBl1hpYJ2yBAGaWM2qhHWUmDMpqVSJiXgzJqziorZ1JGsxIJ83JQRs1Z8cwUCFBGKaMpVDtnWVJGnaF1ljBl1BlaZwlTRp2hdZYwZdQZWiZsgwBllDJqox5lJQ3KaFYiYV4Oyqg5q6ycSRnNSiTMy0EZNWfFM1MgQBmljKZQ7ZxlSRl1htZZwpRRZ2idJUwZdYbWWcKUUWdombANApRRyqiNepSVNCijWYmEeTkoo+assnImZTQrkTAvB2XUnBXPTIEAZZQymkK1c5YlZdQZWmcJU0adoXWWMGXUGVpnCVNGnaFlwjYIUEYpozbqUVbSoIxmJRLm5aCMmrPKypmU0axEwrwclFFzVjwzBQKUUcpoCtXOWZaUUWdonSVMGXWG1lnClFFnaJ0lTBl1hpYJ2yBAGaWM2qhHWUmDMpqVSJiXgzJqziorZ1JGsxIJ83JQRs1Z8cwUCFBGKaMpVDtnWVJGnaF1ljBl1BlaZwlTRp2hdZYwZdQZWiZsgwBllDJqox5lJQ3KaFYiYV4Oyqg5q6ycSRnNSiTMy0EZNWfFM1MgQBmljKZQ7ZxlSRl1htZZwpRRZ2idJUwZdYbWWcKUUWdombANApRRyqiNepSVNCijWYmEeTkoo+assnImZTQrkTAvB2XUnBXPTIEAZZQymkK1c5YlZdQZWmcJU0adoXWWMGXUGVpnCVNGnaFlwjYIUEYpozbqUVbSoIxmJRLm5aCMmrPKypmU0axEwrwclFFzVjwzBQKUUcpoCtXOWZaUUWdonSVMGXWG1lnClFFnaJ0lTBl1hpYJ2yBAGaWM2qhHWUmDMpqVSJiXgzJqziorZ1JGsxIJ83JQRs1Z8cwUCFBGKaMpVDtnWVJGnaF1ljBl1BlaZwlTRp2hdZYwZdQZWiZsgwBllDJqox5lJQ3KaFYiYV4Oyqg5q6ycSRnNSiTMy0EZNWfFM1MgQBmljKZQ7ZxlSRl1htZZwpRRZ2idJUwZdYbWWcKUUWdombANApRRyqiNepSVNCijWYmEeTkoo+assnImZTQrkTAvB2XUnBXPTIEAZZQymkK1c5YlZdQZWmcJU0adoXWWMGXUGVpnCVNGnaFlwjYIUEYpozbqUVbSoIxmJRLm5aCMmrPKypmU0axEwrwclFFzVjwzBQKUUcpoCtXOWZaUUWdonSVMGXWG1lnClFFnaJ0lTBl1hpYJ2yBAGaWM2qhHWUmDMpqVSJiXgzJqziorZ1JGsxIJ83JQRs1Z8cwUCFBGKaMpVDtnWVJGnaF1ljBl1BlaZwlTRp2hdZYwZdQZWiZsgwBllDJqox5lJQ3KaFYiYV4Oyqg5q6ycSRnNSiTMy0EZNWfFM1MgQBmljKZQ7ZxlSRl1htZZwpRRZ2idJUwZdYbWWcKUUWdombANApRRyqiNepSVNCijWYmEeTkoo+assnImZTQrkTAvB2XUnBXPTIEAZZQymkK1c5YlZdQZWmcJU0adoXWWMGXUGVpnCVNGnaFlwjYIUEYpozbqUVbSoIxmJRLm5aCMmrPKypmU0axEwrwclFFzVjwzBQKUUcpoCtXOWZaUUWdonSVMGXWG1lnClFFnaJ0lTBl1hpYJ2yBAGaWM2qhHWUmDMpqVSJiXgzJqziorZ1JGsxIJ83JQRs1Z8cwUCFBGKaMpVDtnWVJGnaF1ljBl1BlaZwlTRp2hdZYwZdQZWiZsgwBllDJqox5lJQ3KaFYiYV4Oyqg5q6ycSRnNSiTMy0EZNWfFM1MgQBmljKZQ7ZxlSRl1htZZwpRRZ2idJUwZdYbWWcKUUWdombANApRRyqiNepSVNCijWYmEeTkoo+assnImZTQrkTAvB2XUnBXPTIEAZZQymkK1c5YlZdQZWmcJU0adoXWWMGXUGVpnCVNGnaFlwjYIUEYpozbqUVbSoIxmJRLm5aCMmrPKypmU0axEwrwclFFzVjwzBQKUUcpoCtXOWZaUUWdonSVMGXWG1lnClFFnaJ0lTBl1hpYJ2yBAGaWM2qhHWUmDMpqVSJiXgzJqziorZ1JGsxIJ83JQRs1Z8cwUCFBGKaMpVDtnWVJGnaF1ljBl1BlaZwlTRp2hdZYwZdQZWiZsgwBllDJqox5lJQ3KaFYiYV4Oyqg5q6ycSRnNSiTMy0EZNWfFM1MgQBmljKZQ7ZxlSRl1htZZwpRRZ2idJUwZdYbWWcKUUWdombANApRRyqiNepSVNCijWYmEeTkoo+assnImZTQrkTAvB2XUnBXPTIEAZZQymkK1c5YlZdQZWmcJU0adoXWWMGXUGVpnCVNGnaFlwjYIUEYpozbqUVbSoIxmJRLm5aCMmrPKypmU0axEwrwclFFzVjwzBQKUUcpoCtXOWZaUUWdonSVMGXWG1lnClFFnaJ0lTBl1hpYJ2yBAGaWM2qhHWUmDMpqVSJiXgzJqziorZ1JGsxIJ83JQRs1Z8cwUCFBGKaMpVDtnWVJGnaF1ljBl1BlaZwlTRp2hdZYwZdQZWiZsgwBllDJqox5lJQ3KaFYiYV4Oyqg5q6ycSRnNSiTMy0EZNWfFM1MgQBmljKZQ7ZxlSRl1htZZwpRRZ2idJUwZdYbWWcKUUWdombANApRRyqiNepSVNCijWYmEeTkoo+assnImZTQrkTAvB2XUnBXPTIEAZZQymkK1c5YlZdQZWmcJU0adoXWWMGXUGVpnCVNGLaFdvXq1zJo1SxYtWiTNzc3SrVs3GTlypIwbN04aGxsjc2lra5M33nhDZs+eLV999ZU6v3fv3nLUUUep/9XU1HRKA/lMmzYtMF1cN2nSJOnVq1dkvlk/gTJKGc16HS2mfJTRYmhl41zKaDbiUEwpKKPF0MrGuZRRC3FYs2aN3HzzzUoi9957bxk8eLC8//77snTpUvXPEyZMUHIadrS2tsqDDz4or776qvTp00f2339/deqbb74pSPuggw6SCy64oJOQ4tz77rtPhg4d2kU6u3fvLieddFLBPC387ESSoIxSRhOpaAllQhlNCLTFbCijFmEmlBRlNCHQFrOhjFqA+fjjj8tzzz0n559/vhx66KEqxfb2dtXLif9deOGFSijDjiVLlsgtt9wiu+++u1x22WUdPakbNmyQKVOmKMmdOHGiDBo0qCMJpDtv3rwu/93Cz8lUEpRRymimKmSJhaGMlggwhcspoylALzFLymiJAFO4nDJaIvSmpiaZOnWqYJj+uuuuU0Pr+vj888/lxhtvlD322EMuvfRSqaqqCswNYvn000+rc0aMGNHpnKeeekoJLSTV+7cZM2bI4sWL5dprr5Udd9yxxF+R3cspo5TR7NbO4ktGGS2eWdpXUEbTjkDx+VNGi2eW9hWU0RIj8M0338j111+vJPSKK67oND90/fr1MnnyZMGwuf9v3mwxnL927VrZc8891bneAzKKXldcjyF5HOh1nT59uixfvrxs5oaGhYEyShkt8RbN1OWU0UyFw6gwlFEjTJk6iTKaqXAYFYYyaoQp/KRCMrp582bVa7px40bVg9mzZ8+ictPD9OhRveqqqzrmgOp0MZ8UEvzJJ59IS0uLmjt66qmnyujRo6W6urqovLJ6MmWUMprVuhmnXJTRONTSvYYymi7/OLlTRuNQS/caymiJ/E1kFNJY7Op2LGrCAqWFCxfKxRdf3GmIXve4rly5UgkoFkmhZxU9pbju5JNPljFjxoROCyjxJyd6OWWUMppohXOcGWXUMWAHyVNGHUB1nCRl1DFgB8lTRkuE6kJGMQw/Z84cNVf02GOPldNOO62TWGIbKPSGQkr33Xffjl7QFStWyK233qq2lrrmmmtk4MCBRr/us88+MzovjZN+dN928uX68ujltc1v2ne+sZ2klfT+9cke8u7ntVbSKrdEfnfBOtmxZ1vmftZN87vJ84vrM1euLBToZ2M3yH4DW7JQlE5leOCNRnnwjYbMlSsLBbr66E1yzJ5NWShKpzLgHsO9xqMrgXNHbZHzRm3OHBqMPvunT5ZayKp2WJ7lw0RGixmmRxFffvlleeSRR9Q+pf4tnaKKD4HFPFP/gqdC12HOalaPnz68g3y5ofMeq1kta9LluuXbq5LO0ii/f5vdW95bWWd0bqWd9Nuzv5Yde7Rm7mdP/ct28sJH0fshZ67gCRTof45ZI/sMaE4gp+KyeHhRd3lkUY/iLqqQs684fJ0ctUf2xAb3GO41Hl0JnDVig5w9YmPm0PTv3z//Mmq6gMlLHxvf33PPPTJs2DAZP368NDQU9+arN8M/5ZRT1F6jeT84TB8ewTk/y+aD6MfTN8vCZdkTrizcCxymz0IUiisDh+mL45WFszlMn4UoFFcGDtMXx6vL2XprJ+wFinmhcbZ20om+9dZbSkR33XVX1bMZtlH+/PnzZebMmXL55ZfL8OHDO5Vp7ty58sQTTxTVM1oiAqeXU0Ypo04rWMKJU0YTBm4hO8qoBYgJJ0EZTRi4hewooxYg6n1CvQuHCm16j9Xw+LxnXd22ocyPP/5YzffEPM+oLzZhjudNN90kQ4YMUXuT6k+F6tX3WMx09dVXy4ABAyz8unSToIxSRtOtgXZzp4za5ZlEapTRJCjbzYMyapdnEqlRRi1Q9n4OFAuKsMk9NqTHJ0H9nwNdtmyZ+qoSNqrX2zVhFTy+wASpPOGEE6RHj67Dr/X19epToxBYvcAJG+X369dPRo0aJVjUtGDBAsEcVq6mtxDUHCTBYfocBMlXRMpo/mJGGc1fzCij+YsZZdRSzNAbic+CYs4mVrNjiB0LkMaNG9dpI3x8lQkyil5L/elPPc+zUFEw/O/dHgryifml6JXFFAEcffv2FcwVRb5hX3uy9HMTS4Y9o+wZTayyJZARZTQByJazoIxaBppAcpTRBCBbzoIyahkok7NLgDJKGbVbo9JNjTKaLv84uVNG41BL9xrKaLr84+ROGY1DjdckRoAyShlNrLIlkBFlNAHIlrOgjFoGmkBylNEEIFvOgjJqGSiTs0uAMkoZtVuj0k2NMpou/zi5U0bjUEv3Gspouvzj5E4ZjUON1yRGgDJKGU2ssiWQEWU0AciWs6CMWgaaQHKU0QQgW86CMmoZKJOzS4AyShm1W6PSTY0ymi7/OLlTRuNQS/caymi6/OPkThmNQ43XJEaAMkoZTayyJZARZTQByJazoIxaBppAcpTRBCBbzoIyahkok7NLgDJKGbVbo9JNjTKaLv84uVNG41BL9xrKaLr84+ROGY1DjdckRoAyShlNrLIlkBFlNAHIlrOgjFoGmkBylNEEIFvOgjJqGSiTs0uAMkoZtVuj0k2NMpou/zi5U0bjUEv3Gspouvzj5E4ZjUON1yRGgDJKGU2ssiWQEWU0AciWs6CMWgaaQHKU0QQgW86CMmoZKJOzS4AyShm1W6PSTY0ymi7/OLlTRuNQS/caymi6/OPkThmNQ43XJEaAMkoZTayyJZARZTQByJazoIxaBppAcpTRBCBbzoIyahkok7NLgDJKGbVbo9JNjTKaLv84uVNG41BL9xrKaLr84+ROGY1DjdckRoAyShlNrLIlkBFlNAHIlrOgjFoGmkBylNEEIFvOgjJqGSiTs0uAMkoZtVuj0k2NMpou/zi5U0bjUEv3Gspouvzj5E4ZjUON1yRGgDJKGU2ssiWQEWU0AciWs6CMWgaaQHKU0QQgW86CMmoZKJOzS4AyShm1W6PSTY0ymi7/OLlTRuNQS/caymi6/OPkThmNQ43XJEaAMkoZTayyJZARZTQByJazoIxaBppAcpTRBCBbzoIyahkok7NLgDJKGbVbo9JNjTKaLv84uVNG41BL9xrKaLr84+ROGY1DjdckRoAyShlNrLIlkBFlNAHIlrOgjFoGmkBylNEEIFvOgjJqGSiTs0uAMkoZtVuj0k2NMpou/zi5U0bjUEv3Gspouvzj5E4ZjUON1yRGgDJKGU2ssiWQEWU0AciWs6CMWgaaQHKU0QQgW86CMmoZKJOzS4AyShm1W6PSTY0ymi7/OLlTRuNQS/caymi6/OPkThmNQ43XJEaAMkoZTayyJZARZTQByJazoIxaBppAcpTRBCBbzoIyahkok7NLgDJKGbVbo9JNjTKaLv84uVNG41BL9xrKaLr84+ROGY1DjdckRoAyShlNrLIlkBFlNAHIlrOgjFoGmkBylNEEIFvOgjJqGSiTs0uAMkoZtVuj0k2NMpou/zi5U0bjUEv3Gspouvzj5E4ZjUON1yRGgDJKGU2ssiWQEWU0AciWs6CMWgaaQHKU0QQgW86CMmoZKJOzS4AyShm1W6PSTY0ymi7/OLlTRuNQS/caymi6/OPkThmNQ43XJEaAMkoZTayyJZARZTQByJazoIxaBppAcpTRBCBbzoIyahkok7NLgDJKGbVbo9JNjTKaLv84uVNG41BL9xrKaLr84+ROGY1DjdckRoAyShlNrLIlkBFlNAHIlrOgjFoGmkBylNEEIFvOgjJqGSiTs0uAMkoZtVuj0k2NMpou/zi5U0bjUEv3Gspouvzj5E4ZjUON1yRGgDJKGU2ssiWQEWU0AciWs6CMWgaaQHKU0QQgW86CMmoZKJOzS4AyShm1W6PSTY0ymi7/OLlTRuNQS/caymi6/OPkThmNQ43XJEaAMkoZTayyJZARZTQByJazoIxaBppAcpTRBCBbzoIyahkok7NLgDJKGbVbo9JNjTKaLv84uVNG41BL9xrKaLr84+ROGY1DjdckRoAyShlNrLIlkBFlNAHIlrOgjFoGmkBylNEEIFvOgjJqGSiTs0uAMkoZtVuj0k2NMpou/ziilSWtAAAY70lEQVS5U0bjUEv3Gspouvzj5E4ZjUON1yRGgDJKGU2ssiWQEWU0AciWs6CMWgaaQHKU0QQgW86CMmoZKJOzS4AyShm1W6PSTY0ymi7/OLlTRuNQS/caymi6/OPkThmNQ43XJEaAMkoZTayyJZARZTQByJazoIxaBppAcpTRBCBbzoIyahkok7NLgDJKGbVbo9JNjTKaLv84uVNG41BL9xrKaLr84+ROGY1DjdckRoAyShlNrLIlkBFlNAHIlrOgjFoGmkBylNEEIFvOgjJqGSiTs0uAMkoZtVuj0k2NMpou/zi5U0bjUEv3Gspouvzj5E4ZjUON1yRGgDJKGU2ssiWQEWU0AciWs6CMWgaaQHKU0QQgW86CMmoZKJOzS4AyShm1W6PSTY0ymi7/OLlTRuNQS/caymi6/OPkThmNQ43XJEaAMkoZTayyJZARZTQByJazoIxaBppAcpTRBCBbzoIyahkok7NLgDJKGbVbo9JNjTKaLv84uVNG41BL9xrKaLr84+ROGY1DjdckRoAyShlNrLIlkBFlNAHIlrOgjFoGmkBylNEEIFvOgjJqGSiTs0uAMkoZtVuj0k2NMpou/zi5U0bjUEv3Gspouvzj5E4ZjUON1yRGgDJKGU2ssiWQEWU0AciWs6CMWgaaQHKU0QQgW86CMmoZKJOzS4AyShm1W6PSTY0ymi7/OLlTRuNQS/caymi6/OPkThmNQ43XJEaAMkoZTayyJZARZTQByJazoIxaBppAcpTRBCBbzoIyahkok7NLgDJKGbVbo9JNjTKaLv84uVNG41BL9xrKaLr84+ROGY1DjdckRoAyShlNrLIlkBFlNAHIlrOgjFoGmkBylNEEIFvOgjJqGSiTs0uAMkoZtVuj0k2NMpou/zi5U0bjUEv3Gspouvzj5E4ZjUON1yRGgDJKGU2ssiWQEWU0AciWs6CMWgaaQHKU0QQgW86CMmoZKJOzS4AyShm1W6PSTY0ymi7/OLlTRuNQS/caymi6/OPkThmNQy0D12zevFmeeuopee2112Tjxo1SV1cn++yzj5x55pnSp0+fDJTQThEoo5RROzUpG6lQRrMRh2JKQRkthlY2zqWMZiMOxZSCMloMrYycCxG9/fbb5aOPPpLddttNhg8fLsuWLZP33ntPevXqJVdddZXssMMOGSltacWgjFJGS6tB2bqaMpqteJiUhjJqQilb51BGsxUPk9JQRk0oZeycv/71r3LPPffIscceK+PGjZOqqipVQvSS3nvvvXLMMceo/14OB2WUMloO9Vj/Bspo/qJJGc1fzCij+YsZZTR/MZMZM2bIO++8IxMnTpRBgwZ1/IL169fL5MmTpbGxUf0N/5/3gzJKGc17HfaWnzKav2hSRvMXM8po/mJGGc1ZzDBEP3XqVFmzZo1MmjRJDcvro7m5WW677TZZtWpVl7/l7Gd2FJcyShnNa90NKjdlNH/RpIzmL2aU0fzFjDKas5gVklH8lDvvvFMWL14s11xzjQwcODBnv65rcSmjlNHcV2LPD6CM5i+alNH8xYwymr+YUUZzFjMTGcVCJv8Qfs5+Zkdxx/zrhrwW3Xm55/ysh/M84mTw4+mbZeGy1jiXlv01lNH8hZgymr+YUUbzFzPKaM5i5kJGH3300cxSmLV8v8yWLe2Cnbrbu2kXITB/xiw8LEcMWCLb12/OXNwYs/CQDO+zQnbtuSZzMXvpi8Gytqlb5sqVhQLt1nO1DOvzeRaK0qkM76weKMvXl8/WizYBb1+/SY4YsNRmklbS2nvvvQX/s3lUtbe3t9tMMI20TGS02GH6n/zkJ7Ju3bo0fg7zJAESIAESIAESIIFMEvj7v/97ymhQZCptAVMmaycLRQIkQAIkQAIkQAIxCJRFzyh+t97a6corr5Tdd9+9A0U5bu0UI868hARIgARIgARIgAQySaBsZHTRokUyffp0GT16tFxwwQVSU1OjgJfjpveZrEksFAmQAAmQAAmQAAnEIFA2Mur9HCh6Rvfff39Zvny52gh/++23L6vPgcaIMy8hARIgARIgARIggUwSKBsZBd0tW7bIU089Jfg06MaNG6Wurk722WcfOfPMM6VPH67Wy2QNZKFIgARIgARIgAQqmkBZyWhFR5I/ngRIgARIgARIgARySIAymsOgscgkQAIkQAIkQAIkUC4EKKPlEkn+DhIgARIgARIgARLIIQHKaA6DxiKTAAmQAAmQAAmQQLkQoIyWSyT5O0iABEiABEiABEgghwQoozkMWtJFbm5ultmzZ8vLL7+sdinYc8895Tvf+Y7U19cbFQVbbN1yyy0yaNAgueyyy9QuBzyyQ4DxyU4sWBISIAESqEQClNEcRh1iiC2sIHYjRoxw/gsef/xxefbZZ6V3794yZMgQGTx4sBxxxBHG+X7++ecyZcoU9S3b888/v+ODBP4EPv74Y7n11lulW7ducvXVV3fZjgtSfPvtt8sHH3yg0jn00EONy1BpJ37zzTdy/fXXq5hdccUV0tjYGIrAND6VxlD/Xs1yzZo1qs6h7lVVVYXimDdvnjz66KOK+cSJE9VLGI90COi20p872pihQ4fKySefLDvttJPTwun6g72wcS+i/fQfxdyvYYVN+rngFJph4kuWLFEdHTvvvHPBdu7VV1+Ve++9t8v9iy80ghs+mrNu3Tp1X6PNPPLII9X/wjpOVq1aJU8//bS89957smnTJqmurpYdd9xRTjzxRBk1apT6dx7FEaCMFscrE2cn2eigAZ06daqsXr1arr32Wunbt68zBu3t7aphwE1++OGHy7nnntvpof/KK6/I/fffL3vttZdMmDCBPawFImHj4eYs0DlL2CujvXr1Kngf4MF08803yyeffEIZzUCcdVsJ8YRk6OOrr76SZcuWqRfjiy66yOlLvbf+4IMsEFLIsPewcb8m+VzIQGhVEdBBgQ4MxBKfAkdnif/AObfddpt89NFH6rmx7777qlNwDf77hg0bZMCAAbLLLrtIW1uboFPk66+/lj322EOd74/VG2+8ocS2tbVVvWjimdjS0iIffvihQG4POuigTl+BzAqrrJeDMpr1CAWUL8lGx0YjWQxiPMwhvytWrFBTATAlAAd6pfCQx9+vuuoq570ZxZQ5i+cmHbcsMrBVJs1y7dq1ghem008/XY499tjA5PHFt2nTpqm/oVeFPaO2ohAvnUJtJaTinnvukYEDB6o2xS8d8XLsepVXRvFX9MaedNJJnV60bdyvST4XbLGxkc78+fPlkUcekeOPP17GjRvXJUmM/Nx4441qpE3HGQKK0bovvvhCieOBBx7YEQ9I5pNPPinPPfecHHfccSpNPRKCHlGkBfm8/PLLlbDqAx/dufvuu+Xtt9/myF2MwFJGY0BL+5KgRufOO+9UQwb+hx/e/nDT4UtUl1xySUfRccO98MIL8vzzzwsaQjw4MeSPGw+fT8URNMTlH3rEzYyGAMMlSBNviaeccoqMHDmy4wYOK0MYx8WLF6s3Vj300tDQIA8++KCas3rqqaeqoRB9YHgFD3/kiQZeH7pHFxI7adIkQY9WJR3FPNyKjU8lccRv1SzxMEPPR48ePQKHBFH/cR+iBwb3AR5c/vtRD+/hgYUeGwgQ7hXcd96pFPp+xujAiy++qHpxxo4dKyeccILCDzHG9BnUf6TTvXt31SOD+wD3iz4gz+ixeeKJJ+TTTz9VMh10j+J8/A1TYDDFYOXKlQXPzUsdKCRouo1AGwZJ2XXXXTt+FpiBL5jhQK8ZYoQeVi9bE166/mDoFnUE0uIfri90v/q/LOiPtW4D/TFJahpX2nUBvdyTJ0+W7bbbLvClQk+b8T4j8JVGvIgccsghgdNucH9BOiGhGBHs2bOn+pl6ytoZZ5wR+EL62WefyU033aTqCzpTuD7CvHZQRs1ZZebMUmUUDeJ9990nr7/+uprHiTlMS5culffff189qNAwY0gLb5R4sGJ+KhpAvHnigYneSvy7nuOJhUwHHHCA4vPmm2+qh7dXGouVHTwUcdOjEcGnXPGQQG8pbnAMm3gf2pTR4GpJGbV3u2qWGGKFkEIOg4YE9YNI95bgpcoro/p+QclGjx6tevchpX/729/U8KK3bkNG33rrrY65ZxBg9MYeffTRaggRowSYOqPvX6SB9HU6upcPL5sQUdwzei6bvkfRQzdmzJiOl0bdU4gHb6H72R5Z9ykVklG0M9OnT1cC7o2T5rDDDjsoDngBAbOmpia5+OKLO4b0TXl578WDDz5YHnroITW86x0CDrtfMRKEefJYZDhs2DD1go46g3/Xw8iQanQGoL6gPUQd2W233VRd8E5NcE87nRz0SyA6YyD53hcGPYyPexPrEMAPx4wZM2ThwoWdhu29pUfdAFPEXj/vEH88h/Dycs0116gedf+BsuC+R88p7k3KqHmdoIyas8rMmaXKKOZeokE877zzVG+KHoJ47bXX1FyYY445pmO4I6yR1MMcmHOFBgByikMPs6NHUs8xLVZGkQ4mk+PNFI0BHqxI97vf/a5ACLwHZZQy6vrG9N4D6J284447ZP/99+/So4IXKMgfeqTwoucfqcAIAqQRw4JaWPHQmzlzprz00kudHoyQUTwsIa1YMKUfanjY4R6FHF144YVKMHHo+dZoG/DfcV9jqgukFXKJe1SLiRYczGvVUq0ftOgRxX3bv39/lS56nZBGbW1tpx4i18xtpV9IRnXvF8ThuuuuU3z0MCziM378+A7umgPaObyso92DmJjw8tYf9Jah5xk9c96XgaB2Vr+UY0QI4qolKyjW4FWpw/T47Xp6DGQf94s+9LMH8cR9ibjpug5BLWYaDerLn/70JzWvtBJH22zdk2HpUEZdE3aQfikyqidzY4smNKpaIlFM3SD269evY4ghTEbxUMUbO4QWQx3eA+WbM2dOx8M1jowiPeSBBz8eFkHzrHAOZZQy6uAW65Sk9x7AA+2uu+5S0uJd0KfFBkPkuK8eeOCBwGkzQWXVddg7rKqH6SGL3hcwvOTdcMMNagQDL2fenhf02Pz5z39W0nLWWWd1LAbUcurN2//w1kPW+K1azLTkoq3AAxi9s3lbJRzUVkLmvvzySzW9CC8M3rYF8w/Rk+zvYQMLxAS9XugVg7hCRk14+dtQsIbg44Vev2AHtbN4EcfwM1Zpa5HySxameGj5qmQZ1azAxz+sjrmf3nvAuygXUqlf0vxze5GWd1qa/jumsUFi9Qidfr4hXX0gTQprcS0zZbQ4Xpk4uxQZDbrh/D8Kw/Z6O6AwGQ3bMsWbln64+mU0aI6Tf84n0tE9tegNClpdTxkNr44cprd3q/pZYpgU8828C5n0HDT938LmcEMY8aKmt4QJul+0+BSaA+6VkLBfijJg6o1/PqT3xRND0bjXMdXmmWeekVmzZinpPOyww9QQNXpI0ZuU16NQOwWxxvY9iJn+jbpHOuz3euXElFfQvYg2EC81ergevXX+rdiCJMdfLtQDvRagkmUUXLwjE5jSoHe2gPR7X7DCZBTngyFevnBgihr+m+49DZNR9JpDeNHRo4fpMZJAGS2u1aCMFscrE2fbkFFM9sbcoqADw3oY1kADXUhG0RhjHil6UoMOPWfJL6Po3cF8HO+B+XPeOTh6WAznYJgeD3GsXtTbcuhr2TMaXCUpo/ZuVT9LiAOmkOheUDx4sL2Mt7c0SEa9c6yPOuooNVcbPSgYAcCWZUE9o2ELEjF/1Ltgz/9roxbwhQ0LY+HOY489JhjCRA8i5AsjH/6FUfbouk0paGsnyAnmiULkMBTvlW3EDX8DW0i5/8C5eg6hXhwWxSuINaQFMdfD9RhexhCwd19g3W6ip1vP4fWXB3OY9b6llS6jes9RTF1BbzHWQWAPUv3vejqaHh3EvNtCw/T+e1j3vuL+DxPNqPvObW3Pd+qU0YzGD29kuGnQIPp7JmzIqMlm6N4eFP/5xTR8xQ7T6wVW6BlFo4LJ+BjWwop4NB7ehwRllDLq+hYOkglvLwzuDayg9c4j9T/I9ANQL37wvsAVGqYPk9FSe0bxQoieOMhM0EcRUF48rOfOnat6V/O6t29QO6U/noGeL/8LbliPdlQdK8Qr7MVQb1cHOcauCZDaIBn174QSVpZi2uSo35PHv+vFSujIQE8oplxgLnbQlAu8CGDtxKWXXhq6x2zYPVxIYimj8WsOZTQ+O6dXFlrth79hgQQa0uHDh6tymG7thCEIvRLXu7ow7MeENaRhX7QISqdYGdVDWHq1KHqe9Gb4/n3fKKOUUac3omcutVcUvCvnMdT9l7/8pdMKe//9qBc/YL6ZX/70vWTSM1pozijuVcgjNvDGF9L0PWMyZxTlg5xBkrFrhT7wYoi54ejVDRrud82+1PTDBA29ZpjzidEYbzywuAi7eIRt3aPLUwyvQqMUuq1DvUDb7C0P5rVizih64DFPVW+5RxkNrxUQUCwIPPvss9WuF5h+ErSHrJ4zjZE2CGnQVJSgZ6reJsr/HNIloozGv2Mpo/HZOb1Sz0FDD8i3vvWtjptFf7pR73+mv4iEhxAm3nsbUQwjYX4avmiEYR7/3CIMX3hXjOLNEm/nmG+DbSkK9YxiWxn0BuGt3rvSE9fgoYZtTzAXCw1pMTLq7S3A4g30iuLQq/cxFOrdDB8rgiHXeIB6F3R4h0Qrce4Oh+nt3Z5hw6x4WL377rtqUQ8WGXnrn/9Bph9SWH2N3k69pyXqM6QIvTkmMlpoNT3udcgX7mnvanqMKOBe0nslBq2m1xuDY7GM9wtBurcJK/PDtrOxR9p+SmEyirZR713s/bSwbquwsBMc9K4COB8dAIgT9jnWq+5NeBW6F/Vw/YIFC9SP987X17HGCBG24MJCK72ADOKqN3rX05v0b/32t7/dscuCfaLZTlHvOYqhdPwP3IKms3g/LY2/4zzv4jw8h/QCNe9LmN7lBdur+TfLBxn0muLlDR0o3/ve9yJfILJNM9nSUUaT5W2cm35gQOzQIELK8EDDnC5sguzfI1Bv44K/YUgN8yyxYTOGBdGQeie6I21sFI+VoUgbUoq0sV0M5sV4b7JCDan+LBp+FAQWZUSaGNbDwxmSikbdVEa9DXPQ6nndiwDx1A9Mb6OC/NGzg98ATliFX6mrGnXcwABz3ILe/LF4Aj1opvExrrxldmLYPaB7V7DS3N/7GNSrontt8IKGeYD6E4J4sUQ99i7iKzRcrPcZRbkwhIu52SgLevv0Fjb+fUb13qHoKYL44FpvG+J9cYW8Yg4j0sC2QhBovWVO3hYzFRq61kKJHQkwSoQpC+CAF3vsrYz5sniJxws/2h6IBr7UA3mFbOgX/SheUS+G+gUc5fHKKG4jxBpShL+hfcOHSSBcaKtxeL8CpHc4wXoA1Als0efdyL/MbsvAn6P3HMWeq3j2FBr9A3eII56TGN3AMwtCqp8fuK9xT+JDE3q+KTJFBwh2eUFc9WdE8d+9n5jFC6Hedq0SuNv4jZRRGxQdpQFBRKOI/QbxRoYbBSJ22mmnqYeZ9wZBETDx/uGHH1YNFx4aaJCwwAj7EuJG836BCQ8/DGPgAYmbCo0r0sZWTVhMpI+ohhQSjKEtTB7HwxUNIVaoYoGF3nbGVHbwQMUm1GgY0AuDtLwHGhp8bg0S7JVVDJmhlwOrj71fgcKqZ/SQVnLPKBrcsEO/oJjGx1E1z3yyYfeAXq2LF0D/MGqQTOreNYxg/P/t3cFq60AQRNH//+twFwIjAn4FvXnkGLJKp2OOJU1JHo3q2WDZXeuFjOoLGi2q3n79be7i+wlMBaJuSGzf+1zu6bcnMHXC1nqpTfH5PIY0+LZvdWNiXxH3t53MdbNVP/9bEG3D+jaP8vn959euv5nl0DGndV+fK2j/6vXtGNr7fE60C4/vaRzPONAV0q6I9vl2EtIDQQrQz6tjX3OZmyfZeyuodpHgr72ek8SM3ktivS0aB3NtfeC2+dw6CWt8bQxr3HyPs/XoM2nsbIpNx9i2mcar/mfbUiHVaxMQRjcv1QQIECBAgAABAocCwughplYECBAgQIAAAQKbgDC6eakmQIAAAQIECBA4FBBGDzG1IkCAAAECBAgQ2ASE0c1LNQECBAgQIECAwKGAMHqIqRUBAgQIECBAgMAmIIxuXqoJECBAgAABAgQOBYTRQ0ytCBAgQIAAAQIENgFhdPNSTYAAAQIECBAgcCggjB5iakWAAAECBAgQILAJCKObl2oCBAgQIECAAIFDAWH0EFMrAgQIECBAgACBTUAY3bxUEyBAgAABAgQIHAoIo4eYWhEgQIAAAQIECGwCwujmpZoAAQIECBAgQOBQQBg9xNSKAAECBAgQIEBgExBGNy/VBAgQIECAAAEChwLC6CGmVgQIECBAgAABApuAMLp5qSZAgAABAgQIEDgUEEYPMbUiQIAAAQIECBDYBITRzUs1AQIECBAgQIDAoYAweoipFQECBAgQIECAwCYgjG5eqgkQIECAAAECBA4FhNFDTK0IECBAgAABAgQ2AWF081JNgAABAgQIECBwKPADT0Qa+lQrJ78AAAAASUVORK5CYII="/>
+          <p:cNvSpPr>
+            <a:spLocks noChangeAspect="1" noChangeArrowheads="1"/>
+          </p:cNvSpPr>
+          <p:nvPr/>
+        </p:nvSpPr>
+        <p:spPr bwMode="auto">
+          <a:xfrm>
+            <a:off x="1222375" y="922337"/>
+            <a:ext cx="304800" cy="304801"/>
+          </a:xfrm>
+          <a:prstGeom prst="rect">
+            <a:avLst/>
+          </a:prstGeom>
+          <a:noFill/>
+          <a:extLst>
+            <a:ext uri="{909E8E84-426E-40DD-AFC4-6F175D3DCCD1}">
+              <a14:hiddenFill xmlns:a14="http://schemas.microsoft.com/office/drawing/2010/main">
+                <a:solidFill>
+                  <a:srgbClr val="FFFFFF"/>
+                </a:solidFill>
+              </a14:hiddenFill>
+            </a:ext>
+          </a:extLst>
+        </p:spPr>
+        <p:txBody>
+          <a:bodyPr vert="horz" wrap="square" lIns="91440" tIns="45720" rIns="91440" bIns="45720" numCol="1" anchor="t" anchorCtr="0" compatLnSpc="1">
+            <a:prstTxWarp prst="textNoShape">
+              <a:avLst/>
+            </a:prstTxWarp>
+          </a:bodyPr>
+          <a:lstStyle/>
+          <a:p>
+            <a:endParaRPr lang="en-GB"/>
+          </a:p>
+        </p:txBody>
+      </p:sp>
+      <p:sp>
+        <p:nvSpPr>
+          <p:cNvPr id="15" name="AutoShape 10" descr="data:image/png;base64,iVBORw0KGgoAAAANSUhEUgAAAqMAAAGhCAYAAABVv73+AAAgAElEQVR4Xuy9CbgV1Znv/Z75MCggMjghiCOIIM7zgAPiPGA0DiSKU0hyO+l8N33TSfftDP3d9NfdSSfXiIo4gBHnAScURBE1KlERh6goCCoKKsjMGb/nv+h1qFOnatfatdeqYe9/PU+eqKdqrbV/76pVv1pTVbW3t7cLDxIgARIgARIgARIgARJIgUAVZTQF6sySBEiABEiABEiABEhAEaCMsiKQAAmQAAmQAAmQAAmkRoAymhp6ZkwCJEACJEACJEACJEAZZR0gARIgARIgARIgARJIjQBlNDX0zJgESIAESIAESIAESIAyyjpAAiRAAiRAAiRAAiSQGgHKaGromTEJkAAJkAAJkAAJkABllHWABEiABEiABEiABEggNQKU0dTQM2MSIAESIAESIAESIAHKKOsACZAACZAACZAACZBAagQoo6mhZ8YkQAIkQAIkQAIkQAKUUdYBEiABEiABEiABEiCB1AhQRlNDz4xJgARIgARIgARIgAQoo6wDJEACJEACJEACJEACqRGgjKaGnhmTAAmQAAmQAAmQAAlQRlkHSIAESIAESIAESIAEUiNAGU0NPTMmARIgARIgARIgARKgjLIOkAAJkAAJkAAJkAAJpEaAMpoaemZMAiRAAiRAAiRAAiRAGWUdIAESIAESIAESkC1btsjMmTPl4IMPlsGDB5OIYwLLly+XF154Qc466yzp3r2749yynTxlNKPxaW1tlb/+9a/y7LPPyldffaVKecghh8gFF1yQ0RKzWHEItLe3y7vvvitz5syRTz/9VNra2mSfffaRyy67TOrr6+MkyWscETCN1fr162X27NnyxhtvyMaNG6W2tlbFc7/99nNUMiZbLgRQb5566inp3bu3TJo0SXr16pXYT9u0aZPcfvvtsmTJEjnjjDPkmGOOSSzvSs3olVdekQceeEB222031UZsv/32lYpCKKMZDD1E9L777lMy6j1Gjhwpl1xySQZLzCLFIQC5gYQ+/fTTgn/WB3okrrjiCmlsbIyTbGLXLFu2TKZMmSKbN29WDemIESMSyztuRosWLZJp06YpthMnTpRBgwappHDPPfHEE/LOO+/I6aefLsOHD++UhWmsvv76a7n55ps7XiB1InnhE5drJV7nov6nJaP6mfPaa6/JEUccIWeeeabU1NRUYlgT/c3edmXIkCEyYcIE6datW6JlyEpmFSWj33zzjVx//fWyZs2aUP51dXWy0047yfHHHy/Dhg2T6urqxGP1wQcfyK233iotLS3qoYi3VLwhNzc3V2xFTTwICWT4xRdfyE033STr1q1Tb8bnnXeeDBw4UA2VoUGqqqpKoBTxs3DxMI5fGrMrw2T0k08+URKJ3qF9991XLr/8ctWjqQ/TWD300EPy4osvqmtPPfVUOfTQQ1Uc8WBH28KjfAi4qP9pyegzzzwjs2bNkj322EMJkX4RNnlmeiOaRo9u3msUXgSmT5+uXoRPPvlkGTNmTObbfhfMKaMFqOLG/Pa3v5141zmGadAo9enTR6677jo1ZMOj/AhgGPfPf/5zl166rPzSMHHT5XPxMHb928N+E3p30WP64YcfytixY9XLqPcwiRXSQE8xuIwaNUouvvjisn+o4DdPnTpVli5dKpU2cuOi/qcho6tWrZIbb7xRmpqaOo0WoP5TRl23SFvT13UJL7FXXXWV6hCrtKNiZTSo4UTPI27MefPmqflemL+n3xST7Dq/8847ZeHChWoCeR6GayvtprH1e9N48BRT9kqS0SguJrHyPrhPOeUUOemkk6KSzf3fKaN2p6mY1DOblQbDxA8++KD85S9/kdGjR8v48eM7Dc9763SlvWzY5ByVFuJw//33C+aQYjTl/PPPL/sXWT8TymhALfHO48CfL7zwQjnooIOi6pO1v1NGraHMdEJJP3iKhUEZ3UbMJFaU0cqa014OPaNYHDt58mTBojsMz2OKivegjBbbasY/H6MyGGXAdJ6rr75adt555/iJ5fBKymhI0LAKFnPIsMIZc0exAME7oRu9qJjs/dxzz3UsVsBwOla8H3300V0Wn+iGC9lh4QQWOjz55JPq//FGes4553QMdwUVKaiXVJfh+eefly+//FL15KIHF6t2MV8Nw/z+I6ocF110kVqQoofe0MOD34OpA+itxfxGzKPdZZddZNy4cTJ06FCVxYoVK+TRRx9VKzEx1xU3FBa0hJUD14SVH6vJMW9mwIABXcqvRR1v6RgGRQ82REHvONC3b1/VI4Vh0rD5vvh98+fPl1dffVXNH8bLB+bkHnjggXLiiSeGLhwqNuZh7YH+DUF/D5tzhTmLWOz03nvvqXmN+G077rijKm/Qb/XHELF4+OGH5aOPPlLTPr73ve8FTj/xXhdVD/0P41133VXNO4PEgpVJHQD7jz/+WC3i0nUHdbhQHYhqZ5E35m0ixniYYugLDTuG38EuaAFTmEiaxArX6oVcQWUL6iXV8Xz77bc7WGEBA+ru7rvv3qlXpNhY6vr98ssvq9+v6wpWR6Ot8c9djXNP6ReVsFiYLNjyt0Uo12OPPabqgbf+oJ3BKmO0b977Xd+3aJ+OPPLI0Dm5cdpJ/bv8eWL+r77v0NbccsstBRfwFRuLqJcepIf5nWiLddu13Xbbqbb2hBNOKHr1PdrAe++9V7XnGB72by/kWkbB980331SjkZ9//nnHsyPsXvCL8ty5c1V7g+cSYoOYYAHW4YcfHlofgtp/MMQzBfdq0MJRXd/Rdl577bXy1ltvqZ1uIPGnnXaaYq+PuM8Jr3Ngncixxx4b1dSV1d8powXCGdZDuXbtWjXXDw/2oKN///5qeH2HHXbo+LNueFFRIbd4COFGxIGbAMMjM2bMECyk2LBhg2qM8RDt0aOHusnwoIco6u1+0BBhGw7IctCBhh3bQEFUvAthosqB1frehx/EFqIZtOgL5UO50RBArCGh/gON25VXXqkW6HgPTIdA+VeuXBlafqSN8nsPHRO8wYMFGjL/gd8bNhEcfO+4447QRWxobLB4Bby9R5yYh1UtDIthOycsVNJi2bNnTyUNeOiihwKNIw48cPGyEcYX5+CFAA9/74PEG0P8HbKuY1hokQHmjel6iDqIugieqIeIt7ceemUUMqC3MvL/bjwg8KDz3g84BxP38fDFA0XfC95rUYeD6kChFhgNut6exn8e+EJKUQf8q+nDZNQkVqgbYIZY4uGkXwobGhpUEfBQgTDpeGIo7pFHHlH3eFAZ8UDEw03ft8XEEg90yDbur6Bjzz33VHXFO+0ozj31t7/9TW1Jg/qJOqJfQFFPcGAxnr+XzV8er4zutdde6p4IakNQfy699FL1woJFHkEH6rh34Y0+J247iesRHwydotMhqI1BO4/OBJwXJN9xYlFIRqPaLtz/eEZEcde/Bfcf6gqY4iUF1/oPlzKK++Xuu+8OjSnq/3HHHac6NPwr+yGD99xzj3pWBR2Qa9QH/3qLKIZohxFLyLD30DIKxtiBA50CegcU78tmqc8J1De8ROJ++M53vlNRix4powWebEEyqvdi0z1M5557ruy9994qFTTQqEx4IOG/4WbQvRDeBzfOxU1y1FFHKflAD6Z3g+GoYXpvGfBQxVY0aEwgC5999pnaFgqSin+HWHkbJ5Ny+HvHsMIbm/KixwYNGN7K0YOB89BI4KZEwwxxwMMe/33BggWqlwwPl/33319tSaUbFJQfPa/oEQMHPLjAC40Pyo8GCg05HkIYrvD28Hp7qvD70NsDjngI4lq85eNayByu9fau4sGE3m48qJGvjh3yff/999XDFefgt1xzzTUdQhg35oWkCX+L6gXBORA8NLrgiN5CxAE9M5BG9Cbg7RwPQ39988cQ9RB1BHOgIfE4P2p1dzHD9Cgr6snZZ5+t6jLyR+8kRBNlP+yww9Q8KH14p8KgXkC+9IgCevlxH+Eew8PBdEI/6iauQ92DeGKUAj2NqAt4oXr88ccFO1XgMJVRXV6TWJkM0+t4oqzYWBwPWrQBeIhhs3G8XIGH9741jaV3WynEAtOLcD8iL/SA4Z5FXUGvEeq+lt1S7qlS5ox62yKUBfUTPf247/GCi9EYxBJ1BXUV9QjM8PBHTPGChZjixR7X+6dTldJOIu56hTn+GW0oemj79esnq1evVvcuJFULiV9G48YirJ55OeOlDh0NuJeRP9ouvDSh7UL5cL+YLHrFcwpD9OgQQNuN+yVJGdW/Ve88gXqJtgn3P17WIHz4G0bAvNvGYaN49EjjxdNbz8EC2yFihA68/G2iNyZB7T92wsA5QW2OfyQA+aIHFu0IFhvh3208J3RPdSUuXqaMhhiD9+b3vqVg6A8PDfQsfPe731WC5j0WL14st912m3oAeOfgeBveqEVRUTKqy+B/aOlyeG8K9GShcdI9ISbl8P72sF4tTHiHvOHwyxv+GxoGcEJZ0Xh6h4Xx8EDvJB4wePtDb4338JbR30hqNmik8PDx95xiiA8NFWQNOyF4/44HF+QtTHAgLJBVNNKQPt2bFTfmpcooHshY5YqHhb9h1Wl75cb7MPbGEG/zQXU1qnzFyGhQncY9gHihF8M/DKhZo1ctqBcb/x1D33ip8otsWLm9sUeaEFHvqADKgxcdMEtDRr3xxBx0CIW3x0dv8YL7w9vmmMTSuxAl7J5FjyxkHfUBL1t4gOIo5Z6yJaNhPNDLjZd8HH6Jxn9DPcH2aKhP/t69UtpJPZcSLxhoQ771rW91ihV4Q6bQW4vDK6OlxCJMRvHijnZN98JidC3ouYO/oxfZZM9fvZ0ZJB8jeXrKlTddVz2j3p0nghbseO9/784U3jYl6LmDsqO+4PmCOOhnsDcmYe2/V1b9HSheGQ2qq8jXxnNCzxtFu4ARRb9fRLXZef47ZTQket4eKT1/w9vwhq14856D4Tlci8MrWH5J8hehkIx60/ffMN50MPSCIRgcYVIcVg6TB4z39+Chj94K/xEmM+i5xMMjrIfOO3fGP99Os8FQCebe+uf3eN/2vdd60/TGxVtmNFjY7w3l1itHS4l5VMMQ1duGcqA8kHY0TP6hI6SPhw/2pMVLUJjA4MGEB1Sx+5YWI6NhdQkNNHo5/FMD9G9HTw7EKOjLI/qcsPlsfr7oEUFvMeb/Yl4XpMy0Tkb1akbFCvlEpaHjiRfDsAUK+hz0/OE3oBfcWwfDYolesRtuuEH12oXNN/Oe433Ji3tP4TebtBVh94HJAiDNHfd52MM5qL0stZ3UPVRoo8LuvbDylxKLsHoGwYKY67bALyloB9BDipdw3VMX1f7oTgFMJ/F+ACIJGfW202HPD2wXhvoMecTLLgQNvabozcVIQlhvrld09TPAGxNs24Ze7qAD7QfaEYy0eV/YvG1hUD209ZzAsxEdEJBxk3nXUTHO098po75ooRJgeFEPf3qHPbwVpZBQ6sbRu/DJpOHVRSkko94yhN2MSCfsZjcph8kDxvvgDbtpomQm7Ebx5h8mo2HbXoVdq3sB8HcMgfq/sKPLgl5lNOh4CEEaSol5VEMQJTh6/lCUjGnhg4ThE4IQP5MYRpUvKn4mdck78V9/3hAPToweYMi8kCjrayGqWszCyuxNM2jBob4u7DdFiWRUrExkVMcz7EXK+9KKHiDdW2USyyhZ8Yuj94UsaiSm0P1oUrZSZDSo/vjTCyp/qe2kyb0XVv9LiUVYPfP21EJEMb8z6GUr6p72/t2EbTH7jBaz9ZO3hxM99XiWYX1C1EdmtEDj5QQjfv65/fh96FRA5wN6fCHaOFfHBOmH9QLj2rD2PqottPWc8PL2js4VE9e8nluxMmoSMP9iFt2FHrTwICg9rzCZPLhNZNS0Gx9ChXmZmHfnbSRMymHygLEho0gDi3PQwOCfgxYv2JJR7wMirBcgKIalxDyqjhUSHO/igqiezaAeDpMYRpUvqgE2qUtBDzxvL3VUGfB3/5B60DXe31toWD8tGfXG0+Q34xz9kmcSS92TZ5q2t00oRxkttZ3UTAotJAmr/6XEolCb4B2twygHnk+YR47pCVggWuznO13KaNguFN5nov/TuXj5x+gP6ibm6Abt7R020hJV73VMvC/sQdegx/VPf/qTmjvqffZEtYW2nhNRL8VRvzPPf6eM+qKnt0HBDY4Vwt5h4KjtTPwVwYWMRt0U3jJ4t2zR37Q3EQiTh1+pMoqGFYuNtNhjWEQvqPGu0LUlo8VwC+o9ML3Ji/lQQaEHj0kMdJn8W+Sg562Y68N+WxQzk7oU9MArprcljowW2nA+LRn1xsO0LhUjo7oumaZd7jIaVXej2smgttPPNqz+lxKLqB54TG/CXHx0Mnh3oMBzCivP0eMdtTBR/w79VbFCu2vEnTNqIqMoB+4LvVAN/6wPPIfRU4reQe8C1ig+YfXf9LqwUYCo+lSKG3jLTBk1bcFyfl7cG0v/bJM5NmGITB7c+tpCPRWmb/xhMmJSDhORKUVG9WpIDIkfcMABao9VvSWMbqC8+5x6v2QTtxcnbs9oKTGPul1s9YwGNZQmMYwqX1QDbFKXgmQ0rPchqjyF/h42V9t/TVoyGjZSYfKbTWKJXQueeOKJLnNzTdKPe0/579Vihmlxbdz64/9NQeUvtZ0MmmplKqOlxMJUmvASjzmV2A4LUolpWTiiFsd6f0OxPaPFxtek7ulzINZYqImpO+jFxD686JTwL7503TMaJoNRbaGt5wSH6YupNTk+t1QZ1fMOIVFRi5BMG64gnKZzRguVIctzRvVCk7C5kGnOGfXHo5SYR90qUQ8ekzmGyCNvc0a9YhY1BSGKof57sfNQ01hNj71IsR1QoTmjQb/XREa9D8NiV+GWo4yazuELaydN7r0wmS4lFlFtQlD9gMi99NJLauEN/tn0i4EmAlXqM9P0/g1qd/V+0N6FuiZzRoPyNJnHi+vizhm19ZzgAqa4NSZn15V6Y3kbrkIr2YOwmPQC6OsKPRwgwth+CJW/1NX0YQuPTB5+pfSMRg2BBa2GNGHj76kpdjU9rtebnGOICHsxlhLzqNsj6sGDPfOwx2ipq+nj9mhE9QaY1Omw3hf9sC+08j2Kn//vmmehPfrS6hn1vjQUWqEdV0a9D7FCq4WLffktdE/5/1ZsPSul/nh/R9h+0KW0k6gn2Mmi0ErzsPKXEougNgGCiRdODNFjwQ6mj/l3xvDOwzbdCi3NrZ3Qc409ZDEvFF/b846M6djqTgts4YQFjFhVb7Ka3vvhDv3BCe8CsFJX0wetObD1nNBbeIFBsS+VxbaXWTu/YueMFttw6sDpvSrD9rnEeXgLw9AJ5rvor+KYNLymwqX3Mwvbp9N0n9G0ZFT3EAVt6+PdDB3/bGvOKNjq2GF1NrbtQP7eAw0WHmCYvO7dHiduzKNu9igZ9e5LidX/2J7Jv0jBZJ/RuHU9qufEpE6Hyah3T9CwffswnI9PmOKBYrLfnsk+oxAM/K40eka9D8Sw4VR8lQu/GTsCIOaQDpOXQ//q5KB9ZXE/4esueKBjs309t7CUntFSph+UUn+iZFTLP+ZXxmknTfYZRbuAz0Hj8LalpcQirE3QYoY9m7GK3L+SHvcKtgTCBz0KzZn2cktz03s9jQKijZX0WKPhPVBX8cKKvXG98/D9exdDDP0ii+kLmObl3ZPVu89oWPtvss9oocWUNp4Teh5v1EKrqGdLHv9OGS0yal5BQCOHRh1voniDhgRCFLEtFFaGYy8zTCrHYdLwmspooS+LRH29wqQcJg+/UnpGdY8fGgisVsW3fbGvItjiq03YL09/2cS/B10pD07vF5ggouj5hBTgwIIA9IqiMfdvphw35lFVK0pGcX3YF5hQvzDkq7+E5f8cokkMo8rnHXrCl66wkbz+1CUkyaQuhcmo9+GAtNDLjxcA9GrigYM6ACnDAwIfRcDHEfSncMPK7f8CE77MBZHFwwpz0LLwBSb9IonfD8HG18ew+Tz+HV8QwwMYG/2jfmIvUjyUTGPp/WgDepHOPPNMNScbLzCQFWzQjvl4WByCBY16e7NS7inEQr9cYiEMpAxlR55RC2lKqT8mMlpKO4n0vV9gQv0cO3as+oAH6iT+VugLTHFjEdYmeNPzfnUI9463zS+m1927w0NYb2qpo4lh9ypEEfum4j73fkUQdUY/R/XX2/w9md4vMHnvIf2de7yABH0FsdAXmHDvYRQKvdpBn7COGiXC77TxnNAvHfwcaNTTKed/t3VjRX1XHY09Pm8IkdI9WSYNr6mM4jyTby6jZxab8wd9mx4PuLR6RtEI4pOlkNKgA9uUoIcIE9r9cwpLfXBGfZsYD1Jw0V+n0eWLE/Oo28VERk2+TQ+hxvxh78bxpgJTqIzeB4Y+r9gdIgotkkD6eAFAPdAvH/7yBP22QmX2Coj/PNyX2AoHPag4vMNtUatYTWIVlQbyxAMTIoP0vKuhvWX118FiYonfho9d6AUtfgZ42PvbhVLvKf3FG+/WbCYbdpu0iSaLbAqVP247CW6F2im0qXhJgiSCddDvjROLQvUs6nvsGK2DMOPF0fQDF3rLo7D5+7aemUH3bFRscA1GCPD1K/82T1EswtqNqPYfL3HYw1V/4luX20RGcW4pzwnvfR724YqoZ0qe/86e0ZjRw4MUb8bYJxNvprrHCCKFnj58E7pYCSxGRnFuWBkw3xE9tt4tMXTaJg8Ak4dfKT2j+qGMXj88mMEPMoKhJ/QkY8gGPUTg650vhOtKfXAiDfw+9FChIUaDiAO9OvjWMP6HXu6go9iYR1UtE8HRaaBnb86cOep7zRAuvQUZvuWNz+X5N4s2iWFU+fB39KjpebSIEfb/Q68aemBM6lKUTCBNzJMCCzy8wRgPVdQF9IjgtxW7fyLSwIcrEGPUU6SH+xEPapQbnxlNS0YLxRN1EJ+89NfBYmPpr99gjN5hiDh6t/1DvKXeU0j/9ddfVwtoIGYQXsgZ6kqhw0b9MWkT4rSTutxo19FOoX5i6B5tOr6KhfsOwoM9KdGGFHqx97Y1UbGIahNQn9FjiKkmuDeRHkQNscXcywEDBpjc1h3n6OkImHMatBm8Sxn1PsPACGXBC42+X3H/Q0bDNsLXLNDGoFdSt4noCCrUbgTdHxiZw3QmTHHwf9UP5TSV0ULP5TA30MHQ04zw+8O+0FZUcHN2ckXJaM5iw+KSAAmQAAmQgDMC3uky6ATA/M1iX/6cFa6CEkYc9BzkSo0DZbSCKjx/KgmQAAmQAAl4CWBoGYufsBitmK/TkaI9AjoG6InHArWddtrJXuI5SYkympNAsZgkQAIkQAIk4IKAXqyFhTMTJkyIXHzmogyVmqaem4xpaZhGg+kWpnN+y4kZZbScosnfQgIkQAIkQAJFEqAQFQnM0unerQyHDBmiXgT8i7UsZZX5ZCijmQ8RC0gCJEACJEACbgnonSiwkAafaMZCOh5uCWAf1QceeECwuAmL4Lw7orjNOXupU0azFxOWiARIgARIgAQSJ4At9R555BHBhyj0HsyJF6KCMsSeqS+88EKnD+RU0M/v9FMpo5Uaef5uEiABEiABEiABEsgAAcpoBoLAIpAACZAACZAACZBApRKgjFZq5Pm7SYAESIAESIAESCADBCijGQgCi0ACJEACJEACJEAClUqAMlqpkefvJgESIAESIAESIIEMEKCMZiAILAIJkAAJkAAJkAAJVCoBymilRp6/mwRIgARIgARIgAQyQIAymoEgsAgkQAIkQAIkQAIkUKkEKKOVGnn+bhIgARIgARIgARLIAAHKaAaCwCKQAAmQAAmQAAmQQKUSoIxWauT5u0mABEiABEiABEggAwQooxkIAotAAiRAAiRAAiRAApVKgDJaqZHn7yYBEiABEiABEiCBDBCgjGYgCCwCCZAACZAACZAACVQqAcpopUaev5sESIAESIAESIAEMkCAMpqBILAIJEACJEACJEACJFCpBMpSRjds2CAvvfSSLFy4UMaPHy+DBg2q1Pjyd5MACZAACZAACZBApgmUjYy2trbK0qVLZc6cOfLRRx9JW1ubNDY2ysSJEymjma6CLBwJkAAJkAAJkEAlEygbGV20aJFMmzZNCejo0aPliy++kE8//ZQyWsm1m7+dBEiABEiABEgg8wTKRkY///xzwfD84MGDpaamRu6880557733KKOZr4IsIAmQAAmQAAmQQCUTKBsZ9QeRMlrJ1Zq/nQRIgARIgARIIC8EKKN5iRTLSQIkQAIkQAIkQAJlSIAyGhLUpqamMgw3fxIJkAAJkAAJkAAJlEagvr6+tAR8V1NGQ3B++OGHsmbNGquwmRgJkAAJkAAJkAAJ5JnAfvvtJ927d7f6EyijVnEyMRIgARIgARIgARIggWIIUEaLocVzSYAESIAESIAESIAErBKgjFrFycRIgARIgARIgARIgASKIUAZLYYWzyUBEiABEiABEiABErBKgDJqFScTIwESIAESIAESIAESKIYAZbQYWjyXBEiABEiABEiABEjAKoGylVGrlJgYCZAACZAACZAACZCAEwKUUSdYmSgJkAAJkAAJkAAJkIAJAcqoCSWeQwIkQAIkQAIkQAIk4IQAZdQJViZKAiRAAiRAAiRAAiRgQoAyakKJ55AACZAACZAACZAACTghQBl1gpWJkgAJkAAJkAAJkAAJmBCgjJpQ4jkkQAIkQAIkQAIkQAJOCFBGnWBloiRAAiRAAiRAAiRAAiYEKKMmlHgOCZAACZAACZAACZCAEwKUUSdYmSgJkAAJkAAJkAAJkIAJAcqoCSWeQwIkQAIkQAIkQAIk4IQAZdQJViZKAiRAAiRAAiRAAiRgQoAyakKJ55AACZAACZAACZAACTghQBl1gpWJkgAJkAAJkAAJkAAJmBCgjJpQ4jkkQAIkQAIkQAIkQAJOCFBGnWBloiRAAiRAAiRAAiRAAiYEKKMmlHgOCZAACZAACZAACZCAEwKUUSdYmSgJkAAJkAAJkAAJkIAJAbcdXrkAACAASURBVMqoCSWeQwIkQAIkQAIkQAIk4IQAZdQJViZKAiRAAiRAAiRAAiRgQoAyakKJ55AACZAACZAACZAACTghQBl1gpWJkgAJkAAJkAAJkAAJmBCgjJpQ4jkkQAIkQAIkQAIkQAJOCFBGnWBloiRAAiRAAiRAAiRAAiYEKKMmlHgOCZAACZAACZAACZCAEwKUUSdYmSgJkAAJkAAJkAAJkIAJAcqoCSWeQwIkQAIkQAIkQAIk4IQAZdQJViZKAiRAAiRAAiRAAiRgQoAyakKJ55AACZAACZAACZAACTghQBl1gpWJkgAJkAAJkAAJkAAJmBCgjJpQ4jkkQAIkQAIkQAIkQAJOCFBGnWBloiRAAiRAAiRAAiRAAiYEKKMmlHgOCZAACZAACZAACZCAEwKUUSdYmSgJkAAJkAAJkAAJkIAJAcqoCSWeQwIkQAIkQAIkQAIk4IQAZdQJViZKAiRAAiRAAiRAAiRgQoAyakKJ55AACZAACZAACZAACTghQBl1gpWJkgAJkAAJkAAJkAAJmBCgjJpQ4jkkQAIkQAIkQAIkQAJOCFBGnWB1n+h/Pr5FHnujxX1GOcnh2H1r5Sen10uPhqqclJjFJAESIAESIAESAAHKaA7rwZ+ebpL7X23OYcndFhlC+s/nNbjNpITUH3i1WR5c0CJtbe0lpFI+l47avUYmnVIv3ev5AlE+UeUvIQESIIHiCVBGi2eW+hXn/G6jrNtEoQkKxJyf9Ug9PkEFePyNFvmPx7dksmxpFuqwoTXyr99qTLMIzJsESIAESCBlApTRlAMQJ/sx/7ohzmUVcU1WZfSHt2+Stz9tq4gYFPsj75zUXQb2Yu9osdx4PgmQAAmUCwHKaA4jecn1G+Xzb9gzmqee0R9P3ywLl7XmsLa5LzJl1D1j5kACJEACWSZAGc1ydELKRhkND1pWe0Ypo+Exo4zmsBFikUmABEjAIgHKqEWYSSVFGaWMJlXXksiHMpoEZeZBAiRAAtklQBnNbmxCS0YZpYzmsNqGFpkyWk7R5G8hARIggeIJUEaLZ5b6FZRRymjqldBiASijFmEyKRIgARLIIQHKaA6DRhmljOaw2rJntJyCxt9CAiRAAhYJUEYtwkwqqTAZPWSPGrn8mHrZc0C11NeKtLaJfLa6Te7+S7M8sTD6a03YfHzCsXVy4vBa6dNj61Y7m7a0y4IlrXLbvGb5+MvCWxP99uJGOWhIjXy1rl3+z8wt8vrSbavH+21XJRNPqJfD9qyRno1b0167sV1eeL9VbpjdJBubOu8O8P99u1FGD64JRPplQPr6RC5gSqoW2suHPaP2WDIlEiABEsgjAcpoDqMWJKMHDq6Rn57RIDtuXyVfr2+XJava1N6NO/eplo1b2mXKs00y87XCQvrTMxvkpP1rpaVVZOmXbbKpqV32GlitvpDz4co2+eUDW+STr4OFdMIx9XLREXVKgv2yiOv/5fwGOXBIjUpzycp2qaoSJc11tSJ/XdIqP71rc6dI/OHybrLfLtWyYk2bbPF9bGrNhq2/570VXctSLjJ62shaOf+QOhm0Y7XUVIs0t4p8tLJNbn2uSV79KHqLqFJeLHbdoVr+6bwGGdq/Wr2AXHHTpk6xGbZLtVx6dL0csFu1dKuvErxGrN7QLs+83SK3z2vu8mIRdYtRRqMI8e8kQAIkUN4EKKM5jG+QjP7j2Q1ywvBaefuTVvlfM7Z0CMHPzmpQPZ1vfdIqfzets/B5f/oRe9XIT8Y1SGN9ldzybJPg05U4Dh1aIz85vUH1Zt4+r0n1svoPLcLoTa2uFiXD3p7Rcw6uk6tOqJfNTe3yuye3yPz3tsrUWaPrZOIJddLWJvK7J5vkuXe3yfLUq7tJv+2r5A9PNsnTb0X36pZTzyhE9Jox9Yr5itVt8tmadtm9b7V60YDo/+fjW+SVDwsLaSkvFoj3qQfUSnWVdJFRxPpHY+tl5x2qVZw//KJNeveoUuXDi8Xst1rktzOL+9IUZTSHjRCLTAIkQAIWCVBGLcJMKqkgGZ0ysZvs1rda7nqpWW6b19RRlOP2q1Xy0NQqShLQCxl0nLx/rfxwbL3q4frZ3Z17QPWQOYb6//2xzqKhez1H7l6j0t5/N/TESicZ/c6x9XLxEXWqJ/OHd3TuZYN07tKnc7lH7FYj/3hOg9RVi/z741vkpQ+iewLLSUZ/f1mj7L9bjZLzXz24lTc4//KCBhk1uEbmvt0iv3k4XPhKebHQItxYVyW11SLLvurcM6pfehZ/3ia/uHezrFq3dXrFeYfUyZXH16ue7397NFqWvXWQMppUy8F8SIAESCCbBCij2YxLwVL5ZRS9Vf9wZoN0b5AuPYn77IQh10bZvlvXv3kzGTO8Vv7H2HrZ3NxZWiFBv7usUYb0q1a9pZPnbBNdXA8BueDQOln+dZs8vKBZrj2pvouMXnZ0nVxyVL0acp906+aOXlsM9/78nEbp1b1Kbp7bJA8t2Nrrinmn6Nlrb+8stSahyvswvRbxHvUi//fpJpn15rZe4W8dXicTjq2XL77pzNHPJe6Lxe47Ih4NgmH615a2ysFDauTT1Z1ldPIV3WSP/l3rQqE6GBU3ymgUIf6dBEiABMqbAGU0h/EtRkbx89D7OLB3degwu+55U/M6B9fI25+2ytTnmuWzr9vku8fVC0QVw8O/eXizvOP5vjqG8H+Mof06kRvnNKm5puhd9feMaskZ3K9a9XJiGgCO606qV+L5wedt8pM7t0mqlqnWVpHmNulYTLV+U7vMfrtFpj4bPi8x7zKqf7ufIXjpXu4tLYUlPe6LBV4AcO3rH7fKu5+2qd5sv4yG3S66NxbzW/1TLqJuMcpoFCH+nQRIgATKmwBlNIfxjSOj/qHwoJ8NaUTv6AG71agFRvrAYqg/PtUkCz/eNlzuHZ5/9PVm+cOsJikkUhjG/8Ep9aqHVR/o+Xxzeav815NNnVbq6x5ALIZav7ldiXCf7lXSq0eV6i0tNC+xnGVU9z421BYWvo4FY0W8WJw5ulYmqmF2kd8+ukVGDqoxllEI7IWH16kFTy9+0Cr/dF/43OSgekcZzWEjxCKTAAmQgEUClFGLMJNKypWMfv+Uehk3qk5a27aueN/S/N+r6Ruq1Aru3zy0bWEUhucvPKxOrbLXvZphMgo5+snp9XL0PrVqZT96QhvqqmRIf8xLrJKnFrXI757YNgcSUgw5ghjd9eK2XtAfnlovp4+qU/MSw3rfKkFGg6Zj+OteMS8Wuud6lx2qZdrzTWresZ7nG9YzqsV4x+22vrWgtxYvCZMDtumKui8oo1GE+HcSIAESKG8ClNEcxjeOjEYN058+qlauPrFeSQUWKenV2lpUsMXQg/89Z1SvsK+pQg/dttXxYTKqxQbbQv3ywS0dvaB6mH+7xs4r+MNCAqn944RGNafRv1BLX0MZ3UqimBcL7LiAnRheXtwqP793a69mlIwiBmcfVCs79KhS20/h37H6Hi8W//E4V9PnsFlhkUmABEggNQKU0dTQx8+4GBk1XcCE7Xywkhob3Pv3/Lx2TL1aLY19Lq+dukl+Nb5RjtwreEN676/S+41++8g6NRf1sdc794Di3F+c0yDHD6tVw7tYnR11FFrZj2srQUajhumLebHQ22th79Zf3LftRSFKRv1x0sP8WFv/x1lNMudt8+242DMaVev5dxIgARIobwKU0RzGt9DWTtgHdOpzxW/tpGU0SAqvOK5eMI9z+VdtMnHKJvXPQ/pvm/upEaLnEl+B2tLSrrZ5wj6UD/+1Rc1DPXD3Gnnkta1zS70HFs2cMqKzBGPFNhY73flCk0yb33lf07AtrCqhZ9R0AVMxLxZgjQ8bRB1Bm9/7r8GHCvbdOXjXhULpU0aj6PPvJFDeBFaubZc7nm9SeyoHHiH/ueNczxqHTteHXRd2vr642Osslw87zFxyVJ36MEylHE5ldPXq1TJr1ixZtGiRNDc3S7du3WTkyJEybtw4aWxsDGW8efNmmTp1qixdurRgHAYPHixXXHFFR1rIZ9q0aYHX9O7dWyZNmiS9evXKfWyDZBQCMnZkrSxZ2Sa/fmhbD1fYpvfoqcT8Tf0VI90T9s2m9k7D9PiMJ7aGwteQova3DBum12X7eFXnYXps7fQPZzXIgF7Vct/LzWp7Jxx/N7ZBzjiwVq3q927gr/eybGppV0PBevN8b0Dz3jOqt3bq2SBy/dNNnT7jarq1UzEvFpj7i48L+I++PavUIqY1G9vVNk+r1rarXRAK7cxAGc1908IfQAKJE8Ci1Ctv3hT5uenEC5aBDO/6fnfpH9A+Z6Bo1ovgTEbXrFkjN998s3z11Vey9957C8Tx/fffV4KJf54wYYKS06CjtbVVPvroI1m/fn3g37/55ht55pln5IADDpDzzz9fqv576ferr74q9913nwwdOrSLdHbv3l1OOumk0Dytk3WYYNTnQPFt+MVftMnOvasEi1Kw4Mf7OVAtnus2b9ugHHP+fnFugwwdsPV8LGDC39FrtkNPsy//hMkoxBeChM+Trtu0dQETDqS9XbcqNfzvFWg9TxW9r+hdxfnbd6tSb4m1NeW9mh5cMBUBzF5f0ir/fP/WRWNhm97jv4/cvVqwCb3egN7Gi0XYMP1vLmyUw/eskdeXYtX8tgVt+Izs90+uV58u9e+PGnUrsGc0ihD/TgLlSwB7KeNDGTy6Erj8mDrBp7Yr4XAmo48//rg899xzShYPPfRQxbK9vV1mz56t/nfhhRfKQQcdFIsx0n7xxRflyiuvlCFDhnSkgXTnzZsnEydOlEGDBsVKOw8XBckoyo3tk7A9D6QN2yK1tol8trpNfcITX0/SB3rYLj+mXvV6YbESxAIHekEnnlAvhw2tkZ7dqgT9ZRDTN5e3yfT5TZ32GA3iVGhrJ/098xG7Vku3hq09cdi2CYtmpsxt6hApnW7Y989nL2qRG5/pPNTvLUvee0bxW7yfA8Ver8u/bpdBfatkpz7VXT4HqufQLlq+7XOvNl4swmRULzrDKnr9ooAFaNgZAV9tev5vLWqRWjEHZbQYWjyXBMqLAGU0PJ6U0RLrelNTkxpmxzD9ddddJxgi18fnn38uN954o+yxxx5y6aWXdvRqmmaJNG+66SbZaaed5JJLLpGamm0LaWbMmCGLFy+Wa6+9VnbccUfTJHN3XpiM5u6HOChwOcgosKCn8aLD69RKdfQ2NreK6kG+9bkmtc2WPn55QaNgw3nM0f2HGdsWgJX6YlFoARPmBeNlBvuKNtSJtLWL+ozs3Hda5PZ54R8kCAs3ZdTBjcAkSSAnBCijlFEQcNIzimH066+/Xkmod06n6g1bv14mT54sGDb3/83k3kHP5xNPPCGXXXaZDBs2rOMS9LpOnz5dli9fXjZzQ8N4UEbDa0q5yKjJvVAu51BGyyWS/B0kUDwByihlNBUZ1YuTNm7cqHowe/bsaVx7161bp3pVt99+e/nud78rdXV1HdfqdDFXFRL8ySefSEtLi5o7euqpp8ro0aOluro8VqZRRimjxjdNDk6kjOYgSCwiCTgiQBmljKYqo5DGYle3v/LKK/LAAw/I+PHju8w31T2uK1euVAKKRVJr165VPaVYEHXyySfLmDFjip4W4Oj+KylZyihltKQKlLGLKaMZC0jOi4P58dj5AVNHeIgM6FUl3z+5QY7cO3pv6DR4UUYpo7mS0U2bNqnV+ZiPes0118h2223XKYJtbW2qNxRSuu+++3b0gq5YsUJuvfVWtbUUrhs4cKDR/fbhhx8Kem+zePxyziD5emNtFouWepl+f+ZHqZchqAD/98WdZPFXwbtHZLLACRbqn8Yskx26m2+Sn2DRmFXOCCz5ulH+64Wdc1bqZIr7zyctkz7dsnefvbJ8O/nzG/2SgZCzXMbuvVrG7rM6c6XGjkWYamnzSHzOaNxh+jfeeEPuvvtuOe200+TYY48tigFW2T/11FNqnumIESOMrsWUgKweV99eLSvXZrV06ZbroR9s3TYqa8fPH6iStz6N2mk5a6VOpjw3TWiT/tsnkxdzKW8CM16ukhmv8D4LivIPT2qXE/fLXm/xM+9WyR9mM2ZBMbvo0Ha56LDsxQwLx3Mvo3EWMKFXE72bq1atUvNM+/btW1SLqjfDP+WUU9Reo3k/OEwfHkEuYMpf7c7yMD2+OvbAghbZ0py9B0IakR7Sr1rGH7Ztrn4aZSiU5+3PN8kdz3f+alvWyphWef7nGQ1y6gHZG1HjMH14jeDWTiXeLXprJ2x4j3mhpW7t9M4776gvKx1zzDHq601Bx/z582XmzJly+eWXy/DhwzudMnfu3I4V+KY9oyUicHo5ZZQy6rSCJZx4VmUUIvqdGzclTCP72R2/X636QEYWD8poeFTyJqP4oMeEY+vkxOG10qfH1p7TTVva5eUPW+XGOV33pvb+cv0Vuqg6ivnFc95ukX84s0Gwd3Kh48t17fJ/Zm7blxvnoowXH1knJw6rlb7bbd2b+66XmuW2eZ33wu7Yam/PGunZuDWftRvb5YX3W+WG2U3qwyZBB2U0KoIGf8fQ+NNPP91p4VChTe8xfI+uX+8KeWSDxUfYsmnJkiVy9dVXy847B88H+uyzz9T+o9gEH/uX6v1HN2zYIFOmTFGLmXD9gAEDDEqf7VMoo5TRbNfQ4kqXVRn9r1lN8shf2csWFM0/XN4ow3fN3oIYymj5yCiEEj25La0iS79sUx9gwQddujdUdfo6XdAvxnX4il3Ygc8u79CjSqbNb5J5f2uVsw+qVV8DDDp6dauS0YNrVBl+NG1zhzjiS4H/eE6D7NG/WvBJ06/Wt6tFc0+80SKPvLat3YCw/sv5DXLgkJqOrxvio5H4LXW1ovaI/uld2/aI9paBMlrcsyTwbO/nQLGgCJvcY0N6fBLU/znQZcuWKWHERvVXXXVVp092QkJvueUWGTVqVKdPf/ozhejOmTNHCXC/fv3U+VjUtGDBAsG+p1xNbyGoOUiCw/Q5CJKviFmVUXyiEEOIPLoS+M9LGtUX37J2UEbLQ0bxpTf05Harr1I7Izzw6la5w3+HpHavF7l5brM8HONl8eyD6uSqE+rU1+x+fu8W+eTrwusMfn9Zo+y3S43c93Kz3Dx3a4+nVzDxlUP01KKXM+g452DkVy+bm9rld09ukfnvbT3vrNF1MvGEOmlrE/ndk03y3Ltd2xrKqKUWBr2R+HQn5mxi3ie+RT9y5Eg11N7Y2NiRC77KBBlFryUWGem/6V7RDz74oMunP4OKCPnEQif0ymKKAA7ML8VcUeSrv2Fv6eellgx7RsPRU0ZTq5axM6aMxkaX2oWU0dTQx844T8P0lx1dJ5ccVS+fft0mP7h9W28kfvyvxjfKkXvVyFOLWuS3M4v79DCuxyeUDxjUWS7DoJ4+qlauPrFe9Xh6xVUL7cYmUZ/UfuXDYBFFuvprdu+taJMf3tF52s/Uq7vJLn2qA4f2cS1lNHZ154VJEKCMUkaTqGdJ5UEZTYq0vXwoo/ZYJpVSnmRUz/l8bWmr/D9/7jyE/cNT61Wv4usfd/1bFMsxw2vlB6fWy8YtIr9+aLO882nhXtHfXNgohw2tkUdfb5HfP7lNfCHE+Azz3Ldb5DcPFxZiLdYr1rTJpFu3ifWwXarl5+c0Sq/uVarH9aEFXacEUUajIsq/p0qAMkoZTbUCWs6cMmoZaALJUUYTgGw5i3KRUd3TuGRVm1w7tbgFhr8e3yiH7Vkjj/nkMgj1CcNq5X9AXJu6iit6NAf0qpa577SoqQM79Nw63xQ9qI++1iKYLqIPzC39+TkNMrhftbz0QauadoDjupPq5aAhNfLB523ykzs79/7qaymjlm8CJmeXAGWUMmq3RqWbGmU0Xf5xcs+bjIatZn7mnRaZ+mxz6GpmsClmZTaGbHGcvH+t/HBsvZpbGHRgFbc+F3/H0DEWyQQdQau4cd7R+9TI2aPrZM+B1fLwX1u6rOD2p1VuMvrp6ja54iZzGQWvH41tEKxbx3zwQkPrYIcdI47bt1YJp7f3EwujsPoeq+eR2NpN7WrxUkOtyMDe1dLaJnLfK80d0om0ML/6B6fUC7ZG0wcWPb25vFX+68km+fjL4B5aymic1onXJEaAMkoZTayyJZARZTQByJazyJuM/vbiRtULhRXZS1a2C1YzD+2/dTXz7LcKzz0sZmX2n1/cOtSqF600t7bLqrVdt+15/r2WTvuh/uHybrLfLtWCodwtvtHaNRvaZcqzTYI5h+hlG3tArRy3X63077V1KyGsNg/aTogy2pnAP57dIOjt/MviVvn5vcGr1/UVegFVbbUIdtWAkOrDK6OvL2mVf75/S8fLzI9Oa5Bxo2pl5dp2+eUDm1XM8ELyk9Pr5eh9amXjlnbVE9pQVyVD+ldJbXWVmvv6uyeCh/opo5YbLiZnlwBllDJqt0almxplNF3+cXLPk4zqxSaQvKDVzE0tZj1lQZzCVmbroWT0fPnnPAalg2HffttXyR+ebJKn3wrfwUH30kJAP1zZprYnwh6clSijxQzTa4FsqBP546wmtbdooeOnZzao3m3safqP93QWV51W9wbpEi/9tx4NItc/3SToAdd1Aav2f/nglo5eUAjvj8c1yHaNnXcM8JaLMhqndeI1iRGgjFJGE6tsCWSUNxktZci30HCsRh3V0zXhmHq56Ig6qa6K7hE7bWStXDOmXj3w/EPD3tAWO+SbJxlFb9XpB9bK6wGLYSZf0U0Nnd79l2aZ+lznjcpNqn7Yymyd53PvtMivHiq8wAV7XmK/yrpqkX9/fIuaVxh2fOvwOundvUqefLNFSU3UamxvOuUyTB9nAdPfjW2QMw6slbc+aZW/m1a4V1QvLNq+W/D2UYVkFLz9MUEdwTWYp+rvAf3FOQ1y/LBaefGDVvlFQG8tZdTkLuQ5qRGgjFJGU6t8DjLOm4yWMuQLmRjSf9u8MS/OmipRQ8nV1eG9N3io/fSMBtWLFiWtu+5QLf90XoMajsbhl9FShnzzJKP6BSBIxvU2QYVEPazKF1qZjZ61U0bUFnwB0Oki5jgfcwj9X/iJut3KVUbDVqCDR7FbO0XJpZ+xibiql5j+1Z32HkU6QaKqZHT3GrUR/h9mdX7h0fVkQcjG95TRqDuAf0+VAGWUMppqBbSceZ5k1OWQLzbGvuCwOnn30/DeG4gwHmwQFxyFhmcxpAshamkTtbjCL1ylDPmWi4xqBmE9U4WqeqGV2RCQkYNqZNW6djWUXl8ramHL4i/a5NbnmuTVj7b1furFTq2tIs1t0vHpy/Wb2mX224UXWJWrjGqp275bVafFQGGb3mO0Agu5Fn7c1mUx2rVj6uXcQ+pk6arOX1AKii1e0H51AV72qtXXmfQcYP+5Ok3sg4qFaHqLqO+fUi9njq6TFavbOvYlRR0bO7JWPl7VeZgekvwPZzWoVfneDfW9eVFGLT9smJxdApRRyqjdGpVuanmSUVdDvujF/N/nNcjA3thzMPjLMlceXy8XHFqnvhhTVyOyU+/wzbLPHF0rE4+vl03NohbQ4MHnl9FShnzLTUaD9rMsdFdErcxGz9leA7eurMZilta2dum/fbWSUgjqfz6+bTU34jDh2Hr1t/Wb29WXgfp0r5JeParUS0ehBVblKqNg7/0cKCQeXzAC057dOn8OFAuE/jihUXbvV91l30/cV78ev1X4CsmljrV+IYwSV+8XmPDSgJiGraaHWOO3DOxVJes2bV3AhAO/BZ8g/Whlm/z6oW1zSSmj6T6PmHsRBCijlNEiqkvmT82TjLoa8v32kXVy2dH1suyr4N4bvdihsU7UpwfHH1YX+uUWva8hHsQzXmqW/XerVtsGRQ1FFyM2lS6jUSuz8eWe4bvWyAvvt3R8JhLb+/xobL3s1re60xxBxAsvD5uaRO56cds2U5gbefqoOrUDQNjnIouJWZ7mjOpG65oT6+WkEbUdvcWbtrSrRUW4ByCAOCCG/35JowwdUC1PL+q8ZZbuwfT2VIY1iLpXdEDv8J5K77XojcV87MP3rFGfLW1r3/ri8eCCZtXT6T3wMnjp0fUyYtdq6dawdbsvvHi8vLhVpszd9lv8ZWPPaOYfX5VdQMooZbSc7oBykdG4Q776YYqFNEG9N7oXBjKDbWAwLFhIQjAPDfMZ8YWan961uWMPS8poZ1HRvW9Y5FXMMH2xK7O996peWW2yR6bu8cNLRdh0jHKX0XJq5+L8FspoHGq8JjEClFHKaGKVLYGMyk1Gix3yPe+QOsEQ/Kq12+aZebHr4XlsZaO/1BImIXp4fv1mkd88vPVzh4V6c735FCM25dIzGmcBk8kCl7DbRs8PxecoTRYrRcWumJjlsWc0geYn01lQRjMdHhaOMkoZLae7oNJl9PeXNaoh3ZkBq231go36ms6bbwdJCIYZ/+ncBtmpT7VMe75J9abhiBIaXZeKEZs8yaie57vw41b5+zs7b+tT7NZOJiuz9RzQz75uk4lTOn8hSK8S/8zz9SCUAZ+KvPOFJpk2v/Pw7pSJ3dSwPntGy6nFM/8tlFFzVjwzBQKUUcpoCtXOWZblJqPFDPlibuHVJ9bLhi1dv3+NYdpfXtAgIwbVyIOvNsvkOdu2hQkSx5+d1SAnDK+VeX9rkV89uG1vy0qXUXxB6fsn16s5ffiS0czXtm54ftboOpl4Qp34N70vdWW2FtZe3TtvZo54/r8XNWydS/oevtyzVYx1T+vbn7bK/5qx7Ws+use8qaVd/uPxLTL/va77jxbzAsGeUWdNmLOEKaPO0DJhGwQoo5RRG/UoK2mUi4zGGfL9zYWNctieNV1WASM2uocNq3QLHdhvFAJ84O5bV+dGHWFzR4sRmzz1jIKHd2/Y91dgN4Ktn2NsrKvqtFrd1spsPbUCeS/9sk2tkN97YLX6njn+2buaXi84w76VX6/futoaWxrtOaBaamsqdzV9VD2uhL9TRishyjn+jZRRymiO9etEhQAAIABJREFUq2+XoudJRm0O+epN0yGT//botq1+NKCj9q6RI/eulZqAPfKxOh5f4lm4rFWt4F3+ZZsansfnDv3HPjtVy6C+1Wr+KBbO4EtEs97s+jnEcpZRSOYPTq2XI/aqkZ6NW4V97cZ2eeadzvt42lqZjfTxlSzsOdl/+yr1tSz0wGKLIvTOYsqA99CrrQ/YrVqtzMY68dUb2mX2oha58ZnwL0MVEzP2jOav1aSM5i9mFVViyihltJwqfJ5ktNghX4hg94YqJYD+4xfnNshx+9Wq7V3837+Oim8xElLpw/RRLCvl75TR/EWaMpq/mFVUiSmjlNFyqvB5klFwNx3y1eJaVdX1G9dYmAQ5wDDsH2c1yZy3u/ZUFooxZTSYzu3PN8kdz3deBFRO90opv4UyWgq9dK6ljKbDnbkaEqCMUkYNq0ouTsubjJoO+Z4wrFbweUAM0d70TJPadF4fulf0reXhn/6kjBZffSmj4cwoo8XXp7SvoIymHQHmX5AAZZQyWk63SN5ktJzYx/0teVvAFPd3ltN1lNH8RZMymr+YVVSJKaOU0XKq8JTR/EWTMpq/mFFG8xczymj+YlZRJaaMUkbLqcJTRvMXTcpo/mJGGc1fzCij+YtZRZWYMkoZLacKTxnNXzQpo/mLGWU0fzGjjOYvZhVVYsooZbScKjxlNH/RpIzmL2aU0fzFjDKav5hVVIkpo5TRcqrwlNH8RZMymr+YUUbzFzPKaP5iVlElpoxSRsupwlNG8xdNymj+YkYZzV/MKKP5i1lFlZgyShktpwpPGc1fNCmj+YsZZTR/MaOM5i9mFVViyihltJwqPGU0f9GkjOYvZpTR/MWMMpq/mFVUiSmjlNFyqvCU0fxFkzKav5hRRvMXM8po/mJWUSWmjFJGy6nCU0bzF03KaP5iRhnNX8woo/mLWUWVmDJKGS2nCk8ZzV80KaP5ixllNH8xo4zmL2YVVWLKKGW0nCo8ZTR/0aSM5i9mlNH8xYwymr+YVVSJKaOU0XKq8JTR/EWTMpq/mFFG8xczymj+YlZRJaaMUkbLqcJTRvMXTcpo/mJGGc1fzCij+YtZRZWYMkoZLacKTxnNXzQpo/mLGWU0fzGjjOYvZhVVYsooZbScKjxlNH/RpIzmL2aU0fzFjDKav5hVVIkpo5TRcqrwlNH8RZMymr+YUUbzFzPKaP5iVlElpoxSRsupwlNG8xdNymj+YkYZzV/MKKP5i1lFlZgyShktpwpPGc1fNCmj+YsZZTR/MaOM5i9mFVViyihltJwqPGU0f9GkjOYvZpTR/MWMMpq/mFVUiSmjlNFyqvCU0fxFkzKav5hRRvMXM8po/mJWUSWmjFJGy6nCU0bzF03KaP5iRhnNX8woo/mLWUWVmDJKGS2nCk8ZzV80KaP5ixllNH8xo4zmL2YVVWLKKGW0nCo8ZTR/0aSM5i9mlNH8xYwymr+YVVSJKaOU0XKq8JTR/EWTMpq/mFFG8xczymj+YlZRJaaMUkbLqcJTRvMXTcpo/mJGGc1fzCij+YtZRZWYMkoZLacKTxnNXzQpo/mLGWU0fzGjjOYvZhVVYsooZbScKjxlNH/RpIzmL2aU0fzFjDKav5hVVIkpo5TRcqrwlNH8RZMymr+YUUbzFzPKaP5iVlElpoxSRsupwlNG8xdNymj+YkYZzV/MKKP5i1lFlZgyShktpwpPGc1fNCmj+YsZZTR/MaOM5i9mFVViyihltJwqPGU0f9GkjOYvZpTR/MWMMpq/mFVUiSmjlNFyqvCU0fxFkzKav5hRRvMXM8po/mJWUSWmjFJGy6nCU0bzF03KaP5iRhnNX8woo/mLWUWVmDJKGS2nCk8ZzV80KaP5ixllNH8xo4zmL2YVVWLKKGW0nCo8ZTR/0aSM5i9mlNH8xYwymr+YVVSJKaOU0XKq8JTR/EWTMpq/mFFG8xczymj+YlZRJaaMUkbLqcJTRvMXTcpo/mJGGc1fzCij+YtZRZWYMkoZLacKTxnNXzQpo/mLGWU0fzGjjKYQs7a2NnnjjTdk9uzZ8tVXX0lVVZX0799fzjjjDNlrr73Uv0cdixYtkmnTpgWe1rt3b5k0aZL06tUrKpnM/50yShnNfCUtooCU0SJgZeRUymhGAlFEMSijRcDKyKmU0RQC8cwzz8isWbOULB5wwAGi5XTz5s1y4YUXyqhRoyJL9eqrr8p9990nQ4cO7SKd3bt3l5NOOkm6desWmU7WT6CMUkazXkeLKR9ltBha2TiXMpqNOBRTCspoMbSycS5lNOE4oCd08uTJ0rNnT5k4caL06NFDlQD//eabbxaI5FVXXRUpkuhVnTdvnkpj0KBBCf+K5LKjjFJGk6tt7nOijLpnbDsHyqhtou7To4y6Z2w7B8qobaIR6b399ttyxx13yMknn6x6L73H/fffLwsXLpQrr7xSdt9994IpzZgxQxYvXizXXnut7Ljjjgn/iuSyo4xSRpOrbe5zooy6Z2w7B8qobaLu06OMumdsOwfKqG2iEemhR/Opp56Syy67TEaMGNHp7Pnz58sjjzwS+Dfvie3t7TJ9+nRZvnx52cwNDcNGGaWMJnyLOs2OMuoUr5PEKaNOsDpNlDLqFK+TxCmjTrCGJ1pIRvWipLPOOkuOPvro0EQwt3Tq1KmyZs0awWKlTz75RFpaWtTc0VNPPVVGjx4t1dXVCf8yN9lRRimjbmpWOqlSRtPhXkqulNFS6KVzLWU0He6l5EoZLYVejGtNZPSUU07pMoTvzWr9+vVq3unKlSuVgA4ePFjWrl2rekpbW1vVFIAxY8YYrcqP8RMSvYQyShlNtMI5zowy6hiwg+Qpow6gOk6SMuoYsIPkKaMOoBZK0oaMYvU9ekMhpfvuu29HL+iKFSvk1ltvlebmZrnmmmtk4MCBRr/uww8/VBKbxePnjw+UrzbWZLFoqZfphgs+Tb0MQQX43XM7yvurGjJZtrQL9etxn0vf7tm71+5Y0EdeWto9bTyZzP9Hx30pe/fbkrmyPfbO9vLoO9tlrlxZKNDlh6yWI3bfmIWidCrDSx93lzte7ZO5cmWhQGcMWyenD1ubhaJ0KsOuu+6qFpbbPKraMdky5cNERqOG6ePKbth1WMmf1WPSnxtk1brofVezWn6X5brnms0uk4+d9r/MrJe3PyuPaSKxIYRceP23t0i/7VJvhrqU7k/P1smz7/GlLyhs//vMJhm2c5vtqlByevf+tVbuXVBbcjrlmMD3jm+W4/fJ3ksf7jHcazy6Ehh/cIuMP6glc2iwRWbFyajpAqZC0dLzTqOG+jMX8ZACcZg+PFJzfrZ1W7CsHT+evlkWLsvegyALnDhMn4UoFFcGDtMXxysLZ3OYPgtRKK4MHKYvjlfJZ+utnTCnE8LoPUy3doK0zpw5Uy6//HIZPnx4pzTmzp0rTzzxROSK/JJ/SEIJUEYpowlVtUSyoYwmgtlqJpRRqzgTSYwymghmq5lQRq3ijE4MK+BvuOEGNc8Tm9vvsMMO6qKwTe8x/xPzORsbGzsS/+yzz+Smm26SIUOGyKWXXio1NVuH1zZs2CBTpkxRi5muvvpqGTBgQHSBMn4GZZQymvEqWlTxKKNF4crEyZTRTIShqEJQRovClYmTKaMphMH7OdCDDz5Ympqa5M0331QLkryfA9XiigVL2Ny+b9++qrSY+jpnzhx5+umnpV+/furzoThnwYIF8s0333A1fQoxTSNLDtOnQb20PCmjpfFL42rKaBrUS8uTMloavzSupoymQB0yiS8tYfN79IhWVVVJ//795YwzzpC99tqrY0umdevWqZ5OiCa+yoQ9RfWhv2ePBVF6ARJkFUP/I0eOLIttnfBb2TPKntEUblFnWVJGnaF1ljBl1BlaZwlTRp2hdZYwZdQZWiZsgwBllDJqox5lJQ3KaFYiYV4Oyqg5q6ycSRnNSiTMy0EZNWfFM1MgQBmljKZQ7ZxlSRl1htZZwpRRZ2idJUwZdYbWWcKUUWdombANApRRyqiNepSVNCijWYmEeTkoo+assnImZTQrkTAvB2XUnBXPTIEAZZQymkK1c5YlZdQZWmcJU0adoXWWMGXUGVpnCVNGnaFlwjYIUEYpozbqUVbSoIxmJRLm5aCMmrPKypmU0axEwrwclFFzVjwzBQKUUcpoCtXOWZaUUWdonSVMGXWG1lnClFFnaJ0lTBl1hpYJ2yBAGaWM2qhHWUmDMpqVSJiXgzJqziorZ1JGsxIJ83JQRs1Z8cwUCFBGKaMpVDtnWVJGnaF1ljBl1BlaZwlTRp2hdZYwZdQZWiZsgwBllDJqox5lJQ3KaFYiYV4Oyqg5q6ycSRnNSiTMy0EZNWfFM1MgQBmljKZQ7ZxlSRl1htZZwpRRZ2idJUwZdYbWWcKUUWdombANApRRyqiNepSVNCijWYmEeTkoo+assnImZTQrkTAvB2XUnBXPTIEAZZQymkK1c5YlZdQZWmcJU0adoXWWMGXUGVpnCVNGnaFlwjYIUEYpozbqUVbSoIxmJRLm5aCMmrPKypmU0axEwrwclFFzVjwzBQKUUcpoCtXOWZaUUWdonSVMGXWG1lnClFFnaJ0lTBl1hpYJ2yBAGaWM2qhHWUmDMpqVSJiXgzJqziorZ1JGsxIJ83JQRs1Z8cwUCFBGKaMpVDtnWVJGnaF1ljBl1BlaZwlTRp2hdZYwZdQZWiZsgwBllDJqox5lJQ3KaFYiYV4Oyqg5q6ycSRnNSiTMy0EZNWfFM1MgQBmljKZQ7ZxlSRl1htZZwpRRZ2idJUwZdYbWWcKUUWdombANApRRyqiNepSVNCijWYmEeTkoo+assnImZTQrkTAvB2XUnBXPTIEAZZQymkK1c5YlZdQZWmcJU0adoXWWMGXUGVpnCVNGnaFlwjYIUEYpozbqUVbSoIxmJRLm5aCMmrPKypmU0axEwrwclFFzVjwzBQKUUcpoCtXOWZaUUWdonSVMGXWG1lnClFFnaJ0lTBl1hpYJ2yBAGaWM2qhHWUmDMpqVSJiXgzJqziorZ1JGsxIJ83JQRs1Z8cwUCFBGKaMpVDtnWVJGnaF1ljBl1BlaZwlTRp2hdZYwZdQZWiZsgwBllDJqox5lJQ3KaFYiYV4Oyqg5q6ycSRnNSiTMy0EZNWfFM1MgQBmljKZQ7ZxlSRl1htZZwpRRZ2idJUwZdYbWWcKUUWdombANApRRyqiNepSVNCijWYmEeTkoo+assnImZTQrkTAvB2XUnBXPTIEAZZQymkK1c5YlZdQZWmcJU0adoXWWMGXUGVpnCVNGnaFlwjYIUEYpozbqUVbSoIxmJRLm5aCMmrPKypmU0axEwrwclFFzVjwzBQKUUcpoCtXOWZaUUWdonSVMGXWG1lnClFFnaJ0lTBl1hpYJ2yBAGaWM2qhHWUmDMpqVSJiXgzJqziorZ1JGsxIJ83JQRs1Z8cwUCFBGKaMpVDtnWVJGnaF1ljBl1BlaZwlTRp2hdZYwZdQZWiZsgwBllDJqox5lJQ3KaFYiYV4Oyqg5q6ycSRnNSiTMy0EZNWfFM1MgQBmljKZQ7ZxlSRl1htZZwpRRZ2idJUwZdYbWWcKUUWdombANApRRyqiNepSVNCijWYmEeTkoo+assnImZTQrkTAvB2XUnBXPTIEAZZQymkK1c5YlZdQZWmcJU0adoXWWMGXUGVpnCVNGnaFlwjYIUEYpozbqUVbSoIxmJRLm5aCMmrPKypmU0axEwrwclFFzVjwzBQKUUcpoCtXOWZaUUWdonSVMGXWG1lnClFFnaJ0lTBl1hpYJ2yBAGaWM2qhHWUmDMpqVSJiXgzJqziorZ1JGsxIJ83JQRs1Z8cwUCFBGKaMpVDtnWVJGnaF1ljBl1BlaZwlTRp2hdZYwZdQZWiZsgwBllDJqox5lJQ3KaFYiYV4Oyqg5q6ycSRnNSiTMy0EZNWfFM1MgQBmljKZQ7ZxlSRl1htZZwpRRZ2idJUwZdYbWWcKUUWdombANApRRyqiNepSVNCijWYmEeTkoo+assnImZTQrkTAvB2XUnBXPTIEAZZQymkK1c5YlZdQZWmcJU0adoXWWMGXUGVpnCVNGnaFlwjYIUEYpozbqUVbSoIxmJRLm5aCMmrPKypmU0axEwrwclFFzVjwzBQKUUcpoCtXOWZaUUWdonSVMGXWG1lnClFFnaJ0lTBl1hpYJ2yBAGaWM2qhHWUmDMpqVSJiXgzJqziorZ1JGsxIJ83JQRs1Z8cwUCFBGKaMpVDtnWVJGnaF1ljBl1BlaZwlTRp2hdZYwZdQZWiZsgwBllDJqox5lJQ3KaFYiYV4Oyqg5q6ycSRnNSiTMy0EZNWfFM1MgQBmljKZQ7ZxlSRl1htZZwpRRZ2idJUwZdYbWWcKUUWdombANApRRyqiNepSVNCijWYmEeTkoo+assnImZTQrkTAvB2XUnBXPTIEAZZQymkK1c5YlZdQZWmcJU0adoXWWMGXUGVpnCVNGnaFlwjYIUEYpozbqUVbSoIxmJRLm5aCMmrPKypmU0axEwrwclFFzVjwzBQKUUcpoCtXOWZaUUWdonSVMGXWG1lnClFFnaJ0lTBl1hpYJ2yBAGaWM2qhHWUmDMpqVSJiXgzJqziorZ1JGsxIJ83JQRs1Z8cwUCFBGKaMpVDtnWVJGnaF1ljBl1BlaZwlTRp2hdZYwZdQZWiZsgwBllDJqox5lJQ3KaFYiYV4Oyqg5q6ycSRnNSiTMy0EZNWfFM1MgQBmljKZQ7ZxlSRl1htZZwpRRZ2idJUwZdYbWWcKUUWdombANApRRyqiNepSVNCijWYmEeTkoo+assnImZTQrkTAvB2XUnBXPTIEAZZQymkK1c5YlZdQZWmcJU0adoXWWMGXUGVpnCVNGLaFdvXq1zJo1SxYtWiTNzc3SrVs3GTlypIwbN04aGxsjc2lra5M33nhDZs+eLV999ZU6v3fv3nLUUUep/9XU1HRKA/lMmzYtMF1cN2nSJOnVq1dkvlk/gTJKGc16HS2mfJTRYmhl41zKaDbiUEwpKKPF0MrGuZRRC3FYs2aN3HzzzUoi9957bxk8eLC8//77snTpUvXPEyZMUHIadrS2tsqDDz4or776qvTp00f2339/deqbb74pSPuggw6SCy64oJOQ4tz77rtPhg4d2kU6u3fvLieddFLBPC387ESSoIxSRhOpaAllQhlNCLTFbCijFmEmlBRlNCHQFrOhjFqA+fjjj8tzzz0n559/vhx66KEqxfb2dtXLif9deOGFSijDjiVLlsgtt9wiu+++u1x22WUdPakbNmyQKVOmKMmdOHGiDBo0qCMJpDtv3rwu/93Cz8lUEpRRymimKmSJhaGMlggwhcspoylALzFLymiJAFO4nDJaIvSmpiaZOnWqYJj+uuuuU0Pr+vj888/lxhtvlD322EMuvfRSqaqqCswNYvn000+rc0aMGNHpnKeeekoJLSTV+7cZM2bI4sWL5dprr5Udd9yxxF+R3cspo5TR7NbO4ktGGS2eWdpXUEbTjkDx+VNGi2eW9hWU0RIj8M0338j111+vJPSKK67oND90/fr1MnnyZMGwuf9v3mwxnL927VrZc8891bneAzKKXldcjyF5HOh1nT59uixfvrxs5oaGhYEyShkt8RbN1OWU0UyFw6gwlFEjTJk6iTKaqXAYFYYyaoQp/KRCMrp582bVa7px40bVg9mzZ8+ictPD9OhRveqqqzrmgOp0MZ8UEvzJJ59IS0uLmjt66qmnyujRo6W6urqovLJ6MmWUMprVuhmnXJTRONTSvYYymi7/OLlTRuNQS/caymiJ/E1kFNJY7Op2LGrCAqWFCxfKxRdf3GmIXve4rly5UgkoFkmhZxU9pbju5JNPljFjxoROCyjxJyd6OWWUMppohXOcGWXUMWAHyVNGHUB1nCRl1DFgB8lTRkuE6kJGMQw/Z84cNVf02GOPldNOO62TWGIbKPSGQkr33Xffjl7QFStWyK233qq2lrrmmmtk4MCBRr/us88+MzovjZN+dN928uX68ujltc1v2ne+sZ2klfT+9cke8u7ntVbSKrdEfnfBOtmxZ1vmftZN87vJ84vrM1euLBToZ2M3yH4DW7JQlE5leOCNRnnwjYbMlSsLBbr66E1yzJ5NWShKpzLgHsO9xqMrgXNHbZHzRm3OHBqMPvunT5ZayKp2WJ7lw0RGixmmRxFffvlleeSRR9Q+pf4tnaKKD4HFPFP/gqdC12HOalaPnz68g3y5ofMeq1kta9LluuXbq5LO0ii/f5vdW95bWWd0bqWd9Nuzv5Yde7Rm7mdP/ct28sJH0fshZ67gCRTof45ZI/sMaE4gp+KyeHhRd3lkUY/iLqqQs684fJ0ctUf2xAb3GO41Hl0JnDVig5w9YmPm0PTv3z//Mmq6gMlLHxvf33PPPTJs2DAZP368NDQU9+arN8M/5ZRT1F6jeT84TB8ewTk/y+aD6MfTN8vCZdkTrizcCxymz0IUiisDh+mL45WFszlMn4UoFFcGDtMXx6vL2XprJ+wFinmhcbZ20om+9dZbSkR33XVX1bMZtlH+/PnzZebMmXL55ZfL8OHDO5Vp7ty58sQTTxTVM1oiAqeXU0Ypo04rWMKJU0YTBm4hO8qoBYgJJ0EZTRi4hewooxYg6n1CvQuHCm16j9Xw+LxnXd22ocyPP/5YzffEPM+oLzZhjudNN90kQ4YMUXuT6k+F6tX3WMx09dVXy4ABAyz8unSToIxSRtOtgXZzp4za5ZlEapTRJCjbzYMyapdnEqlRRi1Q9n4OFAuKsMk9NqTHJ0H9nwNdtmyZ+qoSNqrX2zVhFTy+wASpPOGEE6RHj67Dr/X19epToxBYvcAJG+X369dPRo0aJVjUtGDBAsEcVq6mtxDUHCTBYfocBMlXRMpo/mJGGc1fzCij+YsZZdRSzNAbic+CYs4mVrNjiB0LkMaNG9dpI3x8lQkyil5L/elPPc+zUFEw/O/dHgryifml6JXFFAEcffv2FcwVRb5hX3uy9HMTS4Y9o+wZTayyJZARZTQByJazoIxaBppAcpTRBCBbzoIyahkok7NLgDJKGbVbo9JNjTKaLv84uVNG41BL9xrKaLr84+ROGY1DjdckRoAyShlNrLIlkBFlNAHIlrOgjFoGmkBylNEEIFvOgjJqGSiTs0uAMkoZtVuj0k2NMpou/zi5U0bjUEv3Gspouvzj5E4ZjUON1yRGgDJKGU2ssiWQEWU0AciWs6CMWgaaQHKU0QQgW86CMmoZKJOzS4AyShm1W6PSTY0ymi7/OLlTRuNQS/caymi6/OPkThmNQ43XJEaAMkoZTayyJZARZTQByJazoIxaBppAcpTRBCBbzoIyahkok7NLgDJKGbVbo9JNjTKaLv84uVNG41BL9xrKaLr84+ROGY1DjdckRoAyShlNrLIlkBFlNAHIlrOgjFoGmkBylNEEIFvOgjJqGSiTs0uAMkoZtVuj0k2NMpou/zi5U0bjUEv3Gspouvzj5E4ZjUON1yRGgDJKGU2ssiWQEWU0AciWs6CMWgaaQHKU0QQgW86CMmoZKJOzS4AyShm1W6PSTY0ymi7/OLlTRuNQS/caymi6/OPkThmNQ43XJEaAMkoZTayyJZARZTQByJazoIxaBppAcpTRBCBbzoIyahkok7NLgDJKGbVbo9JNjTKaLv84uVNG41BL9xrKaLr84+ROGY1DjdckRoAyShlNrLIlkBFlNAHIlrOgjFoGmkBylNEEIFvOgjJqGSiTs0uAMkoZtVuj0k2NMpou/zi5U0bjUEv3Gspouvzj5E4ZjUON1yRGgDJKGU2ssiWQEWU0AciWs6CMWgaaQHKU0QQgW86CMmoZKJOzS4AyShm1W6PSTY0ymi7/OLlTRuNQS/caymi6/OPkThmNQ43XJEaAMkoZTayyJZARZTQByJazoIxaBppAcpTRBCBbzoIyahkok7NLgDJKGbVbo9JNjTKaLv84uVNG41BL9xrKaLr84+ROGY1DjdckRoAyShlNrLIlkBFlNAHIlrOgjFoGmkBylNEEIFvOgjJqGSiTs0uAMkoZtVuj0k2NMpou/zi5U0bjUEv3Gspouvzj5E4ZjUON1yRGgDJKGU2ssiWQEWU0AciWs6CMWgaaQHKU0QQgW86CMmoZKJOzS4AyShm1W6PSTY0ymi7/OLlTRuNQS/caymi6/OPkThmNQ43XJEaAMkoZTayyJZARZTQByJazoIxaBppAcpTRBCBbzoIyahkok7NLgDJKGbVbo9JNjTKaLv84uVNG41BL9xrKaLr84+ROGY1DjdckRoAyShlNrLIlkBFlNAHIlrOgjFoGmkBylNEEIFvOgjJqGSiTs0uAMkoZtVuj0k2NMpou/zi5U0bjUEv3Gspouvzj5E4ZjUON1yRGgDJKGU2ssiWQEWU0AciWs6CMWgaaQHKU0QQgW86CMmoZKJOzS4AyShm1W6PSTY0ymi7/OLlTRuNQS/caymi6/OPkThmNQ43XJEaAMkoZTayyJZARZTQByJazoIxaBppAcpTRBCBbzoIyahkok7NLgDJKGbVbo9JNjTKaLv84uVNG41BL9xrKaLr84+ROGY1DjdckRoAyShlNrLIlkBFlNAHIlrOgjFoGmkBylNEEIFvOgjJqGSiTs0uAMkoZtVuj0k2NMpou/zi5U0bjUEv3Gspouvzj5E4ZjUON1yRGgDJKGU2ssiWQEWU0AciWs6CMWgaaQHKU0QQgW86CMmoZKJOzS4AyShm1W6PSTY0ymi7/OLlTRuNQS/caymi6/OPkThmNQ43XJEaAMkoZTayyJZARZTQByJazoIxaBppAcpTRBCBbzoIyahkok7NLgDJKGbVbo9JNjTKaLv84uVNG41BL9xrKaLr84+ROGY1DjdckRoAyShlNrLIlkBFlNAHIlrOgjFoGmkBylNEEIFvOgjJqGSiTs0uAMkoZtVuj0k2NMpou/ziilSWtAAAY70lEQVS5U0bjUEv3Gspouvzj5E4ZjUON1yRGgDJKGU2ssiWQEWU0AciWs6CMWgaaQHKU0QQgW86CMmoZKJOzS4AyShm1W6PSTY0ymi7/OLlTRuNQS/caymi6/OPkThmNQ43XJEaAMkoZTayyJZARZTQByJazoIxaBppAcpTRBCBbzoIyahkok7NLgDJKGbVbo9JNjTKaLv84uVNG41BL9xrKaLr84+ROGY1DjdckRoAyShlNrLIlkBFlNAHIlrOgjFoGmkBylNEEIFvOgjJqGSiTs0uAMkoZtVuj0k2NMpou/zi5U0bjUEv3Gspouvzj5E4ZjUON1yRGgDJKGU2ssiWQEWU0AciWs6CMWgaaQHKU0QQgW86CMmoZKJOzS4AyShm1W6PSTY0ymi7/OLlTRuNQS/caymi6/OPkThmNQ43XJEaAMkoZTayyJZARZTQByJazoIxaBppAcpTRBCBbzoIyahkok7NLgDJKGbVbo9JNjTKaLv84uVNG41BL9xrKaLr84+ROGY1DjdckRoAyShlNrLIlkBFlNAHIlrOgjFoGmkBylNEEIFvOgjJqGSiTs0uAMkoZtVuj0k2NMpou/zi5U0bjUEv3Gspouvzj5E4ZjUON1yRGgDJKGU2ssiWQEWU0AciWs6CMWgaaQHKU0QQgW86CMmoZKJOzS4AyShm1W6PSTY0ymi7/OLlTRuNQS/caymi6/OPkThmNQ43XJEaAMkoZTayyJZARZTQByJazoIxaBppAcpTRBCBbzoIyahkok7NLgDJKGbVbo9JNjTKaLv84uVNG41BL9xrKaLr84+ROGY1DjdckRoAyShlNrLIlkBFlNAHIlrOgjFoGmkBylNEEIFvOgjJqGSiTs0uAMkoZtVuj0k2NMpou/zi5U0bjUEv3Gspouvzj5E4ZjUON1yRGgDJKGU2ssiWQEWU0AciWs6CMWgaaQHKU0QQgW86CMmoZKJOzS4AyShm1W6PSTY0ymi7/OLlTRuNQS/caymi6/OPkThmNQy0D12zevFmeeuopee2112Tjxo1SV1cn++yzj5x55pnSp0+fDJTQThEoo5RROzUpG6lQRrMRh2JKQRkthlY2zqWMZiMOxZSCMloMrYycCxG9/fbb5aOPPpLddttNhg8fLsuWLZP33ntPevXqJVdddZXssMMOGSltacWgjFJGS6tB2bqaMpqteJiUhjJqQilb51BGsxUPk9JQRk0oZeycv/71r3LPPffIscceK+PGjZOqqipVQvSS3nvvvXLMMceo/14OB2WUMloO9Vj/Bspo/qJJGc1fzCij+YsZZTR/MZMZM2bIO++8IxMnTpRBgwZ1/IL169fL5MmTpbGxUf0N/5/3gzJKGc17HfaWnzKav2hSRvMXM8po/mJGGc1ZzDBEP3XqVFmzZo1MmjRJDcvro7m5WW677TZZtWpVl7/l7Gd2FJcyShnNa90NKjdlNH/RpIzmL2aU0fzFjDKas5gVklH8lDvvvFMWL14s11xzjQwcODBnv65rcSmjlNHcV2LPD6CM5i+alNH8xYwymr+YUUZzFjMTGcVCJv8Qfs5+Zkdxx/zrhrwW3Xm55/ysh/M84mTw4+mbZeGy1jiXlv01lNH8hZgymr+YUUbzFzPKaM5i5kJGH3300cxSmLV8v8yWLe2Cnbrbu2kXITB/xiw8LEcMWCLb12/OXNwYs/CQDO+zQnbtuSZzMXvpi8Gytqlb5sqVhQLt1nO1DOvzeRaK0qkM76weKMvXl8/WizYBb1+/SY4YsNRmklbS2nvvvQX/s3lUtbe3t9tMMI20TGS02GH6n/zkJ7Ju3bo0fg7zJAESIAESIAESIIFMEvj7v/97ymhQZCptAVMmaycLRQIkQAIkQAIkQAIxCJRFzyh+t97a6corr5Tdd9+9A0U5bu0UI868hARIgARIgARIgAQySaBsZHTRokUyffp0GT16tFxwwQVSU1OjgJfjpveZrEksFAmQAAmQAAmQAAnEIFA2Mur9HCh6Rvfff39Zvny52gh/++23L6vPgcaIMy8hARIgARIgARIggUwSKBsZBd0tW7bIU089Jfg06MaNG6Wurk722WcfOfPMM6VPH67Wy2QNZKFIgARIgARIgAQqmkBZyWhFR5I/ngRIgARIgARIgARySIAymsOgscgkQAIkQAIkQAIkUC4EKKPlEkn+DhIgARIgARIgARLIIQHKaA6DxiKTAAmQAAmQAAmQQLkQoIyWSyT5O0iABEiABEiABEgghwQoozkMWtJFbm5ultmzZ8vLL7+sdinYc8895Tvf+Y7U19cbFQVbbN1yyy0yaNAgueyyy9QuBzyyQ4DxyU4sWBISIAESqEQClNEcRh1iiC2sIHYjRoxw/gsef/xxefbZZ6V3794yZMgQGTx4sBxxxBHG+X7++ecyZcoU9S3b888/v+ODBP4EPv74Y7n11lulW7ducvXVV3fZjgtSfPvtt8sHH3yg0jn00EONy1BpJ37zzTdy/fXXq5hdccUV0tjYGIrAND6VxlD/Xs1yzZo1qs6h7lVVVYXimDdvnjz66KOK+cSJE9VLGI90COi20p872pihQ4fKySefLDvttJPTwun6g72wcS+i/fQfxdyvYYVN+rngFJph4kuWLFEdHTvvvHPBdu7VV1+Ve++9t8v9iy80ghs+mrNu3Tp1X6PNPPLII9X/wjpOVq1aJU8//bS89957smnTJqmurpYdd9xRTjzxRBk1apT6dx7FEaCMFscrE2cn2eigAZ06daqsXr1arr32Wunbt68zBu3t7aphwE1++OGHy7nnntvpof/KK6/I/fffL3vttZdMmDCBPawFImHj4eYs0DlL2CujvXr1Kngf4MF08803yyeffEIZzUCcdVsJ8YRk6OOrr76SZcuWqRfjiy66yOlLvbf+4IMsEFLIsPewcb8m+VzIQGhVEdBBgQ4MxBKfAkdnif/AObfddpt89NFH6rmx7777qlNwDf77hg0bZMCAAbLLLrtIW1uboFPk66+/lj322EOd74/VG2+8ocS2tbVVvWjimdjS0iIffvihQG4POuigTl+BzAqrrJeDMpr1CAWUL8lGx0YjWQxiPMwhvytWrFBTATAlAAd6pfCQx9+vuuoq570ZxZQ5i+cmHbcsMrBVJs1y7dq1ghem008/XY499tjA5PHFt2nTpqm/oVeFPaO2ohAvnUJtJaTinnvukYEDB6o2xS8d8XLsepVXRvFX9MaedNJJnV60bdyvST4XbLGxkc78+fPlkUcekeOPP17GjRvXJUmM/Nx4441qpE3HGQKK0bovvvhCieOBBx7YEQ9I5pNPPinPPfecHHfccSpNPRKCHlGkBfm8/PLLlbDqAx/dufvuu+Xtt9/myF2MwFJGY0BL+5KgRufOO+9UQwb+hx/e/nDT4UtUl1xySUfRccO98MIL8vzzzwsaQjw4MeSPGw+fT8URNMTlH3rEzYyGAMMlSBNviaeccoqMHDmy4wYOK0MYx8WLF6s3Vj300tDQIA8++KCas3rqqaeqoRB9YHgFD3/kiQZeH7pHFxI7adIkQY9WJR3FPNyKjU8lccRv1SzxMEPPR48ePQKHBFH/cR+iBwb3AR5c/vtRD+/hgYUeGwgQ7hXcd96pFPp+xujAiy++qHpxxo4dKyeccILCDzHG9BnUf6TTvXt31SOD+wD3iz4gz+ixeeKJJ+TTTz9VMh10j+J8/A1TYDDFYOXKlQXPzUsdKCRouo1AGwZJ2XXXXTt+FpiBL5jhQK8ZYoQeVi9bE166/mDoFnUE0uIfri90v/q/LOiPtW4D/TFJahpX2nUBvdyTJ0+W7bbbLvClQk+b8T4j8JVGvIgccsghgdNucH9BOiGhGBHs2bOn+pl6ytoZZ5wR+EL62WefyU033aTqCzpTuD7CvHZQRs1ZZebMUmUUDeJ9990nr7/+uprHiTlMS5culffff189qNAwY0gLb5R4sGJ+KhpAvHnigYneSvy7nuOJhUwHHHCA4vPmm2+qh7dXGouVHTwUcdOjEcGnXPGQQG8pbnAMm3gf2pTR4GpJGbV3u2qWGGKFkEIOg4YE9YNI95bgpcoro/p+QclGjx6tevchpX/729/U8KK3bkNG33rrrY65ZxBg9MYeffTRaggRowSYOqPvX6SB9HU6upcPL5sQUdwzei6bvkfRQzdmzJiOl0bdU4gHb6H72R5Z9ykVklG0M9OnT1cC7o2T5rDDDjsoDngBAbOmpia5+OKLO4b0TXl578WDDz5YHnroITW86x0CDrtfMRKEefJYZDhs2DD1go46g3/Xw8iQanQGoL6gPUQd2W233VRd8E5NcE87nRz0SyA6YyD53hcGPYyPexPrEMAPx4wZM2ThwoWdhu29pUfdAFPEXj/vEH88h/Dycs0116gedf+BsuC+R88p7k3KqHmdoIyas8rMmaXKKOZeokE877zzVG+KHoJ47bXX1FyYY445pmO4I6yR1MMcmHOFBgByikMPs6NHUs8xLVZGkQ4mk+PNFI0BHqxI97vf/a5ACLwHZZQy6vrG9N4D6J284447ZP/99+/So4IXKMgfeqTwoucfqcAIAqQRw4JaWPHQmzlzprz00kudHoyQUTwsIa1YMKUfanjY4R6FHF144YVKMHHo+dZoG/DfcV9jqgukFXKJe1SLiRYczGvVUq0ftOgRxX3bv39/lS56nZBGbW1tpx4i18xtpV9IRnXvF8ThuuuuU3z0MCziM378+A7umgPaObyso92DmJjw8tYf9Jah5xk9c96XgaB2Vr+UY0QI4qolKyjW4FWpw/T47Xp6DGQf94s+9LMH8cR9ibjpug5BLWYaDerLn/70JzWvtBJH22zdk2HpUEZdE3aQfikyqidzY4smNKpaIlFM3SD269evY4ghTEbxUMUbO4QWQx3eA+WbM2dOx8M1jowiPeSBBz8eFkHzrHAOZZQy6uAW65Sk9x7AA+2uu+5S0uJd0KfFBkPkuK8eeOCBwGkzQWXVddg7rKqH6SGL3hcwvOTdcMMNagQDL2fenhf02Pz5z39W0nLWWWd1LAbUcurN2//w1kPW+K1azLTkoq3AAxi9s3lbJRzUVkLmvvzySzW9CC8M3rYF8w/Rk+zvYQMLxAS9XugVg7hCRk14+dtQsIbg44Vev2AHtbN4EcfwM1Zpa5HySxameGj5qmQZ1azAxz+sjrmf3nvAuygXUqlf0vxze5GWd1qa/jumsUFi9Qidfr4hXX0gTQprcS0zZbQ4Xpk4uxQZDbrh/D8Kw/Z6O6AwGQ3bMsWbln64+mU0aI6Tf84n0tE9tegNClpdTxkNr44cprd3q/pZYpgU8828C5n0HDT938LmcEMY8aKmt4QJul+0+BSaA+6VkLBfijJg6o1/PqT3xRND0bjXMdXmmWeekVmzZinpPOyww9QQNXpI0ZuU16NQOwWxxvY9iJn+jbpHOuz3euXElFfQvYg2EC81ergevXX+rdiCJMdfLtQDvRagkmUUXLwjE5jSoHe2gPR7X7DCZBTngyFevnBgihr+m+49DZNR9JpDeNHRo4fpMZJAGS2u1aCMFscrE2fbkFFM9sbcoqADw3oY1kADXUhG0RhjHil6UoMOPWfJL6Po3cF8HO+B+XPeOTh6WAznYJgeD3GsXtTbcuhr2TMaXCUpo/ZuVT9LiAOmkOheUDx4sL2Mt7c0SEa9c6yPOuooNVcbPSgYAcCWZUE9o2ELEjF/1Ltgz/9roxbwhQ0LY+HOY489JhjCRA8i5AsjH/6FUfbouk0paGsnyAnmiULkMBTvlW3EDX8DW0i5/8C5eg6hXhwWxSuINaQFMdfD9RhexhCwd19g3W6ip1vP4fWXB3OY9b6llS6jes9RTF1BbzHWQWAPUv3vejqaHh3EvNtCw/T+e1j3vuL+DxPNqPvObW3Pd+qU0YzGD29kuGnQIPp7JmzIqMlm6N4eFP/5xTR8xQ7T6wVW6BlFo4LJ+BjWwop4NB7ehwRllDLq+hYOkglvLwzuDayg9c4j9T/I9ANQL37wvsAVGqYPk9FSe0bxQoieOMhM0EcRUF48rOfOnat6V/O6t29QO6U/noGeL/8LbliPdlQdK8Qr7MVQb1cHOcauCZDaIBn174QSVpZi2uSo35PHv+vFSujIQE8oplxgLnbQlAu8CGDtxKWXXhq6x2zYPVxIYimj8WsOZTQ+O6dXFlrth79hgQQa0uHDh6tymG7thCEIvRLXu7ow7MeENaRhX7QISqdYGdVDWHq1KHqe9Gb4/n3fKKOUUac3omcutVcUvCvnMdT9l7/8pdMKe//9qBc/YL6ZX/70vWTSM1pozijuVcgjNvDGF9L0PWMyZxTlg5xBkrFrhT7wYoi54ejVDRrud82+1PTDBA29ZpjzidEYbzywuAi7eIRt3aPLUwyvQqMUuq1DvUDb7C0P5rVizih64DFPVW+5RxkNrxUQUCwIPPvss9WuF5h+ErSHrJ4zjZE2CGnQVJSgZ6reJsr/HNIloozGv2Mpo/HZOb1Sz0FDD8i3vvWtjptFf7pR73+mv4iEhxAm3nsbUQwjYX4avmiEYR7/3CIMX3hXjOLNEm/nmG+DbSkK9YxiWxn0BuGt3rvSE9fgoYZtTzAXCw1pMTLq7S3A4g30iuLQq/cxFOrdDB8rgiHXeIB6F3R4h0Qrce4Oh+nt3Z5hw6x4WL377rtqUQ8WGXnrn/9Bph9SWH2N3k69pyXqM6QIvTkmMlpoNT3udcgX7mnvanqMKOBe0nslBq2m1xuDY7GM9wtBurcJK/PDtrOxR9p+SmEyirZR713s/bSwbquwsBMc9K4COB8dAIgT9jnWq+5NeBW6F/Vw/YIFC9SP987X17HGCBG24MJCK72ADOKqN3rX05v0b/32t7/dscuCfaLZTlHvOYqhdPwP3IKms3g/LY2/4zzv4jw8h/QCNe9LmN7lBdur+TfLBxn0muLlDR0o3/ve9yJfILJNM9nSUUaT5W2cm35gQOzQIELK8EDDnC5sguzfI1Bv44K/YUgN8yyxYTOGBdGQeie6I21sFI+VoUgbUoq0sV0M5sV4b7JCDan+LBp+FAQWZUSaGNbDwxmSikbdVEa9DXPQ6nndiwDx1A9Mb6OC/NGzg98ATliFX6mrGnXcwABz3ILe/LF4Aj1opvExrrxldmLYPaB7V7DS3N/7GNSrontt8IKGeYD6E4J4sUQ99i7iKzRcrPcZRbkwhIu52SgLevv0Fjb+fUb13qHoKYL44FpvG+J9cYW8Yg4j0sC2QhBovWVO3hYzFRq61kKJHQkwSoQpC+CAF3vsrYz5sniJxws/2h6IBr7UA3mFbOgX/SheUS+G+gUc5fHKKG4jxBpShL+hfcOHSSBcaKtxeL8CpHc4wXoA1Als0efdyL/MbsvAn6P3HMWeq3j2FBr9A3eII56TGN3AMwtCqp8fuK9xT+JDE3q+KTJFBwh2eUFc9WdE8d+9n5jFC6Hedq0SuNv4jZRRGxQdpQFBRKOI/QbxRoYbBSJ22mmnqYeZ9wZBETDx/uGHH1YNFx4aaJCwwAj7EuJG836BCQ8/DGPgAYmbCo0r0sZWTVhMpI+ohhQSjKEtTB7HwxUNIVaoYoGF3nbGVHbwQMUm1GgY0AuDtLwHGhp8bg0S7JVVDJmhlwOrj71fgcKqZ/SQVnLPKBrcsEO/oJjGx1E1z3yyYfeAXq2LF0D/MGqQTOreNYxg/P/t3cFq60AQRNH//+twFwIjAn4FvXnkGLJKp2OOJU1JHo3q2WDZXeuFjOoLGi2q3n79be7i+wlMBaJuSGzf+1zu6bcnMHXC1nqpTfH5PIY0+LZvdWNiXxH3t53MdbNVP/9bEG3D+jaP8vn959euv5nl0DGndV+fK2j/6vXtGNr7fE60C4/vaRzPONAV0q6I9vl2EtIDQQrQz6tjX3OZmyfZeyuodpHgr72ek8SM3ktivS0aB3NtfeC2+dw6CWt8bQxr3HyPs/XoM2nsbIpNx9i2mcar/mfbUiHVaxMQRjcv1QQIECBAgAABAocCwughplYECBAgQIAAAQKbgDC6eakmQIAAAQIECBA4FBBGDzG1IkCAAAECBAgQ2ASE0c1LNQECBAgQIECAwKGAMHqIqRUBAgQIECBAgMAmIIxuXqoJECBAgAABAgQOBYTRQ0ytCBAgQIAAAQIENgFhdPNSTYAAAQIECBAgcCggjB5iakWAAAECBAgQILAJCKObl2oCBAgQIECAAIFDAWH0EFMrAgQIECBAgACBTUAY3bxUEyBAgAABAgQIHAoIo4eYWhEgQIAAAQIECGwCwujmpZoAAQIECBAgQOBQQBg9xNSKAAECBAgQIEBgExBGNy/VBAgQIECAAAEChwLC6CGmVgQIECBAgAABApuAMLp5qSZAgAABAgQIEDgUEEYPMbUiQIAAAQIECBDYBITRzUs1AQIECBAgQIDAoYAweoipFQECBAgQIECAwCYgjG5eqgkQIECAAAECBA4FhNFDTK0IECBAgAABAgQ2AWF081JNgAABAgQIECBwKPADT0Qa+lQrJ78AAAAASUVORK5CYII="/>
+          <p:cNvSpPr>
+            <a:spLocks noChangeAspect="1" noChangeArrowheads="1"/>
+          </p:cNvSpPr>
+          <p:nvPr/>
+        </p:nvSpPr>
+        <p:spPr bwMode="auto">
+          <a:xfrm>
+            <a:off x="1374775" y="1074737"/>
+            <a:ext cx="304800" cy="304801"/>
+          </a:xfrm>
+          <a:prstGeom prst="rect">
+            <a:avLst/>
+          </a:prstGeom>
+          <a:noFill/>
+          <a:extLst>
+            <a:ext uri="{909E8E84-426E-40DD-AFC4-6F175D3DCCD1}">
+              <a14:hiddenFill xmlns:a14="http://schemas.microsoft.com/office/drawing/2010/main">
+                <a:solidFill>
+                  <a:srgbClr val="FFFFFF"/>
+                </a:solidFill>
+              </a14:hiddenFill>
+            </a:ext>
+          </a:extLst>
+        </p:spPr>
+        <p:txBody>
+          <a:bodyPr vert="horz" wrap="square" lIns="91440" tIns="45720" rIns="91440" bIns="45720" numCol="1" anchor="t" anchorCtr="0" compatLnSpc="1">
+            <a:prstTxWarp prst="textNoShape">
+              <a:avLst/>
+            </a:prstTxWarp>
+          </a:bodyPr>
+          <a:lstStyle/>
+          <a:p>
+            <a:endParaRPr lang="en-GB"/>
+          </a:p>
+        </p:txBody>
+      </p:sp>
+      <p:sp>
+        <p:nvSpPr>
+          <p:cNvPr id="16" name="AutoShape 12" descr="data:image/png;base64,iVBORw0KGgoAAAANSUhEUgAAAqMAAAGhCAYAAABVv73+AAAgAElEQVR4Xuy9CbgV1Znv/Z75MCggMjghiCOIIM7zgAPiPGA0DiSKU0hyO+l8N33TSfftDP3d9NfdSSfXiIo4gBHnAScURBE1KlERh6goCCoKKsjMGb/nv+h1qFOnatfatdeqYe9/PU+eqKdqrbV/76pVv1pTVbW3t7cLDxIgARIgARIgARIgARJIgUAVZTQF6sySBEiABEiABEiABEhAEaCMsiKQAAmQAAmQAAmQAAmkRoAymhp6ZkwCJEACJEACJEACJEAZZR0gARIgARIgARIgARJIjQBlNDX0zJgESIAESIAESIAESIAyyjpAAiRAAiRAAiRAAiSQGgHKaGromTEJkAAJkAAJkAAJkABllHWABEiABEiABEiABEggNQKU0dTQM2MSIAESIAESIAESIAHKKOsACZAACZAACZAACZBAagQoo6mhZ8YkQAIkQAIkQAIkQAKUUdYBEiABEiABEiABEiCB1AhQRlNDz4xJgARIgARIgARIgAQoo6wDJEACJEACJEACJEACqRGgjKaGnhmTAAmQAAmQAAmQAAlQRlkHSIAESIAESIAESIAEUiNAGU0NPTMmARIgARIgARIgARKgjLIOkAAJkAAJkAAJkAAJpEaAMpoaemZMAiRAAiRAAiRAAiRAGWUdIAESIAESIAESkC1btsjMmTPl4IMPlsGDB5OIYwLLly+XF154Qc466yzp3r2749yynTxlNKPxaW1tlb/+9a/y7LPPyldffaVKecghh8gFF1yQ0RKzWHEItLe3y7vvvitz5syRTz/9VNra2mSfffaRyy67TOrr6+MkyWscETCN1fr162X27NnyxhtvyMaNG6W2tlbFc7/99nNUMiZbLgRQb5566inp3bu3TJo0SXr16pXYT9u0aZPcfvvtsmTJEjnjjDPkmGOOSSzvSs3olVdekQceeEB222031UZsv/32lYpCKKMZDD1E9L777lMy6j1Gjhwpl1xySQZLzCLFIQC5gYQ+/fTTgn/WB3okrrjiCmlsbIyTbGLXLFu2TKZMmSKbN29WDemIESMSyztuRosWLZJp06YpthMnTpRBgwappHDPPfHEE/LOO+/I6aefLsOHD++UhWmsvv76a7n55ps7XiB1InnhE5drJV7nov6nJaP6mfPaa6/JEUccIWeeeabU1NRUYlgT/c3edmXIkCEyYcIE6datW6JlyEpmFSWj33zzjVx//fWyZs2aUP51dXWy0047yfHHHy/Dhg2T6urqxGP1wQcfyK233iotLS3qoYi3VLwhNzc3V2xFTTwICWT4xRdfyE033STr1q1Tb8bnnXeeDBw4UA2VoUGqqqpKoBTxs3DxMI5fGrMrw2T0k08+URKJ3qF9991XLr/8ctWjqQ/TWD300EPy4osvqmtPPfVUOfTQQ1Uc8WBH28KjfAi4qP9pyegzzzwjs2bNkj322EMJkX4RNnlmeiOaRo9u3msUXgSmT5+uXoRPPvlkGTNmTObbfhfMKaMFqOLG/Pa3v5141zmGadAo9enTR6677jo1ZMOj/AhgGPfPf/5zl166rPzSMHHT5XPxMHb928N+E3p30WP64YcfytixY9XLqPcwiRXSQE8xuIwaNUouvvjisn+o4DdPnTpVli5dKpU2cuOi/qcho6tWrZIbb7xRmpqaOo0WoP5TRl23SFvT13UJL7FXXXWV6hCrtKNiZTSo4UTPI27MefPmqflemL+n3xST7Dq/8847ZeHChWoCeR6GayvtprH1e9N48BRT9kqS0SguJrHyPrhPOeUUOemkk6KSzf3fKaN2p6mY1DOblQbDxA8++KD85S9/kdGjR8v48eM7Dc9763SlvWzY5ByVFuJw//33C+aQYjTl/PPPL/sXWT8TymhALfHO48CfL7zwQjnooIOi6pO1v1NGraHMdEJJP3iKhUEZ3UbMJFaU0cqa014OPaNYHDt58mTBojsMz2OKivegjBbbasY/H6MyGGXAdJ6rr75adt555/iJ5fBKymhI0LAKFnPIsMIZc0exAME7oRu9qJjs/dxzz3UsVsBwOla8H3300V0Wn+iGC9lh4QQWOjz55JPq//FGes4553QMdwUVKaiXVJfh+eefly+//FL15KIHF6t2MV8Nw/z+I6ocF110kVqQoofe0MOD34OpA+itxfxGzKPdZZddZNy4cTJ06FCVxYoVK+TRRx9VKzEx1xU3FBa0hJUD14SVH6vJMW9mwIABXcqvRR1v6RgGRQ82REHvONC3b1/VI4Vh0rD5vvh98+fPl1dffVXNH8bLB+bkHnjggXLiiSeGLhwqNuZh7YH+DUF/D5tzhTmLWOz03nvvqXmN+G077rijKm/Qb/XHELF4+OGH5aOPPlLTPr73ve8FTj/xXhdVD/0P41133VXNO4PEgpVJHQD7jz/+WC3i0nUHdbhQHYhqZ5E35m0ixniYYugLDTuG38EuaAFTmEiaxArX6oVcQWUL6iXV8Xz77bc7WGEBA+ru7rvv3qlXpNhY6vr98ssvq9+v6wpWR6Ot8c9djXNP6ReVsFiYLNjyt0Uo12OPPabqgbf+oJ3BKmO0b977Xd+3aJ+OPPLI0Dm5cdpJ/bv8eWL+r77v0NbccsstBRfwFRuLqJcepIf5nWiLddu13Xbbqbb2hBNOKHr1PdrAe++9V7XnGB72by/kWkbB980331SjkZ9//nnHsyPsXvCL8ty5c1V7g+cSYoOYYAHW4YcfHlofgtp/MMQzBfdq0MJRXd/Rdl577bXy1ltvqZ1uIPGnnXaaYq+PuM8Jr3Ngncixxx4b1dSV1d8powXCGdZDuXbtWjXXDw/2oKN///5qeH2HHXbo+LNueFFRIbd4COFGxIGbAMMjM2bMECyk2LBhg2qM8RDt0aOHusnwoIco6u1+0BBhGw7IctCBhh3bQEFUvAthosqB1frehx/EFqIZtOgL5UO50RBArCGh/gON25VXXqkW6HgPTIdA+VeuXBlafqSN8nsPHRO8wYMFGjL/gd8bNhEcfO+4447QRWxobLB4Bby9R5yYh1UtDIthOycsVNJi2bNnTyUNeOiihwKNIw48cPGyEcYX5+CFAA9/74PEG0P8HbKuY1hokQHmjel6iDqIugieqIeIt7ceemUUMqC3MvL/bjwg8KDz3g84BxP38fDFA0XfC95rUYeD6kChFhgNut6exn8e+EJKUQf8q+nDZNQkVqgbYIZY4uGkXwobGhpUEfBQgTDpeGIo7pFHHlH3eFAZ8UDEw03ft8XEEg90yDbur6Bjzz33VHXFO+0ozj31t7/9TW1Jg/qJOqJfQFFPcGAxnr+XzV8er4zutdde6p4IakNQfy699FL1woJFHkEH6rh34Y0+J247iesRHwydotMhqI1BO4/OBJwXJN9xYlFIRqPaLtz/eEZEcde/Bfcf6gqY4iUF1/oPlzKK++Xuu+8OjSnq/3HHHac6NPwr+yGD99xzj3pWBR2Qa9QH/3qLKIZohxFLyLD30DIKxtiBA50CegcU78tmqc8J1De8ROJ++M53vlNRix4powWebEEyqvdi0z1M5557ruy9994qFTTQqEx4IOG/4WbQvRDeBzfOxU1y1FFHKflAD6Z3g+GoYXpvGfBQxVY0aEwgC5999pnaFgqSin+HWHkbJ5Ny+HvHsMIbm/KixwYNGN7K0YOB89BI4KZEwwxxwMMe/33BggWqlwwPl/33319tSaUbFJQfPa/oEQMHPLjAC40Pyo8GCg05HkIYrvD28Hp7qvD70NsDjngI4lq85eNayByu9fau4sGE3m48qJGvjh3yff/999XDFefgt1xzzTUdQhg35oWkCX+L6gXBORA8NLrgiN5CxAE9M5BG9Cbg7RwPQ39988cQ9RB1BHOgIfE4P2p1dzHD9Cgr6snZZ5+t6jLyR+8kRBNlP+yww9Q8KH14p8KgXkC+9IgCevlxH+Eew8PBdEI/6iauQ92DeGKUAj2NqAt4oXr88ccFO1XgMJVRXV6TWJkM0+t4oqzYWBwPWrQBeIhhs3G8XIGH9741jaV3WynEAtOLcD8iL/SA4Z5FXUGvEeq+lt1S7qlS5ox62yKUBfUTPf247/GCi9EYxBJ1BXUV9QjM8PBHTPGChZjixR7X+6dTldJOIu56hTn+GW0oemj79esnq1evVvcuJFULiV9G48YirJ55OeOlDh0NuJeRP9ouvDSh7UL5cL+YLHrFcwpD9OgQQNuN+yVJGdW/Ve88gXqJtgn3P17WIHz4G0bAvNvGYaN49EjjxdNbz8EC2yFihA68/G2iNyZB7T92wsA5QW2OfyQA+aIHFu0IFhvh3208J3RPdSUuXqaMhhiD9+b3vqVg6A8PDfQsfPe731WC5j0WL14st912m3oAeOfgeBveqEVRUTKqy+B/aOlyeG8K9GShcdI9ISbl8P72sF4tTHiHvOHwyxv+GxoGcEJZ0Xh6h4Xx8EDvJB4wePtDb4338JbR30hqNmik8PDx95xiiA8NFWQNOyF4/44HF+QtTHAgLJBVNNKQPt2bFTfmpcooHshY5YqHhb9h1Wl75cb7MPbGEG/zQXU1qnzFyGhQncY9gHihF8M/DKhZo1ctqBcb/x1D33ip8otsWLm9sUeaEFHvqADKgxcdMEtDRr3xxBx0CIW3x0dv8YL7w9vmmMTSuxAl7J5FjyxkHfUBL1t4gOIo5Z6yJaNhPNDLjZd8HH6Jxn9DPcH2aKhP/t69UtpJPZcSLxhoQ771rW91ihV4Q6bQW4vDK6OlxCJMRvHijnZN98JidC3ouYO/oxfZZM9fvZ0ZJB8jeXrKlTddVz2j3p0nghbseO9/784U3jYl6LmDsqO+4PmCOOhnsDcmYe2/V1b9HSheGQ2qq8jXxnNCzxtFu4ARRb9fRLXZef47ZTQket4eKT1/w9vwhq14856D4Tlci8MrWH5J8hehkIx60/ffMN50MPSCIRgcYVIcVg6TB4z39+Chj94K/xEmM+i5xMMjrIfOO3fGP99Os8FQCebe+uf3eN/2vdd60/TGxVtmNFjY7w3l1itHS4l5VMMQ1duGcqA8kHY0TP6hI6SPhw/2pMVLUJjA4MGEB1Sx+5YWI6NhdQkNNHo5/FMD9G9HTw7EKOjLI/qcsPlsfr7oEUFvMeb/Yl4XpMy0Tkb1akbFCvlEpaHjiRfDsAUK+hz0/OE3oBfcWwfDYolesRtuuEH12oXNN/Oe433Ji3tP4TebtBVh94HJAiDNHfd52MM5qL0stZ3UPVRoo8LuvbDylxKLsHoGwYKY67bALyloB9BDipdw3VMX1f7oTgFMJ/F+ACIJGfW202HPD2wXhvoMecTLLgQNvabozcVIQlhvrld09TPAGxNs24Ze7qAD7QfaEYy0eV/YvG1hUD209ZzAsxEdEJBxk3nXUTHO098po75ooRJgeFEPf3qHPbwVpZBQ6sbRu/DJpOHVRSkko94yhN2MSCfsZjcph8kDxvvgDbtpomQm7Ebx5h8mo2HbXoVdq3sB8HcMgfq/sKPLgl5lNOh4CEEaSol5VEMQJTh6/lCUjGnhg4ThE4IQP5MYRpUvKn4mdck78V9/3hAPToweYMi8kCjrayGqWszCyuxNM2jBob4u7DdFiWRUrExkVMcz7EXK+9KKHiDdW2USyyhZ8Yuj94UsaiSm0P1oUrZSZDSo/vjTCyp/qe2kyb0XVv9LiUVYPfP21EJEMb8z6GUr6p72/t2EbTH7jBaz9ZO3hxM99XiWYX1C1EdmtEDj5QQjfv65/fh96FRA5wN6fCHaOFfHBOmH9QLj2rD2PqottPWc8PL2js4VE9e8nluxMmoSMP9iFt2FHrTwICg9rzCZPLhNZNS0Gx9ChXmZmHfnbSRMymHygLEho0gDi3PQwOCfgxYv2JJR7wMirBcgKIalxDyqjhUSHO/igqiezaAeDpMYRpUvqgE2qUtBDzxvL3VUGfB3/5B60DXe31toWD8tGfXG0+Q34xz9kmcSS92TZ5q2t00oRxkttZ3UTAotJAmr/6XEolCb4B2twygHnk+YR47pCVggWuznO13KaNguFN5nov/TuXj5x+gP6ibm6Abt7R020hJV73VMvC/sQdegx/VPf/qTmjvqffZEtYW2nhNRL8VRvzPPf6eM+qKnt0HBDY4Vwt5h4KjtTPwVwYWMRt0U3jJ4t2zR37Q3EQiTh1+pMoqGFYuNtNhjWEQvqPGu0LUlo8VwC+o9ML3Ji/lQQaEHj0kMdJn8W+Sg562Y68N+WxQzk7oU9MArprcljowW2nA+LRn1xsO0LhUjo7oumaZd7jIaVXej2smgttPPNqz+lxKLqB54TG/CXHx0Mnh3oMBzCivP0eMdtTBR/w79VbFCu2vEnTNqIqMoB+4LvVAN/6wPPIfRU4reQe8C1ig+YfXf9LqwUYCo+lSKG3jLTBk1bcFyfl7cG0v/bJM5NmGITB7c+tpCPRWmb/xhMmJSDhORKUVG9WpIDIkfcMABao9VvSWMbqC8+5x6v2QTtxcnbs9oKTGPul1s9YwGNZQmMYwqX1QDbFKXgmQ0rPchqjyF/h42V9t/TVoyGjZSYfKbTWKJXQueeOKJLnNzTdKPe0/579Vihmlxbdz64/9NQeUvtZ0MmmplKqOlxMJUmvASjzmV2A4LUolpWTiiFsd6f0OxPaPFxtek7ulzINZYqImpO+jFxD686JTwL7503TMaJoNRbaGt5wSH6YupNTk+t1QZ1fMOIVFRi5BMG64gnKZzRguVIctzRvVCk7C5kGnOGfXHo5SYR90qUQ8ekzmGyCNvc0a9YhY1BSGKof57sfNQ01hNj71IsR1QoTmjQb/XREa9D8NiV+GWo4yazuELaydN7r0wmS4lFlFtQlD9gMi99NJLauEN/tn0i4EmAlXqM9P0/g1qd/V+0N6FuiZzRoPyNJnHi+vizhm19ZzgAqa4NSZn15V6Y3kbrkIr2YOwmPQC6OsKPRwgwth+CJW/1NX0YQuPTB5+pfSMRg2BBa2GNGHj76kpdjU9rtebnGOICHsxlhLzqNsj6sGDPfOwx2ipq+nj9mhE9QaY1Omw3hf9sC+08j2Kn//vmmehPfrS6hn1vjQUWqEdV0a9D7FCq4WLffktdE/5/1ZsPSul/nh/R9h+0KW0k6gn2Mmi0ErzsPKXEougNgGCiRdODNFjwQ6mj/l3xvDOwzbdCi3NrZ3Qc409ZDEvFF/b846M6djqTgts4YQFjFhVb7Ka3vvhDv3BCe8CsFJX0wetObD1nNBbeIFBsS+VxbaXWTu/YueMFttw6sDpvSrD9rnEeXgLw9AJ5rvor+KYNLymwqX3Mwvbp9N0n9G0ZFT3EAVt6+PdDB3/bGvOKNjq2GF1NrbtQP7eAw0WHmCYvO7dHiduzKNu9igZ9e5LidX/2J7Jv0jBZJ/RuHU9qufEpE6Hyah3T9CwffswnI9PmOKBYrLfnsk+oxAM/K40eka9D8Sw4VR8lQu/GTsCIOaQDpOXQ//q5KB9ZXE/4esueKBjs309t7CUntFSph+UUn+iZFTLP+ZXxmknTfYZRbuAz0Hj8LalpcQirE3QYoY9m7GK3L+SHvcKtgTCBz0KzZn2cktz03s9jQKijZX0WKPhPVBX8cKKvXG98/D9exdDDP0ii+kLmObl3ZPVu89oWPtvss9oocWUNp4Teh5v1EKrqGdLHv9OGS0yal5BQCOHRh1voniDhgRCFLEtFFaGYy8zTCrHYdLwmspooS+LRH29wqQcJg+/UnpGdY8fGgisVsW3fbGvItjiq03YL09/2cS/B10pD07vF5ggouj5hBTgwIIA9IqiMfdvphw35lFVK0pGcX3YF5hQvzDkq7+E5f8cokkMo8rnHXrCl66wkbz+1CUkyaQuhcmo9+GAtNDLjxcA9GrigYM6ACnDAwIfRcDHEfSncMPK7f8CE77MBZHFwwpz0LLwBSb9IonfD8HG18ew+Tz+HV8QwwMYG/2jfmIvUjyUTGPp/WgDepHOPPNMNScbLzCQFWzQjvl4WByCBY16e7NS7inEQr9cYiEMpAxlR55RC2lKqT8mMlpKO4n0vV9gQv0cO3as+oAH6iT+VugLTHFjEdYmeNPzfnUI9463zS+m1927w0NYb2qpo4lh9ypEEfum4j73fkUQdUY/R/XX2/w9md4vMHnvIf2de7yABH0FsdAXmHDvYRQKvdpBn7COGiXC77TxnNAvHfwcaNTTKed/t3VjRX1XHY09Pm8IkdI9WSYNr6mM4jyTby6jZxab8wd9mx4PuLR6RtEI4pOlkNKgA9uUoIcIE9r9cwpLfXBGfZsYD1Jw0V+n0eWLE/Oo28VERk2+TQ+hxvxh78bxpgJTqIzeB4Y+r9gdIgotkkD6eAFAPdAvH/7yBP22QmX2Coj/PNyX2AoHPag4vMNtUatYTWIVlQbyxAMTIoP0vKuhvWX118FiYonfho9d6AUtfgZ42PvbhVLvKf3FG+/WbCYbdpu0iSaLbAqVP247CW6F2im0qXhJgiSCddDvjROLQvUs6nvsGK2DMOPF0fQDF3rLo7D5+7aemUH3bFRscA1GCPD1K/82T1EswtqNqPYfL3HYw1V/4luX20RGcW4pzwnvfR724YqoZ0qe/86e0ZjRw4MUb8bYJxNvprrHCCKFnj58E7pYCSxGRnFuWBkw3xE9tt4tMXTaJg8Ak4dfKT2j+qGMXj88mMEPMoKhJ/QkY8gGPUTg650vhOtKfXAiDfw+9FChIUaDiAO9OvjWMP6HXu6go9iYR1UtE8HRaaBnb86cOep7zRAuvQUZvuWNz+X5N4s2iWFU+fB39KjpebSIEfb/Q68aemBM6lKUTCBNzJMCCzy8wRgPVdQF9IjgtxW7fyLSwIcrEGPUU6SH+xEPapQbnxlNS0YLxRN1EJ+89NfBYmPpr99gjN5hiDh6t/1DvKXeU0j/9ddfVwtoIGYQXsgZ6kqhw0b9MWkT4rSTutxo19FOoX5i6B5tOr6KhfsOwoM9KdGGFHqx97Y1UbGIahNQn9FjiKkmuDeRHkQNscXcywEDBpjc1h3n6OkImHMatBm8Sxn1PsPACGXBC42+X3H/Q0bDNsLXLNDGoFdSt4noCCrUbgTdHxiZw3QmTHHwf9UP5TSV0ULP5TA30MHQ04zw+8O+0FZUcHN2ckXJaM5iw+KSAAmQAAmQgDMC3uky6ATA/M1iX/6cFa6CEkYc9BzkSo0DZbSCKjx/KgmQAAmQAAl4CWBoGYufsBitmK/TkaI9AjoG6InHArWddtrJXuI5SYkympNAsZgkQAIkQAIk4IKAXqyFhTMTJkyIXHzmogyVmqaem4xpaZhGg+kWpnN+y4kZZbScosnfQgIkQAIkQAJFEqAQFQnM0unerQyHDBmiXgT8i7UsZZX5ZCijmQ8RC0gCJEACJEACbgnonSiwkAafaMZCOh5uCWAf1QceeECwuAmL4Lw7orjNOXupU0azFxOWiARIgARIgAQSJ4At9R555BHBhyj0HsyJF6KCMsSeqS+88EKnD+RU0M/v9FMpo5Uaef5uEiABEiABEiABEsgAAcpoBoLAIpAACZAACZAACZBApRKgjFZq5Pm7SYAESIAESIAESCADBCijGQgCi0ACJEACJEACJEAClUqAMlqpkefvJgESIAESIAESIIEMEKCMZiAILAIJkAAJkAAJkAAJVCoBymilRp6/mwRIgARIgARIgAQyQIAymoEgsAgkQAIkQAIkQAIkUKkEKKOVGnn+bhIgARIgARIgARLIAAHKaAaCwCKQAAmQAAmQAAmQQKUSoIxWauT5u0mABEiABEiABEggAwQooxkIAotAAiRAAiRAAiRAApVKgDJaqZHn7yYBEiABEiABEiCBDBCgjGYgCCwCCZAACZAACZAACVQqAcpopUaev5sESIAESIAESIAEMkCAMpqBILAIJEACJEACJEACJFCpBMpSRjds2CAvvfSSLFy4UMaPHy+DBg2q1Pjyd5MACZAACZAACZBApgmUjYy2trbK0qVLZc6cOfLRRx9JW1ubNDY2ysSJEymjma6CLBwJkAAJkAAJkEAlEygbGV20aJFMmzZNCejo0aPliy++kE8//ZQyWsm1m7+dBEiABEiABEgg8wTKRkY///xzwfD84MGDpaamRu6880557733KKOZr4IsIAmQAAmQAAmQQCUTKBsZ9QeRMlrJ1Zq/nQRIgARIgARIIC8EKKN5iRTLSQIkQAIkQAIkQAJlSIAyGhLUpqamMgw3fxIJkAAJkAAJkAAJlEagvr6+tAR8V1NGQ3B++OGHsmbNGquwmRgJkAAJkAAJkAAJ5JnAfvvtJ927d7f6EyijVnEyMRIgARIgARIgARIggWIIUEaLocVzSYAESIAESIAESIAErBKgjFrFycRIgARIgARIgARIgASKIUAZLYYWzyUBEiABEiABEiABErBKgDJqFScTIwESIAESIAESIAESKIYAZbQYWjyXBEiABEiABEiABEjAKoGylVGrlJgYCZAACZAACZAACZCAEwKUUSdYmSgJkAAJkAAJkAAJkIAJAcqoCSWeQwIkQAIkQAIkQAIk4IQAZdQJViZKAiRAAiRAAiRAAiRgQoAyakKJ55AACZAACZAACZAACTghQBl1gpWJkgAJkAAJkAAJkAAJmBCgjJpQ4jkkQAIkQAIkQAIkQAJOCFBGnWBloiRAAiRAAiRAAiRAAiYEKKMmlHgOCZAACZAACZAACZCAEwKUUSdYmSgJkAAJkAAJkAAJkIAJAcqoCSWeQwIkQAIkQAIkQAIk4IQAZdQJViZKAiRAAiRAAiRAAiRgQoAyakKJ55AACZAACZAACZAACTghQBl1gpWJkgAJkAAJkAAJkAAJmBCgjJpQ4jkkQAIkQAIkQAIkQAJOCFBGnWBloiRAAiRAAiRAAiRAAiYEKKMmlHgOCZAACZAACZAACZCAEwKUUSdYmSgJkAAJkAAJkAAJkIAJAbcdXrkAACAASURBVMqoCSWeQwIkQAIkQAIkQAIk4IQAZdQJViZKAiRAAiRAAiRAAiRgQoAyakKJ55AACZAACZAACZAACTghQBl1gpWJkgAJkAAJkAAJkAAJmBCgjJpQ4jkkQAIkQAIkQAIkQAJOCFBGnWBloiRAAiRAAiRAAiRAAiYEKKMmlHgOCZAACZAACZAACZCAEwKUUSdYmSgJkAAJkAAJkAAJkIAJAcqoCSWeQwIkQAIkQAIkQAIk4IQAZdQJViZKAiRAAiRAAiRAAiRgQoAyakKJ55AACZAACZAACZAACTghQBl1gpWJkgAJkAAJkAAJkAAJmBCgjJpQ4jkkQAIkQAIkQAIkQAJOCFBGnWBloiRAAiRAAiRAAiRAAiYEKKMmlHgOCZAACZAACZAACZCAEwKUUSdYmSgJkAAJkAAJkAAJkIAJAcqoCSWeQwIkQAIkQAIkQAIk4IQAZdQJViZKAiRAAiRAAiRAAiRgQoAyakKJ55AACZAACZAACZAACTghQBl1gpWJkgAJkAAJkAAJkAAJmBCgjJpQ4jkkQAIkQAIkQAIkQAJOCFBGnWB1n+h/Pr5FHnujxX1GOcnh2H1r5Sen10uPhqqclJjFJAESIAESIAESAAHKaA7rwZ+ebpL7X23OYcndFhlC+s/nNbjNpITUH3i1WR5c0CJtbe0lpFI+l47avUYmnVIv3ev5AlE+UeUvIQESIIHiCVBGi2eW+hXn/G6jrNtEoQkKxJyf9Ug9PkEFePyNFvmPx7dksmxpFuqwoTXyr99qTLMIzJsESIAESCBlApTRlAMQJ/sx/7ohzmUVcU1WZfSHt2+Stz9tq4gYFPsj75zUXQb2Yu9osdx4PgmQAAmUCwHKaA4jecn1G+Xzb9gzmqee0R9P3ywLl7XmsLa5LzJl1D1j5kACJEACWSZAGc1ydELKRhkND1pWe0Ypo+Exo4zmsBFikUmABEjAIgHKqEWYSSVFGaWMJlXXksiHMpoEZeZBAiRAAtklQBnNbmxCS0YZpYzmsNqGFpkyWk7R5G8hARIggeIJUEaLZ5b6FZRRymjqldBiASijFmEyKRIgARLIIQHKaA6DRhmljOaw2rJntJyCxt9CAiRAAhYJUEYtwkwqqTAZPWSPGrn8mHrZc0C11NeKtLaJfLa6Te7+S7M8sTD6a03YfHzCsXVy4vBa6dNj61Y7m7a0y4IlrXLbvGb5+MvCWxP99uJGOWhIjXy1rl3+z8wt8vrSbavH+21XJRNPqJfD9qyRno1b0167sV1eeL9VbpjdJBubOu8O8P99u1FGD64JRPplQPr6RC5gSqoW2suHPaP2WDIlEiABEsgjAcpoDqMWJKMHDq6Rn57RIDtuXyVfr2+XJava1N6NO/eplo1b2mXKs00y87XCQvrTMxvkpP1rpaVVZOmXbbKpqV32GlitvpDz4co2+eUDW+STr4OFdMIx9XLREXVKgv2yiOv/5fwGOXBIjUpzycp2qaoSJc11tSJ/XdIqP71rc6dI/OHybrLfLtWyYk2bbPF9bGrNhq2/570VXctSLjJ62shaOf+QOhm0Y7XUVIs0t4p8tLJNbn2uSV79KHqLqFJeLHbdoVr+6bwGGdq/Wr2AXHHTpk6xGbZLtVx6dL0csFu1dKuvErxGrN7QLs+83SK3z2vu8mIRdYtRRqMI8e8kQAIkUN4EKKM5jG+QjP7j2Q1ywvBaefuTVvlfM7Z0CMHPzmpQPZ1vfdIqfzets/B5f/oRe9XIT8Y1SGN9ldzybJPg05U4Dh1aIz85vUH1Zt4+r0n1svoPLcLoTa2uFiXD3p7Rcw6uk6tOqJfNTe3yuye3yPz3tsrUWaPrZOIJddLWJvK7J5vkuXe3yfLUq7tJv+2r5A9PNsnTb0X36pZTzyhE9Jox9Yr5itVt8tmadtm9b7V60YDo/+fjW+SVDwsLaSkvFoj3qQfUSnWVdJFRxPpHY+tl5x2qVZw//KJNeveoUuXDi8Xst1rktzOL+9IUZTSHjRCLTAIkQAIWCVBGLcJMKqkgGZ0ysZvs1rda7nqpWW6b19RRlOP2q1Xy0NQqShLQCxl0nLx/rfxwbL3q4frZ3Z17QPWQOYb6//2xzqKhez1H7l6j0t5/N/TESicZ/c6x9XLxEXWqJ/OHd3TuZYN07tKnc7lH7FYj/3hOg9RVi/z741vkpQ+iewLLSUZ/f1mj7L9bjZLzXz24lTc4//KCBhk1uEbmvt0iv3k4XPhKebHQItxYVyW11SLLvurcM6pfehZ/3ia/uHezrFq3dXrFeYfUyZXH16ue7397NFqWvXWQMppUy8F8SIAESCCbBCij2YxLwVL5ZRS9Vf9wZoN0b5AuPYn77IQh10bZvlvXv3kzGTO8Vv7H2HrZ3NxZWiFBv7usUYb0q1a9pZPnbBNdXA8BueDQOln+dZs8vKBZrj2pvouMXnZ0nVxyVL0acp906+aOXlsM9/78nEbp1b1Kbp7bJA8t2Nrrinmn6Nlrb+8stSahyvswvRbxHvUi//fpJpn15rZe4W8dXicTjq2XL77pzNHPJe6Lxe47Ih4NgmH615a2ysFDauTT1Z1ldPIV3WSP/l3rQqE6GBU3ymgUIf6dBEiABMqbAGU0h/EtRkbx89D7OLB3degwu+55U/M6B9fI25+2ytTnmuWzr9vku8fVC0QVw8O/eXizvOP5vjqG8H+Mof06kRvnNKm5puhd9feMaskZ3K9a9XJiGgCO606qV+L5wedt8pM7t0mqlqnWVpHmNulYTLV+U7vMfrtFpj4bPi8x7zKqf7ufIXjpXu4tLYUlPe6LBV4AcO3rH7fKu5+2qd5sv4yG3S66NxbzW/1TLqJuMcpoFCH+nQRIgATKmwBlNIfxjSOj/qHwoJ8NaUTv6AG71agFRvrAYqg/PtUkCz/eNlzuHZ5/9PVm+cOsJikkUhjG/8Ep9aqHVR/o+Xxzeav815NNnVbq6x5ALIZav7ldiXCf7lXSq0eV6i0tNC+xnGVU9z421BYWvo4FY0W8WJw5ulYmqmF2kd8+ukVGDqoxllEI7IWH16kFTy9+0Cr/dF/43OSgekcZzWEjxCKTAAmQgEUClFGLMJNKypWMfv+Uehk3qk5a27aueN/S/N+r6Ruq1Aru3zy0bWEUhucvPKxOrbLXvZphMgo5+snp9XL0PrVqZT96QhvqqmRIf8xLrJKnFrXI757YNgcSUgw5ghjd9eK2XtAfnlovp4+qU/MSw3rfKkFGg6Zj+OteMS8Wuud6lx2qZdrzTWresZ7nG9YzqsV4x+22vrWgtxYvCZMDtumKui8oo1GE+HcSIAESKG8ClNEcxjeOjEYN058+qlauPrFeSQUWKenV2lpUsMXQg/89Z1SvsK+pQg/dttXxYTKqxQbbQv3ywS0dvaB6mH+7xs4r+MNCAqn944RGNafRv1BLX0MZ3UqimBcL7LiAnRheXtwqP793a69mlIwiBmcfVCs79KhS20/h37H6Hi8W//E4V9PnsFlhkUmABEggNQKU0dTQx8+4GBk1XcCE7Xywkhob3Pv3/Lx2TL1aLY19Lq+dukl+Nb5RjtwreEN676/S+41++8g6NRf1sdc794Di3F+c0yDHD6tVw7tYnR11FFrZj2srQUajhumLebHQ22th79Zf3LftRSFKRv1x0sP8WFv/x1lNMudt8+242DMaVev5dxIgARIobwKU0RzGt9DWTtgHdOpzxW/tpGU0SAqvOK5eMI9z+VdtMnHKJvXPQ/pvm/upEaLnEl+B2tLSrrZ5wj6UD/+1Rc1DPXD3Gnnkta1zS70HFs2cMqKzBGPFNhY73flCk0yb33lf07AtrCqhZ9R0AVMxLxZgjQ8bRB1Bm9/7r8GHCvbdOXjXhULpU0aj6PPvJFDeBFaubZc7nm9SeyoHHiH/ueNczxqHTteHXRd2vr642Osslw87zFxyVJ36MEylHE5ldPXq1TJr1ixZtGiRNDc3S7du3WTkyJEybtw4aWxsDGW8efNmmTp1qixdurRgHAYPHixXXHFFR1rIZ9q0aYHX9O7dWyZNmiS9evXKfWyDZBQCMnZkrSxZ2Sa/fmhbD1fYpvfoqcT8Tf0VI90T9s2m9k7D9PiMJ7aGwteQova3DBum12X7eFXnYXps7fQPZzXIgF7Vct/LzWp7Jxx/N7ZBzjiwVq3q927gr/eybGppV0PBevN8b0Dz3jOqt3bq2SBy/dNNnT7jarq1UzEvFpj7i48L+I++PavUIqY1G9vVNk+r1rarXRAK7cxAGc1908IfQAKJE8Ci1Ctv3hT5uenEC5aBDO/6fnfpH9A+Z6Bo1ovgTEbXrFkjN998s3z11Vey9957C8Tx/fffV4KJf54wYYKS06CjtbVVPvroI1m/fn3g37/55ht55pln5IADDpDzzz9fqv576ferr74q9913nwwdOrSLdHbv3l1OOumk0Dytk3WYYNTnQPFt+MVftMnOvasEi1Kw4Mf7OVAtnus2b9ugHHP+fnFugwwdsPV8LGDC39FrtkNPsy//hMkoxBeChM+Trtu0dQETDqS9XbcqNfzvFWg9TxW9r+hdxfnbd6tSb4m1NeW9mh5cMBUBzF5f0ir/fP/WRWNhm97jv4/cvVqwCb3egN7Gi0XYMP1vLmyUw/eskdeXYtX8tgVt+Izs90+uV58u9e+PGnUrsGc0ihD/TgLlSwB7KeNDGTy6Erj8mDrBp7Yr4XAmo48//rg899xzShYPPfRQxbK9vV1mz56t/nfhhRfKQQcdFIsx0n7xxRflyiuvlCFDhnSkgXTnzZsnEydOlEGDBsVKOw8XBckoyo3tk7A9D6QN2yK1tol8trpNfcITX0/SB3rYLj+mXvV6YbESxAIHekEnnlAvhw2tkZ7dqgT9ZRDTN5e3yfT5TZ32GA3iVGhrJ/098xG7Vku3hq09cdi2CYtmpsxt6hApnW7Y989nL2qRG5/pPNTvLUvee0bxW7yfA8Ver8u/bpdBfatkpz7VXT4HqufQLlq+7XOvNl4swmRULzrDKnr9ooAFaNgZAV9tev5vLWqRWjEHZbQYWjyXBMqLAGU0PJ6U0RLrelNTkxpmxzD9ddddJxgi18fnn38uN954o+yxxx5y6aWXdvRqmmaJNG+66SbZaaed5JJLLpGamm0LaWbMmCGLFy+Wa6+9VnbccUfTJHN3XpiM5u6HOChwOcgosKCn8aLD69RKdfQ2NreK6kG+9bkmtc2WPn55QaNgw3nM0f2HGdsWgJX6YlFoARPmBeNlBvuKNtSJtLWL+ozs3Hda5PZ54R8kCAs3ZdTBjcAkSSAnBCijlFEQcNIzimH066+/Xkmod06n6g1bv14mT54sGDb3/83k3kHP5xNPPCGXXXaZDBs2rOMS9LpOnz5dli9fXjZzQ8N4UEbDa0q5yKjJvVAu51BGyyWS/B0kUDwByihlNBUZ1YuTNm7cqHowe/bsaVx7161bp3pVt99+e/nud78rdXV1HdfqdDFXFRL8ySefSEtLi5o7euqpp8ro0aOluro8VqZRRimjxjdNDk6kjOYgSCwiCTgiQBmljKYqo5DGYle3v/LKK/LAAw/I+PHju8w31T2uK1euVAKKRVJr165VPaVYEHXyySfLmDFjip4W4Oj+KylZyihltKQKlLGLKaMZC0jOi4P58dj5AVNHeIgM6FUl3z+5QY7cO3pv6DR4UUYpo7mS0U2bNqnV+ZiPes0118h2223XKYJtbW2qNxRSuu+++3b0gq5YsUJuvfVWtbUUrhs4cKDR/fbhhx8Kem+zePxyziD5emNtFouWepl+f+ZHqZchqAD/98WdZPFXwbtHZLLACRbqn8Yskx26m2+Sn2DRmFXOCCz5ulH+64Wdc1bqZIr7zyctkz7dsnefvbJ8O/nzG/2SgZCzXMbuvVrG7rM6c6XGjkWYamnzSHzOaNxh+jfeeEPuvvtuOe200+TYY48tigFW2T/11FNqnumIESOMrsWUgKweV99eLSvXZrV06ZbroR9s3TYqa8fPH6iStz6N2mk5a6VOpjw3TWiT/tsnkxdzKW8CM16ukhmv8D4LivIPT2qXE/fLXm/xM+9WyR9mM2ZBMbvo0Ha56LDsxQwLx3Mvo3EWMKFXE72bq1atUvNM+/btW1SLqjfDP+WUU9Reo3k/OEwfHkEuYMpf7c7yMD2+OvbAghbZ0py9B0IakR7Sr1rGH7Ztrn4aZSiU5+3PN8kdz3f+alvWyphWef7nGQ1y6gHZG1HjMH14jeDWTiXeLXprJ2x4j3mhpW7t9M4776gvKx1zzDHq601Bx/z582XmzJly+eWXy/DhwzudMnfu3I4V+KY9oyUicHo5ZZQy6rSCJZx4VmUUIvqdGzclTCP72R2/X636QEYWD8poeFTyJqP4oMeEY+vkxOG10qfH1p7TTVva5eUPW+XGOV33pvb+cv0Vuqg6ivnFc95ukX84s0Gwd3Kh48t17fJ/Zm7blxvnoowXH1knJw6rlb7bbd2b+66XmuW2eZ33wu7Yam/PGunZuDWftRvb5YX3W+WG2U3qwyZBB2U0KoIGf8fQ+NNPP91p4VChTe8xfI+uX+8KeWSDxUfYsmnJkiVy9dVXy847B88H+uyzz9T+o9gEH/uX6v1HN2zYIFOmTFGLmXD9gAEDDEqf7VMoo5TRbNfQ4kqXVRn9r1lN8shf2csWFM0/XN4ow3fN3oIYymj5yCiEEj25La0iS79sUx9gwQddujdUdfo6XdAvxnX4il3Ygc8u79CjSqbNb5J5f2uVsw+qVV8DDDp6dauS0YNrVBl+NG1zhzjiS4H/eE6D7NG/WvBJ06/Wt6tFc0+80SKPvLat3YCw/sv5DXLgkJqOrxvio5H4LXW1ovaI/uld2/aI9paBMlrcsyTwbO/nQLGgCJvcY0N6fBLU/znQZcuWKWHERvVXXXVVp092QkJvueUWGTVqVKdPf/ozhejOmTNHCXC/fv3U+VjUtGDBAsG+p1xNbyGoOUiCw/Q5CJKviFmVUXyiEEOIPLoS+M9LGtUX37J2UEbLQ0bxpTf05Harr1I7Izzw6la5w3+HpHavF7l5brM8HONl8eyD6uSqE+rU1+x+fu8W+eTrwusMfn9Zo+y3S43c93Kz3Dx3a4+nVzDxlUP01KKXM+g452DkVy+bm9rld09ukfnvbT3vrNF1MvGEOmlrE/ndk03y3Ltd2xrKqKUWBr2R+HQn5mxi3ie+RT9y5Eg11N7Y2NiRC77KBBlFryUWGem/6V7RDz74oMunP4OKCPnEQif0ymKKAA7ML8VcUeSrv2Fv6eellgx7RsPRU0ZTq5axM6aMxkaX2oWU0dTQx844T8P0lx1dJ5ccVS+fft0mP7h9W28kfvyvxjfKkXvVyFOLWuS3M4v79DCuxyeUDxjUWS7DoJ4+qlauPrFe9Xh6xVUL7cYmUZ/UfuXDYBFFuvprdu+taJMf3tF52s/Uq7vJLn2qA4f2cS1lNHZ154VJEKCMUkaTqGdJ5UEZTYq0vXwoo/ZYJpVSnmRUz/l8bWmr/D9/7jyE/cNT61Wv4usfd/1bFMsxw2vlB6fWy8YtIr9+aLO882nhXtHfXNgohw2tkUdfb5HfP7lNfCHE+Azz3Ldb5DcPFxZiLdYr1rTJpFu3ifWwXarl5+c0Sq/uVarH9aEFXacEUUajIsq/p0qAMkoZTbUCWs6cMmoZaALJUUYTgGw5i3KRUd3TuGRVm1w7tbgFhr8e3yiH7Vkjj/nkMgj1CcNq5X9AXJu6iit6NAf0qpa577SoqQM79Nw63xQ9qI++1iKYLqIPzC39+TkNMrhftbz0QauadoDjupPq5aAhNfLB523ykzs79/7qaymjlm8CJmeXAGWUMmq3RqWbGmU0Xf5xcs+bjIatZn7mnRaZ+mxz6GpmsClmZTaGbHGcvH+t/HBsvZpbGHRgFbc+F3/H0DEWyQQdQau4cd7R+9TI2aPrZM+B1fLwX1u6rOD2p1VuMvrp6ja54iZzGQWvH41tEKxbx3zwQkPrYIcdI47bt1YJp7f3EwujsPoeq+eR2NpN7WrxUkOtyMDe1dLaJnLfK80d0om0ML/6B6fUC7ZG0wcWPb25vFX+68km+fjL4B5aymic1onXJEaAMkoZTayyJZARZTQByJazyJuM/vbiRtULhRXZS1a2C1YzD+2/dTXz7LcKzz0sZmX2n1/cOtSqF600t7bLqrVdt+15/r2WTvuh/uHybrLfLtWCodwtvtHaNRvaZcqzTYI5h+hlG3tArRy3X63077V1KyGsNg/aTogy2pnAP57dIOjt/MviVvn5vcGr1/UVegFVbbUIdtWAkOrDK6OvL2mVf75/S8fLzI9Oa5Bxo2pl5dp2+eUDm1XM8ELyk9Pr5eh9amXjlnbVE9pQVyVD+ldJbXWVmvv6uyeCh/opo5YbLiZnlwBllDJqt0almxplNF3+cXLPk4zqxSaQvKDVzE0tZj1lQZzCVmbroWT0fPnnPAalg2HffttXyR+ebJKn3wrfwUH30kJAP1zZprYnwh6clSijxQzTa4FsqBP546wmtbdooeOnZzao3m3safqP93QWV51W9wbpEi/9tx4NItc/3SToAdd1Aav2f/nglo5eUAjvj8c1yHaNnXcM8JaLMhqndeI1iRGgjFJGE6tsCWSUNxktZci30HCsRh3V0zXhmHq56Ig6qa6K7hE7bWStXDOmXj3w/EPD3tAWO+SbJxlFb9XpB9bK6wGLYSZf0U0Nnd79l2aZ+lznjcpNqn7Yymyd53PvtMivHiq8wAV7XmK/yrpqkX9/fIuaVxh2fOvwOundvUqefLNFSU3UamxvOuUyTB9nAdPfjW2QMw6slbc+aZW/m1a4V1QvLNq+W/D2UYVkFLz9MUEdwTWYp+rvAf3FOQ1y/LBaefGDVvlFQG8tZdTkLuQ5qRGgjFJGU6t8DjLOm4yWMuQLmRjSf9u8MS/OmipRQ8nV1eG9N3io/fSMBtWLFiWtu+5QLf90XoMajsbhl9FShnzzJKP6BSBIxvU2QYVEPazKF1qZjZ61U0bUFnwB0Oki5jgfcwj9X/iJut3KVUbDVqCDR7FbO0XJpZ+xibiql5j+1Z32HkU6QaKqZHT3GrUR/h9mdX7h0fVkQcjG95TRqDuAf0+VAGWUMppqBbSceZ5k1OWQLzbGvuCwOnn30/DeG4gwHmwQFxyFhmcxpAshamkTtbjCL1ylDPmWi4xqBmE9U4WqeqGV2RCQkYNqZNW6djWUXl8ramHL4i/a5NbnmuTVj7b1furFTq2tIs1t0vHpy/Wb2mX224UXWJWrjGqp275bVafFQGGb3mO0Agu5Fn7c1mUx2rVj6uXcQ+pk6arOX1AKii1e0H51AV72qtXXmfQcYP+5Ok3sg4qFaHqLqO+fUi9njq6TFavbOvYlRR0bO7JWPl7VeZgekvwPZzWoVfneDfW9eVFGLT9smJxdApRRyqjdGpVuanmSUVdDvujF/N/nNcjA3thzMPjLMlceXy8XHFqnvhhTVyOyU+/wzbLPHF0rE4+vl03NohbQ4MHnl9FShnzLTUaD9rMsdFdErcxGz9leA7eurMZilta2dum/fbWSUgjqfz6+bTU34jDh2Hr1t/Wb29WXgfp0r5JeParUS0ehBVblKqNg7/0cKCQeXzAC057dOn8OFAuE/jihUXbvV91l30/cV78ev1X4CsmljrV+IYwSV+8XmPDSgJiGraaHWOO3DOxVJes2bV3AhAO/BZ8g/Whlm/z6oW1zSSmj6T6PmHsRBCijlNEiqkvmT82TjLoa8v32kXVy2dH1suyr4N4bvdihsU7UpwfHH1YX+uUWva8hHsQzXmqW/XerVtsGRQ1FFyM2lS6jUSuz8eWe4bvWyAvvt3R8JhLb+/xobL3s1re60xxBxAsvD5uaRO56cds2U5gbefqoOrUDQNjnIouJWZ7mjOpG65oT6+WkEbUdvcWbtrSrRUW4ByCAOCCG/35JowwdUC1PL+q8ZZbuwfT2VIY1iLpXdEDv8J5K77XojcV87MP3rFGfLW1r3/ri8eCCZtXT6T3wMnjp0fUyYtdq6dawdbsvvHi8vLhVpszd9lv8ZWPPaOYfX5VdQMooZbSc7oBykdG4Q776YYqFNEG9N7oXBjKDbWAwLFhIQjAPDfMZ8YWan961uWMPS8poZ1HRvW9Y5FXMMH2xK7O996peWW2yR6bu8cNLRdh0jHKX0XJq5+L8FspoHGq8JjEClFHKaGKVLYGMyk1Gix3yPe+QOsEQ/Kq12+aZebHr4XlsZaO/1BImIXp4fv1mkd88vPVzh4V6c735FCM25dIzGmcBk8kCl7DbRs8PxecoTRYrRcWumJjlsWc0geYn01lQRjMdHhaOMkoZLae7oNJl9PeXNaoh3ZkBq231go36ms6bbwdJCIYZ/+ncBtmpT7VMe75J9abhiBIaXZeKEZs8yaie57vw41b5+zs7b+tT7NZOJiuz9RzQz75uk4lTOn8hSK8S/8zz9SCUAZ+KvPOFJpk2v/Pw7pSJ3dSwPntGy6nFM/8tlFFzVjwzBQKUUcpoCtXOWZblJqPFDPlibuHVJ9bLhi1dv3+NYdpfXtAgIwbVyIOvNsvkOdu2hQkSx5+d1SAnDK+VeX9rkV89uG1vy0qXUXxB6fsn16s5ffiS0czXtm54ftboOpl4Qp34N70vdWW2FtZe3TtvZo54/r8XNWydS/oevtyzVYx1T+vbn7bK/5qx7Ws+use8qaVd/uPxLTL/va77jxbzAsGeUWdNmLOEKaPO0DJhGwQoo5RRG/UoK2mUi4zGGfL9zYWNctieNV1WASM2uocNq3QLHdhvFAJ84O5bV+dGHWFzR4sRmzz1jIKHd2/Y91dgN4Ktn2NsrKvqtFrd1spsPbUCeS/9sk2tkN97YLX6njn+2buaXi84w76VX6/futoaWxrtOaBaamsqdzV9VD2uhL9TRishyjn+jZRRymiO9etEhQAAIABJREFUq2+XoudJRm0O+epN0yGT//botq1+NKCj9q6RI/eulZqAPfKxOh5f4lm4rFWt4F3+ZZsansfnDv3HPjtVy6C+1Wr+KBbO4EtEs97s+jnEcpZRSOYPTq2XI/aqkZ6NW4V97cZ2eeadzvt42lqZjfTxlSzsOdl/+yr1tSz0wGKLIvTOYsqA99CrrQ/YrVqtzMY68dUb2mX2oha58ZnwL0MVEzP2jOav1aSM5i9mFVViyihltJwqfJ5ktNghX4hg94YqJYD+4xfnNshx+9Wq7V3837+Oim8xElLpw/RRLCvl75TR/EWaMpq/mFVUiSmjlNFyqvB5klFwNx3y1eJaVdX1G9dYmAQ5wDDsH2c1yZy3u/ZUFooxZTSYzu3PN8kdz3deBFRO90opv4UyWgq9dK6ljKbDnbkaEqCMUkYNq0ouTsubjJoO+Z4wrFbweUAM0d70TJPadF4fulf0reXhn/6kjBZffSmj4cwoo8XXp7SvoIymHQHmX5AAZZQyWk63SN5ktJzYx/0teVvAFPd3ltN1lNH8RZMymr+YVVSJKaOU0XKq8JTR/EWTMpq/mFFG8xczymj+YlZRJaaMUkbLqcJTRvMXTcpo/mJGGc1fzCij+YtZRZWYMkoZLacKTxnNXzQpo/mLGWU0fzGjjOYvZhVVYsooZbScKjxlNH/RpIzmL2aU0fzFjDKav5hVVIkpo5TRcqrwlNH8RZMymr+YUUbzFzPKaP5iVlElpoxSRsupwlNG8xdNymj+YkYZzV/MKKP5i1lFlZgyShktpwpPGc1fNCmj+YsZZTR/MaOM5i9mFVViyihltJwqPGU0f9GkjOYvZpTR/MWMMpq/mFVUiSmjlNFyqvCU0fxFkzKav5hRRvMXM8po/mJWUSWmjFJGy6nCU0bzF03KaP5iRhnNX8woo/mLWUWVmDJKGS2nCk8ZzV80KaP5ixllNH8xo4zmL2YVVWLKKGW0nCo8ZTR/0aSM5i9mlNH8xYwymr+YVVSJKaOU0XKq8JTR/EWTMpq/mFFG8xczymj+YlZRJaaMUkbLqcJTRvMXTcpo/mJGGc1fzCij+YtZRZWYMkoZLacKTxnNXzQpo/mLGWU0fzGjjOYvZhVVYsooZbScKjxlNH/RpIzmL2aU0fzFjDKav5hVVIkpo5TRcqrwlNH8RZMymr+YUUbzFzPKaP5iVlElpoxSRsupwlNG8xdNymj+YkYZzV/MKKP5i1lFlZgyShktpwpPGc1fNCmj+YsZZTR/MaOM5i9mFVViyihltJwqPGU0f9GkjOYvZpTR/MWMMpq/mFVUiSmjlNFyqvCU0fxFkzKav5hRRvMXM8po/mJWUSWmjFJGy6nCU0bzF03KaP5iRhnNX8woo/mLWUWVmDJKGS2nCk8ZzV80KaP5ixllNH8xo4zmL2YVVWLKKGW0nCo8ZTR/0aSM5i9mlNH8xYwymr+YVVSJKaOU0XKq8JTR/EWTMpq/mFFG8xczymj+YlZRJaaMUkbLqcJTRvMXTcpo/mJGGc1fzCij+YtZRZWYMkoZLacKTxnNXzQpo/mLGWU0fzGjjOYvZhVVYsooZbScKjxlNH/RpIzmL2aU0fzFjDKav5hVVIkpo5TRcqrwlNH8RZMymr+YUUbzFzPKaP5iVlElpoxSRsupwlNG8xdNymj+YkYZzV/MKKP5i1lFlZgyShktpwpPGc1fNCmj+YsZZTR/MaOM5i9mFVViyihltJwqPGU0f9GkjOYvZpTR/MWMMpq/mFVUiSmjlNFyqvCU0fxFkzKav5hRRvMXM8po/mJWUSWmjFJGy6nCU0bzF03KaP5iRhnNX8woo/mLWUWVmDJKGS2nCk8ZzV80KaP5ixllNH8xo4zmL2YVVWLKKGW0nCo8ZTR/0aSM5i9mlNH8xYwymr+YVVSJKaOU0XKq8JTR/EWTMpq/mFFG8xczymj+YlZRJaaMUkbLqcJTRvMXTcpo/mJGGc1fzCij+YtZRZWYMkoZLacKTxnNXzQpo/mLGWU0fzGjjKYQs7a2NnnjjTdk9uzZ8tVXX0lVVZX0799fzjjjDNlrr73Uv0cdixYtkmnTpgWe1rt3b5k0aZL06tUrKpnM/50yShnNfCUtooCU0SJgZeRUymhGAlFEMSijRcDKyKmU0RQC8cwzz8isWbOULB5wwAGi5XTz5s1y4YUXyqhRoyJL9eqrr8p9990nQ4cO7SKd3bt3l5NOOkm6desWmU7WT6CMUkazXkeLKR9ltBha2TiXMpqNOBRTCspoMbSycS5lNOE4oCd08uTJ0rNnT5k4caL06NFDlQD//eabbxaI5FVXXRUpkuhVnTdvnkpj0KBBCf+K5LKjjFJGk6tt7nOijLpnbDsHyqhtou7To4y6Z2w7B8qobaIR6b399ttyxx13yMknn6x6L73H/fffLwsXLpQrr7xSdt9994IpzZgxQxYvXizXXnut7Ljjjgn/iuSyo4xSRpOrbe5zooy6Z2w7B8qobaLu06OMumdsOwfKqG2iEemhR/Opp56Syy67TEaMGNHp7Pnz58sjjzwS+Dfvie3t7TJ9+nRZvnx52cwNDcNGGaWMJnyLOs2OMuoUr5PEKaNOsDpNlDLqFK+TxCmjTrCGJ1pIRvWipLPOOkuOPvro0EQwt3Tq1KmyZs0awWKlTz75RFpaWtTc0VNPPVVGjx4t1dXVCf8yN9lRRimjbmpWOqlSRtPhXkqulNFS6KVzLWU0He6l5EoZLYVejGtNZPSUU07pMoTvzWr9+vVq3unKlSuVgA4ePFjWrl2rekpbW1vVFIAxY8YYrcqP8RMSvYQyShlNtMI5zowy6hiwg+Qpow6gOk6SMuoYsIPkKaMOoBZK0oaMYvU9ekMhpfvuu29HL+iKFSvk1ltvlebmZrnmmmtk4MCBRr/uww8/VBKbxePnjw+UrzbWZLFoqZfphgs+Tb0MQQX43XM7yvurGjJZtrQL9etxn0vf7tm71+5Y0EdeWto9bTyZzP9Hx30pe/fbkrmyPfbO9vLoO9tlrlxZKNDlh6yWI3bfmIWidCrDSx93lzte7ZO5cmWhQGcMWyenD1ubhaJ0KsOuu+6qFpbbPKraMdky5cNERqOG6ePKbth1WMmf1WPSnxtk1brofVezWn6X5brnms0uk4+d9r/MrJe3PyuPaSKxIYRceP23t0i/7VJvhrqU7k/P1smz7/GlLyhs//vMJhm2c5vtqlByevf+tVbuXVBbcjrlmMD3jm+W4/fJ3ksf7jHcazy6Ehh/cIuMP6glc2iwRWbFyajpAqZC0dLzTqOG+jMX8ZACcZg+PFJzfrZ1W7CsHT+evlkWLsvegyALnDhMn4UoFFcGDtMXxysLZ3OYPgtRKK4MHKYvjlfJZ+utnTCnE8LoPUy3doK0zpw5Uy6//HIZPnx4pzTmzp0rTzzxROSK/JJ/SEIJUEYpowlVtUSyoYwmgtlqJpRRqzgTSYwymghmq5lQRq3ijE4MK+BvuOEGNc8Tm9vvsMMO6qKwTe8x/xPzORsbGzsS/+yzz+Smm26SIUOGyKWXXio1NVuH1zZs2CBTpkxRi5muvvpqGTBgQHSBMn4GZZQymvEqWlTxKKNF4crEyZTRTIShqEJQRovClYmTKaMphMH7OdCDDz5Ympqa5M0331QLkryfA9XiigVL2Ny+b9++qrSY+jpnzhx5+umnpV+/furzoThnwYIF8s0333A1fQoxTSNLDtOnQb20PCmjpfFL42rKaBrUS8uTMloavzSupoymQB0yiS8tYfN79IhWVVVJ//795YwzzpC99tqrY0umdevWqZ5OiCa+yoQ9RfWhv2ePBVF6ARJkFUP/I0eOLIttnfBb2TPKntEUblFnWVJGnaF1ljBl1BlaZwlTRp2hdZYwZdQZWiZsgwBllDJqox5lJQ3KaFYiYV4Oyqg5q6ycSRnNSiTMy0EZNWfFM1MgQBmljKZQ7ZxlSRl1htZZwpRRZ2idJUwZdYbWWcKUUWdombANApRRyqiNepSVNCijWYmEeTkoo+assnImZTQrkTAvB2XUnBXPTIEAZZQymkK1c5YlZdQZWmcJU0adoXWWMGXUGVpnCVNGnaFlwjYIUEYpozbqUVbSoIxmJRLm5aCMmrPKypmU0axEwrwclFFzVjwzBQKUUcpoCtXOWZaUUWdonSVMGXWG1lnClFFnaJ0lTBl1hpYJ2yBAGaWM2qhHWUmDMpqVSJiXgzJqziorZ1JGsxIJ83JQRs1Z8cwUCFBGKaMpVDtnWVJGnaF1ljBl1BlaZwlTRp2hdZYwZdQZWiZsgwBllDJqox5lJQ3KaFYiYV4Oyqg5q6ycSRnNSiTMy0EZNWfFM1MgQBmljKZQ7ZxlSRl1htZZwpRRZ2idJUwZdYbWWcKUUWdombANApRRyqiNepSVNCijWYmEeTkoo+assnImZTQrkTAvB2XUnBXPTIEAZZQymkK1c5YlZdQZWmcJU0adoXWWMGXUGVpnCVNGnaFlwjYIUEYpozbqUVbSoIxmJRLm5aCMmrPKypmU0axEwrwclFFzVjwzBQKUUcpoCtXOWZaUUWdonSVMGXWG1lnClFFnaJ0lTBl1hpYJ2yBAGaWM2qhHWUmDMpqVSJiXgzJqziorZ1JGsxIJ83JQRs1Z8cwUCFBGKaMpVDtnWVJGnaF1ljBl1BlaZwlTRp2hdZYwZdQZWiZsgwBllDJqox5lJQ3KaFYiYV4Oyqg5q6ycSRnNSiTMy0EZNWfFM1MgQBmljKZQ7ZxlSRl1htZZwpRRZ2idJUwZdYbWWcKUUWdombANApRRyqiNepSVNCijWYmEeTkoo+assnImZTQrkTAvB2XUnBXPTIEAZZQymkK1c5YlZdQZWmcJU0adoXWWMGXUGVpnCVNGnaFlwjYIUEYpozbqUVbSoIxmJRLm5aCMmrPKypmU0axEwrwclFFzVjwzBQKUUcpoCtXOWZaUUWdonSVMGXWG1lnClFFnaJ0lTBl1hpYJ2yBAGaWM2qhHWUmDMpqVSJiXgzJqziorZ1JGsxIJ83JQRs1Z8cwUCFBGKaMpVDtnWVJGnaF1ljBl1BlaZwlTRp2hdZYwZdQZWiZsgwBllDJqox5lJQ3KaFYiYV4Oyqg5q6ycSRnNSiTMy0EZNWfFM1MgQBmljKZQ7ZxlSRl1htZZwpRRZ2idJUwZdYbWWcKUUWdombANApRRyqiNepSVNCijWYmEeTkoo+assnImZTQrkTAvB2XUnBXPTIEAZZQymkK1c5YlZdQZWmcJU0adoXWWMGXUGVpnCVNGnaFlwjYIUEYpozbqUVbSoIxmJRLm5aCMmrPKypmU0axEwrwclFFzVjwzBQKUUcpoCtXOWZaUUWdonSVMGXWG1lnClFFnaJ0lTBl1hpYJ2yBAGaWM2qhHWUmDMpqVSJiXgzJqziorZ1JGsxIJ83JQRs1Z8cwUCFBGKaMpVDtnWVJGnaF1ljBl1BlaZwlTRp2hdZYwZdQZWiZsgwBllDJqox5lJQ3KaFYiYV4Oyqg5q6ycSRnNSiTMy0EZNWfFM1MgQBmljKZQ7ZxlSRl1htZZwpRRZ2idJUwZdYbWWcKUUWdombANApRRyqiNepSVNCijWYmEeTkoo+assnImZTQrkTAvB2XUnBXPTIEAZZQymkK1c5YlZdQZWmcJU0adoXWWMGXUGVpnCVNGnaFlwjYIUEYpozbqUVbSoIxmJRLm5aCMmrPKypmU0axEwrwclFFzVjwzBQKUUcpoCtXOWZaUUWdonSVMGXWG1lnClFFnaJ0lTBl1hpYJ2yBAGaWM2qhHWUmDMpqVSJiXgzJqziorZ1JGsxIJ83JQRs1Z8cwUCFBGKaMpVDtnWVJGnaF1ljBl1BlaZwlTRp2hdZYwZdQZWiZsgwBllDJqox5lJQ3KaFYiYV4Oyqg5q6ycSRnNSiTMy0EZNWfFM1MgQBmljKZQ7ZxlSRl1htZZwpRRZ2idJUwZdYbWWcKUUWdombANApRRyqiNepSVNCijWYmEeTkoo+assnImZTQrkTAvB2XUnBXPTIEAZZQymkK1c5YlZdQZWmcJU0adoXWWMGXUGVpnCVNGnaFlwjYIUEYpozbqUVbSoIxmJRLm5aCMmrPKypmU0axEwrwclFFzVjwzBQKUUcpoCtXOWZaUUWdonSVMGXWG1lnClFFnaJ0lTBl1hpYJ2yBAGaWM2qhHWUmDMpqVSJiXgzJqziorZ1JGsxIJ83JQRs1Z8cwUCFBGKaMpVDtnWVJGnaF1ljBl1BlaZwlTRp2hdZYwZdQZWiZsgwBllDJqox5lJQ3KaFYiYV4Oyqg5q6ycSRnNSiTMy0EZNWfFM1MgQBmljKZQ7ZxlSRl1htZZwpRRZ2idJUwZdYbWWcKUUWdombANApRRyqiNepSVNCijWYmEeTkoo+assnImZTQrkTAvB2XUnBXPTIEAZZQymkK1c5YlZdQZWmcJU0adoXWWMGXUGVpnCVNGnaFlwjYIUEYpozbqUVbSoIxmJRLm5aCMmrPKypmU0axEwrwclFFzVjwzBQKUUcpoCtXOWZaUUWdonSVMGXWG1lnClFFnaJ0lTBl1hpYJ2yBAGaWM2qhHWUmDMpqVSJiXgzJqziorZ1JGsxIJ83JQRs1Z8cwUCFBGKaMpVDtnWVJGnaF1ljBl1BlaZwlTRp2hdZYwZdQZWiZsgwBllDJqox5lJQ3KaFYiYV4Oyqg5q6ycSRnNSiTMy0EZNWfFM1MgQBmljKZQ7ZxlSRl1htZZwpRRZ2idJUwZdYbWWcKUUWdombANApRRyqiNepSVNCijWYmEeTkoo+assnImZTQrkTAvB2XUnBXPTIEAZZQymkK1c5YlZdQZWmcJU0adoXWWMGXUGVpnCVNGLaFdvXq1zJo1SxYtWiTNzc3SrVs3GTlypIwbN04aGxsjc2lra5M33nhDZs+eLV999ZU6v3fv3nLUUUep/9XU1HRKA/lMmzYtMF1cN2nSJOnVq1dkvlk/gTJKGc16HS2mfJTRYmhl41zKaDbiUEwpKKPF0MrGuZRRC3FYs2aN3HzzzUoi9957bxk8eLC8//77snTpUvXPEyZMUHIadrS2tsqDDz4or776qvTp00f2339/deqbb74pSPuggw6SCy64oJOQ4tz77rtPhg4d2kU6u3fvLieddFLBPC387ESSoIxSRhOpaAllQhlNCLTFbCijFmEmlBRlNCHQFrOhjFqA+fjjj8tzzz0n559/vhx66KEqxfb2dtXLif9deOGFSijDjiVLlsgtt9wiu+++u1x22WUdPakbNmyQKVOmKMmdOHGiDBo0qCMJpDtv3rwu/93Cz8lUEpRRymimKmSJhaGMlggwhcspoylALzFLymiJAFO4nDJaIvSmpiaZOnWqYJj+uuuuU0Pr+vj888/lxhtvlD322EMuvfRSqaqqCswNYvn000+rc0aMGNHpnKeeekoJLSTV+7cZM2bI4sWL5dprr5Udd9yxxF+R3cspo5TR7NbO4ktGGS2eWdpXUEbTjkDx+VNGi2eW9hWU0RIj8M0338j111+vJPSKK67oND90/fr1MnnyZMGwuf9v3mwxnL927VrZc8891bneAzKKXldcjyF5HOh1nT59uixfvrxs5oaGhYEyShkt8RbN1OWU0UyFw6gwlFEjTJk6iTKaqXAYFYYyaoQp/KRCMrp582bVa7px40bVg9mzZ8+ictPD9OhRveqqqzrmgOp0MZ8UEvzJJ59IS0uLmjt66qmnyujRo6W6urqovLJ6MmWUMprVuhmnXJTRONTSvYYymi7/OLlTRuNQS/caymiJ/E1kFNJY7Op2LGrCAqWFCxfKxRdf3GmIXve4rly5UgkoFkmhZxU9pbju5JNPljFjxoROCyjxJyd6OWWUMppohXOcGWXUMWAHyVNGHUB1nCRl1DFgB8lTRkuE6kJGMQw/Z84cNVf02GOPldNOO62TWGIbKPSGQkr33Xffjl7QFStWyK233qq2lrrmmmtk4MCBRr/us88+MzovjZN+dN928uX68ujltc1v2ne+sZ2klfT+9cke8u7ntVbSKrdEfnfBOtmxZ1vmftZN87vJ84vrM1euLBToZ2M3yH4DW7JQlE5leOCNRnnwjYbMlSsLBbr66E1yzJ5NWShKpzLgHsO9xqMrgXNHbZHzRm3OHBqMPvunT5ZayKp2WJ7lw0RGixmmRxFffvlleeSRR9Q+pf4tnaKKD4HFPFP/gqdC12HOalaPnz68g3y5ofMeq1kta9LluuXbq5LO0ii/f5vdW95bWWd0bqWd9Nuzv5Yde7Rm7mdP/ct28sJH0fshZ67gCRTof45ZI/sMaE4gp+KyeHhRd3lkUY/iLqqQs684fJ0ctUf2xAb3GO41Hl0JnDVig5w9YmPm0PTv3z//Mmq6gMlLHxvf33PPPTJs2DAZP368NDQU9+arN8M/5ZRT1F6jeT84TB8ewTk/y+aD6MfTN8vCZdkTrizcCxymz0IUiisDh+mL45WFszlMn4UoFFcGDtMXx6vL2XprJ+wFinmhcbZ20om+9dZbSkR33XVX1bMZtlH+/PnzZebMmXL55ZfL8OHDO5Vp7ty58sQTTxTVM1oiAqeXU0Ypo04rWMKJU0YTBm4hO8qoBYgJJ0EZTRi4hewooxYg6n1CvQuHCm16j9Xw+LxnXd22ocyPP/5YzffEPM+oLzZhjudNN90kQ4YMUXuT6k+F6tX3WMx09dVXy4ABAyz8unSToIxSRtOtgXZzp4za5ZlEapTRJCjbzYMyapdnEqlRRi1Q9n4OFAuKsMk9NqTHJ0H9nwNdtmyZ+qoSNqrX2zVhFTy+wASpPOGEE6RHj67Dr/X19epToxBYvcAJG+X369dPRo0aJVjUtGDBAsEcVq6mtxDUHCTBYfocBMlXRMpo/mJGGc1fzCij+YsZZdRSzNAbic+CYs4mVrNjiB0LkMaNG9dpI3x8lQkyil5L/elPPc+zUFEw/O/dHgryifml6JXFFAEcffv2FcwVRb5hX3uy9HMTS4Y9o+wZTayyJZARZTQByJazoIxaBppAcpTRBCBbzoIyahkok7NLgDJKGbVbo9JNjTKaLv84uVNG41BL9xrKaLr84+ROGY1DjdckRoAyShlNrLIlkBFlNAHIlrOgjFoGmkBylNEEIFvOgjJqGSiTs0uAMkoZtVuj0k2NMpou/zi5U0bjUEv3Gspouvzj5E4ZjUON1yRGgDJKGU2ssiWQEWU0AciWs6CMWgaaQHKU0QQgW86CMmoZKJOzS4AyShm1W6PSTY0ymi7/OLlTRuNQS/caymi6/OPkThmNQ43XJEaAMkoZTayyJZARZTQByJazoIxaBppAcpTRBCBbzoIyahkok7NLgDJKGbVbo9JNjTKaLv84uVNG41BL9xrKaLr84+ROGY1DjdckRoAyShlNrLIlkBFlNAHIlrOgjFoGmkBylNEEIFvOgjJqGSiTs0uAMkoZtVuj0k2NMpou/zi5U0bjUEv3Gspouvzj5E4ZjUON1yRGgDJKGU2ssiWQEWU0AciWs6CMWgaaQHKU0QQgW86CMmoZKJOzS4AyShm1W6PSTY0ymi7/OLlTRuNQS/caymi6/OPkThmNQ43XJEaAMkoZTayyJZARZTQByJazoIxaBppAcpTRBCBbzoIyahkok7NLgDJKGbVbo9JNjTKaLv84uVNG41BL9xrKaLr84+ROGY1DjdckRoAyShlNrLIlkBFlNAHIlrOgjFoGmkBylNEEIFvOgjJqGSiTs0uAMkoZtVuj0k2NMpou/zi5U0bjUEv3Gspouvzj5E4ZjUON1yRGgDJKGU2ssiWQEWU0AciWs6CMWgaaQHKU0QQgW86CMmoZKJOzS4AyShm1W6PSTY0ymi7/OLlTRuNQS/caymi6/OPkThmNQ43XJEaAMkoZTayyJZARZTQByJazoIxaBppAcpTRBCBbzoIyahkok7NLgDJKGbVbo9JNjTKaLv84uVNG41BL9xrKaLr84+ROGY1DjdckRoAyShlNrLIlkBFlNAHIlrOgjFoGmkBylNEEIFvOgjJqGSiTs0uAMkoZtVuj0k2NMpou/zi5U0bjUEv3Gspouvzj5E4ZjUON1yRGgDJKGU2ssiWQEWU0AciWs6CMWgaaQHKU0QQgW86CMmoZKJOzS4AyShm1W6PSTY0ymi7/OLlTRuNQS/caymi6/OPkThmNQ43XJEaAMkoZTayyJZARZTQByJazoIxaBppAcpTRBCBbzoIyahkok7NLgDJKGbVbo9JNjTKaLv84uVNG41BL9xrKaLr84+ROGY1DjdckRoAyShlNrLIlkBFlNAHIlrOgjFoGmkBylNEEIFvOgjJqGSiTs0uAMkoZtVuj0k2NMpou/zi5U0bjUEv3Gspouvzj5E4ZjUON1yRGgDJKGU2ssiWQEWU0AciWs6CMWgaaQHKU0QQgW86CMmoZKJOzS4AyShm1W6PSTY0ymi7/OLlTRuNQS/caymi6/OPkThmNQ43XJEaAMkoZTayyJZARZTQByJazoIxaBppAcpTRBCBbzoIyahkok7NLgDJKGbVbo9JNjTKaLv84uVNG41BL9xrKaLr84+ROGY1DjdckRoAyShlNrLIlkBFlNAHIlrOgjFoGmkBylNEEIFvOgjJqGSiTs0uAMkoZtVuj0k2NMpou/zi5U0bjUEv3Gspouvzj5E4ZjUON1yRGgDJKGU2ssiWQEWU0AciWs6CMWgaaQHKU0QQgW86CMmoZKJOzS4AyShm1W6PSTY0ymi7/OLlTRuNQS/caymi6/OPkThmNQ43XJEaAMkoZTayyJZARZTQByJazoIxaBppAcpTRBCBbzoIyahkok7NLgDJKGbVbo9JNjTKaLv84uVNG41BL9xrKaLr84+ROGY1DjdckRoAyShlNrLIlkBFlNAHIlrOgjFoGmkBylNEEIFvOgjJqGSiTs0uAMkoZtVuj0k2NMpou/ziilSWtAAAY70lEQVS5U0bjUEv3Gspouvzj5E4ZjUON1yRGgDJKGU2ssiWQEWU0AciWs6CMWgaaQHKU0QQgW86CMmoZKJOzS4AyShm1W6PSTY0ymi7/OLlTRuNQS/caymi6/OPkThmNQ43XJEaAMkoZTayyJZARZTQByJazoIxaBppAcpTRBCBbzoIyahkok7NLgDJKGbVbo9JNjTKaLv84uVNG41BL9xrKaLr84+ROGY1DjdckRoAyShlNrLIlkBFlNAHIlrOgjFoGmkBylNEEIFvOgjJqGSiTs0uAMkoZtVuj0k2NMpou/zi5U0bjUEv3Gspouvzj5E4ZjUON1yRGgDJKGU2ssiWQEWU0AciWs6CMWgaaQHKU0QQgW86CMmoZKJOzS4AyShm1W6PSTY0ymi7/OLlTRuNQS/caymi6/OPkThmNQ43XJEaAMkoZTayyJZARZTQByJazoIxaBppAcpTRBCBbzoIyahkok7NLgDJKGbVbo9JNjTKaLv84uVNG41BL9xrKaLr84+ROGY1DjdckRoAyShlNrLIlkBFlNAHIlrOgjFoGmkBylNEEIFvOgjJqGSiTs0uAMkoZtVuj0k2NMpou/zi5U0bjUEv3Gspouvzj5E4ZjUON1yRGgDJKGU2ssiWQEWU0AciWs6CMWgaaQHKU0QQgW86CMmoZKJOzS4AyShm1W6PSTY0ymi7/OLlTRuNQS/caymi6/OPkThmNQ43XJEaAMkoZTayyJZARZTQByJazoIxaBppAcpTRBCBbzoIyahkok7NLgDJKGbVbo9JNjTKaLv84uVNG41BL9xrKaLr84+ROGY1DjdckRoAyShlNrLIlkBFlNAHIlrOgjFoGmkBylNEEIFvOgjJqGSiTs0uAMkoZtVuj0k2NMpou/zi5U0bjUEv3Gspouvzj5E4ZjUON1yRGgDJKGU2ssiWQEWU0AciWs6CMWgaaQHKU0QQgW86CMmoZKJOzS4AyShm1W6PSTY0ymi7/OLlTRuNQS/caymi6/OPkThmNQy0D12zevFmeeuopee2112Tjxo1SV1cn++yzj5x55pnSp0+fDJTQThEoo5RROzUpG6lQRrMRh2JKQRkthlY2zqWMZiMOxZSCMloMrYycCxG9/fbb5aOPPpLddttNhg8fLsuWLZP33ntPevXqJVdddZXssMMOGSltacWgjFJGS6tB2bqaMpqteJiUhjJqQilb51BGsxUPk9JQRk0oZeycv/71r3LPPffIscceK+PGjZOqqipVQvSS3nvvvXLMMceo/14OB2WUMloO9Vj/Bspo/qJJGc1fzCij+YsZZTR/MZMZM2bIO++8IxMnTpRBgwZ1/IL169fL5MmTpbGxUf0N/5/3gzJKGc17HfaWnzKav2hSRvMXM8po/mJGGc1ZzDBEP3XqVFmzZo1MmjRJDcvro7m5WW677TZZtWpVl7/l7Gd2FJcyShnNa90NKjdlNH/RpIzmL2aU0fzFjDKas5gVklH8lDvvvFMWL14s11xzjQwcODBnv65rcSmjlNHcV2LPD6CM5i+alNH8xYwymr+YUUZzFjMTGcVCJv8Qfs5+Zkdxx/zrhrwW3Xm55/ysh/M84mTw4+mbZeGy1jiXlv01lNH8hZgymr+YUUbzFzPKaM5i5kJGH3300cxSmLV8v8yWLe2Cnbrbu2kXITB/xiw8LEcMWCLb12/OXNwYs/CQDO+zQnbtuSZzMXvpi8Gytqlb5sqVhQLt1nO1DOvzeRaK0qkM76weKMvXl8/WizYBb1+/SY4YsNRmklbS2nvvvQX/s3lUtbe3t9tMMI20TGS02GH6n/zkJ7Ju3bo0fg7zJAESIAESIAESIIFMEvj7v/97ymhQZCptAVMmaycLRQIkQAIkQAIkQAIxCJRFzyh+t97a6corr5Tdd9+9A0U5bu0UI868hARIgARIgARIgAQySaBsZHTRokUyffp0GT16tFxwwQVSU1OjgJfjpveZrEksFAmQAAmQAAmQAAnEIFA2Mur9HCh6Rvfff39Zvny52gh/++23L6vPgcaIMy8hARIgARIgARIggUwSKBsZBd0tW7bIU089Jfg06MaNG6Wurk722WcfOfPMM6VPH67Wy2QNZKFIgARIgARIgAQqmkBZyWhFR5I/ngRIgARIgARIgARySIAymsOgscgkQAIkQAIkQAIkUC4EKKPlEkn+DhIgARIgARIgARLIIQHKaA6DxiKTAAmQAAmQAAmQQLkQoIyWSyT5O0iABEiABEiABEgghwQoozkMWtJFbm5ultmzZ8vLL7+sdinYc8895Tvf+Y7U19cbFQVbbN1yyy0yaNAgueyyy9QuBzyyQ4DxyU4sWBISIAESqEQClNEcRh1iiC2sIHYjRoxw/gsef/xxefbZZ6V3794yZMgQGTx4sBxxxBHG+X7++ecyZcoU9S3b888/v+ODBP4EPv74Y7n11lulW7ducvXVV3fZjgtSfPvtt8sHH3yg0jn00EONy1BpJ37zzTdy/fXXq5hdccUV0tjYGIrAND6VxlD/Xs1yzZo1qs6h7lVVVYXimDdvnjz66KOK+cSJE9VLGI90COi20p872pihQ4fKySefLDvttJPTwun6g72wcS+i/fQfxdyvYYVN+rngFJph4kuWLFEdHTvvvHPBdu7VV1+Ve++9t8v9iy80ghs+mrNu3Tp1X6PNPPLII9X/wjpOVq1aJU8//bS89957smnTJqmurpYdd9xRTjzxRBk1apT6dx7FEaCMFscrE2cn2eigAZ06daqsXr1arr32Wunbt68zBu3t7aphwE1++OGHy7nnntvpof/KK6/I/fffL3vttZdMmDCBPawFImHj4eYs0DlL2CujvXr1Kngf4MF08803yyeffEIZzUCcdVsJ8YRk6OOrr76SZcuWqRfjiy66yOlLvbf+4IMsEFLIsPewcb8m+VzIQGhVEdBBgQ4MxBKfAkdnif/AObfddpt89NFH6rmx7777qlNwDf77hg0bZMCAAbLLLrtIW1uboFPk66+/lj322EOd74/VG2+8ocS2tbVVvWjimdjS0iIffvihQG4POuigTl+BzAqrrJeDMpr1CAWUL8lGx0YjWQxiPMwhvytWrFBTATAlAAd6pfCQx9+vuuoq570ZxZQ5i+cmHbcsMrBVJs1y7dq1ghem008/XY499tjA5PHFt2nTpqm/oVeFPaO2ohAvnUJtJaTinnvukYEDB6o2xS8d8XLsepVXRvFX9MaedNJJnV60bdyvST4XbLGxkc78+fPlkUcekeOPP17GjRvXJUmM/Nx4441qpE3HGQKK0bovvvhCieOBBx7YEQ9I5pNPPinPPfecHHfccSpNPRKCHlGkBfm8/PLLlbDqAx/dufvuu+Xtt9/myF2MwFJGY0BL+5KgRufOO+9UQwb+hx/e/nDT4UtUl1xySUfRccO98MIL8vzzzwsaQjw4MeSPGw+fT8URNMTlH3rEzYyGAMMlSBNviaeccoqMHDmy4wYOK0MYx8WLF6s3Vj300tDQIA8++KCas3rqqaeqoRB9YHgFD3/kiQZeH7pHFxI7adIkQY9WJR3FPNyKjU8lccRv1SzxMEPPR48ePQKHBFH/cR+iBwb3AR5c/vtRD+/hgYUeGwgQ7hXcd96pFPp+xujAiy++qHpxxo4dKyeccILCDzHG9BnUf6TTvXt31SOD+wD3iz4gz+ixeeKJJ+TTTz9VMh10j+J8/A1TYDDFYOXKlQXPzUsdKCRouo1AGwZJ2XXXXTt+FpiBL5jhQK8ZYoQeVi9bE166/mDoFnUE0uIfri90v/q/LOiPtW4D/TFJahpX2nUBvdyTJ0+W7bbbLvClQk+b8T4j8JVGvIgccsghgdNucH9BOiGhGBHs2bOn+pl6ytoZZ5wR+EL62WefyU033aTqCzpTuD7CvHZQRs1ZZebMUmUUDeJ9990nr7/+uprHiTlMS5culffff189qNAwY0gLb5R4sGJ+KhpAvHnigYneSvy7nuOJhUwHHHCA4vPmm2+qh7dXGouVHTwUcdOjEcGnXPGQQG8pbnAMm3gf2pTR4GpJGbV3u2qWGGKFkEIOg4YE9YNI95bgpcoro/p+QclGjx6tevchpX/729/U8KK3bkNG33rrrY65ZxBg9MYeffTRaggRowSYOqPvX6SB9HU6upcPL5sQUdwzei6bvkfRQzdmzJiOl0bdU4gHb6H72R5Z9ykVklG0M9OnT1cC7o2T5rDDDjsoDngBAbOmpia5+OKLO4b0TXl578WDDz5YHnroITW86x0CDrtfMRKEefJYZDhs2DD1go46g3/Xw8iQanQGoL6gPUQd2W233VRd8E5NcE87nRz0SyA6YyD53hcGPYyPexPrEMAPx4wZM2ThwoWdhu29pUfdAFPEXj/vEH88h/Dycs0116gedf+BsuC+R88p7k3KqHmdoIyas8rMmaXKKOZeokE877zzVG+KHoJ47bXX1FyYY445pmO4I6yR1MMcmHOFBgByikMPs6NHUs8xLVZGkQ4mk+PNFI0BHqxI97vf/a5ACLwHZZQy6vrG9N4D6J284447ZP/99+/So4IXKMgfeqTwoucfqcAIAqQRw4JaWPHQmzlzprz00kudHoyQUTwsIa1YMKUfanjY4R6FHF144YVKMHHo+dZoG/DfcV9jqgukFXKJe1SLiRYczGvVUq0ftOgRxX3bv39/lS56nZBGbW1tpx4i18xtpV9IRnXvF8ThuuuuU3z0MCziM378+A7umgPaObyso92DmJjw8tYf9Jah5xk9c96XgaB2Vr+UY0QI4qolKyjW4FWpw/T47Xp6DGQf94s+9LMH8cR9ibjpug5BLWYaDerLn/70JzWvtBJH22zdk2HpUEZdE3aQfikyqidzY4smNKpaIlFM3SD269evY4ghTEbxUMUbO4QWQx3eA+WbM2dOx8M1jowiPeSBBz8eFkHzrHAOZZQy6uAW65Sk9x7AA+2uu+5S0uJd0KfFBkPkuK8eeOCBwGkzQWXVddg7rKqH6SGL3hcwvOTdcMMNagQDL2fenhf02Pz5z39W0nLWWWd1LAbUcurN2//w1kPW+K1azLTkoq3AAxi9s3lbJRzUVkLmvvzySzW9CC8M3rYF8w/Rk+zvYQMLxAS9XugVg7hCRk14+dtQsIbg44Vev2AHtbN4EcfwM1Zpa5HySxameGj5qmQZ1azAxz+sjrmf3nvAuygXUqlf0vxze5GWd1qa/jumsUFi9Qidfr4hXX0gTQprcS0zZbQ4Xpk4uxQZDbrh/D8Kw/Z6O6AwGQ3bMsWbln64+mU0aI6Tf84n0tE9tegNClpdTxkNr44cprd3q/pZYpgU8828C5n0HDT938LmcEMY8aKmt4QJul+0+BSaA+6VkLBfijJg6o1/PqT3xRND0bjXMdXmmWeekVmzZinpPOyww9QQNXpI0ZuU16NQOwWxxvY9iJn+jbpHOuz3euXElFfQvYg2EC81ergevXX+rdiCJMdfLtQDvRagkmUUXLwjE5jSoHe2gPR7X7DCZBTngyFevnBgihr+m+49DZNR9JpDeNHRo4fpMZJAGS2u1aCMFscrE2fbkFFM9sbcoqADw3oY1kADXUhG0RhjHil6UoMOPWfJL6Po3cF8HO+B+XPeOTh6WAznYJgeD3GsXtTbcuhr2TMaXCUpo/ZuVT9LiAOmkOheUDx4sL2Mt7c0SEa9c6yPOuooNVcbPSgYAcCWZUE9o2ELEjF/1Ltgz/9roxbwhQ0LY+HOY489JhjCRA8i5AsjH/6FUfbouk0paGsnyAnmiULkMBTvlW3EDX8DW0i5/8C5eg6hXhwWxSuINaQFMdfD9RhexhCwd19g3W6ip1vP4fWXB3OY9b6llS6jes9RTF1BbzHWQWAPUv3vejqaHh3EvNtCw/T+e1j3vuL+DxPNqPvObW3Pd+qU0YzGD29kuGnQIPp7JmzIqMlm6N4eFP/5xTR8xQ7T6wVW6BlFo4LJ+BjWwop4NB7ehwRllDLq+hYOkglvLwzuDayg9c4j9T/I9ANQL37wvsAVGqYPk9FSe0bxQoieOMhM0EcRUF48rOfOnat6V/O6t29QO6U/noGeL/8LbliPdlQdK8Qr7MVQb1cHOcauCZDaIBn174QSVpZi2uSo35PHv+vFSujIQE8oplxgLnbQlAu8CGDtxKWXXhq6x2zYPVxIYimj8WsOZTQ+O6dXFlrth79hgQQa0uHDh6tymG7thCEIvRLXu7ow7MeENaRhX7QISqdYGdVDWHq1KHqe9Gb4/n3fKKOUUac3omcutVcUvCvnMdT9l7/8pdMKe//9qBc/YL6ZX/70vWTSM1pozijuVcgjNvDGF9L0PWMyZxTlg5xBkrFrhT7wYoi54ejVDRrud82+1PTDBA29ZpjzidEYbzywuAi7eIRt3aPLUwyvQqMUuq1DvUDb7C0P5rVizih64DFPVW+5RxkNrxUQUCwIPPvss9WuF5h+ErSHrJ4zjZE2CGnQVJSgZ6reJsr/HNIloozGv2Mpo/HZOb1Sz0FDD8i3vvWtjptFf7pR73+mv4iEhxAm3nsbUQwjYX4avmiEYR7/3CIMX3hXjOLNEm/nmG+DbSkK9YxiWxn0BuGt3rvSE9fgoYZtTzAXCw1pMTLq7S3A4g30iuLQq/cxFOrdDB8rgiHXeIB6F3R4h0Qrce4Oh+nt3Z5hw6x4WL377rtqUQ8WGXnrn/9Bph9SWH2N3k69pyXqM6QIvTkmMlpoNT3udcgX7mnvanqMKOBe0nslBq2m1xuDY7GM9wtBurcJK/PDtrOxR9p+SmEyirZR713s/bSwbquwsBMc9K4COB8dAIgT9jnWq+5NeBW6F/Vw/YIFC9SP987X17HGCBG24MJCK72ADOKqN3rX05v0b/32t7/dscuCfaLZTlHvOYqhdPwP3IKms3g/LY2/4zzv4jw8h/QCNe9LmN7lBdur+TfLBxn0muLlDR0o3/ve9yJfILJNM9nSUUaT5W2cm35gQOzQIELK8EDDnC5sguzfI1Bv44K/YUgN8yyxYTOGBdGQeie6I21sFI+VoUgbUoq0sV0M5sV4b7JCDan+LBp+FAQWZUSaGNbDwxmSikbdVEa9DXPQ6nndiwDx1A9Mb6OC/NGzg98ATliFX6mrGnXcwABz3ILe/LF4Aj1opvExrrxldmLYPaB7V7DS3N/7GNSrontt8IKGeYD6E4J4sUQ99i7iKzRcrPcZRbkwhIu52SgLevv0Fjb+fUb13qHoKYL44FpvG+J9cYW8Yg4j0sC2QhBovWVO3hYzFRq61kKJHQkwSoQpC+CAF3vsrYz5sniJxws/2h6IBr7UA3mFbOgX/SheUS+G+gUc5fHKKG4jxBpShL+hfcOHSSBcaKtxeL8CpHc4wXoA1Als0efdyL/MbsvAn6P3HMWeq3j2FBr9A3eII56TGN3AMwtCqp8fuK9xT+JDE3q+KTJFBwh2eUFc9WdE8d+9n5jFC6Hedq0SuNv4jZRRGxQdpQFBRKOI/QbxRoYbBSJ22mmnqYeZ9wZBETDx/uGHH1YNFx4aaJCwwAj7EuJG836BCQ8/DGPgAYmbCo0r0sZWTVhMpI+ohhQSjKEtTB7HwxUNIVaoYoGF3nbGVHbwQMUm1GgY0AuDtLwHGhp8bg0S7JVVDJmhlwOrj71fgcKqZ/SQVnLPKBrcsEO/oJjGx1E1z3yyYfeAXq2LF0D/MGqQTOreNYxg/P/t3cFq60AQRNH//+twFwIjAn4FvXnkGLJKp2OOJU1JHo3q2WDZXeuFjOoLGi2q3n79be7i+wlMBaJuSGzf+1zu6bcnMHXC1nqpTfH5PIY0+LZvdWNiXxH3t53MdbNVP/9bEG3D+jaP8vn959euv5nl0DGndV+fK2j/6vXtGNr7fE60C4/vaRzPONAV0q6I9vl2EtIDQQrQz6tjX3OZmyfZeyuodpHgr72ek8SM3ktivS0aB3NtfeC2+dw6CWt8bQxr3HyPs/XoM2nsbIpNx9i2mcar/mfbUiHVaxMQRjcv1QQIECBAgAABAocCwughplYECBAgQIAAAQKbgDC6eakmQIAAAQIECBA4FBBGDzG1IkCAAAECBAgQ2ASE0c1LNQECBAgQIECAwKGAMHqIqRUBAgQIECBAgMAmIIxuXqoJECBAgAABAgQOBYTRQ0ytCBAgQIAAAQIENgFhdPNSTYAAAQIECBAgcCggjB5iakWAAAECBAgQILAJCKObl2oCBAgQIECAAIFDAWH0EFMrAgQIECBAgACBTUAY3bxUEyBAgAABAgQIHAoIo4eYWhEgQIAAAQIECGwCwujmpZoAAQIECBAgQOBQQBg9xNSKAAECBAgQIEBgExBGNy/VBAgQIECAAAEChwLC6CGmVgQIECBAgAABApuAMLp5qSZAgAABAgQIEDgUEEYPMbUiQIAAAQIECBDYBITRzUs1AQIECBAgQIDAoYAweoipFQECBAgQIECAwCYgjG5eqgkQIECAAAECBA4FhNFDTK0IECBAgAABAgQ2AWF081JNgAABAgQIECBwKPADT0Qa+lQrJ78AAAAASUVORK5CYII="/>
+          <p:cNvSpPr>
+            <a:spLocks noChangeAspect="1" noChangeArrowheads="1"/>
+          </p:cNvSpPr>
+          <p:nvPr/>
+        </p:nvSpPr>
+        <p:spPr bwMode="auto">
+          <a:xfrm>
+            <a:off x="1527175" y="1227137"/>
+            <a:ext cx="304800" cy="304801"/>
+          </a:xfrm>
+          <a:prstGeom prst="rect">
+            <a:avLst/>
+          </a:prstGeom>
+          <a:noFill/>
+          <a:extLst>
+            <a:ext uri="{909E8E84-426E-40DD-AFC4-6F175D3DCCD1}">
+              <a14:hiddenFill xmlns:a14="http://schemas.microsoft.com/office/drawing/2010/main">
+                <a:solidFill>
+                  <a:srgbClr val="FFFFFF"/>
+                </a:solidFill>
+              </a14:hiddenFill>
+            </a:ext>
+          </a:extLst>
+        </p:spPr>
+        <p:txBody>
+          <a:bodyPr vert="horz" wrap="square" lIns="91440" tIns="45720" rIns="91440" bIns="45720" numCol="1" anchor="t" anchorCtr="0" compatLnSpc="1">
+            <a:prstTxWarp prst="textNoShape">
+              <a:avLst/>
+            </a:prstTxWarp>
+          </a:bodyPr>
+          <a:lstStyle/>
+          <a:p>
+            <a:endParaRPr lang="en-GB"/>
+          </a:p>
+        </p:txBody>
+      </p:sp>
+      <p:sp>
+        <p:nvSpPr>
+          <p:cNvPr id="17" name="AutoShape 14" descr="data:image/png;base64,iVBORw0KGgoAAAANSUhEUgAAAqMAAAGhCAYAAABVv73+AAAgAElEQVR4Xuy9CbgV1Znv/Z75MCggMjghiCOIIM7zgAPiPGA0DiSKU0hyO+l8N33TSfftDP3d9NfdSSfXiIo4gBHnAScURBE1KlERh6goCCoKKsjMGb/nv+h1qFOnatfatdeqYe9/PU+eqKdqrbV/76pVv1pTVbW3t7cLDxIgARIgARIgARIgARJIgUAVZTQF6sySBEiABEiABEiABEhAEaCMsiKQAAmQAAmQAAmQAAmkRoAymhp6ZkwCJEACJEACJEACJEAZZR0gARIgARIgARIgARJIjQBlNDX0zJgESIAESIAESIAESIAyyjpAAiRAAiRAAiRAAiSQGgHKaGromTEJkAAJkAAJkAAJkABllHWABEiABEiABEiABEggNQKU0dTQM2MSIAESIAESIAESIAHKKOsACZAACZAACZAACZBAagQoo6mhZ8YkQAIkQAIkQAIkQAKUUdYBEiABEiABEiABEiCB1AhQRlNDz4xJgARIgARIgARIgAQoo6wDJEACJEACJEACJEACqRGgjKaGnhmTAAmQAAmQAAmQAAlQRlkHSIAESIAESIAESIAEUiNAGU0NPTMmARIgARIgARIgARKgjLIOkAAJkAAJkAAJkAAJpEaAMpoaemZMAiRAAiRAAiRAAiRAGWUdIAESIAESIAESkC1btsjMmTPl4IMPlsGDB5OIYwLLly+XF154Qc466yzp3r2749yynTxlNKPxaW1tlb/+9a/y7LPPyldffaVKecghh8gFF1yQ0RKzWHEItLe3y7vvvitz5syRTz/9VNra2mSfffaRyy67TOrr6+MkyWscETCN1fr162X27NnyxhtvyMaNG6W2tlbFc7/99nNUMiZbLgRQb5566inp3bu3TJo0SXr16pXYT9u0aZPcfvvtsmTJEjnjjDPkmGOOSSzvSs3olVdekQceeEB222031UZsv/32lYpCKKMZDD1E9L777lMy6j1Gjhwpl1xySQZLzCLFIQC5gYQ+/fTTgn/WB3okrrjiCmlsbIyTbGLXLFu2TKZMmSKbN29WDemIESMSyztuRosWLZJp06YpthMnTpRBgwappHDPPfHEE/LOO+/I6aefLsOHD++UhWmsvv76a7n55ps7XiB1InnhE5drJV7nov6nJaP6mfPaa6/JEUccIWeeeabU1NRUYlgT/c3edmXIkCEyYcIE6datW6JlyEpmFSWj33zzjVx//fWyZs2aUP51dXWy0047yfHHHy/Dhg2T6urqxGP1wQcfyK233iotLS3qoYi3VLwhNzc3V2xFTTwICWT4xRdfyE033STr1q1Tb8bnnXeeDBw4UA2VoUGqqqpKoBTxs3DxMI5fGrMrw2T0k08+URKJ3qF9991XLr/8ctWjqQ/TWD300EPy4osvqmtPPfVUOfTQQ1Uc8WBH28KjfAi4qP9pyegzzzwjs2bNkj322EMJkX4RNnlmeiOaRo9u3msUXgSmT5+uXoRPPvlkGTNmTObbfhfMKaMFqOLG/Pa3v5141zmGadAo9enTR6677jo1ZMOj/AhgGPfPf/5zl166rPzSMHHT5XPxMHb928N+E3p30WP64YcfytixY9XLqPcwiRXSQE8xuIwaNUouvvjisn+o4DdPnTpVli5dKpU2cuOi/qcho6tWrZIbb7xRmpqaOo0WoP5TRl23SFvT13UJL7FXXXWV6hCrtKNiZTSo4UTPI27MefPmqflemL+n3xST7Dq/8847ZeHChWoCeR6GayvtprH1e9N48BRT9kqS0SguJrHyPrhPOeUUOemkk6KSzf3fKaN2p6mY1DOblQbDxA8++KD85S9/kdGjR8v48eM7Dc9763SlvWzY5ByVFuJw//33C+aQYjTl/PPPL/sXWT8TymhALfHO48CfL7zwQjnooIOi6pO1v1NGraHMdEJJP3iKhUEZ3UbMJFaU0cqa014OPaNYHDt58mTBojsMz2OKivegjBbbasY/H6MyGGXAdJ6rr75adt555/iJ5fBKymhI0LAKFnPIsMIZc0exAME7oRu9qJjs/dxzz3UsVsBwOla8H3300V0Wn+iGC9lh4QQWOjz55JPq//FGes4553QMdwUVKaiXVJfh+eefly+//FL15KIHF6t2MV8Nw/z+I6ocF110kVqQoofe0MOD34OpA+itxfxGzKPdZZddZNy4cTJ06FCVxYoVK+TRRx9VKzEx1xU3FBa0hJUD14SVH6vJMW9mwIABXcqvRR1v6RgGRQ82REHvONC3b1/VI4Vh0rD5vvh98+fPl1dffVXNH8bLB+bkHnjggXLiiSeGLhwqNuZh7YH+DUF/D5tzhTmLWOz03nvvqXmN+G077rijKm/Qb/XHELF4+OGH5aOPPlLTPr73ve8FTj/xXhdVD/0P41133VXNO4PEgpVJHQD7jz/+WC3i0nUHdbhQHYhqZ5E35m0ixniYYugLDTuG38EuaAFTmEiaxArX6oVcQWUL6iXV8Xz77bc7WGEBA+ru7rvv3qlXpNhY6vr98ssvq9+v6wpWR6Ot8c9djXNP6ReVsFiYLNjyt0Uo12OPPabqgbf+oJ3BKmO0b977Xd+3aJ+OPPLI0Dm5cdpJ/bv8eWL+r77v0NbccsstBRfwFRuLqJcepIf5nWiLddu13Xbbqbb2hBNOKHr1PdrAe++9V7XnGB72by/kWkbB980331SjkZ9//nnHsyPsXvCL8ty5c1V7g+cSYoOYYAHW4YcfHlofgtp/MMQzBfdq0MJRXd/Rdl577bXy1ltvqZ1uIPGnnXaaYq+PuM8Jr3Ngncixxx4b1dSV1d8powXCGdZDuXbtWjXXDw/2oKN///5qeH2HHXbo+LNueFFRIbd4COFGxIGbAMMjM2bMECyk2LBhg2qM8RDt0aOHusnwoIco6u1+0BBhGw7IctCBhh3bQEFUvAthosqB1frehx/EFqIZtOgL5UO50RBArCGh/gON25VXXqkW6HgPTIdA+VeuXBlafqSN8nsPHRO8wYMFGjL/gd8bNhEcfO+4447QRWxobLB4Bby9R5yYh1UtDIthOycsVNJi2bNnTyUNeOiihwKNIw48cPGyEcYX5+CFAA9/74PEG0P8HbKuY1hokQHmjel6iDqIugieqIeIt7ceemUUMqC3MvL/bjwg8KDz3g84BxP38fDFA0XfC95rUYeD6kChFhgNut6exn8e+EJKUQf8q+nDZNQkVqgbYIZY4uGkXwobGhpUEfBQgTDpeGIo7pFHHlH3eFAZ8UDEw03ft8XEEg90yDbur6Bjzz33VHXFO+0ozj31t7/9TW1Jg/qJOqJfQFFPcGAxnr+XzV8er4zutdde6p4IakNQfy699FL1woJFHkEH6rh34Y0+J247iesRHwydotMhqI1BO4/OBJwXJN9xYlFIRqPaLtz/eEZEcde/Bfcf6gqY4iUF1/oPlzKK++Xuu+8OjSnq/3HHHac6NPwr+yGD99xzj3pWBR2Qa9QH/3qLKIZohxFLyLD30DIKxtiBA50CegcU78tmqc8J1De8ROJ++M53vlNRix4powWebEEyqvdi0z1M5557ruy9994qFTTQqEx4IOG/4WbQvRDeBzfOxU1y1FFHKflAD6Z3g+GoYXpvGfBQxVY0aEwgC5999pnaFgqSin+HWHkbJ5Ny+HvHsMIbm/KixwYNGN7K0YOB89BI4KZEwwxxwMMe/33BggWqlwwPl/33319tSaUbFJQfPa/oEQMHPLjAC40Pyo8GCg05HkIYrvD28Hp7qvD70NsDjngI4lq85eNayByu9fau4sGE3m48qJGvjh3yff/999XDFefgt1xzzTUdQhg35oWkCX+L6gXBORA8NLrgiN5CxAE9M5BG9Cbg7RwPQ39988cQ9RB1BHOgIfE4P2p1dzHD9Cgr6snZZ5+t6jLyR+8kRBNlP+yww9Q8KH14p8KgXkC+9IgCevlxH+Eew8PBdEI/6iauQ92DeGKUAj2NqAt4oXr88ccFO1XgMJVRXV6TWJkM0+t4oqzYWBwPWrQBeIhhs3G8XIGH9741jaV3WynEAtOLcD8iL/SA4Z5FXUGvEeq+lt1S7qlS5ox62yKUBfUTPf247/GCi9EYxBJ1BXUV9QjM8PBHTPGChZjixR7X+6dTldJOIu56hTn+GW0oemj79esnq1evVvcuJFULiV9G48YirJ55OeOlDh0NuJeRP9ouvDSh7UL5cL+YLHrFcwpD9OgQQNuN+yVJGdW/Ve88gXqJtgn3P17WIHz4G0bAvNvGYaN49EjjxdNbz8EC2yFihA68/G2iNyZB7T92wsA5QW2OfyQA+aIHFu0IFhvh3208J3RPdSUuXqaMhhiD9+b3vqVg6A8PDfQsfPe731WC5j0WL14st912m3oAeOfgeBveqEVRUTKqy+B/aOlyeG8K9GShcdI9ISbl8P72sF4tTHiHvOHwyxv+GxoGcEJZ0Xh6h4Xx8EDvJB4wePtDb4338JbR30hqNmik8PDx95xiiA8NFWQNOyF4/44HF+QtTHAgLJBVNNKQPt2bFTfmpcooHshY5YqHhb9h1Wl75cb7MPbGEG/zQXU1qnzFyGhQncY9gHihF8M/DKhZo1ctqBcb/x1D33ip8otsWLm9sUeaEFHvqADKgxcdMEtDRr3xxBx0CIW3x0dv8YL7w9vmmMTSuxAl7J5FjyxkHfUBL1t4gOIo5Z6yJaNhPNDLjZd8HH6Jxn9DPcH2aKhP/t69UtpJPZcSLxhoQ771rW91ihV4Q6bQW4vDK6OlxCJMRvHijnZN98JidC3ouYO/oxfZZM9fvZ0ZJB8jeXrKlTddVz2j3p0nghbseO9/784U3jYl6LmDsqO+4PmCOOhnsDcmYe2/V1b9HSheGQ2qq8jXxnNCzxtFu4ARRb9fRLXZef47ZTQket4eKT1/w9vwhq14856D4Tlci8MrWH5J8hehkIx60/ffMN50MPSCIRgcYVIcVg6TB4z39+Chj94K/xEmM+i5xMMjrIfOO3fGP99Os8FQCebe+uf3eN/2vdd60/TGxVtmNFjY7w3l1itHS4l5VMMQ1duGcqA8kHY0TP6hI6SPhw/2pMVLUJjA4MGEB1Sx+5YWI6NhdQkNNHo5/FMD9G9HTw7EKOjLI/qcsPlsfr7oEUFvMeb/Yl4XpMy0Tkb1akbFCvlEpaHjiRfDsAUK+hz0/OE3oBfcWwfDYolesRtuuEH12oXNN/Oe433Ji3tP4TebtBVh94HJAiDNHfd52MM5qL0stZ3UPVRoo8LuvbDylxKLsHoGwYKY67bALyloB9BDipdw3VMX1f7oTgFMJ/F+ACIJGfW202HPD2wXhvoMecTLLgQNvabozcVIQlhvrld09TPAGxNs24Ze7qAD7QfaEYy0eV/YvG1hUD209ZzAsxEdEJBxk3nXUTHO098po75ooRJgeFEPf3qHPbwVpZBQ6sbRu/DJpOHVRSkko94yhN2MSCfsZjcph8kDxvvgDbtpomQm7Ebx5h8mo2HbXoVdq3sB8HcMgfq/sKPLgl5lNOh4CEEaSol5VEMQJTh6/lCUjGnhg4ThE4IQP5MYRpUvKn4mdck78V9/3hAPToweYMi8kCjrayGqWszCyuxNM2jBob4u7DdFiWRUrExkVMcz7EXK+9KKHiDdW2USyyhZ8Yuj94UsaiSm0P1oUrZSZDSo/vjTCyp/qe2kyb0XVv9LiUVYPfP21EJEMb8z6GUr6p72/t2EbTH7jBaz9ZO3hxM99XiWYX1C1EdmtEDj5QQjfv65/fh96FRA5wN6fCHaOFfHBOmH9QLj2rD2PqottPWc8PL2js4VE9e8nluxMmoSMP9iFt2FHrTwICg9rzCZPLhNZNS0Gx9ChXmZmHfnbSRMymHygLEho0gDi3PQwOCfgxYv2JJR7wMirBcgKIalxDyqjhUSHO/igqiezaAeDpMYRpUvqgE2qUtBDzxvL3VUGfB3/5B60DXe31toWD8tGfXG0+Q34xz9kmcSS92TZ5q2t00oRxkttZ3UTAotJAmr/6XEolCb4B2twygHnk+YR47pCVggWuznO13KaNguFN5nov/TuXj5x+gP6ibm6Abt7R020hJV73VMvC/sQdegx/VPf/qTmjvqffZEtYW2nhNRL8VRvzPPf6eM+qKnt0HBDY4Vwt5h4KjtTPwVwYWMRt0U3jJ4t2zR37Q3EQiTh1+pMoqGFYuNtNhjWEQvqPGu0LUlo8VwC+o9ML3Ji/lQQaEHj0kMdJn8W+Sg562Y68N+WxQzk7oU9MArprcljowW2nA+LRn1xsO0LhUjo7oumaZd7jIaVXej2smgttPPNqz+lxKLqB54TG/CXHx0Mnh3oMBzCivP0eMdtTBR/w79VbFCu2vEnTNqIqMoB+4LvVAN/6wPPIfRU4reQe8C1ig+YfXf9LqwUYCo+lSKG3jLTBk1bcFyfl7cG0v/bJM5NmGITB7c+tpCPRWmb/xhMmJSDhORKUVG9WpIDIkfcMABao9VvSWMbqC8+5x6v2QTtxcnbs9oKTGPul1s9YwGNZQmMYwqX1QDbFKXgmQ0rPchqjyF/h42V9t/TVoyGjZSYfKbTWKJXQueeOKJLnNzTdKPe0/579Vihmlxbdz64/9NQeUvtZ0MmmplKqOlxMJUmvASjzmV2A4LUolpWTiiFsd6f0OxPaPFxtek7ulzINZYqImpO+jFxD686JTwL7503TMaJoNRbaGt5wSH6YupNTk+t1QZ1fMOIVFRi5BMG64gnKZzRguVIctzRvVCk7C5kGnOGfXHo5SYR90qUQ8ekzmGyCNvc0a9YhY1BSGKof57sfNQ01hNj71IsR1QoTmjQb/XREa9D8NiV+GWo4yazuELaydN7r0wmS4lFlFtQlD9gMi99NJLauEN/tn0i4EmAlXqM9P0/g1qd/V+0N6FuiZzRoPyNJnHi+vizhm19ZzgAqa4NSZn15V6Y3kbrkIr2YOwmPQC6OsKPRwgwth+CJW/1NX0YQuPTB5+pfSMRg2BBa2GNGHj76kpdjU9rtebnGOICHsxlhLzqNsj6sGDPfOwx2ipq+nj9mhE9QaY1Omw3hf9sC+08j2Kn//vmmehPfrS6hn1vjQUWqEdV0a9D7FCq4WLffktdE/5/1ZsPSul/nh/R9h+0KW0k6gn2Mmi0ErzsPKXEougNgGCiRdODNFjwQ6mj/l3xvDOwzbdCi3NrZ3Qc409ZDEvFF/b846M6djqTgts4YQFjFhVb7Ka3vvhDv3BCe8CsFJX0wetObD1nNBbeIFBsS+VxbaXWTu/YueMFttw6sDpvSrD9rnEeXgLw9AJ5rvor+KYNLymwqX3Mwvbp9N0n9G0ZFT3EAVt6+PdDB3/bGvOKNjq2GF1NrbtQP7eAw0WHmCYvO7dHiduzKNu9igZ9e5LidX/2J7Jv0jBZJ/RuHU9qufEpE6Hyah3T9CwffswnI9PmOKBYrLfnsk+oxAM/K40eka9D8Sw4VR8lQu/GTsCIOaQDpOXQ//q5KB9ZXE/4esueKBjs309t7CUntFSph+UUn+iZFTLP+ZXxmknTfYZRbuAz0Hj8LalpcQirE3QYoY9m7GK3L+SHvcKtgTCBz0KzZn2cktz03s9jQKijZX0WKPhPVBX8cKKvXG98/D9exdDDP0ii+kLmObl3ZPVu89oWPtvss9oocWUNp4Teh5v1EKrqGdLHv9OGS0yal5BQCOHRh1voniDhgRCFLEtFFaGYy8zTCrHYdLwmspooS+LRH29wqQcJg+/UnpGdY8fGgisVsW3fbGvItjiq03YL09/2cS/B10pD07vF5ggouj5hBTgwIIA9IqiMfdvphw35lFVK0pGcX3YF5hQvzDkq7+E5f8cokkMo8rnHXrCl66wkbz+1CUkyaQuhcmo9+GAtNDLjxcA9GrigYM6ACnDAwIfRcDHEfSncMPK7f8CE77MBZHFwwpz0LLwBSb9IonfD8HG18ew+Tz+HV8QwwMYG/2jfmIvUjyUTGPp/WgDepHOPPNMNScbLzCQFWzQjvl4WByCBY16e7NS7inEQr9cYiEMpAxlR55RC2lKqT8mMlpKO4n0vV9gQv0cO3as+oAH6iT+VugLTHFjEdYmeNPzfnUI9463zS+m1927w0NYb2qpo4lh9ypEEfum4j73fkUQdUY/R/XX2/w9md4vMHnvIf2de7yABH0FsdAXmHDvYRQKvdpBn7COGiXC77TxnNAvHfwcaNTTKed/t3VjRX1XHY09Pm8IkdI9WSYNr6mM4jyTby6jZxab8wd9mx4PuLR6RtEI4pOlkNKgA9uUoIcIE9r9cwpLfXBGfZsYD1Jw0V+n0eWLE/Oo28VERk2+TQ+hxvxh78bxpgJTqIzeB4Y+r9gdIgotkkD6eAFAPdAvH/7yBP22QmX2Coj/PNyX2AoHPag4vMNtUatYTWIVlQbyxAMTIoP0vKuhvWX118FiYonfho9d6AUtfgZ42PvbhVLvKf3FG+/WbCYbdpu0iSaLbAqVP247CW6F2im0qXhJgiSCddDvjROLQvUs6nvsGK2DMOPF0fQDF3rLo7D5+7aemUH3bFRscA1GCPD1K/82T1EswtqNqPYfL3HYw1V/4luX20RGcW4pzwnvfR724YqoZ0qe/86e0ZjRw4MUb8bYJxNvprrHCCKFnj58E7pYCSxGRnFuWBkw3xE9tt4tMXTaJg8Ak4dfKT2j+qGMXj88mMEPMoKhJ/QkY8gGPUTg650vhOtKfXAiDfw+9FChIUaDiAO9OvjWMP6HXu6go9iYR1UtE8HRaaBnb86cOep7zRAuvQUZvuWNz+X5N4s2iWFU+fB39KjpebSIEfb/Q68aemBM6lKUTCBNzJMCCzy8wRgPVdQF9IjgtxW7fyLSwIcrEGPUU6SH+xEPapQbnxlNS0YLxRN1EJ+89NfBYmPpr99gjN5hiDh6t/1DvKXeU0j/9ddfVwtoIGYQXsgZ6kqhw0b9MWkT4rSTutxo19FOoX5i6B5tOr6KhfsOwoM9KdGGFHqx97Y1UbGIahNQn9FjiKkmuDeRHkQNscXcywEDBpjc1h3n6OkImHMatBm8Sxn1PsPACGXBC42+X3H/Q0bDNsLXLNDGoFdSt4noCCrUbgTdHxiZw3QmTHHwf9UP5TSV0ULP5TA30MHQ04zw+8O+0FZUcHN2ckXJaM5iw+KSAAmQAAmQgDMC3uky6ATA/M1iX/6cFa6CEkYc9BzkSo0DZbSCKjx/KgmQAAmQAAl4CWBoGYufsBitmK/TkaI9AjoG6InHArWddtrJXuI5SYkympNAsZgkQAIkQAIk4IKAXqyFhTMTJkyIXHzmogyVmqaem4xpaZhGg+kWpnN+y4kZZbScosnfQgIkQAIkQAJFEqAQFQnM0unerQyHDBmiXgT8i7UsZZX5ZCijmQ8RC0gCJEACJEACbgnonSiwkAafaMZCOh5uCWAf1QceeECwuAmL4Lw7orjNOXupU0azFxOWiARIgARIgAQSJ4At9R555BHBhyj0HsyJF6KCMsSeqS+88EKnD+RU0M/v9FMpo5Uaef5uEiABEiABEiABEsgAAcpoBoLAIpAACZAACZAACZBApRKgjFZq5Pm7SYAESIAESIAESCADBCijGQgCi0ACJEACJEACJEAClUqAMlqpkefvJgESIAESIAESIIEMEKCMZiAILAIJkAAJkAAJkAAJVCoBymilRp6/mwRIgARIgARIgAQyQIAymoEgsAgkQAIkQAIkQAIkUKkEKKOVGnn+bhIgARIgARIgARLIAAHKaAaCwCKQAAmQAAmQAAmQQKUSoIxWauT5u0mABEiABEiABEggAwQooxkIAotAAiRAAiRAAiRAApVKgDJaqZHn7yYBEiABEiABEiCBDBCgjGYgCCwCCZAACZAACZAACVQqAcpopUaev5sESIAESIAESIAEMkCAMpqBILAIJEACJEACJEACJFCpBMpSRjds2CAvvfSSLFy4UMaPHy+DBg2q1Pjyd5MACZAACZAACZBApgmUjYy2trbK0qVLZc6cOfLRRx9JW1ubNDY2ysSJEymjma6CLBwJkAAJkAAJkEAlEygbGV20aJFMmzZNCejo0aPliy++kE8//ZQyWsm1m7+dBEiABEiABEgg8wTKRkY///xzwfD84MGDpaamRu6880557733KKOZr4IsIAmQAAmQAAmQQCUTKBsZ9QeRMlrJ1Zq/nQRIgARIgARIIC8EKKN5iRTLSQIkQAIkQAIkQAJlSIAyGhLUpqamMgw3fxIJkAAJkAAJkAAJlEagvr6+tAR8V1NGQ3B++OGHsmbNGquwmRgJkAAJkAAJkAAJ5JnAfvvtJ927d7f6EyijVnEyMRIgARIgARIgARIggWIIUEaLocVzSYAESIAESIAESIAErBKgjFrFycRIgARIgARIgARIgASKIUAZLYYWzyUBEiABEiABEiABErBKgDJqFScTIwESIAESIAESIAESKIYAZbQYWjyXBEiABEiABEiABEjAKoGylVGrlJgYCZAACZAACZAACZCAEwKUUSdYmSgJkAAJkAAJkAAJkIAJAcqoCSWeQwIkQAIkQAIkQAIk4IQAZdQJViZKAiRAAiRAAiRAAiRgQoAyakKJ55AACZAACZAACZAACTghQBl1gpWJkgAJkAAJkAAJkAAJmBCgjJpQ4jkkQAIkQAIkQAIkQAJOCFBGnWBloiRAAiRAAiRAAiRAAiYEKKMmlHgOCZAACZAACZAACZCAEwKUUSdYmSgJkAAJkAAJkAAJkIAJAcqoCSWeQwIkQAIkQAIkQAIk4IQAZdQJViZKAiRAAiRAAiRAAiRgQoAyakKJ55AACZAACZAACZAACTghQBl1gpWJkgAJkAAJkAAJkAAJmBCgjJpQ4jkkQAIkQAIkQAIkQAJOCFBGnWBloiRAAiRAAiRAAiRAAiYEKKMmlHgOCZAACZAACZAACZCAEwKUUSdYmSgJkAAJkAAJkAAJkIAJAbcdXrkAACAASURBVMqoCSWeQwIkQAIkQAIkQAIk4IQAZdQJViZKAiRAAiRAAiRAAiRgQoAyakKJ55AACZAACZAACZAACTghQBl1gpWJkgAJkAAJkAAJkAAJmBCgjJpQ4jkkQAIkQAIkQAIkQAJOCFBGnWBloiRAAiRAAiRAAiRAAiYEKKMmlHgOCZAACZAACZAACZCAEwKUUSdYmSgJkAAJkAAJkAAJkIAJAcqoCSWeQwIkQAIkQAIkQAIk4IQAZdQJViZKAiRAAiRAAiRAAiRgQoAyakKJ55AACZAACZAACZAACTghQBl1gpWJkgAJkAAJkAAJkAAJmBCgjJpQ4jkkQAIkQAIkQAIkQAJOCFBGnWBloiRAAiRAAiRAAiRAAiYEKKMmlHgOCZAACZAACZAACZCAEwKUUSdYmSgJkAAJkAAJkAAJkIAJAcqoCSWeQwIkQAIkQAIkQAIk4IQAZdQJViZKAiRAAiRAAiRAAiRgQoAyakKJ55AACZAACZAACZAACTghQBl1gpWJkgAJkAAJkAAJkAAJmBCgjJpQ4jkkQAIkQAIkQAIkQAJOCFBGnWB1n+h/Pr5FHnujxX1GOcnh2H1r5Sen10uPhqqclJjFJAESIAESIAESAAHKaA7rwZ+ebpL7X23OYcndFhlC+s/nNbjNpITUH3i1WR5c0CJtbe0lpFI+l47avUYmnVIv3ev5AlE+UeUvIQESIIHiCVBGi2eW+hXn/G6jrNtEoQkKxJyf9Ug9PkEFePyNFvmPx7dksmxpFuqwoTXyr99qTLMIzJsESIAESCBlApTRlAMQJ/sx/7ohzmUVcU1WZfSHt2+Stz9tq4gYFPsj75zUXQb2Yu9osdx4PgmQAAmUCwHKaA4jecn1G+Xzb9gzmqee0R9P3ywLl7XmsLa5LzJl1D1j5kACJEACWSZAGc1ydELKRhkND1pWe0Ypo+Exo4zmsBFikUmABEjAIgHKqEWYSSVFGaWMJlXXksiHMpoEZeZBAiRAAtklQBnNbmxCS0YZpYzmsNqGFpkyWk7R5G8hARIggeIJUEaLZ5b6FZRRymjqldBiASijFmEyKRIgARLIIQHKaA6DRhmljOaw2rJntJyCxt9CAiRAAhYJUEYtwkwqqTAZPWSPGrn8mHrZc0C11NeKtLaJfLa6Te7+S7M8sTD6a03YfHzCsXVy4vBa6dNj61Y7m7a0y4IlrXLbvGb5+MvCWxP99uJGOWhIjXy1rl3+z8wt8vrSbavH+21XJRNPqJfD9qyRno1b0167sV1eeL9VbpjdJBubOu8O8P99u1FGD64JRPplQPr6RC5gSqoW2suHPaP2WDIlEiABEsgjAcpoDqMWJKMHDq6Rn57RIDtuXyVfr2+XJava1N6NO/eplo1b2mXKs00y87XCQvrTMxvkpP1rpaVVZOmXbbKpqV32GlitvpDz4co2+eUDW+STr4OFdMIx9XLREXVKgv2yiOv/5fwGOXBIjUpzycp2qaoSJc11tSJ/XdIqP71rc6dI/OHybrLfLtWyYk2bbPF9bGrNhq2/570VXctSLjJ62shaOf+QOhm0Y7XUVIs0t4p8tLJNbn2uSV79KHqLqFJeLHbdoVr+6bwGGdq/Wr2AXHHTpk6xGbZLtVx6dL0csFu1dKuvErxGrN7QLs+83SK3z2vu8mIRdYtRRqMI8e8kQAIkUN4EKKM5jG+QjP7j2Q1ywvBaefuTVvlfM7Z0CMHPzmpQPZ1vfdIqfzets/B5f/oRe9XIT8Y1SGN9ldzybJPg05U4Dh1aIz85vUH1Zt4+r0n1svoPLcLoTa2uFiXD3p7Rcw6uk6tOqJfNTe3yuye3yPz3tsrUWaPrZOIJddLWJvK7J5vkuXe3yfLUq7tJv+2r5A9PNsnTb0X36pZTzyhE9Jox9Yr5itVt8tmadtm9b7V60YDo/+fjW+SVDwsLaSkvFoj3qQfUSnWVdJFRxPpHY+tl5x2qVZw//KJNeveoUuXDi8Xst1rktzOL+9IUZTSHjRCLTAIkQAIWCVBGLcJMKqkgGZ0ysZvs1rda7nqpWW6b19RRlOP2q1Xy0NQqShLQCxl0nLx/rfxwbL3q4frZ3Z17QPWQOYb6//2xzqKhez1H7l6j0t5/N/TESicZ/c6x9XLxEXWqJ/OHd3TuZYN07tKnc7lH7FYj/3hOg9RVi/z741vkpQ+iewLLSUZ/f1mj7L9bjZLzXz24lTc4//KCBhk1uEbmvt0iv3k4XPhKebHQItxYVyW11SLLvurcM6pfehZ/3ia/uHezrFq3dXrFeYfUyZXH16ue7397NFqWvXWQMppUy8F8SIAESCCbBCij2YxLwVL5ZRS9Vf9wZoN0b5AuPYn77IQh10bZvlvXv3kzGTO8Vv7H2HrZ3NxZWiFBv7usUYb0q1a9pZPnbBNdXA8BueDQOln+dZs8vKBZrj2pvouMXnZ0nVxyVL0acp906+aOXlsM9/78nEbp1b1Kbp7bJA8t2Nrrinmn6Nlrb+8stSahyvswvRbxHvUi//fpJpn15rZe4W8dXicTjq2XL77pzNHPJe6Lxe47Ih4NgmH615a2ysFDauTT1Z1ldPIV3WSP/l3rQqE6GBU3ymgUIf6dBEiABMqbAGU0h/EtRkbx89D7OLB3degwu+55U/M6B9fI25+2ytTnmuWzr9vku8fVC0QVw8O/eXizvOP5vjqG8H+Mof06kRvnNKm5puhd9feMaskZ3K9a9XJiGgCO606qV+L5wedt8pM7t0mqlqnWVpHmNulYTLV+U7vMfrtFpj4bPi8x7zKqf7ufIXjpXu4tLYUlPe6LBV4AcO3rH7fKu5+2qd5sv4yG3S66NxbzW/1TLqJuMcpoFCH+nQRIgATKmwBlNIfxjSOj/qHwoJ8NaUTv6AG71agFRvrAYqg/PtUkCz/eNlzuHZ5/9PVm+cOsJikkUhjG/8Ep9aqHVR/o+Xxzeav815NNnVbq6x5ALIZav7ldiXCf7lXSq0eV6i0tNC+xnGVU9z421BYWvo4FY0W8WJw5ulYmqmF2kd8+ukVGDqoxllEI7IWH16kFTy9+0Cr/dF/43OSgekcZzWEjxCKTAAmQgEUClFGLMJNKypWMfv+Uehk3qk5a27aueN/S/N+r6Ruq1Aru3zy0bWEUhucvPKxOrbLXvZphMgo5+snp9XL0PrVqZT96QhvqqmRIf8xLrJKnFrXI757YNgcSUgw5ghjd9eK2XtAfnlovp4+qU/MSw3rfKkFGg6Zj+OteMS8Wuud6lx2qZdrzTWresZ7nG9YzqsV4x+22vrWgtxYvCZMDtumKui8oo1GE+HcSIAESKG8ClNEcxjeOjEYN058+qlauPrFeSQUWKenV2lpUsMXQg/89Z1SvsK+pQg/dttXxYTKqxQbbQv3ywS0dvaB6mH+7xs4r+MNCAqn944RGNafRv1BLX0MZ3UqimBcL7LiAnRheXtwqP793a69mlIwiBmcfVCs79KhS20/h37H6Hi8W//E4V9PnsFlhkUmABEggNQKU0dTQx8+4GBk1XcCE7Xywkhob3Pv3/Lx2TL1aLY19Lq+dukl+Nb5RjtwreEN676/S+41++8g6NRf1sdc794Di3F+c0yDHD6tVw7tYnR11FFrZj2srQUajhumLebHQ22th79Zf3LftRSFKRv1x0sP8WFv/x1lNMudt8+242DMaVev5dxIgARIobwKU0RzGt9DWTtgHdOpzxW/tpGU0SAqvOK5eMI9z+VdtMnHKJvXPQ/pvm/upEaLnEl+B2tLSrrZ5wj6UD/+1Rc1DPXD3Gnnkta1zS70HFs2cMqKzBGPFNhY73flCk0yb33lf07AtrCqhZ9R0AVMxLxZgjQ8bRB1Bm9/7r8GHCvbdOXjXhULpU0aj6PPvJFDeBFaubZc7nm9SeyoHHiH/ueNczxqHTteHXRd2vr642Osslw87zFxyVJ36MEylHE5ldPXq1TJr1ixZtGiRNDc3S7du3WTkyJEybtw4aWxsDGW8efNmmTp1qixdurRgHAYPHixXXHFFR1rIZ9q0aYHX9O7dWyZNmiS9evXKfWyDZBQCMnZkrSxZ2Sa/fmhbD1fYpvfoqcT8Tf0VI90T9s2m9k7D9PiMJ7aGwteQova3DBum12X7eFXnYXps7fQPZzXIgF7Vct/LzWp7Jxx/N7ZBzjiwVq3q927gr/eybGppV0PBevN8b0Dz3jOqt3bq2SBy/dNNnT7jarq1UzEvFpj7i48L+I++PavUIqY1G9vVNk+r1rarXRAK7cxAGc1908IfQAKJE8Ci1Ctv3hT5uenEC5aBDO/6fnfpH9A+Z6Bo1ovgTEbXrFkjN998s3z11Vey9957C8Tx/fffV4KJf54wYYKS06CjtbVVPvroI1m/fn3g37/55ht55pln5IADDpDzzz9fqv576ferr74q9913nwwdOrSLdHbv3l1OOumk0Dytk3WYYNTnQPFt+MVftMnOvasEi1Kw4Mf7OVAtnus2b9ugHHP+fnFugwwdsPV8LGDC39FrtkNPsy//hMkoxBeChM+Trtu0dQETDqS9XbcqNfzvFWg9TxW9r+hdxfnbd6tSb4m1NeW9mh5cMBUBzF5f0ir/fP/WRWNhm97jv4/cvVqwCb3egN7Gi0XYMP1vLmyUw/eskdeXYtX8tgVt+Izs90+uV58u9e+PGnUrsGc0ihD/TgLlSwB7KeNDGTy6Erj8mDrBp7Yr4XAmo48//rg899xzShYPPfRQxbK9vV1mz56t/nfhhRfKQQcdFIsx0n7xxRflyiuvlCFDhnSkgXTnzZsnEydOlEGDBsVKOw8XBckoyo3tk7A9D6QN2yK1tol8trpNfcITX0/SB3rYLj+mXvV6YbESxAIHekEnnlAvhw2tkZ7dqgT9ZRDTN5e3yfT5TZ32GA3iVGhrJ/098xG7Vku3hq09cdi2CYtmpsxt6hApnW7Y989nL2qRG5/pPNTvLUvee0bxW7yfA8Ver8u/bpdBfatkpz7VXT4HqufQLlq+7XOvNl4swmRULzrDKnr9ooAFaNgZAV9tev5vLWqRWjEHZbQYWjyXBMqLAGU0PJ6U0RLrelNTkxpmxzD9ddddJxgi18fnn38uN954o+yxxx5y6aWXdvRqmmaJNG+66SbZaaed5JJLLpGamm0LaWbMmCGLFy+Wa6+9VnbccUfTJHN3XpiM5u6HOChwOcgosKCn8aLD69RKdfQ2NreK6kG+9bkmtc2WPn55QaNgw3nM0f2HGdsWgJX6YlFoARPmBeNlBvuKNtSJtLWL+ozs3Hda5PZ54R8kCAs3ZdTBjcAkSSAnBCijlFEQcNIzimH066+/Xkmod06n6g1bv14mT54sGDb3/83k3kHP5xNPPCGXXXaZDBs2rOMS9LpOnz5dli9fXjZzQ8N4UEbDa0q5yKjJvVAu51BGyyWS/B0kUDwByihlNBUZ1YuTNm7cqHowe/bsaVx7161bp3pVt99+e/nud78rdXV1HdfqdDFXFRL8ySefSEtLi5o7euqpp8ro0aOluro8VqZRRimjxjdNDk6kjOYgSCwiCTgiQBmljKYqo5DGYle3v/LKK/LAAw/I+PHju8w31T2uK1euVAKKRVJr165VPaVYEHXyySfLmDFjip4W4Oj+KylZyihltKQKlLGLKaMZC0jOi4P58dj5AVNHeIgM6FUl3z+5QY7cO3pv6DR4UUYpo7mS0U2bNqnV+ZiPes0118h2223XKYJtbW2qNxRSuu+++3b0gq5YsUJuvfVWtbUUrhs4cKDR/fbhhx8Kem+zePxyziD5emNtFouWepl+f+ZHqZchqAD/98WdZPFXwbtHZLLACRbqn8Yskx26m2+Sn2DRmFXOCCz5ulH+64Wdc1bqZIr7zyctkz7dsnefvbJ8O/nzG/2SgZCzXMbuvVrG7rM6c6XGjkWYamnzSHzOaNxh+jfeeEPuvvtuOe200+TYY48tigFW2T/11FNqnumIESOMrsWUgKweV99eLSvXZrV06ZbroR9s3TYqa8fPH6iStz6N2mk5a6VOpjw3TWiT/tsnkxdzKW8CM16ukhmv8D4LivIPT2qXE/fLXm/xM+9WyR9mM2ZBMbvo0Ha56LDsxQwLx3Mvo3EWMKFXE72bq1atUvNM+/btW1SLqjfDP+WUU9Reo3k/OEwfHkEuYMpf7c7yMD2+OvbAghbZ0py9B0IakR7Sr1rGH7Ztrn4aZSiU5+3PN8kdz3f+alvWyphWef7nGQ1y6gHZG1HjMH14jeDWTiXeLXprJ2x4j3mhpW7t9M4776gvKx1zzDHq601Bx/z582XmzJly+eWXy/DhwzudMnfu3I4V+KY9oyUicHo5ZZQy6rSCJZx4VmUUIvqdGzclTCP72R2/X636QEYWD8poeFTyJqP4oMeEY+vkxOG10qfH1p7TTVva5eUPW+XGOV33pvb+cv0Vuqg6ivnFc95ukX84s0Gwd3Kh48t17fJ/Zm7blxvnoowXH1knJw6rlb7bbd2b+66XmuW2eZ33wu7Yam/PGunZuDWftRvb5YX3W+WG2U3qwyZBB2U0KoIGf8fQ+NNPP91p4VChTe8xfI+uX+8KeWSDxUfYsmnJkiVy9dVXy847B88H+uyzz9T+o9gEH/uX6v1HN2zYIFOmTFGLmXD9gAEDDEqf7VMoo5TRbNfQ4kqXVRn9r1lN8shf2csWFM0/XN4ow3fN3oIYymj5yCiEEj25La0iS79sUx9gwQddujdUdfo6XdAvxnX4il3Ygc8u79CjSqbNb5J5f2uVsw+qVV8DDDp6dauS0YNrVBl+NG1zhzjiS4H/eE6D7NG/WvBJ06/Wt6tFc0+80SKPvLat3YCw/sv5DXLgkJqOrxvio5H4LXW1ovaI/uld2/aI9paBMlrcsyTwbO/nQLGgCJvcY0N6fBLU/znQZcuWKWHERvVXXXVVp092QkJvueUWGTVqVKdPf/ozhejOmTNHCXC/fv3U+VjUtGDBAsG+p1xNbyGoOUiCw/Q5CJKviFmVUXyiEEOIPLoS+M9LGtUX37J2UEbLQ0bxpTf05Harr1I7Izzw6la5w3+HpHavF7l5brM8HONl8eyD6uSqE+rU1+x+fu8W+eTrwusMfn9Zo+y3S43c93Kz3Dx3a4+nVzDxlUP01KKXM+g452DkVy+bm9rld09ukfnvbT3vrNF1MvGEOmlrE/ndk03y3Ltd2xrKqKUWBr2R+HQn5mxi3ie+RT9y5Eg11N7Y2NiRC77KBBlFryUWGem/6V7RDz74oMunP4OKCPnEQif0ymKKAA7ML8VcUeSrv2Fv6eellgx7RsPRU0ZTq5axM6aMxkaX2oWU0dTQx844T8P0lx1dJ5ccVS+fft0mP7h9W28kfvyvxjfKkXvVyFOLWuS3M4v79DCuxyeUDxjUWS7DoJ4+qlauPrFe9Xh6xVUL7cYmUZ/UfuXDYBFFuvprdu+taJMf3tF52s/Uq7vJLn2qA4f2cS1lNHZ154VJEKCMUkaTqGdJ5UEZTYq0vXwoo/ZYJpVSnmRUz/l8bWmr/D9/7jyE/cNT61Wv4usfd/1bFMsxw2vlB6fWy8YtIr9+aLO882nhXtHfXNgohw2tkUdfb5HfP7lNfCHE+Azz3Ldb5DcPFxZiLdYr1rTJpFu3ifWwXarl5+c0Sq/uVarH9aEFXacEUUajIsq/p0qAMkoZTbUCWs6cMmoZaALJUUYTgGw5i3KRUd3TuGRVm1w7tbgFhr8e3yiH7Vkjj/nkMgj1CcNq5X9AXJu6iit6NAf0qpa577SoqQM79Nw63xQ9qI++1iKYLqIPzC39+TkNMrhftbz0QauadoDjupPq5aAhNfLB523ykzs79/7qaymjlm8CJmeXAGWUMmq3RqWbGmU0Xf5xcs+bjIatZn7mnRaZ+mxz6GpmsClmZTaGbHGcvH+t/HBsvZpbGHRgFbc+F3/H0DEWyQQdQau4cd7R+9TI2aPrZM+B1fLwX1u6rOD2p1VuMvrp6ja54iZzGQWvH41tEKxbx3zwQkPrYIcdI47bt1YJp7f3EwujsPoeq+eR2NpN7WrxUkOtyMDe1dLaJnLfK80d0om0ML/6B6fUC7ZG0wcWPb25vFX+68km+fjL4B5aymic1onXJEaAMkoZTayyJZARZTQByJazyJuM/vbiRtULhRXZS1a2C1YzD+2/dTXz7LcKzz0sZmX2n1/cOtSqF600t7bLqrVdt+15/r2WTvuh/uHybrLfLtWCodwtvtHaNRvaZcqzTYI5h+hlG3tArRy3X63077V1KyGsNg/aTogy2pnAP57dIOjt/MviVvn5vcGr1/UVegFVbbUIdtWAkOrDK6OvL2mVf75/S8fLzI9Oa5Bxo2pl5dp2+eUDm1XM8ELyk9Pr5eh9amXjlnbVE9pQVyVD+ldJbXWVmvv6uyeCh/opo5YbLiZnlwBllDJqt0almxplNF3+cXLPk4zqxSaQvKDVzE0tZj1lQZzCVmbroWT0fPnnPAalg2HffttXyR+ebJKn3wrfwUH30kJAP1zZprYnwh6clSijxQzTa4FsqBP546wmtbdooeOnZzao3m3safqP93QWV51W9wbpEi/9tx4NItc/3SToAdd1Aav2f/nglo5eUAjvj8c1yHaNnXcM8JaLMhqndeI1iRGgjFJGE6tsCWSUNxktZci30HCsRh3V0zXhmHq56Ig6qa6K7hE7bWStXDOmXj3w/EPD3tAWO+SbJxlFb9XpB9bK6wGLYSZf0U0Nnd79l2aZ+lznjcpNqn7Yymyd53PvtMivHiq8wAV7XmK/yrpqkX9/fIuaVxh2fOvwOundvUqefLNFSU3UamxvOuUyTB9nAdPfjW2QMw6slbc+aZW/m1a4V1QvLNq+W/D2UYVkFLz9MUEdwTWYp+rvAf3FOQ1y/LBaefGDVvlFQG8tZdTkLuQ5qRGgjFJGU6t8DjLOm4yWMuQLmRjSf9u8MS/OmipRQ8nV1eG9N3io/fSMBtWLFiWtu+5QLf90XoMajsbhl9FShnzzJKP6BSBIxvU2QYVEPazKF1qZjZ61U0bUFnwB0Oki5jgfcwj9X/iJut3KVUbDVqCDR7FbO0XJpZ+xibiql5j+1Z32HkU6QaKqZHT3GrUR/h9mdX7h0fVkQcjG95TRqDuAf0+VAGWUMppqBbSceZ5k1OWQLzbGvuCwOnn30/DeG4gwHmwQFxyFhmcxpAshamkTtbjCL1ylDPmWi4xqBmE9U4WqeqGV2RCQkYNqZNW6djWUXl8ramHL4i/a5NbnmuTVj7b1furFTq2tIs1t0vHpy/Wb2mX224UXWJWrjGqp275bVafFQGGb3mO0Agu5Fn7c1mUx2rVj6uXcQ+pk6arOX1AKii1e0H51AV72qtXXmfQcYP+5Ok3sg4qFaHqLqO+fUi9njq6TFavbOvYlRR0bO7JWPl7VeZgekvwPZzWoVfneDfW9eVFGLT9smJxdApRRyqjdGpVuanmSUVdDvujF/N/nNcjA3thzMPjLMlceXy8XHFqnvhhTVyOyU+/wzbLPHF0rE4+vl03NohbQ4MHnl9FShnzLTUaD9rMsdFdErcxGz9leA7eurMZilta2dum/fbWSUgjqfz6+bTU34jDh2Hr1t/Wb29WXgfp0r5JeParUS0ehBVblKqNg7/0cKCQeXzAC057dOn8OFAuE/jihUXbvV91l30/cV78ev1X4CsmljrV+IYwSV+8XmPDSgJiGraaHWOO3DOxVJes2bV3AhAO/BZ8g/Whlm/z6oW1zSSmj6T6PmHsRBCijlNEiqkvmT82TjLoa8v32kXVy2dH1suyr4N4bvdihsU7UpwfHH1YX+uUWva8hHsQzXmqW/XerVtsGRQ1FFyM2lS6jUSuz8eWe4bvWyAvvt3R8JhLb+/xobL3s1re60xxBxAsvD5uaRO56cds2U5gbefqoOrUDQNjnIouJWZ7mjOpG65oT6+WkEbUdvcWbtrSrRUW4ByCAOCCG/35JowwdUC1PL+q8ZZbuwfT2VIY1iLpXdEDv8J5K77XojcV87MP3rFGfLW1r3/ri8eCCZtXT6T3wMnjp0fUyYtdq6dawdbsvvHi8vLhVpszd9lv8ZWPPaOYfX5VdQMooZbSc7oBykdG4Q776YYqFNEG9N7oXBjKDbWAwLFhIQjAPDfMZ8YWan961uWMPS8poZ1HRvW9Y5FXMMH2xK7O996peWW2yR6bu8cNLRdh0jHKX0XJq5+L8FspoHGq8JjEClFHKaGKVLYGMyk1Gix3yPe+QOsEQ/Kq12+aZebHr4XlsZaO/1BImIXp4fv1mkd88vPVzh4V6c735FCM25dIzGmcBk8kCl7DbRs8PxecoTRYrRcWumJjlsWc0geYn01lQRjMdHhaOMkoZLae7oNJl9PeXNaoh3ZkBq231go36ms6bbwdJCIYZ/+ncBtmpT7VMe75J9abhiBIaXZeKEZs8yaie57vw41b5+zs7b+tT7NZOJiuz9RzQz75uk4lTOn8hSK8S/8zz9SCUAZ+KvPOFJpk2v/Pw7pSJ3dSwPntGy6nFM/8tlFFzVjwzBQKUUcpoCtXOWZblJqPFDPlibuHVJ9bLhi1dv3+NYdpfXtAgIwbVyIOvNsvkOdu2hQkSx5+d1SAnDK+VeX9rkV89uG1vy0qXUXxB6fsn16s5ffiS0czXtm54ftboOpl4Qp34N70vdWW2FtZe3TtvZo54/r8XNWydS/oevtyzVYx1T+vbn7bK/5qx7Ws+use8qaVd/uPxLTL/va77jxbzAsGeUWdNmLOEKaPO0DJhGwQoo5RRG/UoK2mUi4zGGfL9zYWNctieNV1WASM2uocNq3QLHdhvFAJ84O5bV+dGHWFzR4sRmzz1jIKHd2/Y91dgN4Ktn2NsrKvqtFrd1spsPbUCeS/9sk2tkN97YLX6njn+2buaXi84w76VX6/futoaWxrtOaBaamsqdzV9VD2uhL9TRishyjn+jZRRymiO9etEhQAAIABJREFUq2+XoudJRm0O+epN0yGT//botq1+NKCj9q6RI/eulZqAPfKxOh5f4lm4rFWt4F3+ZZsansfnDv3HPjtVy6C+1Wr+KBbO4EtEs97s+jnEcpZRSOYPTq2XI/aqkZ6NW4V97cZ2eeadzvt42lqZjfTxlSzsOdl/+yr1tSz0wGKLIvTOYsqA99CrrQ/YrVqtzMY68dUb2mX2oha58ZnwL0MVEzP2jOav1aSM5i9mFVViyihltJwqfJ5ktNghX4hg94YqJYD+4xfnNshx+9Wq7V3837+Oim8xElLpw/RRLCvl75TR/EWaMpq/mFVUiSmjlNFyqvB5klFwNx3y1eJaVdX1G9dYmAQ5wDDsH2c1yZy3u/ZUFooxZTSYzu3PN8kdz3deBFRO90opv4UyWgq9dK6ljKbDnbkaEqCMUkYNq0ouTsubjJoO+Z4wrFbweUAM0d70TJPadF4fulf0reXhn/6kjBZffSmj4cwoo8XXp7SvoIymHQHmX5AAZZQyWk63SN5ktJzYx/0teVvAFPd3ltN1lNH8RZMymr+YVVSJKaOU0XKq8JTR/EWTMpq/mFFG8xczymj+YlZRJaaMUkbLqcJTRvMXTcpo/mJGGc1fzCij+YtZRZWYMkoZLacKTxnNXzQpo/mLGWU0fzGjjOYvZhVVYsooZbScKjxlNH/RpIzmL2aU0fzFjDKav5hVVIkpo5TRcqrwlNH8RZMymr+YUUbzFzPKaP5iVlElpoxSRsupwlNG8xdNymj+YkYZzV/MKKP5i1lFlZgyShktpwpPGc1fNCmj+YsZZTR/MaOM5i9mFVViyihltJwqPGU0f9GkjOYvZpTR/MWMMpq/mFVUiSmjlNFyqvCU0fxFkzKav5hRRvMXM8po/mJWUSWmjFJGy6nCU0bzF03KaP5iRhnNX8woo/mLWUWVmDJKGS2nCk8ZzV80KaP5ixllNH8xo4zmL2YVVWLKKGW0nCo8ZTR/0aSM5i9mlNH8xYwymr+YVVSJKaOU0XKq8JTR/EWTMpq/mFFG8xczymj+YlZRJaaMUkbLqcJTRvMXTcpo/mJGGc1fzCij+YtZRZWYMkoZLacKTxnNXzQpo/mLGWU0fzGjjOYvZhVVYsooZbScKjxlNH/RpIzmL2aU0fzFjDKav5hVVIkpo5TRcqrwlNH8RZMymr+YUUbzFzPKaP5iVlElpoxSRsupwlNG8xdNymj+YkYZzV/MKKP5i1lFlZgyShktpwpPGc1fNCmj+YsZZTR/MaOM5i9mFVViyihltJwqPGU0f9GkjOYvZpTR/MWMMpq/mFVUiSmjlNFyqvCU0fxFkzKav5hRRvMXM8po/mJWUSWmjFJGy6nCU0bzF03KaP5iRhnNX8woo/mLWUWVmDJKGS2nCk8ZzV80KaP5ixllNH8xo4zmL2YVVWLKKGW0nCo8ZTR/0aSM5i9mlNH8xYwymr+YVVSJKaOU0XKq8JTR/EWTMpq/mFFG8xczymj+YlZRJaaMUkbLqcJTRvMXTcpo/mJGGc1fzCij+YtZRZWYMkoZLacKTxnNXzQpo/mLGWU0fzGjjOYvZhVVYsooZbScKjxlNH/RpIzmL2aU0fzFjDKav5hVVIkpo5TRcqrwlNH8RZMymr+YUUbzFzPKaP5iVlElpoxSRsupwlNG8xdNymj+YkYZzV/MKKP5i1lFlZgyShktpwpPGc1fNCmj+YsZZTR/MaOM5i9mFVViyihltJwqPGU0f9GkjOYvZpTR/MWMMpq/mFVUiSmjlNFyqvCU0fxFkzKav5hRRvMXM8po/mJWUSWmjFJGy6nCU0bzF03KaP5iRhnNX8woo/mLWUWVmDJKGS2nCk8ZzV80KaP5ixllNH8xo4zmL2YVVWLKKGW0nCo8ZTR/0aSM5i9mlNH8xYwymr+YVVSJKaOU0XKq8JTR/EWTMpq/mFFG8xczymj+YlZRJaaMUkbLqcJTRvMXTcpo/mJGGc1fzCij+YtZRZWYMkoZLacKTxnNXzQpo/mLGWU0fzGjjKYQs7a2NnnjjTdk9uzZ8tVXX0lVVZX0799fzjjjDNlrr73Uv0cdixYtkmnTpgWe1rt3b5k0aZL06tUrKpnM/50yShnNfCUtooCU0SJgZeRUymhGAlFEMSijRcDKyKmU0RQC8cwzz8isWbOULB5wwAGi5XTz5s1y4YUXyqhRoyJL9eqrr8p9990nQ4cO7SKd3bt3l5NOOkm6desWmU7WT6CMUkazXkeLKR9ltBha2TiXMpqNOBRTCspoMbSycS5lNOE4oCd08uTJ0rNnT5k4caL06NFDlQD//eabbxaI5FVXXRUpkuhVnTdvnkpj0KBBCf+K5LKjjFJGk6tt7nOijLpnbDsHyqhtou7To4y6Z2w7B8qobaIR6b399ttyxx13yMknn6x6L73H/fffLwsXLpQrr7xSdt9994IpzZgxQxYvXizXXnut7Ljjjgn/iuSyo4xSRpOrbe5zooy6Z2w7B8qobaLu06OMumdsOwfKqG2iEemhR/Opp56Syy67TEaMGNHp7Pnz58sjjzwS+Dfvie3t7TJ9+nRZvnx52cwNDcNGGaWMJnyLOs2OMuoUr5PEKaNOsDpNlDLqFK+TxCmjTrCGJ1pIRvWipLPOOkuOPvro0EQwt3Tq1KmyZs0awWKlTz75RFpaWtTc0VNPPVVGjx4t1dXVCf8yN9lRRimjbmpWOqlSRtPhXkqulNFS6KVzLWU0He6l5EoZLYVejGtNZPSUU07pMoTvzWr9+vVq3unKlSuVgA4ePFjWrl2rekpbW1vVFIAxY8YYrcqP8RMSvYQyShlNtMI5zowy6hiwg+Qpow6gOk6SMuoYsIPkKaMOoBZK0oaMYvU9ekMhpfvuu29HL+iKFSvk1ltvlebmZrnmmmtk4MCBRr/uww8/VBKbxePnjw+UrzbWZLFoqZfphgs+Tb0MQQX43XM7yvurGjJZtrQL9etxn0vf7tm71+5Y0EdeWto9bTyZzP9Hx30pe/fbkrmyPfbO9vLoO9tlrlxZKNDlh6yWI3bfmIWidCrDSx93lzte7ZO5cmWhQGcMWyenD1ubhaJ0KsOuu+6qFpbbPKraMdky5cNERqOG6ePKbth1WMmf1WPSnxtk1brofVezWn6X5brnms0uk4+d9r/MrJe3PyuPaSKxIYRceP23t0i/7VJvhrqU7k/P1smz7/GlLyhs//vMJhm2c5vtqlByevf+tVbuXVBbcjrlmMD3jm+W4/fJ3ksf7jHcazy6Ehh/cIuMP6glc2iwRWbFyajpAqZC0dLzTqOG+jMX8ZACcZg+PFJzfrZ1W7CsHT+evlkWLsvegyALnDhMn4UoFFcGDtMXxysLZ3OYPgtRKK4MHKYvjlfJZ+utnTCnE8LoPUy3doK0zpw5Uy6//HIZPnx4pzTmzp0rTzzxROSK/JJ/SEIJUEYpowlVtUSyoYwmgtlqJpRRqzgTSYwymghmq5lQRq3ijE4MK+BvuOEGNc8Tm9vvsMMO6qKwTe8x/xPzORsbGzsS/+yzz+Smm26SIUOGyKWXXio1NVuH1zZs2CBTpkxRi5muvvpqGTBgQHSBMn4GZZQymvEqWlTxKKNF4crEyZTRTIShqEJQRovClYmTKaMphMH7OdCDDz5Ympqa5M0331QLkryfA9XiigVL2Ny+b9++qrSY+jpnzhx5+umnpV+/furzoThnwYIF8s0333A1fQoxTSNLDtOnQb20PCmjpfFL42rKaBrUS8uTMloavzSupoymQB0yiS8tYfN79IhWVVVJ//795YwzzpC99tqrY0umdevWqZ5OiCa+yoQ9RfWhv2ePBVF6ARJkFUP/I0eOLIttnfBb2TPKntEUblFnWVJGnaF1ljBl1BlaZwlTRp2hdZYwZdQZWiZsgwBllDJqox5lJQ3KaFYiYV4Oyqg5q6ycSRnNSiTMy0EZNWfFM1MgQBmljKZQ7ZxlSRl1htZZwpRRZ2idJUwZdYbWWcKUUWdombANApRRyqiNepSVNCijWYmEeTkoo+assnImZTQrkTAvB2XUnBXPTIEAZZQymkK1c5YlZdQZWmcJU0adoXWWMGXUGVpnCVNGnaFlwjYIUEYpozbqUVbSoIxmJRLm5aCMmrPKypmU0axEwrwclFFzVjwzBQKUUcpoCtXOWZaUUWdonSVMGXWG1lnClFFnaJ0lTBl1hpYJ2yBAGaWM2qhHWUmDMpqVSJiXgzJqziorZ1JGsxIJ83JQRs1Z8cwUCFBGKaMpVDtnWVJGnaF1ljBl1BlaZwlTRp2hdZYwZdQZWiZsgwBllDJqox5lJQ3KaFYiYV4Oyqg5q6ycSRnNSiTMy0EZNWfFM1MgQBmljKZQ7ZxlSRl1htZZwpRRZ2idJUwZdYbWWcKUUWdombANApRRyqiNepSVNCijWYmEeTkoo+assnImZTQrkTAvB2XUnBXPTIEAZZQymkK1c5YlZdQZWmcJU0adoXWWMGXUGVpnCVNGnaFlwjYIUEYpozbqUVbSoIxmJRLm5aCMmrPKypmU0axEwrwclFFzVjwzBQKUUcpoCtXOWZaUUWdonSVMGXWG1lnClFFnaJ0lTBl1hpYJ2yBAGaWM2qhHWUmDMpqVSJiXgzJqziorZ1JGsxIJ83JQRs1Z8cwUCFBGKaMpVDtnWVJGnaF1ljBl1BlaZwlTRp2hdZYwZdQZWiZsgwBllDJqox5lJQ3KaFYiYV4Oyqg5q6ycSRnNSiTMy0EZNWfFM1MgQBmljKZQ7ZxlSRl1htZZwpRRZ2idJUwZdYbWWcKUUWdombANApRRyqiNepSVNCijWYmEeTkoo+assnImZTQrkTAvB2XUnBXPTIEAZZQymkK1c5YlZdQZWmcJU0adoXWWMGXUGVpnCVNGnaFlwjYIUEYpozbqUVbSoIxmJRLm5aCMmrPKypmU0axEwrwclFFzVjwzBQKUUcpoCtXOWZaUUWdonSVMGXWG1lnClFFnaJ0lTBl1hpYJ2yBAGaWM2qhHWUmDMpqVSJiXgzJqziorZ1JGsxIJ83JQRs1Z8cwUCFBGKaMpVDtnWVJGnaF1ljBl1BlaZwlTRp2hdZYwZdQZWiZsgwBllDJqox5lJQ3KaFYiYV4Oyqg5q6ycSRnNSiTMy0EZNWfFM1MgQBmljKZQ7ZxlSRl1htZZwpRRZ2idJUwZdYbWWcKUUWdombANApRRyqiNepSVNCijWYmEeTkoo+assnImZTQrkTAvB2XUnBXPTIEAZZQymkK1c5YlZdQZWmcJU0adoXWWMGXUGVpnCVNGnaFlwjYIUEYpozbqUVbSoIxmJRLm5aCMmrPKypmU0axEwrwclFFzVjwzBQKUUcpoCtXOWZaUUWdonSVMGXWG1lnClFFnaJ0lTBl1hpYJ2yBAGaWM2qhHWUmDMpqVSJiXgzJqziorZ1JGsxIJ83JQRs1Z8cwUCFBGKaMpVDtnWVJGnaF1ljBl1BlaZwlTRp2hdZYwZdQZWiZsgwBllDJqox5lJQ3KaFYiYV4Oyqg5q6ycSRnNSiTMy0EZNWfFM1MgQBmljKZQ7ZxlSRl1htZZwpRRZ2idJUwZdYbWWcKUUWdombANApRRyqiNepSVNCijWYmEeTkoo+assnImZTQrkTAvB2XUnBXPTIEAZZQymkK1c5YlZdQZWmcJU0adoXWWMGXUGVpnCVNGnaFlwjYIUEYpozbqUVbSoIxmJRLm5aCMmrPKypmU0axEwrwclFFzVjwzBQKUUcpoCtXOWZaUUWdonSVMGXWG1lnClFFnaJ0lTBl1hpYJ2yBAGaWM2qhHWUmDMpqVSJiXgzJqziorZ1JGsxIJ83JQRs1Z8cwUCFBGKaMpVDtnWVJGnaF1ljBl1BlaZwlTRp2hdZYwZdQZWiZsgwBllDJqox5lJQ3KaFYiYV4Oyqg5q6ycSRnNSiTMy0EZNWfFM1MgQBmljKZQ7ZxlSRl1htZZwpRRZ2idJUwZdYbWWcKUUWdombANApRRyqiNepSVNCijWYmEeTkoo+assnImZTQrkTAvB2XUnBXPTIEAZZQymkK1c5YlZdQZWmcJU0adoXWWMGXUGVpnCVNGnaFlwjYIUEYpozbqUVbSoIxmJRLm5aCMmrPKypmU0axEwrwclFFzVjwzBQKUUcpoCtXOWZaUUWdonSVMGXWG1lnClFFnaJ0lTBl1hpYJ2yBAGaWM2qhHWUmDMpqVSJiXgzJqziorZ1JGsxIJ83JQRs1Z8cwUCFBGKaMpVDtnWVJGnaF1ljBl1BlaZwlTRp2hdZYwZdQZWiZsgwBllDJqox5lJQ3KaFYiYV4Oyqg5q6ycSRnNSiTMy0EZNWfFM1MgQBmljKZQ7ZxlSRl1htZZwpRRZ2idJUwZdYbWWcKUUWdombANApRRyqiNepSVNCijWYmEeTkoo+assnImZTQrkTAvB2XUnBXPTIEAZZQymkK1c5YlZdQZWmcJU0adoXWWMGXUGVpnCVNGnaFlwjYIUEYpozbqUVbSoIxmJRLm5aCMmrPKypmU0axEwrwclFFzVjwzBQKUUcpoCtXOWZaUUWdonSVMGXWG1lnClFFnaJ0lTBl1hpYJ2yBAGaWM2qhHWUmDMpqVSJiXgzJqziorZ1JGsxIJ83JQRs1Z8cwUCFBGKaMpVDtnWVJGnaF1ljBl1BlaZwlTRp2hdZYwZdQZWiZsgwBllDJqox5lJQ3KaFYiYV4Oyqg5q6ycSRnNSiTMy0EZNWfFM1MgQBmljKZQ7ZxlSRl1htZZwpRRZ2idJUwZdYbWWcKUUWdombANApRRyqiNepSVNCijWYmEeTkoo+assnImZTQrkTAvB2XUnBXPTIEAZZQymkK1c5YlZdQZWmcJU0adoXWWMGXUGVpnCVNGLaFdvXq1zJo1SxYtWiTNzc3SrVs3GTlypIwbN04aGxsjc2lra5M33nhDZs+eLV999ZU6v3fv3nLUUUep/9XU1HRKA/lMmzYtMF1cN2nSJOnVq1dkvlk/gTJKGc16HS2mfJTRYmhl41zKaDbiUEwpKKPF0MrGuZRRC3FYs2aN3HzzzUoi9957bxk8eLC8//77snTpUvXPEyZMUHIadrS2tsqDDz4or776qvTp00f2339/deqbb74pSPuggw6SCy64oJOQ4tz77rtPhg4d2kU6u3fvLieddFLBPC387ESSoIxSRhOpaAllQhlNCLTFbCijFmEmlBRlNCHQFrOhjFqA+fjjj8tzzz0n559/vhx66KEqxfb2dtXLif9deOGFSijDjiVLlsgtt9wiu+++u1x22WUdPakbNmyQKVOmKMmdOHGiDBo0qCMJpDtv3rwu/93Cz8lUEpRRymimKmSJhaGMlggwhcspoylALzFLymiJAFO4nDJaIvSmpiaZOnWqYJj+uuuuU0Pr+vj888/lxhtvlD322EMuvfRSqaqqCswNYvn000+rc0aMGNHpnKeeekoJLSTV+7cZM2bI4sWL5dprr5Udd9yxxF+R3cspo5TR7NbO4ktGGS2eWdpXUEbTjkDx+VNGi2eW9hWU0RIj8M0338j111+vJPSKK67oND90/fr1MnnyZMGwuf9v3mwxnL927VrZc8891bneAzKKXldcjyF5HOh1nT59uixfvrxs5oaGhYEyShkt8RbN1OWU0UyFw6gwlFEjTJk6iTKaqXAYFYYyaoQp/KRCMrp582bVa7px40bVg9mzZ8+ictPD9OhRveqqqzrmgOp0MZ8UEvzJJ59IS0uLmjt66qmnyujRo6W6urqovLJ6MmWUMprVuhmnXJTRONTSvYYymi7/OLlTRuNQS/caymiJ/E1kFNJY7Op2LGrCAqWFCxfKxRdf3GmIXve4rly5UgkoFkmhZxU9pbju5JNPljFjxoROCyjxJyd6OWWUMppohXOcGWXUMWAHyVNGHUB1nCRl1DFgB8lTRkuE6kJGMQw/Z84cNVf02GOPldNOO62TWGIbKPSGQkr33Xffjl7QFStWyK233qq2lrrmmmtk4MCBRr/us88+MzovjZN+dN928uX68ujltc1v2ne+sZ2klfT+9cke8u7ntVbSKrdEfnfBOtmxZ1vmftZN87vJ84vrM1euLBToZ2M3yH4DW7JQlE5leOCNRnnwjYbMlSsLBbr66E1yzJ5NWShKpzLgHsO9xqMrgXNHbZHzRm3OHBqMPvunT5ZayKp2WJ7lw0RGixmmRxFffvlleeSRR9Q+pf4tnaKKD4HFPFP/gqdC12HOalaPnz68g3y5ofMeq1kta9LluuXbq5LO0ii/f5vdW95bWWd0bqWd9Nuzv5Yde7Rm7mdP/ct28sJH0fshZ67gCRTof45ZI/sMaE4gp+KyeHhRd3lkUY/iLqqQs684fJ0ctUf2xAb3GO41Hl0JnDVig5w9YmPm0PTv3z//Mmq6gMlLHxvf33PPPTJs2DAZP368NDQU9+arN8M/5ZRT1F6jeT84TB8ewTk/y+aD6MfTN8vCZdkTrizcCxymz0IUiisDh+mL45WFszlMn4UoFFcGDtMXx6vL2XprJ+wFinmhcbZ20om+9dZbSkR33XVX1bMZtlH+/PnzZebMmXL55ZfL8OHDO5Vp7ty58sQTTxTVM1oiAqeXU0Ypo04rWMKJU0YTBm4hO8qoBYgJJ0EZTRi4hewooxYg6n1CvQuHCm16j9Xw+LxnXd22ocyPP/5YzffEPM+oLzZhjudNN90kQ4YMUXuT6k+F6tX3WMx09dVXy4ABAyz8unSToIxSRtOtgXZzp4za5ZlEapTRJCjbzYMyapdnEqlRRi1Q9n4OFAuKsMk9NqTHJ0H9nwNdtmyZ+qoSNqrX2zVhFTy+wASpPOGEE6RHj67Dr/X19epToxBYvcAJG+X369dPRo0aJVjUtGDBAsEcVq6mtxDUHCTBYfocBMlXRMpo/mJGGc1fzCij+YsZZdRSzNAbic+CYs4mVrNjiB0LkMaNG9dpI3x8lQkyil5L/elPPc+zUFEw/O/dHgryifml6JXFFAEcffv2FcwVRb5hX3uy9HMTS4Y9o+wZTayyJZARZTQByJazoIxaBppAcpTRBCBbzoIyahkok7NLgDJKGbVbo9JNjTKaLv84uVNG41BL9xrKaLr84+ROGY1DjdckRoAyShlNrLIlkBFlNAHIlrOgjFoGmkBylNEEIFvOgjJqGSiTs0uAMkoZtVuj0k2NMpou/zi5U0bjUEv3Gspouvzj5E4ZjUON1yRGgDJKGU2ssiWQEWU0AciWs6CMWgaaQHKU0QQgW86CMmoZKJOzS4AyShm1W6PSTY0ymi7/OLlTRuNQS/caymi6/OPkThmNQ43XJEaAMkoZTayyJZARZTQByJazoIxaBppAcpTRBCBbzoIyahkok7NLgDJKGbVbo9JNjTKaLv84uVNG41BL9xrKaLr84+ROGY1DjdckRoAyShlNrLIlkBFlNAHIlrOgjFoGmkBylNEEIFvOgjJqGSiTs0uAMkoZtVuj0k2NMpou/zi5U0bjUEv3Gspouvzj5E4ZjUON1yRGgDJKGU2ssiWQEWU0AciWs6CMWgaaQHKU0QQgW86CMmoZKJOzS4AyShm1W6PSTY0ymi7/OLlTRuNQS/caymi6/OPkThmNQ43XJEaAMkoZTayyJZARZTQByJazoIxaBppAcpTRBCBbzoIyahkok7NLgDJKGbVbo9JNjTKaLv84uVNG41BL9xrKaLr84+ROGY1DjdckRoAyShlNrLIlkBFlNAHIlrOgjFoGmkBylNEEIFvOgjJqGSiTs0uAMkoZtVuj0k2NMpou/zi5U0bjUEv3Gspouvzj5E4ZjUON1yRGgDJKGU2ssiWQEWU0AciWs6CMWgaaQHKU0QQgW86CMmoZKJOzS4AyShm1W6PSTY0ymi7/OLlTRuNQS/caymi6/OPkThmNQ43XJEaAMkoZTayyJZARZTQByJazoIxaBppAcpTRBCBbzoIyahkok7NLgDJKGbVbo9JNjTKaLv84uVNG41BL9xrKaLr84+ROGY1DjdckRoAyShlNrLIlkBFlNAHIlrOgjFoGmkBylNEEIFvOgjJqGSiTs0uAMkoZtVuj0k2NMpou/zi5U0bjUEv3Gspouvzj5E4ZjUON1yRGgDJKGU2ssiWQEWU0AciWs6CMWgaaQHKU0QQgW86CMmoZKJOzS4AyShm1W6PSTY0ymi7/OLlTRuNQS/caymi6/OPkThmNQ43XJEaAMkoZTayyJZARZTQByJazoIxaBppAcpTRBCBbzoIyahkok7NLgDJKGbVbo9JNjTKaLv84uVNG41BL9xrKaLr84+ROGY1DjdckRoAyShlNrLIlkBFlNAHIlrOgjFoGmkBylNEEIFvOgjJqGSiTs0uAMkoZtVuj0k2NMpou/zi5U0bjUEv3Gspouvzj5E4ZjUON1yRGgDJKGU2ssiWQEWU0AciWs6CMWgaaQHKU0QQgW86CMmoZKJOzS4AyShm1W6PSTY0ymi7/OLlTRuNQS/caymi6/OPkThmNQ43XJEaAMkoZTayyJZARZTQByJazoIxaBppAcpTRBCBbzoIyahkok7NLgDJKGbVbo9JNjTKaLv84uVNG41BL9xrKaLr84+ROGY1DjdckRoAyShlNrLIlkBFlNAHIlrOgjFoGmkBylNEEIFvOgjJqGSiTs0uAMkoZtVuj0k2NMpou/zi5U0bjUEv3Gspouvzj5E4ZjUON1yRGgDJKGU2ssiWQEWU0AciWs6CMWgaaQHKU0QQgW86CMmoZKJOzS4AyShm1W6PSTY0ymi7/OLlTRuNQS/caymi6/OPkThmNQ43XJEaAMkoZTayyJZARZTQByJazoIxaBppAcpTRBCBbzoIyahkok7NLgDJKGbVbo9JNjTKaLv84uVNG41BL9xrKaLr84+ROGY1DjdckRoAyShlNrLIlkBFlNAHIlrOgjFoGmkBylNEEIFvOgjJqGSiTs0uAMkoZtVuj0k2NMpou/ziilSWtAAAY70lEQVS5U0bjUEv3Gspouvzj5E4ZjUON1yRGgDJKGU2ssiWQEWU0AciWs6CMWgaaQHKU0QQgW86CMmoZKJOzS4AyShm1W6PSTY0ymi7/OLlTRuNQS/caymi6/OPkThmNQ43XJEaAMkoZTayyJZARZTQByJazoIxaBppAcpTRBCBbzoIyahkok7NLgDJKGbVbo9JNjTKaLv84uVNG41BL9xrKaLr84+ROGY1DjdckRoAyShlNrLIlkBFlNAHIlrOgjFoGmkBylNEEIFvOgjJqGSiTs0uAMkoZtVuj0k2NMpou/zi5U0bjUEv3Gspouvzj5E4ZjUON1yRGgDJKGU2ssiWQEWU0AciWs6CMWgaaQHKU0QQgW86CMmoZKJOzS4AyShm1W6PSTY0ymi7/OLlTRuNQS/caymi6/OPkThmNQ43XJEaAMkoZTayyJZARZTQByJazoIxaBppAcpTRBCBbzoIyahkok7NLgDJKGbVbo9JNjTKaLv84uVNG41BL9xrKaLr84+ROGY1DjdckRoAyShlNrLIlkBFlNAHIlrOgjFoGmkBylNEEIFvOgjJqGSiTs0uAMkoZtVuj0k2NMpou/zi5U0bjUEv3Gspouvzj5E4ZjUON1yRGgDJKGU2ssiWQEWU0AciWs6CMWgaaQHKU0QQgW86CMmoZKJOzS4AyShm1W6PSTY0ymi7/OLlTRuNQS/caymi6/OPkThmNQ43XJEaAMkoZTayyJZARZTQByJazoIxaBppAcpTRBCBbzoIyahkok7NLgDJKGbVbo9JNjTKaLv84uVNG41BL9xrKaLr84+ROGY1DjdckRoAyShlNrLIlkBFlNAHIlrOgjFoGmkBylNEEIFvOgjJqGSiTs0uAMkoZtVuj0k2NMpou/zi5U0bjUEv3Gspouvzj5E4ZjUON1yRGgDJKGU2ssiWQEWU0AciWs6CMWgaaQHKU0QQgW86CMmoZKJOzS4AyShm1W6PSTY0ymi7/OLlTRuNQS/caymi6/OPkThmNQy0D12zevFmeeuopee2112Tjxo1SV1cn++yzj5x55pnSp0+fDJTQThEoo5RROzUpG6lQRrMRh2JKQRkthlY2zqWMZiMOxZSCMloMrYycCxG9/fbb5aOPPpLddttNhg8fLsuWLZP33ntPevXqJVdddZXssMMOGSltacWgjFJGS6tB2bqaMpqteJiUhjJqQilb51BGsxUPk9JQRk0oZeycv/71r3LPPffIscceK+PGjZOqqipVQvSS3nvvvXLMMceo/14OB2WUMloO9Vj/Bspo/qJJGc1fzCij+YsZZTR/MZMZM2bIO++8IxMnTpRBgwZ1/IL169fL5MmTpbGxUf0N/5/3gzJKGc17HfaWnzKav2hSRvMXM8po/mJGGc1ZzDBEP3XqVFmzZo1MmjRJDcvro7m5WW677TZZtWpVl7/l7Gd2FJcyShnNa90NKjdlNH/RpIzmL2aU0fzFjDKas5gVklH8lDvvvFMWL14s11xzjQwcODBnv65rcSmjlNHcV2LPD6CM5i+alNH8xYwymr+YUUZzFjMTGcVCJv8Qfs5+Zkdxx/zrhrwW3Xm55/ysh/M84mTw4+mbZeGy1jiXlv01lNH8hZgymr+YUUbzFzPKaM5i5kJGH3300cxSmLV8v8yWLe2Cnbrbu2kXITB/xiw8LEcMWCLb12/OXNwYs/CQDO+zQnbtuSZzMXvpi8Gytqlb5sqVhQLt1nO1DOvzeRaK0qkM76weKMvXl8/WizYBb1+/SY4YsNRmklbS2nvvvQX/s3lUtbe3t9tMMI20TGS02GH6n/zkJ7Ju3bo0fg7zJAESIAESIAESIIFMEvj7v/97ymhQZCptAVMmaycLRQIkQAIkQAIkQAIxCJRFzyh+t97a6corr5Tdd9+9A0U5bu0UI868hARIgARIgARIgAQySaBsZHTRokUyffp0GT16tFxwwQVSU1OjgJfjpveZrEksFAmQAAmQAAmQAAnEIFA2Mur9HCh6Rvfff39Zvny52gh/++23L6vPgcaIMy8hARIgARIgARIggUwSKBsZBd0tW7bIU089Jfg06MaNG6Wurk722WcfOfPMM6VPH67Wy2QNZKFIgARIgARIgAQqmkBZyWhFR5I/ngRIgARIgARIgARySIAymsOgscgkQAIkQAIkQAIkUC4EKKPlEkn+DhIgARIgARIgARLIIQHKaA6DxiKTAAmQAAmQAAmQQLkQoIyWSyT5O0iABEiABEiABEgghwQoozkMWtJFbm5ultmzZ8vLL7+sdinYc8895Tvf+Y7U19cbFQVbbN1yyy0yaNAgueyyy9QuBzyyQ4DxyU4sWBISIAESqEQClNEcRh1iiC2sIHYjRoxw/gsef/xxefbZZ6V3794yZMgQGTx4sBxxxBHG+X7++ecyZcoU9S3b888/v+ODBP4EPv74Y7n11lulW7ducvXVV3fZjgtSfPvtt8sHH3yg0jn00EONy1BpJ37zzTdy/fXXq5hdccUV0tjYGIrAND6VxlD/Xs1yzZo1qs6h7lVVVYXimDdvnjz66KOK+cSJE9VLGI90COi20p872pihQ4fKySefLDvttJPTwun6g72wcS+i/fQfxdyvYYVN+rngFJph4kuWLFEdHTvvvHPBdu7VV1+Ve++9t8v9iy80ghs+mrNu3Tp1X6PNPPLII9X/wjpOVq1aJU8//bS89957smnTJqmurpYdd9xRTjzxRBk1apT6dx7FEaCMFscrE2cn2eigAZ06daqsXr1arr32Wunbt68zBu3t7aphwE1++OGHy7nnntvpof/KK6/I/fffL3vttZdMmDCBPawFImHj4eYs0DlL2CujvXr1Kngf4MF08803yyeffEIZzUCcdVsJ8YRk6OOrr76SZcuWqRfjiy66yOlLvbf+4IMsEFLIsPewcb8m+VzIQGhVEdBBgQ4MxBKfAkdnif/AObfddpt89NFH6rmx7777qlNwDf77hg0bZMCAAbLLLrtIW1uboFPk66+/lj322EOd74/VG2+8ocS2tbVVvWjimdjS0iIffvihQG4POuigTl+BzAqrrJeDMpr1CAWUL8lGx0YjWQxiPMwhvytWrFBTATAlAAd6pfCQx9+vuuoq570ZxZQ5i+cmHbcsMrBVJs1y7dq1ghem008/XY499tjA5PHFt2nTpqm/oVeFPaO2ohAvnUJtJaTinnvukYEDB6o2xS8d8XLsepVXRvFX9MaedNJJnV60bdyvST4XbLGxkc78+fPlkUcekeOPP17GjRvXJUmM/Nx4441qpE3HGQKK0bovvvhCieOBBx7YEQ9I5pNPPinPPfecHHfccSpNPRKCHlGkBfm8/PLLlbDqAx/dufvuu+Xtt9/myF2MwFJGY0BL+5KgRufOO+9UQwb+hx/e/nDT4UtUl1xySUfRccO98MIL8vzzzwsaQjw4MeSPGw+fT8URNMTlH3rEzYyGAMMlSBNviaeccoqMHDmy4wYOK0MYx8WLF6s3Vj300tDQIA8++KCas3rqqaeqoRB9YHgFD3/kiQZeH7pHFxI7adIkQY9WJR3FPNyKjU8lccRv1SzxMEPPR48ePQKHBFH/cR+iBwb3AR5c/vtRD+/hgYUeGwgQ7hXcd96pFPp+xujAiy++qHpxxo4dKyeccILCDzHG9BnUf6TTvXt31SOD+wD3iz4gz+ixeeKJJ+TTTz9VMh10j+J8/A1TYDDFYOXKlQXPzUsdKCRouo1AGwZJ2XXXXTt+FpiBL5jhQK8ZYoQeVi9bE166/mDoFnUE0uIfri90v/q/LOiPtW4D/TFJahpX2nUBvdyTJ0+W7bbbLvClQk+b8T4j8JVGvIgccsghgdNucH9BOiGhGBHs2bOn+pl6ytoZZ5wR+EL62WefyU033aTqCzpTuD7CvHZQRs1ZZebMUmUUDeJ9990nr7/+uprHiTlMS5culffff189qNAwY0gLb5R4sGJ+KhpAvHnigYneSvy7nuOJhUwHHHCA4vPmm2+qh7dXGouVHTwUcdOjEcGnXPGQQG8pbnAMm3gf2pTR4GpJGbV3u2qWGGKFkEIOg4YE9YNI95bgpcoro/p+QclGjx6tevchpX/729/U8KK3bkNG33rrrY65ZxBg9MYeffTRaggRowSYOqPvX6SB9HU6upcPL5sQUdwzei6bvkfRQzdmzJiOl0bdU4gHb6H72R5Z9ykVklG0M9OnT1cC7o2T5rDDDjsoDngBAbOmpia5+OKLO4b0TXl578WDDz5YHnroITW86x0CDrtfMRKEefJYZDhs2DD1go46g3/Xw8iQanQGoL6gPUQd2W233VRd8E5NcE87nRz0SyA6YyD53hcGPYyPexPrEMAPx4wZM2ThwoWdhu29pUfdAFPEXj/vEH88h/Dycs0116gedf+BsuC+R88p7k3KqHmdoIyas8rMmaXKKOZeokE877zzVG+KHoJ47bXX1FyYY445pmO4I6yR1MMcmHOFBgByikMPs6NHUs8xLVZGkQ4mk+PNFI0BHqxI97vf/a5ACLwHZZQy6vrG9N4D6J284447ZP/99+/So4IXKMgfeqTwoucfqcAIAqQRw4JaWPHQmzlzprz00kudHoyQUTwsIa1YMKUfanjY4R6FHF144YVKMHHo+dZoG/DfcV9jqgukFXKJe1SLiRYczGvVUq0ftOgRxX3bv39/lS56nZBGbW1tpx4i18xtpV9IRnXvF8ThuuuuU3z0MCziM378+A7umgPaObyso92DmJjw8tYf9Jah5xk9c96XgaB2Vr+UY0QI4qolKyjW4FWpw/T47Xp6DGQf94s+9LMH8cR9ibjpug5BLWYaDerLn/70JzWvtBJH22zdk2HpUEZdE3aQfikyqidzY4smNKpaIlFM3SD269evY4ghTEbxUMUbO4QWQx3eA+WbM2dOx8M1jowiPeSBBz8eFkHzrHAOZZQy6uAW65Sk9x7AA+2uu+5S0uJd0KfFBkPkuK8eeOCBwGkzQWXVddg7rKqH6SGL3hcwvOTdcMMNagQDL2fenhf02Pz5z39W0nLWWWd1LAbUcurN2//w1kPW+K1azLTkoq3AAxi9s3lbJRzUVkLmvvzySzW9CC8M3rYF8w/Rk+zvYQMLxAS9XugVg7hCRk14+dtQsIbg44Vev2AHtbN4EcfwM1Zpa5HySxameGj5qmQZ1azAxz+sjrmf3nvAuygXUqlf0vxze5GWd1qa/jumsUFi9Qidfr4hXX0gTQprcS0zZbQ4Xpk4uxQZDbrh/D8Kw/Z6O6AwGQ3bMsWbln64+mU0aI6Tf84n0tE9tegNClpdTxkNr44cprd3q/pZYpgU8828C5n0HDT938LmcEMY8aKmt4QJul+0+BSaA+6VkLBfijJg6o1/PqT3xRND0bjXMdXmmWeekVmzZinpPOyww9QQNXpI0ZuU16NQOwWxxvY9iJn+jbpHOuz3euXElFfQvYg2EC81ergevXX+rdiCJMdfLtQDvRagkmUUXLwjE5jSoHe2gPR7X7DCZBTngyFevnBgihr+m+49DZNR9JpDeNHRo4fpMZJAGS2u1aCMFscrE2fbkFFM9sbcoqADw3oY1kADXUhG0RhjHil6UoMOPWfJL6Po3cF8HO+B+XPeOTh6WAznYJgeD3GsXtTbcuhr2TMaXCUpo/ZuVT9LiAOmkOheUDx4sL2Mt7c0SEa9c6yPOuooNVcbPSgYAcCWZUE9o2ELEjF/1Ltgz/9roxbwhQ0LY+HOY489JhjCRA8i5AsjH/6FUfbouk0paGsnyAnmiULkMBTvlW3EDX8DW0i5/8C5eg6hXhwWxSuINaQFMdfD9RhexhCwd19g3W6ip1vP4fWXB3OY9b6llS6jes9RTF1BbzHWQWAPUv3vejqaHh3EvNtCw/T+e1j3vuL+DxPNqPvObW3Pd+qU0YzGD29kuGnQIPp7JmzIqMlm6N4eFP/5xTR8xQ7T6wVW6BlFo4LJ+BjWwop4NB7ehwRllDLq+hYOkglvLwzuDayg9c4j9T/I9ANQL37wvsAVGqYPk9FSe0bxQoieOMhM0EcRUF48rOfOnat6V/O6t29QO6U/noGeL/8LbliPdlQdK8Qr7MVQb1cHOcauCZDaIBn174QSVpZi2uSo35PHv+vFSujIQE8oplxgLnbQlAu8CGDtxKWXXhq6x2zYPVxIYimj8WsOZTQ+O6dXFlrth79hgQQa0uHDh6tymG7thCEIvRLXu7ow7MeENaRhX7QISqdYGdVDWHq1KHqe9Gb4/n3fKKOUUac3omcutVcUvCvnMdT9l7/8pdMKe//9qBc/YL6ZX/70vWTSM1pozijuVcgjNvDGF9L0PWMyZxTlg5xBkrFrhT7wYoi54ejVDRrud82+1PTDBA29ZpjzidEYbzywuAi7eIRt3aPLUwyvQqMUuq1DvUDb7C0P5rVizih64DFPVW+5RxkNrxUQUCwIPPvss9WuF5h+ErSHrJ4zjZE2CGnQVJSgZ6reJsr/HNIloozGv2Mpo/HZOb1Sz0FDD8i3vvWtjptFf7pR73+mv4iEhxAm3nsbUQwjYX4avmiEYR7/3CIMX3hXjOLNEm/nmG+DbSkK9YxiWxn0BuGt3rvSE9fgoYZtTzAXCw1pMTLq7S3A4g30iuLQq/cxFOrdDB8rgiHXeIB6F3R4h0Qrce4Oh+nt3Z5hw6x4WL377rtqUQ8WGXnrn/9Bph9SWH2N3k69pyXqM6QIvTkmMlpoNT3udcgX7mnvanqMKOBe0nslBq2m1xuDY7GM9wtBurcJK/PDtrOxR9p+SmEyirZR713s/bSwbquwsBMc9K4COB8dAIgT9jnWq+5NeBW6F/Vw/YIFC9SP987X17HGCBG24MJCK72ADOKqN3rX05v0b/32t7/dscuCfaLZTlHvOYqhdPwP3IKms3g/LY2/4zzv4jw8h/QCNe9LmN7lBdur+TfLBxn0muLlDR0o3/ve9yJfILJNM9nSUUaT5W2cm35gQOzQIELK8EDDnC5sguzfI1Bv44K/YUgN8yyxYTOGBdGQeie6I21sFI+VoUgbUoq0sV0M5sV4b7JCDan+LBp+FAQWZUSaGNbDwxmSikbdVEa9DXPQ6nndiwDx1A9Mb6OC/NGzg98ATliFX6mrGnXcwABz3ILe/LF4Aj1opvExrrxldmLYPaB7V7DS3N/7GNSrontt8IKGeYD6E4J4sUQ99i7iKzRcrPcZRbkwhIu52SgLevv0Fjb+fUb13qHoKYL44FpvG+J9cYW8Yg4j0sC2QhBovWVO3hYzFRq61kKJHQkwSoQpC+CAF3vsrYz5sniJxws/2h6IBr7UA3mFbOgX/SheUS+G+gUc5fHKKG4jxBpShL+hfcOHSSBcaKtxeL8CpHc4wXoA1Als0efdyL/MbsvAn6P3HMWeq3j2FBr9A3eII56TGN3AMwtCqp8fuK9xT+JDE3q+KTJFBwh2eUFc9WdE8d+9n5jFC6Hedq0SuNv4jZRRGxQdpQFBRKOI/QbxRoYbBSJ22mmnqYeZ9wZBETDx/uGHH1YNFx4aaJCwwAj7EuJG836BCQ8/DGPgAYmbCo0r0sZWTVhMpI+ohhQSjKEtTB7HwxUNIVaoYoGF3nbGVHbwQMUm1GgY0AuDtLwHGhp8bg0S7JVVDJmhlwOrj71fgcKqZ/SQVnLPKBrcsEO/oJjGx1E1z3yyYfeAXq2LF0D/MGqQTOreNYxg/P/t3cFq60AQRNH//+twFwIjAn4FvXnkGLJKp2OOJU1JHo3q2WDZXeuFjOoLGi2q3n79be7i+wlMBaJuSGzf+1zu6bcnMHXC1nqpTfH5PIY0+LZvdWNiXxH3t53MdbNVP/9bEG3D+jaP8vn959euv5nl0DGndV+fK2j/6vXtGNr7fE60C4/vaRzPONAV0q6I9vl2EtIDQQrQz6tjX3OZmyfZeyuodpHgr72ek8SM3ktivS0aB3NtfeC2+dw6CWt8bQxr3HyPs/XoM2nsbIpNx9i2mcar/mfbUiHVaxMQRjcv1QQIECBAgAABAocCwughplYECBAgQIAAAQKbgDC6eakmQIAAAQIECBA4FBBGDzG1IkCAAAECBAgQ2ASE0c1LNQECBAgQIECAwKGAMHqIqRUBAgQIECBAgMAmIIxuXqoJECBAgAABAgQOBYTRQ0ytCBAgQIAAAQIENgFhdPNSTYAAAQIECBAgcCggjB5iakWAAAECBAgQILAJCKObl2oCBAgQIECAAIFDAWH0EFMrAgQIECBAgACBTUAY3bxUEyBAgAABAgQIHAoIo4eYWhEgQIAAAQIECGwCwujmpZoAAQIECBAgQOBQQBg9xNSKAAECBAgQIEBgExBGNy/VBAgQIECAAAEChwLC6CGmVgQIECBAgAABApuAMLp5qSZAgAABAgQIEDgUEEYPMbUiQIAAAQIECBDYBITRzUs1AQIECBAgQIDAoYAweoipFQECBAgQIECAwCYgjG5eqgkQIECAAAECBA4FhNFDTK0IECBAgAABAgQ2AWF081JNgAABAgQIECBwKPADT0Qa+lQrJ78AAAAASUVORK5CYII="/>
+          <p:cNvSpPr>
+            <a:spLocks noChangeAspect="1" noChangeArrowheads="1"/>
+          </p:cNvSpPr>
+          <p:nvPr/>
+        </p:nvSpPr>
+        <p:spPr bwMode="auto">
+          <a:xfrm>
+            <a:off x="1679575" y="1379537"/>
+            <a:ext cx="304800" cy="304801"/>
+          </a:xfrm>
+          <a:prstGeom prst="rect">
+            <a:avLst/>
+          </a:prstGeom>
+          <a:noFill/>
+          <a:extLst>
+            <a:ext uri="{909E8E84-426E-40DD-AFC4-6F175D3DCCD1}">
+              <a14:hiddenFill xmlns:a14="http://schemas.microsoft.com/office/drawing/2010/main">
+                <a:solidFill>
+                  <a:srgbClr val="FFFFFF"/>
+                </a:solidFill>
+              </a14:hiddenFill>
+            </a:ext>
+          </a:extLst>
+        </p:spPr>
+        <p:txBody>
+          <a:bodyPr vert="horz" wrap="square" lIns="91440" tIns="45720" rIns="91440" bIns="45720" numCol="1" anchor="t" anchorCtr="0" compatLnSpc="1">
+            <a:prstTxWarp prst="textNoShape">
+              <a:avLst/>
+            </a:prstTxWarp>
+          </a:bodyPr>
+          <a:lstStyle/>
+          <a:p>
+            <a:endParaRPr lang="en-GB"/>
+          </a:p>
+        </p:txBody>
+      </p:sp>
+      <p:sp>
+        <p:nvSpPr>
+          <p:cNvPr id="18" name="AutoShape 16" descr="data:image/png;base64,iVBORw0KGgoAAAANSUhEUgAAAqMAAAGhCAYAAABVv73+AAAgAElEQVR4Xuy9CbgV1Znv/Z75MCggMjghiCOIIM7zgAPiPGA0DiSKU0hyO+l8N33TSfftDP3d9NfdSSfXiIo4gBHnAScURBE1KlERh6goCCoKKsjMGb/nv+h1qFOnatfatdeqYe9/PU+eqKdqrbV/76pVv1pTVbW3t7cLDxIgARIgARIgARIgARJIgUAVZTQF6sySBEiABEiABEiABEhAEaCMsiKQAAmQAAmQAAmQAAmkRoAymhp6ZkwCJEACJEACJEACJEAZZR0gARIgARIgARIgARJIjQBlNDX0zJgESIAESIAESIAESIAyyjpAAiRAAiRAAiRAAiSQGgHKaGromTEJkAAJkAAJkAAJkABllHWABEiABEiABEiABEggNQKU0dTQM2MSIAESIAESIAESIAHKKOsACZAACZAACZAACZBAagQoo6mhZ8YkQAIkQAIkQAIkQAKUUdYBEiABEiABEiABEiCB1AhQRlNDz4xJgARIgARIgARIgAQoo6wDJEACJEACJEACJEACqRGgjKaGnhmTAAmQAAmQAAmQAAlQRlkHSIAESIAESIAESIAEUiNAGU0NPTMmARIgARIgARIgARKgjLIOkAAJkAAJkAAJkAAJpEaAMpoaemZMAiRAAiRAAiRAAiRAGWUdIAESIAESIAESkC1btsjMmTPl4IMPlsGDB5OIYwLLly+XF154Qc466yzp3r2749yynTxlNKPxaW1tlb/+9a/y7LPPyldffaVKecghh8gFF1yQ0RKzWHEItLe3y7vvvitz5syRTz/9VNra2mSfffaRyy67TOrr6+MkyWscETCN1fr162X27NnyxhtvyMaNG6W2tlbFc7/99nNUMiZbLgRQb5566inp3bu3TJo0SXr16pXYT9u0aZPcfvvtsmTJEjnjjDPkmGOOSSzvSs3olVdekQceeEB222031UZsv/32lYpCKKMZDD1E9L777lMy6j1Gjhwpl1xySQZLzCLFIQC5gYQ+/fTTgn/WB3okrrjiCmlsbIyTbGLXLFu2TKZMmSKbN29WDemIESMSyztuRosWLZJp06YpthMnTpRBgwappHDPPfHEE/LOO+/I6aefLsOHD++UhWmsvv76a7n55ps7XiB1InnhE5drJV7nov6nJaP6mfPaa6/JEUccIWeeeabU1NRUYlgT/c3edmXIkCEyYcIE6datW6JlyEpmFSWj33zzjVx//fWyZs2aUP51dXWy0047yfHHHy/Dhg2T6urqxGP1wQcfyK233iotLS3qoYi3VLwhNzc3V2xFTTwICWT4xRdfyE033STr1q1Tb8bnnXeeDBw4UA2VoUGqqqpKoBTxs3DxMI5fGrMrw2T0k08+URKJ3qF9991XLr/8ctWjqQ/TWD300EPy4osvqmtPPfVUOfTQQ1Uc8WBH28KjfAi4qP9pyegzzzwjs2bNkj322EMJkX4RNnlmeiOaRo9u3msUXgSmT5+uXoRPPvlkGTNmTObbfhfMKaMFqOLG/Pa3v5141zmGadAo9enTR6677jo1ZMOj/AhgGPfPf/5zl166rPzSMHHT5XPxMHb928N+E3p30WP64YcfytixY9XLqPcwiRXSQE8xuIwaNUouvvjisn+o4DdPnTpVli5dKpU2cuOi/qcho6tWrZIbb7xRmpqaOo0WoP5TRl23SFvT13UJL7FXXXWV6hCrtKNiZTSo4UTPI27MefPmqflemL+n3xST7Dq/8847ZeHChWoCeR6GayvtprH1e9N48BRT9kqS0SguJrHyPrhPOeUUOemkk6KSzf3fKaN2p6mY1DOblQbDxA8++KD85S9/kdGjR8v48eM7Dc9763SlvWzY5ByVFuJw//33C+aQYjTl/PPPL/sXWT8TymhALfHO48CfL7zwQjnooIOi6pO1v1NGraHMdEJJP3iKhUEZ3UbMJFaU0cqa014OPaNYHDt58mTBojsMz2OKivegjBbbasY/H6MyGGXAdJ6rr75adt555/iJ5fBKymhI0LAKFnPIsMIZc0exAME7oRu9qJjs/dxzz3UsVsBwOla8H3300V0Wn+iGC9lh4QQWOjz55JPq//FGes4553QMdwUVKaiXVJfh+eefly+//FL15KIHF6t2MV8Nw/z+I6ocF110kVqQoofe0MOD34OpA+itxfxGzKPdZZddZNy4cTJ06FCVxYoVK+TRRx9VKzEx1xU3FBa0hJUD14SVH6vJMW9mwIABXcqvRR1v6RgGRQ82REHvONC3b1/VI4Vh0rD5vvh98+fPl1dffVXNH8bLB+bkHnjggXLiiSeGLhwqNuZh7YH+DUF/D5tzhTmLWOz03nvvqXmN+G077rijKm/Qb/XHELF4+OGH5aOPPlLTPr73ve8FTj/xXhdVD/0P41133VXNO4PEgpVJHQD7jz/+WC3i0nUHdbhQHYhqZ5E35m0ixniYYugLDTuG38EuaAFTmEiaxArX6oVcQWUL6iXV8Xz77bc7WGEBA+ru7rvv3qlXpNhY6vr98ssvq9+v6wpWR6Ot8c9djXNP6ReVsFiYLNjyt0Uo12OPPabqgbf+oJ3BKmO0b977Xd+3aJ+OPPLI0Dm5cdpJ/bv8eWL+r77v0NbccsstBRfwFRuLqJcepIf5nWiLddu13Xbbqbb2hBNOKHr1PdrAe++9V7XnGB72by/kWkbB980331SjkZ9//nnHsyPsXvCL8ty5c1V7g+cSYoOYYAHW4YcfHlofgtp/MMQzBfdq0MJRXd/Rdl577bXy1ltvqZ1uIPGnnXaaYq+PuM8Jr3Ngncixxx4b1dSV1d8powXCGdZDuXbtWjXXDw/2oKN///5qeH2HHXbo+LNueFFRIbd4COFGxIGbAMMjM2bMECyk2LBhg2qM8RDt0aOHusnwoIco6u1+0BBhGw7IctCBhh3bQEFUvAthosqB1frehx/EFqIZtOgL5UO50RBArCGh/gON25VXXqkW6HgPTIdA+VeuXBlafqSN8nsPHRO8wYMFGjL/gd8bNhEcfO+4447QRWxobLB4Bby9R5yYh1UtDIthOycsVNJi2bNnTyUNeOiihwKNIw48cPGyEcYX5+CFAA9/74PEG0P8HbKuY1hokQHmjel6iDqIugieqIeIt7ceemUUMqC3MvL/bjwg8KDz3g84BxP38fDFA0XfC95rUYeD6kChFhgNut6exn8e+EJKUQf8q+nDZNQkVqgbYIZY4uGkXwobGhpUEfBQgTDpeGIo7pFHHlH3eFAZ8UDEw03ft8XEEg90yDbur6Bjzz33VHXFO+0ozj31t7/9TW1Jg/qJOqJfQFFPcGAxnr+XzV8er4zutdde6p4IakNQfy699FL1woJFHkEH6rh34Y0+J247iesRHwydotMhqI1BO4/OBJwXJN9xYlFIRqPaLtz/eEZEcde/Bfcf6gqY4iUF1/oPlzKK++Xuu+8OjSnq/3HHHac6NPwr+yGD99xzj3pWBR2Qa9QH/3qLKIZohxFLyLD30DIKxtiBA50CegcU78tmqc8J1De8ROJ++M53vlNRix4powWebEEyqvdi0z1M5557ruy9994qFTTQqEx4IOG/4WbQvRDeBzfOxU1y1FFHKflAD6Z3g+GoYXpvGfBQxVY0aEwgC5999pnaFgqSin+HWHkbJ5Ny+HvHsMIbm/KixwYNGN7K0YOB89BI4KZEwwxxwMMe/33BggWqlwwPl/33319tSaUbFJQfPa/oEQMHPLjAC40Pyo8GCg05HkIYrvD28Hp7qvD70NsDjngI4lq85eNayByu9fau4sGE3m48qJGvjh3yff/999XDFefgt1xzzTUdQhg35oWkCX+L6gXBORA8NLrgiN5CxAE9M5BG9Cbg7RwPQ39988cQ9RB1BHOgIfE4P2p1dzHD9Cgr6snZZ5+t6jLyR+8kRBNlP+yww9Q8KH14p8KgXkC+9IgCevlxH+Eew8PBdEI/6iauQ92DeGKUAj2NqAt4oXr88ccFO1XgMJVRXV6TWJkM0+t4oqzYWBwPWrQBeIhhs3G8XIGH9741jaV3WynEAtOLcD8iL/SA4Z5FXUGvEeq+lt1S7qlS5ox62yKUBfUTPf247/GCi9EYxBJ1BXUV9QjM8PBHTPGChZjixR7X+6dTldJOIu56hTn+GW0oemj79esnq1evVvcuJFULiV9G48YirJ55OeOlDh0NuJeRP9ouvDSh7UL5cL+YLHrFcwpD9OgQQNuN+yVJGdW/Ve88gXqJtgn3P17WIHz4G0bAvNvGYaN49EjjxdNbz8EC2yFihA68/G2iNyZB7T92wsA5QW2OfyQA+aIHFu0IFhvh3208J3RPdSUuXqaMhhiD9+b3vqVg6A8PDfQsfPe731WC5j0WL14st912m3oAeOfgeBveqEVRUTKqy+B/aOlyeG8K9GShcdI9ISbl8P72sF4tTHiHvOHwyxv+GxoGcEJZ0Xh6h4Xx8EDvJB4wePtDb4338JbR30hqNmik8PDx95xiiA8NFWQNOyF4/44HF+QtTHAgLJBVNNKQPt2bFTfmpcooHshY5YqHhb9h1Wl75cb7MPbGEG/zQXU1qnzFyGhQncY9gHihF8M/DKhZo1ctqBcb/x1D33ip8otsWLm9sUeaEFHvqADKgxcdMEtDRr3xxBx0CIW3x0dv8YL7w9vmmMTSuxAl7J5FjyxkHfUBL1t4gOIo5Z6yJaNhPNDLjZd8HH6Jxn9DPcH2aKhP/t69UtpJPZcSLxhoQ771rW91ihV4Q6bQW4vDK6OlxCJMRvHijnZN98JidC3ouYO/oxfZZM9fvZ0ZJB8jeXrKlTddVz2j3p0nghbseO9/784U3jYl6LmDsqO+4PmCOOhnsDcmYe2/V1b9HSheGQ2qq8jXxnNCzxtFu4ARRb9fRLXZef47ZTQket4eKT1/w9vwhq14856D4Tlci8MrWH5J8hehkIx60/ffMN50MPSCIRgcYVIcVg6TB4z39+Chj94K/xEmM+i5xMMjrIfOO3fGP99Os8FQCebe+uf3eN/2vdd60/TGxVtmNFjY7w3l1itHS4l5VMMQ1duGcqA8kHY0TP6hI6SPhw/2pMVLUJjA4MGEB1Sx+5YWI6NhdQkNNHo5/FMD9G9HTw7EKOjLI/qcsPlsfr7oEUFvMeb/Yl4XpMy0Tkb1akbFCvlEpaHjiRfDsAUK+hz0/OE3oBfcWwfDYolesRtuuEH12oXNN/Oe433Ji3tP4TebtBVh94HJAiDNHfd52MM5qL0stZ3UPVRoo8LuvbDylxKLsHoGwYKY67bALyloB9BDipdw3VMX1f7oTgFMJ/F+ACIJGfW202HPD2wXhvoMecTLLgQNvabozcVIQlhvrld09TPAGxNs24Ze7qAD7QfaEYy0eV/YvG1hUD209ZzAsxEdEJBxk3nXUTHO098po75ooRJgeFEPf3qHPbwVpZBQ6sbRu/DJpOHVRSkko94yhN2MSCfsZjcph8kDxvvgDbtpomQm7Ebx5h8mo2HbXoVdq3sB8HcMgfq/sKPLgl5lNOh4CEEaSol5VEMQJTh6/lCUjGnhg4ThE4IQP5MYRpUvKn4mdck78V9/3hAPToweYMi8kCjrayGqWszCyuxNM2jBob4u7DdFiWRUrExkVMcz7EXK+9KKHiDdW2USyyhZ8Yuj94UsaiSm0P1oUrZSZDSo/vjTCyp/qe2kyb0XVv9LiUVYPfP21EJEMb8z6GUr6p72/t2EbTH7jBaz9ZO3hxM99XiWYX1C1EdmtEDj5QQjfv65/fh96FRA5wN6fCHaOFfHBOmH9QLj2rD2PqottPWc8PL2js4VE9e8nluxMmoSMP9iFt2FHrTwICg9rzCZPLhNZNS0Gx9ChXmZmHfnbSRMymHygLEho0gDi3PQwOCfgxYv2JJR7wMirBcgKIalxDyqjhUSHO/igqiezaAeDpMYRpUvqgE2qUtBDzxvL3VUGfB3/5B60DXe31toWD8tGfXG0+Q34xz9kmcSS92TZ5q2t00oRxkttZ3UTAotJAmr/6XEolCb4B2twygHnk+YR47pCVggWuznO13KaNguFN5nov/TuXj5x+gP6ibm6Abt7R020hJV73VMvC/sQdegx/VPf/qTmjvqffZEtYW2nhNRL8VRvzPPf6eM+qKnt0HBDY4Vwt5h4KjtTPwVwYWMRt0U3jJ4t2zR37Q3EQiTh1+pMoqGFYuNtNhjWEQvqPGu0LUlo8VwC+o9ML3Ji/lQQaEHj0kMdJn8W+Sg562Y68N+WxQzk7oU9MArprcljowW2nA+LRn1xsO0LhUjo7oumaZd7jIaVXej2smgttPPNqz+lxKLqB54TG/CXHx0Mnh3oMBzCivP0eMdtTBR/w79VbFCu2vEnTNqIqMoB+4LvVAN/6wPPIfRU4reQe8C1ig+YfXf9LqwUYCo+lSKG3jLTBk1bcFyfl7cG0v/bJM5NmGITB7c+tpCPRWmb/xhMmJSDhORKUVG9WpIDIkfcMABao9VvSWMbqC8+5x6v2QTtxcnbs9oKTGPul1s9YwGNZQmMYwqX1QDbFKXgmQ0rPchqjyF/h42V9t/TVoyGjZSYfKbTWKJXQueeOKJLnNzTdKPe0/579Vihmlxbdz64/9NQeUvtZ0MmmplKqOlxMJUmvASjzmV2A4LUolpWTiiFsd6f0OxPaPFxtek7ulzINZYqImpO+jFxD686JTwL7503TMaJoNRbaGt5wSH6YupNTk+t1QZ1fMOIVFRi5BMG64gnKZzRguVIctzRvVCk7C5kGnOGfXHo5SYR90qUQ8ekzmGyCNvc0a9YhY1BSGKof57sfNQ01hNj71IsR1QoTmjQb/XREa9D8NiV+GWo4yazuELaydN7r0wmS4lFlFtQlD9gMi99NJLauEN/tn0i4EmAlXqM9P0/g1qd/V+0N6FuiZzRoPyNJnHi+vizhm19ZzgAqa4NSZn15V6Y3kbrkIr2YOwmPQC6OsKPRwgwth+CJW/1NX0YQuPTB5+pfSMRg2BBa2GNGHj76kpdjU9rtebnGOICHsxlhLzqNsj6sGDPfOwx2ipq+nj9mhE9QaY1Omw3hf9sC+08j2Kn//vmmehPfrS6hn1vjQUWqEdV0a9D7FCq4WLffktdE/5/1ZsPSul/nh/R9h+0KW0k6gn2Mmi0ErzsPKXEougNgGCiRdODNFjwQ6mj/l3xvDOwzbdCi3NrZ3Qc409ZDEvFF/b846M6djqTgts4YQFjFhVb7Ka3vvhDv3BCe8CsFJX0wetObD1nNBbeIFBsS+VxbaXWTu/YueMFttw6sDpvSrD9rnEeXgLw9AJ5rvor+KYNLymwqX3Mwvbp9N0n9G0ZFT3EAVt6+PdDB3/bGvOKNjq2GF1NrbtQP7eAw0WHmCYvO7dHiduzKNu9igZ9e5LidX/2J7Jv0jBZJ/RuHU9qufEpE6Hyah3T9CwffswnI9PmOKBYrLfnsk+oxAM/K40eka9D8Sw4VR8lQu/GTsCIOaQDpOXQ//q5KB9ZXE/4esueKBjs309t7CUntFSph+UUn+iZFTLP+ZXxmknTfYZRbuAz0Hj8LalpcQirE3QYoY9m7GK3L+SHvcKtgTCBz0KzZn2cktz03s9jQKijZX0WKPhPVBX8cKKvXG98/D9exdDDP0ii+kLmObl3ZPVu89oWPtvss9oocWUNp4Teh5v1EKrqGdLHv9OGS0yal5BQCOHRh1voniDhgRCFLEtFFaGYy8zTCrHYdLwmspooS+LRH29wqQcJg+/UnpGdY8fGgisVsW3fbGvItjiq03YL09/2cS/B10pD07vF5ggouj5hBTgwIIA9IqiMfdvphw35lFVK0pGcX3YF5hQvzDkq7+E5f8cokkMo8rnHXrCl66wkbz+1CUkyaQuhcmo9+GAtNDLjxcA9GrigYM6ACnDAwIfRcDHEfSncMPK7f8CE77MBZHFwwpz0LLwBSb9IonfD8HG18ew+Tz+HV8QwwMYG/2jfmIvUjyUTGPp/WgDepHOPPNMNScbLzCQFWzQjvl4WByCBY16e7NS7inEQr9cYiEMpAxlR55RC2lKqT8mMlpKO4n0vV9gQv0cO3as+oAH6iT+VugLTHFjEdYmeNPzfnUI9463zS+m1927w0NYb2qpo4lh9ypEEfum4j73fkUQdUY/R/XX2/w9md4vMHnvIf2de7yABH0FsdAXmHDvYRQKvdpBn7COGiXC77TxnNAvHfwcaNTTKed/t3VjRX1XHY09Pm8IkdI9WSYNr6mM4jyTby6jZxab8wd9mx4PuLR6RtEI4pOlkNKgA9uUoIcIE9r9cwpLfXBGfZsYD1Jw0V+n0eWLE/Oo28VERk2+TQ+hxvxh78bxpgJTqIzeB4Y+r9gdIgotkkD6eAFAPdAvH/7yBP22QmX2Coj/PNyX2AoHPag4vMNtUatYTWIVlQbyxAMTIoP0vKuhvWX118FiYonfho9d6AUtfgZ42PvbhVLvKf3FG+/WbCYbdpu0iSaLbAqVP247CW6F2im0qXhJgiSCddDvjROLQvUs6nvsGK2DMOPF0fQDF3rLo7D5+7aemUH3bFRscA1GCPD1K/82T1EswtqNqPYfL3HYw1V/4luX20RGcW4pzwnvfR724YqoZ0qe/86e0ZjRw4MUb8bYJxNvprrHCCKFnj58E7pYCSxGRnFuWBkw3xE9tt4tMXTaJg8Ak4dfKT2j+qGMXj88mMEPMoKhJ/QkY8gGPUTg650vhOtKfXAiDfw+9FChIUaDiAO9OvjWMP6HXu6go9iYR1UtE8HRaaBnb86cOep7zRAuvQUZvuWNz+X5N4s2iWFU+fB39KjpebSIEfb/Q68aemBM6lKUTCBNzJMCCzy8wRgPVdQF9IjgtxW7fyLSwIcrEGPUU6SH+xEPapQbnxlNS0YLxRN1EJ+89NfBYmPpr99gjN5hiDh6t/1DvKXeU0j/9ddfVwtoIGYQXsgZ6kqhw0b9MWkT4rSTutxo19FOoX5i6B5tOr6KhfsOwoM9KdGGFHqx97Y1UbGIahNQn9FjiKkmuDeRHkQNscXcywEDBpjc1h3n6OkImHMatBm8Sxn1PsPACGXBC42+X3H/Q0bDNsLXLNDGoFdSt4noCCrUbgTdHxiZw3QmTHHwf9UP5TSV0ULP5TA30MHQ04zw+8O+0FZUcHN2ckXJaM5iw+KSAAmQAAmQgDMC3uky6ATA/M1iX/6cFa6CEkYc9BzkSo0DZbSCKjx/KgmQAAmQAAl4CWBoGYufsBitmK/TkaI9AjoG6InHArWddtrJXuI5SYkympNAsZgkQAIkQAIk4IKAXqyFhTMTJkyIXHzmogyVmqaem4xpaZhGg+kWpnN+y4kZZbScosnfQgIkQAIkQAJFEqAQFQnM0unerQyHDBmiXgT8i7UsZZX5ZCijmQ8RC0gCJEACJEACbgnonSiwkAafaMZCOh5uCWAf1QceeECwuAmL4Lw7orjNOXupU0azFxOWiARIgARIgAQSJ4At9R555BHBhyj0HsyJF6KCMsSeqS+88EKnD+RU0M/v9FMpo5Uaef5uEiABEiABEiABEsgAAcpoBoLAIpAACZAACZAACZBApRKgjFZq5Pm7SYAESIAESIAESCADBCijGQgCi0ACJEACJEACJEAClUqAMlqpkefvJgESIAESIAESIIEMEKCMZiAILAIJkAAJkAAJkAAJVCoBymilRp6/mwRIgARIgARIgAQyQIAymoEgsAgkQAIkQAIkQAIkUKkEKKOVGnn+bhIgARIgARIgARLIAAHKaAaCwCKQAAmQAAmQAAmQQKUSoIxWauT5u0mABEiABEiABEggAwQooxkIAotAAiRAAiRAAiRAApVKgDJaqZHn7yYBEiABEiABEiCBDBCgjGYgCCwCCZAACZAACZAACVQqAcpopUaev5sESIAESIAESIAEMkCAMpqBILAIJEACJEACJEACJFCpBMpSRjds2CAvvfSSLFy4UMaPHy+DBg2q1Pjyd5MACZAACZAACZBApgmUjYy2trbK0qVLZc6cOfLRRx9JW1ubNDY2ysSJEymjma6CLBwJkAAJkAAJkEAlEygbGV20aJFMmzZNCejo0aPliy++kE8//ZQyWsm1m7+dBEiABEiABEgg8wTKRkY///xzwfD84MGDpaamRu6880557733KKOZr4IsIAmQAAmQAAmQQCUTKBsZ9QeRMlrJ1Zq/nQRIgARIgARIIC8EKKN5iRTLSQIkQAIkQAIkQAJlSIAyGhLUpqamMgw3fxIJkAAJkAAJkAAJlEagvr6+tAR8V1NGQ3B++OGHsmbNGquwmRgJkAAJkAAJkAAJ5JnAfvvtJ927d7f6EyijVnEyMRIgARIgARIgARIggWIIUEaLocVzSYAESIAESIAESIAErBKgjFrFycRIgARIgARIgARIgASKIUAZLYYWzyUBEiABEiABEiABErBKgDJqFScTIwESIAESIAESIAESKIYAZbQYWjyXBEiABEiABEiABEjAKoGylVGrlJgYCZAACZAACZAACZCAEwKUUSdYmSgJkAAJkAAJkAAJkIAJAcqoCSWeQwIkQAIkQAIkQAIk4IQAZdQJViZKAiRAAiRAAiRAAiRgQoAyakKJ55AACZAACZAACZAACTghQBl1gpWJkgAJkAAJkAAJkAAJmBCgjJpQ4jkkQAIkQAIkQAIkQAJOCFBGnWBloiRAAiRAAiRAAiRAAiYEKKMmlHgOCZAACZAACZAACZCAEwKUUSdYmSgJkAAJkAAJkAAJkIAJAcqoCSWeQwIkQAIkQAIkQAIk4IQAZdQJViZKAiRAAiRAAiRAAiRgQoAyakKJ55AACZAACZAACZAACTghQBl1gpWJkgAJkAAJkAAJkAAJmBCgjJpQ4jkkQAIkQAIkQAIkQAJOCFBGnWBloiRAAiRAAiRAAiRAAiYEKKMmlHgOCZAACZAACZAACZCAEwKUUSdYmSgJkAAJkAAJkAAJkIAJAbcdXrkAACAASURBVMqoCSWeQwIkQAIkQAIkQAIk4IQAZdQJViZKAiRAAiRAAiRAAiRgQoAyakKJ55AACZAACZAACZAACTghQBl1gpWJkgAJkAAJkAAJkAAJmBCgjJpQ4jkkQAIkQAIkQAIkQAJOCFBGnWBloiRAAiRAAiRAAiRAAiYEKKMmlHgOCZAACZAACZAACZCAEwKUUSdYmSgJkAAJkAAJkAAJkIAJAcqoCSWeQwIkQAIkQAIkQAIk4IQAZdQJViZKAiRAAiRAAiRAAiRgQoAyakKJ55AACZAACZAACZAACTghQBl1gpWJkgAJkAAJkAAJkAAJmBCgjJpQ4jkkQAIkQAIkQAIkQAJOCFBGnWBloiRAAiRAAiRAAiRAAiYEKKMmlHgOCZAACZAACZAACZCAEwKUUSdYmSgJkAAJkAAJkAAJkIAJAcqoCSWeQwIkQAIkQAIkQAIk4IQAZdQJViZKAiRAAiRAAiRAAiRgQoAyakKJ55AACZAACZAACZAACTghQBl1gpWJkgAJkAAJkAAJkAAJmBCgjJpQ4jkkQAIkQAIkQAIkQAJOCFBGnWB1n+h/Pr5FHnujxX1GOcnh2H1r5Sen10uPhqqclJjFJAESIAESIAESAAHKaA7rwZ+ebpL7X23OYcndFhlC+s/nNbjNpITUH3i1WR5c0CJtbe0lpFI+l47avUYmnVIv3ev5AlE+UeUvIQESIIHiCVBGi2eW+hXn/G6jrNtEoQkKxJyf9Ug9PkEFePyNFvmPx7dksmxpFuqwoTXyr99qTLMIzJsESIAESCBlApTRlAMQJ/sx/7ohzmUVcU1WZfSHt2+Stz9tq4gYFPsj75zUXQb2Yu9osdx4PgmQAAmUCwHKaA4jecn1G+Xzb9gzmqee0R9P3ywLl7XmsLa5LzJl1D1j5kACJEACWSZAGc1ydELKRhkND1pWe0Ypo+Exo4zmsBFikUmABEjAIgHKqEWYSSVFGaWMJlXXksiHMpoEZeZBAiRAAtklQBnNbmxCS0YZpYzmsNqGFpkyWk7R5G8hARIggeIJUEaLZ5b6FZRRymjqldBiASijFmEyKRIgARLIIQHKaA6DRhmljOaw2rJntJyCxt9CAiRAAhYJUEYtwkwqqTAZPWSPGrn8mHrZc0C11NeKtLaJfLa6Te7+S7M8sTD6a03YfHzCsXVy4vBa6dNj61Y7m7a0y4IlrXLbvGb5+MvCWxP99uJGOWhIjXy1rl3+z8wt8vrSbavH+21XJRNPqJfD9qyRno1b0167sV1eeL9VbpjdJBubOu8O8P99u1FGD64JRPplQPr6RC5gSqoW2suHPaP2WDIlEiABEsgjAcpoDqMWJKMHDq6Rn57RIDtuXyVfr2+XJava1N6NO/eplo1b2mXKs00y87XCQvrTMxvkpP1rpaVVZOmXbbKpqV32GlitvpDz4co2+eUDW+STr4OFdMIx9XLREXVKgv2yiOv/5fwGOXBIjUpzycp2qaoSJc11tSJ/XdIqP71rc6dI/OHybrLfLtWyYk2bbPF9bGrNhq2/570VXctSLjJ62shaOf+QOhm0Y7XUVIs0t4p8tLJNbn2uSV79KHqLqFJeLHbdoVr+6bwGGdq/Wr2AXHHTpk6xGbZLtVx6dL0csFu1dKuvErxGrN7QLs+83SK3z2vu8mIRdYtRRqMI8e8kQAIkUN4EKKM5jG+QjP7j2Q1ywvBaefuTVvlfM7Z0CMHPzmpQPZ1vfdIqfzets/B5f/oRe9XIT8Y1SGN9ldzybJPg05U4Dh1aIz85vUH1Zt4+r0n1svoPLcLoTa2uFiXD3p7Rcw6uk6tOqJfNTe3yuye3yPz3tsrUWaPrZOIJddLWJvK7J5vkuXe3yfLUq7tJv+2r5A9PNsnTb0X36pZTzyhE9Jox9Yr5itVt8tmadtm9b7V60YDo/+fjW+SVDwsLaSkvFoj3qQfUSnWVdJFRxPpHY+tl5x2qVZw//KJNeveoUuXDi8Xst1rktzOL+9IUZTSHjRCLTAIkQAIWCVBGLcJMKqkgGZ0ysZvs1rda7nqpWW6b19RRlOP2q1Xy0NQqShLQCxl0nLx/rfxwbL3q4frZ3Z17QPWQOYb6//2xzqKhez1H7l6j0t5/N/TESicZ/c6x9XLxEXWqJ/OHd3TuZYN07tKnc7lH7FYj/3hOg9RVi/z741vkpQ+iewLLSUZ/f1mj7L9bjZLzXz24lTc4//KCBhk1uEbmvt0iv3k4XPhKebHQItxYVyW11SLLvurcM6pfehZ/3ia/uHezrFq3dXrFeYfUyZXH16ue7397NFqWvXWQMppUy8F8SIAESCCbBCij2YxLwVL5ZRS9Vf9wZoN0b5AuPYn77IQh10bZvlvXv3kzGTO8Vv7H2HrZ3NxZWiFBv7usUYb0q1a9pZPnbBNdXA8BueDQOln+dZs8vKBZrj2pvouMXnZ0nVxyVL0acp906+aOXlsM9/78nEbp1b1Kbp7bJA8t2Nrrinmn6Nlrb+8stSahyvswvRbxHvUi//fpJpn15rZe4W8dXicTjq2XL77pzNHPJe6Lxe47Ih4NgmH615a2ysFDauTT1Z1ldPIV3WSP/l3rQqE6GBU3ymgUIf6dBEiABMqbAGU0h/EtRkbx89D7OLB3degwu+55U/M6B9fI25+2ytTnmuWzr9vku8fVC0QVw8O/eXizvOP5vjqG8H+Mof06kRvnNKm5puhd9feMaskZ3K9a9XJiGgCO606qV+L5wedt8pM7t0mqlqnWVpHmNulYTLV+U7vMfrtFpj4bPi8x7zKqf7ufIXjpXu4tLYUlPe6LBV4AcO3rH7fKu5+2qd5sv4yG3S66NxbzW/1TLqJuMcpoFCH+nQRIgATKmwBlNIfxjSOj/qHwoJ8NaUTv6AG71agFRvrAYqg/PtUkCz/eNlzuHZ5/9PVm+cOsJikkUhjG/8Ep9aqHVR/o+Xxzeav815NNnVbq6x5ALIZav7ldiXCf7lXSq0eV6i0tNC+xnGVU9z421BYWvo4FY0W8WJw5ulYmqmF2kd8+ukVGDqoxllEI7IWH16kFTy9+0Cr/dF/43OSgekcZzWEjxCKTAAmQgEUClFGLMJNKypWMfv+Uehk3qk5a27aueN/S/N+r6Ruq1Aru3zy0bWEUhucvPKxOrbLXvZphMgo5+snp9XL0PrVqZT96QhvqqmRIf8xLrJKnFrXI757YNgcSUgw5ghjd9eK2XtAfnlovp4+qU/MSw3rfKkFGg6Zj+OteMS8Wuud6lx2qZdrzTWresZ7nG9YzqsV4x+22vrWgtxYvCZMDtumKui8oo1GE+HcSIAESKG8ClNEcxjeOjEYN058+qlauPrFeSQUWKenV2lpUsMXQg/89Z1SvsK+pQg/dttXxYTKqxQbbQv3ywS0dvaB6mH+7xs4r+MNCAqn944RGNafRv1BLX0MZ3UqimBcL7LiAnRheXtwqP793a69mlIwiBmcfVCs79KhS20/h37H6Hi8W//E4V9PnsFlhkUmABEggNQKU0dTQx8+4GBk1XcCE7Xywkhob3Pv3/Lx2TL1aLY19Lq+dukl+Nb5RjtwreEN676/S+41++8g6NRf1sdc794Di3F+c0yDHD6tVw7tYnR11FFrZj2srQUajhumLebHQ22th79Zf3LftRSFKRv1x0sP8WFv/x1lNMudt8+242DMaVev5dxIgARIobwKU0RzGt9DWTtgHdOpzxW/tpGU0SAqvOK5eMI9z+VdtMnHKJvXPQ/pvm/upEaLnEl+B2tLSrrZ5wj6UD/+1Rc1DPXD3Gnnkta1zS70HFs2cMqKzBGPFNhY73flCk0yb33lf07AtrCqhZ9R0AVMxLxZgjQ8bRB1Bm9/7r8GHCvbdOXjXhULpU0aj6PPvJFDeBFaubZc7nm9SeyoHHiH/ueNczxqHTteHXRd2vr642Osslw87zFxyVJ36MEylHE5ldPXq1TJr1ixZtGiRNDc3S7du3WTkyJEybtw4aWxsDGW8efNmmTp1qixdurRgHAYPHixXXHFFR1rIZ9q0aYHX9O7dWyZNmiS9evXKfWyDZBQCMnZkrSxZ2Sa/fmhbD1fYpvfoqcT8Tf0VI90T9s2m9k7D9PiMJ7aGwteQova3DBum12X7eFXnYXps7fQPZzXIgF7Vct/LzWp7Jxx/N7ZBzjiwVq3q927gr/eybGppV0PBevN8b0Dz3jOqt3bq2SBy/dNNnT7jarq1UzEvFpj7i48L+I++PavUIqY1G9vVNk+r1rarXRAK7cxAGc1908IfQAKJE8Ci1Ctv3hT5uenEC5aBDO/6fnfpH9A+Z6Bo1ovgTEbXrFkjN998s3z11Vey9957C8Tx/fffV4KJf54wYYKS06CjtbVVPvroI1m/fn3g37/55ht55pln5IADDpDzzz9fqv576ferr74q9913nwwdOrSLdHbv3l1OOumk0Dytk3WYYNTnQPFt+MVftMnOvasEi1Kw4Mf7OVAtnus2b9ugHHP+fnFugwwdsPV8LGDC39FrtkNPsy//hMkoxBeChM+Trtu0dQETDqS9XbcqNfzvFWg9TxW9r+hdxfnbd6tSb4m1NeW9mh5cMBUBzF5f0ir/fP/WRWNhm97jv4/cvVqwCb3egN7Gi0XYMP1vLmyUw/eskdeXYtX8tgVt+Izs90+uV58u9e+PGnUrsGc0ihD/TgLlSwB7KeNDGTy6Erj8mDrBp7Yr4XAmo48//rg899xzShYPPfRQxbK9vV1mz56t/nfhhRfKQQcdFIsx0n7xxRflyiuvlCFDhnSkgXTnzZsnEydOlEGDBsVKOw8XBckoyo3tk7A9D6QN2yK1tol8trpNfcITX0/SB3rYLj+mXvV6YbESxAIHekEnnlAvhw2tkZ7dqgT9ZRDTN5e3yfT5TZ32GA3iVGhrJ/098xG7Vku3hq09cdi2CYtmpsxt6hApnW7Y989nL2qRG5/pPNTvLUvee0bxW7yfA8Ver8u/bpdBfatkpz7VXT4HqufQLlq+7XOvNl4swmRULzrDKnr9ooAFaNgZAV9tev5vLWqRWjEHZbQYWjyXBMqLAGU0PJ6U0RLrelNTkxpmxzD9ddddJxgi18fnn38uN954o+yxxx5y6aWXdvRqmmaJNG+66SbZaaed5JJLLpGamm0LaWbMmCGLFy+Wa6+9VnbccUfTJHN3XpiM5u6HOChwOcgosKCn8aLD69RKdfQ2NreK6kG+9bkmtc2WPn55QaNgw3nM0f2HGdsWgJX6YlFoARPmBeNlBvuKNtSJtLWL+ozs3Hda5PZ54R8kCAs3ZdTBjcAkSSAnBCijlFEQcNIzimH066+/Xkmod06n6g1bv14mT54sGDb3/83k3kHP5xNPPCGXXXaZDBs2rOMS9LpOnz5dli9fXjZzQ8N4UEbDa0q5yKjJvVAu51BGyyWS/B0kUDwByihlNBUZ1YuTNm7cqHowe/bsaVx7161bp3pVt99+e/nud78rdXV1HdfqdDFXFRL8ySefSEtLi5o7euqpp8ro0aOluro8VqZRRimjxjdNDk6kjOYgSCwiCTgiQBmljKYqo5DGYle3v/LKK/LAAw/I+PHju8w31T2uK1euVAKKRVJr165VPaVYEHXyySfLmDFjip4W4Oj+KylZyihltKQKlLGLKaMZC0jOi4P58dj5AVNHeIgM6FUl3z+5QY7cO3pv6DR4UUYpo7mS0U2bNqnV+ZiPes0118h2223XKYJtbW2qNxRSuu+++3b0gq5YsUJuvfVWtbUUrhs4cKDR/fbhhx8Kem+zePxyziD5emNtFouWepl+f+ZHqZchqAD/98WdZPFXwbtHZLLACRbqn8Yskx26m2+Sn2DRmFXOCCz5ulH+64Wdc1bqZIr7zyctkz7dsnefvbJ8O/nzG/2SgZCzXMbuvVrG7rM6c6XGjkWYamnzSHzOaNxh+jfeeEPuvvtuOe200+TYY48tigFW2T/11FNqnumIESOMrsWUgKweV99eLSvXZrV06ZbroR9s3TYqa8fPH6iStz6N2mk5a6VOpjw3TWiT/tsnkxdzKW8CM16ukhmv8D4LivIPT2qXE/fLXm/xM+9WyR9mM2ZBMbvo0Ha56LDsxQwLx3Mvo3EWMKFXE72bq1atUvNM+/btW1SLqjfDP+WUU9Reo3k/OEwfHkEuYMpf7c7yMD2+OvbAghbZ0py9B0IakR7Sr1rGH7Ztrn4aZSiU5+3PN8kdz3f+alvWyphWef7nGQ1y6gHZG1HjMH14jeDWTiXeLXprJ2x4j3mhpW7t9M4776gvKx1zzDHq601Bx/z582XmzJly+eWXy/DhwzudMnfu3I4V+KY9oyUicHo5ZZQy6rSCJZx4VmUUIvqdGzclTCP72R2/X636QEYWD8poeFTyJqP4oMeEY+vkxOG10qfH1p7TTVva5eUPW+XGOV33pvb+cv0Vuqg6ivnFc95ukX84s0Gwd3Kh48t17fJ/Zm7blxvnoowXH1knJw6rlb7bbd2b+66XmuW2eZ33wu7Yam/PGunZuDWftRvb5YX3W+WG2U3qwyZBB2U0KoIGf8fQ+NNPP91p4VChTe8xfI+uX+8KeWSDxUfYsmnJkiVy9dVXy847B88H+uyzz9T+o9gEH/uX6v1HN2zYIFOmTFGLmXD9gAEDDEqf7VMoo5TRbNfQ4kqXVRn9r1lN8shf2csWFM0/XN4ow3fN3oIYymj5yCiEEj25La0iS79sUx9gwQddujdUdfo6XdAvxnX4il3Ygc8u79CjSqbNb5J5f2uVsw+qVV8DDDp6dauS0YNrVBl+NG1zhzjiS4H/eE6D7NG/WvBJ06/Wt6tFc0+80SKPvLat3YCw/sv5DXLgkJqOrxvio5H4LXW1ovaI/uld2/aI9paBMlrcsyTwbO/nQLGgCJvcY0N6fBLU/znQZcuWKWHERvVXXXVVp092QkJvueUWGTVqVKdPf/ozhejOmTNHCXC/fv3U+VjUtGDBAsG+p1xNbyGoOUiCw/Q5CJKviFmVUXyiEEOIPLoS+M9LGtUX37J2UEbLQ0bxpTf05Harr1I7Izzw6la5w3+HpHavF7l5brM8HONl8eyD6uSqE+rU1+x+fu8W+eTrwusMfn9Zo+y3S43c93Kz3Dx3a4+nVzDxlUP01KKXM+g452DkVy+bm9rld09ukfnvbT3vrNF1MvGEOmlrE/ndk03y3Ltd2xrKqKUWBr2R+HQn5mxi3ie+RT9y5Eg11N7Y2NiRC77KBBlFryUWGem/6V7RDz74oMunP4OKCPnEQif0ymKKAA7ML8VcUeSrv2Fv6eellgx7RsPRU0ZTq5axM6aMxkaX2oWU0dTQx844T8P0lx1dJ5ccVS+fft0mP7h9W28kfvyvxjfKkXvVyFOLWuS3M4v79DCuxyeUDxjUWS7DoJ4+qlauPrFe9Xh6xVUL7cYmUZ/UfuXDYBFFuvprdu+taJMf3tF52s/Uq7vJLn2qA4f2cS1lNHZ154VJEKCMUkaTqGdJ5UEZTYq0vXwoo/ZYJpVSnmRUz/l8bWmr/D9/7jyE/cNT61Wv4usfd/1bFMsxw2vlB6fWy8YtIr9+aLO882nhXtHfXNgohw2tkUdfb5HfP7lNfCHE+Azz3Ldb5DcPFxZiLdYr1rTJpFu3ifWwXarl5+c0Sq/uVarH9aEFXacEUUajIsq/p0qAMkoZTbUCWs6cMmoZaALJUUYTgGw5i3KRUd3TuGRVm1w7tbgFhr8e3yiH7Vkjj/nkMgj1CcNq5X9AXJu6iit6NAf0qpa577SoqQM79Nw63xQ9qI++1iKYLqIPzC39+TkNMrhftbz0QauadoDjupPq5aAhNfLB523ykzs79/7qaymjlm8CJmeXAGWUMmq3RqWbGmU0Xf5xcs+bjIatZn7mnRaZ+mxz6GpmsClmZTaGbHGcvH+t/HBsvZpbGHRgFbc+F3/H0DEWyQQdQau4cd7R+9TI2aPrZM+B1fLwX1u6rOD2p1VuMvrp6ja54iZzGQWvH41tEKxbx3zwQkPrYIcdI47bt1YJp7f3EwujsPoeq+eR2NpN7WrxUkOtyMDe1dLaJnLfK80d0om0ML/6B6fUC7ZG0wcWPb25vFX+68km+fjL4B5aymic1onXJEaAMkoZTayyJZARZTQByJazyJuM/vbiRtULhRXZS1a2C1YzD+2/dTXz7LcKzz0sZmX2n1/cOtSqF600t7bLqrVdt+15/r2WTvuh/uHybrLfLtWCodwtvtHaNRvaZcqzTYI5h+hlG3tArRy3X63077V1KyGsNg/aTogy2pnAP57dIOjt/MviVvn5vcGr1/UVegFVbbUIdtWAkOrDK6OvL2mVf75/S8fLzI9Oa5Bxo2pl5dp2+eUDm1XM8ELyk9Pr5eh9amXjlnbVE9pQVyVD+ldJbXWVmvv6uyeCh/opo5YbLiZnlwBllDJqt0almxplNF3+cXLPk4zqxSaQvKDVzE0tZj1lQZzCVmbroWT0fPnnPAalg2HffttXyR+ebJKn3wrfwUH30kJAP1zZprYnwh6clSijxQzTa4FsqBP546wmtbdooeOnZzao3m3safqP93QWV51W9wbpEi/9tx4NItc/3SToAdd1Aav2f/nglo5eUAjvj8c1yHaNnXcM8JaLMhqndeI1iRGgjFJGE6tsCWSUNxktZci30HCsRh3V0zXhmHq56Ig6qa6K7hE7bWStXDOmXj3w/EPD3tAWO+SbJxlFb9XpB9bK6wGLYSZf0U0Nnd79l2aZ+lznjcpNqn7Yymyd53PvtMivHiq8wAV7XmK/yrpqkX9/fIuaVxh2fOvwOundvUqefLNFSU3UamxvOuUyTB9nAdPfjW2QMw6slbc+aZW/m1a4V1QvLNq+W/D2UYVkFLz9MUEdwTWYp+rvAf3FOQ1y/LBaefGDVvlFQG8tZdTkLuQ5qRGgjFJGU6t8DjLOm4yWMuQLmRjSf9u8MS/OmipRQ8nV1eG9N3io/fSMBtWLFiWtu+5QLf90XoMajsbhl9FShnzzJKP6BSBIxvU2QYVEPazKF1qZjZ61U0bUFnwB0Oki5jgfcwj9X/iJut3KVUbDVqCDR7FbO0XJpZ+xibiql5j+1Z32HkU6QaKqZHT3GrUR/h9mdX7h0fVkQcjG95TRqDuAf0+VAGWUMppqBbSceZ5k1OWQLzbGvuCwOnn30/DeG4gwHmwQFxyFhmcxpAshamkTtbjCL1ylDPmWi4xqBmE9U4WqeqGV2RCQkYNqZNW6djWUXl8ramHL4i/a5NbnmuTVj7b1furFTq2tIs1t0vHpy/Wb2mX224UXWJWrjGqp275bVafFQGGb3mO0Agu5Fn7c1mUx2rVj6uXcQ+pk6arOX1AKii1e0H51AV72qtXXmfQcYP+5Ok3sg4qFaHqLqO+fUi9njq6TFavbOvYlRR0bO7JWPl7VeZgekvwPZzWoVfneDfW9eVFGLT9smJxdApRRyqjdGpVuanmSUVdDvujF/N/nNcjA3thzMPjLMlceXy8XHFqnvhhTVyOyU+/wzbLPHF0rE4+vl03NohbQ4MHnl9FShnzLTUaD9rMsdFdErcxGz9leA7eurMZilta2dum/fbWSUgjqfz6+bTU34jDh2Hr1t/Wb29WXgfp0r5JeParUS0ehBVblKqNg7/0cKCQeXzAC057dOn8OFAuE/jihUXbvV91l30/cV78ev1X4CsmljrV+IYwSV+8XmPDSgJiGraaHWOO3DOxVJes2bV3AhAO/BZ8g/Whlm/z6oW1zSSmj6T6PmHsRBCijlNEiqkvmT82TjLoa8v32kXVy2dH1suyr4N4bvdihsU7UpwfHH1YX+uUWva8hHsQzXmqW/XerVtsGRQ1FFyM2lS6jUSuz8eWe4bvWyAvvt3R8JhLb+/xobL3s1re60xxBxAsvD5uaRO56cds2U5gbefqoOrUDQNjnIouJWZ7mjOpG65oT6+WkEbUdvcWbtrSrRUW4ByCAOCCG/35JowwdUC1PL+q8ZZbuwfT2VIY1iLpXdEDv8J5K77XojcV87MP3rFGfLW1r3/ri8eCCZtXT6T3wMnjp0fUyYtdq6dawdbsvvHi8vLhVpszd9lv8ZWPPaOYfX5VdQMooZbSc7oBykdG4Q776YYqFNEG9N7oXBjKDbWAwLFhIQjAPDfMZ8YWan961uWMPS8poZ1HRvW9Y5FXMMH2xK7O996peWW2yR6bu8cNLRdh0jHKX0XJq5+L8FspoHGq8JjEClFHKaGKVLYGMyk1Gix3yPe+QOsEQ/Kq12+aZebHr4XlsZaO/1BImIXp4fv1mkd88vPVzh4V6c735FCM25dIzGmcBk8kCl7DbRs8PxecoTRYrRcWumJjlsWc0geYn01lQRjMdHhaOMkoZLae7oNJl9PeXNaoh3ZkBq231go36ms6bbwdJCIYZ/+ncBtmpT7VMe75J9abhiBIaXZeKEZs8yaie57vw41b5+zs7b+tT7NZOJiuz9RzQz75uk4lTOn8hSK8S/8zz9SCUAZ+KvPOFJpk2v/Pw7pSJ3dSwPntGy6nFM/8tlFFzVjwzBQKUUcpoCtXOWZblJqPFDPlibuHVJ9bLhi1dv3+NYdpfXtAgIwbVyIOvNsvkOdu2hQkSx5+d1SAnDK+VeX9rkV89uG1vy0qXUXxB6fsn16s5ffiS0czXtm54ftboOpl4Qp34N70vdWW2FtZe3TtvZo54/r8XNWydS/oevtyzVYx1T+vbn7bK/5qx7Ws+use8qaVd/uPxLTL/va77jxbzAsGeUWdNmLOEKaPO0DJhGwQoo5RRG/UoK2mUi4zGGfL9zYWNctieNV1WASM2uocNq3QLHdhvFAJ84O5bV+dGHWFzR4sRmzz1jIKHd2/Y91dgN4Ktn2NsrKvqtFrd1spsPbUCeS/9sk2tkN97YLX6njn+2buaXi84w76VX6/futoaWxrtOaBaamsqdzV9VD2uhL9TRishyjn+jZRRymiO9etEhQAAIABJREFUq2+XoudJRm0O+epN0yGT//botq1+NKCj9q6RI/eulZqAPfKxOh5f4lm4rFWt4F3+ZZsansfnDv3HPjtVy6C+1Wr+KBbO4EtEs97s+jnEcpZRSOYPTq2XI/aqkZ6NW4V97cZ2eeadzvt42lqZjfTxlSzsOdl/+yr1tSz0wGKLIvTOYsqA99CrrQ/YrVqtzMY68dUb2mX2oha58ZnwL0MVEzP2jOav1aSM5i9mFVViyihltJwqfJ5ktNghX4hg94YqJYD+4xfnNshx+9Wq7V3837+Oim8xElLpw/RRLCvl75TR/EWaMpq/mFVUiSmjlNFyqvB5klFwNx3y1eJaVdX1G9dYmAQ5wDDsH2c1yZy3u/ZUFooxZTSYzu3PN8kdz3deBFRO90opv4UyWgq9dK6ljKbDnbkaEqCMUkYNq0ouTsubjJoO+Z4wrFbweUAM0d70TJPadF4fulf0reXhn/6kjBZffSmj4cwoo8XXp7SvoIymHQHmX5AAZZQyWk63SN5ktJzYx/0teVvAFPd3ltN1lNH8RZMymr+YVVSJKaOU0XKq8JTR/EWTMpq/mFFG8xczymj+YlZRJaaMUkbLqcJTRvMXTcpo/mJGGc1fzCij+YtZRZWYMkoZLacKTxnNXzQpo/mLGWU0fzGjjOYvZhVVYsooZbScKjxlNH/RpIzmL2aU0fzFjDKav5hVVIkpo5TRcqrwlNH8RZMymr+YUUbzFzPKaP5iVlElpoxSRsupwlNG8xdNymj+YkYZzV/MKKP5i1lFlZgyShktpwpPGc1fNCmj+YsZZTR/MaOM5i9mFVViyihltJwqPGU0f9GkjOYvZpTR/MWMMpq/mFVUiSmjlNFyqvCU0fxFkzKav5hRRvMXM8po/mJWUSWmjFJGy6nCU0bzF03KaP5iRhnNX8woo/mLWUWVmDJKGS2nCk8ZzV80KaP5ixllNH8xo4zmL2YVVWLKKGW0nCo8ZTR/0aSM5i9mlNH8xYwymr+YVVSJKaOU0XKq8JTR/EWTMpq/mFFG8xczymj+YlZRJaaMUkbLqcJTRvMXTcpo/mJGGc1fzCij+YtZRZWYMkoZLacKTxnNXzQpo/mLGWU0fzGjjOYvZhVVYsooZbScKjxlNH/RpIzmL2aU0fzFjDKav5hVVIkpo5TRcqrwlNH8RZMymr+YUUbzFzPKaP5iVlElpoxSRsupwlNG8xdNymj+YkYZzV/MKKP5i1lFlZgyShktpwpPGc1fNCmj+YsZZTR/MaOM5i9mFVViyihltJwqPGU0f9GkjOYvZpTR/MWMMpq/mFVUiSmjlNFyqvCU0fxFkzKav5hRRvMXM8po/mJWUSWmjFJGy6nCU0bzF03KaP5iRhnNX8woo/mLWUWVmDJKGS2nCk8ZzV80KaP5ixllNH8xo4zmL2YVVWLKKGW0nCo8ZTR/0aSM5i9mlNH8xYwymr+YVVSJKaOU0XKq8JTR/EWTMpq/mFFG8xczymj+YlZRJaaMUkbLqcJTRvMXTcpo/mJGGc1fzCij+YtZRZWYMkoZLacKTxnNXzQpo/mLGWU0fzGjjOYvZhVVYsooZbScKjxlNH/RpIzmL2aU0fzFjDKav5hVVIkpo5TRcqrwlNH8RZMymr+YUUbzFzPKaP5iVlElpoxSRsupwlNG8xdNymj+YkYZzV/MKKP5i1lFlZgyShktpwpPGc1fNCmj+YsZZTR/MaOM5i9mFVViyihltJwqPGU0f9GkjOYvZpTR/MWMMpq/mFVUiSmjlNFyqvCU0fxFkzKav5hRRvMXM8po/mJWUSWmjFJGy6nCU0bzF03KaP5iRhnNX8woo/mLWUWVmDJKGS2nCk8ZzV80KaP5ixllNH8xo4zmL2YVVWLKKGW0nCo8ZTR/0aSM5i9mlNH8xYwymr+YVVSJKaOU0XKq8JTR/EWTMpq/mFFG8xczymj+YlZRJaaMUkbLqcJTRvMXTcpo/mJGGc1fzCij+YtZRZWYMkoZLacKTxnNXzQpo/mLGWU0fzGjjKYQs7a2NnnjjTdk9uzZ8tVXX0lVVZX0799fzjjjDNlrr73Uv0cdixYtkmnTpgWe1rt3b5k0aZL06tUrKpnM/50yShnNfCUtooCU0SJgZeRUymhGAlFEMSijRcDKyKmU0RQC8cwzz8isWbOULB5wwAGi5XTz5s1y4YUXyqhRoyJL9eqrr8p9990nQ4cO7SKd3bt3l5NOOkm6desWmU7WT6CMUkazXkeLKR9ltBha2TiXMpqNOBRTCspoMbSycS5lNOE4oCd08uTJ0rNnT5k4caL06NFDlQD//eabbxaI5FVXXRUpkuhVnTdvnkpj0KBBCf+K5LKjjFJGk6tt7nOijLpnbDsHyqhtou7To4y6Z2w7B8qobaIR6b399ttyxx13yMknn6x6L73H/fffLwsXLpQrr7xSdt9994IpzZgxQxYvXizXXnut7Ljjjgn/iuSyo4xSRpOrbe5zooy6Z2w7B8qobaLu06OMumdsOwfKqG2iEemhR/Opp56Syy67TEaMGNHp7Pnz58sjjzwS+Dfvie3t7TJ9+nRZvnx52cwNDcNGGaWMJnyLOs2OMuoUr5PEKaNOsDpNlDLqFK+TxCmjTrCGJ1pIRvWipLPOOkuOPvro0EQwt3Tq1KmyZs0awWKlTz75RFpaWtTc0VNPPVVGjx4t1dXVCf8yN9lRRimjbmpWOqlSRtPhXkqulNFS6KVzLWU0He6l5EoZLYVejGtNZPSUU07pMoTvzWr9+vVq3unKlSuVgA4ePFjWrl2rekpbW1vVFIAxY8YYrcqP8RMSvYQyShlNtMI5zowy6hiwg+Qpow6gOk6SMuoYsIPkKaMOoBZK0oaMYvU9ekMhpfvuu29HL+iKFSvk1ltvlebmZrnmmmtk4MCBRr/uww8/VBKbxePnjw+UrzbWZLFoqZfphgs+Tb0MQQX43XM7yvurGjJZtrQL9etxn0vf7tm71+5Y0EdeWto9bTyZzP9Hx30pe/fbkrmyPfbO9vLoO9tlrlxZKNDlh6yWI3bfmIWidCrDSx93lzte7ZO5cmWhQGcMWyenD1ubhaJ0KsOuu+6qFpbbPKraMdky5cNERqOG6ePKbth1WMmf1WPSnxtk1brofVezWn6X5brnms0uk4+d9r/MrJe3PyuPaSKxIYRceP23t0i/7VJvhrqU7k/P1smz7/GlLyhs//vMJhm2c5vtqlByevf+tVbuXVBbcjrlmMD3jm+W4/fJ3ksf7jHcazy6Ehh/cIuMP6glc2iwRWbFyajpAqZC0dLzTqOG+jMX8ZACcZg+PFJzfrZ1W7CsHT+evlkWLsvegyALnDhMn4UoFFcGDtMXxysLZ3OYPgtRKK4MHKYvjlfJZ+utnTCnE8LoPUy3doK0zpw5Uy6//HIZPnx4pzTmzp0rTzzxROSK/JJ/SEIJUEYpowlVtUSyoYwmgtlqJpRRqzgTSYwymghmq5lQRq3ijE4MK+BvuOEGNc8Tm9vvsMMO6qKwTe8x/xPzORsbGzsS/+yzz+Smm26SIUOGyKWXXio1NVuH1zZs2CBTpkxRi5muvvpqGTBgQHSBMn4GZZQymvEqWlTxKKNF4crEyZTRTIShqEJQRovClYmTKaMphMH7OdCDDz5Ympqa5M0331QLkryfA9XiigVL2Ny+b9++qrSY+jpnzhx5+umnpV+/furzoThnwYIF8s0333A1fQoxTSNLDtOnQb20PCmjpfFL42rKaBrUS8uTMloavzSupoymQB0yiS8tYfN79IhWVVVJ//795YwzzpC99tqrY0umdevWqZ5OiCa+yoQ9RfWhv2ePBVF6ARJkFUP/I0eOLIttnfBb2TPKntEUblFnWVJGnaF1ljBl1BlaZwlTRp2hdZYwZdQZWiZsgwBllDJqox5lJQ3KaFYiYV4Oyqg5q6ycSRnNSiTMy0EZNWfFM1MgQBmljKZQ7ZxlSRl1htZZwpRRZ2idJUwZdYbWWcKUUWdombANApRRyqiNepSVNCijWYmEeTkoo+assnImZTQrkTAvB2XUnBXPTIEAZZQymkK1c5YlZdQZWmcJU0adoXWWMGXUGVpnCVNGnaFlwjYIUEYpozbqUVbSoIxmJRLm5aCMmrPKypmU0axEwrwclFFzVjwzBQKUUcpoCtXOWZaUUWdonSVMGXWG1lnClFFnaJ0lTBl1hpYJ2yBAGaWM2qhHWUmDMpqVSJiXgzJqziorZ1JGsxIJ83JQRs1Z8cwUCFBGKaMpVDtnWVJGnaF1ljBl1BlaZwlTRp2hdZYwZdQZWiZsgwBllDJqox5lJQ3KaFYiYV4Oyqg5q6ycSRnNSiTMy0EZNWfFM1MgQBmljKZQ7ZxlSRl1htZZwpRRZ2idJUwZdYbWWcKUUWdombANApRRyqiNepSVNCijWYmEeTkoo+assnImZTQrkTAvB2XUnBXPTIEAZZQymkK1c5YlZdQZWmcJU0adoXWWMGXUGVpnCVNGnaFlwjYIUEYpozbqUVbSoIxmJRLm5aCMmrPKypmU0axEwrwclFFzVjwzBQKUUcpoCtXOWZaUUWdonSVMGXWG1lnClFFnaJ0lTBl1hpYJ2yBAGaWM2qhHWUmDMpqVSJiXgzJqziorZ1JGsxIJ83JQRs1Z8cwUCFBGKaMpVDtnWVJGnaF1ljBl1BlaZwlTRp2hdZYwZdQZWiZsgwBllDJqox5lJQ3KaFYiYV4Oyqg5q6ycSRnNSiTMy0EZNWfFM1MgQBmljKZQ7ZxlSRl1htZZwpRRZ2idJUwZdYbWWcKUUWdombANApRRyqiNepSVNCijWYmEeTkoo+assnImZTQrkTAvB2XUnBXPTIEAZZQymkK1c5YlZdQZWmcJU0adoXWWMGXUGVpnCVNGnaFlwjYIUEYpozbqUVbSoIxmJRLm5aCMmrPKypmU0axEwrwclFFzVjwzBQKUUcpoCtXOWZaUUWdonSVMGXWG1lnClFFnaJ0lTBl1hpYJ2yBAGaWM2qhHWUmDMpqVSJiXgzJqziorZ1JGsxIJ83JQRs1Z8cwUCFBGKaMpVDtnWVJGnaF1ljBl1BlaZwlTRp2hdZYwZdQZWiZsgwBllDJqox5lJQ3KaFYiYV4Oyqg5q6ycSRnNSiTMy0EZNWfFM1MgQBmljKZQ7ZxlSRl1htZZwpRRZ2idJUwZdYbWWcKUUWdombANApRRyqiNepSVNCijWYmEeTkoo+assnImZTQrkTAvB2XUnBXPTIEAZZQymkK1c5YlZdQZWmcJU0adoXWWMGXUGVpnCVNGnaFlwjYIUEYpozbqUVbSoIxmJRLm5aCMmrPKypmU0axEwrwclFFzVjwzBQKUUcpoCtXOWZaUUWdonSVMGXWG1lnClFFnaJ0lTBl1hpYJ2yBAGaWM2qhHWUmDMpqVSJiXgzJqziorZ1JGsxIJ83JQRs1Z8cwUCFBGKaMpVDtnWVJGnaF1ljBl1BlaZwlTRp2hdZYwZdQZWiZsgwBllDJqox5lJQ3KaFYiYV4Oyqg5q6ycSRnNSiTMy0EZNWfFM1MgQBmljKZQ7ZxlSRl1htZZwpRRZ2idJUwZdYbWWcKUUWdombANApRRyqiNepSVNCijWYmEeTkoo+assnImZTQrkTAvB2XUnBXPTIEAZZQymkK1c5YlZdQZWmcJU0adoXWWMGXUGVpnCVNGnaFlwjYIUEYpozbqUVbSoIxmJRLm5aCMmrPKypmU0axEwrwclFFzVjwzBQKUUcpoCtXOWZaUUWdonSVMGXWG1lnClFFnaJ0lTBl1hpYJ2yBAGaWM2qhHWUmDMpqVSJiXgzJqziorZ1JGsxIJ83JQRs1Z8cwUCFBGKaMpVDtnWVJGnaF1ljBl1BlaZwlTRp2hdZYwZdQZWiZsgwBllDJqox5lJQ3KaFYiYV4Oyqg5q6ycSRnNSiTMy0EZNWfFM1MgQBmljKZQ7ZxlSRl1htZZwpRRZ2idJUwZdYbWWcKUUWdombANApRRyqiNepSVNCijWYmEeTkoo+assnImZTQrkTAvB2XUnBXPTIEAZZQymkK1c5YlZdQZWmcJU0adoXWWMGXUGVpnCVNGnaFlwjYIUEYpozbqUVbSoIxmJRLm5aCMmrPKypmU0axEwrwclFFzVjwzBQKUUcpoCtXOWZaUUWdonSVMGXWG1lnClFFnaJ0lTBl1hpYJ2yBAGaWM2qhHWUmDMpqVSJiXgzJqziorZ1JGsxIJ83JQRs1Z8cwUCFBGKaMpVDtnWVJGnaF1ljBl1BlaZwlTRp2hdZYwZdQZWiZsgwBllDJqox5lJQ3KaFYiYV4Oyqg5q6ycSRnNSiTMy0EZNWfFM1MgQBmljKZQ7ZxlSRl1htZZwpRRZ2idJUwZdYbWWcKUUWdombANApRRyqiNepSVNCijWYmEeTkoo+assnImZTQrkTAvB2XUnBXPTIEAZZQymkK1c5YlZdQZWmcJU0adoXWWMGXUGVpnCVNGnaFlwjYIUEYpozbqUVbSoIxmJRLm5aCMmrPKypmU0axEwrwclFFzVjwzBQKUUcpoCtXOWZaUUWdonSVMGXWG1lnClFFnaJ0lTBl1hpYJ2yBAGaWM2qhHWUmDMpqVSJiXgzJqziorZ1JGsxIJ83JQRs1Z8cwUCFBGKaMpVDtnWVJGnaF1ljBl1BlaZwlTRp2hdZYwZdQZWiZsgwBllDJqox5lJQ3KaFYiYV4Oyqg5q6ycSRnNSiTMy0EZNWfFM1MgQBmljKZQ7ZxlSRl1htZZwpRRZ2idJUwZdYbWWcKUUWdombANApRRyqiNepSVNCijWYmEeTkoo+assnImZTQrkTAvB2XUnBXPTIEAZZQymkK1c5YlZdQZWmcJU0adoXWWMGXUGVpnCVNGLaFdvXq1zJo1SxYtWiTNzc3SrVs3GTlypIwbN04aGxsjc2lra5M33nhDZs+eLV999ZU6v3fv3nLUUUep/9XU1HRKA/lMmzYtMF1cN2nSJOnVq1dkvlk/gTJKGc16HS2mfJTRYmhl41zKaDbiUEwpKKPF0MrGuZRRC3FYs2aN3HzzzUoi9957bxk8eLC8//77snTpUvXPEyZMUHIadrS2tsqDDz4or776qvTp00f2339/deqbb74pSPuggw6SCy64oJOQ4tz77rtPhg4d2kU6u3fvLieddFLBPC387ESSoIxSRhOpaAllQhlNCLTFbCijFmEmlBRlNCHQFrOhjFqA+fjjj8tzzz0n559/vhx66KEqxfb2dtXLif9deOGFSijDjiVLlsgtt9wiu+++u1x22WUdPakbNmyQKVOmKMmdOHGiDBo0qCMJpDtv3rwu/93Cz8lUEpRRymimKmSJhaGMlggwhcspoylALzFLymiJAFO4nDJaIvSmpiaZOnWqYJj+uuuuU0Pr+vj888/lxhtvlD322EMuvfRSqaqqCswNYvn000+rc0aMGNHpnKeeekoJLSTV+7cZM2bI4sWL5dprr5Udd9yxxF+R3cspo5TR7NbO4ktGGS2eWdpXUEbTjkDx+VNGi2eW9hWU0RIj8M0338j111+vJPSKK67oND90/fr1MnnyZMGwuf9v3mwxnL927VrZc8891bneAzKKXldcjyF5HOh1nT59uixfvrxs5oaGhYEyShkt8RbN1OWU0UyFw6gwlFEjTJk6iTKaqXAYFYYyaoQp/KRCMrp582bVa7px40bVg9mzZ8+ictPD9OhRveqqqzrmgOp0MZ8UEvzJJ59IS0uLmjt66qmnyujRo6W6urqovLJ6MmWUMprVuhmnXJTRONTSvYYymi7/OLlTRuNQS/caymiJ/E1kFNJY7Op2LGrCAqWFCxfKxRdf3GmIXve4rly5UgkoFkmhZxU9pbju5JNPljFjxoROCyjxJyd6OWWUMppohXOcGWXUMWAHyVNGHUB1nCRl1DFgB8lTRkuE6kJGMQw/Z84cNVf02GOPldNOO62TWGIbKPSGQkr33Xffjl7QFStWyK233qq2lrrmmmtk4MCBRr/us88+MzovjZN+dN928uX68ujltc1v2ne+sZ2klfT+9cke8u7ntVbSKrdEfnfBOtmxZ1vmftZN87vJ84vrM1euLBToZ2M3yH4DW7JQlE5leOCNRnnwjYbMlSsLBbr66E1yzJ5NWShKpzLgHsO9xqMrgXNHbZHzRm3OHBqMPvunT5ZayKp2WJ7lw0RGixmmRxFffvlleeSRR9Q+pf4tnaKKD4HFPFP/gqdC12HOalaPnz68g3y5ofMeq1kta9LluuXbq5LO0ii/f5vdW95bWWd0bqWd9Nuzv5Yde7Rm7mdP/ct28sJH0fshZ67gCRTof45ZI/sMaE4gp+KyeHhRd3lkUY/iLqqQs684fJ0ctUf2xAb3GO41Hl0JnDVig5w9YmPm0PTv3z//Mmq6gMlLHxvf33PPPTJs2DAZP368NDQU9+arN8M/5ZRT1F6jeT84TB8ewTk/y+aD6MfTN8vCZdkTrizcCxymz0IUiisDh+mL45WFszlMn4UoFFcGDtMXx6vL2XprJ+wFinmhcbZ20om+9dZbSkR33XVX1bMZtlH+/PnzZebMmXL55ZfL8OHDO5Vp7ty58sQTTxTVM1oiAqeXU0Ypo04rWMKJU0YTBm4hO8qoBYgJJ0EZTRi4hewooxYg6n1CvQuHCm16j9Xw+LxnXd22ocyPP/5YzffEPM+oLzZhjudNN90kQ4YMUXuT6k+F6tX3WMx09dVXy4ABAyz8unSToIxSRtOtgXZzp4za5ZlEapTRJCjbzYMyapdnEqlRRi1Q9n4OFAuKsMk9NqTHJ0H9nwNdtmyZ+qoSNqrX2zVhFTy+wASpPOGEE6RHj67Dr/X19epToxBYvcAJG+X369dPRo0aJVjUtGDBAsEcVq6mtxDUHCTBYfocBMlXRMpo/mJGGc1fzCij+YsZZdRSzNAbic+CYs4mVrNjiB0LkMaNG9dpI3x8lQkyil5L/elPPc+zUFEw/O/dHgryifml6JXFFAEcffv2FcwVRb5hX3uy9HMTS4Y9o+wZTayyJZARZTQByJazoIxaBppAcpTRBCBbzoIyahkok7NLgDJKGbVbo9JNjTKaLv84uVNG41BL9xrKaLr84+ROGY1DjdckRoAyShlNrLIlkBFlNAHIlrOgjFoGmkBylNEEIFvOgjJqGSiTs0uAMkoZtVuj0k2NMpou/zi5U0bjUEv3Gspouvzj5E4ZjUON1yRGgDJKGU2ssiWQEWU0AciWs6CMWgaaQHKU0QQgW86CMmoZKJOzS4AyShm1W6PSTY0ymi7/OLlTRuNQS/caymi6/OPkThmNQ43XJEaAMkoZTayyJZARZTQByJazoIxaBppAcpTRBCBbzoIyahkok7NLgDJKGbVbo9JNjTKaLv84uVNG41BL9xrKaLr84+ROGY1DjdckRoAyShlNrLIlkBFlNAHIlrOgjFoGmkBylNEEIFvOgjJqGSiTs0uAMkoZtVuj0k2NMpou/zi5U0bjUEv3Gspouvzj5E4ZjUON1yRGgDJKGU2ssiWQEWU0AciWs6CMWgaaQHKU0QQgW86CMmoZKJOzS4AyShm1W6PSTY0ymi7/OLlTRuNQS/caymi6/OPkThmNQ43XJEaAMkoZTayyJZARZTQByJazoIxaBppAcpTRBCBbzoIyahkok7NLgDJKGbVbo9JNjTKaLv84uVNG41BL9xrKaLr84+ROGY1DjdckRoAyShlNrLIlkBFlNAHIlrOgjFoGmkBylNEEIFvOgjJqGSiTs0uAMkoZtVuj0k2NMpou/zi5U0bjUEv3Gspouvzj5E4ZjUON1yRGgDJKGU2ssiWQEWU0AciWs6CMWgaaQHKU0QQgW86CMmoZKJOzS4AyShm1W6PSTY0ymi7/OLlTRuNQS/caymi6/OPkThmNQ43XJEaAMkoZTayyJZARZTQByJazoIxaBppAcpTRBCBbzoIyahkok7NLgDJKGbVbo9JNjTKaLv84uVNG41BL9xrKaLr84+ROGY1DjdckRoAyShlNrLIlkBFlNAHIlrOgjFoGmkBylNEEIFvOgjJqGSiTs0uAMkoZtVuj0k2NMpou/zi5U0bjUEv3Gspouvzj5E4ZjUON1yRGgDJKGU2ssiWQEWU0AciWs6CMWgaaQHKU0QQgW86CMmoZKJOzS4AyShm1W6PSTY0ymi7/OLlTRuNQS/caymi6/OPkThmNQ43XJEaAMkoZTayyJZARZTQByJazoIxaBppAcpTRBCBbzoIyahkok7NLgDJKGbVbo9JNjTKaLv84uVNG41BL9xrKaLr84+ROGY1DjdckRoAyShlNrLIlkBFlNAHIlrOgjFoGmkBylNEEIFvOgjJqGSiTs0uAMkoZtVuj0k2NMpou/zi5U0bjUEv3Gspouvzj5E4ZjUON1yRGgDJKGU2ssiWQEWU0AciWs6CMWgaaQHKU0QQgW86CMmoZKJOzS4AyShm1W6PSTY0ymi7/OLlTRuNQS/caymi6/OPkThmNQ43XJEaAMkoZTayyJZARZTQByJazoIxaBppAcpTRBCBbzoIyahkok7NLgDJKGbVbo9JNjTKaLv84uVNG41BL9xrKaLr84+ROGY1DjdckRoAyShlNrLIlkBFlNAHIlrOgjFoGmkBylNEEIFvOgjJqGSiTs0uAMkoZtVuj0k2NMpou/zi5U0bjUEv3Gspouvzj5E4ZjUON1yRGgDJKGU2ssiWQEWU0AciWs6CMWgaaQHKU0QQgW86CMmoZKJOzS4AyShm1W6PSTY0ymi7/OLlTRuNQS/caymi6/OPkThmNQ43XJEaAMkoZTayyJZARZTQByJazoIxaBppAcpTRBCBbzoIyahkok7NLgDJKGbVbo9JNjTKaLv84uVNG41BL9xrKaLr84+ROGY1DjdckRoAyShlNrLIlkBFlNAHIlrOgjFoGmkBylNEEIFvOgjJqGSiTs0uAMkoZtVuj0k2NMpou/ziilSWtAAAY70lEQVS5U0bjUEv3Gspouvzj5E4ZjUON1yRGgDJKGU2ssiWQEWU0AciWs6CMWgaaQHKU0QQgW86CMmoZKJOzS4AyShm1W6PSTY0ymi7/OLlTRuNQS/caymi6/OPkThmNQ43XJEaAMkoZTayyJZARZTQByJazoIxaBppAcpTRBCBbzoIyahkok7NLgDJKGbVbo9JNjTKaLv84uVNG41BL9xrKaLr84+ROGY1DjdckRoAyShlNrLIlkBFlNAHIlrOgjFoGmkBylNEEIFvOgjJqGSiTs0uAMkoZtVuj0k2NMpou/zi5U0bjUEv3Gspouvzj5E4ZjUON1yRGgDJKGU2ssiWQEWU0AciWs6CMWgaaQHKU0QQgW86CMmoZKJOzS4AyShm1W6PSTY0ymi7/OLlTRuNQS/caymi6/OPkThmNQ43XJEaAMkoZTayyJZARZTQByJazoIxaBppAcpTRBCBbzoIyahkok7NLgDJKGbVbo9JNjTKaLv84uVNG41BL9xrKaLr84+ROGY1DjdckRoAyShlNrLIlkBFlNAHIlrOgjFoGmkBylNEEIFvOgjJqGSiTs0uAMkoZtVuj0k2NMpou/zi5U0bjUEv3Gspouvzj5E4ZjUON1yRGgDJKGU2ssiWQEWU0AciWs6CMWgaaQHKU0QQgW86CMmoZKJOzS4AyShm1W6PSTY0ymi7/OLlTRuNQS/caymi6/OPkThmNQ43XJEaAMkoZTayyJZARZTQByJazoIxaBppAcpTRBCBbzoIyahkok7NLgDJKGbVbo9JNjTKaLv84uVNG41BL9xrKaLr84+ROGY1DjdckRoAyShlNrLIlkBFlNAHIlrOgjFoGmkBylNEEIFvOgjJqGSiTs0uAMkoZtVuj0k2NMpou/zi5U0bjUEv3Gspouvzj5E4ZjUON1yRGgDJKGU2ssiWQEWU0AciWs6CMWgaaQHKU0QQgW86CMmoZKJOzS4AyShm1W6PSTY0ymi7/OLlTRuNQS/caymi6/OPkThmNQy0D12zevFmeeuopee2112Tjxo1SV1cn++yzj5x55pnSp0+fDJTQThEoo5RROzUpG6lQRrMRh2JKQRkthlY2zqWMZiMOxZSCMloMrYycCxG9/fbb5aOPPpLddttNhg8fLsuWLZP33ntPevXqJVdddZXssMMOGSltacWgjFJGS6tB2bqaMpqteJiUhjJqQilb51BGsxUPk9JQRk0oZeycv/71r3LPPffIscceK+PGjZOqqipVQvSS3nvvvXLMMceo/14OB2WUMloO9Vj/Bspo/qJJGc1fzCij+YsZZTR/MZMZM2bIO++8IxMnTpRBgwZ1/IL169fL5MmTpbGxUf0N/5/3gzJKGc17HfaWnzKav2hSRvMXM8po/mJGGc1ZzDBEP3XqVFmzZo1MmjRJDcvro7m5WW677TZZtWpVl7/l7Gd2FJcyShnNa90NKjdlNH/RpIzmL2aU0fzFjDKas5gVklH8lDvvvFMWL14s11xzjQwcODBnv65rcSmjlNHcV2LPD6CM5i+alNH8xYwymr+YUUZzFjMTGcVCJv8Qfs5+Zkdxx/zrhrwW3Xm55/ysh/M84mTw4+mbZeGy1jiXlv01lNH8hZgymr+YUUbzFzPKaM5i5kJGH3300cxSmLV8v8yWLe2Cnbrbu2kXITB/xiw8LEcMWCLb12/OXNwYs/CQDO+zQnbtuSZzMXvpi8Gytqlb5sqVhQLt1nO1DOvzeRaK0qkM76weKMvXl8/WizYBb1+/SY4YsNRmklbS2nvvvQX/s3lUtbe3t9tMMI20TGS02GH6n/zkJ7Ju3bo0fg7zJAESIAESIAESIIFMEvj7v/97ymhQZCptAVMmaycLRQIkQAIkQAIkQAIxCJRFzyh+t97a6corr5Tdd9+9A0U5bu0UI868hARIgARIgARIgAQySaBsZHTRokUyffp0GT16tFxwwQVSU1OjgJfjpveZrEksFAmQAAmQAAmQAAnEIFA2Mur9HCh6Rvfff39Zvny52gh/++23L6vPgcaIMy8hARIgARIgARIggUwSKBsZBd0tW7bIU089Jfg06MaNG6Wurk722WcfOfPMM6VPH67Wy2QNZKFIgARIgARIgAQqmkBZyWhFR5I/ngRIgARIgARIgARySIAymsOgscgkQAIkQAIkQAIkUC4EKKPlEkn+DhIgARIgARIgARLIIQHKaA6DxiKTAAmQAAmQAAmQQLkQoIyWSyT5O0iABEiABEiABEgghwQoozkMWtJFbm5ultmzZ8vLL7+sdinYc8895Tvf+Y7U19cbFQVbbN1yyy0yaNAgueyyy9QuBzyyQ4DxyU4sWBISIAESqEQClNEcRh1iiC2sIHYjRoxw/gsef/xxefbZZ6V3794yZMgQGTx4sBxxxBHG+X7++ecyZcoU9S3b888/v+ODBP4EPv74Y7n11lulW7ducvXVV3fZjgtSfPvtt8sHH3yg0jn00EONy1BpJ37zzTdy/fXXq5hdccUV0tjYGIrAND6VxlD/Xs1yzZo1qs6h7lVVVYXimDdvnjz66KOK+cSJE9VLGI90COi20p872pihQ4fKySefLDvttJPTwun6g72wcS+i/fQfxdyvYYVN+rngFJph4kuWLFEdHTvvvHPBdu7VV1+Ve++9t8v9iy80ghs+mrNu3Tp1X6PNPPLII9X/wjpOVq1aJU8//bS89957smnTJqmurpYdd9xRTjzxRBk1apT6dx7FEaCMFscrE2cn2eigAZ06daqsXr1arr32Wunbt68zBu3t7aphwE1++OGHy7nnntvpof/KK6/I/fffL3vttZdMmDCBPawFImHj4eYs0DlL2CujvXr1Kngf4MF08803yyeffEIZzUCcdVsJ8YRk6OOrr76SZcuWqRfjiy66yOlLvbf+4IMsEFLIsPewcb8m+VzIQGhVEdBBgQ4MxBKfAkdnif/AObfddpt89NFH6rmx7777qlNwDf77hg0bZMCAAbLLLrtIW1uboFPk66+/lj322EOd74/VG2+8ocS2tbVVvWjimdjS0iIffvihQG4POuigTl+BzAqrrJeDMpr1CAWUL8lGx0YjWQxiPMwhvytWrFBTATAlAAd6pfCQx9+vuuoq570ZxZQ5i+cmHbcsMrBVJs1y7dq1ghem008/XY499tjA5PHFt2nTpqm/oVeFPaO2ohAvnUJtJaTinnvukYEDB6o2xS8d8XLsepVXRvFX9MaedNJJnV60bdyvST4XbLGxkc78+fPlkUcekeOPP17GjRvXJUmM/Nx4441qpE3HGQKK0bovvvhCieOBBx7YEQ9I5pNPPinPPfecHHfccSpNPRKCHlGkBfm8/PLLlbDqAx/dufvuu+Xtt9/myF2MwFJGY0BL+5KgRufOO+9UQwb+hx/e/nDT4UtUl1xySUfRccO98MIL8vzzzwsaQjw4MeSPGw+fT8URNMTlH3rEzYyGAMMlSBNviaeccoqMHDmy4wYOK0MYx8WLF6s3Vj300tDQIA8++KCas3rqqaeqoRB9YHgFD3/kiQZeH7pHFxI7adIkQY9WJR3FPNyKjU8lccRv1SzxMEPPR48ePQKHBFH/cR+iBwb3AR5c/vtRD+/hgYUeGwgQ7hXcd96pFPp+xujAiy++qHpxxo4dKyeccILCDzHG9BnUf6TTvXt31SOD+wD3iz4gz+ixeeKJJ+TTTz9VMh10j+J8/A1TYDDFYOXKlQXPzUsdKCRouo1AGwZJ2XXXXTt+FpiBL5jhQK8ZYoQeVi9bE166/mDoFnUE0uIfri90v/q/LOiPtW4D/TFJahpX2nUBvdyTJ0+W7bbbLvClQk+b8T4j8JVGvIgccsghgdNucH9BOiGhGBHs2bOn+pl6ytoZZ5wR+EL62WefyU033aTqCzpTuD7CvHZQRs1ZZebMUmUUDeJ9990nr7/+uprHiTlMS5culffff189qNAwY0gLb5R4sGJ+KhpAvHnigYneSvy7nuOJhUwHHHCA4vPmm2+qh7dXGouVHTwUcdOjEcGnXPGQQG8pbnAMm3gf2pTR4GpJGbV3u2qWGGKFkEIOg4YE9YNI95bgpcoro/p+QclGjx6tevchpX/729/U8KK3bkNG33rrrY65ZxBg9MYeffTRaggRowSYOqPvX6SB9HU6upcPL5sQUdwzei6bvkfRQzdmzJiOl0bdU4gHb6H72R5Z9ykVklG0M9OnT1cC7o2T5rDDDjsoDngBAbOmpia5+OKLO4b0TXl578WDDz5YHnroITW86x0CDrtfMRKEefJYZDhs2DD1go46g3/Xw8iQanQGoL6gPUQd2W233VRd8E5NcE87nRz0SyA6YyD53hcGPYyPexPrEMAPx4wZM2ThwoWdhu29pUfdAFPEXj/vEH88h/Dycs0116gedf+BsuC+R88p7k3KqHmdoIyas8rMmaXKKOZeokE877zzVG+KHoJ47bXX1FyYY445pmO4I6yR1MMcmHOFBgByikMPs6NHUs8xLVZGkQ4mk+PNFI0BHqxI97vf/a5ACLwHZZQy6vrG9N4D6J284447ZP/99+/So4IXKMgfeqTwoucfqcAIAqQRw4JaWPHQmzlzprz00kudHoyQUTwsIa1YMKUfanjY4R6FHF144YVKMHHo+dZoG/DfcV9jqgukFXKJe1SLiRYczGvVUq0ftOgRxX3bv39/lS56nZBGbW1tpx4i18xtpV9IRnXvF8ThuuuuU3z0MCziM378+A7umgPaObyso92DmJjw8tYf9Jah5xk9c96XgaB2Vr+UY0QI4qolKyjW4FWpw/T47Xp6DGQf94s+9LMH8cR9ibjpug5BLWYaDerLn/70JzWvtBJH22zdk2HpUEZdE3aQfikyqidzY4smNKpaIlFM3SD269evY4ghTEbxUMUbO4QWQx3eA+WbM2dOx8M1jowiPeSBBz8eFkHzrHAOZZQy6uAW65Sk9x7AA+2uu+5S0uJd0KfFBkPkuK8eeOCBwGkzQWXVddg7rKqH6SGL3hcwvOTdcMMNagQDL2fenhf02Pz5z39W0nLWWWd1LAbUcurN2//w1kPW+K1azLTkoq3AAxi9s3lbJRzUVkLmvvzySzW9CC8M3rYF8w/Rk+zvYQMLxAS9XugVg7hCRk14+dtQsIbg44Vev2AHtbN4EcfwM1Zpa5HySxameGj5qmQZ1azAxz+sjrmf3nvAuygXUqlf0vxze5GWd1qa/jumsUFi9Qidfr4hXX0gTQprcS0zZbQ4Xpk4uxQZDbrh/D8Kw/Z6O6AwGQ3bMsWbln64+mU0aI6Tf84n0tE9tegNClpdTxkNr44cprd3q/pZYpgU8828C5n0HDT938LmcEMY8aKmt4QJul+0+BSaA+6VkLBfijJg6o1/PqT3xRND0bjXMdXmmWeekVmzZinpPOyww9QQNXpI0ZuU16NQOwWxxvY9iJn+jbpHOuz3euXElFfQvYg2EC81ergevXX+rdiCJMdfLtQDvRagkmUUXLwjE5jSoHe2gPR7X7DCZBTngyFevnBgihr+m+49DZNR9JpDeNHRo4fpMZJAGS2u1aCMFscrE2fbkFFM9sbcoqADw3oY1kADXUhG0RhjHil6UoMOPWfJL6Po3cF8HO+B+XPeOTh6WAznYJgeD3GsXtTbcuhr2TMaXCUpo/ZuVT9LiAOmkOheUDx4sL2Mt7c0SEa9c6yPOuooNVcbPSgYAcCWZUE9o2ELEjF/1Ltgz/9roxbwhQ0LY+HOY489JhjCRA8i5AsjH/6FUfbouk0paGsnyAnmiULkMBTvlW3EDX8DW0i5/8C5eg6hXhwWxSuINaQFMdfD9RhexhCwd19g3W6ip1vP4fWXB3OY9b6llS6jes9RTF1BbzHWQWAPUv3vejqaHh3EvNtCw/T+e1j3vuL+DxPNqPvObW3Pd+qU0YzGD29kuGnQIPp7JmzIqMlm6N4eFP/5xTR8xQ7T6wVW6BlFo4LJ+BjWwop4NB7ehwRllDLq+hYOkglvLwzuDayg9c4j9T/I9ANQL37wvsAVGqYPk9FSe0bxQoieOMhM0EcRUF48rOfOnat6V/O6t29QO6U/noGeL/8LbliPdlQdK8Qr7MVQb1cHOcauCZDaIBn174QSVpZi2uSo35PHv+vFSujIQE8oplxgLnbQlAu8CGDtxKWXXhq6x2zYPVxIYimj8WsOZTQ+O6dXFlrth79hgQQa0uHDh6tymG7thCEIvRLXu7ow7MeENaRhX7QISqdYGdVDWHq1KHqe9Gb4/n3fKKOUUac3omcutVcUvCvnMdT9l7/8pdMKe//9qBc/YL6ZX/70vWTSM1pozijuVcgjNvDGF9L0PWMyZxTlg5xBkrFrhT7wYoi54ejVDRrud82+1PTDBA29ZpjzidEYbzywuAi7eIRt3aPLUwyvQqMUuq1DvUDb7C0P5rVizih64DFPVW+5RxkNrxUQUCwIPPvss9WuF5h+ErSHrJ4zjZE2CGnQVJSgZ6reJsr/HNIloozGv2Mpo/HZOb1Sz0FDD8i3vvWtjptFf7pR73+mv4iEhxAm3nsbUQwjYX4avmiEYR7/3CIMX3hXjOLNEm/nmG+DbSkK9YxiWxn0BuGt3rvSE9fgoYZtTzAXCw1pMTLq7S3A4g30iuLQq/cxFOrdDB8rgiHXeIB6F3R4h0Qrce4Oh+nt3Z5hw6x4WL377rtqUQ8WGXnrn/9Bph9SWH2N3k69pyXqM6QIvTkmMlpoNT3udcgX7mnvanqMKOBe0nslBq2m1xuDY7GM9wtBurcJK/PDtrOxR9p+SmEyirZR713s/bSwbquwsBMc9K4COB8dAIgT9jnWq+5NeBW6F/Vw/YIFC9SP987X17HGCBG24MJCK72ADOKqN3rX05v0b/32t7/dscuCfaLZTlHvOYqhdPwP3IKms3g/LY2/4zzv4jw8h/QCNe9LmN7lBdur+TfLBxn0muLlDR0o3/ve9yJfILJNM9nSUUaT5W2cm35gQOzQIELK8EDDnC5sguzfI1Bv44K/YUgN8yyxYTOGBdGQeie6I21sFI+VoUgbUoq0sV0M5sV4b7JCDan+LBp+FAQWZUSaGNbDwxmSikbdVEa9DXPQ6nndiwDx1A9Mb6OC/NGzg98ATliFX6mrGnXcwABz3ILe/LF4Aj1opvExrrxldmLYPaB7V7DS3N/7GNSrontt8IKGeYD6E4J4sUQ99i7iKzRcrPcZRbkwhIu52SgLevv0Fjb+fUb13qHoKYL44FpvG+J9cYW8Yg4j0sC2QhBovWVO3hYzFRq61kKJHQkwSoQpC+CAF3vsrYz5sniJxws/2h6IBr7UA3mFbOgX/SheUS+G+gUc5fHKKG4jxBpShL+hfcOHSSBcaKtxeL8CpHc4wXoA1Als0efdyL/MbsvAn6P3HMWeq3j2FBr9A3eII56TGN3AMwtCqp8fuK9xT+JDE3q+KTJFBwh2eUFc9WdE8d+9n5jFC6Hedq0SuNv4jZRRGxQdpQFBRKOI/QbxRoYbBSJ22mmnqYeZ9wZBETDx/uGHH1YNFx4aaJCwwAj7EuJG836BCQ8/DGPgAYmbCo0r0sZWTVhMpI+ohhQSjKEtTB7HwxUNIVaoYoGF3nbGVHbwQMUm1GgY0AuDtLwHGhp8bg0S7JVVDJmhlwOrj71fgcKqZ/SQVnLPKBrcsEO/oJjGx1E1z3yyYfeAXq2LF0D/MGqQTOreNYxg/P/t3cFq60AQRNH//+twFwIjAn4FvXnkGLJKp2OOJU1JHo3q2WDZXeuFjOoLGi2q3n79be7i+wlMBaJuSGzf+1zu6bcnMHXC1nqpTfH5PIY0+LZvdWNiXxH3t53MdbNVP/9bEG3D+jaP8vn959euv5nl0DGndV+fK2j/6vXtGNr7fE60C4/vaRzPONAV0q6I9vl2EtIDQQrQz6tjX3OZmyfZeyuodpHgr72ek8SM3ktivS0aB3NtfeC2+dw6CWt8bQxr3HyPs/XoM2nsbIpNx9i2mcar/mfbUiHVaxMQRjcv1QQIECBAgAABAocCwughplYECBAgQIAAAQKbgDC6eakmQIAAAQIECBA4FBBGDzG1IkCAAAECBAgQ2ASE0c1LNQECBAgQIECAwKGAMHqIqRUBAgQIECBAgMAmIIxuXqoJECBAgAABAgQOBYTRQ0ytCBAgQIAAAQIENgFhdPNSTYAAAQIECBAgcCggjB5iakWAAAECBAgQILAJCKObl2oCBAgQIECAAIFDAWH0EFMrAgQIECBAgACBTUAY3bxUEyBAgAABAgQIHAoIo4eYWhEgQIAAAQIECGwCwujmpZoAAQIECBAgQOBQQBg9xNSKAAECBAgQIEBgExBGNy/VBAgQIECAAAEChwLC6CGmVgQIECBAgAABApuAMLp5qSZAgAABAgQIEDgUEEYPMbUiQIAAAQIECBDYBITRzUs1AQIECBAgQIDAoYAweoipFQECBAgQIECAwCYgjG5eqgkQIECAAAECBA4FhNFDTK0IECBAgAABAgQ2AWF081JNgAABAgQIECBwKPADT0Qa+lQrJ78AAAAASUVORK5CYII="/>
+          <p:cNvSpPr>
+            <a:spLocks noChangeAspect="1" noChangeArrowheads="1"/>
+          </p:cNvSpPr>
+          <p:nvPr/>
+        </p:nvSpPr>
+        <p:spPr bwMode="auto">
+          <a:xfrm>
+            <a:off x="1831975" y="1531937"/>
+            <a:ext cx="304800" cy="304801"/>
+          </a:xfrm>
+          <a:prstGeom prst="rect">
+            <a:avLst/>
+          </a:prstGeom>
+          <a:noFill/>
+          <a:extLst>
+            <a:ext uri="{909E8E84-426E-40DD-AFC4-6F175D3DCCD1}">
+              <a14:hiddenFill xmlns:a14="http://schemas.microsoft.com/office/drawing/2010/main">
+                <a:solidFill>
+                  <a:srgbClr val="FFFFFF"/>
+                </a:solidFill>
+              </a14:hiddenFill>
+            </a:ext>
+          </a:extLst>
+        </p:spPr>
+        <p:txBody>
+          <a:bodyPr vert="horz" wrap="square" lIns="91440" tIns="45720" rIns="91440" bIns="45720" numCol="1" anchor="t" anchorCtr="0" compatLnSpc="1">
+            <a:prstTxWarp prst="textNoShape">
+              <a:avLst/>
+            </a:prstTxWarp>
+          </a:bodyPr>
+          <a:lstStyle/>
+          <a:p>
+            <a:endParaRPr lang="en-GB"/>
+          </a:p>
+        </p:txBody>
+      </p:sp>
       <p:pic>
         <p:nvPicPr>
-          <p:cNvPr id="8" name="Picture 7"/>
+          <p:cNvPr id="19" name="Picture 18"/>
           <p:cNvPicPr>
             <a:picLocks noChangeAspect="1"/>
           </p:cNvPicPr>
@@ -6962,224 +7482,14 @@
         </p:blipFill>
         <p:spPr>
           <a:xfrm>
-            <a:off x="5725901" y="4247853"/>
-            <a:ext cx="29843920" cy="18453490"/>
+            <a:off x="7846741" y="3535693"/>
+            <a:ext cx="25490832" cy="15761832"/>
           </a:xfrm>
           <a:prstGeom prst="rect">
             <a:avLst/>
           </a:prstGeom>
         </p:spPr>
       </p:pic>
-      <p:sp>
-        <p:nvSpPr>
-          <p:cNvPr id="10" name="TextBox 9"/>
-          <p:cNvSpPr txBox="1"/>
-          <p:nvPr/>
-        </p:nvSpPr>
-        <p:spPr>
-          <a:xfrm>
-            <a:off x="0" y="7200181"/>
-            <a:ext cx="5326461" cy="12255663"/>
-          </a:xfrm>
-          <a:prstGeom prst="rect">
-            <a:avLst/>
-          </a:prstGeom>
-          <a:noFill/>
-        </p:spPr>
-        <p:txBody>
-          <a:bodyPr wrap="square" rtlCol="0">
-            <a:spAutoFit/>
-          </a:bodyPr>
-          <a:lstStyle/>
-          <a:p>
-            <a:pPr algn="ctr"/>
-            <a:r>
-              <a:rPr lang="en-GB" sz="4000" b="1" dirty="0" smtClean="0">
-                <a:solidFill>
-                  <a:schemeClr val="bg1"/>
-                </a:solidFill>
-              </a:rPr>
-              <a:t>Jo Gay</a:t>
-            </a:r>
-          </a:p>
-          <a:p>
-            <a:pPr algn="ctr"/>
-            <a:r>
-              <a:rPr lang="en-GB" sz="4000" b="1" dirty="0" smtClean="0">
-                <a:solidFill>
-                  <a:schemeClr val="bg1"/>
-                </a:solidFill>
-              </a:rPr>
-              <a:t>Hugo </a:t>
-            </a:r>
-            <a:r>
-              <a:rPr lang="en-GB" sz="4000" b="1" dirty="0" err="1" smtClean="0">
-                <a:solidFill>
-                  <a:schemeClr val="bg1"/>
-                </a:solidFill>
-              </a:rPr>
-              <a:t>Harlin</a:t>
-            </a:r>
-            <a:endParaRPr lang="en-GB" sz="4000" b="1" dirty="0" smtClean="0">
-              <a:solidFill>
-                <a:schemeClr val="bg1"/>
-              </a:solidFill>
-            </a:endParaRPr>
-          </a:p>
-          <a:p>
-            <a:pPr algn="ctr"/>
-            <a:endParaRPr lang="en-GB" sz="1600" b="1" dirty="0" smtClean="0">
-              <a:solidFill>
-                <a:schemeClr val="bg1"/>
-              </a:solidFill>
-            </a:endParaRPr>
-          </a:p>
-          <a:p>
-            <a:pPr algn="ctr"/>
-            <a:r>
-              <a:rPr lang="en-GB" sz="4000" dirty="0" smtClean="0">
-                <a:solidFill>
-                  <a:schemeClr val="bg1"/>
-                </a:solidFill>
-              </a:rPr>
-              <a:t>Project in Computational Science, January 2019</a:t>
-            </a:r>
-          </a:p>
-          <a:p>
-            <a:pPr algn="ctr"/>
-            <a:endParaRPr lang="en-GB" sz="4000" dirty="0" smtClean="0">
-              <a:solidFill>
-                <a:schemeClr val="bg1"/>
-              </a:solidFill>
-            </a:endParaRPr>
-          </a:p>
-          <a:p>
-            <a:pPr algn="ctr"/>
-            <a:endParaRPr lang="en-GB" sz="4000" dirty="0" smtClean="0">
-              <a:solidFill>
-                <a:schemeClr val="bg1"/>
-              </a:solidFill>
-            </a:endParaRPr>
-          </a:p>
-          <a:p>
-            <a:pPr algn="ctr"/>
-            <a:r>
-              <a:rPr lang="en-GB" sz="4000" dirty="0" smtClean="0">
-                <a:solidFill>
-                  <a:schemeClr val="bg1"/>
-                </a:solidFill>
-              </a:rPr>
-              <a:t>Supervisors:</a:t>
-            </a:r>
-          </a:p>
-          <a:p>
-            <a:pPr algn="ctr"/>
-            <a:r>
-              <a:rPr lang="sv-SE" sz="4000" b="1" dirty="0">
-                <a:solidFill>
-                  <a:schemeClr val="bg1"/>
-                </a:solidFill>
-              </a:rPr>
-              <a:t>Joakim </a:t>
-            </a:r>
-            <a:r>
-              <a:rPr lang="sv-SE" sz="4000" b="1" dirty="0" smtClean="0">
-                <a:solidFill>
-                  <a:schemeClr val="bg1"/>
-                </a:solidFill>
-              </a:rPr>
-              <a:t>Lindblad </a:t>
-            </a:r>
-            <a:r>
-              <a:rPr lang="sv-SE" sz="4000" b="1" dirty="0">
-                <a:solidFill>
-                  <a:schemeClr val="bg1"/>
-                </a:solidFill>
-              </a:rPr>
-              <a:t>Nataša Sladoje</a:t>
-            </a:r>
-            <a:endParaRPr lang="sv-SE" sz="4000" b="1" dirty="0" smtClean="0">
-              <a:solidFill>
-                <a:schemeClr val="bg1"/>
-              </a:solidFill>
-            </a:endParaRPr>
-          </a:p>
-          <a:p>
-            <a:pPr algn="ctr"/>
-            <a:endParaRPr lang="sv-SE" sz="1600" b="1" dirty="0">
-              <a:solidFill>
-                <a:schemeClr val="bg1"/>
-              </a:solidFill>
-            </a:endParaRPr>
-          </a:p>
-          <a:p>
-            <a:pPr algn="ctr"/>
-            <a:r>
-              <a:rPr lang="en-GB" sz="4000" dirty="0" smtClean="0">
-                <a:solidFill>
-                  <a:schemeClr val="bg1"/>
-                </a:solidFill>
-              </a:rPr>
-              <a:t>Centre for Image Analysis,</a:t>
-            </a:r>
-          </a:p>
-          <a:p>
-            <a:pPr algn="ctr"/>
-            <a:r>
-              <a:rPr lang="en-GB" sz="4000" dirty="0" smtClean="0">
-                <a:solidFill>
-                  <a:schemeClr val="bg1"/>
-                </a:solidFill>
-              </a:rPr>
-              <a:t>Department of Information Technology</a:t>
-            </a:r>
-          </a:p>
-          <a:p>
-            <a:pPr algn="ctr"/>
-            <a:endParaRPr lang="en-GB" sz="4000" dirty="0" smtClean="0">
-              <a:solidFill>
-                <a:schemeClr val="bg1"/>
-              </a:solidFill>
-            </a:endParaRPr>
-          </a:p>
-        </p:txBody>
-      </p:sp>
-      <p:sp>
-        <p:nvSpPr>
-          <p:cNvPr id="3" name="TextBox 2"/>
-          <p:cNvSpPr txBox="1"/>
-          <p:nvPr/>
-        </p:nvSpPr>
-        <p:spPr>
-          <a:xfrm>
-            <a:off x="9430917" y="22321861"/>
-            <a:ext cx="13105456" cy="1649682"/>
-          </a:xfrm>
-          <a:prstGeom prst="rect">
-            <a:avLst/>
-          </a:prstGeom>
-          <a:noFill/>
-        </p:spPr>
-        <p:txBody>
-          <a:bodyPr wrap="square" rtlCol="0">
-            <a:spAutoFit/>
-          </a:bodyPr>
-          <a:lstStyle/>
-          <a:p>
-            <a:r>
-              <a:rPr lang="sv-SE" dirty="0" smtClean="0"/>
-              <a:t>Add numeric values and formula for F-score</a:t>
-            </a:r>
-          </a:p>
-          <a:p>
-            <a:r>
-              <a:rPr lang="sv-SE" dirty="0" smtClean="0"/>
-              <a:t>Update graph</a:t>
-            </a:r>
-            <a:endParaRPr lang="en-GB" dirty="0"/>
-          </a:p>
-        </p:txBody>
-      </p:sp>
     </p:spTree>
     <p:extLst>
       <p:ext uri="{BB962C8B-B14F-4D97-AF65-F5344CB8AC3E}">
@@ -9367,10 +9677,10 @@
           <a:lstStyle/>
           <a:p>
             <a:r>
-              <a:rPr lang="sv-SE" smtClean="0"/>
+              <a:rPr lang="sv-SE" dirty="0" smtClean="0"/>
               <a:t>Move stuff around!</a:t>
             </a:r>
-            <a:endParaRPr lang="en-GB"/>
+            <a:endParaRPr lang="en-GB" dirty="0"/>
           </a:p>
         </p:txBody>
       </p:sp>

--- a/Presentation_material/presentation.pptx
+++ b/Presentation_material/presentation.pptx
@@ -7116,40 +7116,6 @@
       </p:sp>
       <p:sp>
         <p:nvSpPr>
-          <p:cNvPr id="3" name="TextBox 2"/>
-          <p:cNvSpPr txBox="1"/>
-          <p:nvPr/>
-        </p:nvSpPr>
-        <p:spPr>
-          <a:xfrm>
-            <a:off x="9430917" y="22321861"/>
-            <a:ext cx="13105456" cy="800219"/>
-          </a:xfrm>
-          <a:prstGeom prst="rect">
-            <a:avLst/>
-          </a:prstGeom>
-          <a:noFill/>
-        </p:spPr>
-        <p:txBody>
-          <a:bodyPr wrap="square" rtlCol="0">
-            <a:spAutoFit/>
-          </a:bodyPr>
-          <a:lstStyle/>
-          <a:p>
-            <a:r>
-              <a:rPr lang="sv-SE" dirty="0" smtClean="0"/>
-              <a:t>formula </a:t>
-            </a:r>
-            <a:r>
-              <a:rPr lang="sv-SE" smtClean="0"/>
-              <a:t>for F-score</a:t>
-            </a:r>
-            <a:endParaRPr lang="sv-SE" dirty="0" smtClean="0"/>
-          </a:p>
-        </p:txBody>
-      </p:sp>
-      <p:sp>
-        <p:nvSpPr>
           <p:cNvPr id="11" name="AutoShape 2" descr="data:image/png;base64,iVBORw0KGgoAAAANSUhEUgAAAqMAAAGhCAYAAABVv73+AAAgAElEQVR4Xuy9CbgV1Znv/Z75MCggMjghiCOIIM7zgAPiPGA0DiSKU0hyO+l8N33TSfftDP3d9NfdSSfXiIo4gBHnAScURBE1KlERh6goCCoKKsjMGb/nv+h1qFOnatfatdeqYe9/PU+eqKdqrbV/76pVv1pTVbW3t7cLDxIgARIgARIgARIgARJIgUAVZTQF6sySBEiABEiABEiABEhAEaCMsiKQAAmQAAmQAAmQAAmkRoAymhp6ZkwCJEACJEACJEACJEAZZR0gARIgARIgARIgARJIjQBlNDX0zJgESIAESIAESIAESIAyyjpAAiRAAiRAAiRAAiSQGgHKaGromTEJkAAJkAAJkAAJkABllHWABEiABEiABEiABEggNQKU0dTQM2MSIAESIAESIAESIAHKKOsACZAACZAACZAACZBAagQoo6mhZ8YkQAIkQAIkQAIkQAKUUdYBEiABEiABEiABEiCB1AhQRlNDz4xJgARIgARIgARIgAQoo6wDJEACJEACJEACJEACqRGgjKaGnhmTAAmQAAmQAAmQAAlQRlkHSIAESIAESIAESIAEUiNAGU0NPTMmARIgARIgARIgARKgjLIOkAAJkAAJkAAJkAAJpEaAMpoaemZMAiRAAiRAAiRAAiRAGWUdIAESIAESIAESkC1btsjMmTPl4IMPlsGDB5OIYwLLly+XF154Qc466yzp3r2749yynTxlNKPxaW1tlb/+9a/y7LPPyldffaVKecghh8gFF1yQ0RKzWHEItLe3y7vvvitz5syRTz/9VNra2mSfffaRyy67TOrr6+MkyWscETCN1fr162X27NnyxhtvyMaNG6W2tlbFc7/99nNUMiZbLgRQb5566inp3bu3TJo0SXr16pXYT9u0aZPcfvvtsmTJEjnjjDPkmGOOSSzvSs3olVdekQceeEB222031UZsv/32lYpCKKMZDD1E9L777lMy6j1Gjhwpl1xySQZLzCLFIQC5gYQ+/fTTgn/WB3okrrjiCmlsbIyTbGLXLFu2TKZMmSKbN29WDemIESMSyztuRosWLZJp06YpthMnTpRBgwappHDPPfHEE/LOO+/I6aefLsOHD++UhWmsvv76a7n55ps7XiB1InnhE5drJV7nov6nJaP6mfPaa6/JEUccIWeeeabU1NRUYlgT/c3edmXIkCEyYcIE6datW6JlyEpmFSWj33zzjVx//fWyZs2aUP51dXWy0047yfHHHy/Dhg2T6urqxGP1wQcfyK233iotLS3qoYi3VLwhNzc3V2xFTTwICWT4xRdfyE033STr1q1Tb8bnnXeeDBw4UA2VoUGqqqpKoBTxs3DxMI5fGrMrw2T0k08+URKJ3qF9991XLr/8ctWjqQ/TWD300EPy4osvqmtPPfVUOfTQQ1Uc8WBH28KjfAi4qP9pyegzzzwjs2bNkj322EMJkX4RNnlmeiOaRo9u3msUXgSmT5+uXoRPPvlkGTNmTObbfhfMKaMFqOLG/Pa3v5141zmGadAo9enTR6677jo1ZMOj/AhgGPfPf/5zl166rPzSMHHT5XPxMHb928N+E3p30WP64YcfytixY9XLqPcwiRXSQE8xuIwaNUouvvjisn+o4DdPnTpVli5dKpU2cuOi/qcho6tWrZIbb7xRmpqaOo0WoP5TRl23SFvT13UJL7FXXXWV6hCrtKNiZTSo4UTPI27MefPmqflemL+n3xST7Dq/8847ZeHChWoCeR6GayvtprH1e9N48BRT9kqS0SguJrHyPrhPOeUUOemkk6KSzf3fKaN2p6mY1DOblQbDxA8++KD85S9/kdGjR8v48eM7Dc9763SlvWzY5ByVFuJw//33C+aQYjTl/PPPL/sXWT8TymhALfHO48CfL7zwQjnooIOi6pO1v1NGraHMdEJJP3iKhUEZ3UbMJFaU0cqa014OPaNYHDt58mTBojsMz2OKivegjBbbasY/H6MyGGXAdJ6rr75adt555/iJ5fBKymhI0LAKFnPIsMIZc0exAME7oRu9qJjs/dxzz3UsVsBwOla8H3300V0Wn+iGC9lh4QQWOjz55JPq//FGes4553QMdwUVKaiXVJfh+eefly+//FL15KIHF6t2MV8Nw/z+I6ocF110kVqQoofe0MOD34OpA+itxfxGzKPdZZddZNy4cTJ06FCVxYoVK+TRRx9VKzEx1xU3FBa0hJUD14SVH6vJMW9mwIABXcqvRR1v6RgGRQ82REHvONC3b1/VI4Vh0rD5vvh98+fPl1dffVXNH8bLB+bkHnjggXLiiSeGLhwqNuZh7YH+DUF/D5tzhTmLWOz03nvvqXmN+G077rijKm/Qb/XHELF4+OGH5aOPPlLTPr73ve8FTj/xXhdVD/0P41133VXNO4PEgpVJHQD7jz/+WC3i0nUHdbhQHYhqZ5E35m0ixniYYugLDTuG38EuaAFTmEiaxArX6oVcQWUL6iXV8Xz77bc7WGEBA+ru7rvv3qlXpNhY6vr98ssvq9+v6wpWR6Ot8c9djXNP6ReVsFiYLNjyt0Uo12OPPabqgbf+oJ3BKmO0b977Xd+3aJ+OPPLI0Dm5cdpJ/bv8eWL+r77v0NbccsstBRfwFRuLqJcepIf5nWiLddu13Xbbqbb2hBNOKHr1PdrAe++9V7XnGB72by/kWkbB980331SjkZ9//nnHsyPsXvCL8ty5c1V7g+cSYoOYYAHW4YcfHlofgtp/MMQzBfdq0MJRXd/Rdl577bXy1ltvqZ1uIPGnnXaaYq+PuM8Jr3Ngncixxx4b1dSV1d8powXCGdZDuXbtWjXXDw/2oKN///5qeH2HHXbo+LNueFFRIbd4COFGxIGbAMMjM2bMECyk2LBhg2qM8RDt0aOHusnwoIco6u1+0BBhGw7IctCBhh3bQEFUvAthosqB1frehx/EFqIZtOgL5UO50RBArCGh/gON25VXXqkW6HgPTIdA+VeuXBlafqSN8nsPHRO8wYMFGjL/gd8bNhEcfO+4447QRWxobLB4Bby9R5yYh1UtDIthOycsVNJi2bNnTyUNeOiihwKNIw48cPGyEcYX5+CFAA9/74PEG0P8HbKuY1hokQHmjel6iDqIugieqIeIt7ceemUUMqC3MvL/bjwg8KDz3g84BxP38fDFA0XfC95rUYeD6kChFhgNut6exn8e+EJKUQf8q+nDZNQkVqgbYIZY4uGkXwobGhpUEfBQgTDpeGIo7pFHHlH3eFAZ8UDEw03ft8XEEg90yDbur6Bjzz33VHXFO+0ozj31t7/9TW1Jg/qJOqJfQFFPcGAxnr+XzV8er4zutdde6p4IakNQfy699FL1woJFHkEH6rh34Y0+J247iesRHwydotMhqI1BO4/OBJwXJN9xYlFIRqPaLtz/eEZEcde/Bfcf6gqY4iUF1/oPlzKK++Xuu+8OjSnq/3HHHac6NPwr+yGD99xzj3pWBR2Qa9QH/3qLKIZohxFLyLD30DIKxtiBA50CegcU78tmqc8J1De8ROJ++M53vlNRix4powWebEEyqvdi0z1M5557ruy9994qFTTQqEx4IOG/4WbQvRDeBzfOxU1y1FFHKflAD6Z3g+GoYXpvGfBQxVY0aEwgC5999pnaFgqSin+HWHkbJ5Ny+HvHsMIbm/KixwYNGN7K0YOB89BI4KZEwwxxwMMe/33BggWqlwwPl/33319tSaUbFJQfPa/oEQMHPLjAC40Pyo8GCg05HkIYrvD28Hp7qvD70NsDjngI4lq85eNayByu9fau4sGE3m48qJGvjh3yff/999XDFefgt1xzzTUdQhg35oWkCX+L6gXBORA8NLrgiN5CxAE9M5BG9Cbg7RwPQ39988cQ9RB1BHOgIfE4P2p1dzHD9Cgr6snZZ5+t6jLyR+8kRBNlP+yww9Q8KH14p8KgXkC+9IgCevlxH+Eew8PBdEI/6iauQ92DeGKUAj2NqAt4oXr88ccFO1XgMJVRXV6TWJkM0+t4oqzYWBwPWrQBeIhhs3G8XIGH9741jaV3WynEAtOLcD8iL/SA4Z5FXUGvEeq+lt1S7qlS5ox62yKUBfUTPf247/GCi9EYxBJ1BXUV9QjM8PBHTPGChZjixR7X+6dTldJOIu56hTn+GW0oemj79esnq1evVvcuJFULiV9G48YirJ55OeOlDh0NuJeRP9ouvDSh7UL5cL+YLHrFcwpD9OgQQNuN+yVJGdW/Ve88gXqJtgn3P17WIHz4G0bAvNvGYaN49EjjxdNbz8EC2yFihA68/G2iNyZB7T92wsA5QW2OfyQA+aIHFu0IFhvh3208J3RPdSUuXqaMhhiD9+b3vqVg6A8PDfQsfPe731WC5j0WL14st912m3oAeOfgeBveqEVRUTKqy+B/aOlyeG8K9GShcdI9ISbl8P72sF4tTHiHvOHwyxv+GxoGcEJZ0Xh6h4Xx8EDvJB4wePtDb4338JbR30hqNmik8PDx95xiiA8NFWQNOyF4/44HF+QtTHAgLJBVNNKQPt2bFTfmpcooHshY5YqHhb9h1Wl75cb7MPbGEG/zQXU1qnzFyGhQncY9gHihF8M/DKhZo1ctqBcb/x1D33ip8otsWLm9sUeaEFHvqADKgxcdMEtDRr3xxBx0CIW3x0dv8YL7w9vmmMTSuxAl7J5FjyxkHfUBL1t4gOIo5Z6yJaNhPNDLjZd8HH6Jxn9DPcH2aKhP/t69UtpJPZcSLxhoQ771rW91ihV4Q6bQW4vDK6OlxCJMRvHijnZN98JidC3ouYO/oxfZZM9fvZ0ZJB8jeXrKlTddVz2j3p0nghbseO9/784U3jYl6LmDsqO+4PmCOOhnsDcmYe2/V1b9HSheGQ2qq8jXxnNCzxtFu4ARRb9fRLXZef47ZTQket4eKT1/w9vwhq14856D4Tlci8MrWH5J8hehkIx60/ffMN50MPSCIRgcYVIcVg6TB4z39+Chj94K/xEmM+i5xMMjrIfOO3fGP99Os8FQCebe+uf3eN/2vdd60/TGxVtmNFjY7w3l1itHS4l5VMMQ1duGcqA8kHY0TP6hI6SPhw/2pMVLUJjA4MGEB1Sx+5YWI6NhdQkNNHo5/FMD9G9HTw7EKOjLI/qcsPlsfr7oEUFvMeb/Yl4XpMy0Tkb1akbFCvlEpaHjiRfDsAUK+hz0/OE3oBfcWwfDYolesRtuuEH12oXNN/Oe433Ji3tP4TebtBVh94HJAiDNHfd52MM5qL0stZ3UPVRoo8LuvbDylxKLsHoGwYKY67bALyloB9BDipdw3VMX1f7oTgFMJ/F+ACIJGfW202HPD2wXhvoMecTLLgQNvabozcVIQlhvrld09TPAGxNs24Ze7qAD7QfaEYy0eV/YvG1hUD209ZzAsxEdEJBxk3nXUTHO098po75ooRJgeFEPf3qHPbwVpZBQ6sbRu/DJpOHVRSkko94yhN2MSCfsZjcph8kDxvvgDbtpomQm7Ebx5h8mo2HbXoVdq3sB8HcMgfq/sKPLgl5lNOh4CEEaSol5VEMQJTh6/lCUjGnhg4ThE4IQP5MYRpUvKn4mdck78V9/3hAPToweYMi8kCjrayGqWszCyuxNM2jBob4u7DdFiWRUrExkVMcz7EXK+9KKHiDdW2USyyhZ8Yuj94UsaiSm0P1oUrZSZDSo/vjTCyp/qe2kyb0XVv9LiUVYPfP21EJEMb8z6GUr6p72/t2EbTH7jBaz9ZO3hxM99XiWYX1C1EdmtEDj5QQjfv65/fh96FRA5wN6fCHaOFfHBOmH9QLj2rD2PqottPWc8PL2js4VE9e8nluxMmoSMP9iFt2FHrTwICg9rzCZPLhNZNS0Gx9ChXmZmHfnbSRMymHygLEho0gDi3PQwOCfgxYv2JJR7wMirBcgKIalxDyqjhUSHO/igqiezaAeDpMYRpUvqgE2qUtBDzxvL3VUGfB3/5B60DXe31toWD8tGfXG0+Q34xz9kmcSS92TZ5q2t00oRxkttZ3UTAotJAmr/6XEolCb4B2twygHnk+YR47pCVggWuznO13KaNguFN5nov/TuXj5x+gP6ibm6Abt7R020hJV73VMvC/sQdegx/VPf/qTmjvqffZEtYW2nhNRL8VRvzPPf6eM+qKnt0HBDY4Vwt5h4KjtTPwVwYWMRt0U3jJ4t2zR37Q3EQiTh1+pMoqGFYuNtNhjWEQvqPGu0LUlo8VwC+o9ML3Ji/lQQaEHj0kMdJn8W+Sg562Y68N+WxQzk7oU9MArprcljowW2nA+LRn1xsO0LhUjo7oumaZd7jIaVXej2smgttPPNqz+lxKLqB54TG/CXHx0Mnh3oMBzCivP0eMdtTBR/w79VbFCu2vEnTNqIqMoB+4LvVAN/6wPPIfRU4reQe8C1ig+YfXf9LqwUYCo+lSKG3jLTBk1bcFyfl7cG0v/bJM5NmGITB7c+tpCPRWmb/xhMmJSDhORKUVG9WpIDIkfcMABao9VvSWMbqC8+5x6v2QTtxcnbs9oKTGPul1s9YwGNZQmMYwqX1QDbFKXgmQ0rPchqjyF/h42V9t/TVoyGjZSYfKbTWKJXQueeOKJLnNzTdKPe0/579Vihmlxbdz64/9NQeUvtZ0MmmplKqOlxMJUmvASjzmV2A4LUolpWTiiFsd6f0OxPaPFxtek7ulzINZYqImpO+jFxD686JTwL7503TMaJoNRbaGt5wSH6YupNTk+t1QZ1fMOIVFRi5BMG64gnKZzRguVIctzRvVCk7C5kGnOGfXHo5SYR90qUQ8ekzmGyCNvc0a9YhY1BSGKof57sfNQ01hNj71IsR1QoTmjQb/XREa9D8NiV+GWo4yazuELaydN7r0wmS4lFlFtQlD9gMi99NJLauEN/tn0i4EmAlXqM9P0/g1qd/V+0N6FuiZzRoPyNJnHi+vizhm19ZzgAqa4NSZn15V6Y3kbrkIr2YOwmPQC6OsKPRwgwth+CJW/1NX0YQuPTB5+pfSMRg2BBa2GNGHj76kpdjU9rtebnGOICHsxlhLzqNsj6sGDPfOwx2ipq+nj9mhE9QaY1Omw3hf9sC+08j2Kn//vmmehPfrS6hn1vjQUWqEdV0a9D7FCq4WLffktdE/5/1ZsPSul/nh/R9h+0KW0k6gn2Mmi0ErzsPKXEougNgGCiRdODNFjwQ6mj/l3xvDOwzbdCi3NrZ3Qc409ZDEvFF/b846M6djqTgts4YQFjFhVb7Ka3vvhDv3BCe8CsFJX0wetObD1nNBbeIFBsS+VxbaXWTu/YueMFttw6sDpvSrD9rnEeXgLw9AJ5rvor+KYNLymwqX3Mwvbp9N0n9G0ZFT3EAVt6+PdDB3/bGvOKNjq2GF1NrbtQP7eAw0WHmCYvO7dHiduzKNu9igZ9e5LidX/2J7Jv0jBZJ/RuHU9qufEpE6Hyah3T9CwffswnI9PmOKBYrLfnsk+oxAM/K40eka9D8Sw4VR8lQu/GTsCIOaQDpOXQ//q5KB9ZXE/4esueKBjs309t7CUntFSph+UUn+iZFTLP+ZXxmknTfYZRbuAz0Hj8LalpcQirE3QYoY9m7GK3L+SHvcKtgTCBz0KzZn2cktz03s9jQKijZX0WKPhPVBX8cKKvXG98/D9exdDDP0ii+kLmObl3ZPVu89oWPtvss9oocWUNp4Teh5v1EKrqGdLHv9OGS0yal5BQCOHRh1voniDhgRCFLEtFFaGYy8zTCrHYdLwmspooS+LRH29wqQcJg+/UnpGdY8fGgisVsW3fbGvItjiq03YL09/2cS/B10pD07vF5ggouj5hBTgwIIA9IqiMfdvphw35lFVK0pGcX3YF5hQvzDkq7+E5f8cokkMo8rnHXrCl66wkbz+1CUkyaQuhcmo9+GAtNDLjxcA9GrigYM6ACnDAwIfRcDHEfSncMPK7f8CE77MBZHFwwpz0LLwBSb9IonfD8HG18ew+Tz+HV8QwwMYG/2jfmIvUjyUTGPp/WgDepHOPPNMNScbLzCQFWzQjvl4WByCBY16e7NS7inEQr9cYiEMpAxlR55RC2lKqT8mMlpKO4n0vV9gQv0cO3as+oAH6iT+VugLTHFjEdYmeNPzfnUI9463zS+m1927w0NYb2qpo4lh9ypEEfum4j73fkUQdUY/R/XX2/w9md4vMHnvIf2de7yABH0FsdAXmHDvYRQKvdpBn7COGiXC77TxnNAvHfwcaNTTKed/t3VjRX1XHY09Pm8IkdI9WSYNr6mM4jyTby6jZxab8wd9mx4PuLR6RtEI4pOlkNKgA9uUoIcIE9r9cwpLfXBGfZsYD1Jw0V+n0eWLE/Oo28VERk2+TQ+hxvxh78bxpgJTqIzeB4Y+r9gdIgotkkD6eAFAPdAvH/7yBP22QmX2Coj/PNyX2AoHPag4vMNtUatYTWIVlQbyxAMTIoP0vKuhvWX118FiYonfho9d6AUtfgZ42PvbhVLvKf3FG+/WbCYbdpu0iSaLbAqVP247CW6F2im0qXhJgiSCddDvjROLQvUs6nvsGK2DMOPF0fQDF3rLo7D5+7aemUH3bFRscA1GCPD1K/82T1EswtqNqPYfL3HYw1V/4luX20RGcW4pzwnvfR724YqoZ0qe/86e0ZjRw4MUb8bYJxNvprrHCCKFnj58E7pYCSxGRnFuWBkw3xE9tt4tMXTaJg8Ak4dfKT2j+qGMXj88mMEPMoKhJ/QkY8gGPUTg650vhOtKfXAiDfw+9FChIUaDiAO9OvjWMP6HXu6go9iYR1UtE8HRaaBnb86cOep7zRAuvQUZvuWNz+X5N4s2iWFU+fB39KjpebSIEfb/Q68aemBM6lKUTCBNzJMCCzy8wRgPVdQF9IjgtxW7fyLSwIcrEGPUU6SH+xEPapQbnxlNS0YLxRN1EJ+89NfBYmPpr99gjN5hiDh6t/1DvKXeU0j/9ddfVwtoIGYQXsgZ6kqhw0b9MWkT4rSTutxo19FOoX5i6B5tOr6KhfsOwoM9KdGGFHqx97Y1UbGIahNQn9FjiKkmuDeRHkQNscXcywEDBpjc1h3n6OkImHMatBm8Sxn1PsPACGXBC42+X3H/Q0bDNsLXLNDGoFdSt4noCCrUbgTdHxiZw3QmTHHwf9UP5TSV0ULP5TA30MHQ04zw+8O+0FZUcHN2ckXJaM5iw+KSAAmQAAmQgDMC3uky6ATA/M1iX/6cFa6CEkYc9BzkSo0DZbSCKjx/KgmQAAmQAAl4CWBoGYufsBitmK/TkaI9AjoG6InHArWddtrJXuI5SYkympNAsZgkQAIkQAIk4IKAXqyFhTMTJkyIXHzmogyVmqaem4xpaZhGg+kWpnN+y4kZZbScosnfQgIkQAIkQAJFEqAQFQnM0unerQyHDBmiXgT8i7UsZZX5ZCijmQ8RC0gCJEACJEACbgnonSiwkAafaMZCOh5uCWAf1QceeECwuAmL4Lw7orjNOXupU0azFxOWiARIgARIgAQSJ4At9R555BHBhyj0HsyJF6KCMsSeqS+88EKnD+RU0M/v9FMpo5Uaef5uEiABEiABEiABEsgAAcpoBoLAIpAACZAACZAACZBApRKgjFZq5Pm7SYAESIAESIAESCADBCijGQgCi0ACJEACJEACJEAClUqAMlqpkefvJgESIAESIAESIIEMEKCMZiAILAIJkAAJkAAJkAAJVCoBymilRp6/mwRIgARIgARIgAQyQIAymoEgsAgkQAIkQAIkQAIkUKkEKKOVGnn+bhIgARIgARIgARLIAAHKaAaCwCKQAAmQAAmQAAmQQKUSoIxWauT5u0mABEiABEiABEggAwQooxkIAotAAiRAAiRAAiRAApVKgDJaqZHn7yYBEiABEiABEiCBDBCgjGYgCCwCCZAACZAACZAACVQqAcpopUaev5sESIAESIAESIAEMkCAMpqBILAIJEACJEACJEACJFCpBMpSRjds2CAvvfSSLFy4UMaPHy+DBg2q1Pjyd5MACZAACZAACZBApgmUjYy2trbK0qVLZc6cOfLRRx9JW1ubNDY2ysSJEymjma6CLBwJkAAJkAAJkEAlEygbGV20aJFMmzZNCejo0aPliy++kE8//ZQyWsm1m7+dBEiABEiABEgg8wTKRkY///xzwfD84MGDpaamRu6880557733KKOZr4IsIAmQAAmQAAmQQCUTKBsZ9QeRMlrJ1Zq/nQRIgARIgARIIC8EKKN5iRTLSQIkQAIkQAIkQAJlSIAyGhLUpqamMgw3fxIJkAAJkAAJkAAJlEagvr6+tAR8V1NGQ3B++OGHsmbNGquwmRgJkAAJkAAJkAAJ5JnAfvvtJ927d7f6EyijVnEyMRIgARIgARIgARIggWIIUEaLocVzSYAESIAESIAESIAErBKgjFrFycRIgARIgARIgARIgASKIUAZLYYWzyUBEiABEiABEiABErBKgDJqFScTIwESIAESIAESIAESKIYAZbQYWjyXBEiABEiABEiABEjAKoGylVGrlJgYCZAACZAACZAACZCAEwKUUSdYmSgJkAAJkAAJkAAJkIAJAcqoCSWeQwIkQAIkQAIkQAIk4IQAZdQJViZKAiRAAiRAAiRAAiRgQoAyakKJ55AACZAACZAACZAACTghQBl1gpWJkgAJkAAJkAAJkAAJmBCgjJpQ4jkkQAIkQAIkQAIkQAJOCFBGnWBloiRAAiRAAiRAAiRAAiYEKKMmlHgOCZAACZAACZAACZCAEwKUUSdYmSgJkAAJkAAJkAAJkIAJAcqoCSWeQwIkQAIkQAIkQAIk4IQAZdQJViZKAiRAAiRAAiRAAiRgQoAyakKJ55AACZAACZAACZAACTghQBl1gpWJkgAJkAAJkAAJkAAJmBCgjJpQ4jkkQAIkQAIkQAIkQAJOCFBGnWBloiRAAiRAAiRAAiRAAiYEKKMmlHgOCZAACZAACZAACZCAEwKUUSdYmSgJkAAJkAAJkAAJkIAJAbcdXrkAACAASURBVMqoCSWeQwIkQAIkQAIkQAIk4IQAZdQJViZKAiRAAiRAAiRAAiRgQoAyakKJ55AACZAACZAACZAACTghQBl1gpWJkgAJkAAJkAAJkAAJmBCgjJpQ4jkkQAIkQAIkQAIkQAJOCFBGnWBloiRAAiRAAiRAAiRAAiYEKKMmlHgOCZAACZAACZAACZCAEwKUUSdYmSgJkAAJkAAJkAAJkIAJAcqoCSWeQwIkQAIkQAIkQAIk4IQAZdQJViZKAiRAAiRAAiRAAiRgQoAyakKJ55AACZAACZAACZAACTghQBl1gpWJkgAJkAAJkAAJkAAJmBCgjJpQ4jkkQAIkQAIkQAIkQAJOCFBGnWBloiRAAiRAAiRAAiRAAiYEKKMmlHgOCZAACZAACZAACZCAEwKUUSdYmSgJkAAJkAAJkAAJkIAJAcqoCSWeQwIkQAIkQAIkQAIk4IQAZdQJViZKAiRAAiRAAiRAAiRgQoAyakKJ55AACZAACZAACZAACTghQBl1gpWJkgAJkAAJkAAJkAAJmBCgjJpQ4jkkQAIkQAIkQAIkQAJOCFBGnWB1n+h/Pr5FHnujxX1GOcnh2H1r5Sen10uPhqqclJjFJAESIAESIAESAAHKaA7rwZ+ebpL7X23OYcndFhlC+s/nNbjNpITUH3i1WR5c0CJtbe0lpFI+l47avUYmnVIv3ev5AlE+UeUvIQESIIHiCVBGi2eW+hXn/G6jrNtEoQkKxJyf9Ug9PkEFePyNFvmPx7dksmxpFuqwoTXyr99qTLMIzJsESIAESCBlApTRlAMQJ/sx/7ohzmUVcU1WZfSHt2+Stz9tq4gYFPsj75zUXQb2Yu9osdx4PgmQAAmUCwHKaA4jecn1G+Xzb9gzmqee0R9P3ywLl7XmsLa5LzJl1D1j5kACJEACWSZAGc1ydELKRhkND1pWe0Ypo+Exo4zmsBFikUmABEjAIgHKqEWYSSVFGaWMJlXXksiHMpoEZeZBAiRAAtklQBnNbmxCS0YZpYzmsNqGFpkyWk7R5G8hARIggeIJUEaLZ5b6FZRRymjqldBiASijFmEyKRIgARLIIQHKaA6DRhmljOaw2rJntJyCxt9CAiRAAhYJUEYtwkwqqTAZPWSPGrn8mHrZc0C11NeKtLaJfLa6Te7+S7M8sTD6a03YfHzCsXVy4vBa6dNj61Y7m7a0y4IlrXLbvGb5+MvCWxP99uJGOWhIjXy1rl3+z8wt8vrSbavH+21XJRNPqJfD9qyRno1b0167sV1eeL9VbpjdJBubOu8O8P99u1FGD64JRPplQPr6RC5gSqoW2suHPaP2WDIlEiABEsgjAcpoDqMWJKMHDq6Rn57RIDtuXyVfr2+XJava1N6NO/eplo1b2mXKs00y87XCQvrTMxvkpP1rpaVVZOmXbbKpqV32GlitvpDz4co2+eUDW+STr4OFdMIx9XLREXVKgv2yiOv/5fwGOXBIjUpzycp2qaoSJc11tSJ/XdIqP71rc6dI/OHybrLfLtWyYk2bbPF9bGrNhq2/570VXctSLjJ62shaOf+QOhm0Y7XUVIs0t4p8tLJNbn2uSV79KHqLqFJeLHbdoVr+6bwGGdq/Wr2AXHHTpk6xGbZLtVx6dL0csFu1dKuvErxGrN7QLs+83SK3z2vu8mIRdYtRRqMI8e8kQAIkUN4EKKM5jG+QjP7j2Q1ywvBaefuTVvlfM7Z0CMHPzmpQPZ1vfdIqfzets/B5f/oRe9XIT8Y1SGN9ldzybJPg05U4Dh1aIz85vUH1Zt4+r0n1svoPLcLoTa2uFiXD3p7Rcw6uk6tOqJfNTe3yuye3yPz3tsrUWaPrZOIJddLWJvK7J5vkuXe3yfLUq7tJv+2r5A9PNsnTb0X36pZTzyhE9Jox9Yr5itVt8tmadtm9b7V60YDo/+fjW+SVDwsLaSkvFoj3qQfUSnWVdJFRxPpHY+tl5x2qVZw//KJNeveoUuXDi8Xst1rktzOL+9IUZTSHjRCLTAIkQAIWCVBGLcJMKqkgGZ0ysZvs1rda7nqpWW6b19RRlOP2q1Xy0NQqShLQCxl0nLx/rfxwbL3q4frZ3Z17QPWQOYb6//2xzqKhez1H7l6j0t5/N/TESicZ/c6x9XLxEXWqJ/OHd3TuZYN07tKnc7lH7FYj/3hOg9RVi/z741vkpQ+iewLLSUZ/f1mj7L9bjZLzXz24lTc4//KCBhk1uEbmvt0iv3k4XPhKebHQItxYVyW11SLLvurcM6pfehZ/3ia/uHezrFq3dXrFeYfUyZXH16ue7397NFqWvXWQMppUy8F8SIAESCCbBCij2YxLwVL5ZRS9Vf9wZoN0b5AuPYn77IQh10bZvlvXv3kzGTO8Vv7H2HrZ3NxZWiFBv7usUYb0q1a9pZPnbBNdXA8BueDQOln+dZs8vKBZrj2pvouMXnZ0nVxyVL0acp906+aOXlsM9/78nEbp1b1Kbp7bJA8t2Nrrinmn6Nlrb+8stSahyvswvRbxHvUi//fpJpn15rZe4W8dXicTjq2XL77pzNHPJe6Lxe47Ih4NgmH615a2ysFDauTT1Z1ldPIV3WSP/l3rQqE6GBU3ymgUIf6dBEiABMqbAGU0h/EtRkbx89D7OLB3degwu+55U/M6B9fI25+2ytTnmuWzr9vku8fVC0QVw8O/eXizvOP5vjqG8H+Mof06kRvnNKm5puhd9feMaskZ3K9a9XJiGgCO606qV+L5wedt8pM7t0mqlqnWVpHmNulYTLV+U7vMfrtFpj4bPi8x7zKqf7ufIXjpXu4tLYUlPe6LBV4AcO3rH7fKu5+2qd5sv4yG3S66NxbzW/1TLqJuMcpoFCH+nQRIgATKmwBlNIfxjSOj/qHwoJ8NaUTv6AG71agFRvrAYqg/PtUkCz/eNlzuHZ5/9PVm+cOsJikkUhjG/8Ep9aqHVR/o+Xxzeav815NNnVbq6x5ALIZav7ldiXCf7lXSq0eV6i0tNC+xnGVU9z421BYWvo4FY0W8WJw5ulYmqmF2kd8+ukVGDqoxllEI7IWH16kFTy9+0Cr/dF/43OSgekcZzWEjxCKTAAmQgEUClFGLMJNKypWMfv+Uehk3qk5a27aueN/S/N+r6Ruq1Aru3zy0bWEUhucvPKxOrbLXvZphMgo5+snp9XL0PrVqZT96QhvqqmRIf8xLrJKnFrXI757YNgcSUgw5ghjd9eK2XtAfnlovp4+qU/MSw3rfKkFGg6Zj+OteMS8Wuud6lx2qZdrzTWresZ7nG9YzqsV4x+22vrWgtxYvCZMDtumKui8oo1GE+HcSIAESKG8ClNEcxjeOjEYN058+qlauPrFeSQUWKenV2lpUsMXQg/89Z1SvsK+pQg/dttXxYTKqxQbbQv3ywS0dvaB6mH+7xs4r+MNCAqn944RGNafRv1BLX0MZ3UqimBcL7LiAnRheXtwqP793a69mlIwiBmcfVCs79KhS20/h37H6Hi8W//E4V9PnsFlhkUmABEggNQKU0dTQx8+4GBk1XcCE7Xywkhob3Pv3/Lx2TL1aLY19Lq+dukl+Nb5RjtwreEN676/S+41++8g6NRf1sdc794Di3F+c0yDHD6tVw7tYnR11FFrZj2srQUajhumLebHQ22th79Zf3LftRSFKRv1x0sP8WFv/x1lNMudt8+242DMaVev5dxIgARIobwKU0RzGt9DWTtgHdOpzxW/tpGU0SAqvOK5eMI9z+VdtMnHKJvXPQ/pvm/upEaLnEl+B2tLSrrZ5wj6UD/+1Rc1DPXD3Gnnkta1zS70HFs2cMqKzBGPFNhY73flCk0yb33lf07AtrCqhZ9R0AVMxLxZgjQ8bRB1Bm9/7r8GHCvbdOXjXhULpU0aj6PPvJFDeBFaubZc7nm9SeyoHHiH/ueNczxqHTteHXRd2vr642Osslw87zFxyVJ36MEylHE5ldPXq1TJr1ixZtGiRNDc3S7du3WTkyJEybtw4aWxsDGW8efNmmTp1qixdurRgHAYPHixXXHFFR1rIZ9q0aYHX9O7dWyZNmiS9evXKfWyDZBQCMnZkrSxZ2Sa/fmhbD1fYpvfoqcT8Tf0VI90T9s2m9k7D9PiMJ7aGwteQova3DBum12X7eFXnYXps7fQPZzXIgF7Vct/LzWp7Jxx/N7ZBzjiwVq3q927gr/eybGppV0PBevN8b0Dz3jOqt3bq2SBy/dNNnT7jarq1UzEvFpj7i48L+I++PavUIqY1G9vVNk+r1rarXRAK7cxAGc1908IfQAKJE8Ci1Ctv3hT5uenEC5aBDO/6fnfpH9A+Z6Bo1ovgTEbXrFkjN998s3z11Vey9957C8Tx/fffV4KJf54wYYKS06CjtbVVPvroI1m/fn3g37/55ht55pln5IADDpDzzz9fqv576ferr74q9913nwwdOrSLdHbv3l1OOumk0Dytk3WYYNTnQPFt+MVftMnOvasEi1Kw4Mf7OVAtnus2b9ugHHP+fnFugwwdsPV8LGDC39FrtkNPsy//hMkoxBeChM+Trtu0dQETDqS9XbcqNfzvFWg9TxW9r+hdxfnbd6tSb4m1NeW9mh5cMBUBzF5f0ir/fP/WRWNhm97jv4/cvVqwCb3egN7Gi0XYMP1vLmyUw/eskdeXYtX8tgVt+Izs90+uV58u9e+PGnUrsGc0ihD/TgLlSwB7KeNDGTy6Erj8mDrBp7Yr4XAmo48//rg899xzShYPPfRQxbK9vV1mz56t/nfhhRfKQQcdFIsx0n7xxRflyiuvlCFDhnSkgXTnzZsnEydOlEGDBsVKOw8XBckoyo3tk7A9D6QN2yK1tol8trpNfcITX0/SB3rYLj+mXvV6YbESxAIHekEnnlAvhw2tkZ7dqgT9ZRDTN5e3yfT5TZ32GA3iVGhrJ/098xG7Vku3hq09cdi2CYtmpsxt6hApnW7Y989nL2qRG5/pPNTvLUvee0bxW7yfA8Ver8u/bpdBfatkpz7VXT4HqufQLlq+7XOvNl4swmRULzrDKnr9ooAFaNgZAV9tev5vLWqRWjEHZbQYWjyXBMqLAGU0PJ6U0RLrelNTkxpmxzD9ddddJxgi18fnn38uN954o+yxxx5y6aWXdvRqmmaJNG+66SbZaaed5JJLLpGamm0LaWbMmCGLFy+Wa6+9VnbccUfTJHN3XpiM5u6HOChwOcgosKCn8aLD69RKdfQ2NreK6kG+9bkmtc2WPn55QaNgw3nM0f2HGdsWgJX6YlFoARPmBeNlBvuKNtSJtLWL+ozs3Hda5PZ54R8kCAs3ZdTBjcAkSSAnBCijlFEQcNIzimH066+/Xkmod06n6g1bv14mT54sGDb3/83k3kHP5xNPPCGXXXaZDBs2rOMS9LpOnz5dli9fXjZzQ8N4UEbDa0q5yKjJvVAu51BGyyWS/B0kUDwByihlNBUZ1YuTNm7cqHowe/bsaVx7161bp3pVt99+e/nud78rdXV1HdfqdDFXFRL8ySefSEtLi5o7euqpp8ro0aOluro8VqZRRimjxjdNDk6kjOYgSCwiCTgiQBmljKYqo5DGYle3v/LKK/LAAw/I+PHju8w31T2uK1euVAKKRVJr165VPaVYEHXyySfLmDFjip4W4Oj+KylZyihltKQKlLGLKaMZC0jOi4P58dj5AVNHeIgM6FUl3z+5QY7cO3pv6DR4UUYpo7mS0U2bNqnV+ZiPes0118h2223XKYJtbW2qNxRSuu+++3b0gq5YsUJuvfVWtbUUrhs4cKDR/fbhhx8Kem+zePxyziD5emNtFouWepl+f+ZHqZchqAD/98WdZPFXwbtHZLLACRbqn8Yskx26m2+Sn2DRmFXOCCz5ulH+64Wdc1bqZIr7zyctkz7dsnefvbJ8O/nzG/2SgZCzXMbuvVrG7rM6c6XGjkWYamnzSHzOaNxh+jfeeEPuvvtuOe200+TYY48tigFW2T/11FNqnumIESOMrsWUgKweV99eLSvXZrV06ZbroR9s3TYqa8fPH6iStz6N2mk5a6VOpjw3TWiT/tsnkxdzKW8CM16ukhmv8D4LivIPT2qXE/fLXm/xM+9WyR9mM2ZBMbvo0Ha56LDsxQwLx3Mvo3EWMKFXE72bq1atUvNM+/btW1SLqjfDP+WUU9Reo3k/OEwfHkEuYMpf7c7yMD2+OvbAghbZ0py9B0IakR7Sr1rGH7Ztrn4aZSiU5+3PN8kdz3f+alvWyphWef7nGQ1y6gHZG1HjMH14jeDWTiXeLXprJ2x4j3mhpW7t9M4776gvKx1zzDHq601Bx/z582XmzJly+eWXy/DhwzudMnfu3I4V+KY9oyUicHo5ZZQy6rSCJZx4VmUUIvqdGzclTCP72R2/X636QEYWD8poeFTyJqP4oMeEY+vkxOG10qfH1p7TTVva5eUPW+XGOV33pvb+cv0Vuqg6ivnFc95ukX84s0Gwd3Kh48t17fJ/Zm7blxvnoowXH1knJw6rlb7bbd2b+66XmuW2eZ33wu7Yam/PGunZuDWftRvb5YX3W+WG2U3qwyZBB2U0KoIGf8fQ+NNPP91p4VChTe8xfI+uX+8KeWSDxUfYsmnJkiVy9dVXy847B88H+uyzz9T+o9gEH/uX6v1HN2zYIFOmTFGLmXD9gAEDDEqf7VMoo5TRbNfQ4kqXVRn9r1lN8shf2csWFM0/XN4ow3fN3oIYymj5yCiEEj25La0iS79sUx9gwQddujdUdfo6XdAvxnX4il3Ygc8u79CjSqbNb5J5f2uVsw+qVV8DDDp6dauS0YNrVBl+NG1zhzjiS4H/eE6D7NG/WvBJ06/Wt6tFc0+80SKPvLat3YCw/sv5DXLgkJqOrxvio5H4LXW1ovaI/uld2/aI9paBMlrcsyTwbO/nQLGgCJvcY0N6fBLU/znQZcuWKWHERvVXXXVVp092QkJvueUWGTVqVKdPf/ozhejOmTNHCXC/fv3U+VjUtGDBAsG+p1xNbyGoOUiCw/Q5CJKviFmVUXyiEEOIPLoS+M9LGtUX37J2UEbLQ0bxpTf05Harr1I7Izzw6la5w3+HpHavF7l5brM8HONl8eyD6uSqE+rU1+x+fu8W+eTrwusMfn9Zo+y3S43c93Kz3Dx3a4+nVzDxlUP01KKXM+g452DkVy+bm9rld09ukfnvbT3vrNF1MvGEOmlrE/ndk03y3Ltd2xrKqKUWBr2R+HQn5mxi3ie+RT9y5Eg11N7Y2NiRC77KBBlFryUWGem/6V7RDz74oMunP4OKCPnEQif0ymKKAA7ML8VcUeSrv2Fv6eellgx7RsPRU0ZTq5axM6aMxkaX2oWU0dTQx844T8P0lx1dJ5ccVS+fft0mP7h9W28kfvyvxjfKkXvVyFOLWuS3M4v79DCuxyeUDxjUWS7DoJ4+qlauPrFe9Xh6xVUL7cYmUZ/UfuXDYBFFuvprdu+taJMf3tF52s/Uq7vJLn2qA4f2cS1lNHZ154VJEKCMUkaTqGdJ5UEZTYq0vXwoo/ZYJpVSnmRUz/l8bWmr/D9/7jyE/cNT61Wv4usfd/1bFMsxw2vlB6fWy8YtIr9+aLO882nhXtHfXNgohw2tkUdfb5HfP7lNfCHE+Azz3Ldb5DcPFxZiLdYr1rTJpFu3ifWwXarl5+c0Sq/uVarH9aEFXacEUUajIsq/p0qAMkoZTbUCWs6cMmoZaALJUUYTgGw5i3KRUd3TuGRVm1w7tbgFhr8e3yiH7Vkjj/nkMgj1CcNq5X9AXJu6iit6NAf0qpa577SoqQM79Nw63xQ9qI++1iKYLqIPzC39+TkNMrhftbz0QauadoDjupPq5aAhNfLB523ykzs79/7qaymjlm8CJmeXAGWUMmq3RqWbGmU0Xf5xcs+bjIatZn7mnRaZ+mxz6GpmsClmZTaGbHGcvH+t/HBsvZpbGHRgFbc+F3/H0DEWyQQdQau4cd7R+9TI2aPrZM+B1fLwX1u6rOD2p1VuMvrp6ja54iZzGQWvH41tEKxbx3zwQkPrYIcdI47bt1YJp7f3EwujsPoeq+eR2NpN7WrxUkOtyMDe1dLaJnLfK80d0om0ML/6B6fUC7ZG0wcWPb25vFX+68km+fjL4B5aymic1onXJEaAMkoZTayyJZARZTQByJazyJuM/vbiRtULhRXZS1a2C1YzD+2/dTXz7LcKzz0sZmX2n1/cOtSqF600t7bLqrVdt+15/r2WTvuh/uHybrLfLtWCodwtvtHaNRvaZcqzTYI5h+hlG3tArRy3X63077V1KyGsNg/aTogy2pnAP57dIOjt/MviVvn5vcGr1/UVegFVbbUIdtWAkOrDK6OvL2mVf75/S8fLzI9Oa5Bxo2pl5dp2+eUDm1XM8ELyk9Pr5eh9amXjlnbVE9pQVyVD+ldJbXWVmvv6uyeCh/opo5YbLiZnlwBllDJqt0almxplNF3+cXLPk4zqxSaQvKDVzE0tZj1lQZzCVmbroWT0fPnnPAalg2HffttXyR+ebJKn3wrfwUH30kJAP1zZprYnwh6clSijxQzTa4FsqBP546wmtbdooeOnZzao3m3safqP93QWV51W9wbpEi/9tx4NItc/3SToAdd1Aav2f/nglo5eUAjvj8c1yHaNnXcM8JaLMhqndeI1iRGgjFJGE6tsCWSUNxktZci30HCsRh3V0zXhmHq56Ig6qa6K7hE7bWStXDOmXj3w/EPD3tAWO+SbJxlFb9XpB9bK6wGLYSZf0U0Nnd79l2aZ+lznjcpNqn7Yymyd53PvtMivHiq8wAV7XmK/yrpqkX9/fIuaVxh2fOvwOundvUqefLNFSU3UamxvOuUyTB9nAdPfjW2QMw6slbc+aZW/m1a4V1QvLNq+W/D2UYVkFLz9MUEdwTWYp+rvAf3FOQ1y/LBaefGDVvlFQG8tZdTkLuQ5qRGgjFJGU6t8DjLOm4yWMuQLmRjSf9u8MS/OmipRQ8nV1eG9N3io/fSMBtWLFiWtu+5QLf90XoMajsbhl9FShnzzJKP6BSBIxvU2QYVEPazKF1qZjZ61U0bUFnwB0Oki5jgfcwj9X/iJut3KVUbDVqCDR7FbO0XJpZ+xibiql5j+1Z32HkU6QaKqZHT3GrUR/h9mdX7h0fVkQcjG95TRqDuAf0+VAGWUMppqBbSceZ5k1OWQLzbGvuCwOnn30/DeG4gwHmwQFxyFhmcxpAshamkTtbjCL1ylDPmWi4xqBmE9U4WqeqGV2RCQkYNqZNW6djWUXl8ramHL4i/a5NbnmuTVj7b1furFTq2tIs1t0vHpy/Wb2mX224UXWJWrjGqp275bVafFQGGb3mO0Agu5Fn7c1mUx2rVj6uXcQ+pk6arOX1AKii1e0H51AV72qtXXmfQcYP+5Ok3sg4qFaHqLqO+fUi9njq6TFavbOvYlRR0bO7JWPl7VeZgekvwPZzWoVfneDfW9eVFGLT9smJxdApRRyqjdGpVuanmSUVdDvujF/N/nNcjA3thzMPjLMlceXy8XHFqnvhhTVyOyU+/wzbLPHF0rE4+vl03NohbQ4MHnl9FShnzLTUaD9rMsdFdErcxGz9leA7eurMZilta2dum/fbWSUgjqfz6+bTU34jDh2Hr1t/Wb29WXgfp0r5JeParUS0ehBVblKqNg7/0cKCQeXzAC057dOn8OFAuE/jihUXbvV91l30/cV78ev1X4CsmljrV+IYwSV+8XmPDSgJiGraaHWOO3DOxVJes2bV3AhAO/BZ8g/Whlm/z6oW1zSSmj6T6PmHsRBCijlNEiqkvmT82TjLoa8v32kXVy2dH1suyr4N4bvdihsU7UpwfHH1YX+uUWva8hHsQzXmqW/XerVtsGRQ1FFyM2lS6jUSuz8eWe4bvWyAvvt3R8JhLb+/xobL3s1re60xxBxAsvD5uaRO56cds2U5gbefqoOrUDQNjnIouJWZ7mjOpG65oT6+WkEbUdvcWbtrSrRUW4ByCAOCCG/35JowwdUC1PL+q8ZZbuwfT2VIY1iLpXdEDv8J5K77XojcV87MP3rFGfLW1r3/ri8eCCZtXT6T3wMnjp0fUyYtdq6dawdbsvvHi8vLhVpszd9lv8ZWPPaOYfX5VdQMooZbSc7oBykdG4Q776YYqFNEG9N7oXBjKDbWAwLFhIQjAPDfMZ8YWan961uWMPS8poZ1HRvW9Y5FXMMH2xK7O996peWW2yR6bu8cNLRdh0jHKX0XJq5+L8FspoHGq8JjEClFHKaGKVLYGMyk1Gix3yPe+QOsEQ/Kq12+aZebHr4XlsZaO/1BImIXp4fv1mkd88vPVzh4V6c735FCM25dIzGmcBk8kCl7DbRs8PxecoTRYrRcWumJjlsWc0geYn01lQRjMdHhaOMkoZLae7oNJl9PeXNaoh3ZkBq231go36ms6bbwdJCIYZ/+ncBtmpT7VMe75J9abhiBIaXZeKEZs8yaie57vw41b5+zs7b+tT7NZOJiuz9RzQz75uk4lTOn8hSK8S/8zz9SCUAZ+KvPOFJpk2v/Pw7pSJ3dSwPntGy6nFM/8tlFFzVjwzBQKUUcpoCtXOWZblJqPFDPlibuHVJ9bLhi1dv3+NYdpfXtAgIwbVyIOvNsvkOdu2hQkSx5+d1SAnDK+VeX9rkV89uG1vy0qXUXxB6fsn16s5ffiS0czXtm54ftboOpl4Qp34N70vdWW2FtZe3TtvZo54/r8XNWydS/oevtyzVYx1T+vbn7bK/5qx7Ws+use8qaVd/uPxLTL/va77jxbzAsGeUWdNmLOEKaPO0DJhGwQoo5RRG/UoK2mUi4zGGfL9zYWNctieNV1WASM2uocNq3QLHdhvFAJ84O5bV+dGHWFzR4sRmzz1jIKHd2/Y91dgN4Ktn2NsrKvqtFrd1spsPbUCeS/9sk2tkN97YLX6njn+2buaXi84w76VX6/futoaWxrtOaBaamsqdzV9VD2uhL9TRishyjn+jZRRymiO9etEhQAAIABJREFUq2+XoudJRm0O+epN0yGT//botq1+NKCj9q6RI/eulZqAPfKxOh5f4lm4rFWt4F3+ZZsansfnDv3HPjtVy6C+1Wr+KBbO4EtEs97s+jnEcpZRSOYPTq2XI/aqkZ6NW4V97cZ2eeadzvt42lqZjfTxlSzsOdl/+yr1tSz0wGKLIvTOYsqA99CrrQ/YrVqtzMY68dUb2mX2oha58ZnwL0MVEzP2jOav1aSM5i9mFVViyihltJwqfJ5ktNghX4hg94YqJYD+4xfnNshx+9Wq7V3837+Oim8xElLpw/RRLCvl75TR/EWaMpq/mFVUiSmjlNFyqvB5klFwNx3y1eJaVdX1G9dYmAQ5wDDsH2c1yZy3u/ZUFooxZTSYzu3PN8kdz3deBFRO90opv4UyWgq9dK6ljKbDnbkaEqCMUkYNq0ouTsubjJoO+Z4wrFbweUAM0d70TJPadF4fulf0reXhn/6kjBZffSmj4cwoo8XXp7SvoIymHQHmX5AAZZQyWk63SN5ktJzYx/0teVvAFPd3ltN1lNH8RZMymr+YVVSJKaOU0XKq8JTR/EWTMpq/mFFG8xczymj+YlZRJaaMUkbLqcJTRvMXTcpo/mJGGc1fzCij+YtZRZWYMkoZLacKTxnNXzQpo/mLGWU0fzGjjOYvZhVVYsooZbScKjxlNH/RpIzmL2aU0fzFjDKav5hVVIkpo5TRcqrwlNH8RZMymr+YUUbzFzPKaP5iVlElpoxSRsupwlNG8xdNymj+YkYZzV/MKKP5i1lFlZgyShktpwpPGc1fNCmj+YsZZTR/MaOM5i9mFVViyihltJwqPGU0f9GkjOYvZpTR/MWMMpq/mFVUiSmjlNFyqvCU0fxFkzKav5hRRvMXM8po/mJWUSWmjFJGy6nCU0bzF03KaP5iRhnNX8woo/mLWUWVmDJKGS2nCk8ZzV80KaP5ixllNH8xo4zmL2YVVWLKKGW0nCo8ZTR/0aSM5i9mlNH8xYwymr+YVVSJKaOU0XKq8JTR/EWTMpq/mFFG8xczymj+YlZRJaaMUkbLqcJTRvMXTcpo/mJGGc1fzCij+YtZRZWYMkoZLacKTxnNXzQpo/mLGWU0fzGjjOYvZhVVYsooZbScKjxlNH/RpIzmL2aU0fzFjDKav5hVVIkpo5TRcqrwlNH8RZMymr+YUUbzFzPKaP5iVlElpoxSRsupwlNG8xdNymj+YkYZzV/MKKP5i1lFlZgyShktpwpPGc1fNCmj+YsZZTR/MaOM5i9mFVViyihltJwqPGU0f9GkjOYvZpTR/MWMMpq/mFVUiSmjlNFyqvCU0fxFkzKav5hRRvMXM8po/mJWUSWmjFJGy6nCU0bzF03KaP5iRhnNX8woo/mLWUWVmDJKGS2nCk8ZzV80KaP5ixllNH8xo4zmL2YVVWLKKGW0nCo8ZTR/0aSM5i9mlNH8xYwymr+YVVSJKaOU0XKq8JTR/EWTMpq/mFFG8xczymj+YlZRJaaMUkbLqcJTRvMXTcpo/mJGGc1fzCij+YtZRZWYMkoZLacKTxnNXzQpo/mLGWU0fzGjjOYvZhVVYsooZbScKjxlNH/RpIzmL2aU0fzFjDKav5hVVIkpo5TRcqrwlNH8RZMymr+YUUbzFzPKaP5iVlElpoxSRsupwlNG8xdNymj+YkYZzV/MKKP5i1lFlZgyShktpwpPGc1fNCmj+YsZZTR/MaOM5i9mFVViyihltJwqPGU0f9GkjOYvZpTR/MWMMpq/mFVUiSmjlNFyqvCU0fxFkzKav5hRRvMXM8po/mJWUSWmjFJGy6nCU0bzF03KaP5iRhnNX8woo/mLWUWVmDJKGS2nCk8ZzV80KaP5ixllNH8xo4zmL2YVVWLKKGW0nCo8ZTR/0aSM5i9mlNH8xYwymr+YVVSJKaOU0XKq8JTR/EWTMpq/mFFG8xczymj+YlZRJaaMUkbLqcJTRvMXTcpo/mJGGc1fzCij+YtZRZWYMkoZLacKTxnNXzQpo/mLGWU0fzGjjKYQs7a2NnnjjTdk9uzZ8tVXX0lVVZX0799fzjjjDNlrr73Uv0cdixYtkmnTpgWe1rt3b5k0aZL06tUrKpnM/50yShnNfCUtooCU0SJgZeRUymhGAlFEMSijRcDKyKmU0RQC8cwzz8isWbOULB5wwAGi5XTz5s1y4YUXyqhRoyJL9eqrr8p9990nQ4cO7SKd3bt3l5NOOkm6desWmU7WT6CMUkazXkeLKR9ltBha2TiXMpqNOBRTCspoMbSycS5lNOE4oCd08uTJ0rNnT5k4caL06NFDlQD//eabbxaI5FVXXRUpkuhVnTdvnkpj0KBBCf+K5LKjjFJGk6tt7nOijLpnbDsHyqhtou7To4y6Z2w7B8qobaIR6b399ttyxx13yMknn6x6L73H/fffLwsXLpQrr7xSdt9994IpzZgxQxYvXizXXnut7Ljjjgn/iuSyo4xSRpOrbe5zooy6Z2w7B8qobaLu06OMumdsOwfKqG2iEemhR/Opp56Syy67TEaMGNHp7Pnz58sjjzwS+Dfvie3t7TJ9+nRZvnx52cwNDcNGGaWMJnyLOs2OMuoUr5PEKaNOsDpNlDLqFK+TxCmjTrCGJ1pIRvWipLPOOkuOPvro0EQwt3Tq1KmyZs0awWKlTz75RFpaWtTc0VNPPVVGjx4t1dXVCf8yN9lRRimjbmpWOqlSRtPhXkqulNFS6KVzLWU0He6l5EoZLYVejGtNZPSUU07pMoTvzWr9+vVq3unKlSuVgA4ePFjWrl2rekpbW1vVFIAxY8YYrcqP8RMSvYQyShlNtMI5zowy6hiwg+Qpow6gOk6SMuoYsIPkKaMOoBZK0oaMYvU9ekMhpfvuu29HL+iKFSvk1ltvlebmZrnmmmtk4MCBRr/uww8/VBKbxePnjw+UrzbWZLFoqZfphgs+Tb0MQQX43XM7yvurGjJZtrQL9etxn0vf7tm71+5Y0EdeWto9bTyZzP9Hx30pe/fbkrmyPfbO9vLoO9tlrlxZKNDlh6yWI3bfmIWidCrDSx93lzte7ZO5cmWhQGcMWyenD1ubhaJ0KsOuu+6qFpbbPKraMdky5cNERqOG6ePKbth1WMmf1WPSnxtk1brofVezWn6X5brnms0uk4+d9r/MrJe3PyuPaSKxIYRceP23t0i/7VJvhrqU7k/P1smz7/GlLyhs//vMJhm2c5vtqlByevf+tVbuXVBbcjrlmMD3jm+W4/fJ3ksf7jHcazy6Ehh/cIuMP6glc2iwRWbFyajpAqZC0dLzTqOG+jMX8ZACcZg+PFJzfrZ1W7CsHT+evlkWLsvegyALnDhMn4UoFFcGDtMXxysLZ3OYPgtRKK4MHKYvjlfJZ+utnTCnE8LoPUy3doK0zpw5Uy6//HIZPnx4pzTmzp0rTzzxROSK/JJ/SEIJUEYpowlVtUSyoYwmgtlqJpRRqzgTSYwymghmq5lQRq3ijE4MK+BvuOEGNc8Tm9vvsMMO6qKwTe8x/xPzORsbGzsS/+yzz+Smm26SIUOGyKWXXio1NVuH1zZs2CBTpkxRi5muvvpqGTBgQHSBMn4GZZQymvEqWlTxKKNF4crEyZTRTIShqEJQRovClYmTKaMphMH7OdCDDz5Ympqa5M0331QLkryfA9XiigVL2Ny+b9++qrSY+jpnzhx5+umnpV+/furzoThnwYIF8s0333A1fQoxTSNLDtOnQb20PCmjpfFL42rKaBrUS8uTMloavzSupoymQB0yiS8tYfN79IhWVVVJ//795YwzzpC99tqrY0umdevWqZ5OiCa+yoQ9RfWhv2ePBVF6ARJkFUP/I0eOLIttnfBb2TPKntEUblFnWVJGnaF1ljBl1BlaZwlTRp2hdZYwZdQZWiZsgwBllDJqox5lJQ3KaFYiYV4Oyqg5q6ycSRnNSiTMy0EZNWfFM1MgQBmljKZQ7ZxlSRl1htZZwpRRZ2idJUwZdYbWWcKUUWdombANApRRyqiNepSVNCijWYmEeTkoo+assnImZTQrkTAvB2XUnBXPTIEAZZQymkK1c5YlZdQZWmcJU0adoXWWMGXUGVpnCVNGnaFlwjYIUEYpozbqUVbSoIxmJRLm5aCMmrPKypmU0axEwrwclFFzVjwzBQKUUcpoCtXOWZaUUWdonSVMGXWG1lnClFFnaJ0lTBl1hpYJ2yBAGaWM2qhHWUmDMpqVSJiXgzJqziorZ1JGsxIJ83JQRs1Z8cwUCFBGKaMpVDtnWVJGnaF1ljBl1BlaZwlTRp2hdZYwZdQZWiZsgwBllDJqox5lJQ3KaFYiYV4Oyqg5q6ycSRnNSiTMy0EZNWfFM1MgQBmljKZQ7ZxlSRl1htZZwpRRZ2idJUwZdYbWWcKUUWdombANApRRyqiNepSVNCijWYmEeTkoo+assnImZTQrkTAvB2XUnBXPTIEAZZQymkK1c5YlZdQZWmcJU0adoXWWMGXUGVpnCVNGnaFlwjYIUEYpozbqUVbSoIxmJRLm5aCMmrPKypmU0axEwrwclFFzVjwzBQKUUcpoCtXOWZaUUWdonSVMGXWG1lnClFFnaJ0lTBl1hpYJ2yBAGaWM2qhHWUmDMpqVSJiXgzJqziorZ1JGsxIJ83JQRs1Z8cwUCFBGKaMpVDtnWVJGnaF1ljBl1BlaZwlTRp2hdZYwZdQZWiZsgwBllDJqox5lJQ3KaFYiYV4Oyqg5q6ycSRnNSiTMy0EZNWfFM1MgQBmljKZQ7ZxlSRl1htZZwpRRZ2idJUwZdYbWWcKUUWdombANApRRyqiNepSVNCijWYmEeTkoo+assnImZTQrkTAvB2XUnBXPTIEAZZQymkK1c5YlZdQZWmcJU0adoXWWMGXUGVpnCVNGnaFlwjYIUEYpozbqUVbSoIxmJRLm5aCMmrPKypmU0axEwrwclFFzVjwzBQKUUcpoCtXOWZaUUWdonSVMGXWG1lnClFFnaJ0lTBl1hpYJ2yBAGaWM2qhHWUmDMpqVSJiXgzJqziorZ1JGsxIJ83JQRs1Z8cwUCFBGKaMpVDtnWVJGnaF1ljBl1BlaZwlTRp2hdZYwZdQZWiZsgwBllDJqox5lJQ3KaFYiYV4Oyqg5q6ycSRnNSiTMy0EZNWfFM1MgQBmljKZQ7ZxlSRl1htZZwpRRZ2idJUwZdYbWWcKUUWdombANApRRyqiNepSVNCijWYmEeTkoo+assnImZTQrkTAvB2XUnBXPTIEAZZQymkK1c5YlZdQZWmcJU0adoXWWMGXUGVpnCVNGnaFlwjYIUEYpozbqUVbSoIxmJRLm5aCMmrPKypmU0axEwrwclFFzVjwzBQKUUcpoCtXOWZaUUWdonSVMGXWG1lnClFFnaJ0lTBl1hpYJ2yBAGaWM2qhHWUmDMpqVSJiXgzJqziorZ1JGsxIJ83JQRs1Z8cwUCFBGKaMpVDtnWVJGnaF1ljBl1BlaZwlTRp2hdZYwZdQZWiZsgwBllDJqox5lJQ3KaFYiYV4Oyqg5q6ycSRnNSiTMy0EZNWfFM1MgQBmljKZQ7ZxlSRl1htZZwpRRZ2idJUwZdYbWWcKUUWdombANApRRyqiNepSVNCijWYmEeTkoo+assnImZTQrkTAvB2XUnBXPTIEAZZQymkK1c5YlZdQZWmcJU0adoXWWMGXUGVpnCVNGnaFlwjYIUEYpozbqUVbSoIxmJRLm5aCMmrPKypmU0axEwrwclFFzVjwzBQKUUcpoCtXOWZaUUWdonSVMGXWG1lnClFFnaJ0lTBl1hpYJ2yBAGaWM2qhHWUmDMpqVSJiXgzJqziorZ1JGsxIJ83JQRs1Z8cwUCFBGKaMpVDtnWVJGnaF1ljBl1BlaZwlTRp2hdZYwZdQZWiZsgwBllDJqox5lJQ3KaFYiYV4Oyqg5q6ycSRnNSiTMy0EZNWfFM1MgQBmljKZQ7ZxlSRl1htZZwpRRZ2idJUwZdYbWWcKUUWdombANApRRyqiNepSVNCijWYmEeTkoo+assnImZTQrkTAvB2XUnBXPTIEAZZQymkK1c5YlZdQZWmcJU0adoXWWMGXUGVpnCVNGnaFlwjYIUEYpozbqUVbSoIxmJRLm5aCMmrPKypmU0axEwrwclFFzVjwzBQKUUcpoCtXOWZaUUWdonSVMGXWG1lnClFFnaJ0lTBl1hpYJ2yBAGaWM2qhHWUmDMpqVSJiXgzJqziorZ1JGsxIJ83JQRs1Z8cwUCFBGKaMpVDtnWVJGnaF1ljBl1BlaZwlTRp2hdZYwZdQZWiZsgwBllDJqox5lJQ3KaFYiYV4Oyqg5q6ycSRnNSiTMy0EZNWfFM1MgQBmljKZQ7ZxlSRl1htZZwpRRZ2idJUwZdYbWWcKUUWdombANApRRyqiNepSVNCijWYmEeTkoo+assnImZTQrkTAvB2XUnBXPTIEAZZQymkK1c5YlZdQZWmcJU0adoXWWMGXUGVpnCVNGnaFlwjYIUEYpozbqUVbSoIxmJRLm5aCMmrPKypmU0axEwrwclFFzVjwzBQKUUcpoCtXOWZaUUWdonSVMGXWG1lnClFFnaJ0lTBl1hpYJ2yBAGaWM2qhHWUmDMpqVSJiXgzJqziorZ1JGsxIJ83JQRs1Z8cwUCFBGKaMpVDtnWVJGnaF1ljBl1BlaZwlTRp2hdZYwZdQZWiZsgwBllDJqox5lJQ3KaFYiYV4Oyqg5q6ycSRnNSiTMy0EZNWfFM1MgQBmljKZQ7ZxlSRl1htZZwpRRZ2idJUwZdYbWWcKUUWdombANApRRyqiNepSVNCijWYmEeTkoo+assnImZTQrkTAvB2XUnBXPTIEAZZQymkK1c5YlZdQZWmcJU0adoXWWMGXUGVpnCVNGLaFdvXq1zJo1SxYtWiTNzc3SrVs3GTlypIwbN04aGxsjc2lra5M33nhDZs+eLV999ZU6v3fv3nLUUUep/9XU1HRKA/lMmzYtMF1cN2nSJOnVq1dkvlk/gTJKGc16HS2mfJTRYmhl41zKaDbiUEwpKKPF0MrGuZRRC3FYs2aN3HzzzUoi9957bxk8eLC8//77snTpUvXPEyZMUHIadrS2tsqDDz4or776qvTp00f2339/deqbb74pSPuggw6SCy64oJOQ4tz77rtPhg4d2kU6u3fvLieddFLBPC387ESSoIxSRhOpaAllQhlNCLTFbCijFmEmlBRlNCHQFrOhjFqA+fjjj8tzzz0n559/vhx66KEqxfb2dtXLif9deOGFSijDjiVLlsgtt9wiu+++u1x22WUdPakbNmyQKVOmKMmdOHGiDBo0qCMJpDtv3rwu/93Cz8lUEpRRymimKmSJhaGMlggwhcspoylALzFLymiJAFO4nDJaIvSmpiaZOnWqYJj+uuuuU0Pr+vj888/lxhtvlD322EMuvfRSqaqqCswNYvn000+rc0aMGNHpnKeeekoJLSTV+7cZM2bI4sWL5dprr5Udd9yxxF+R3cspo5TR7NbO4ktGGS2eWdpXUEbTjkDx+VNGi2eW9hWU0RIj8M0338j111+vJPSKK67oND90/fr1MnnyZMGwuf9v3mwxnL927VrZc8891bneAzKKXldcjyF5HOh1nT59uixfvrxs5oaGhYEyShkt8RbN1OWU0UyFw6gwlFEjTJk6iTKaqXAYFYYyaoQp/KRCMrp582bVa7px40bVg9mzZ8+ictPD9OhRveqqqzrmgOp0MZ8UEvzJJ59IS0uLmjt66qmnyujRo6W6urqovLJ6MmWUMprVuhmnXJTRONTSvYYymi7/OLlTRuNQS/caymiJ/E1kFNJY7Op2LGrCAqWFCxfKxRdf3GmIXve4rly5UgkoFkmhZxU9pbju5JNPljFjxoROCyjxJyd6OWWUMppohXOcGWXUMWAHyVNGHUB1nCRl1DFgB8lTRkuE6kJGMQw/Z84cNVf02GOPldNOO62TWGIbKPSGQkr33Xffjl7QFStWyK233qq2lrrmmmtk4MCBRr/us88+MzovjZN+dN928uX68ujltc1v2ne+sZ2klfT+9cke8u7ntVbSKrdEfnfBOtmxZ1vmftZN87vJ84vrM1euLBToZ2M3yH4DW7JQlE5leOCNRnnwjYbMlSsLBbr66E1yzJ5NWShKpzLgHsO9xqMrgXNHbZHzRm3OHBqMPvunT5ZayKp2WJ7lw0RGixmmRxFffvlleeSRR9Q+pf4tnaKKD4HFPFP/gqdC12HOalaPnz68g3y5ofMeq1kta9LluuXbq5LO0ii/f5vdW95bWWd0bqWd9Nuzv5Yde7Rm7mdP/ct28sJH0fshZ67gCRTof45ZI/sMaE4gp+KyeHhRd3lkUY/iLqqQs684fJ0ctUf2xAb3GO41Hl0JnDVig5w9YmPm0PTv3z//Mmq6gMlLHxvf33PPPTJs2DAZP368NDQU9+arN8M/5ZRT1F6jeT84TB8ewTk/y+aD6MfTN8vCZdkTrizcCxymz0IUiisDh+mL45WFszlMn4UoFFcGDtMXx6vL2XprJ+wFinmhcbZ20om+9dZbSkR33XVX1bMZtlH+/PnzZebMmXL55ZfL8OHDO5Vp7ty58sQTTxTVM1oiAqeXU0Ypo04rWMKJU0YTBm4hO8qoBYgJJ0EZTRi4hewooxYg6n1CvQuHCm16j9Xw+LxnXd22ocyPP/5YzffEPM+oLzZhjudNN90kQ4YMUXuT6k+F6tX3WMx09dVXy4ABAyz8unSToIxSRtOtgXZzp4za5ZlEapTRJCjbzYMyapdnEqlRRi1Q9n4OFAuKsMk9NqTHJ0H9nwNdtmyZ+qoSNqrX2zVhFTy+wASpPOGEE6RHj67Dr/X19epToxBYvcAJG+X369dPRo0aJVjUtGDBAsEcVq6mtxDUHCTBYfocBMlXRMpo/mJGGc1fzCij+YsZZdRSzNAbic+CYs4mVrNjiB0LkMaNG9dpI3x8lQkyil5L/elPPc+zUFEw/O/dHgryifml6JXFFAEcffv2FcwVRb5hX3uy9HMTS4Y9o+wZTayyJZARZTQByJazoIxaBppAcpTRBCBbzoIyahkok7NLgDJKGbVbo9JNjTKaLv84uVNG41BL9xrKaLr84+ROGY1DjdckRoAyShlNrLIlkBFlNAHIlrOgjFoGmkBylNEEIFvOgjJqGSiTs0uAMkoZtVuj0k2NMpou/zi5U0bjUEv3Gspouvzj5E4ZjUON1yRGgDJKGU2ssiWQEWU0AciWs6CMWgaaQHKU0QQgW86CMmoZKJOzS4AyShm1W6PSTY0ymi7/OLlTRuNQS/caymi6/OPkThmNQ43XJEaAMkoZTayyJZARZTQByJazoIxaBppAcpTRBCBbzoIyahkok7NLgDJKGbVbo9JNjTKaLv84uVNG41BL9xrKaLr84+ROGY1DjdckRoAyShlNrLIlkBFlNAHIlrOgjFoGmkBylNEEIFvOgjJqGSiTs0uAMkoZtVuj0k2NMpou/zi5U0bjUEv3Gspouvzj5E4ZjUON1yRGgDJKGU2ssiWQEWU0AciWs6CMWgaaQHKU0QQgW86CMmoZKJOzS4AyShm1W6PSTY0ymi7/OLlTRuNQS/caymi6/OPkThmNQ43XJEaAMkoZTayyJZARZTQByJazoIxaBppAcpTRBCBbzoIyahkok7NLgDJKGbVbo9JNjTKaLv84uVNG41BL9xrKaLr84+ROGY1DjdckRoAyShlNrLIlkBFlNAHIlrOgjFoGmkBylNEEIFvOgjJqGSiTs0uAMkoZtVuj0k2NMpou/zi5U0bjUEv3Gspouvzj5E4ZjUON1yRGgDJKGU2ssiWQEWU0AciWs6CMWgaaQHKU0QQgW86CMmoZKJOzS4AyShm1W6PSTY0ymi7/OLlTRuNQS/caymi6/OPkThmNQ43XJEaAMkoZTayyJZARZTQByJazoIxaBppAcpTRBCBbzoIyahkok7NLgDJKGbVbo9JNjTKaLv84uVNG41BL9xrKaLr84+ROGY1DjdckRoAyShlNrLIlkBFlNAHIlrOgjFoGmkBylNEEIFvOgjJqGSiTs0uAMkoZtVuj0k2NMpou/zi5U0bjUEv3Gspouvzj5E4ZjUON1yRGgDJKGU2ssiWQEWU0AciWs6CMWgaaQHKU0QQgW86CMmoZKJOzS4AyShm1W6PSTY0ymi7/OLlTRuNQS/caymi6/OPkThmNQ43XJEaAMkoZTayyJZARZTQByJazoIxaBppAcpTRBCBbzoIyahkok7NLgDJKGbVbo9JNjTKaLv84uVNG41BL9xrKaLr84+ROGY1DjdckRoAyShlNrLIlkBFlNAHIlrOgjFoGmkBylNEEIFvOgjJqGSiTs0uAMkoZtVuj0k2NMpou/zi5U0bjUEv3Gspouvzj5E4ZjUON1yRGgDJKGU2ssiWQEWU0AciWs6CMWgaaQHKU0QQgW86CMmoZKJOzS4AyShm1W6PSTY0ymi7/OLlTRuNQS/caymi6/OPkThmNQ43XJEaAMkoZTayyJZARZTQByJazoIxaBppAcpTRBCBbzoIyahkok7NLgDJKGbVbo9JNjTKaLv84uVNG41BL9xrKaLr84+ROGY1DjdckRoAyShlNrLIlkBFlNAHIlrOgjFoGmkBylNEEIFvOgjJqGSiTs0uAMkoZtVuj0k2NMpou/zi5U0bjUEv3Gspouvzj5E4ZjUON1yRGgDJKGU2ssiWQEWU0AciWs6CMWgaaQHKU0QQgW86CMmoZKJOzS4AyShm1W6PSTY0ymi7/OLlTRuNQS/caymi6/OPkThmNQ43XJEaAMkoZTayyJZARZTQByJazoIxaBppAcpTRBCBbzoIyahkok7NLgDJKGbVbo9JNjTKaLv84uVNG41BL9xrKaLr84+ROGY1DjdckRoAyShlNrLIlkBFlNAHIlrOgjFoGmkBylNEEIFvOgjJqGSiTs0uAMkoZtVuj0k2NMpou/ziilSWtAAAY70lEQVS5U0bjUEv3Gspouvzj5E4ZjUON1yRGgDJKGU2ssiWQEWU0AciWs6CMWgaaQHKU0QQgW86CMmoZKJOzS4AyShm1W6PSTY0ymi7/OLlTRuNQS/caymi6/OPkThmNQ43XJEaAMkoZTayyJZARZTQByJazoIxaBppAcpTRBCBbzoIyahkok7NLgDJKGbVbo9JNjTKaLv84uVNG41BL9xrKaLr84+ROGY1DjdckRoAyShlNrLIlkBFlNAHIlrOgjFoGmkBylNEEIFvOgjJqGSiTs0uAMkoZtVuj0k2NMpou/zi5U0bjUEv3Gspouvzj5E4ZjUON1yRGgDJKGU2ssiWQEWU0AciWs6CMWgaaQHKU0QQgW86CMmoZKJOzS4AyShm1W6PSTY0ymi7/OLlTRuNQS/caymi6/OPkThmNQ43XJEaAMkoZTayyJZARZTQByJazoIxaBppAcpTRBCBbzoIyahkok7NLgDJKGbVbo9JNjTKaLv84uVNG41BL9xrKaLr84+ROGY1DjdckRoAyShlNrLIlkBFlNAHIlrOgjFoGmkBylNEEIFvOgjJqGSiTs0uAMkoZtVuj0k2NMpou/zi5U0bjUEv3Gspouvzj5E4ZjUON1yRGgDJKGU2ssiWQEWU0AciWs6CMWgaaQHKU0QQgW86CMmoZKJOzS4AyShm1W6PSTY0ymi7/OLlTRuNQS/caymi6/OPkThmNQ43XJEaAMkoZTayyJZARZTQByJazoIxaBppAcpTRBCBbzoIyahkok7NLgDJKGbVbo9JNjTKaLv84uVNG41BL9xrKaLr84+ROGY1DjdckRoAyShlNrLIlkBFlNAHIlrOgjFoGmkBylNEEIFvOgjJqGSiTs0uAMkoZtVuj0k2NMpou/zi5U0bjUEv3Gspouvzj5E4ZjUON1yRGgDJKGU2ssiWQEWU0AciWs6CMWgaaQHKU0QQgW86CMmoZKJOzS4AyShm1W6PSTY0ymi7/OLlTRuNQS/caymi6/OPkThmNQy0D12zevFmeeuopee2112Tjxo1SV1cn++yzj5x55pnSp0+fDJTQThEoo5RROzUpG6lQRrMRh2JKQRkthlY2zqWMZiMOxZSCMloMrYycCxG9/fbb5aOPPpLddttNhg8fLsuWLZP33ntPevXqJVdddZXssMMOGSltacWgjFJGS6tB2bqaMpqteJiUhjJqQilb51BGsxUPk9JQRk0oZeycv/71r3LPPffIscceK+PGjZOqqipVQvSS3nvvvXLMMceo/14OB2WUMloO9Vj/Bspo/qJJGc1fzCij+YsZZTR/MZMZM2bIO++8IxMnTpRBgwZ1/IL169fL5MmTpbGxUf0N/5/3gzJKGc17HfaWnzKav2hSRvMXM8po/mJGGc1ZzDBEP3XqVFmzZo1MmjRJDcvro7m5WW677TZZtWpVl7/l7Gd2FJcyShnNa90NKjdlNH/RpIzmL2aU0fzFjDKas5gVklH8lDvvvFMWL14s11xzjQwcODBnv65rcSmjlNHcV2LPD6CM5i+alNH8xYwymr+YUUZzFjMTGcVCJv8Qfs5+Zkdxx/zrhrwW3Xm55/ysh/M84mTw4+mbZeGy1jiXlv01lNH8hZgymr+YUUbzFzPKaM5i5kJGH3300cxSmLV8v8yWLe2Cnbrbu2kXITB/xiw8LEcMWCLb12/OXNwYs/CQDO+zQnbtuSZzMXvpi8Gytqlb5sqVhQLt1nO1DOvzeRaK0qkM76weKMvXl8/WizYBb1+/SY4YsNRmklbS2nvvvQX/s3lUtbe3t9tMMI20TGS02GH6n/zkJ7Ju3bo0fg7zJAESIAESIAESIIFMEvj7v/97ymhQZCptAVMmaycLRQIkQAIkQAIkQAIxCJRFzyh+t97a6corr5Tdd9+9A0U5bu0UI868hARIgARIgARIgAQySaBsZHTRokUyffp0GT16tFxwwQVSU1OjgJfjpveZrEksFAmQAAmQAAmQAAnEIFA2Mur9HCh6Rvfff39Zvny52gh/++23L6vPgcaIMy8hARIgARIgARIggUwSKBsZBd0tW7bIU089Jfg06MaNG6Wurk722WcfOfPMM6VPH67Wy2QNZKFIgARIgARIgAQqmkBZyWhFR5I/ngRIgARIgARIgARySIAymsOgscgkQAIkQAIkQAIkUC4EKKPlEkn+DhIgARIgARIgARLIIQHKaA6DxiKTAAmQAAmQAAmQQLkQoIyWSyT5O0iABEiABEiABEgghwQoozkMWtJFbm5ultmzZ8vLL7+sdinYc8895Tvf+Y7U19cbFQVbbN1yyy0yaNAgueyyy9QuBzyyQ4DxyU4sWBISIAESqEQClNEcRh1iiC2sIHYjRoxw/gsef/xxefbZZ6V3794yZMgQGTx4sBxxxBHG+X7++ecyZcoU9S3b888/v+ODBP4EPv74Y7n11lulW7ducvXVV3fZjgtSfPvtt8sHH3yg0jn00EONy1BpJ37zzTdy/fXXq5hdccUV0tjYGIrAND6VxlD/Xs1yzZo1qs6h7lVVVYXimDdvnjz66KOK+cSJE9VLGI90COi20p872pihQ4fKySefLDvttJPTwun6g72wcS+i/fQfxdyvYYVN+rngFJph4kuWLFEdHTvvvHPBdu7VV1+Ve++9t8v9iy80ghs+mrNu3Tp1X6PNPPLII9X/wjpOVq1aJU8//bS89957smnTJqmurpYdd9xRTjzxRBk1apT6dx7FEaCMFscrE2cn2eigAZ06daqsXr1arr32Wunbt68zBu3t7aphwE1++OGHy7nnntvpof/KK6/I/fffL3vttZdMmDCBPawFImHj4eYs0DlL2CujvXr1Kngf4MF08803yyeffEIZzUCcdVsJ8YRk6OOrr76SZcuWqRfjiy66yOlLvbf+4IMsEFLIsPewcb8m+VzIQGhVEdBBgQ4MxBKfAkdnif/AObfddpt89NFH6rmx7777qlNwDf77hg0bZMCAAbLLLrtIW1uboFPk66+/lj322EOd74/VG2+8ocS2tbVVvWjimdjS0iIffvihQG4POuigTl+BzAqrrJeDMpr1CAWUL8lGx0YjWQxiPMwhvytWrFBTATAlAAd6pfCQx9+vuuoq570ZxZQ5i+cmHbcsMrBVJs1y7dq1ghem008/XY499tjA5PHFt2nTpqm/oVeFPaO2ohAvnUJtJaTinnvukYEDB6o2xS8d8XLsepVXRvFX9MaedNJJnV60bdyvST4XbLGxkc78+fPlkUcekeOPP17GjRvXJUmM/Nx4441qpE3HGQKK0bovvvhCieOBBx7YEQ9I5pNPPinPPfecHHfccSpNPRKCHlGkBfm8/PLLlbDqAx/dufvuu+Xtt9/myF2MwFJGY0BL+5KgRufOO+9UQwb+hx/e/nDT4UtUl1xySUfRccO98MIL8vzzzwsaQjw4MeSPGw+fT8URNMTlH3rEzYyGAMMlSBNviaeccoqMHDmy4wYOK0MYx8WLF6s3Vj300tDQIA8++KCas3rqqaeqoRB9YHgFD3/kiQZeH7pHFxI7adIkQY9WJR3FPNyKjU8lccRv1SzxMEPPR48ePQKHBFH/cR+iBwb3AR5c/vtRD+/hgYUeGwgQ7hXcd96pFPp+xujAiy++qHpxxo4dKyeccILCDzHG9BnUf6TTvXt31SOD+wD3iz4gz+ixeeKJJ+TTTz9VMh10j+J8/A1TYDDFYOXKlQXPzUsdKCRouo1AGwZJ2XXXXTt+FpiBL5jhQK8ZYoQeVi9bE166/mDoFnUE0uIfri90v/q/LOiPtW4D/TFJahpX2nUBvdyTJ0+W7bbbLvClQk+b8T4j8JVGvIgccsghgdNucH9BOiGhGBHs2bOn+pl6ytoZZ5wR+EL62WefyU033aTqCzpTuD7CvHZQRs1ZZebMUmUUDeJ9990nr7/+uprHiTlMS5culffff189qNAwY0gLb5R4sGJ+KhpAvHnigYneSvy7nuOJhUwHHHCA4vPmm2+qh7dXGouVHTwUcdOjEcGnXPGQQG8pbnAMm3gf2pTR4GpJGbV3u2qWGGKFkEIOg4YE9YNI95bgpcoro/p+QclGjx6tevchpX/729/U8KK3bkNG33rrrY65ZxBg9MYeffTRaggRowSYOqPvX6SB9HU6upcPL5sQUdwzei6bvkfRQzdmzJiOl0bdU4gHb6H72R5Z9ykVklG0M9OnT1cC7o2T5rDDDjsoDngBAbOmpia5+OKLO4b0TXl578WDDz5YHnroITW86x0CDrtfMRKEefJYZDhs2DD1go46g3/Xw8iQanQGoL6gPUQd2W233VRd8E5NcE87nRz0SyA6YyD53hcGPYyPexPrEMAPx4wZM2ThwoWdhu29pUfdAFPEXj/vEH88h/Dycs0116gedf+BsuC+R88p7k3KqHmdoIyas8rMmaXKKOZeokE877zzVG+KHoJ47bXX1FyYY445pmO4I6yR1MMcmHOFBgByikMPs6NHUs8xLVZGkQ4mk+PNFI0BHqxI97vf/a5ACLwHZZQy6vrG9N4D6J284447ZP/99+/So4IXKMgfeqTwoucfqcAIAqQRw4JaWPHQmzlzprz00kudHoyQUTwsIa1YMKUfanjY4R6FHF144YVKMHHo+dZoG/DfcV9jqgukFXKJe1SLiRYczGvVUq0ftOgRxX3bv39/lS56nZBGbW1tpx4i18xtpV9IRnXvF8ThuuuuU3z0MCziM378+A7umgPaObyso92DmJjw8tYf9Jah5xk9c96XgaB2Vr+UY0QI4qolKyjW4FWpw/T47Xp6DGQf94s+9LMH8cR9ibjpug5BLWYaDerLn/70JzWvtBJH22zdk2HpUEZdE3aQfikyqidzY4smNKpaIlFM3SD269evY4ghTEbxUMUbO4QWQx3eA+WbM2dOx8M1jowiPeSBBz8eFkHzrHAOZZQy6uAW65Sk9x7AA+2uu+5S0uJd0KfFBkPkuK8eeOCBwGkzQWXVddg7rKqH6SGL3hcwvOTdcMMNagQDL2fenhf02Pz5z39W0nLWWWd1LAbUcurN2//w1kPW+K1azLTkoq3AAxi9s3lbJRzUVkLmvvzySzW9CC8M3rYF8w/Rk+zvYQMLxAS9XugVg7hCRk14+dtQsIbg44Vev2AHtbN4EcfwM1Zpa5HySxameGj5qmQZ1azAxz+sjrmf3nvAuygXUqlf0vxze5GWd1qa/jumsUFi9Qidfr4hXX0gTQprcS0zZbQ4Xpk4uxQZDbrh/D8Kw/Z6O6AwGQ3bMsWbln64+mU0aI6Tf84n0tE9tegNClpdTxkNr44cprd3q/pZYpgU8828C5n0HDT938LmcEMY8aKmt4QJul+0+BSaA+6VkLBfijJg6o1/PqT3xRND0bjXMdXmmWeekVmzZinpPOyww9QQNXpI0ZuU16NQOwWxxvY9iJn+jbpHOuz3euXElFfQvYg2EC81ergevXX+rdiCJMdfLtQDvRagkmUUXLwjE5jSoHe2gPR7X7DCZBTngyFevnBgihr+m+49DZNR9JpDeNHRo4fpMZJAGS2u1aCMFscrE2fbkFFM9sbcoqADw3oY1kADXUhG0RhjHil6UoMOPWfJL6Po3cF8HO+B+XPeOTh6WAznYJgeD3GsXtTbcuhr2TMaXCUpo/ZuVT9LiAOmkOheUDx4sL2Mt7c0SEa9c6yPOuooNVcbPSgYAcCWZUE9o2ELEjF/1Ltgz/9roxbwhQ0LY+HOY489JhjCRA8i5AsjH/6FUfbouk0paGsnyAnmiULkMBTvlW3EDX8DW0i5/8C5eg6hXhwWxSuINaQFMdfD9RhexhCwd19g3W6ip1vP4fWXB3OY9b6llS6jes9RTF1BbzHWQWAPUv3vejqaHh3EvNtCw/T+e1j3vuL+DxPNqPvObW3Pd+qU0YzGD29kuGnQIPp7JmzIqMlm6N4eFP/5xTR8xQ7T6wVW6BlFo4LJ+BjWwop4NB7ehwRllDLq+hYOkglvLwzuDayg9c4j9T/I9ANQL37wvsAVGqYPk9FSe0bxQoieOMhM0EcRUF48rOfOnat6V/O6t29QO6U/noGeL/8LbliPdlQdK8Qr7MVQb1cHOcauCZDaIBn174QSVpZi2uSo35PHv+vFSujIQE8oplxgLnbQlAu8CGDtxKWXXhq6x2zYPVxIYimj8WsOZTQ+O6dXFlrth79hgQQa0uHDh6tymG7thCEIvRLXu7ow7MeENaRhX7QISqdYGdVDWHq1KHqe9Gb4/n3fKKOUUac3omcutVcUvCvnMdT9l7/8pdMKe//9qBc/YL6ZX/70vWTSM1pozijuVcgjNvDGF9L0PWMyZxTlg5xBkrFrhT7wYoi54ejVDRrud82+1PTDBA29ZpjzidEYbzywuAi7eIRt3aPLUwyvQqMUuq1DvUDb7C0P5rVizih64DFPVW+5RxkNrxUQUCwIPPvss9WuF5h+ErSHrJ4zjZE2CGnQVJSgZ6reJsr/HNIloozGv2Mpo/HZOb1Sz0FDD8i3vvWtjptFf7pR73+mv4iEhxAm3nsbUQwjYX4avmiEYR7/3CIMX3hXjOLNEm/nmG+DbSkK9YxiWxn0BuGt3rvSE9fgoYZtTzAXCw1pMTLq7S3A4g30iuLQq/cxFOrdDB8rgiHXeIB6F3R4h0Qrce4Oh+nt3Z5hw6x4WL377rtqUQ8WGXnrn/9Bph9SWH2N3k69pyXqM6QIvTkmMlpoNT3udcgX7mnvanqMKOBe0nslBq2m1xuDY7GM9wtBurcJK/PDtrOxR9p+SmEyirZR713s/bSwbquwsBMc9K4COB8dAIgT9jnWq+5NeBW6F/Vw/YIFC9SP987X17HGCBG24MJCK72ADOKqN3rX05v0b/32t7/dscuCfaLZTlHvOYqhdPwP3IKms3g/LY2/4zzv4jw8h/QCNe9LmN7lBdur+TfLBxn0muLlDR0o3/ve9yJfILJNM9nSUUaT5W2cm35gQOzQIELK8EDDnC5sguzfI1Bv44K/YUgN8yyxYTOGBdGQeie6I21sFI+VoUgbUoq0sV0M5sV4b7JCDan+LBp+FAQWZUSaGNbDwxmSikbdVEa9DXPQ6nndiwDx1A9Mb6OC/NGzg98ATliFX6mrGnXcwABz3ILe/LF4Aj1opvExrrxldmLYPaB7V7DS3N/7GNSrontt8IKGeYD6E4J4sUQ99i7iKzRcrPcZRbkwhIu52SgLevv0Fjb+fUb13qHoKYL44FpvG+J9cYW8Yg4j0sC2QhBovWVO3hYzFRq61kKJHQkwSoQpC+CAF3vsrYz5sniJxws/2h6IBr7UA3mFbOgX/SheUS+G+gUc5fHKKG4jxBpShL+hfcOHSSBcaKtxeL8CpHc4wXoA1Als0efdyL/MbsvAn6P3HMWeq3j2FBr9A3eII56TGN3AMwtCqp8fuK9xT+JDE3q+KTJFBwh2eUFc9WdE8d+9n5jFC6Hedq0SuNv4jZRRGxQdpQFBRKOI/QbxRoYbBSJ22mmnqYeZ9wZBETDx/uGHH1YNFx4aaJCwwAj7EuJG836BCQ8/DGPgAYmbCo0r0sZWTVhMpI+ohhQSjKEtTB7HwxUNIVaoYoGF3nbGVHbwQMUm1GgY0AuDtLwHGhp8bg0S7JVVDJmhlwOrj71fgcKqZ/SQVnLPKBrcsEO/oJjGx1E1z3yyYfeAXq2LF0D/MGqQTOreNYxg/P/t3cFq60AQRNH//+twFwIjAn4FvXnkGLJKp2OOJU1JHo3q2WDZXeuFjOoLGi2q3n79be7i+wlMBaJuSGzf+1zu6bcnMHXC1nqpTfH5PIY0+LZvdWNiXxH3t53MdbNVP/9bEG3D+jaP8vn959euv5nl0DGndV+fK2j/6vXtGNr7fE60C4/vaRzPONAV0q6I9vl2EtIDQQrQz6tjX3OZmyfZeyuodpHgr72ek8SM3ktivS0aB3NtfeC2+dw6CWt8bQxr3HyPs/XoM2nsbIpNx9i2mcar/mfbUiHVaxMQRjcv1QQIECBAgAABAocCwughplYECBAgQIAAAQKbgDC6eakmQIAAAQIECBA4FBBGDzG1IkCAAAECBAgQ2ASE0c1LNQECBAgQIECAwKGAMHqIqRUBAgQIECBAgMAmIIxuXqoJECBAgAABAgQOBYTRQ0ytCBAgQIAAAQIENgFhdPNSTYAAAQIECBAgcCggjB5iakWAAAECBAgQILAJCKObl2oCBAgQIECAAIFDAWH0EFMrAgQIECBAgACBTUAY3bxUEyBAgAABAgQIHAoIo4eYWhEgQIAAAQIECGwCwujmpZoAAQIECBAgQOBQQBg9xNSKAAECBAgQIEBgExBGNy/VBAgQIECAAAEChwLC6CGmVgQIECBAgAABApuAMLp5qSZAgAABAgQIEDgUEEYPMbUiQIAAAQIECBDYBITRzUs1AQIECBAgQIDAoYAweoipFQECBAgQIECAwCYgjG5eqgkQIECAAAECBA4FhNFDTK0IECBAgAABAgQ2AWF081JNgAABAgQIECBwKPADT0Qa+lQrJ78AAAAASUVORK5CYII="/>
           <p:cNvSpPr>
             <a:spLocks noChangeAspect="1" noChangeArrowheads="1"/>
@@ -7462,7 +7428,7 @@
       </p:sp>
       <p:pic>
         <p:nvPicPr>
-          <p:cNvPr id="19" name="Picture 18"/>
+          <p:cNvPr id="20" name="Picture 19"/>
           <p:cNvPicPr>
             <a:picLocks noChangeAspect="1"/>
           </p:cNvPicPr>
@@ -7482,8 +7448,38 @@
         </p:blipFill>
         <p:spPr>
           <a:xfrm>
-            <a:off x="7846741" y="3535693"/>
-            <a:ext cx="25490832" cy="15761832"/>
+            <a:off x="7455224" y="3455765"/>
+            <a:ext cx="26458413" cy="16360119"/>
+          </a:xfrm>
+          <a:prstGeom prst="rect">
+            <a:avLst/>
+          </a:prstGeom>
+        </p:spPr>
+      </p:pic>
+      <p:pic>
+        <p:nvPicPr>
+          <p:cNvPr id="23" name="Picture 22"/>
+          <p:cNvPicPr>
+            <a:picLocks noChangeAspect="1"/>
+          </p:cNvPicPr>
+          <p:nvPr/>
+        </p:nvPicPr>
+        <p:blipFill>
+          <a:blip r:embed="rId3">
+            <a:extLst>
+              <a:ext uri="{28A0092B-C50C-407E-A947-70E740481C1C}">
+                <a14:useLocalDpi xmlns:a14="http://schemas.microsoft.com/office/drawing/2010/main" val="0"/>
+              </a:ext>
+            </a:extLst>
+          </a:blip>
+          <a:stretch>
+            <a:fillRect/>
+          </a:stretch>
+        </p:blipFill>
+        <p:spPr>
+          <a:xfrm>
+            <a:off x="10373462" y="20089613"/>
+            <a:ext cx="21235919" cy="3240360"/>
           </a:xfrm>
           <a:prstGeom prst="rect">
             <a:avLst/>

--- a/Presentation_material/presentation.pptx
+++ b/Presentation_material/presentation.pptx
@@ -14,8 +14,8 @@
     <p:sldId id="256" r:id="rId2"/>
     <p:sldId id="259" r:id="rId3"/>
     <p:sldId id="262" r:id="rId4"/>
-    <p:sldId id="275" r:id="rId5"/>
-    <p:sldId id="263" r:id="rId6"/>
+    <p:sldId id="263" r:id="rId5"/>
+    <p:sldId id="275" r:id="rId6"/>
     <p:sldId id="260" r:id="rId7"/>
     <p:sldId id="277" r:id="rId8"/>
     <p:sldId id="261" r:id="rId9"/>
@@ -1301,43 +1301,7 @@
           <a:bodyPr/>
           <a:lstStyle/>
           <a:p>
-            <a:pPr marL="0" marR="0" indent="0" algn="l" defTabSz="914400" rtl="0" eaLnBrk="1" fontAlgn="base" latinLnBrk="0" hangingPunct="1">
-              <a:lnSpc>
-                <a:spcPct val="100000"/>
-              </a:lnSpc>
-              <a:spcBef>
-                <a:spcPct val="30000"/>
-              </a:spcBef>
-              <a:spcAft>
-                <a:spcPct val="0"/>
-              </a:spcAft>
-              <a:buClrTx/>
-              <a:buSzTx/>
-              <a:buFontTx/>
-              <a:buNone/>
-              <a:tabLst/>
-              <a:defRPr/>
-            </a:pPr>
-            <a:r>
-              <a:rPr lang="en-GB" dirty="0" smtClean="0"/>
-              <a:t>Expand on black/white board. Show binary string representation (</a:t>
-            </a:r>
-            <a:r>
-              <a:rPr lang="en-GB" dirty="0" err="1" smtClean="0"/>
-              <a:t>dec</a:t>
-            </a:r>
-            <a:r>
-              <a:rPr lang="en-GB" dirty="0" smtClean="0"/>
-              <a:t> 203, rot 151) and rotational</a:t>
-            </a:r>
-            <a:r>
-              <a:rPr lang="en-GB" baseline="0" dirty="0" smtClean="0"/>
-              <a:t> invariance. Our experiments show R=10, P=6 has highest predictive power. Histograms used as input features to neural network. Loss of positional information.</a:t>
-            </a:r>
-            <a:endParaRPr lang="en-GB" dirty="0" smtClean="0"/>
-          </a:p>
-          <a:p>
-            <a:endParaRPr lang="en-GB" dirty="0"/>
+            <a:endParaRPr lang="en-GB"/>
           </a:p>
         </p:txBody>
       </p:sp>
@@ -1359,7 +1323,7 @@
             <a:fld id="{E36643B1-9D94-4426-9F70-001B837290C8}" type="slidenum">
               <a:rPr lang="sv-SE" smtClean="0"/>
               <a:pPr/>
-              <a:t>4</a:t>
+              <a:t>3</a:t>
             </a:fld>
             <a:endParaRPr lang="sv-SE"/>
           </a:p>
@@ -1368,7 +1332,7 @@
     </p:spTree>
     <p:extLst>
       <p:ext uri="{BB962C8B-B14F-4D97-AF65-F5344CB8AC3E}">
-        <p14:creationId xmlns:p14="http://schemas.microsoft.com/office/powerpoint/2010/main" val="1612184293"/>
+        <p14:creationId xmlns:p14="http://schemas.microsoft.com/office/powerpoint/2010/main" val="2736901393"/>
       </p:ext>
     </p:extLst>
   </p:cSld>
@@ -1440,22 +1404,22 @@
               <a:defRPr/>
             </a:pPr>
             <a:r>
-              <a:rPr lang="en-GB" dirty="0" smtClean="0"/>
+              <a:rPr lang="en-GB" sz="6600" dirty="0" smtClean="0"/>
               <a:t>Expand on black/white board. Show binary string representation (</a:t>
             </a:r>
             <a:r>
-              <a:rPr lang="en-GB" dirty="0" err="1" smtClean="0"/>
+              <a:rPr lang="en-GB" sz="6600" dirty="0" err="1" smtClean="0"/>
               <a:t>dec</a:t>
             </a:r>
             <a:r>
-              <a:rPr lang="en-GB" dirty="0" smtClean="0"/>
+              <a:rPr lang="en-GB" sz="6600" dirty="0" smtClean="0"/>
               <a:t> 203, rot 151) and rotational</a:t>
             </a:r>
             <a:r>
-              <a:rPr lang="en-GB" baseline="0" dirty="0" smtClean="0"/>
+              <a:rPr lang="en-GB" sz="6600" baseline="0" dirty="0" smtClean="0"/>
               <a:t> invariance. Our experiments show R=10, P=6 has highest predictive power. Histograms used as input features to neural network. Loss of positional information.</a:t>
             </a:r>
-            <a:endParaRPr lang="en-GB" dirty="0" smtClean="0"/>
+            <a:endParaRPr lang="en-GB" sz="6600" dirty="0" smtClean="0"/>
           </a:p>
           <a:p>
             <a:endParaRPr lang="en-GB" dirty="0"/>
@@ -1480,7 +1444,7 @@
             <a:fld id="{E36643B1-9D94-4426-9F70-001B837290C8}" type="slidenum">
               <a:rPr lang="sv-SE" smtClean="0"/>
               <a:pPr/>
-              <a:t>5</a:t>
+              <a:t>4</a:t>
             </a:fld>
             <a:endParaRPr lang="sv-SE"/>
           </a:p>
@@ -1543,6 +1507,42 @@
           <a:bodyPr/>
           <a:lstStyle/>
           <a:p>
+            <a:pPr marL="0" marR="0" indent="0" algn="l" defTabSz="914400" rtl="0" eaLnBrk="1" fontAlgn="base" latinLnBrk="0" hangingPunct="1">
+              <a:lnSpc>
+                <a:spcPct val="100000"/>
+              </a:lnSpc>
+              <a:spcBef>
+                <a:spcPct val="30000"/>
+              </a:spcBef>
+              <a:spcAft>
+                <a:spcPct val="0"/>
+              </a:spcAft>
+              <a:buClrTx/>
+              <a:buSzTx/>
+              <a:buFontTx/>
+              <a:buNone/>
+              <a:tabLst/>
+              <a:defRPr/>
+            </a:pPr>
+            <a:r>
+              <a:rPr lang="en-GB" dirty="0" smtClean="0"/>
+              <a:t>Expand on black/white board. Show binary string representation (</a:t>
+            </a:r>
+            <a:r>
+              <a:rPr lang="en-GB" dirty="0" err="1" smtClean="0"/>
+              <a:t>dec</a:t>
+            </a:r>
+            <a:r>
+              <a:rPr lang="en-GB" dirty="0" smtClean="0"/>
+              <a:t> 203, rot 151) and rotational</a:t>
+            </a:r>
+            <a:r>
+              <a:rPr lang="en-GB" baseline="0" dirty="0" smtClean="0"/>
+              <a:t> invariance. Our experiments show R=10, P=6 has highest predictive power. Histograms used as input features to neural network. Loss of positional information.</a:t>
+            </a:r>
+            <a:endParaRPr lang="en-GB" dirty="0" smtClean="0"/>
+          </a:p>
+          <a:p>
             <a:endParaRPr lang="en-GB" dirty="0"/>
           </a:p>
         </p:txBody>
@@ -1565,7 +1565,7 @@
             <a:fld id="{E36643B1-9D94-4426-9F70-001B837290C8}" type="slidenum">
               <a:rPr lang="sv-SE" smtClean="0"/>
               <a:pPr/>
-              <a:t>8</a:t>
+              <a:t>5</a:t>
             </a:fld>
             <a:endParaRPr lang="sv-SE"/>
           </a:p>
@@ -1574,7 +1574,7 @@
     </p:spTree>
     <p:extLst>
       <p:ext uri="{BB962C8B-B14F-4D97-AF65-F5344CB8AC3E}">
-        <p14:creationId xmlns:p14="http://schemas.microsoft.com/office/powerpoint/2010/main" val="2477875580"/>
+        <p14:creationId xmlns:p14="http://schemas.microsoft.com/office/powerpoint/2010/main" val="1612184293"/>
       </p:ext>
     </p:extLst>
   </p:cSld>
@@ -1650,6 +1650,91 @@
             <a:fld id="{E36643B1-9D94-4426-9F70-001B837290C8}" type="slidenum">
               <a:rPr lang="sv-SE" smtClean="0"/>
               <a:pPr/>
+              <a:t>8</a:t>
+            </a:fld>
+            <a:endParaRPr lang="sv-SE"/>
+          </a:p>
+        </p:txBody>
+      </p:sp>
+    </p:spTree>
+    <p:extLst>
+      <p:ext uri="{BB962C8B-B14F-4D97-AF65-F5344CB8AC3E}">
+        <p14:creationId xmlns:p14="http://schemas.microsoft.com/office/powerpoint/2010/main" val="2477875580"/>
+      </p:ext>
+    </p:extLst>
+  </p:cSld>
+  <p:clrMapOvr>
+    <a:masterClrMapping/>
+  </p:clrMapOvr>
+</p:notes>
+</file>
+
+<file path=ppt/notesSlides/notesSlide7.xml><?xml version="1.0" encoding="utf-8"?>
+<p:notes xmlns:a="http://schemas.openxmlformats.org/drawingml/2006/main" xmlns:r="http://schemas.openxmlformats.org/officeDocument/2006/relationships" xmlns:p="http://schemas.openxmlformats.org/presentationml/2006/main">
+  <p:cSld>
+    <p:spTree>
+      <p:nvGrpSpPr>
+        <p:cNvPr id="1" name=""/>
+        <p:cNvGrpSpPr/>
+        <p:nvPr/>
+      </p:nvGrpSpPr>
+      <p:grpSpPr>
+        <a:xfrm>
+          <a:off x="0" y="0"/>
+          <a:ext cx="0" cy="0"/>
+          <a:chOff x="0" y="0"/>
+          <a:chExt cx="0" cy="0"/>
+        </a:xfrm>
+      </p:grpSpPr>
+      <p:sp>
+        <p:nvSpPr>
+          <p:cNvPr id="2" name="Slide Image Placeholder 1"/>
+          <p:cNvSpPr>
+            <a:spLocks noGrp="1" noRot="1" noChangeAspect="1"/>
+          </p:cNvSpPr>
+          <p:nvPr>
+            <p:ph type="sldImg"/>
+          </p:nvPr>
+        </p:nvSpPr>
+        <p:spPr/>
+      </p:sp>
+      <p:sp>
+        <p:nvSpPr>
+          <p:cNvPr id="3" name="Notes Placeholder 2"/>
+          <p:cNvSpPr>
+            <a:spLocks noGrp="1"/>
+          </p:cNvSpPr>
+          <p:nvPr>
+            <p:ph type="body" idx="1"/>
+          </p:nvPr>
+        </p:nvSpPr>
+        <p:spPr/>
+        <p:txBody>
+          <a:bodyPr/>
+          <a:lstStyle/>
+          <a:p>
+            <a:endParaRPr lang="en-GB" dirty="0"/>
+          </a:p>
+        </p:txBody>
+      </p:sp>
+      <p:sp>
+        <p:nvSpPr>
+          <p:cNvPr id="4" name="Slide Number Placeholder 3"/>
+          <p:cNvSpPr>
+            <a:spLocks noGrp="1"/>
+          </p:cNvSpPr>
+          <p:nvPr>
+            <p:ph type="sldNum" sz="quarter" idx="10"/>
+          </p:nvPr>
+        </p:nvSpPr>
+        <p:spPr/>
+        <p:txBody>
+          <a:bodyPr/>
+          <a:lstStyle/>
+          <a:p>
+            <a:fld id="{E36643B1-9D94-4426-9F70-001B837290C8}" type="slidenum">
+              <a:rPr lang="sv-SE" smtClean="0"/>
+              <a:pPr/>
               <a:t>15</a:t>
             </a:fld>
             <a:endParaRPr lang="sv-SE"/>
@@ -1669,7 +1754,7 @@
 </p:notes>
 </file>
 
-<file path=ppt/notesSlides/notesSlide7.xml><?xml version="1.0" encoding="utf-8"?>
+<file path=ppt/notesSlides/notesSlide8.xml><?xml version="1.0" encoding="utf-8"?>
 <p:notes xmlns:a="http://schemas.openxmlformats.org/drawingml/2006/main" xmlns:r="http://schemas.openxmlformats.org/officeDocument/2006/relationships" xmlns:p="http://schemas.openxmlformats.org/presentationml/2006/main">
   <p:cSld>
     <p:spTree>
@@ -6029,11 +6114,7 @@
             <a:pPr lvl="1"/>
             <a:r>
               <a:rPr lang="en-GB" dirty="0" smtClean="0"/>
-              <a:t>Classification </a:t>
-            </a:r>
-            <a:r>
-              <a:rPr lang="en-GB" dirty="0" smtClean="0"/>
-              <a:t>based on histograms, discarding spatial information</a:t>
+              <a:t>Classification based on histograms, discarding spatial information</a:t>
             </a:r>
           </a:p>
         </p:txBody>
@@ -6506,13 +6587,8 @@
             </a:r>
             <a:r>
               <a:rPr lang="sv-SE" dirty="0" smtClean="0"/>
-              <a:t>equi</a:t>
-            </a:r>
-            <a:r>
-              <a:rPr lang="sv-SE" dirty="0" smtClean="0"/>
-              <a:t>variant</a:t>
-            </a:r>
-            <a:endParaRPr lang="sv-SE" dirty="0" smtClean="0"/>
+              <a:t>equivariant</a:t>
+            </a:r>
           </a:p>
           <a:p>
             <a:pPr lvl="1"/>
@@ -8332,9 +8408,370 @@
   <p:timing>
     <p:tnLst>
       <p:par>
-        <p:cTn id="1" dur="indefinite" restart="never" nodeType="tmRoot"/>
+        <p:cTn id="1" dur="indefinite" restart="never" nodeType="tmRoot">
+          <p:childTnLst>
+            <p:seq concurrent="1" nextAc="seek">
+              <p:cTn id="2" dur="indefinite" nodeType="mainSeq">
+                <p:childTnLst>
+                  <p:par>
+                    <p:cTn id="3" fill="hold">
+                      <p:stCondLst>
+                        <p:cond delay="indefinite"/>
+                      </p:stCondLst>
+                      <p:childTnLst>
+                        <p:par>
+                          <p:cTn id="4" fill="hold">
+                            <p:stCondLst>
+                              <p:cond delay="0"/>
+                            </p:stCondLst>
+                            <p:childTnLst>
+                              <p:par>
+                                <p:cTn id="5" presetID="1" presetClass="entr" presetSubtype="0" fill="hold" grpId="0" nodeType="clickEffect">
+                                  <p:stCondLst>
+                                    <p:cond delay="0"/>
+                                  </p:stCondLst>
+                                  <p:childTnLst>
+                                    <p:set>
+                                      <p:cBhvr>
+                                        <p:cTn id="6" dur="1" fill="hold">
+                                          <p:stCondLst>
+                                            <p:cond delay="0"/>
+                                          </p:stCondLst>
+                                        </p:cTn>
+                                        <p:tgtEl>
+                                          <p:spTgt spid="3">
+                                            <p:txEl>
+                                              <p:pRg st="0" end="0"/>
+                                            </p:txEl>
+                                          </p:spTgt>
+                                        </p:tgtEl>
+                                        <p:attrNameLst>
+                                          <p:attrName>style.visibility</p:attrName>
+                                        </p:attrNameLst>
+                                      </p:cBhvr>
+                                      <p:to>
+                                        <p:strVal val="visible"/>
+                                      </p:to>
+                                    </p:set>
+                                  </p:childTnLst>
+                                </p:cTn>
+                              </p:par>
+                            </p:childTnLst>
+                          </p:cTn>
+                        </p:par>
+                      </p:childTnLst>
+                    </p:cTn>
+                  </p:par>
+                  <p:par>
+                    <p:cTn id="7" fill="hold">
+                      <p:stCondLst>
+                        <p:cond delay="indefinite"/>
+                      </p:stCondLst>
+                      <p:childTnLst>
+                        <p:par>
+                          <p:cTn id="8" fill="hold">
+                            <p:stCondLst>
+                              <p:cond delay="0"/>
+                            </p:stCondLst>
+                            <p:childTnLst>
+                              <p:par>
+                                <p:cTn id="9" presetID="1" presetClass="entr" presetSubtype="0" fill="hold" grpId="0" nodeType="clickEffect">
+                                  <p:stCondLst>
+                                    <p:cond delay="0"/>
+                                  </p:stCondLst>
+                                  <p:childTnLst>
+                                    <p:set>
+                                      <p:cBhvr>
+                                        <p:cTn id="10" dur="1" fill="hold">
+                                          <p:stCondLst>
+                                            <p:cond delay="0"/>
+                                          </p:stCondLst>
+                                        </p:cTn>
+                                        <p:tgtEl>
+                                          <p:spTgt spid="3">
+                                            <p:txEl>
+                                              <p:pRg st="1" end="1"/>
+                                            </p:txEl>
+                                          </p:spTgt>
+                                        </p:tgtEl>
+                                        <p:attrNameLst>
+                                          <p:attrName>style.visibility</p:attrName>
+                                        </p:attrNameLst>
+                                      </p:cBhvr>
+                                      <p:to>
+                                        <p:strVal val="visible"/>
+                                      </p:to>
+                                    </p:set>
+                                  </p:childTnLst>
+                                </p:cTn>
+                              </p:par>
+                            </p:childTnLst>
+                          </p:cTn>
+                        </p:par>
+                      </p:childTnLst>
+                    </p:cTn>
+                  </p:par>
+                  <p:par>
+                    <p:cTn id="11" fill="hold">
+                      <p:stCondLst>
+                        <p:cond delay="indefinite"/>
+                      </p:stCondLst>
+                      <p:childTnLst>
+                        <p:par>
+                          <p:cTn id="12" fill="hold">
+                            <p:stCondLst>
+                              <p:cond delay="0"/>
+                            </p:stCondLst>
+                            <p:childTnLst>
+                              <p:par>
+                                <p:cTn id="13" presetID="1" presetClass="entr" presetSubtype="0" fill="hold" grpId="0" nodeType="clickEffect">
+                                  <p:stCondLst>
+                                    <p:cond delay="0"/>
+                                  </p:stCondLst>
+                                  <p:childTnLst>
+                                    <p:set>
+                                      <p:cBhvr>
+                                        <p:cTn id="14" dur="1" fill="hold">
+                                          <p:stCondLst>
+                                            <p:cond delay="0"/>
+                                          </p:stCondLst>
+                                        </p:cTn>
+                                        <p:tgtEl>
+                                          <p:spTgt spid="3">
+                                            <p:txEl>
+                                              <p:pRg st="2" end="2"/>
+                                            </p:txEl>
+                                          </p:spTgt>
+                                        </p:tgtEl>
+                                        <p:attrNameLst>
+                                          <p:attrName>style.visibility</p:attrName>
+                                        </p:attrNameLst>
+                                      </p:cBhvr>
+                                      <p:to>
+                                        <p:strVal val="visible"/>
+                                      </p:to>
+                                    </p:set>
+                                  </p:childTnLst>
+                                </p:cTn>
+                              </p:par>
+                            </p:childTnLst>
+                          </p:cTn>
+                        </p:par>
+                      </p:childTnLst>
+                    </p:cTn>
+                  </p:par>
+                  <p:par>
+                    <p:cTn id="15" fill="hold">
+                      <p:stCondLst>
+                        <p:cond delay="indefinite"/>
+                      </p:stCondLst>
+                      <p:childTnLst>
+                        <p:par>
+                          <p:cTn id="16" fill="hold">
+                            <p:stCondLst>
+                              <p:cond delay="0"/>
+                            </p:stCondLst>
+                            <p:childTnLst>
+                              <p:par>
+                                <p:cTn id="17" presetID="1" presetClass="entr" presetSubtype="0" fill="hold" grpId="0" nodeType="clickEffect">
+                                  <p:stCondLst>
+                                    <p:cond delay="0"/>
+                                  </p:stCondLst>
+                                  <p:childTnLst>
+                                    <p:set>
+                                      <p:cBhvr>
+                                        <p:cTn id="18" dur="1" fill="hold">
+                                          <p:stCondLst>
+                                            <p:cond delay="0"/>
+                                          </p:stCondLst>
+                                        </p:cTn>
+                                        <p:tgtEl>
+                                          <p:spTgt spid="3">
+                                            <p:txEl>
+                                              <p:pRg st="3" end="3"/>
+                                            </p:txEl>
+                                          </p:spTgt>
+                                        </p:tgtEl>
+                                        <p:attrNameLst>
+                                          <p:attrName>style.visibility</p:attrName>
+                                        </p:attrNameLst>
+                                      </p:cBhvr>
+                                      <p:to>
+                                        <p:strVal val="visible"/>
+                                      </p:to>
+                                    </p:set>
+                                  </p:childTnLst>
+                                </p:cTn>
+                              </p:par>
+                              <p:par>
+                                <p:cTn id="19" presetID="1" presetClass="entr" presetSubtype="0" fill="hold" grpId="0" nodeType="withEffect">
+                                  <p:stCondLst>
+                                    <p:cond delay="0"/>
+                                  </p:stCondLst>
+                                  <p:childTnLst>
+                                    <p:set>
+                                      <p:cBhvr>
+                                        <p:cTn id="20" dur="1" fill="hold">
+                                          <p:stCondLst>
+                                            <p:cond delay="0"/>
+                                          </p:stCondLst>
+                                        </p:cTn>
+                                        <p:tgtEl>
+                                          <p:spTgt spid="3">
+                                            <p:txEl>
+                                              <p:pRg st="4" end="4"/>
+                                            </p:txEl>
+                                          </p:spTgt>
+                                        </p:tgtEl>
+                                        <p:attrNameLst>
+                                          <p:attrName>style.visibility</p:attrName>
+                                        </p:attrNameLst>
+                                      </p:cBhvr>
+                                      <p:to>
+                                        <p:strVal val="visible"/>
+                                      </p:to>
+                                    </p:set>
+                                  </p:childTnLst>
+                                </p:cTn>
+                              </p:par>
+                              <p:par>
+                                <p:cTn id="21" presetID="1" presetClass="entr" presetSubtype="0" fill="hold" grpId="0" nodeType="withEffect">
+                                  <p:stCondLst>
+                                    <p:cond delay="0"/>
+                                  </p:stCondLst>
+                                  <p:childTnLst>
+                                    <p:set>
+                                      <p:cBhvr>
+                                        <p:cTn id="22" dur="1" fill="hold">
+                                          <p:stCondLst>
+                                            <p:cond delay="0"/>
+                                          </p:stCondLst>
+                                        </p:cTn>
+                                        <p:tgtEl>
+                                          <p:spTgt spid="3">
+                                            <p:txEl>
+                                              <p:pRg st="5" end="5"/>
+                                            </p:txEl>
+                                          </p:spTgt>
+                                        </p:tgtEl>
+                                        <p:attrNameLst>
+                                          <p:attrName>style.visibility</p:attrName>
+                                        </p:attrNameLst>
+                                      </p:cBhvr>
+                                      <p:to>
+                                        <p:strVal val="visible"/>
+                                      </p:to>
+                                    </p:set>
+                                  </p:childTnLst>
+                                </p:cTn>
+                              </p:par>
+                            </p:childTnLst>
+                          </p:cTn>
+                        </p:par>
+                      </p:childTnLst>
+                    </p:cTn>
+                  </p:par>
+                  <p:par>
+                    <p:cTn id="23" fill="hold">
+                      <p:stCondLst>
+                        <p:cond delay="indefinite"/>
+                      </p:stCondLst>
+                      <p:childTnLst>
+                        <p:par>
+                          <p:cTn id="24" fill="hold">
+                            <p:stCondLst>
+                              <p:cond delay="0"/>
+                            </p:stCondLst>
+                            <p:childTnLst>
+                              <p:par>
+                                <p:cTn id="25" presetID="1" presetClass="entr" presetSubtype="0" fill="hold" grpId="0" nodeType="clickEffect">
+                                  <p:stCondLst>
+                                    <p:cond delay="0"/>
+                                  </p:stCondLst>
+                                  <p:childTnLst>
+                                    <p:set>
+                                      <p:cBhvr>
+                                        <p:cTn id="26" dur="1" fill="hold">
+                                          <p:stCondLst>
+                                            <p:cond delay="0"/>
+                                          </p:stCondLst>
+                                        </p:cTn>
+                                        <p:tgtEl>
+                                          <p:spTgt spid="3">
+                                            <p:txEl>
+                                              <p:pRg st="6" end="6"/>
+                                            </p:txEl>
+                                          </p:spTgt>
+                                        </p:tgtEl>
+                                        <p:attrNameLst>
+                                          <p:attrName>style.visibility</p:attrName>
+                                        </p:attrNameLst>
+                                      </p:cBhvr>
+                                      <p:to>
+                                        <p:strVal val="visible"/>
+                                      </p:to>
+                                    </p:set>
+                                  </p:childTnLst>
+                                </p:cTn>
+                              </p:par>
+                              <p:par>
+                                <p:cTn id="27" presetID="1" presetClass="entr" presetSubtype="0" fill="hold" grpId="0" nodeType="withEffect">
+                                  <p:stCondLst>
+                                    <p:cond delay="0"/>
+                                  </p:stCondLst>
+                                  <p:childTnLst>
+                                    <p:set>
+                                      <p:cBhvr>
+                                        <p:cTn id="28" dur="1" fill="hold">
+                                          <p:stCondLst>
+                                            <p:cond delay="0"/>
+                                          </p:stCondLst>
+                                        </p:cTn>
+                                        <p:tgtEl>
+                                          <p:spTgt spid="4"/>
+                                        </p:tgtEl>
+                                        <p:attrNameLst>
+                                          <p:attrName>style.visibility</p:attrName>
+                                        </p:attrNameLst>
+                                      </p:cBhvr>
+                                      <p:to>
+                                        <p:strVal val="visible"/>
+                                      </p:to>
+                                    </p:set>
+                                  </p:childTnLst>
+                                </p:cTn>
+                              </p:par>
+                            </p:childTnLst>
+                          </p:cTn>
+                        </p:par>
+                      </p:childTnLst>
+                    </p:cTn>
+                  </p:par>
+                </p:childTnLst>
+              </p:cTn>
+              <p:prevCondLst>
+                <p:cond evt="onPrev" delay="0">
+                  <p:tgtEl>
+                    <p:sldTgt/>
+                  </p:tgtEl>
+                </p:cond>
+              </p:prevCondLst>
+              <p:nextCondLst>
+                <p:cond evt="onNext" delay="0">
+                  <p:tgtEl>
+                    <p:sldTgt/>
+                  </p:tgtEl>
+                </p:cond>
+              </p:nextCondLst>
+            </p:seq>
+          </p:childTnLst>
+        </p:cTn>
       </p:par>
     </p:tnLst>
+    <p:bldLst>
+      <p:bldP spid="3" grpId="0" uiExpand="1" build="p"/>
+      <p:bldP spid="4" grpId="0"/>
+    </p:bldLst>
   </p:timing>
 </p:sld>
 </file>
@@ -8400,63 +8837,26 @@
           <a:lstStyle/>
           <a:p>
             <a:r>
-              <a:rPr lang="sv-SE" sz="8800" dirty="0" smtClean="0"/>
+              <a:rPr lang="en-GB" sz="8800" dirty="0" smtClean="0"/>
               <a:t>10274 80x80 images (75% healthy)</a:t>
             </a:r>
           </a:p>
           <a:p>
             <a:r>
-              <a:rPr lang="sv-SE" sz="8800" dirty="0" smtClean="0"/>
+              <a:rPr lang="en-GB" sz="8800" dirty="0" smtClean="0"/>
               <a:t>Three healthy patients, three with cancer</a:t>
             </a:r>
           </a:p>
           <a:p>
             <a:r>
-              <a:rPr lang="sv-SE" sz="8800" dirty="0" err="1"/>
-              <a:t>Individual</a:t>
-            </a:r>
-            <a:r>
-              <a:rPr lang="sv-SE" sz="8800" dirty="0"/>
-              <a:t> cells </a:t>
-            </a:r>
-            <a:r>
-              <a:rPr lang="sv-SE" sz="8800" dirty="0" err="1"/>
-              <a:t>isolated</a:t>
-            </a:r>
-            <a:r>
-              <a:rPr lang="sv-SE" sz="8800" dirty="0"/>
-              <a:t> </a:t>
-            </a:r>
-            <a:r>
-              <a:rPr lang="sv-SE" sz="8800" dirty="0" err="1"/>
-              <a:t>within</a:t>
-            </a:r>
-            <a:r>
-              <a:rPr lang="sv-SE" sz="8800" dirty="0"/>
-              <a:t> </a:t>
-            </a:r>
-            <a:r>
-              <a:rPr lang="sv-SE" sz="8800" dirty="0" err="1"/>
-              <a:t>samples</a:t>
-            </a:r>
-            <a:r>
-              <a:rPr lang="sv-SE" sz="8800" dirty="0"/>
-              <a:t> taken from patients </a:t>
-            </a:r>
-            <a:r>
-              <a:rPr lang="sv-SE" sz="8800" dirty="0" err="1"/>
-              <a:t>mouth</a:t>
-            </a:r>
-            <a:endParaRPr lang="sv-SE" sz="8800" dirty="0"/>
-          </a:p>
-          <a:p>
-            <a:r>
-              <a:rPr lang="sv-SE" sz="8800" dirty="0" err="1" smtClean="0"/>
-              <a:t>Ground</a:t>
-            </a:r>
-            <a:r>
-              <a:rPr lang="sv-SE" sz="8800" dirty="0" smtClean="0"/>
-              <a:t> truth on patient level, not cell level</a:t>
+              <a:rPr lang="en-GB" sz="8800" dirty="0" smtClean="0"/>
+              <a:t>Individual cells isolated within samples taken from patients mouth</a:t>
+            </a:r>
+          </a:p>
+          <a:p>
+            <a:r>
+              <a:rPr lang="en-GB" sz="8800" dirty="0" smtClean="0"/>
+              <a:t>Ground truth on patient level, not cell level</a:t>
             </a:r>
             <a:endParaRPr lang="en-GB" sz="8800" dirty="0"/>
           </a:p>
@@ -8471,7 +8871,7 @@
           <p:nvPr/>
         </p:nvPicPr>
         <p:blipFill>
-          <a:blip r:embed="rId2">
+          <a:blip r:embed="rId3">
             <a:extLst>
               <a:ext uri="{28A0092B-C50C-407E-A947-70E740481C1C}">
                 <a14:useLocalDpi xmlns:a14="http://schemas.microsoft.com/office/drawing/2010/main" val="0"/>
@@ -8512,7 +8912,7 @@
           <p:nvPr/>
         </p:nvPicPr>
         <p:blipFill>
-          <a:blip r:embed="rId3">
+          <a:blip r:embed="rId4">
             <a:extLst>
               <a:ext uri="{28A0092B-C50C-407E-A947-70E740481C1C}">
                 <a14:useLocalDpi xmlns:a14="http://schemas.microsoft.com/office/drawing/2010/main" val="0"/>
@@ -8553,7 +8953,7 @@
           <p:nvPr/>
         </p:nvPicPr>
         <p:blipFill>
-          <a:blip r:embed="rId4">
+          <a:blip r:embed="rId5">
             <a:extLst>
               <a:ext uri="{28A0092B-C50C-407E-A947-70E740481C1C}">
                 <a14:useLocalDpi xmlns:a14="http://schemas.microsoft.com/office/drawing/2010/main" val="0"/>
@@ -8625,7 +9025,7 @@
           <p:nvPr/>
         </p:nvPicPr>
         <p:blipFill>
-          <a:blip r:embed="rId5">
+          <a:blip r:embed="rId6">
             <a:extLst>
               <a:ext uri="{28A0092B-C50C-407E-A947-70E740481C1C}">
                 <a14:useLocalDpi xmlns:a14="http://schemas.microsoft.com/office/drawing/2010/main" val="0"/>
@@ -8666,7 +9066,7 @@
           <p:nvPr/>
         </p:nvPicPr>
         <p:blipFill>
-          <a:blip r:embed="rId6">
+          <a:blip r:embed="rId7">
             <a:extLst>
               <a:ext uri="{28A0092B-C50C-407E-A947-70E740481C1C}">
                 <a14:useLocalDpi xmlns:a14="http://schemas.microsoft.com/office/drawing/2010/main" val="0"/>
@@ -8707,7 +9107,7 @@
           <p:nvPr/>
         </p:nvPicPr>
         <p:blipFill>
-          <a:blip r:embed="rId7">
+          <a:blip r:embed="rId8">
             <a:extLst>
               <a:ext uri="{28A0092B-C50C-407E-A947-70E740481C1C}">
                 <a14:useLocalDpi xmlns:a14="http://schemas.microsoft.com/office/drawing/2010/main" val="0"/>
@@ -8748,7 +9148,7 @@
           <p:nvPr/>
         </p:nvPicPr>
         <p:blipFill>
-          <a:blip r:embed="rId8">
+          <a:blip r:embed="rId9">
             <a:extLst>
               <a:ext uri="{28A0092B-C50C-407E-A947-70E740481C1C}">
                 <a14:useLocalDpi xmlns:a14="http://schemas.microsoft.com/office/drawing/2010/main" val="0"/>
@@ -8820,7 +9220,7 @@
           <p:nvPr/>
         </p:nvPicPr>
         <p:blipFill>
-          <a:blip r:embed="rId9">
+          <a:blip r:embed="rId10">
             <a:extLst>
               <a:ext uri="{28A0092B-C50C-407E-A947-70E740481C1C}">
                 <a14:useLocalDpi xmlns:a14="http://schemas.microsoft.com/office/drawing/2010/main" val="0"/>
@@ -9089,657 +9489,6 @@
           </a:p>
         </p:txBody>
       </p:sp>
-      <p:sp>
-        <p:nvSpPr>
-          <p:cNvPr id="3" name="Content Placeholder 2"/>
-          <p:cNvSpPr>
-            <a:spLocks noGrp="1"/>
-          </p:cNvSpPr>
-          <p:nvPr>
-            <p:ph idx="1"/>
-          </p:nvPr>
-        </p:nvSpPr>
-        <p:spPr>
-          <a:xfrm>
-            <a:off x="7140575" y="5041601"/>
-            <a:ext cx="27779663" cy="15624076"/>
-          </a:xfrm>
-        </p:spPr>
-        <p:txBody>
-          <a:bodyPr/>
-          <a:lstStyle/>
-          <a:p>
-            <a:r>
-              <a:rPr lang="sv-SE" dirty="0" smtClean="0"/>
-              <a:t>Conceived by Ojala et al in 1996 and extended in 2002. [1]</a:t>
-            </a:r>
-          </a:p>
-          <a:p>
-            <a:r>
-              <a:rPr lang="sv-SE" dirty="0" smtClean="0"/>
-              <a:t>Rotationally invariant thresholding filters</a:t>
-            </a:r>
-          </a:p>
-          <a:p>
-            <a:r>
-              <a:rPr lang="sv-SE" dirty="0" smtClean="0"/>
-              <a:t>Orientation of cells arbitrary</a:t>
-            </a:r>
-            <a:endParaRPr lang="en-GB" dirty="0"/>
-          </a:p>
-        </p:txBody>
-      </p:sp>
-      <p:sp>
-        <p:nvSpPr>
-          <p:cNvPr id="4" name="TextBox 3"/>
-          <p:cNvSpPr txBox="1"/>
-          <p:nvPr/>
-        </p:nvSpPr>
-        <p:spPr>
-          <a:xfrm>
-            <a:off x="5830517" y="21968786"/>
-            <a:ext cx="29595288" cy="2585323"/>
-          </a:xfrm>
-          <a:prstGeom prst="rect">
-            <a:avLst/>
-          </a:prstGeom>
-          <a:noFill/>
-        </p:spPr>
-        <p:txBody>
-          <a:bodyPr wrap="square" rtlCol="0">
-            <a:spAutoFit/>
-          </a:bodyPr>
-          <a:lstStyle/>
-          <a:p>
-            <a:r>
-              <a:rPr lang="fi-FI" sz="5400" b="1" dirty="0"/>
-              <a:t>[1] </a:t>
-            </a:r>
-            <a:r>
-              <a:rPr lang="fi-FI" sz="5400" dirty="0"/>
-              <a:t>Ojala, T., </a:t>
-            </a:r>
-            <a:r>
-              <a:rPr lang="fi-FI" sz="5400" dirty="0" err="1"/>
-              <a:t>Pietikainen</a:t>
-            </a:r>
-            <a:r>
-              <a:rPr lang="fi-FI" sz="5400" dirty="0"/>
-              <a:t>, M., and </a:t>
-            </a:r>
-            <a:r>
-              <a:rPr lang="fi-FI" sz="5400" dirty="0" err="1"/>
-              <a:t>Maenpaa</a:t>
-            </a:r>
-            <a:r>
-              <a:rPr lang="fi-FI" sz="5400" dirty="0"/>
-              <a:t>, T. </a:t>
-            </a:r>
-            <a:r>
-              <a:rPr lang="fi-FI" sz="5400" dirty="0" err="1"/>
-              <a:t>Multiresolution</a:t>
-            </a:r>
-            <a:r>
-              <a:rPr lang="fi-FI" sz="5400" dirty="0"/>
-              <a:t> </a:t>
-            </a:r>
-            <a:r>
-              <a:rPr lang="en-GB" sz="5400" dirty="0" err="1"/>
-              <a:t>gray</a:t>
-            </a:r>
-            <a:r>
-              <a:rPr lang="en-GB" sz="5400" dirty="0"/>
-              <a:t>-scale and rotation invariant </a:t>
-            </a:r>
-            <a:r>
-              <a:rPr lang="en-GB" sz="5400" dirty="0" smtClean="0"/>
-              <a:t>	texture </a:t>
-            </a:r>
-            <a:r>
-              <a:rPr lang="en-GB" sz="5400" dirty="0"/>
-              <a:t>classification with local binary patterns. </a:t>
-            </a:r>
-            <a:r>
-              <a:rPr lang="en-GB" sz="5400" i="1" dirty="0"/>
-              <a:t>IEEE Transactions on pattern analysis and </a:t>
-            </a:r>
-            <a:r>
-              <a:rPr lang="en-GB" sz="5400" i="1" dirty="0" smtClean="0"/>
-              <a:t>	machine </a:t>
-            </a:r>
-            <a:r>
-              <a:rPr lang="en-GB" sz="5400" i="1" dirty="0"/>
-              <a:t>intelligence</a:t>
-            </a:r>
-            <a:r>
-              <a:rPr lang="en-GB" sz="5400" dirty="0"/>
-              <a:t>, 24(7):971–987, 2002.</a:t>
-            </a:r>
-          </a:p>
-        </p:txBody>
-      </p:sp>
-      <p:sp>
-        <p:nvSpPr>
-          <p:cNvPr id="17" name="TextBox 16"/>
-          <p:cNvSpPr txBox="1"/>
-          <p:nvPr/>
-        </p:nvSpPr>
-        <p:spPr>
-          <a:xfrm>
-            <a:off x="0" y="7200181"/>
-            <a:ext cx="5326461" cy="12255663"/>
-          </a:xfrm>
-          <a:prstGeom prst="rect">
-            <a:avLst/>
-          </a:prstGeom>
-          <a:noFill/>
-        </p:spPr>
-        <p:txBody>
-          <a:bodyPr wrap="square" rtlCol="0">
-            <a:spAutoFit/>
-          </a:bodyPr>
-          <a:lstStyle/>
-          <a:p>
-            <a:pPr algn="ctr"/>
-            <a:r>
-              <a:rPr lang="en-GB" sz="4000" b="1" dirty="0" smtClean="0">
-                <a:solidFill>
-                  <a:schemeClr val="bg1"/>
-                </a:solidFill>
-              </a:rPr>
-              <a:t>Jo Gay</a:t>
-            </a:r>
-          </a:p>
-          <a:p>
-            <a:pPr algn="ctr"/>
-            <a:r>
-              <a:rPr lang="en-GB" sz="4000" b="1" dirty="0" smtClean="0">
-                <a:solidFill>
-                  <a:schemeClr val="bg1"/>
-                </a:solidFill>
-              </a:rPr>
-              <a:t>Hugo </a:t>
-            </a:r>
-            <a:r>
-              <a:rPr lang="en-GB" sz="4000" b="1" dirty="0" err="1" smtClean="0">
-                <a:solidFill>
-                  <a:schemeClr val="bg1"/>
-                </a:solidFill>
-              </a:rPr>
-              <a:t>Harlin</a:t>
-            </a:r>
-            <a:endParaRPr lang="en-GB" sz="4000" b="1" dirty="0" smtClean="0">
-              <a:solidFill>
-                <a:schemeClr val="bg1"/>
-              </a:solidFill>
-            </a:endParaRPr>
-          </a:p>
-          <a:p>
-            <a:pPr algn="ctr"/>
-            <a:endParaRPr lang="en-GB" sz="1600" b="1" dirty="0" smtClean="0">
-              <a:solidFill>
-                <a:schemeClr val="bg1"/>
-              </a:solidFill>
-            </a:endParaRPr>
-          </a:p>
-          <a:p>
-            <a:pPr algn="ctr"/>
-            <a:r>
-              <a:rPr lang="en-GB" sz="4000" dirty="0" smtClean="0">
-                <a:solidFill>
-                  <a:schemeClr val="bg1"/>
-                </a:solidFill>
-              </a:rPr>
-              <a:t>Project in Computational Science, January 2019</a:t>
-            </a:r>
-          </a:p>
-          <a:p>
-            <a:pPr algn="ctr"/>
-            <a:endParaRPr lang="en-GB" sz="4000" dirty="0" smtClean="0">
-              <a:solidFill>
-                <a:schemeClr val="bg1"/>
-              </a:solidFill>
-            </a:endParaRPr>
-          </a:p>
-          <a:p>
-            <a:pPr algn="ctr"/>
-            <a:endParaRPr lang="en-GB" sz="4000" dirty="0" smtClean="0">
-              <a:solidFill>
-                <a:schemeClr val="bg1"/>
-              </a:solidFill>
-            </a:endParaRPr>
-          </a:p>
-          <a:p>
-            <a:pPr algn="ctr"/>
-            <a:r>
-              <a:rPr lang="en-GB" sz="4000" dirty="0" smtClean="0">
-                <a:solidFill>
-                  <a:schemeClr val="bg1"/>
-                </a:solidFill>
-              </a:rPr>
-              <a:t>Supervisors:</a:t>
-            </a:r>
-          </a:p>
-          <a:p>
-            <a:pPr algn="ctr"/>
-            <a:r>
-              <a:rPr lang="sv-SE" sz="4000" b="1" dirty="0">
-                <a:solidFill>
-                  <a:schemeClr val="bg1"/>
-                </a:solidFill>
-              </a:rPr>
-              <a:t>Joakim </a:t>
-            </a:r>
-            <a:r>
-              <a:rPr lang="sv-SE" sz="4000" b="1" dirty="0" smtClean="0">
-                <a:solidFill>
-                  <a:schemeClr val="bg1"/>
-                </a:solidFill>
-              </a:rPr>
-              <a:t>Lindblad </a:t>
-            </a:r>
-            <a:r>
-              <a:rPr lang="sv-SE" sz="4000" b="1" dirty="0">
-                <a:solidFill>
-                  <a:schemeClr val="bg1"/>
-                </a:solidFill>
-              </a:rPr>
-              <a:t>Nataša </a:t>
-            </a:r>
-            <a:r>
-              <a:rPr lang="sv-SE" sz="4000" b="1" dirty="0" smtClean="0">
-                <a:solidFill>
-                  <a:schemeClr val="bg1"/>
-                </a:solidFill>
-              </a:rPr>
-              <a:t>Sladoje</a:t>
-            </a:r>
-          </a:p>
-          <a:p>
-            <a:pPr algn="ctr"/>
-            <a:endParaRPr lang="sv-SE" sz="1600" b="1" dirty="0">
-              <a:solidFill>
-                <a:schemeClr val="bg1"/>
-              </a:solidFill>
-            </a:endParaRPr>
-          </a:p>
-          <a:p>
-            <a:pPr algn="ctr"/>
-            <a:r>
-              <a:rPr lang="en-GB" sz="4000" dirty="0" smtClean="0">
-                <a:solidFill>
-                  <a:schemeClr val="bg1"/>
-                </a:solidFill>
-              </a:rPr>
-              <a:t>Centre for Image Analysis,</a:t>
-            </a:r>
-          </a:p>
-          <a:p>
-            <a:pPr algn="ctr"/>
-            <a:r>
-              <a:rPr lang="en-GB" sz="4000" dirty="0" smtClean="0">
-                <a:solidFill>
-                  <a:schemeClr val="bg1"/>
-                </a:solidFill>
-              </a:rPr>
-              <a:t>Department of Information Technology</a:t>
-            </a:r>
-          </a:p>
-          <a:p>
-            <a:pPr algn="ctr"/>
-            <a:endParaRPr lang="en-GB" sz="4000" dirty="0" smtClean="0">
-              <a:solidFill>
-                <a:schemeClr val="bg1"/>
-              </a:solidFill>
-            </a:endParaRPr>
-          </a:p>
-        </p:txBody>
-      </p:sp>
-      <p:pic>
-        <p:nvPicPr>
-          <p:cNvPr id="6" name="Picture 5"/>
-          <p:cNvPicPr>
-            <a:picLocks noChangeAspect="1"/>
-          </p:cNvPicPr>
-          <p:nvPr/>
-        </p:nvPicPr>
-        <p:blipFill>
-          <a:blip r:embed="rId3">
-            <a:extLst>
-              <a:ext uri="{28A0092B-C50C-407E-A947-70E740481C1C}">
-                <a14:useLocalDpi xmlns:a14="http://schemas.microsoft.com/office/drawing/2010/main" val="0"/>
-              </a:ext>
-            </a:extLst>
-          </a:blip>
-          <a:stretch>
-            <a:fillRect/>
-          </a:stretch>
-        </p:blipFill>
-        <p:spPr>
-          <a:xfrm>
-            <a:off x="7304709" y="14408133"/>
-            <a:ext cx="4286448" cy="4286448"/>
-          </a:xfrm>
-          <a:prstGeom prst="rect">
-            <a:avLst/>
-          </a:prstGeom>
-        </p:spPr>
-      </p:pic>
-      <p:pic>
-        <p:nvPicPr>
-          <p:cNvPr id="19" name="Picture 18"/>
-          <p:cNvPicPr>
-            <a:picLocks noChangeAspect="1"/>
-          </p:cNvPicPr>
-          <p:nvPr/>
-        </p:nvPicPr>
-        <p:blipFill>
-          <a:blip r:embed="rId3">
-            <a:extLst>
-              <a:ext uri="{28A0092B-C50C-407E-A947-70E740481C1C}">
-                <a14:useLocalDpi xmlns:a14="http://schemas.microsoft.com/office/drawing/2010/main" val="0"/>
-              </a:ext>
-            </a:extLst>
-          </a:blip>
-          <a:stretch>
-            <a:fillRect/>
-          </a:stretch>
-        </p:blipFill>
-        <p:spPr>
-          <a:xfrm rot="1275961">
-            <a:off x="14666192" y="14408133"/>
-            <a:ext cx="4286448" cy="4286448"/>
-          </a:xfrm>
-          <a:prstGeom prst="rect">
-            <a:avLst/>
-          </a:prstGeom>
-        </p:spPr>
-      </p:pic>
-      <p:pic>
-        <p:nvPicPr>
-          <p:cNvPr id="20" name="Picture 19"/>
-          <p:cNvPicPr>
-            <a:picLocks noChangeAspect="1"/>
-          </p:cNvPicPr>
-          <p:nvPr/>
-        </p:nvPicPr>
-        <p:blipFill>
-          <a:blip r:embed="rId3">
-            <a:extLst>
-              <a:ext uri="{28A0092B-C50C-407E-A947-70E740481C1C}">
-                <a14:useLocalDpi xmlns:a14="http://schemas.microsoft.com/office/drawing/2010/main" val="0"/>
-              </a:ext>
-            </a:extLst>
-          </a:blip>
-          <a:stretch>
-            <a:fillRect/>
-          </a:stretch>
-        </p:blipFill>
-        <p:spPr>
-          <a:xfrm rot="3111023">
-            <a:off x="22496378" y="14288978"/>
-            <a:ext cx="4286448" cy="4286448"/>
-          </a:xfrm>
-          <a:prstGeom prst="rect">
-            <a:avLst/>
-          </a:prstGeom>
-        </p:spPr>
-      </p:pic>
-      <p:pic>
-        <p:nvPicPr>
-          <p:cNvPr id="22" name="Picture 21"/>
-          <p:cNvPicPr>
-            <a:picLocks noChangeAspect="1"/>
-          </p:cNvPicPr>
-          <p:nvPr/>
-        </p:nvPicPr>
-        <p:blipFill>
-          <a:blip r:embed="rId3">
-            <a:extLst>
-              <a:ext uri="{28A0092B-C50C-407E-A947-70E740481C1C}">
-                <a14:useLocalDpi xmlns:a14="http://schemas.microsoft.com/office/drawing/2010/main" val="0"/>
-              </a:ext>
-            </a:extLst>
-          </a:blip>
-          <a:stretch>
-            <a:fillRect/>
-          </a:stretch>
-        </p:blipFill>
-        <p:spPr>
-          <a:xfrm rot="5400000">
-            <a:off x="29915221" y="14408132"/>
-            <a:ext cx="4286448" cy="4286448"/>
-          </a:xfrm>
-          <a:prstGeom prst="rect">
-            <a:avLst/>
-          </a:prstGeom>
-        </p:spPr>
-      </p:pic>
-      <p:cxnSp>
-        <p:nvCxnSpPr>
-          <p:cNvPr id="24" name="Straight Arrow Connector 23"/>
-          <p:cNvCxnSpPr/>
-          <p:nvPr/>
-        </p:nvCxnSpPr>
-        <p:spPr bwMode="auto">
-          <a:xfrm>
-            <a:off x="12311237" y="16551356"/>
-            <a:ext cx="1368152" cy="1"/>
-          </a:xfrm>
-          <a:prstGeom prst="straightConnector1">
-            <a:avLst/>
-          </a:prstGeom>
-          <a:noFill/>
-          <a:ln w="190500" cap="flat" cmpd="sng" algn="ctr">
-            <a:solidFill>
-              <a:schemeClr val="tx1"/>
-            </a:solidFill>
-            <a:prstDash val="solid"/>
-            <a:round/>
-            <a:headEnd type="none" w="med" len="med"/>
-            <a:tailEnd type="triangle" w="med" len="med"/>
-          </a:ln>
-          <a:effectLst/>
-          <a:extLst>
-            <a:ext uri="{909E8E84-426E-40DD-AFC4-6F175D3DCCD1}">
-              <a14:hiddenFill xmlns:a14="http://schemas.microsoft.com/office/drawing/2010/main">
-                <a:solidFill>
-                  <a:schemeClr val="accent1"/>
-                </a:solidFill>
-              </a14:hiddenFill>
-            </a:ext>
-            <a:ext uri="{AF507438-7753-43E0-B8FC-AC1667EBCBE1}">
-              <a14:hiddenEffects xmlns:a14="http://schemas.microsoft.com/office/drawing/2010/main">
-                <a:effectLst>
-                  <a:outerShdw dist="35921" dir="2700000" algn="ctr" rotWithShape="0">
-                    <a:schemeClr val="bg2"/>
-                  </a:outerShdw>
-                </a:effectLst>
-              </a14:hiddenEffects>
-            </a:ext>
-          </a:extLst>
-        </p:spPr>
-      </p:cxnSp>
-      <p:cxnSp>
-        <p:nvCxnSpPr>
-          <p:cNvPr id="27" name="Straight Arrow Connector 26"/>
-          <p:cNvCxnSpPr/>
-          <p:nvPr/>
-        </p:nvCxnSpPr>
-        <p:spPr bwMode="auto">
-          <a:xfrm>
-            <a:off x="19800069" y="16551355"/>
-            <a:ext cx="1368152" cy="1"/>
-          </a:xfrm>
-          <a:prstGeom prst="straightConnector1">
-            <a:avLst/>
-          </a:prstGeom>
-          <a:noFill/>
-          <a:ln w="190500" cap="flat" cmpd="sng" algn="ctr">
-            <a:solidFill>
-              <a:schemeClr val="tx1"/>
-            </a:solidFill>
-            <a:prstDash val="solid"/>
-            <a:round/>
-            <a:headEnd type="none" w="med" len="med"/>
-            <a:tailEnd type="triangle" w="med" len="med"/>
-          </a:ln>
-          <a:effectLst/>
-          <a:extLst>
-            <a:ext uri="{909E8E84-426E-40DD-AFC4-6F175D3DCCD1}">
-              <a14:hiddenFill xmlns:a14="http://schemas.microsoft.com/office/drawing/2010/main">
-                <a:solidFill>
-                  <a:schemeClr val="accent1"/>
-                </a:solidFill>
-              </a14:hiddenFill>
-            </a:ext>
-            <a:ext uri="{AF507438-7753-43E0-B8FC-AC1667EBCBE1}">
-              <a14:hiddenEffects xmlns:a14="http://schemas.microsoft.com/office/drawing/2010/main">
-                <a:effectLst>
-                  <a:outerShdw dist="35921" dir="2700000" algn="ctr" rotWithShape="0">
-                    <a:schemeClr val="bg2"/>
-                  </a:outerShdw>
-                </a:effectLst>
-              </a14:hiddenEffects>
-            </a:ext>
-          </a:extLst>
-        </p:spPr>
-      </p:cxnSp>
-      <p:cxnSp>
-        <p:nvCxnSpPr>
-          <p:cNvPr id="30" name="Straight Arrow Connector 29"/>
-          <p:cNvCxnSpPr/>
-          <p:nvPr/>
-        </p:nvCxnSpPr>
-        <p:spPr bwMode="auto">
-          <a:xfrm>
-            <a:off x="28080989" y="16551357"/>
-            <a:ext cx="1368152" cy="1"/>
-          </a:xfrm>
-          <a:prstGeom prst="straightConnector1">
-            <a:avLst/>
-          </a:prstGeom>
-          <a:noFill/>
-          <a:ln w="190500" cap="flat" cmpd="sng" algn="ctr">
-            <a:solidFill>
-              <a:schemeClr val="tx1"/>
-            </a:solidFill>
-            <a:prstDash val="solid"/>
-            <a:round/>
-            <a:headEnd type="none" w="med" len="med"/>
-            <a:tailEnd type="triangle" w="med" len="med"/>
-          </a:ln>
-          <a:effectLst/>
-          <a:extLst>
-            <a:ext uri="{909E8E84-426E-40DD-AFC4-6F175D3DCCD1}">
-              <a14:hiddenFill xmlns:a14="http://schemas.microsoft.com/office/drawing/2010/main">
-                <a:solidFill>
-                  <a:schemeClr val="accent1"/>
-                </a:solidFill>
-              </a14:hiddenFill>
-            </a:ext>
-            <a:ext uri="{AF507438-7753-43E0-B8FC-AC1667EBCBE1}">
-              <a14:hiddenEffects xmlns:a14="http://schemas.microsoft.com/office/drawing/2010/main">
-                <a:effectLst>
-                  <a:outerShdw dist="35921" dir="2700000" algn="ctr" rotWithShape="0">
-                    <a:schemeClr val="bg2"/>
-                  </a:outerShdw>
-                </a:effectLst>
-              </a14:hiddenEffects>
-            </a:ext>
-          </a:extLst>
-        </p:spPr>
-      </p:cxnSp>
-      <p:sp>
-        <p:nvSpPr>
-          <p:cNvPr id="5" name="TextBox 4"/>
-          <p:cNvSpPr txBox="1"/>
-          <p:nvPr/>
-        </p:nvSpPr>
-        <p:spPr>
-          <a:xfrm>
-            <a:off x="8566821" y="19325986"/>
-            <a:ext cx="6768752" cy="800219"/>
-          </a:xfrm>
-          <a:prstGeom prst="rect">
-            <a:avLst/>
-          </a:prstGeom>
-          <a:noFill/>
-        </p:spPr>
-        <p:txBody>
-          <a:bodyPr wrap="square" rtlCol="0">
-            <a:spAutoFit/>
-          </a:bodyPr>
-          <a:lstStyle/>
-          <a:p>
-            <a:r>
-              <a:rPr lang="sv-SE" dirty="0" smtClean="0"/>
-              <a:t>Move stuff around!</a:t>
-            </a:r>
-            <a:endParaRPr lang="en-GB" dirty="0"/>
-          </a:p>
-        </p:txBody>
-      </p:sp>
-    </p:spTree>
-    <p:extLst>
-      <p:ext uri="{BB962C8B-B14F-4D97-AF65-F5344CB8AC3E}">
-        <p14:creationId xmlns:p14="http://schemas.microsoft.com/office/powerpoint/2010/main" val="4121546172"/>
-      </p:ext>
-    </p:extLst>
-  </p:cSld>
-  <p:clrMapOvr>
-    <a:masterClrMapping/>
-  </p:clrMapOvr>
-  <p:timing>
-    <p:tnLst>
-      <p:par>
-        <p:cTn id="1" dur="indefinite" restart="never" nodeType="tmRoot"/>
-      </p:par>
-    </p:tnLst>
-  </p:timing>
-</p:sld>
-</file>
-
-<file path=ppt/slides/slide5.xml><?xml version="1.0" encoding="utf-8"?>
-<p:sld xmlns:a="http://schemas.openxmlformats.org/drawingml/2006/main" xmlns:r="http://schemas.openxmlformats.org/officeDocument/2006/relationships" xmlns:p="http://schemas.openxmlformats.org/presentationml/2006/main">
-  <p:cSld>
-    <p:spTree>
-      <p:nvGrpSpPr>
-        <p:cNvPr id="1" name=""/>
-        <p:cNvGrpSpPr/>
-        <p:nvPr/>
-      </p:nvGrpSpPr>
-      <p:grpSpPr>
-        <a:xfrm>
-          <a:off x="0" y="0"/>
-          <a:ext cx="0" cy="0"/>
-          <a:chOff x="0" y="0"/>
-          <a:chExt cx="0" cy="0"/>
-        </a:xfrm>
-      </p:grpSpPr>
-      <p:sp>
-        <p:nvSpPr>
-          <p:cNvPr id="2" name="Title 1"/>
-          <p:cNvSpPr>
-            <a:spLocks noGrp="1"/>
-          </p:cNvSpPr>
-          <p:nvPr>
-            <p:ph type="title"/>
-          </p:nvPr>
-        </p:nvSpPr>
-        <p:spPr/>
-        <p:txBody>
-          <a:bodyPr/>
-          <a:lstStyle/>
-          <a:p>
-            <a:r>
-              <a:rPr lang="sv-SE" sz="14400" dirty="0" smtClean="0"/>
-              <a:t>Local Binary Patterns</a:t>
-            </a:r>
-            <a:endParaRPr lang="en-GB" sz="14400" dirty="0"/>
-          </a:p>
-        </p:txBody>
-      </p:sp>
       <p:graphicFrame>
         <p:nvGraphicFramePr>
           <p:cNvPr id="5" name="Table 4"/>
@@ -9749,13 +9498,13 @@
           <p:nvPr>
             <p:extLst>
               <p:ext uri="{D42A27DB-BD31-4B8C-83A1-F6EECF244321}">
-                <p14:modId xmlns:p14="http://schemas.microsoft.com/office/powerpoint/2010/main" val="2466782669"/>
+                <p14:modId xmlns:p14="http://schemas.microsoft.com/office/powerpoint/2010/main" val="814078283"/>
               </p:ext>
             </p:extLst>
           </p:nvPr>
         </p:nvGraphicFramePr>
         <p:xfrm>
-          <a:off x="7414693" y="7920264"/>
+          <a:off x="7414693" y="8928954"/>
           <a:ext cx="10009110" cy="9433045"/>
         </p:xfrm>
         <a:graphic>
@@ -9881,7 +9630,16 @@
                     <a:bodyPr/>
                     <a:lstStyle/>
                     <a:p>
-                      <a:endParaRPr lang="en-GB" dirty="0"/>
+                      <a:endParaRPr lang="en-GB" dirty="0">
+                        <a:ln>
+                          <a:solidFill>
+                            <a:schemeClr val="accent4">
+                              <a:lumMod val="50000"/>
+                              <a:lumOff val="50000"/>
+                            </a:schemeClr>
+                          </a:solidFill>
+                        </a:ln>
+                      </a:endParaRPr>
                     </a:p>
                   </a:txBody>
                   <a:tcPr/>
@@ -10035,599 +9793,614 @@
           </a:graphicData>
         </a:graphic>
       </p:graphicFrame>
-      <p:sp>
-        <p:nvSpPr>
-          <p:cNvPr id="7" name="Oval 6"/>
-          <p:cNvSpPr/>
+      <p:grpSp>
+        <p:nvGrpSpPr>
+          <p:cNvPr id="6" name="Group 5"/>
+          <p:cNvGrpSpPr/>
           <p:nvPr/>
-        </p:nvSpPr>
-        <p:spPr bwMode="auto">
+        </p:nvGrpSpPr>
+        <p:grpSpPr>
           <a:xfrm>
-            <a:off x="12005203" y="12240743"/>
-            <a:ext cx="932311" cy="864093"/>
+            <a:off x="7486701" y="9433012"/>
+            <a:ext cx="9577064" cy="10440577"/>
+            <a:chOff x="7486701" y="9433012"/>
+            <a:chExt cx="9577064" cy="10440577"/>
           </a:xfrm>
-          <a:prstGeom prst="ellipse">
-            <a:avLst/>
-          </a:prstGeom>
-          <a:solidFill>
-            <a:srgbClr val="FF0000"/>
-          </a:solidFill>
-          <a:ln>
+        </p:grpSpPr>
+        <p:sp>
+          <p:nvSpPr>
+            <p:cNvPr id="7" name="Oval 6"/>
+            <p:cNvSpPr/>
+            <p:nvPr/>
+          </p:nvSpPr>
+          <p:spPr bwMode="auto">
+            <a:xfrm>
+              <a:off x="12005203" y="13177428"/>
+              <a:ext cx="932311" cy="864093"/>
+            </a:xfrm>
+            <a:prstGeom prst="ellipse">
+              <a:avLst/>
+            </a:prstGeom>
+            <a:solidFill>
+              <a:srgbClr val="C00000"/>
+            </a:solidFill>
+            <a:ln>
+              <a:solidFill>
+                <a:schemeClr val="tx1"/>
+              </a:solidFill>
+            </a:ln>
+            <a:effectLst/>
+            <a:extLst/>
+          </p:spPr>
+          <p:txBody>
+            <a:bodyPr vert="horz" wrap="square" lIns="457200" tIns="228600" rIns="457200" bIns="228600" numCol="1" rtlCol="0" anchor="t" anchorCtr="0" compatLnSpc="1">
+              <a:prstTxWarp prst="textNoShape">
+                <a:avLst/>
+              </a:prstTxWarp>
+            </a:bodyPr>
+            <a:lstStyle/>
+            <a:p>
+              <a:pPr marL="0" marR="0" indent="0" algn="l" defTabSz="914400" rtl="0" eaLnBrk="1" fontAlgn="base" latinLnBrk="0" hangingPunct="1">
+                <a:lnSpc>
+                  <a:spcPct val="100000"/>
+                </a:lnSpc>
+                <a:spcBef>
+                  <a:spcPct val="20000"/>
+                </a:spcBef>
+                <a:spcAft>
+                  <a:spcPct val="0"/>
+                </a:spcAft>
+                <a:buClrTx/>
+                <a:buSzTx/>
+                <a:buFontTx/>
+                <a:buNone/>
+                <a:tabLst/>
+              </a:pPr>
+              <a:endParaRPr kumimoji="0" lang="en-GB" sz="4600" b="0" i="0" u="none" strike="noStrike" cap="none" normalizeH="0" baseline="0" dirty="0" smtClean="0">
+                <a:ln>
+                  <a:noFill/>
+                </a:ln>
+                <a:solidFill>
+                  <a:srgbClr val="000000"/>
+                </a:solidFill>
+                <a:effectLst/>
+                <a:latin typeface="Arial" charset="0"/>
+              </a:endParaRPr>
+            </a:p>
+          </p:txBody>
+        </p:sp>
+        <p:sp>
+          <p:nvSpPr>
+            <p:cNvPr id="8" name="Oval 7"/>
+            <p:cNvSpPr/>
+            <p:nvPr/>
+          </p:nvSpPr>
+          <p:spPr bwMode="auto">
+            <a:xfrm>
+              <a:off x="11951197" y="9433012"/>
+              <a:ext cx="932311" cy="864093"/>
+            </a:xfrm>
+            <a:prstGeom prst="ellipse">
+              <a:avLst/>
+            </a:prstGeom>
             <a:solidFill>
               <a:schemeClr val="tx1"/>
             </a:solidFill>
-          </a:ln>
-          <a:effectLst/>
-          <a:extLst/>
-        </p:spPr>
-        <p:txBody>
-          <a:bodyPr vert="horz" wrap="square" lIns="457200" tIns="228600" rIns="457200" bIns="228600" numCol="1" rtlCol="0" anchor="t" anchorCtr="0" compatLnSpc="1">
-            <a:prstTxWarp prst="textNoShape">
+            <a:ln>
+              <a:solidFill>
+                <a:schemeClr val="tx1"/>
+              </a:solidFill>
+            </a:ln>
+            <a:effectLst/>
+            <a:extLst/>
+          </p:spPr>
+          <p:txBody>
+            <a:bodyPr vert="horz" wrap="square" lIns="457200" tIns="228600" rIns="457200" bIns="228600" numCol="1" rtlCol="0" anchor="t" anchorCtr="0" compatLnSpc="1">
+              <a:prstTxWarp prst="textNoShape">
+                <a:avLst/>
+              </a:prstTxWarp>
+            </a:bodyPr>
+            <a:lstStyle/>
+            <a:p>
+              <a:pPr marL="0" marR="0" indent="0" algn="l" defTabSz="914400" rtl="0" eaLnBrk="1" fontAlgn="base" latinLnBrk="0" hangingPunct="1">
+                <a:lnSpc>
+                  <a:spcPct val="100000"/>
+                </a:lnSpc>
+                <a:spcBef>
+                  <a:spcPct val="20000"/>
+                </a:spcBef>
+                <a:spcAft>
+                  <a:spcPct val="0"/>
+                </a:spcAft>
+                <a:buClrTx/>
+                <a:buSzTx/>
+                <a:buFontTx/>
+                <a:buNone/>
+                <a:tabLst/>
+              </a:pPr>
+              <a:endParaRPr kumimoji="0" lang="en-GB" sz="4600" b="0" i="0" u="none" strike="noStrike" cap="none" normalizeH="0" baseline="0" dirty="0" smtClean="0">
+                <a:ln>
+                  <a:noFill/>
+                </a:ln>
+                <a:solidFill>
+                  <a:schemeClr val="tx1"/>
+                </a:solidFill>
+                <a:effectLst/>
+                <a:latin typeface="Arial" charset="0"/>
+              </a:endParaRPr>
+            </a:p>
+          </p:txBody>
+        </p:sp>
+        <p:sp>
+          <p:nvSpPr>
+            <p:cNvPr id="9" name="Oval 8"/>
+            <p:cNvSpPr/>
+            <p:nvPr/>
+          </p:nvSpPr>
+          <p:spPr bwMode="auto">
+            <a:xfrm>
+              <a:off x="11959719" y="17029856"/>
+              <a:ext cx="932311" cy="864093"/>
+            </a:xfrm>
+            <a:prstGeom prst="ellipse">
               <a:avLst/>
-            </a:prstTxWarp>
-          </a:bodyPr>
-          <a:lstStyle/>
-          <a:p>
-            <a:pPr marL="0" marR="0" indent="0" algn="l" defTabSz="914400" rtl="0" eaLnBrk="1" fontAlgn="base" latinLnBrk="0" hangingPunct="1">
-              <a:lnSpc>
-                <a:spcPct val="100000"/>
-              </a:lnSpc>
-              <a:spcBef>
-                <a:spcPct val="20000"/>
-              </a:spcBef>
-              <a:spcAft>
-                <a:spcPct val="0"/>
-              </a:spcAft>
-              <a:buClrTx/>
-              <a:buSzTx/>
-              <a:buFontTx/>
-              <a:buNone/>
-              <a:tabLst/>
-            </a:pPr>
-            <a:endParaRPr kumimoji="0" lang="en-GB" sz="4600" b="0" i="0" u="none" strike="noStrike" cap="none" normalizeH="0" baseline="0" dirty="0" smtClean="0">
-              <a:ln>
-                <a:noFill/>
-              </a:ln>
-              <a:solidFill>
-                <a:srgbClr val="000000"/>
-              </a:solidFill>
-              <a:effectLst/>
-              <a:latin typeface="Arial" charset="0"/>
-            </a:endParaRPr>
-          </a:p>
-        </p:txBody>
-      </p:sp>
-      <p:sp>
-        <p:nvSpPr>
-          <p:cNvPr id="8" name="Oval 7"/>
-          <p:cNvSpPr/>
-          <p:nvPr/>
-        </p:nvSpPr>
-        <p:spPr bwMode="auto">
-          <a:xfrm>
-            <a:off x="11951197" y="8496327"/>
-            <a:ext cx="932311" cy="864093"/>
-          </a:xfrm>
-          <a:prstGeom prst="ellipse">
-            <a:avLst/>
-          </a:prstGeom>
-          <a:solidFill>
-            <a:schemeClr val="tx1"/>
-          </a:solidFill>
-          <a:ln>
+            </a:prstGeom>
             <a:solidFill>
               <a:schemeClr val="tx1"/>
             </a:solidFill>
-          </a:ln>
-          <a:effectLst/>
-          <a:extLst/>
-        </p:spPr>
-        <p:txBody>
-          <a:bodyPr vert="horz" wrap="square" lIns="457200" tIns="228600" rIns="457200" bIns="228600" numCol="1" rtlCol="0" anchor="t" anchorCtr="0" compatLnSpc="1">
-            <a:prstTxWarp prst="textNoShape">
-              <a:avLst/>
-            </a:prstTxWarp>
-          </a:bodyPr>
-          <a:lstStyle/>
-          <a:p>
-            <a:pPr marL="0" marR="0" indent="0" algn="l" defTabSz="914400" rtl="0" eaLnBrk="1" fontAlgn="base" latinLnBrk="0" hangingPunct="1">
-              <a:lnSpc>
-                <a:spcPct val="100000"/>
-              </a:lnSpc>
-              <a:spcBef>
-                <a:spcPct val="20000"/>
-              </a:spcBef>
-              <a:spcAft>
-                <a:spcPct val="0"/>
-              </a:spcAft>
-              <a:buClrTx/>
-              <a:buSzTx/>
-              <a:buFontTx/>
-              <a:buNone/>
-              <a:tabLst/>
-            </a:pPr>
-            <a:endParaRPr kumimoji="0" lang="en-GB" sz="4600" b="0" i="0" u="none" strike="noStrike" cap="none" normalizeH="0" baseline="0" dirty="0" smtClean="0">
-              <a:ln>
-                <a:noFill/>
-              </a:ln>
+            <a:ln>
               <a:solidFill>
                 <a:schemeClr val="tx1"/>
               </a:solidFill>
-              <a:effectLst/>
-              <a:latin typeface="Arial" charset="0"/>
-            </a:endParaRPr>
-          </a:p>
-        </p:txBody>
-      </p:sp>
-      <p:sp>
-        <p:nvSpPr>
-          <p:cNvPr id="9" name="Oval 8"/>
-          <p:cNvSpPr/>
-          <p:nvPr/>
-        </p:nvSpPr>
-        <p:spPr bwMode="auto">
-          <a:xfrm>
-            <a:off x="11959719" y="16093171"/>
-            <a:ext cx="932311" cy="864093"/>
-          </a:xfrm>
-          <a:prstGeom prst="ellipse">
-            <a:avLst/>
-          </a:prstGeom>
-          <a:solidFill>
-            <a:schemeClr val="tx1"/>
-          </a:solidFill>
-          <a:ln>
+            </a:ln>
+            <a:effectLst/>
+            <a:extLst/>
+          </p:spPr>
+          <p:txBody>
+            <a:bodyPr vert="horz" wrap="square" lIns="457200" tIns="228600" rIns="457200" bIns="228600" numCol="1" rtlCol="0" anchor="t" anchorCtr="0" compatLnSpc="1">
+              <a:prstTxWarp prst="textNoShape">
+                <a:avLst/>
+              </a:prstTxWarp>
+            </a:bodyPr>
+            <a:lstStyle/>
+            <a:p>
+              <a:pPr marL="0" marR="0" indent="0" algn="l" defTabSz="914400" rtl="0" eaLnBrk="1" fontAlgn="base" latinLnBrk="0" hangingPunct="1">
+                <a:lnSpc>
+                  <a:spcPct val="100000"/>
+                </a:lnSpc>
+                <a:spcBef>
+                  <a:spcPct val="20000"/>
+                </a:spcBef>
+                <a:spcAft>
+                  <a:spcPct val="0"/>
+                </a:spcAft>
+                <a:buClrTx/>
+                <a:buSzTx/>
+                <a:buFontTx/>
+                <a:buNone/>
+                <a:tabLst/>
+              </a:pPr>
+              <a:endParaRPr kumimoji="0" lang="en-GB" sz="4600" b="0" i="0" u="none" strike="noStrike" cap="none" normalizeH="0" baseline="0" dirty="0" smtClean="0">
+                <a:ln>
+                  <a:noFill/>
+                </a:ln>
+                <a:solidFill>
+                  <a:srgbClr val="000000"/>
+                </a:solidFill>
+                <a:effectLst/>
+                <a:latin typeface="Arial" charset="0"/>
+              </a:endParaRPr>
+            </a:p>
+          </p:txBody>
+        </p:sp>
+        <p:sp>
+          <p:nvSpPr>
+            <p:cNvPr id="10" name="Oval 9"/>
+            <p:cNvSpPr/>
+            <p:nvPr/>
+          </p:nvSpPr>
+          <p:spPr bwMode="auto">
+            <a:xfrm>
+              <a:off x="15965643" y="13182643"/>
+              <a:ext cx="932311" cy="864093"/>
+            </a:xfrm>
+            <a:prstGeom prst="ellipse">
+              <a:avLst/>
+            </a:prstGeom>
+            <a:solidFill>
+              <a:schemeClr val="bg1"/>
+            </a:solidFill>
+            <a:ln w="38100">
+              <a:solidFill>
+                <a:schemeClr val="tx1"/>
+              </a:solidFill>
+            </a:ln>
+            <a:effectLst/>
+            <a:extLst/>
+          </p:spPr>
+          <p:txBody>
+            <a:bodyPr vert="horz" wrap="square" lIns="457200" tIns="228600" rIns="457200" bIns="228600" numCol="1" rtlCol="0" anchor="t" anchorCtr="0" compatLnSpc="1">
+              <a:prstTxWarp prst="textNoShape">
+                <a:avLst/>
+              </a:prstTxWarp>
+            </a:bodyPr>
+            <a:lstStyle/>
+            <a:p>
+              <a:pPr marL="0" marR="0" indent="0" algn="l" defTabSz="914400" rtl="0" eaLnBrk="1" fontAlgn="base" latinLnBrk="0" hangingPunct="1">
+                <a:lnSpc>
+                  <a:spcPct val="100000"/>
+                </a:lnSpc>
+                <a:spcBef>
+                  <a:spcPct val="20000"/>
+                </a:spcBef>
+                <a:spcAft>
+                  <a:spcPct val="0"/>
+                </a:spcAft>
+                <a:buClrTx/>
+                <a:buSzTx/>
+                <a:buFontTx/>
+                <a:buNone/>
+                <a:tabLst/>
+              </a:pPr>
+              <a:endParaRPr kumimoji="0" lang="en-GB" sz="4600" b="0" i="0" u="none" strike="noStrike" cap="none" normalizeH="0" baseline="0" dirty="0" smtClean="0">
+                <a:ln w="57150">
+                  <a:solidFill>
+                    <a:schemeClr val="tx1"/>
+                  </a:solidFill>
+                </a:ln>
+                <a:solidFill>
+                  <a:schemeClr val="tx1"/>
+                </a:solidFill>
+                <a:effectLst/>
+                <a:latin typeface="Arial" charset="0"/>
+              </a:endParaRPr>
+            </a:p>
+          </p:txBody>
+        </p:sp>
+        <p:sp>
+          <p:nvSpPr>
+            <p:cNvPr id="11" name="Oval 10"/>
+            <p:cNvSpPr/>
+            <p:nvPr/>
+          </p:nvSpPr>
+          <p:spPr bwMode="auto">
+            <a:xfrm>
+              <a:off x="7990757" y="13177428"/>
+              <a:ext cx="932311" cy="864093"/>
+            </a:xfrm>
+            <a:prstGeom prst="ellipse">
+              <a:avLst/>
+            </a:prstGeom>
             <a:solidFill>
               <a:schemeClr val="tx1"/>
             </a:solidFill>
-          </a:ln>
-          <a:effectLst/>
-          <a:extLst/>
-        </p:spPr>
-        <p:txBody>
-          <a:bodyPr vert="horz" wrap="square" lIns="457200" tIns="228600" rIns="457200" bIns="228600" numCol="1" rtlCol="0" anchor="t" anchorCtr="0" compatLnSpc="1">
-            <a:prstTxWarp prst="textNoShape">
+            <a:ln>
+              <a:solidFill>
+                <a:schemeClr val="tx1"/>
+              </a:solidFill>
+            </a:ln>
+            <a:effectLst/>
+            <a:extLst/>
+          </p:spPr>
+          <p:txBody>
+            <a:bodyPr vert="horz" wrap="square" lIns="457200" tIns="228600" rIns="457200" bIns="228600" numCol="1" rtlCol="0" anchor="t" anchorCtr="0" compatLnSpc="1">
+              <a:prstTxWarp prst="textNoShape">
+                <a:avLst/>
+              </a:prstTxWarp>
+            </a:bodyPr>
+            <a:lstStyle/>
+            <a:p>
+              <a:pPr marL="0" marR="0" indent="0" algn="l" defTabSz="914400" rtl="0" eaLnBrk="1" fontAlgn="base" latinLnBrk="0" hangingPunct="1">
+                <a:lnSpc>
+                  <a:spcPct val="100000"/>
+                </a:lnSpc>
+                <a:spcBef>
+                  <a:spcPct val="20000"/>
+                </a:spcBef>
+                <a:spcAft>
+                  <a:spcPct val="0"/>
+                </a:spcAft>
+                <a:buClrTx/>
+                <a:buSzTx/>
+                <a:buFontTx/>
+                <a:buNone/>
+                <a:tabLst/>
+              </a:pPr>
+              <a:endParaRPr kumimoji="0" lang="en-GB" sz="4600" b="0" i="0" u="none" strike="noStrike" cap="none" normalizeH="0" baseline="0" dirty="0" smtClean="0">
+                <a:ln>
+                  <a:noFill/>
+                </a:ln>
+                <a:solidFill>
+                  <a:srgbClr val="000000"/>
+                </a:solidFill>
+                <a:effectLst/>
+                <a:latin typeface="Arial" charset="0"/>
+              </a:endParaRPr>
+            </a:p>
+          </p:txBody>
+        </p:sp>
+        <p:sp>
+          <p:nvSpPr>
+            <p:cNvPr id="12" name="Oval 11"/>
+            <p:cNvSpPr/>
+            <p:nvPr/>
+          </p:nvSpPr>
+          <p:spPr bwMode="auto">
+            <a:xfrm>
+              <a:off x="9218686" y="10585141"/>
+              <a:ext cx="932311" cy="864093"/>
+            </a:xfrm>
+            <a:prstGeom prst="ellipse">
               <a:avLst/>
-            </a:prstTxWarp>
-          </a:bodyPr>
-          <a:lstStyle/>
-          <a:p>
-            <a:pPr marL="0" marR="0" indent="0" algn="l" defTabSz="914400" rtl="0" eaLnBrk="1" fontAlgn="base" latinLnBrk="0" hangingPunct="1">
-              <a:lnSpc>
-                <a:spcPct val="100000"/>
-              </a:lnSpc>
-              <a:spcBef>
-                <a:spcPct val="20000"/>
-              </a:spcBef>
-              <a:spcAft>
-                <a:spcPct val="0"/>
-              </a:spcAft>
-              <a:buClrTx/>
-              <a:buSzTx/>
-              <a:buFontTx/>
-              <a:buNone/>
-              <a:tabLst/>
-            </a:pPr>
-            <a:endParaRPr kumimoji="0" lang="en-GB" sz="4600" b="0" i="0" u="none" strike="noStrike" cap="none" normalizeH="0" baseline="0" dirty="0" smtClean="0">
-              <a:ln>
-                <a:noFill/>
-              </a:ln>
+            </a:prstGeom>
+            <a:solidFill>
+              <a:schemeClr val="bg1"/>
+            </a:solidFill>
+            <a:ln w="38100">
               <a:solidFill>
-                <a:srgbClr val="000000"/>
+                <a:schemeClr val="tx1"/>
               </a:solidFill>
-              <a:effectLst/>
-              <a:latin typeface="Arial" charset="0"/>
-            </a:endParaRPr>
-          </a:p>
-        </p:txBody>
-      </p:sp>
-      <p:sp>
-        <p:nvSpPr>
-          <p:cNvPr id="10" name="Oval 9"/>
-          <p:cNvSpPr/>
-          <p:nvPr/>
-        </p:nvSpPr>
-        <p:spPr bwMode="auto">
-          <a:xfrm>
-            <a:off x="15965643" y="12245958"/>
-            <a:ext cx="932311" cy="864093"/>
-          </a:xfrm>
-          <a:prstGeom prst="ellipse">
-            <a:avLst/>
-          </a:prstGeom>
-          <a:solidFill>
-            <a:schemeClr val="bg1"/>
-          </a:solidFill>
-          <a:ln w="38100">
+            </a:ln>
+            <a:effectLst/>
+            <a:extLst/>
+          </p:spPr>
+          <p:txBody>
+            <a:bodyPr vert="horz" wrap="square" lIns="457200" tIns="228600" rIns="457200" bIns="228600" numCol="1" rtlCol="0" anchor="t" anchorCtr="0" compatLnSpc="1">
+              <a:prstTxWarp prst="textNoShape">
+                <a:avLst/>
+              </a:prstTxWarp>
+            </a:bodyPr>
+            <a:lstStyle/>
+            <a:p>
+              <a:pPr marL="0" marR="0" indent="0" algn="l" defTabSz="914400" rtl="0" eaLnBrk="1" fontAlgn="base" latinLnBrk="0" hangingPunct="1">
+                <a:lnSpc>
+                  <a:spcPct val="100000"/>
+                </a:lnSpc>
+                <a:spcBef>
+                  <a:spcPct val="20000"/>
+                </a:spcBef>
+                <a:spcAft>
+                  <a:spcPct val="0"/>
+                </a:spcAft>
+                <a:buClrTx/>
+                <a:buSzTx/>
+                <a:buFontTx/>
+                <a:buNone/>
+                <a:tabLst/>
+              </a:pPr>
+              <a:endParaRPr kumimoji="0" lang="en-GB" sz="4600" b="0" i="0" u="none" strike="noStrike" cap="none" normalizeH="0" baseline="0" dirty="0" smtClean="0">
+                <a:ln>
+                  <a:noFill/>
+                </a:ln>
+                <a:solidFill>
+                  <a:srgbClr val="000000"/>
+                </a:solidFill>
+                <a:effectLst/>
+                <a:latin typeface="Arial" charset="0"/>
+              </a:endParaRPr>
+            </a:p>
+          </p:txBody>
+        </p:sp>
+        <p:sp>
+          <p:nvSpPr>
+            <p:cNvPr id="13" name="Oval 12"/>
+            <p:cNvSpPr/>
+            <p:nvPr/>
+          </p:nvSpPr>
+          <p:spPr bwMode="auto">
+            <a:xfrm>
+              <a:off x="14759509" y="10657149"/>
+              <a:ext cx="932311" cy="864093"/>
+            </a:xfrm>
+            <a:prstGeom prst="ellipse">
+              <a:avLst/>
+            </a:prstGeom>
             <a:solidFill>
               <a:schemeClr val="tx1"/>
             </a:solidFill>
-          </a:ln>
-          <a:effectLst/>
-          <a:extLst/>
-        </p:spPr>
-        <p:txBody>
-          <a:bodyPr vert="horz" wrap="square" lIns="457200" tIns="228600" rIns="457200" bIns="228600" numCol="1" rtlCol="0" anchor="t" anchorCtr="0" compatLnSpc="1">
-            <a:prstTxWarp prst="textNoShape">
-              <a:avLst/>
-            </a:prstTxWarp>
-          </a:bodyPr>
-          <a:lstStyle/>
-          <a:p>
-            <a:pPr marL="0" marR="0" indent="0" algn="l" defTabSz="914400" rtl="0" eaLnBrk="1" fontAlgn="base" latinLnBrk="0" hangingPunct="1">
-              <a:lnSpc>
-                <a:spcPct val="100000"/>
-              </a:lnSpc>
-              <a:spcBef>
-                <a:spcPct val="20000"/>
-              </a:spcBef>
-              <a:spcAft>
-                <a:spcPct val="0"/>
-              </a:spcAft>
-              <a:buClrTx/>
-              <a:buSzTx/>
-              <a:buFontTx/>
-              <a:buNone/>
-              <a:tabLst/>
-            </a:pPr>
-            <a:endParaRPr kumimoji="0" lang="en-GB" sz="4600" b="0" i="0" u="none" strike="noStrike" cap="none" normalizeH="0" baseline="0" dirty="0" smtClean="0">
-              <a:ln w="57150">
-                <a:solidFill>
-                  <a:schemeClr val="tx1"/>
-                </a:solidFill>
-              </a:ln>
+            <a:ln>
               <a:solidFill>
                 <a:schemeClr val="tx1"/>
               </a:solidFill>
-              <a:effectLst/>
-              <a:latin typeface="Arial" charset="0"/>
-            </a:endParaRPr>
-          </a:p>
-        </p:txBody>
-      </p:sp>
-      <p:sp>
-        <p:nvSpPr>
-          <p:cNvPr id="11" name="Oval 10"/>
-          <p:cNvSpPr/>
-          <p:nvPr/>
-        </p:nvSpPr>
-        <p:spPr bwMode="auto">
-          <a:xfrm>
-            <a:off x="7990757" y="12240743"/>
-            <a:ext cx="932311" cy="864093"/>
-          </a:xfrm>
-          <a:prstGeom prst="ellipse">
-            <a:avLst/>
-          </a:prstGeom>
-          <a:solidFill>
-            <a:schemeClr val="tx1"/>
-          </a:solidFill>
-          <a:ln>
+            </a:ln>
+            <a:effectLst/>
+            <a:extLst/>
+          </p:spPr>
+          <p:txBody>
+            <a:bodyPr vert="horz" wrap="square" lIns="457200" tIns="228600" rIns="457200" bIns="228600" numCol="1" rtlCol="0" anchor="t" anchorCtr="0" compatLnSpc="1">
+              <a:prstTxWarp prst="textNoShape">
+                <a:avLst/>
+              </a:prstTxWarp>
+            </a:bodyPr>
+            <a:lstStyle/>
+            <a:p>
+              <a:pPr marL="0" marR="0" indent="0" algn="l" defTabSz="914400" rtl="0" eaLnBrk="1" fontAlgn="base" latinLnBrk="0" hangingPunct="1">
+                <a:lnSpc>
+                  <a:spcPct val="100000"/>
+                </a:lnSpc>
+                <a:spcBef>
+                  <a:spcPct val="20000"/>
+                </a:spcBef>
+                <a:spcAft>
+                  <a:spcPct val="0"/>
+                </a:spcAft>
+                <a:buClrTx/>
+                <a:buSzTx/>
+                <a:buFontTx/>
+                <a:buNone/>
+                <a:tabLst/>
+              </a:pPr>
+              <a:endParaRPr kumimoji="0" lang="en-GB" sz="4600" b="0" i="0" u="none" strike="noStrike" cap="none" normalizeH="0" baseline="0" dirty="0" smtClean="0">
+                <a:ln>
+                  <a:noFill/>
+                </a:ln>
+                <a:solidFill>
+                  <a:srgbClr val="000000"/>
+                </a:solidFill>
+                <a:effectLst/>
+                <a:latin typeface="Arial" charset="0"/>
+              </a:endParaRPr>
+            </a:p>
+          </p:txBody>
+        </p:sp>
+        <p:sp>
+          <p:nvSpPr>
+            <p:cNvPr id="14" name="Oval 13"/>
+            <p:cNvSpPr/>
+            <p:nvPr/>
+          </p:nvSpPr>
+          <p:spPr bwMode="auto">
+            <a:xfrm>
+              <a:off x="9146678" y="15769714"/>
+              <a:ext cx="932311" cy="864093"/>
+            </a:xfrm>
+            <a:prstGeom prst="ellipse">
+              <a:avLst/>
+            </a:prstGeom>
             <a:solidFill>
               <a:schemeClr val="tx1"/>
             </a:solidFill>
-          </a:ln>
-          <a:effectLst/>
-          <a:extLst/>
-        </p:spPr>
-        <p:txBody>
-          <a:bodyPr vert="horz" wrap="square" lIns="457200" tIns="228600" rIns="457200" bIns="228600" numCol="1" rtlCol="0" anchor="t" anchorCtr="0" compatLnSpc="1">
-            <a:prstTxWarp prst="textNoShape">
+            <a:ln w="38100">
+              <a:solidFill>
+                <a:schemeClr val="tx1"/>
+              </a:solidFill>
+            </a:ln>
+            <a:effectLst/>
+            <a:extLst/>
+          </p:spPr>
+          <p:txBody>
+            <a:bodyPr vert="horz" wrap="square" lIns="457200" tIns="228600" rIns="457200" bIns="228600" numCol="1" rtlCol="0" anchor="t" anchorCtr="0" compatLnSpc="1">
+              <a:prstTxWarp prst="textNoShape">
+                <a:avLst/>
+              </a:prstTxWarp>
+            </a:bodyPr>
+            <a:lstStyle/>
+            <a:p>
+              <a:pPr marL="0" marR="0" indent="0" algn="l" defTabSz="914400" rtl="0" eaLnBrk="1" fontAlgn="base" latinLnBrk="0" hangingPunct="1">
+                <a:lnSpc>
+                  <a:spcPct val="100000"/>
+                </a:lnSpc>
+                <a:spcBef>
+                  <a:spcPct val="20000"/>
+                </a:spcBef>
+                <a:spcAft>
+                  <a:spcPct val="0"/>
+                </a:spcAft>
+                <a:buClrTx/>
+                <a:buSzTx/>
+                <a:buFontTx/>
+                <a:buNone/>
+                <a:tabLst/>
+              </a:pPr>
+              <a:endParaRPr kumimoji="0" lang="en-GB" sz="4600" b="0" i="0" u="none" strike="noStrike" cap="none" normalizeH="0" baseline="0" dirty="0" smtClean="0">
+                <a:ln>
+                  <a:noFill/>
+                </a:ln>
+                <a:solidFill>
+                  <a:srgbClr val="000000"/>
+                </a:solidFill>
+                <a:effectLst/>
+                <a:latin typeface="Arial" charset="0"/>
+              </a:endParaRPr>
+            </a:p>
+          </p:txBody>
+        </p:sp>
+        <p:sp>
+          <p:nvSpPr>
+            <p:cNvPr id="15" name="Oval 14"/>
+            <p:cNvSpPr/>
+            <p:nvPr/>
+          </p:nvSpPr>
+          <p:spPr bwMode="auto">
+            <a:xfrm>
+              <a:off x="14831517" y="15769714"/>
+              <a:ext cx="932311" cy="864093"/>
+            </a:xfrm>
+            <a:prstGeom prst="ellipse">
               <a:avLst/>
-            </a:prstTxWarp>
-          </a:bodyPr>
-          <a:lstStyle/>
-          <a:p>
-            <a:pPr marL="0" marR="0" indent="0" algn="l" defTabSz="914400" rtl="0" eaLnBrk="1" fontAlgn="base" latinLnBrk="0" hangingPunct="1">
-              <a:lnSpc>
-                <a:spcPct val="100000"/>
-              </a:lnSpc>
-              <a:spcBef>
-                <a:spcPct val="20000"/>
-              </a:spcBef>
-              <a:spcAft>
-                <a:spcPct val="0"/>
-              </a:spcAft>
-              <a:buClrTx/>
-              <a:buSzTx/>
-              <a:buFontTx/>
-              <a:buNone/>
-              <a:tabLst/>
-            </a:pPr>
-            <a:endParaRPr kumimoji="0" lang="en-GB" sz="4600" b="0" i="0" u="none" strike="noStrike" cap="none" normalizeH="0" baseline="0" dirty="0" smtClean="0">
-              <a:ln>
-                <a:noFill/>
-              </a:ln>
+            </a:prstGeom>
+            <a:solidFill>
+              <a:schemeClr val="bg1"/>
+            </a:solidFill>
+            <a:ln w="38100">
               <a:solidFill>
-                <a:srgbClr val="000000"/>
+                <a:schemeClr val="tx1"/>
               </a:solidFill>
-              <a:effectLst/>
-              <a:latin typeface="Arial" charset="0"/>
-            </a:endParaRPr>
-          </a:p>
-        </p:txBody>
-      </p:sp>
-      <p:sp>
-        <p:nvSpPr>
-          <p:cNvPr id="12" name="Oval 11"/>
-          <p:cNvSpPr/>
-          <p:nvPr/>
-        </p:nvSpPr>
-        <p:spPr bwMode="auto">
-          <a:xfrm>
-            <a:off x="9142885" y="9576447"/>
-            <a:ext cx="932311" cy="864093"/>
-          </a:xfrm>
-          <a:prstGeom prst="ellipse">
-            <a:avLst/>
-          </a:prstGeom>
-          <a:solidFill>
-            <a:schemeClr val="tx1"/>
-          </a:solidFill>
-          <a:ln>
-            <a:solidFill>
-              <a:schemeClr val="tx1"/>
-            </a:solidFill>
-          </a:ln>
-          <a:effectLst/>
-          <a:extLst/>
-        </p:spPr>
-        <p:txBody>
-          <a:bodyPr vert="horz" wrap="square" lIns="457200" tIns="228600" rIns="457200" bIns="228600" numCol="1" rtlCol="0" anchor="t" anchorCtr="0" compatLnSpc="1">
-            <a:prstTxWarp prst="textNoShape">
+            </a:ln>
+            <a:effectLst/>
+            <a:extLst/>
+          </p:spPr>
+          <p:txBody>
+            <a:bodyPr vert="horz" wrap="square" lIns="457200" tIns="228600" rIns="457200" bIns="228600" numCol="1" rtlCol="0" anchor="t" anchorCtr="0" compatLnSpc="1">
+              <a:prstTxWarp prst="textNoShape">
+                <a:avLst/>
+              </a:prstTxWarp>
+            </a:bodyPr>
+            <a:lstStyle/>
+            <a:p>
+              <a:pPr marL="0" marR="0" indent="0" algn="l" defTabSz="914400" rtl="0" eaLnBrk="1" fontAlgn="base" latinLnBrk="0" hangingPunct="1">
+                <a:lnSpc>
+                  <a:spcPct val="100000"/>
+                </a:lnSpc>
+                <a:spcBef>
+                  <a:spcPct val="20000"/>
+                </a:spcBef>
+                <a:spcAft>
+                  <a:spcPct val="0"/>
+                </a:spcAft>
+                <a:buClrTx/>
+                <a:buSzTx/>
+                <a:buFontTx/>
+                <a:buNone/>
+                <a:tabLst/>
+              </a:pPr>
+              <a:endParaRPr kumimoji="0" lang="en-GB" sz="4600" b="0" i="0" u="none" strike="noStrike" cap="none" normalizeH="0" baseline="0" dirty="0" smtClean="0">
+                <a:ln>
+                  <a:noFill/>
+                </a:ln>
+                <a:solidFill>
+                  <a:srgbClr val="000000"/>
+                </a:solidFill>
+                <a:effectLst/>
+                <a:latin typeface="Arial" charset="0"/>
+              </a:endParaRPr>
+            </a:p>
+          </p:txBody>
+        </p:sp>
+        <p:sp>
+          <p:nvSpPr>
+            <p:cNvPr id="16" name="TextBox 15"/>
+            <p:cNvSpPr txBox="1"/>
+            <p:nvPr/>
+          </p:nvSpPr>
+          <p:spPr>
+            <a:xfrm>
+              <a:off x="7486701" y="18550150"/>
+              <a:ext cx="9577064" cy="1323439"/>
+            </a:xfrm>
+            <a:prstGeom prst="rect">
               <a:avLst/>
-            </a:prstTxWarp>
-          </a:bodyPr>
-          <a:lstStyle/>
-          <a:p>
-            <a:pPr marL="0" marR="0" indent="0" algn="l" defTabSz="914400" rtl="0" eaLnBrk="1" fontAlgn="base" latinLnBrk="0" hangingPunct="1">
-              <a:lnSpc>
-                <a:spcPct val="100000"/>
-              </a:lnSpc>
-              <a:spcBef>
-                <a:spcPct val="20000"/>
-              </a:spcBef>
-              <a:spcAft>
-                <a:spcPct val="0"/>
-              </a:spcAft>
-              <a:buClrTx/>
-              <a:buSzTx/>
-              <a:buFontTx/>
-              <a:buNone/>
-              <a:tabLst/>
-            </a:pPr>
-            <a:endParaRPr kumimoji="0" lang="en-GB" sz="4600" b="0" i="0" u="none" strike="noStrike" cap="none" normalizeH="0" baseline="0" dirty="0" smtClean="0">
-              <a:ln>
-                <a:noFill/>
-              </a:ln>
-              <a:solidFill>
-                <a:srgbClr val="000000"/>
-              </a:solidFill>
-              <a:effectLst/>
-              <a:latin typeface="Arial" charset="0"/>
-            </a:endParaRPr>
-          </a:p>
-        </p:txBody>
-      </p:sp>
-      <p:sp>
-        <p:nvSpPr>
-          <p:cNvPr id="13" name="Oval 12"/>
-          <p:cNvSpPr/>
-          <p:nvPr/>
-        </p:nvSpPr>
-        <p:spPr bwMode="auto">
-          <a:xfrm>
-            <a:off x="14813515" y="9648455"/>
-            <a:ext cx="932311" cy="864093"/>
-          </a:xfrm>
-          <a:prstGeom prst="ellipse">
-            <a:avLst/>
-          </a:prstGeom>
-          <a:solidFill>
-            <a:schemeClr val="tx1"/>
-          </a:solidFill>
-          <a:ln>
-            <a:solidFill>
-              <a:schemeClr val="tx1"/>
-            </a:solidFill>
-          </a:ln>
-          <a:effectLst/>
-          <a:extLst/>
-        </p:spPr>
-        <p:txBody>
-          <a:bodyPr vert="horz" wrap="square" lIns="457200" tIns="228600" rIns="457200" bIns="228600" numCol="1" rtlCol="0" anchor="t" anchorCtr="0" compatLnSpc="1">
-            <a:prstTxWarp prst="textNoShape">
-              <a:avLst/>
-            </a:prstTxWarp>
-          </a:bodyPr>
-          <a:lstStyle/>
-          <a:p>
-            <a:pPr marL="0" marR="0" indent="0" algn="l" defTabSz="914400" rtl="0" eaLnBrk="1" fontAlgn="base" latinLnBrk="0" hangingPunct="1">
-              <a:lnSpc>
-                <a:spcPct val="100000"/>
-              </a:lnSpc>
-              <a:spcBef>
-                <a:spcPct val="20000"/>
-              </a:spcBef>
-              <a:spcAft>
-                <a:spcPct val="0"/>
-              </a:spcAft>
-              <a:buClrTx/>
-              <a:buSzTx/>
-              <a:buFontTx/>
-              <a:buNone/>
-              <a:tabLst/>
-            </a:pPr>
-            <a:endParaRPr kumimoji="0" lang="en-GB" sz="4600" b="0" i="0" u="none" strike="noStrike" cap="none" normalizeH="0" baseline="0" dirty="0" smtClean="0">
-              <a:ln>
-                <a:noFill/>
-              </a:ln>
-              <a:solidFill>
-                <a:srgbClr val="000000"/>
-              </a:solidFill>
-              <a:effectLst/>
-              <a:latin typeface="Arial" charset="0"/>
-            </a:endParaRPr>
-          </a:p>
-        </p:txBody>
-      </p:sp>
-      <p:sp>
-        <p:nvSpPr>
-          <p:cNvPr id="14" name="Oval 13"/>
-          <p:cNvSpPr/>
-          <p:nvPr/>
-        </p:nvSpPr>
-        <p:spPr bwMode="auto">
-          <a:xfrm>
-            <a:off x="9052875" y="14905039"/>
-            <a:ext cx="932311" cy="864093"/>
-          </a:xfrm>
-          <a:prstGeom prst="ellipse">
-            <a:avLst/>
-          </a:prstGeom>
-          <a:solidFill>
-            <a:schemeClr val="bg1"/>
-          </a:solidFill>
-          <a:ln w="38100">
-            <a:solidFill>
-              <a:schemeClr val="tx1"/>
-            </a:solidFill>
-          </a:ln>
-          <a:effectLst/>
-          <a:extLst/>
-        </p:spPr>
-        <p:txBody>
-          <a:bodyPr vert="horz" wrap="square" lIns="457200" tIns="228600" rIns="457200" bIns="228600" numCol="1" rtlCol="0" anchor="t" anchorCtr="0" compatLnSpc="1">
-            <a:prstTxWarp prst="textNoShape">
-              <a:avLst/>
-            </a:prstTxWarp>
-          </a:bodyPr>
-          <a:lstStyle/>
-          <a:p>
-            <a:pPr marL="0" marR="0" indent="0" algn="l" defTabSz="914400" rtl="0" eaLnBrk="1" fontAlgn="base" latinLnBrk="0" hangingPunct="1">
-              <a:lnSpc>
-                <a:spcPct val="100000"/>
-              </a:lnSpc>
-              <a:spcBef>
-                <a:spcPct val="20000"/>
-              </a:spcBef>
-              <a:spcAft>
-                <a:spcPct val="0"/>
-              </a:spcAft>
-              <a:buClrTx/>
-              <a:buSzTx/>
-              <a:buFontTx/>
-              <a:buNone/>
-              <a:tabLst/>
-            </a:pPr>
-            <a:endParaRPr kumimoji="0" lang="en-GB" sz="4600" b="0" i="0" u="none" strike="noStrike" cap="none" normalizeH="0" baseline="0" dirty="0" smtClean="0">
-              <a:ln>
-                <a:noFill/>
-              </a:ln>
-              <a:solidFill>
-                <a:srgbClr val="000000"/>
-              </a:solidFill>
-              <a:effectLst/>
-              <a:latin typeface="Arial" charset="0"/>
-            </a:endParaRPr>
-          </a:p>
-        </p:txBody>
-      </p:sp>
-      <p:sp>
-        <p:nvSpPr>
-          <p:cNvPr id="15" name="Oval 14"/>
-          <p:cNvSpPr/>
-          <p:nvPr/>
-        </p:nvSpPr>
-        <p:spPr bwMode="auto">
-          <a:xfrm>
-            <a:off x="14903525" y="14905039"/>
-            <a:ext cx="932311" cy="864093"/>
-          </a:xfrm>
-          <a:prstGeom prst="ellipse">
-            <a:avLst/>
-          </a:prstGeom>
-          <a:solidFill>
-            <a:schemeClr val="bg1"/>
-          </a:solidFill>
-          <a:ln w="38100">
-            <a:solidFill>
-              <a:schemeClr val="tx1"/>
-            </a:solidFill>
-          </a:ln>
-          <a:effectLst/>
-          <a:extLst/>
-        </p:spPr>
-        <p:txBody>
-          <a:bodyPr vert="horz" wrap="square" lIns="457200" tIns="228600" rIns="457200" bIns="228600" numCol="1" rtlCol="0" anchor="t" anchorCtr="0" compatLnSpc="1">
-            <a:prstTxWarp prst="textNoShape">
-              <a:avLst/>
-            </a:prstTxWarp>
-          </a:bodyPr>
-          <a:lstStyle/>
-          <a:p>
-            <a:pPr marL="0" marR="0" indent="0" algn="l" defTabSz="914400" rtl="0" eaLnBrk="1" fontAlgn="base" latinLnBrk="0" hangingPunct="1">
-              <a:lnSpc>
-                <a:spcPct val="100000"/>
-              </a:lnSpc>
-              <a:spcBef>
-                <a:spcPct val="20000"/>
-              </a:spcBef>
-              <a:spcAft>
-                <a:spcPct val="0"/>
-              </a:spcAft>
-              <a:buClrTx/>
-              <a:buSzTx/>
-              <a:buFontTx/>
-              <a:buNone/>
-              <a:tabLst/>
-            </a:pPr>
-            <a:endParaRPr kumimoji="0" lang="en-GB" sz="4600" b="0" i="0" u="none" strike="noStrike" cap="none" normalizeH="0" baseline="0" dirty="0" smtClean="0">
-              <a:ln>
-                <a:noFill/>
-              </a:ln>
-              <a:solidFill>
-                <a:srgbClr val="000000"/>
-              </a:solidFill>
-              <a:effectLst/>
-              <a:latin typeface="Arial" charset="0"/>
-            </a:endParaRPr>
-          </a:p>
-        </p:txBody>
-      </p:sp>
-      <p:sp>
-        <p:nvSpPr>
-          <p:cNvPr id="16" name="TextBox 15"/>
-          <p:cNvSpPr txBox="1"/>
-          <p:nvPr/>
-        </p:nvSpPr>
-        <p:spPr>
-          <a:xfrm>
-            <a:off x="7486701" y="17613465"/>
-            <a:ext cx="9577064" cy="1107996"/>
-          </a:xfrm>
-          <a:prstGeom prst="rect">
-            <a:avLst/>
-          </a:prstGeom>
-          <a:noFill/>
-        </p:spPr>
-        <p:txBody>
-          <a:bodyPr wrap="square" rtlCol="0">
-            <a:spAutoFit/>
-          </a:bodyPr>
-          <a:lstStyle/>
-          <a:p>
-            <a:pPr algn="ctr"/>
-            <a:r>
-              <a:rPr lang="sv-SE" sz="6600" b="1" dirty="0" smtClean="0"/>
-              <a:t>P = 8, R = 2</a:t>
-            </a:r>
-            <a:endParaRPr lang="en-GB" sz="6600" b="1" dirty="0"/>
-          </a:p>
-        </p:txBody>
-      </p:sp>
-      <mc:AlternateContent xmlns:mc="http://schemas.openxmlformats.org/markup-compatibility/2006" xmlns:a14="http://schemas.microsoft.com/office/drawing/2010/main">
-        <mc:Choice Requires="a14">
+            </a:prstGeom>
+            <a:noFill/>
+          </p:spPr>
+          <p:txBody>
+            <a:bodyPr wrap="square" rtlCol="0">
+              <a:spAutoFit/>
+            </a:bodyPr>
+            <a:lstStyle/>
+            <a:p>
+              <a:pPr algn="ctr"/>
+              <a:r>
+                <a:rPr lang="sv-SE" sz="8000" b="1" dirty="0" smtClean="0"/>
+                <a:t>P = 8, R = 2</a:t>
+              </a:r>
+              <a:endParaRPr lang="en-GB" sz="8000" b="1" dirty="0"/>
+            </a:p>
+          </p:txBody>
+        </p:sp>
+      </p:grpSp>
+      <mc:AlternateContent xmlns:mc="http://schemas.openxmlformats.org/markup-compatibility/2006">
+        <mc:Choice xmlns:a14="http://schemas.microsoft.com/office/drawing/2010/main" Requires="a14">
           <p:sp>
             <p:nvSpPr>
               <p:cNvPr id="18" name="TextBox 17"/>
@@ -10636,8 +10409,8 @@
             </p:nvSpPr>
             <p:spPr>
               <a:xfrm>
-                <a:off x="19007981" y="6710762"/>
-                <a:ext cx="16345816" cy="15339456"/>
+                <a:off x="19007981" y="7344197"/>
+                <a:ext cx="16345816" cy="15782654"/>
               </a:xfrm>
               <a:prstGeom prst="rect">
                 <a:avLst/>
@@ -10669,12 +10442,8 @@
                   <a:buChar char="•"/>
                 </a:pPr>
                 <a:r>
-                  <a:rPr lang="en-GB" sz="9000" dirty="0" err="1" smtClean="0"/>
-                  <a:t>Center</a:t>
-                </a:r>
-                <a:r>
                   <a:rPr lang="en-GB" sz="9000" dirty="0" smtClean="0"/>
-                  <a:t> pixel – threshold value</a:t>
+                  <a:t>Centre pixel – threshold value</a:t>
                 </a:r>
               </a:p>
               <a:p>
@@ -10694,12 +10463,19 @@
                 </a:pPr>
                 <a:r>
                   <a:rPr lang="en-GB" sz="9000" dirty="0" smtClean="0"/>
-                  <a:t>Pattern encoding:</a:t>
+                  <a:t>Pattern encoding</a:t>
+                </a:r>
+                <a:r>
+                  <a:rPr lang="en-GB" sz="9000" dirty="0" smtClean="0"/>
+                  <a:t>:</a:t>
                 </a:r>
               </a:p>
               <a:p>
+                <a:endParaRPr lang="en-GB" sz="3200" dirty="0" smtClean="0"/>
+              </a:p>
+              <a:p>
                 <a:r>
-                  <a:rPr lang="en-GB" sz="1000" dirty="0" smtClean="0"/>
+                  <a:rPr lang="en-GB" sz="300" dirty="0" smtClean="0"/>
                   <a:t>	</a:t>
                 </a:r>
               </a:p>
@@ -11036,7 +10812,7 @@
             </p:txBody>
           </p:sp>
         </mc:Choice>
-        <mc:Fallback xmlns="">
+        <mc:Fallback>
           <p:sp>
             <p:nvSpPr>
               <p:cNvPr id="18" name="TextBox 17"/>
@@ -11047,8 +10823,8 @@
             </p:nvSpPr>
             <p:spPr>
               <a:xfrm>
-                <a:off x="19007981" y="6710762"/>
-                <a:ext cx="16345816" cy="15339456"/>
+                <a:off x="19007981" y="7344197"/>
+                <a:ext cx="16345816" cy="15782654"/>
               </a:xfrm>
               <a:prstGeom prst="rect">
                 <a:avLst/>
@@ -11056,7 +10832,7 @@
               <a:blipFill rotWithShape="1">
                 <a:blip r:embed="rId3"/>
                 <a:stretch>
-                  <a:fillRect l="-3356" t="-1987" r="-2573"/>
+                  <a:fillRect l="-3356" t="-1931" r="-2573"/>
                 </a:stretch>
               </a:blipFill>
             </p:spPr>
@@ -11252,10 +11028,693 @@
           </a:p>
         </p:txBody>
       </p:sp>
+      <p:sp>
+        <p:nvSpPr>
+          <p:cNvPr id="19" name="Content Placeholder 2"/>
+          <p:cNvSpPr>
+            <a:spLocks noGrp="1"/>
+          </p:cNvSpPr>
+          <p:nvPr>
+            <p:ph idx="1"/>
+          </p:nvPr>
+        </p:nvSpPr>
+        <p:spPr>
+          <a:xfrm>
+            <a:off x="7140575" y="4247853"/>
+            <a:ext cx="27779663" cy="3382624"/>
+          </a:xfrm>
+        </p:spPr>
+        <p:txBody>
+          <a:bodyPr/>
+          <a:lstStyle/>
+          <a:p>
+            <a:r>
+              <a:rPr lang="en-GB" sz="9000" dirty="0" smtClean="0"/>
+              <a:t>Conceived by </a:t>
+            </a:r>
+            <a:r>
+              <a:rPr lang="en-GB" sz="9000" dirty="0" err="1" smtClean="0"/>
+              <a:t>Ojala</a:t>
+            </a:r>
+            <a:r>
+              <a:rPr lang="en-GB" sz="9000" dirty="0" smtClean="0"/>
+              <a:t> et al. in 1996 and extended in 2002. [1]</a:t>
+            </a:r>
+          </a:p>
+        </p:txBody>
+      </p:sp>
+      <p:sp>
+        <p:nvSpPr>
+          <p:cNvPr id="20" name="TextBox 19"/>
+          <p:cNvSpPr txBox="1"/>
+          <p:nvPr/>
+        </p:nvSpPr>
+        <p:spPr>
+          <a:xfrm>
+            <a:off x="5830517" y="22389801"/>
+            <a:ext cx="29595288" cy="2308324"/>
+          </a:xfrm>
+          <a:prstGeom prst="rect">
+            <a:avLst/>
+          </a:prstGeom>
+          <a:noFill/>
+        </p:spPr>
+        <p:txBody>
+          <a:bodyPr wrap="square" rtlCol="0">
+            <a:spAutoFit/>
+          </a:bodyPr>
+          <a:lstStyle/>
+          <a:p>
+            <a:r>
+              <a:rPr lang="fi-FI" sz="4800" b="1" dirty="0"/>
+              <a:t>[1] </a:t>
+            </a:r>
+            <a:r>
+              <a:rPr lang="fi-FI" sz="4800" dirty="0"/>
+              <a:t>Ojala, T., </a:t>
+            </a:r>
+            <a:r>
+              <a:rPr lang="fi-FI" sz="4800" dirty="0" err="1"/>
+              <a:t>Pietikainen</a:t>
+            </a:r>
+            <a:r>
+              <a:rPr lang="fi-FI" sz="4800" dirty="0"/>
+              <a:t>, M., and </a:t>
+            </a:r>
+            <a:r>
+              <a:rPr lang="fi-FI" sz="4800" dirty="0" err="1"/>
+              <a:t>Maenpaa</a:t>
+            </a:r>
+            <a:r>
+              <a:rPr lang="fi-FI" sz="4800" dirty="0"/>
+              <a:t>, T. </a:t>
+            </a:r>
+            <a:r>
+              <a:rPr lang="fi-FI" sz="4800" dirty="0" err="1"/>
+              <a:t>Multiresolution</a:t>
+            </a:r>
+            <a:r>
+              <a:rPr lang="fi-FI" sz="4800" dirty="0"/>
+              <a:t> </a:t>
+            </a:r>
+            <a:r>
+              <a:rPr lang="en-GB" sz="4800" dirty="0" err="1"/>
+              <a:t>gray</a:t>
+            </a:r>
+            <a:r>
+              <a:rPr lang="en-GB" sz="4800" dirty="0"/>
+              <a:t>-scale and rotation invariant </a:t>
+            </a:r>
+            <a:r>
+              <a:rPr lang="en-GB" sz="4800" dirty="0" smtClean="0"/>
+              <a:t>	texture </a:t>
+            </a:r>
+            <a:r>
+              <a:rPr lang="en-GB" sz="4800" dirty="0"/>
+              <a:t>classification with local binary patterns. </a:t>
+            </a:r>
+            <a:r>
+              <a:rPr lang="en-GB" sz="4800" i="1" dirty="0"/>
+              <a:t>IEEE Transactions on pattern analysis and </a:t>
+            </a:r>
+            <a:r>
+              <a:rPr lang="en-GB" sz="4800" i="1" dirty="0" smtClean="0"/>
+              <a:t>machine </a:t>
+            </a:r>
+            <a:r>
+              <a:rPr lang="en-GB" sz="4800" i="1" dirty="0"/>
+              <a:t>intelligence</a:t>
+            </a:r>
+            <a:r>
+              <a:rPr lang="en-GB" sz="4800" dirty="0"/>
+              <a:t>, 24(7):971–987, 2002.</a:t>
+            </a:r>
+          </a:p>
+        </p:txBody>
+      </p:sp>
     </p:spTree>
     <p:extLst>
       <p:ext uri="{BB962C8B-B14F-4D97-AF65-F5344CB8AC3E}">
         <p14:creationId xmlns:p14="http://schemas.microsoft.com/office/powerpoint/2010/main" val="3655956742"/>
+      </p:ext>
+    </p:extLst>
+  </p:cSld>
+  <p:clrMapOvr>
+    <a:masterClrMapping/>
+  </p:clrMapOvr>
+  <p:timing>
+    <p:tnLst>
+      <p:par>
+        <p:cTn id="1" dur="indefinite" restart="never" nodeType="tmRoot"/>
+      </p:par>
+    </p:tnLst>
+  </p:timing>
+</p:sld>
+</file>
+
+<file path=ppt/slides/slide5.xml><?xml version="1.0" encoding="utf-8"?>
+<p:sld xmlns:a="http://schemas.openxmlformats.org/drawingml/2006/main" xmlns:r="http://schemas.openxmlformats.org/officeDocument/2006/relationships" xmlns:p="http://schemas.openxmlformats.org/presentationml/2006/main">
+  <p:cSld>
+    <p:spTree>
+      <p:nvGrpSpPr>
+        <p:cNvPr id="1" name=""/>
+        <p:cNvGrpSpPr/>
+        <p:nvPr/>
+      </p:nvGrpSpPr>
+      <p:grpSpPr>
+        <a:xfrm>
+          <a:off x="0" y="0"/>
+          <a:ext cx="0" cy="0"/>
+          <a:chOff x="0" y="0"/>
+          <a:chExt cx="0" cy="0"/>
+        </a:xfrm>
+      </p:grpSpPr>
+      <p:sp>
+        <p:nvSpPr>
+          <p:cNvPr id="2" name="Title 1"/>
+          <p:cNvSpPr>
+            <a:spLocks noGrp="1"/>
+          </p:cNvSpPr>
+          <p:nvPr>
+            <p:ph type="title"/>
+          </p:nvPr>
+        </p:nvSpPr>
+        <p:spPr/>
+        <p:txBody>
+          <a:bodyPr/>
+          <a:lstStyle/>
+          <a:p>
+            <a:r>
+              <a:rPr lang="sv-SE" sz="14400" dirty="0" smtClean="0"/>
+              <a:t>Local Binary Patterns</a:t>
+            </a:r>
+            <a:endParaRPr lang="en-GB" sz="14400" dirty="0"/>
+          </a:p>
+        </p:txBody>
+      </p:sp>
+      <p:sp>
+        <p:nvSpPr>
+          <p:cNvPr id="3" name="Content Placeholder 2"/>
+          <p:cNvSpPr>
+            <a:spLocks noGrp="1"/>
+          </p:cNvSpPr>
+          <p:nvPr>
+            <p:ph idx="1"/>
+          </p:nvPr>
+        </p:nvSpPr>
+        <p:spPr>
+          <a:xfrm>
+            <a:off x="7140575" y="5041601"/>
+            <a:ext cx="27779663" cy="15624076"/>
+          </a:xfrm>
+        </p:spPr>
+        <p:txBody>
+          <a:bodyPr/>
+          <a:lstStyle/>
+          <a:p>
+            <a:r>
+              <a:rPr lang="en-GB" dirty="0" smtClean="0"/>
+              <a:t>Use histogram of pattern indices to train a neural network</a:t>
+            </a:r>
+          </a:p>
+          <a:p>
+            <a:r>
+              <a:rPr lang="en-GB" dirty="0" smtClean="0"/>
+              <a:t>LBPs </a:t>
+            </a:r>
+            <a:r>
+              <a:rPr lang="en-GB" dirty="0" smtClean="0"/>
+              <a:t>can be made rotationally invariant</a:t>
+            </a:r>
+          </a:p>
+          <a:p>
+            <a:r>
+              <a:rPr lang="en-GB" dirty="0" smtClean="0"/>
+              <a:t>Important for cell images because </a:t>
+            </a:r>
+            <a:r>
+              <a:rPr lang="en-GB" dirty="0"/>
+              <a:t>o</a:t>
+            </a:r>
+            <a:r>
+              <a:rPr lang="en-GB" dirty="0" smtClean="0"/>
+              <a:t>rientation of cells is arbitrary</a:t>
+            </a:r>
+            <a:endParaRPr lang="en-GB" dirty="0"/>
+          </a:p>
+        </p:txBody>
+      </p:sp>
+      <p:sp>
+        <p:nvSpPr>
+          <p:cNvPr id="17" name="TextBox 16"/>
+          <p:cNvSpPr txBox="1"/>
+          <p:nvPr/>
+        </p:nvSpPr>
+        <p:spPr>
+          <a:xfrm>
+            <a:off x="0" y="7200181"/>
+            <a:ext cx="5326461" cy="12255663"/>
+          </a:xfrm>
+          <a:prstGeom prst="rect">
+            <a:avLst/>
+          </a:prstGeom>
+          <a:noFill/>
+        </p:spPr>
+        <p:txBody>
+          <a:bodyPr wrap="square" rtlCol="0">
+            <a:spAutoFit/>
+          </a:bodyPr>
+          <a:lstStyle/>
+          <a:p>
+            <a:pPr algn="ctr"/>
+            <a:r>
+              <a:rPr lang="en-GB" sz="4000" b="1" dirty="0" smtClean="0">
+                <a:solidFill>
+                  <a:schemeClr val="bg1"/>
+                </a:solidFill>
+              </a:rPr>
+              <a:t>Jo Gay</a:t>
+            </a:r>
+          </a:p>
+          <a:p>
+            <a:pPr algn="ctr"/>
+            <a:r>
+              <a:rPr lang="en-GB" sz="4000" b="1" dirty="0" smtClean="0">
+                <a:solidFill>
+                  <a:schemeClr val="bg1"/>
+                </a:solidFill>
+              </a:rPr>
+              <a:t>Hugo </a:t>
+            </a:r>
+            <a:r>
+              <a:rPr lang="en-GB" sz="4000" b="1" dirty="0" err="1" smtClean="0">
+                <a:solidFill>
+                  <a:schemeClr val="bg1"/>
+                </a:solidFill>
+              </a:rPr>
+              <a:t>Harlin</a:t>
+            </a:r>
+            <a:endParaRPr lang="en-GB" sz="4000" b="1" dirty="0" smtClean="0">
+              <a:solidFill>
+                <a:schemeClr val="bg1"/>
+              </a:solidFill>
+            </a:endParaRPr>
+          </a:p>
+          <a:p>
+            <a:pPr algn="ctr"/>
+            <a:endParaRPr lang="en-GB" sz="1600" b="1" dirty="0" smtClean="0">
+              <a:solidFill>
+                <a:schemeClr val="bg1"/>
+              </a:solidFill>
+            </a:endParaRPr>
+          </a:p>
+          <a:p>
+            <a:pPr algn="ctr"/>
+            <a:r>
+              <a:rPr lang="en-GB" sz="4000" dirty="0" smtClean="0">
+                <a:solidFill>
+                  <a:schemeClr val="bg1"/>
+                </a:solidFill>
+              </a:rPr>
+              <a:t>Project in Computational Science, January 2019</a:t>
+            </a:r>
+          </a:p>
+          <a:p>
+            <a:pPr algn="ctr"/>
+            <a:endParaRPr lang="en-GB" sz="4000" dirty="0" smtClean="0">
+              <a:solidFill>
+                <a:schemeClr val="bg1"/>
+              </a:solidFill>
+            </a:endParaRPr>
+          </a:p>
+          <a:p>
+            <a:pPr algn="ctr"/>
+            <a:endParaRPr lang="en-GB" sz="4000" dirty="0" smtClean="0">
+              <a:solidFill>
+                <a:schemeClr val="bg1"/>
+              </a:solidFill>
+            </a:endParaRPr>
+          </a:p>
+          <a:p>
+            <a:pPr algn="ctr"/>
+            <a:r>
+              <a:rPr lang="en-GB" sz="4000" dirty="0" smtClean="0">
+                <a:solidFill>
+                  <a:schemeClr val="bg1"/>
+                </a:solidFill>
+              </a:rPr>
+              <a:t>Supervisors:</a:t>
+            </a:r>
+          </a:p>
+          <a:p>
+            <a:pPr algn="ctr"/>
+            <a:r>
+              <a:rPr lang="sv-SE" sz="4000" b="1" dirty="0">
+                <a:solidFill>
+                  <a:schemeClr val="bg1"/>
+                </a:solidFill>
+              </a:rPr>
+              <a:t>Joakim </a:t>
+            </a:r>
+            <a:r>
+              <a:rPr lang="sv-SE" sz="4000" b="1" dirty="0" smtClean="0">
+                <a:solidFill>
+                  <a:schemeClr val="bg1"/>
+                </a:solidFill>
+              </a:rPr>
+              <a:t>Lindblad </a:t>
+            </a:r>
+            <a:r>
+              <a:rPr lang="sv-SE" sz="4000" b="1" dirty="0">
+                <a:solidFill>
+                  <a:schemeClr val="bg1"/>
+                </a:solidFill>
+              </a:rPr>
+              <a:t>Nataša </a:t>
+            </a:r>
+            <a:r>
+              <a:rPr lang="sv-SE" sz="4000" b="1" dirty="0" smtClean="0">
+                <a:solidFill>
+                  <a:schemeClr val="bg1"/>
+                </a:solidFill>
+              </a:rPr>
+              <a:t>Sladoje</a:t>
+            </a:r>
+          </a:p>
+          <a:p>
+            <a:pPr algn="ctr"/>
+            <a:endParaRPr lang="sv-SE" sz="1600" b="1" dirty="0">
+              <a:solidFill>
+                <a:schemeClr val="bg1"/>
+              </a:solidFill>
+            </a:endParaRPr>
+          </a:p>
+          <a:p>
+            <a:pPr algn="ctr"/>
+            <a:r>
+              <a:rPr lang="en-GB" sz="4000" dirty="0" smtClean="0">
+                <a:solidFill>
+                  <a:schemeClr val="bg1"/>
+                </a:solidFill>
+              </a:rPr>
+              <a:t>Centre for Image Analysis,</a:t>
+            </a:r>
+          </a:p>
+          <a:p>
+            <a:pPr algn="ctr"/>
+            <a:r>
+              <a:rPr lang="en-GB" sz="4000" dirty="0" smtClean="0">
+                <a:solidFill>
+                  <a:schemeClr val="bg1"/>
+                </a:solidFill>
+              </a:rPr>
+              <a:t>Department of Information Technology</a:t>
+            </a:r>
+          </a:p>
+          <a:p>
+            <a:pPr algn="ctr"/>
+            <a:endParaRPr lang="en-GB" sz="4000" dirty="0" smtClean="0">
+              <a:solidFill>
+                <a:schemeClr val="bg1"/>
+              </a:solidFill>
+            </a:endParaRPr>
+          </a:p>
+        </p:txBody>
+      </p:sp>
+      <p:grpSp>
+        <p:nvGrpSpPr>
+          <p:cNvPr id="4" name="Group 3"/>
+          <p:cNvGrpSpPr/>
+          <p:nvPr/>
+        </p:nvGrpSpPr>
+        <p:grpSpPr>
+          <a:xfrm>
+            <a:off x="7304709" y="15900034"/>
+            <a:ext cx="26896960" cy="4405603"/>
+            <a:chOff x="7304709" y="14288978"/>
+            <a:chExt cx="26896960" cy="4405603"/>
+          </a:xfrm>
+        </p:grpSpPr>
+        <p:pic>
+          <p:nvPicPr>
+            <p:cNvPr id="6" name="Picture 5"/>
+            <p:cNvPicPr>
+              <a:picLocks noChangeAspect="1"/>
+            </p:cNvPicPr>
+            <p:nvPr/>
+          </p:nvPicPr>
+          <p:blipFill>
+            <a:blip r:embed="rId3">
+              <a:extLst>
+                <a:ext uri="{28A0092B-C50C-407E-A947-70E740481C1C}">
+                  <a14:useLocalDpi xmlns:a14="http://schemas.microsoft.com/office/drawing/2010/main" val="0"/>
+                </a:ext>
+              </a:extLst>
+            </a:blip>
+            <a:stretch>
+              <a:fillRect/>
+            </a:stretch>
+          </p:blipFill>
+          <p:spPr>
+            <a:xfrm>
+              <a:off x="7304709" y="14408133"/>
+              <a:ext cx="4286448" cy="4286448"/>
+            </a:xfrm>
+            <a:prstGeom prst="rect">
+              <a:avLst/>
+            </a:prstGeom>
+          </p:spPr>
+        </p:pic>
+        <p:pic>
+          <p:nvPicPr>
+            <p:cNvPr id="19" name="Picture 18"/>
+            <p:cNvPicPr>
+              <a:picLocks noChangeAspect="1"/>
+            </p:cNvPicPr>
+            <p:nvPr/>
+          </p:nvPicPr>
+          <p:blipFill>
+            <a:blip r:embed="rId3">
+              <a:extLst>
+                <a:ext uri="{28A0092B-C50C-407E-A947-70E740481C1C}">
+                  <a14:useLocalDpi xmlns:a14="http://schemas.microsoft.com/office/drawing/2010/main" val="0"/>
+                </a:ext>
+              </a:extLst>
+            </a:blip>
+            <a:stretch>
+              <a:fillRect/>
+            </a:stretch>
+          </p:blipFill>
+          <p:spPr>
+            <a:xfrm rot="1275961">
+              <a:off x="14666192" y="14408133"/>
+              <a:ext cx="4286448" cy="4286448"/>
+            </a:xfrm>
+            <a:prstGeom prst="rect">
+              <a:avLst/>
+            </a:prstGeom>
+          </p:spPr>
+        </p:pic>
+        <p:pic>
+          <p:nvPicPr>
+            <p:cNvPr id="20" name="Picture 19"/>
+            <p:cNvPicPr>
+              <a:picLocks noChangeAspect="1"/>
+            </p:cNvPicPr>
+            <p:nvPr/>
+          </p:nvPicPr>
+          <p:blipFill>
+            <a:blip r:embed="rId3">
+              <a:extLst>
+                <a:ext uri="{28A0092B-C50C-407E-A947-70E740481C1C}">
+                  <a14:useLocalDpi xmlns:a14="http://schemas.microsoft.com/office/drawing/2010/main" val="0"/>
+                </a:ext>
+              </a:extLst>
+            </a:blip>
+            <a:stretch>
+              <a:fillRect/>
+            </a:stretch>
+          </p:blipFill>
+          <p:spPr>
+            <a:xfrm rot="3111023">
+              <a:off x="22496378" y="14288978"/>
+              <a:ext cx="4286448" cy="4286448"/>
+            </a:xfrm>
+            <a:prstGeom prst="rect">
+              <a:avLst/>
+            </a:prstGeom>
+          </p:spPr>
+        </p:pic>
+        <p:pic>
+          <p:nvPicPr>
+            <p:cNvPr id="22" name="Picture 21"/>
+            <p:cNvPicPr>
+              <a:picLocks noChangeAspect="1"/>
+            </p:cNvPicPr>
+            <p:nvPr/>
+          </p:nvPicPr>
+          <p:blipFill>
+            <a:blip r:embed="rId3">
+              <a:extLst>
+                <a:ext uri="{28A0092B-C50C-407E-A947-70E740481C1C}">
+                  <a14:useLocalDpi xmlns:a14="http://schemas.microsoft.com/office/drawing/2010/main" val="0"/>
+                </a:ext>
+              </a:extLst>
+            </a:blip>
+            <a:stretch>
+              <a:fillRect/>
+            </a:stretch>
+          </p:blipFill>
+          <p:spPr>
+            <a:xfrm rot="5400000">
+              <a:off x="29915221" y="14408132"/>
+              <a:ext cx="4286448" cy="4286448"/>
+            </a:xfrm>
+            <a:prstGeom prst="rect">
+              <a:avLst/>
+            </a:prstGeom>
+          </p:spPr>
+        </p:pic>
+        <p:cxnSp>
+          <p:nvCxnSpPr>
+            <p:cNvPr id="24" name="Straight Arrow Connector 23"/>
+            <p:cNvCxnSpPr/>
+            <p:nvPr/>
+          </p:nvCxnSpPr>
+          <p:spPr bwMode="auto">
+            <a:xfrm>
+              <a:off x="12311237" y="16551356"/>
+              <a:ext cx="1368152" cy="1"/>
+            </a:xfrm>
+            <a:prstGeom prst="straightConnector1">
+              <a:avLst/>
+            </a:prstGeom>
+            <a:noFill/>
+            <a:ln w="190500" cap="flat" cmpd="sng" algn="ctr">
+              <a:solidFill>
+                <a:schemeClr val="tx1"/>
+              </a:solidFill>
+              <a:prstDash val="solid"/>
+              <a:round/>
+              <a:headEnd type="none" w="med" len="med"/>
+              <a:tailEnd type="triangle" w="med" len="med"/>
+            </a:ln>
+            <a:effectLst/>
+            <a:extLst>
+              <a:ext uri="{909E8E84-426E-40DD-AFC4-6F175D3DCCD1}">
+                <a14:hiddenFill xmlns:a14="http://schemas.microsoft.com/office/drawing/2010/main">
+                  <a:solidFill>
+                    <a:schemeClr val="accent1"/>
+                  </a:solidFill>
+                </a14:hiddenFill>
+              </a:ext>
+              <a:ext uri="{AF507438-7753-43E0-B8FC-AC1667EBCBE1}">
+                <a14:hiddenEffects xmlns:a14="http://schemas.microsoft.com/office/drawing/2010/main">
+                  <a:effectLst>
+                    <a:outerShdw dist="35921" dir="2700000" algn="ctr" rotWithShape="0">
+                      <a:schemeClr val="bg2"/>
+                    </a:outerShdw>
+                  </a:effectLst>
+                </a14:hiddenEffects>
+              </a:ext>
+            </a:extLst>
+          </p:spPr>
+        </p:cxnSp>
+        <p:cxnSp>
+          <p:nvCxnSpPr>
+            <p:cNvPr id="27" name="Straight Arrow Connector 26"/>
+            <p:cNvCxnSpPr/>
+            <p:nvPr/>
+          </p:nvCxnSpPr>
+          <p:spPr bwMode="auto">
+            <a:xfrm>
+              <a:off x="19800069" y="16551355"/>
+              <a:ext cx="1368152" cy="1"/>
+            </a:xfrm>
+            <a:prstGeom prst="straightConnector1">
+              <a:avLst/>
+            </a:prstGeom>
+            <a:noFill/>
+            <a:ln w="190500" cap="flat" cmpd="sng" algn="ctr">
+              <a:solidFill>
+                <a:schemeClr val="tx1"/>
+              </a:solidFill>
+              <a:prstDash val="solid"/>
+              <a:round/>
+              <a:headEnd type="none" w="med" len="med"/>
+              <a:tailEnd type="triangle" w="med" len="med"/>
+            </a:ln>
+            <a:effectLst/>
+            <a:extLst>
+              <a:ext uri="{909E8E84-426E-40DD-AFC4-6F175D3DCCD1}">
+                <a14:hiddenFill xmlns:a14="http://schemas.microsoft.com/office/drawing/2010/main">
+                  <a:solidFill>
+                    <a:schemeClr val="accent1"/>
+                  </a:solidFill>
+                </a14:hiddenFill>
+              </a:ext>
+              <a:ext uri="{AF507438-7753-43E0-B8FC-AC1667EBCBE1}">
+                <a14:hiddenEffects xmlns:a14="http://schemas.microsoft.com/office/drawing/2010/main">
+                  <a:effectLst>
+                    <a:outerShdw dist="35921" dir="2700000" algn="ctr" rotWithShape="0">
+                      <a:schemeClr val="bg2"/>
+                    </a:outerShdw>
+                  </a:effectLst>
+                </a14:hiddenEffects>
+              </a:ext>
+            </a:extLst>
+          </p:spPr>
+        </p:cxnSp>
+        <p:cxnSp>
+          <p:nvCxnSpPr>
+            <p:cNvPr id="30" name="Straight Arrow Connector 29"/>
+            <p:cNvCxnSpPr/>
+            <p:nvPr/>
+          </p:nvCxnSpPr>
+          <p:spPr bwMode="auto">
+            <a:xfrm>
+              <a:off x="28080989" y="16551357"/>
+              <a:ext cx="1368152" cy="1"/>
+            </a:xfrm>
+            <a:prstGeom prst="straightConnector1">
+              <a:avLst/>
+            </a:prstGeom>
+            <a:noFill/>
+            <a:ln w="190500" cap="flat" cmpd="sng" algn="ctr">
+              <a:solidFill>
+                <a:schemeClr val="tx1"/>
+              </a:solidFill>
+              <a:prstDash val="solid"/>
+              <a:round/>
+              <a:headEnd type="none" w="med" len="med"/>
+              <a:tailEnd type="triangle" w="med" len="med"/>
+            </a:ln>
+            <a:effectLst/>
+            <a:extLst>
+              <a:ext uri="{909E8E84-426E-40DD-AFC4-6F175D3DCCD1}">
+                <a14:hiddenFill xmlns:a14="http://schemas.microsoft.com/office/drawing/2010/main">
+                  <a:solidFill>
+                    <a:schemeClr val="accent1"/>
+                  </a:solidFill>
+                </a14:hiddenFill>
+              </a:ext>
+              <a:ext uri="{AF507438-7753-43E0-B8FC-AC1667EBCBE1}">
+                <a14:hiddenEffects xmlns:a14="http://schemas.microsoft.com/office/drawing/2010/main">
+                  <a:effectLst>
+                    <a:outerShdw dist="35921" dir="2700000" algn="ctr" rotWithShape="0">
+                      <a:schemeClr val="bg2"/>
+                    </a:outerShdw>
+                  </a:effectLst>
+                </a14:hiddenEffects>
+              </a:ext>
+            </a:extLst>
+          </p:spPr>
+        </p:cxnSp>
+      </p:grpSp>
+    </p:spTree>
+    <p:extLst>
+      <p:ext uri="{BB962C8B-B14F-4D97-AF65-F5344CB8AC3E}">
+        <p14:creationId xmlns:p14="http://schemas.microsoft.com/office/powerpoint/2010/main" val="4121546172"/>
       </p:ext>
     </p:extLst>
   </p:cSld>
@@ -12019,8 +12478,8 @@
           </p:sp>
         </mc:Fallback>
       </mc:AlternateContent>
-      <mc:AlternateContent xmlns:mc="http://schemas.openxmlformats.org/markup-compatibility/2006" xmlns:a14="http://schemas.microsoft.com/office/drawing/2010/main">
-        <mc:Choice Requires="a14">
+      <mc:AlternateContent xmlns:mc="http://schemas.openxmlformats.org/markup-compatibility/2006">
+        <mc:Choice xmlns:a14="http://schemas.microsoft.com/office/drawing/2010/main" Requires="a14">
           <p:sp>
             <p:nvSpPr>
               <p:cNvPr id="13" name="TextBox 12"/>
@@ -12093,7 +12552,15 @@
                 </a14:m>
                 <a:r>
                   <a:rPr lang="sv-SE" sz="5400" dirty="0" smtClean="0"/>
-                  <a:t>  for each pixel</a:t>
+                  <a:t> </a:t>
+                </a:r>
+                <a:r>
+                  <a:rPr lang="sv-SE" sz="5400" dirty="0" smtClean="0"/>
+                  <a:t>for </a:t>
+                </a:r>
+                <a:r>
+                  <a:rPr lang="sv-SE" sz="5400" dirty="0" smtClean="0"/>
+                  <a:t>each pixel</a:t>
                 </a:r>
                 <a:endParaRPr lang="sv-SE" sz="5400" dirty="0"/>
               </a:p>
@@ -12103,7 +12570,7 @@
             </p:txBody>
           </p:sp>
         </mc:Choice>
-        <mc:Fallback xmlns="">
+        <mc:Fallback>
           <p:sp>
             <p:nvSpPr>
               <p:cNvPr id="13" name="TextBox 12"/>
@@ -13097,13 +13564,13 @@
             <a:lum/>
             <a:alphaModFix/>
           </a:blip>
-          <a:srcRect l="45336" t="13437" r="43917" b="76631"/>
+          <a:srcRect l="45336" t="13437" r="44118" b="76833"/>
           <a:stretch/>
         </p:blipFill>
         <p:spPr bwMode="auto">
           <a:xfrm>
             <a:off x="30200649" y="14011143"/>
-            <a:ext cx="4721100" cy="4552326"/>
+            <a:ext cx="4633178" cy="4459737"/>
           </a:xfrm>
           <a:prstGeom prst="rect">
             <a:avLst/>
@@ -13129,13 +13596,13 @@
             <a:lum/>
             <a:alphaModFix/>
           </a:blip>
-          <a:srcRect l="1637" t="13121" r="87561" b="76685"/>
+          <a:srcRect l="1764" t="13288" r="87561" b="76685"/>
           <a:stretch/>
         </p:blipFill>
         <p:spPr bwMode="auto">
           <a:xfrm>
-            <a:off x="5902525" y="14065590"/>
-            <a:ext cx="4571920" cy="4501583"/>
+            <a:off x="5956299" y="14139512"/>
+            <a:ext cx="4518145" cy="4427661"/>
           </a:xfrm>
           <a:prstGeom prst="rect">
             <a:avLst/>
@@ -13183,9 +13650,7 @@
             <a:schemeClr val="bg1"/>
           </a:solidFill>
           <a:ln>
-            <a:solidFill>
-              <a:schemeClr val="accent1"/>
-            </a:solidFill>
+            <a:noFill/>
           </a:ln>
           <a:effectLst/>
         </p:spPr>
